--- a/Youth Worship.pptx
+++ b/Youth Worship.pptx
@@ -180,7 +180,7 @@
           <p:cNvPr id="2" name="Header Placeholder 1">
             <a:extLst>
               <a:ext uri="{FF2B5EF4-FFF2-40B4-BE49-F238E27FC236}">
-                <a16:creationId xmlns:a16="http://schemas.microsoft.com/office/drawing/2014/main" id="{5659A35A-B45A-471D-8798-A1F634660991}"/>
+                <a16:creationId xmlns:a16="http://schemas.microsoft.com/office/drawing/2014/main" xmlns="" id="{5659A35A-B45A-471D-8798-A1F634660991}"/>
               </a:ext>
             </a:extLst>
           </p:cNvPr>
@@ -218,7 +218,7 @@
           <p:cNvPr id="3" name="Date Placeholder 2">
             <a:extLst>
               <a:ext uri="{FF2B5EF4-FFF2-40B4-BE49-F238E27FC236}">
-                <a16:creationId xmlns:a16="http://schemas.microsoft.com/office/drawing/2014/main" id="{86CDBCFF-DB1C-4148-AE10-0009F0ABF666}"/>
+                <a16:creationId xmlns:a16="http://schemas.microsoft.com/office/drawing/2014/main" xmlns="" id="{86CDBCFF-DB1C-4148-AE10-0009F0ABF666}"/>
               </a:ext>
             </a:extLst>
           </p:cNvPr>
@@ -249,7 +249,7 @@
             <a:pPr rtl="0"/>
             <a:fld id="{02BF9A1E-D4FA-4D99-9C56-E1586EBD836E}" type="datetime1">
               <a:rPr lang="en-GB" smtClean="0"/>
-              <a:t>15/03/2025</a:t>
+              <a:t>16/03/2025</a:t>
             </a:fld>
             <a:endParaRPr lang="en-GB"/>
           </a:p>
@@ -260,7 +260,7 @@
           <p:cNvPr id="4" name="Footer Placeholder 3">
             <a:extLst>
               <a:ext uri="{FF2B5EF4-FFF2-40B4-BE49-F238E27FC236}">
-                <a16:creationId xmlns:a16="http://schemas.microsoft.com/office/drawing/2014/main" id="{BE624F19-BD09-4F8A-BEC3-5B4EC46FBBB9}"/>
+                <a16:creationId xmlns:a16="http://schemas.microsoft.com/office/drawing/2014/main" xmlns="" id="{BE624F19-BD09-4F8A-BEC3-5B4EC46FBBB9}"/>
               </a:ext>
             </a:extLst>
           </p:cNvPr>
@@ -298,7 +298,7 @@
           <p:cNvPr id="5" name="Slide Number Placeholder 4">
             <a:extLst>
               <a:ext uri="{FF2B5EF4-FFF2-40B4-BE49-F238E27FC236}">
-                <a16:creationId xmlns:a16="http://schemas.microsoft.com/office/drawing/2014/main" id="{A76897F4-4C0C-4FAD-84FC-2E6522438930}"/>
+                <a16:creationId xmlns:a16="http://schemas.microsoft.com/office/drawing/2014/main" xmlns="" id="{A76897F4-4C0C-4FAD-84FC-2E6522438930}"/>
               </a:ext>
             </a:extLst>
           </p:cNvPr>
@@ -431,7 +431,7 @@
             <a:pPr rtl="0"/>
             <a:fld id="{9811EB5D-B7E7-453B-8D6E-6B5653024C96}" type="datetime1">
               <a:rPr lang="en-GB" noProof="0" smtClean="0"/>
-              <a:t>15/03/2025</a:t>
+              <a:t>16/03/2025</a:t>
             </a:fld>
             <a:endParaRPr lang="en-GB" noProof="0"/>
           </a:p>
@@ -710,7 +710,7 @@
         <p:cNvPr id="1" name="">
           <a:extLst>
             <a:ext uri="{FF2B5EF4-FFF2-40B4-BE49-F238E27FC236}">
-              <a16:creationId xmlns:a16="http://schemas.microsoft.com/office/drawing/2014/main" id="{BA6CCBE5-6145-B756-75F9-4AF2F8C4A749}"/>
+              <a16:creationId xmlns:a16="http://schemas.microsoft.com/office/drawing/2014/main" xmlns="" id="{BA6CCBE5-6145-B756-75F9-4AF2F8C4A749}"/>
             </a:ext>
           </a:extLst>
         </p:cNvPr>
@@ -730,7 +730,7 @@
           <p:cNvPr id="2" name="Slide Image Placeholder 1">
             <a:extLst>
               <a:ext uri="{FF2B5EF4-FFF2-40B4-BE49-F238E27FC236}">
-                <a16:creationId xmlns:a16="http://schemas.microsoft.com/office/drawing/2014/main" id="{1B4670AC-AD41-9802-6A11-3392FA894428}"/>
+                <a16:creationId xmlns:a16="http://schemas.microsoft.com/office/drawing/2014/main" xmlns="" id="{1B4670AC-AD41-9802-6A11-3392FA894428}"/>
               </a:ext>
             </a:extLst>
           </p:cNvPr>
@@ -748,7 +748,7 @@
           <p:cNvPr id="3" name="Notes Placeholder 2">
             <a:extLst>
               <a:ext uri="{FF2B5EF4-FFF2-40B4-BE49-F238E27FC236}">
-                <a16:creationId xmlns:a16="http://schemas.microsoft.com/office/drawing/2014/main" id="{DF512682-8FD3-E1EE-86C9-EF582179E065}"/>
+                <a16:creationId xmlns:a16="http://schemas.microsoft.com/office/drawing/2014/main" xmlns="" id="{DF512682-8FD3-E1EE-86C9-EF582179E065}"/>
               </a:ext>
             </a:extLst>
           </p:cNvPr>
@@ -774,7 +774,7 @@
           <p:cNvPr id="4" name="Slide Number Placeholder 3">
             <a:extLst>
               <a:ext uri="{FF2B5EF4-FFF2-40B4-BE49-F238E27FC236}">
-                <a16:creationId xmlns:a16="http://schemas.microsoft.com/office/drawing/2014/main" id="{4BF37B64-8A0F-BA89-A7CB-A7A9635CE940}"/>
+                <a16:creationId xmlns:a16="http://schemas.microsoft.com/office/drawing/2014/main" xmlns="" id="{4BF37B64-8A0F-BA89-A7CB-A7A9635CE940}"/>
               </a:ext>
             </a:extLst>
           </p:cNvPr>
@@ -904,7 +904,7 @@
         <p:cNvPr id="1" name="">
           <a:extLst>
             <a:ext uri="{FF2B5EF4-FFF2-40B4-BE49-F238E27FC236}">
-              <a16:creationId xmlns:a16="http://schemas.microsoft.com/office/drawing/2014/main" id="{4E3A4AB0-90C4-97EC-D761-00F3E47D6373}"/>
+              <a16:creationId xmlns:a16="http://schemas.microsoft.com/office/drawing/2014/main" xmlns="" id="{4E3A4AB0-90C4-97EC-D761-00F3E47D6373}"/>
             </a:ext>
           </a:extLst>
         </p:cNvPr>
@@ -924,7 +924,7 @@
           <p:cNvPr id="2" name="Slide Image Placeholder 1">
             <a:extLst>
               <a:ext uri="{FF2B5EF4-FFF2-40B4-BE49-F238E27FC236}">
-                <a16:creationId xmlns:a16="http://schemas.microsoft.com/office/drawing/2014/main" id="{CD5D568F-2209-BBBC-0486-FC9C1FCE738A}"/>
+                <a16:creationId xmlns:a16="http://schemas.microsoft.com/office/drawing/2014/main" xmlns="" id="{CD5D568F-2209-BBBC-0486-FC9C1FCE738A}"/>
               </a:ext>
             </a:extLst>
           </p:cNvPr>
@@ -942,7 +942,7 @@
           <p:cNvPr id="3" name="Notes Placeholder 2">
             <a:extLst>
               <a:ext uri="{FF2B5EF4-FFF2-40B4-BE49-F238E27FC236}">
-                <a16:creationId xmlns:a16="http://schemas.microsoft.com/office/drawing/2014/main" id="{928064E2-3303-E9B6-3A58-D46300F41041}"/>
+                <a16:creationId xmlns:a16="http://schemas.microsoft.com/office/drawing/2014/main" xmlns="" id="{928064E2-3303-E9B6-3A58-D46300F41041}"/>
               </a:ext>
             </a:extLst>
           </p:cNvPr>
@@ -968,7 +968,7 @@
           <p:cNvPr id="4" name="Slide Number Placeholder 3">
             <a:extLst>
               <a:ext uri="{FF2B5EF4-FFF2-40B4-BE49-F238E27FC236}">
-                <a16:creationId xmlns:a16="http://schemas.microsoft.com/office/drawing/2014/main" id="{CE3DF728-14EF-9327-75BF-54CAC1D419C5}"/>
+                <a16:creationId xmlns:a16="http://schemas.microsoft.com/office/drawing/2014/main" xmlns="" id="{CE3DF728-14EF-9327-75BF-54CAC1D419C5}"/>
               </a:ext>
             </a:extLst>
           </p:cNvPr>
@@ -1014,7 +1014,7 @@
         <p:cNvPr id="1" name="">
           <a:extLst>
             <a:ext uri="{FF2B5EF4-FFF2-40B4-BE49-F238E27FC236}">
-              <a16:creationId xmlns:a16="http://schemas.microsoft.com/office/drawing/2014/main" id="{782C2233-A327-DD94-AA9B-70476339FBA2}"/>
+              <a16:creationId xmlns:a16="http://schemas.microsoft.com/office/drawing/2014/main" xmlns="" id="{782C2233-A327-DD94-AA9B-70476339FBA2}"/>
             </a:ext>
           </a:extLst>
         </p:cNvPr>
@@ -1034,7 +1034,7 @@
           <p:cNvPr id="2" name="Slide Image Placeholder 1">
             <a:extLst>
               <a:ext uri="{FF2B5EF4-FFF2-40B4-BE49-F238E27FC236}">
-                <a16:creationId xmlns:a16="http://schemas.microsoft.com/office/drawing/2014/main" id="{16E020DF-C95C-8986-5340-A2888E504A07}"/>
+                <a16:creationId xmlns:a16="http://schemas.microsoft.com/office/drawing/2014/main" xmlns="" id="{16E020DF-C95C-8986-5340-A2888E504A07}"/>
               </a:ext>
             </a:extLst>
           </p:cNvPr>
@@ -1052,7 +1052,7 @@
           <p:cNvPr id="3" name="Notes Placeholder 2">
             <a:extLst>
               <a:ext uri="{FF2B5EF4-FFF2-40B4-BE49-F238E27FC236}">
-                <a16:creationId xmlns:a16="http://schemas.microsoft.com/office/drawing/2014/main" id="{431ED360-84E9-5399-1C88-F13A1FF6E39D}"/>
+                <a16:creationId xmlns:a16="http://schemas.microsoft.com/office/drawing/2014/main" xmlns="" id="{431ED360-84E9-5399-1C88-F13A1FF6E39D}"/>
               </a:ext>
             </a:extLst>
           </p:cNvPr>
@@ -1078,7 +1078,7 @@
           <p:cNvPr id="4" name="Slide Number Placeholder 3">
             <a:extLst>
               <a:ext uri="{FF2B5EF4-FFF2-40B4-BE49-F238E27FC236}">
-                <a16:creationId xmlns:a16="http://schemas.microsoft.com/office/drawing/2014/main" id="{B9F632A5-D4C8-3980-733C-3134427DFFB4}"/>
+                <a16:creationId xmlns:a16="http://schemas.microsoft.com/office/drawing/2014/main" xmlns="" id="{B9F632A5-D4C8-3980-733C-3134427DFFB4}"/>
               </a:ext>
             </a:extLst>
           </p:cNvPr>
@@ -1589,7 +1589,7 @@
         <p:cNvPr id="1" name="">
           <a:extLst>
             <a:ext uri="{FF2B5EF4-FFF2-40B4-BE49-F238E27FC236}">
-              <a16:creationId xmlns:a16="http://schemas.microsoft.com/office/drawing/2014/main" id="{25F51C94-1ACB-E015-3E1C-E6EECB75697D}"/>
+              <a16:creationId xmlns:a16="http://schemas.microsoft.com/office/drawing/2014/main" xmlns="" id="{25F51C94-1ACB-E015-3E1C-E6EECB75697D}"/>
             </a:ext>
           </a:extLst>
         </p:cNvPr>
@@ -1609,7 +1609,7 @@
           <p:cNvPr id="2" name="Slide Image Placeholder 1">
             <a:extLst>
               <a:ext uri="{FF2B5EF4-FFF2-40B4-BE49-F238E27FC236}">
-                <a16:creationId xmlns:a16="http://schemas.microsoft.com/office/drawing/2014/main" id="{997092AA-7804-DF65-6CC2-DDB1155B8C21}"/>
+                <a16:creationId xmlns:a16="http://schemas.microsoft.com/office/drawing/2014/main" xmlns="" id="{997092AA-7804-DF65-6CC2-DDB1155B8C21}"/>
               </a:ext>
             </a:extLst>
           </p:cNvPr>
@@ -1627,7 +1627,7 @@
           <p:cNvPr id="3" name="Notes Placeholder 2">
             <a:extLst>
               <a:ext uri="{FF2B5EF4-FFF2-40B4-BE49-F238E27FC236}">
-                <a16:creationId xmlns:a16="http://schemas.microsoft.com/office/drawing/2014/main" id="{C3074BE1-127B-F56C-FC6A-6FBD72386C90}"/>
+                <a16:creationId xmlns:a16="http://schemas.microsoft.com/office/drawing/2014/main" xmlns="" id="{C3074BE1-127B-F56C-FC6A-6FBD72386C90}"/>
               </a:ext>
             </a:extLst>
           </p:cNvPr>
@@ -1653,7 +1653,7 @@
           <p:cNvPr id="4" name="Slide Number Placeholder 3">
             <a:extLst>
               <a:ext uri="{FF2B5EF4-FFF2-40B4-BE49-F238E27FC236}">
-                <a16:creationId xmlns:a16="http://schemas.microsoft.com/office/drawing/2014/main" id="{E4EF183E-F470-DB93-E406-4602669800C4}"/>
+                <a16:creationId xmlns:a16="http://schemas.microsoft.com/office/drawing/2014/main" xmlns="" id="{E4EF183E-F470-DB93-E406-4602669800C4}"/>
               </a:ext>
             </a:extLst>
           </p:cNvPr>
@@ -1699,7 +1699,7 @@
         <p:cNvPr id="1" name="">
           <a:extLst>
             <a:ext uri="{FF2B5EF4-FFF2-40B4-BE49-F238E27FC236}">
-              <a16:creationId xmlns:a16="http://schemas.microsoft.com/office/drawing/2014/main" id="{C611ABB8-39F5-70AD-CCA1-C55758BCC92A}"/>
+              <a16:creationId xmlns:a16="http://schemas.microsoft.com/office/drawing/2014/main" xmlns="" id="{C611ABB8-39F5-70AD-CCA1-C55758BCC92A}"/>
             </a:ext>
           </a:extLst>
         </p:cNvPr>
@@ -1719,7 +1719,7 @@
           <p:cNvPr id="2" name="Slide Image Placeholder 1">
             <a:extLst>
               <a:ext uri="{FF2B5EF4-FFF2-40B4-BE49-F238E27FC236}">
-                <a16:creationId xmlns:a16="http://schemas.microsoft.com/office/drawing/2014/main" id="{0E8FC7A1-0730-76A5-69F7-2DE5A7274E3E}"/>
+                <a16:creationId xmlns:a16="http://schemas.microsoft.com/office/drawing/2014/main" xmlns="" id="{0E8FC7A1-0730-76A5-69F7-2DE5A7274E3E}"/>
               </a:ext>
             </a:extLst>
           </p:cNvPr>
@@ -1737,7 +1737,7 @@
           <p:cNvPr id="3" name="Notes Placeholder 2">
             <a:extLst>
               <a:ext uri="{FF2B5EF4-FFF2-40B4-BE49-F238E27FC236}">
-                <a16:creationId xmlns:a16="http://schemas.microsoft.com/office/drawing/2014/main" id="{49B1F825-7096-FF88-0574-5D221CD30F67}"/>
+                <a16:creationId xmlns:a16="http://schemas.microsoft.com/office/drawing/2014/main" xmlns="" id="{49B1F825-7096-FF88-0574-5D221CD30F67}"/>
               </a:ext>
             </a:extLst>
           </p:cNvPr>
@@ -1763,7 +1763,7 @@
           <p:cNvPr id="4" name="Slide Number Placeholder 3">
             <a:extLst>
               <a:ext uri="{FF2B5EF4-FFF2-40B4-BE49-F238E27FC236}">
-                <a16:creationId xmlns:a16="http://schemas.microsoft.com/office/drawing/2014/main" id="{835C8EC1-0ED2-5D22-C6EC-6A1DE4B654DF}"/>
+                <a16:creationId xmlns:a16="http://schemas.microsoft.com/office/drawing/2014/main" xmlns="" id="{835C8EC1-0ED2-5D22-C6EC-6A1DE4B654DF}"/>
               </a:ext>
             </a:extLst>
           </p:cNvPr>
@@ -1868,7 +1868,7 @@
         <p:cNvPr id="1" name="">
           <a:extLst>
             <a:ext uri="{FF2B5EF4-FFF2-40B4-BE49-F238E27FC236}">
-              <a16:creationId xmlns:a16="http://schemas.microsoft.com/office/drawing/2014/main" id="{6130A6EC-F202-E0C1-1270-425D818C12A1}"/>
+              <a16:creationId xmlns:a16="http://schemas.microsoft.com/office/drawing/2014/main" xmlns="" id="{6130A6EC-F202-E0C1-1270-425D818C12A1}"/>
             </a:ext>
           </a:extLst>
         </p:cNvPr>
@@ -1888,7 +1888,7 @@
           <p:cNvPr id="2" name="Slide Image Placeholder 1">
             <a:extLst>
               <a:ext uri="{FF2B5EF4-FFF2-40B4-BE49-F238E27FC236}">
-                <a16:creationId xmlns:a16="http://schemas.microsoft.com/office/drawing/2014/main" id="{990EE85B-6196-A0F3-1BDA-0CC73DAA0B7D}"/>
+                <a16:creationId xmlns:a16="http://schemas.microsoft.com/office/drawing/2014/main" xmlns="" id="{990EE85B-6196-A0F3-1BDA-0CC73DAA0B7D}"/>
               </a:ext>
             </a:extLst>
           </p:cNvPr>
@@ -1906,7 +1906,7 @@
           <p:cNvPr id="3" name="Notes Placeholder 2">
             <a:extLst>
               <a:ext uri="{FF2B5EF4-FFF2-40B4-BE49-F238E27FC236}">
-                <a16:creationId xmlns:a16="http://schemas.microsoft.com/office/drawing/2014/main" id="{4DB358B6-71B7-B4BA-5A79-3B61F8C65C79}"/>
+                <a16:creationId xmlns:a16="http://schemas.microsoft.com/office/drawing/2014/main" xmlns="" id="{4DB358B6-71B7-B4BA-5A79-3B61F8C65C79}"/>
               </a:ext>
             </a:extLst>
           </p:cNvPr>
@@ -1932,7 +1932,7 @@
           <p:cNvPr id="4" name="Slide Number Placeholder 3">
             <a:extLst>
               <a:ext uri="{FF2B5EF4-FFF2-40B4-BE49-F238E27FC236}">
-                <a16:creationId xmlns:a16="http://schemas.microsoft.com/office/drawing/2014/main" id="{EDB64DCC-D17D-117C-4A63-A025D6F654C7}"/>
+                <a16:creationId xmlns:a16="http://schemas.microsoft.com/office/drawing/2014/main" xmlns="" id="{EDB64DCC-D17D-117C-4A63-A025D6F654C7}"/>
               </a:ext>
             </a:extLst>
           </p:cNvPr>
@@ -1978,7 +1978,7 @@
         <p:cNvPr id="1" name="">
           <a:extLst>
             <a:ext uri="{FF2B5EF4-FFF2-40B4-BE49-F238E27FC236}">
-              <a16:creationId xmlns:a16="http://schemas.microsoft.com/office/drawing/2014/main" id="{37D2D7A4-F055-5A97-4DBD-96148EB2E2EB}"/>
+              <a16:creationId xmlns:a16="http://schemas.microsoft.com/office/drawing/2014/main" xmlns="" id="{37D2D7A4-F055-5A97-4DBD-96148EB2E2EB}"/>
             </a:ext>
           </a:extLst>
         </p:cNvPr>
@@ -1998,7 +1998,7 @@
           <p:cNvPr id="2" name="Slide Image Placeholder 1">
             <a:extLst>
               <a:ext uri="{FF2B5EF4-FFF2-40B4-BE49-F238E27FC236}">
-                <a16:creationId xmlns:a16="http://schemas.microsoft.com/office/drawing/2014/main" id="{9138A976-08A5-2516-DB4C-E50AA95B9B4D}"/>
+                <a16:creationId xmlns:a16="http://schemas.microsoft.com/office/drawing/2014/main" xmlns="" id="{9138A976-08A5-2516-DB4C-E50AA95B9B4D}"/>
               </a:ext>
             </a:extLst>
           </p:cNvPr>
@@ -2016,7 +2016,7 @@
           <p:cNvPr id="3" name="Notes Placeholder 2">
             <a:extLst>
               <a:ext uri="{FF2B5EF4-FFF2-40B4-BE49-F238E27FC236}">
-                <a16:creationId xmlns:a16="http://schemas.microsoft.com/office/drawing/2014/main" id="{9FE1565C-EDE7-B382-4D7B-6F67E76B81B1}"/>
+                <a16:creationId xmlns:a16="http://schemas.microsoft.com/office/drawing/2014/main" xmlns="" id="{9FE1565C-EDE7-B382-4D7B-6F67E76B81B1}"/>
               </a:ext>
             </a:extLst>
           </p:cNvPr>
@@ -2042,7 +2042,7 @@
           <p:cNvPr id="4" name="Slide Number Placeholder 3">
             <a:extLst>
               <a:ext uri="{FF2B5EF4-FFF2-40B4-BE49-F238E27FC236}">
-                <a16:creationId xmlns:a16="http://schemas.microsoft.com/office/drawing/2014/main" id="{04FF26C2-6926-1CF2-92AE-531F49E3D004}"/>
+                <a16:creationId xmlns:a16="http://schemas.microsoft.com/office/drawing/2014/main" xmlns="" id="{04FF26C2-6926-1CF2-92AE-531F49E3D004}"/>
               </a:ext>
             </a:extLst>
           </p:cNvPr>
@@ -2147,7 +2147,7 @@
         <p:cNvPr id="1" name="">
           <a:extLst>
             <a:ext uri="{FF2B5EF4-FFF2-40B4-BE49-F238E27FC236}">
-              <a16:creationId xmlns:a16="http://schemas.microsoft.com/office/drawing/2014/main" id="{C841FAC6-26A0-26A6-84E6-72154B0D95A2}"/>
+              <a16:creationId xmlns:a16="http://schemas.microsoft.com/office/drawing/2014/main" xmlns="" id="{C841FAC6-26A0-26A6-84E6-72154B0D95A2}"/>
             </a:ext>
           </a:extLst>
         </p:cNvPr>
@@ -2167,7 +2167,7 @@
           <p:cNvPr id="2" name="Slide Image Placeholder 1">
             <a:extLst>
               <a:ext uri="{FF2B5EF4-FFF2-40B4-BE49-F238E27FC236}">
-                <a16:creationId xmlns:a16="http://schemas.microsoft.com/office/drawing/2014/main" id="{D537320D-AF27-8D93-4621-A4451FACCEC1}"/>
+                <a16:creationId xmlns:a16="http://schemas.microsoft.com/office/drawing/2014/main" xmlns="" id="{D537320D-AF27-8D93-4621-A4451FACCEC1}"/>
               </a:ext>
             </a:extLst>
           </p:cNvPr>
@@ -2185,7 +2185,7 @@
           <p:cNvPr id="3" name="Notes Placeholder 2">
             <a:extLst>
               <a:ext uri="{FF2B5EF4-FFF2-40B4-BE49-F238E27FC236}">
-                <a16:creationId xmlns:a16="http://schemas.microsoft.com/office/drawing/2014/main" id="{29531299-43EC-4003-D70B-3BFF743666DE}"/>
+                <a16:creationId xmlns:a16="http://schemas.microsoft.com/office/drawing/2014/main" xmlns="" id="{29531299-43EC-4003-D70B-3BFF743666DE}"/>
               </a:ext>
             </a:extLst>
           </p:cNvPr>
@@ -2211,7 +2211,7 @@
           <p:cNvPr id="4" name="Slide Number Placeholder 3">
             <a:extLst>
               <a:ext uri="{FF2B5EF4-FFF2-40B4-BE49-F238E27FC236}">
-                <a16:creationId xmlns:a16="http://schemas.microsoft.com/office/drawing/2014/main" id="{669D48CA-FB16-ADFD-90AE-737234A4C101}"/>
+                <a16:creationId xmlns:a16="http://schemas.microsoft.com/office/drawing/2014/main" xmlns="" id="{669D48CA-FB16-ADFD-90AE-737234A4C101}"/>
               </a:ext>
             </a:extLst>
           </p:cNvPr>
@@ -2316,7 +2316,7 @@
         <p:cNvPr id="1" name="">
           <a:extLst>
             <a:ext uri="{FF2B5EF4-FFF2-40B4-BE49-F238E27FC236}">
-              <a16:creationId xmlns:a16="http://schemas.microsoft.com/office/drawing/2014/main" id="{B341EE8D-039A-28B3-33B1-4B67688615D2}"/>
+              <a16:creationId xmlns:a16="http://schemas.microsoft.com/office/drawing/2014/main" xmlns="" id="{B341EE8D-039A-28B3-33B1-4B67688615D2}"/>
             </a:ext>
           </a:extLst>
         </p:cNvPr>
@@ -2336,7 +2336,7 @@
           <p:cNvPr id="2" name="Slide Image Placeholder 1">
             <a:extLst>
               <a:ext uri="{FF2B5EF4-FFF2-40B4-BE49-F238E27FC236}">
-                <a16:creationId xmlns:a16="http://schemas.microsoft.com/office/drawing/2014/main" id="{7B553295-B5F7-ABA2-E587-DEEA211CB226}"/>
+                <a16:creationId xmlns:a16="http://schemas.microsoft.com/office/drawing/2014/main" xmlns="" id="{7B553295-B5F7-ABA2-E587-DEEA211CB226}"/>
               </a:ext>
             </a:extLst>
           </p:cNvPr>
@@ -2354,7 +2354,7 @@
           <p:cNvPr id="3" name="Notes Placeholder 2">
             <a:extLst>
               <a:ext uri="{FF2B5EF4-FFF2-40B4-BE49-F238E27FC236}">
-                <a16:creationId xmlns:a16="http://schemas.microsoft.com/office/drawing/2014/main" id="{FA3293B6-7794-57AE-82CF-B9B57038BBE7}"/>
+                <a16:creationId xmlns:a16="http://schemas.microsoft.com/office/drawing/2014/main" xmlns="" id="{FA3293B6-7794-57AE-82CF-B9B57038BBE7}"/>
               </a:ext>
             </a:extLst>
           </p:cNvPr>
@@ -2380,7 +2380,7 @@
           <p:cNvPr id="4" name="Slide Number Placeholder 3">
             <a:extLst>
               <a:ext uri="{FF2B5EF4-FFF2-40B4-BE49-F238E27FC236}">
-                <a16:creationId xmlns:a16="http://schemas.microsoft.com/office/drawing/2014/main" id="{14532B64-2F3D-C66C-CC97-D56CF2B24693}"/>
+                <a16:creationId xmlns:a16="http://schemas.microsoft.com/office/drawing/2014/main" xmlns="" id="{14532B64-2F3D-C66C-CC97-D56CF2B24693}"/>
               </a:ext>
             </a:extLst>
           </p:cNvPr>
@@ -2485,7 +2485,7 @@
         <p:cNvPr id="1" name="">
           <a:extLst>
             <a:ext uri="{FF2B5EF4-FFF2-40B4-BE49-F238E27FC236}">
-              <a16:creationId xmlns:a16="http://schemas.microsoft.com/office/drawing/2014/main" id="{BA1095EE-A5D1-0D56-D4E8-E10CA3E81861}"/>
+              <a16:creationId xmlns:a16="http://schemas.microsoft.com/office/drawing/2014/main" xmlns="" id="{BA1095EE-A5D1-0D56-D4E8-E10CA3E81861}"/>
             </a:ext>
           </a:extLst>
         </p:cNvPr>
@@ -2505,7 +2505,7 @@
           <p:cNvPr id="2" name="Slide Image Placeholder 1">
             <a:extLst>
               <a:ext uri="{FF2B5EF4-FFF2-40B4-BE49-F238E27FC236}">
-                <a16:creationId xmlns:a16="http://schemas.microsoft.com/office/drawing/2014/main" id="{22DD21C5-9C2C-3517-7E7A-C7BC7FCF2A7E}"/>
+                <a16:creationId xmlns:a16="http://schemas.microsoft.com/office/drawing/2014/main" xmlns="" id="{22DD21C5-9C2C-3517-7E7A-C7BC7FCF2A7E}"/>
               </a:ext>
             </a:extLst>
           </p:cNvPr>
@@ -2523,7 +2523,7 @@
           <p:cNvPr id="3" name="Notes Placeholder 2">
             <a:extLst>
               <a:ext uri="{FF2B5EF4-FFF2-40B4-BE49-F238E27FC236}">
-                <a16:creationId xmlns:a16="http://schemas.microsoft.com/office/drawing/2014/main" id="{A8A69BE1-33FB-917C-00B9-9E2E3A4C1C28}"/>
+                <a16:creationId xmlns:a16="http://schemas.microsoft.com/office/drawing/2014/main" xmlns="" id="{A8A69BE1-33FB-917C-00B9-9E2E3A4C1C28}"/>
               </a:ext>
             </a:extLst>
           </p:cNvPr>
@@ -2549,7 +2549,7 @@
           <p:cNvPr id="4" name="Slide Number Placeholder 3">
             <a:extLst>
               <a:ext uri="{FF2B5EF4-FFF2-40B4-BE49-F238E27FC236}">
-                <a16:creationId xmlns:a16="http://schemas.microsoft.com/office/drawing/2014/main" id="{1B2DDD41-299D-AD31-DDEF-85BAA4343DC7}"/>
+                <a16:creationId xmlns:a16="http://schemas.microsoft.com/office/drawing/2014/main" xmlns="" id="{1B2DDD41-299D-AD31-DDEF-85BAA4343DC7}"/>
               </a:ext>
             </a:extLst>
           </p:cNvPr>
@@ -2654,7 +2654,7 @@
         <p:cNvPr id="1" name="">
           <a:extLst>
             <a:ext uri="{FF2B5EF4-FFF2-40B4-BE49-F238E27FC236}">
-              <a16:creationId xmlns:a16="http://schemas.microsoft.com/office/drawing/2014/main" id="{F1AF6BE7-1A30-E41D-D9DB-78A3D5FB1558}"/>
+              <a16:creationId xmlns:a16="http://schemas.microsoft.com/office/drawing/2014/main" xmlns="" id="{F1AF6BE7-1A30-E41D-D9DB-78A3D5FB1558}"/>
             </a:ext>
           </a:extLst>
         </p:cNvPr>
@@ -2674,7 +2674,7 @@
           <p:cNvPr id="2" name="Slide Image Placeholder 1">
             <a:extLst>
               <a:ext uri="{FF2B5EF4-FFF2-40B4-BE49-F238E27FC236}">
-                <a16:creationId xmlns:a16="http://schemas.microsoft.com/office/drawing/2014/main" id="{602F37D6-B9FD-2BB8-56F0-D0C5D3F408DF}"/>
+                <a16:creationId xmlns:a16="http://schemas.microsoft.com/office/drawing/2014/main" xmlns="" id="{602F37D6-B9FD-2BB8-56F0-D0C5D3F408DF}"/>
               </a:ext>
             </a:extLst>
           </p:cNvPr>
@@ -2692,7 +2692,7 @@
           <p:cNvPr id="3" name="Notes Placeholder 2">
             <a:extLst>
               <a:ext uri="{FF2B5EF4-FFF2-40B4-BE49-F238E27FC236}">
-                <a16:creationId xmlns:a16="http://schemas.microsoft.com/office/drawing/2014/main" id="{BD660033-1DF9-044A-E3E8-E811731E5012}"/>
+                <a16:creationId xmlns:a16="http://schemas.microsoft.com/office/drawing/2014/main" xmlns="" id="{BD660033-1DF9-044A-E3E8-E811731E5012}"/>
               </a:ext>
             </a:extLst>
           </p:cNvPr>
@@ -2718,7 +2718,7 @@
           <p:cNvPr id="4" name="Slide Number Placeholder 3">
             <a:extLst>
               <a:ext uri="{FF2B5EF4-FFF2-40B4-BE49-F238E27FC236}">
-                <a16:creationId xmlns:a16="http://schemas.microsoft.com/office/drawing/2014/main" id="{5B0A9EE4-6B2F-BBF8-DF5D-16CA959C56FF}"/>
+                <a16:creationId xmlns:a16="http://schemas.microsoft.com/office/drawing/2014/main" xmlns="" id="{5B0A9EE4-6B2F-BBF8-DF5D-16CA959C56FF}"/>
               </a:ext>
             </a:extLst>
           </p:cNvPr>
@@ -2823,7 +2823,7 @@
         <p:cNvPr id="1" name="">
           <a:extLst>
             <a:ext uri="{FF2B5EF4-FFF2-40B4-BE49-F238E27FC236}">
-              <a16:creationId xmlns:a16="http://schemas.microsoft.com/office/drawing/2014/main" id="{3AE43C97-FFDA-14CD-E203-676DAB023245}"/>
+              <a16:creationId xmlns:a16="http://schemas.microsoft.com/office/drawing/2014/main" xmlns="" id="{3AE43C97-FFDA-14CD-E203-676DAB023245}"/>
             </a:ext>
           </a:extLst>
         </p:cNvPr>
@@ -2843,7 +2843,7 @@
           <p:cNvPr id="2" name="Slide Image Placeholder 1">
             <a:extLst>
               <a:ext uri="{FF2B5EF4-FFF2-40B4-BE49-F238E27FC236}">
-                <a16:creationId xmlns:a16="http://schemas.microsoft.com/office/drawing/2014/main" id="{C2DC729F-83C6-58A1-A2E9-F10B9B08C381}"/>
+                <a16:creationId xmlns:a16="http://schemas.microsoft.com/office/drawing/2014/main" xmlns="" id="{C2DC729F-83C6-58A1-A2E9-F10B9B08C381}"/>
               </a:ext>
             </a:extLst>
           </p:cNvPr>
@@ -2861,7 +2861,7 @@
           <p:cNvPr id="3" name="Notes Placeholder 2">
             <a:extLst>
               <a:ext uri="{FF2B5EF4-FFF2-40B4-BE49-F238E27FC236}">
-                <a16:creationId xmlns:a16="http://schemas.microsoft.com/office/drawing/2014/main" id="{369B6248-477C-F24C-3B20-63D12AEE744A}"/>
+                <a16:creationId xmlns:a16="http://schemas.microsoft.com/office/drawing/2014/main" xmlns="" id="{369B6248-477C-F24C-3B20-63D12AEE744A}"/>
               </a:ext>
             </a:extLst>
           </p:cNvPr>
@@ -2887,7 +2887,7 @@
           <p:cNvPr id="4" name="Slide Number Placeholder 3">
             <a:extLst>
               <a:ext uri="{FF2B5EF4-FFF2-40B4-BE49-F238E27FC236}">
-                <a16:creationId xmlns:a16="http://schemas.microsoft.com/office/drawing/2014/main" id="{8E3F9C0B-FDA8-BB18-67A2-0B7006D82597}"/>
+                <a16:creationId xmlns:a16="http://schemas.microsoft.com/office/drawing/2014/main" xmlns="" id="{8E3F9C0B-FDA8-BB18-67A2-0B7006D82597}"/>
               </a:ext>
             </a:extLst>
           </p:cNvPr>
@@ -2992,7 +2992,7 @@
         <p:cNvPr id="1" name="">
           <a:extLst>
             <a:ext uri="{FF2B5EF4-FFF2-40B4-BE49-F238E27FC236}">
-              <a16:creationId xmlns:a16="http://schemas.microsoft.com/office/drawing/2014/main" id="{A091866E-F455-B719-2312-BA6754A3E0D2}"/>
+              <a16:creationId xmlns:a16="http://schemas.microsoft.com/office/drawing/2014/main" xmlns="" id="{A091866E-F455-B719-2312-BA6754A3E0D2}"/>
             </a:ext>
           </a:extLst>
         </p:cNvPr>
@@ -3012,7 +3012,7 @@
           <p:cNvPr id="2" name="Slide Image Placeholder 1">
             <a:extLst>
               <a:ext uri="{FF2B5EF4-FFF2-40B4-BE49-F238E27FC236}">
-                <a16:creationId xmlns:a16="http://schemas.microsoft.com/office/drawing/2014/main" id="{7AFA6E3C-0EF5-738D-AF97-CDD9E107369E}"/>
+                <a16:creationId xmlns:a16="http://schemas.microsoft.com/office/drawing/2014/main" xmlns="" id="{7AFA6E3C-0EF5-738D-AF97-CDD9E107369E}"/>
               </a:ext>
             </a:extLst>
           </p:cNvPr>
@@ -3030,7 +3030,7 @@
           <p:cNvPr id="3" name="Notes Placeholder 2">
             <a:extLst>
               <a:ext uri="{FF2B5EF4-FFF2-40B4-BE49-F238E27FC236}">
-                <a16:creationId xmlns:a16="http://schemas.microsoft.com/office/drawing/2014/main" id="{2872DAA5-5E7D-B3A7-AD2A-D06F9C807B81}"/>
+                <a16:creationId xmlns:a16="http://schemas.microsoft.com/office/drawing/2014/main" xmlns="" id="{2872DAA5-5E7D-B3A7-AD2A-D06F9C807B81}"/>
               </a:ext>
             </a:extLst>
           </p:cNvPr>
@@ -3056,7 +3056,7 @@
           <p:cNvPr id="4" name="Slide Number Placeholder 3">
             <a:extLst>
               <a:ext uri="{FF2B5EF4-FFF2-40B4-BE49-F238E27FC236}">
-                <a16:creationId xmlns:a16="http://schemas.microsoft.com/office/drawing/2014/main" id="{754E1D83-9F92-EA0C-5F69-25E924D23593}"/>
+                <a16:creationId xmlns:a16="http://schemas.microsoft.com/office/drawing/2014/main" xmlns="" id="{754E1D83-9F92-EA0C-5F69-25E924D23593}"/>
               </a:ext>
             </a:extLst>
           </p:cNvPr>
@@ -3161,7 +3161,7 @@
         <p:cNvPr id="1" name="">
           <a:extLst>
             <a:ext uri="{FF2B5EF4-FFF2-40B4-BE49-F238E27FC236}">
-              <a16:creationId xmlns:a16="http://schemas.microsoft.com/office/drawing/2014/main" id="{43EC455D-0298-AE63-598D-A071AAD32707}"/>
+              <a16:creationId xmlns:a16="http://schemas.microsoft.com/office/drawing/2014/main" xmlns="" id="{43EC455D-0298-AE63-598D-A071AAD32707}"/>
             </a:ext>
           </a:extLst>
         </p:cNvPr>
@@ -3181,7 +3181,7 @@
           <p:cNvPr id="2" name="Slide Image Placeholder 1">
             <a:extLst>
               <a:ext uri="{FF2B5EF4-FFF2-40B4-BE49-F238E27FC236}">
-                <a16:creationId xmlns:a16="http://schemas.microsoft.com/office/drawing/2014/main" id="{6CC48CA2-F15B-7C4E-E65A-84E79C2AE4E7}"/>
+                <a16:creationId xmlns:a16="http://schemas.microsoft.com/office/drawing/2014/main" xmlns="" id="{6CC48CA2-F15B-7C4E-E65A-84E79C2AE4E7}"/>
               </a:ext>
             </a:extLst>
           </p:cNvPr>
@@ -3199,7 +3199,7 @@
           <p:cNvPr id="3" name="Notes Placeholder 2">
             <a:extLst>
               <a:ext uri="{FF2B5EF4-FFF2-40B4-BE49-F238E27FC236}">
-                <a16:creationId xmlns:a16="http://schemas.microsoft.com/office/drawing/2014/main" id="{2AFAB4F3-F2D8-0454-A6CC-E5DEDC263BC6}"/>
+                <a16:creationId xmlns:a16="http://schemas.microsoft.com/office/drawing/2014/main" xmlns="" id="{2AFAB4F3-F2D8-0454-A6CC-E5DEDC263BC6}"/>
               </a:ext>
             </a:extLst>
           </p:cNvPr>
@@ -3225,7 +3225,7 @@
           <p:cNvPr id="4" name="Slide Number Placeholder 3">
             <a:extLst>
               <a:ext uri="{FF2B5EF4-FFF2-40B4-BE49-F238E27FC236}">
-                <a16:creationId xmlns:a16="http://schemas.microsoft.com/office/drawing/2014/main" id="{A543EAF3-E629-EE0F-BB9D-6796869A9D8E}"/>
+                <a16:creationId xmlns:a16="http://schemas.microsoft.com/office/drawing/2014/main" xmlns="" id="{A543EAF3-E629-EE0F-BB9D-6796869A9D8E}"/>
               </a:ext>
             </a:extLst>
           </p:cNvPr>
@@ -3330,7 +3330,7 @@
         <p:cNvPr id="1" name="">
           <a:extLst>
             <a:ext uri="{FF2B5EF4-FFF2-40B4-BE49-F238E27FC236}">
-              <a16:creationId xmlns:a16="http://schemas.microsoft.com/office/drawing/2014/main" id="{E97C7C03-B484-8AA0-F89C-87BC555E60FE}"/>
+              <a16:creationId xmlns:a16="http://schemas.microsoft.com/office/drawing/2014/main" xmlns="" id="{E97C7C03-B484-8AA0-F89C-87BC555E60FE}"/>
             </a:ext>
           </a:extLst>
         </p:cNvPr>
@@ -3350,7 +3350,7 @@
           <p:cNvPr id="2" name="Slide Image Placeholder 1">
             <a:extLst>
               <a:ext uri="{FF2B5EF4-FFF2-40B4-BE49-F238E27FC236}">
-                <a16:creationId xmlns:a16="http://schemas.microsoft.com/office/drawing/2014/main" id="{63F96518-4977-89CA-AEBB-1E821EB8DCA1}"/>
+                <a16:creationId xmlns:a16="http://schemas.microsoft.com/office/drawing/2014/main" xmlns="" id="{63F96518-4977-89CA-AEBB-1E821EB8DCA1}"/>
               </a:ext>
             </a:extLst>
           </p:cNvPr>
@@ -3368,7 +3368,7 @@
           <p:cNvPr id="3" name="Notes Placeholder 2">
             <a:extLst>
               <a:ext uri="{FF2B5EF4-FFF2-40B4-BE49-F238E27FC236}">
-                <a16:creationId xmlns:a16="http://schemas.microsoft.com/office/drawing/2014/main" id="{676F02D6-B89A-80B9-EB84-B50CF380008A}"/>
+                <a16:creationId xmlns:a16="http://schemas.microsoft.com/office/drawing/2014/main" xmlns="" id="{676F02D6-B89A-80B9-EB84-B50CF380008A}"/>
               </a:ext>
             </a:extLst>
           </p:cNvPr>
@@ -3394,7 +3394,7 @@
           <p:cNvPr id="4" name="Slide Number Placeholder 3">
             <a:extLst>
               <a:ext uri="{FF2B5EF4-FFF2-40B4-BE49-F238E27FC236}">
-                <a16:creationId xmlns:a16="http://schemas.microsoft.com/office/drawing/2014/main" id="{4A1F9B01-6F2E-7FAE-D140-26FCDCFB19BB}"/>
+                <a16:creationId xmlns:a16="http://schemas.microsoft.com/office/drawing/2014/main" xmlns="" id="{4A1F9B01-6F2E-7FAE-D140-26FCDCFB19BB}"/>
               </a:ext>
             </a:extLst>
           </p:cNvPr>
@@ -3499,7 +3499,7 @@
         <p:cNvPr id="1" name="">
           <a:extLst>
             <a:ext uri="{FF2B5EF4-FFF2-40B4-BE49-F238E27FC236}">
-              <a16:creationId xmlns:a16="http://schemas.microsoft.com/office/drawing/2014/main" id="{1445C856-7734-A816-3318-7671234E31AC}"/>
+              <a16:creationId xmlns:a16="http://schemas.microsoft.com/office/drawing/2014/main" xmlns="" id="{1445C856-7734-A816-3318-7671234E31AC}"/>
             </a:ext>
           </a:extLst>
         </p:cNvPr>
@@ -3519,7 +3519,7 @@
           <p:cNvPr id="2" name="Slide Image Placeholder 1">
             <a:extLst>
               <a:ext uri="{FF2B5EF4-FFF2-40B4-BE49-F238E27FC236}">
-                <a16:creationId xmlns:a16="http://schemas.microsoft.com/office/drawing/2014/main" id="{C41E3648-EDE1-FCC1-DD8F-2FDEA89F8816}"/>
+                <a16:creationId xmlns:a16="http://schemas.microsoft.com/office/drawing/2014/main" xmlns="" id="{C41E3648-EDE1-FCC1-DD8F-2FDEA89F8816}"/>
               </a:ext>
             </a:extLst>
           </p:cNvPr>
@@ -3537,7 +3537,7 @@
           <p:cNvPr id="3" name="Notes Placeholder 2">
             <a:extLst>
               <a:ext uri="{FF2B5EF4-FFF2-40B4-BE49-F238E27FC236}">
-                <a16:creationId xmlns:a16="http://schemas.microsoft.com/office/drawing/2014/main" id="{A01F8E4E-677C-8CC2-5AFA-6244797EE5DB}"/>
+                <a16:creationId xmlns:a16="http://schemas.microsoft.com/office/drawing/2014/main" xmlns="" id="{A01F8E4E-677C-8CC2-5AFA-6244797EE5DB}"/>
               </a:ext>
             </a:extLst>
           </p:cNvPr>
@@ -3563,7 +3563,7 @@
           <p:cNvPr id="4" name="Slide Number Placeholder 3">
             <a:extLst>
               <a:ext uri="{FF2B5EF4-FFF2-40B4-BE49-F238E27FC236}">
-                <a16:creationId xmlns:a16="http://schemas.microsoft.com/office/drawing/2014/main" id="{E563EB4F-C5EF-A6D0-31A0-605F9DB7A587}"/>
+                <a16:creationId xmlns:a16="http://schemas.microsoft.com/office/drawing/2014/main" xmlns="" id="{E563EB4F-C5EF-A6D0-31A0-605F9DB7A587}"/>
               </a:ext>
             </a:extLst>
           </p:cNvPr>
@@ -3668,7 +3668,7 @@
         <p:cNvPr id="1" name="">
           <a:extLst>
             <a:ext uri="{FF2B5EF4-FFF2-40B4-BE49-F238E27FC236}">
-              <a16:creationId xmlns:a16="http://schemas.microsoft.com/office/drawing/2014/main" id="{BA6CCBE5-6145-B756-75F9-4AF2F8C4A749}"/>
+              <a16:creationId xmlns:a16="http://schemas.microsoft.com/office/drawing/2014/main" xmlns="" id="{BA6CCBE5-6145-B756-75F9-4AF2F8C4A749}"/>
             </a:ext>
           </a:extLst>
         </p:cNvPr>
@@ -3688,7 +3688,7 @@
           <p:cNvPr id="2" name="Slide Image Placeholder 1">
             <a:extLst>
               <a:ext uri="{FF2B5EF4-FFF2-40B4-BE49-F238E27FC236}">
-                <a16:creationId xmlns:a16="http://schemas.microsoft.com/office/drawing/2014/main" id="{1B4670AC-AD41-9802-6A11-3392FA894428}"/>
+                <a16:creationId xmlns:a16="http://schemas.microsoft.com/office/drawing/2014/main" xmlns="" id="{1B4670AC-AD41-9802-6A11-3392FA894428}"/>
               </a:ext>
             </a:extLst>
           </p:cNvPr>
@@ -3706,7 +3706,7 @@
           <p:cNvPr id="3" name="Notes Placeholder 2">
             <a:extLst>
               <a:ext uri="{FF2B5EF4-FFF2-40B4-BE49-F238E27FC236}">
-                <a16:creationId xmlns:a16="http://schemas.microsoft.com/office/drawing/2014/main" id="{DF512682-8FD3-E1EE-86C9-EF582179E065}"/>
+                <a16:creationId xmlns:a16="http://schemas.microsoft.com/office/drawing/2014/main" xmlns="" id="{DF512682-8FD3-E1EE-86C9-EF582179E065}"/>
               </a:ext>
             </a:extLst>
           </p:cNvPr>
@@ -3732,7 +3732,7 @@
           <p:cNvPr id="4" name="Slide Number Placeholder 3">
             <a:extLst>
               <a:ext uri="{FF2B5EF4-FFF2-40B4-BE49-F238E27FC236}">
-                <a16:creationId xmlns:a16="http://schemas.microsoft.com/office/drawing/2014/main" id="{4BF37B64-8A0F-BA89-A7CB-A7A9635CE940}"/>
+                <a16:creationId xmlns:a16="http://schemas.microsoft.com/office/drawing/2014/main" xmlns="" id="{4BF37B64-8A0F-BA89-A7CB-A7A9635CE940}"/>
               </a:ext>
             </a:extLst>
           </p:cNvPr>
@@ -3778,7 +3778,7 @@
         <p:cNvPr id="1" name="">
           <a:extLst>
             <a:ext uri="{FF2B5EF4-FFF2-40B4-BE49-F238E27FC236}">
-              <a16:creationId xmlns:a16="http://schemas.microsoft.com/office/drawing/2014/main" id="{BBD142CE-E40B-78D2-E1CB-F529EFCA6A81}"/>
+              <a16:creationId xmlns:a16="http://schemas.microsoft.com/office/drawing/2014/main" xmlns="" id="{BBD142CE-E40B-78D2-E1CB-F529EFCA6A81}"/>
             </a:ext>
           </a:extLst>
         </p:cNvPr>
@@ -3798,7 +3798,7 @@
           <p:cNvPr id="2" name="Slide Image Placeholder 1">
             <a:extLst>
               <a:ext uri="{FF2B5EF4-FFF2-40B4-BE49-F238E27FC236}">
-                <a16:creationId xmlns:a16="http://schemas.microsoft.com/office/drawing/2014/main" id="{1243F738-C8C3-C168-72FE-8F310A811805}"/>
+                <a16:creationId xmlns:a16="http://schemas.microsoft.com/office/drawing/2014/main" xmlns="" id="{1243F738-C8C3-C168-72FE-8F310A811805}"/>
               </a:ext>
             </a:extLst>
           </p:cNvPr>
@@ -3816,7 +3816,7 @@
           <p:cNvPr id="3" name="Notes Placeholder 2">
             <a:extLst>
               <a:ext uri="{FF2B5EF4-FFF2-40B4-BE49-F238E27FC236}">
-                <a16:creationId xmlns:a16="http://schemas.microsoft.com/office/drawing/2014/main" id="{4DCED629-4FA6-2C51-D5DA-D0D3CDE6671E}"/>
+                <a16:creationId xmlns:a16="http://schemas.microsoft.com/office/drawing/2014/main" xmlns="" id="{4DCED629-4FA6-2C51-D5DA-D0D3CDE6671E}"/>
               </a:ext>
             </a:extLst>
           </p:cNvPr>
@@ -3842,7 +3842,7 @@
           <p:cNvPr id="4" name="Slide Number Placeholder 3">
             <a:extLst>
               <a:ext uri="{FF2B5EF4-FFF2-40B4-BE49-F238E27FC236}">
-                <a16:creationId xmlns:a16="http://schemas.microsoft.com/office/drawing/2014/main" id="{FEACDA60-CD6C-F4AA-C325-A2C0A10427EE}"/>
+                <a16:creationId xmlns:a16="http://schemas.microsoft.com/office/drawing/2014/main" xmlns="" id="{FEACDA60-CD6C-F4AA-C325-A2C0A10427EE}"/>
               </a:ext>
             </a:extLst>
           </p:cNvPr>
@@ -3947,7 +3947,7 @@
         <p:cNvPr id="1" name="">
           <a:extLst>
             <a:ext uri="{FF2B5EF4-FFF2-40B4-BE49-F238E27FC236}">
-              <a16:creationId xmlns:a16="http://schemas.microsoft.com/office/drawing/2014/main" id="{52DF4885-F4B9-2BB6-E14C-21514E40FDE3}"/>
+              <a16:creationId xmlns:a16="http://schemas.microsoft.com/office/drawing/2014/main" xmlns="" id="{52DF4885-F4B9-2BB6-E14C-21514E40FDE3}"/>
             </a:ext>
           </a:extLst>
         </p:cNvPr>
@@ -3967,7 +3967,7 @@
           <p:cNvPr id="2" name="Slide Image Placeholder 1">
             <a:extLst>
               <a:ext uri="{FF2B5EF4-FFF2-40B4-BE49-F238E27FC236}">
-                <a16:creationId xmlns:a16="http://schemas.microsoft.com/office/drawing/2014/main" id="{69E93B22-BE13-7899-3A96-E368AA783B4A}"/>
+                <a16:creationId xmlns:a16="http://schemas.microsoft.com/office/drawing/2014/main" xmlns="" id="{69E93B22-BE13-7899-3A96-E368AA783B4A}"/>
               </a:ext>
             </a:extLst>
           </p:cNvPr>
@@ -3985,7 +3985,7 @@
           <p:cNvPr id="3" name="Notes Placeholder 2">
             <a:extLst>
               <a:ext uri="{FF2B5EF4-FFF2-40B4-BE49-F238E27FC236}">
-                <a16:creationId xmlns:a16="http://schemas.microsoft.com/office/drawing/2014/main" id="{79828085-6792-3DE2-75A5-E7E4EB955C72}"/>
+                <a16:creationId xmlns:a16="http://schemas.microsoft.com/office/drawing/2014/main" xmlns="" id="{79828085-6792-3DE2-75A5-E7E4EB955C72}"/>
               </a:ext>
             </a:extLst>
           </p:cNvPr>
@@ -4011,7 +4011,7 @@
           <p:cNvPr id="4" name="Slide Number Placeholder 3">
             <a:extLst>
               <a:ext uri="{FF2B5EF4-FFF2-40B4-BE49-F238E27FC236}">
-                <a16:creationId xmlns:a16="http://schemas.microsoft.com/office/drawing/2014/main" id="{F62C85EF-C20A-B995-5E46-4A9FBF746A01}"/>
+                <a16:creationId xmlns:a16="http://schemas.microsoft.com/office/drawing/2014/main" xmlns="" id="{F62C85EF-C20A-B995-5E46-4A9FBF746A01}"/>
               </a:ext>
             </a:extLst>
           </p:cNvPr>
@@ -4404,7 +4404,7 @@
         <p:cNvPr id="1" name="">
           <a:extLst>
             <a:ext uri="{FF2B5EF4-FFF2-40B4-BE49-F238E27FC236}">
-              <a16:creationId xmlns:a16="http://schemas.microsoft.com/office/drawing/2014/main" id="{CC681099-9B43-EC6A-1582-C73B5AB18496}"/>
+              <a16:creationId xmlns:a16="http://schemas.microsoft.com/office/drawing/2014/main" xmlns="" id="{CC681099-9B43-EC6A-1582-C73B5AB18496}"/>
             </a:ext>
           </a:extLst>
         </p:cNvPr>
@@ -4424,7 +4424,7 @@
           <p:cNvPr id="2" name="Slide Image Placeholder 1">
             <a:extLst>
               <a:ext uri="{FF2B5EF4-FFF2-40B4-BE49-F238E27FC236}">
-                <a16:creationId xmlns:a16="http://schemas.microsoft.com/office/drawing/2014/main" id="{506D468E-2866-D230-CE4C-4CC8C119C35E}"/>
+                <a16:creationId xmlns:a16="http://schemas.microsoft.com/office/drawing/2014/main" xmlns="" id="{506D468E-2866-D230-CE4C-4CC8C119C35E}"/>
               </a:ext>
             </a:extLst>
           </p:cNvPr>
@@ -4442,7 +4442,7 @@
           <p:cNvPr id="3" name="Notes Placeholder 2">
             <a:extLst>
               <a:ext uri="{FF2B5EF4-FFF2-40B4-BE49-F238E27FC236}">
-                <a16:creationId xmlns:a16="http://schemas.microsoft.com/office/drawing/2014/main" id="{3418377B-B7F6-6128-BD24-CC36F4FC0375}"/>
+                <a16:creationId xmlns:a16="http://schemas.microsoft.com/office/drawing/2014/main" xmlns="" id="{3418377B-B7F6-6128-BD24-CC36F4FC0375}"/>
               </a:ext>
             </a:extLst>
           </p:cNvPr>
@@ -4467,7 +4467,7 @@
           <p:cNvPr id="4" name="Slide Number Placeholder 3">
             <a:extLst>
               <a:ext uri="{FF2B5EF4-FFF2-40B4-BE49-F238E27FC236}">
-                <a16:creationId xmlns:a16="http://schemas.microsoft.com/office/drawing/2014/main" id="{7F3CAEB2-41EB-EAAF-4EEA-9446DF67E5F1}"/>
+                <a16:creationId xmlns:a16="http://schemas.microsoft.com/office/drawing/2014/main" xmlns="" id="{7F3CAEB2-41EB-EAAF-4EEA-9446DF67E5F1}"/>
               </a:ext>
             </a:extLst>
           </p:cNvPr>
@@ -4572,7 +4572,7 @@
         <p:cNvPr id="1" name="">
           <a:extLst>
             <a:ext uri="{FF2B5EF4-FFF2-40B4-BE49-F238E27FC236}">
-              <a16:creationId xmlns:a16="http://schemas.microsoft.com/office/drawing/2014/main" id="{A21FF695-6896-E5E7-F043-FA4BE6A98325}"/>
+              <a16:creationId xmlns:a16="http://schemas.microsoft.com/office/drawing/2014/main" xmlns="" id="{A21FF695-6896-E5E7-F043-FA4BE6A98325}"/>
             </a:ext>
           </a:extLst>
         </p:cNvPr>
@@ -4592,7 +4592,7 @@
           <p:cNvPr id="2" name="Slide Image Placeholder 1">
             <a:extLst>
               <a:ext uri="{FF2B5EF4-FFF2-40B4-BE49-F238E27FC236}">
-                <a16:creationId xmlns:a16="http://schemas.microsoft.com/office/drawing/2014/main" id="{C0C22F8A-BA56-09EC-F10C-F124BEAAECBD}"/>
+                <a16:creationId xmlns:a16="http://schemas.microsoft.com/office/drawing/2014/main" xmlns="" id="{C0C22F8A-BA56-09EC-F10C-F124BEAAECBD}"/>
               </a:ext>
             </a:extLst>
           </p:cNvPr>
@@ -4610,7 +4610,7 @@
           <p:cNvPr id="3" name="Notes Placeholder 2">
             <a:extLst>
               <a:ext uri="{FF2B5EF4-FFF2-40B4-BE49-F238E27FC236}">
-                <a16:creationId xmlns:a16="http://schemas.microsoft.com/office/drawing/2014/main" id="{57D00348-7647-101F-EB79-474C5AE74DED}"/>
+                <a16:creationId xmlns:a16="http://schemas.microsoft.com/office/drawing/2014/main" xmlns="" id="{57D00348-7647-101F-EB79-474C5AE74DED}"/>
               </a:ext>
             </a:extLst>
           </p:cNvPr>
@@ -4635,7 +4635,7 @@
           <p:cNvPr id="4" name="Slide Number Placeholder 3">
             <a:extLst>
               <a:ext uri="{FF2B5EF4-FFF2-40B4-BE49-F238E27FC236}">
-                <a16:creationId xmlns:a16="http://schemas.microsoft.com/office/drawing/2014/main" id="{A880CACC-EDC2-918A-D2D4-2977FFDC29D9}"/>
+                <a16:creationId xmlns:a16="http://schemas.microsoft.com/office/drawing/2014/main" xmlns="" id="{A880CACC-EDC2-918A-D2D4-2977FFDC29D9}"/>
               </a:ext>
             </a:extLst>
           </p:cNvPr>
@@ -4922,7 +4922,7 @@
           <p:cNvPr id="2" name="Title 1">
             <a:extLst>
               <a:ext uri="{FF2B5EF4-FFF2-40B4-BE49-F238E27FC236}">
-                <a16:creationId xmlns:a16="http://schemas.microsoft.com/office/drawing/2014/main" id="{B980C5E7-B1A1-4648-89D2-17B0F1E7F5B3}"/>
+                <a16:creationId xmlns:a16="http://schemas.microsoft.com/office/drawing/2014/main" xmlns="" id="{B980C5E7-B1A1-4648-89D2-17B0F1E7F5B3}"/>
               </a:ext>
             </a:extLst>
           </p:cNvPr>
@@ -4961,7 +4961,7 @@
           <p:cNvPr id="3" name="Subtitle 2">
             <a:extLst>
               <a:ext uri="{FF2B5EF4-FFF2-40B4-BE49-F238E27FC236}">
-                <a16:creationId xmlns:a16="http://schemas.microsoft.com/office/drawing/2014/main" id="{5D140298-3E00-4E73-B947-697E69282864}"/>
+                <a16:creationId xmlns:a16="http://schemas.microsoft.com/office/drawing/2014/main" xmlns="" id="{5D140298-3E00-4E73-B947-697E69282864}"/>
               </a:ext>
             </a:extLst>
           </p:cNvPr>
@@ -5033,7 +5033,7 @@
           <p:cNvPr id="4" name="Date Placeholder 3">
             <a:extLst>
               <a:ext uri="{FF2B5EF4-FFF2-40B4-BE49-F238E27FC236}">
-                <a16:creationId xmlns:a16="http://schemas.microsoft.com/office/drawing/2014/main" id="{A6BB99EB-0E86-4FEA-A9C4-501D4E755A2B}"/>
+                <a16:creationId xmlns:a16="http://schemas.microsoft.com/office/drawing/2014/main" xmlns="" id="{A6BB99EB-0E86-4FEA-A9C4-501D4E755A2B}"/>
               </a:ext>
             </a:extLst>
           </p:cNvPr>
@@ -5052,7 +5052,7 @@
             <a:pPr rtl="0"/>
             <a:fld id="{577270AC-D87E-4C20-BAE0-C01CAC4145D6}" type="datetime1">
               <a:rPr lang="en-GB" noProof="0" smtClean="0"/>
-              <a:t>15/03/2025</a:t>
+              <a:t>16/03/2025</a:t>
             </a:fld>
             <a:endParaRPr lang="en-GB" noProof="0"/>
           </a:p>
@@ -5063,7 +5063,7 @@
           <p:cNvPr id="5" name="Footer Placeholder 4">
             <a:extLst>
               <a:ext uri="{FF2B5EF4-FFF2-40B4-BE49-F238E27FC236}">
-                <a16:creationId xmlns:a16="http://schemas.microsoft.com/office/drawing/2014/main" id="{6731F536-58DF-4935-AE3B-7A08C03124E4}"/>
+                <a16:creationId xmlns:a16="http://schemas.microsoft.com/office/drawing/2014/main" xmlns="" id="{6731F536-58DF-4935-AE3B-7A08C03124E4}"/>
               </a:ext>
             </a:extLst>
           </p:cNvPr>
@@ -5089,7 +5089,7 @@
           <p:cNvPr id="6" name="Slide Number Placeholder 5">
             <a:extLst>
               <a:ext uri="{FF2B5EF4-FFF2-40B4-BE49-F238E27FC236}">
-                <a16:creationId xmlns:a16="http://schemas.microsoft.com/office/drawing/2014/main" id="{FE995127-BE30-42B7-9BE5-B83CC6A2E685}"/>
+                <a16:creationId xmlns:a16="http://schemas.microsoft.com/office/drawing/2014/main" xmlns="" id="{FE995127-BE30-42B7-9BE5-B83CC6A2E685}"/>
               </a:ext>
             </a:extLst>
           </p:cNvPr>
@@ -5258,7 +5258,7 @@
           <a:p>
             <a:fld id="{5DF1063C-92B4-4639-B2A4-9B5B377FD0D0}" type="datetime2">
               <a:rPr lang="km-KH" smtClean="0"/>
-              <a:t>ថ្ងៃសៅរ៍ 15 មិនា 2025</a:t>
+              <a:t>ថ្ងៃអាទិត្យ 16 មិនា 2025</a:t>
             </a:fld>
             <a:endParaRPr lang="en-US"/>
           </a:p>
@@ -5432,7 +5432,7 @@
           <a:p>
             <a:fld id="{60870323-6C7C-43CB-8237-9591F503B365}" type="datetime2">
               <a:rPr lang="km-KH" smtClean="0"/>
-              <a:t>ថ្ងៃសៅរ៍ 15 មិនា 2025</a:t>
+              <a:t>ថ្ងៃអាទិត្យ 16 មិនា 2025</a:t>
             </a:fld>
             <a:endParaRPr lang="en-US"/>
           </a:p>
@@ -5682,7 +5682,7 @@
           <a:p>
             <a:fld id="{0C14906D-ACD1-4D14-8BAA-09D5741CB142}" type="datetime2">
               <a:rPr lang="km-KH" smtClean="0"/>
-              <a:t>ថ្ងៃសៅរ៍ 15 មិនា 2025</a:t>
+              <a:t>ថ្ងៃអាទិត្យ 16 មិនា 2025</a:t>
             </a:fld>
             <a:endParaRPr lang="en-US"/>
           </a:p>
@@ -5918,7 +5918,7 @@
           <a:p>
             <a:fld id="{205040C8-119B-4E21-AA8C-AFF679A91D54}" type="datetime2">
               <a:rPr lang="km-KH" smtClean="0"/>
-              <a:t>ថ្ងៃសៅរ៍ 15 មិនា 2025</a:t>
+              <a:t>ថ្ងៃអាទិត្យ 16 មិនា 2025</a:t>
             </a:fld>
             <a:endParaRPr lang="en-US"/>
           </a:p>
@@ -6289,7 +6289,7 @@
           <a:p>
             <a:fld id="{53D7C5FC-45F3-459C-B7E8-4192AEB6866E}" type="datetime2">
               <a:rPr lang="km-KH" smtClean="0"/>
-              <a:t>ថ្ងៃសៅរ៍ 15 មិនា 2025</a:t>
+              <a:t>ថ្ងៃអាទិត្យ 16 មិនា 2025</a:t>
             </a:fld>
             <a:endParaRPr lang="en-US"/>
           </a:p>
@@ -6411,7 +6411,7 @@
           <a:p>
             <a:fld id="{4B857738-2A4E-4BB5-9CB1-EDD07A4F37B3}" type="datetime2">
               <a:rPr lang="km-KH" smtClean="0"/>
-              <a:t>ថ្ងៃសៅរ៍ 15 មិនា 2025</a:t>
+              <a:t>ថ្ងៃអាទិត្យ 16 មិនា 2025</a:t>
             </a:fld>
             <a:endParaRPr lang="en-US"/>
           </a:p>
@@ -6510,7 +6510,7 @@
           <a:p>
             <a:fld id="{C4777F6E-77D9-44CF-A86F-57E9F3835902}" type="datetime2">
               <a:rPr lang="km-KH" smtClean="0"/>
-              <a:t>ថ្ងៃសៅរ៍ 15 មិនា 2025</a:t>
+              <a:t>ថ្ងៃអាទិត្យ 16 មិនា 2025</a:t>
             </a:fld>
             <a:endParaRPr lang="en-US"/>
           </a:p>
@@ -6791,7 +6791,7 @@
           <a:p>
             <a:fld id="{E10B6B7A-E7DE-45FD-A9AD-CA1E02362856}" type="datetime2">
               <a:rPr lang="km-KH" smtClean="0"/>
-              <a:t>ថ្ងៃសៅរ៍ 15 មិនា 2025</a:t>
+              <a:t>ថ្ងៃអាទិត្យ 16 មិនា 2025</a:t>
             </a:fld>
             <a:endParaRPr lang="en-US"/>
           </a:p>
@@ -7052,7 +7052,7 @@
           <a:p>
             <a:fld id="{6A580026-77E6-45E7-B429-7352C4C96152}" type="datetime2">
               <a:rPr lang="km-KH" smtClean="0"/>
-              <a:t>ថ្ងៃសៅរ៍ 15 មិនា 2025</a:t>
+              <a:t>ថ្ងៃអាទិត្យ 16 មិនា 2025</a:t>
             </a:fld>
             <a:endParaRPr lang="en-US"/>
           </a:p>
@@ -7226,7 +7226,7 @@
           <a:p>
             <a:fld id="{A4AE8454-A0E4-46E5-BD04-852FCCB8C532}" type="datetime2">
               <a:rPr lang="km-KH" smtClean="0"/>
-              <a:t>ថ្ងៃសៅរ៍ 15 មិនា 2025</a:t>
+              <a:t>ថ្ងៃអាទិត្យ 16 មិនា 2025</a:t>
             </a:fld>
             <a:endParaRPr lang="en-US"/>
           </a:p>
@@ -7313,7 +7313,7 @@
           <p:cNvPr id="2" name="Title 1">
             <a:extLst>
               <a:ext uri="{FF2B5EF4-FFF2-40B4-BE49-F238E27FC236}">
-                <a16:creationId xmlns:a16="http://schemas.microsoft.com/office/drawing/2014/main" id="{C6AAE108-9C7F-4CDC-AD71-B576580A199F}"/>
+                <a16:creationId xmlns:a16="http://schemas.microsoft.com/office/drawing/2014/main" xmlns="" id="{C6AAE108-9C7F-4CDC-AD71-B576580A199F}"/>
               </a:ext>
             </a:extLst>
           </p:cNvPr>
@@ -7343,7 +7343,7 @@
           <p:cNvPr id="3" name="Content Placeholder 2">
             <a:extLst>
               <a:ext uri="{FF2B5EF4-FFF2-40B4-BE49-F238E27FC236}">
-                <a16:creationId xmlns:a16="http://schemas.microsoft.com/office/drawing/2014/main" id="{5A103746-779A-435F-995A-5BF82C86C297}"/>
+                <a16:creationId xmlns:a16="http://schemas.microsoft.com/office/drawing/2014/main" xmlns="" id="{5A103746-779A-435F-995A-5BF82C86C297}"/>
               </a:ext>
             </a:extLst>
           </p:cNvPr>
@@ -7401,7 +7401,7 @@
           <p:cNvPr id="4" name="Date Placeholder 3">
             <a:extLst>
               <a:ext uri="{FF2B5EF4-FFF2-40B4-BE49-F238E27FC236}">
-                <a16:creationId xmlns:a16="http://schemas.microsoft.com/office/drawing/2014/main" id="{5984E866-B322-455F-AC32-8C164B8CD9C7}"/>
+                <a16:creationId xmlns:a16="http://schemas.microsoft.com/office/drawing/2014/main" xmlns="" id="{5984E866-B322-455F-AC32-8C164B8CD9C7}"/>
               </a:ext>
             </a:extLst>
           </p:cNvPr>
@@ -7420,7 +7420,7 @@
             <a:pPr rtl="0"/>
             <a:fld id="{C584AF80-427F-4B7E-8AFB-9F055C9D1200}" type="datetime1">
               <a:rPr lang="en-GB" noProof="0" smtClean="0"/>
-              <a:t>15/03/2025</a:t>
+              <a:t>16/03/2025</a:t>
             </a:fld>
             <a:endParaRPr lang="en-GB" noProof="0"/>
           </a:p>
@@ -7431,7 +7431,7 @@
           <p:cNvPr id="5" name="Footer Placeholder 4">
             <a:extLst>
               <a:ext uri="{FF2B5EF4-FFF2-40B4-BE49-F238E27FC236}">
-                <a16:creationId xmlns:a16="http://schemas.microsoft.com/office/drawing/2014/main" id="{AC0D61E0-F80F-48E7-A817-F1CECBEE9A37}"/>
+                <a16:creationId xmlns:a16="http://schemas.microsoft.com/office/drawing/2014/main" xmlns="" id="{AC0D61E0-F80F-48E7-A817-F1CECBEE9A37}"/>
               </a:ext>
             </a:extLst>
           </p:cNvPr>
@@ -7457,7 +7457,7 @@
           <p:cNvPr id="6" name="Slide Number Placeholder 5">
             <a:extLst>
               <a:ext uri="{FF2B5EF4-FFF2-40B4-BE49-F238E27FC236}">
-                <a16:creationId xmlns:a16="http://schemas.microsoft.com/office/drawing/2014/main" id="{5BF34AFC-4299-43F1-A312-79EF0102CEFF}"/>
+                <a16:creationId xmlns:a16="http://schemas.microsoft.com/office/drawing/2014/main" xmlns="" id="{5BF34AFC-4299-43F1-A312-79EF0102CEFF}"/>
               </a:ext>
             </a:extLst>
           </p:cNvPr>
@@ -7614,7 +7614,7 @@
           <a:p>
             <a:fld id="{118E3421-6617-4F71-BC95-82B7D967DA33}" type="datetime2">
               <a:rPr lang="km-KH" smtClean="0"/>
-              <a:t>ថ្ងៃសៅរ៍ 15 មិនា 2025</a:t>
+              <a:t>ថ្ងៃអាទិត្យ 16 មិនា 2025</a:t>
             </a:fld>
             <a:endParaRPr lang="en-US"/>
           </a:p>
@@ -7701,7 +7701,7 @@
           <p:cNvPr id="2" name="Title 1">
             <a:extLst>
               <a:ext uri="{FF2B5EF4-FFF2-40B4-BE49-F238E27FC236}">
-                <a16:creationId xmlns:a16="http://schemas.microsoft.com/office/drawing/2014/main" id="{6B1E1D3E-E4B6-4EAA-BFB4-25A0557A6CB8}"/>
+                <a16:creationId xmlns:a16="http://schemas.microsoft.com/office/drawing/2014/main" xmlns="" id="{6B1E1D3E-E4B6-4EAA-BFB4-25A0557A6CB8}"/>
               </a:ext>
             </a:extLst>
           </p:cNvPr>
@@ -7740,7 +7740,7 @@
           <p:cNvPr id="3" name="Text Placeholder 2">
             <a:extLst>
               <a:ext uri="{FF2B5EF4-FFF2-40B4-BE49-F238E27FC236}">
-                <a16:creationId xmlns:a16="http://schemas.microsoft.com/office/drawing/2014/main" id="{6F7E0856-45A8-4EAD-A9D6-8A993968A1A8}"/>
+                <a16:creationId xmlns:a16="http://schemas.microsoft.com/office/drawing/2014/main" xmlns="" id="{6F7E0856-45A8-4EAD-A9D6-8A993968A1A8}"/>
               </a:ext>
             </a:extLst>
           </p:cNvPr>
@@ -7865,7 +7865,7 @@
           <p:cNvPr id="4" name="Date Placeholder 3">
             <a:extLst>
               <a:ext uri="{FF2B5EF4-FFF2-40B4-BE49-F238E27FC236}">
-                <a16:creationId xmlns:a16="http://schemas.microsoft.com/office/drawing/2014/main" id="{E90EEBE1-2BAF-4C94-8403-6E8454F9BC46}"/>
+                <a16:creationId xmlns:a16="http://schemas.microsoft.com/office/drawing/2014/main" xmlns="" id="{E90EEBE1-2BAF-4C94-8403-6E8454F9BC46}"/>
               </a:ext>
             </a:extLst>
           </p:cNvPr>
@@ -7884,7 +7884,7 @@
             <a:pPr rtl="0"/>
             <a:fld id="{485D780E-12C7-4DB2-87AB-65D425DC6965}" type="datetime1">
               <a:rPr lang="en-GB" noProof="0" smtClean="0"/>
-              <a:t>15/03/2025</a:t>
+              <a:t>16/03/2025</a:t>
             </a:fld>
             <a:endParaRPr lang="en-GB" noProof="0"/>
           </a:p>
@@ -7895,7 +7895,7 @@
           <p:cNvPr id="5" name="Footer Placeholder 4">
             <a:extLst>
               <a:ext uri="{FF2B5EF4-FFF2-40B4-BE49-F238E27FC236}">
-                <a16:creationId xmlns:a16="http://schemas.microsoft.com/office/drawing/2014/main" id="{F3358F46-E931-4D79-94A5-037AFD07333B}"/>
+                <a16:creationId xmlns:a16="http://schemas.microsoft.com/office/drawing/2014/main" xmlns="" id="{F3358F46-E931-4D79-94A5-037AFD07333B}"/>
               </a:ext>
             </a:extLst>
           </p:cNvPr>
@@ -7921,7 +7921,7 @@
           <p:cNvPr id="6" name="Slide Number Placeholder 5">
             <a:extLst>
               <a:ext uri="{FF2B5EF4-FFF2-40B4-BE49-F238E27FC236}">
-                <a16:creationId xmlns:a16="http://schemas.microsoft.com/office/drawing/2014/main" id="{E5130D95-EF5F-4A0A-93BD-73AEE2C2FF1B}"/>
+                <a16:creationId xmlns:a16="http://schemas.microsoft.com/office/drawing/2014/main" xmlns="" id="{E5130D95-EF5F-4A0A-93BD-73AEE2C2FF1B}"/>
               </a:ext>
             </a:extLst>
           </p:cNvPr>
@@ -7981,7 +7981,7 @@
           <p:cNvPr id="2" name="Title 1">
             <a:extLst>
               <a:ext uri="{FF2B5EF4-FFF2-40B4-BE49-F238E27FC236}">
-                <a16:creationId xmlns:a16="http://schemas.microsoft.com/office/drawing/2014/main" id="{21BABEC0-6253-4360-B586-B9D20933DE37}"/>
+                <a16:creationId xmlns:a16="http://schemas.microsoft.com/office/drawing/2014/main" xmlns="" id="{21BABEC0-6253-4360-B586-B9D20933DE37}"/>
               </a:ext>
             </a:extLst>
           </p:cNvPr>
@@ -8011,7 +8011,7 @@
           <p:cNvPr id="3" name="Content Placeholder 2">
             <a:extLst>
               <a:ext uri="{FF2B5EF4-FFF2-40B4-BE49-F238E27FC236}">
-                <a16:creationId xmlns:a16="http://schemas.microsoft.com/office/drawing/2014/main" id="{A946E20B-8661-4C60-84FB-4892E8B48608}"/>
+                <a16:creationId xmlns:a16="http://schemas.microsoft.com/office/drawing/2014/main" xmlns="" id="{A946E20B-8661-4C60-84FB-4892E8B48608}"/>
               </a:ext>
             </a:extLst>
           </p:cNvPr>
@@ -8074,7 +8074,7 @@
           <p:cNvPr id="4" name="Content Placeholder 3">
             <a:extLst>
               <a:ext uri="{FF2B5EF4-FFF2-40B4-BE49-F238E27FC236}">
-                <a16:creationId xmlns:a16="http://schemas.microsoft.com/office/drawing/2014/main" id="{5132BE45-79E4-479B-BD2F-46CCB0BEE628}"/>
+                <a16:creationId xmlns:a16="http://schemas.microsoft.com/office/drawing/2014/main" xmlns="" id="{5132BE45-79E4-479B-BD2F-46CCB0BEE628}"/>
               </a:ext>
             </a:extLst>
           </p:cNvPr>
@@ -8137,7 +8137,7 @@
           <p:cNvPr id="5" name="Date Placeholder 4">
             <a:extLst>
               <a:ext uri="{FF2B5EF4-FFF2-40B4-BE49-F238E27FC236}">
-                <a16:creationId xmlns:a16="http://schemas.microsoft.com/office/drawing/2014/main" id="{0589105E-DF25-4F38-BDE2-9B00C2C44FC6}"/>
+                <a16:creationId xmlns:a16="http://schemas.microsoft.com/office/drawing/2014/main" xmlns="" id="{0589105E-DF25-4F38-BDE2-9B00C2C44FC6}"/>
               </a:ext>
             </a:extLst>
           </p:cNvPr>
@@ -8156,7 +8156,7 @@
             <a:pPr rtl="0"/>
             <a:fld id="{782B2D28-1BDE-4A42-9BD6-521F991A381F}" type="datetime1">
               <a:rPr lang="en-GB" noProof="0" smtClean="0"/>
-              <a:t>15/03/2025</a:t>
+              <a:t>16/03/2025</a:t>
             </a:fld>
             <a:endParaRPr lang="en-GB" noProof="0"/>
           </a:p>
@@ -8167,7 +8167,7 @@
           <p:cNvPr id="6" name="Footer Placeholder 5">
             <a:extLst>
               <a:ext uri="{FF2B5EF4-FFF2-40B4-BE49-F238E27FC236}">
-                <a16:creationId xmlns:a16="http://schemas.microsoft.com/office/drawing/2014/main" id="{B1D9C4A8-7467-4BAD-98A2-0B63CAC19B66}"/>
+                <a16:creationId xmlns:a16="http://schemas.microsoft.com/office/drawing/2014/main" xmlns="" id="{B1D9C4A8-7467-4BAD-98A2-0B63CAC19B66}"/>
               </a:ext>
             </a:extLst>
           </p:cNvPr>
@@ -8193,7 +8193,7 @@
           <p:cNvPr id="7" name="Slide Number Placeholder 6">
             <a:extLst>
               <a:ext uri="{FF2B5EF4-FFF2-40B4-BE49-F238E27FC236}">
-                <a16:creationId xmlns:a16="http://schemas.microsoft.com/office/drawing/2014/main" id="{8BC5C5C0-08E4-4F7B-9E80-8925539D221B}"/>
+                <a16:creationId xmlns:a16="http://schemas.microsoft.com/office/drawing/2014/main" xmlns="" id="{8BC5C5C0-08E4-4F7B-9E80-8925539D221B}"/>
               </a:ext>
             </a:extLst>
           </p:cNvPr>
@@ -8253,7 +8253,7 @@
           <p:cNvPr id="2" name="Title 1">
             <a:extLst>
               <a:ext uri="{FF2B5EF4-FFF2-40B4-BE49-F238E27FC236}">
-                <a16:creationId xmlns:a16="http://schemas.microsoft.com/office/drawing/2014/main" id="{A47FF641-A5CC-4263-A394-2112D623A8AD}"/>
+                <a16:creationId xmlns:a16="http://schemas.microsoft.com/office/drawing/2014/main" xmlns="" id="{A47FF641-A5CC-4263-A394-2112D623A8AD}"/>
               </a:ext>
             </a:extLst>
           </p:cNvPr>
@@ -8288,7 +8288,7 @@
           <p:cNvPr id="3" name="Text Placeholder 2">
             <a:extLst>
               <a:ext uri="{FF2B5EF4-FFF2-40B4-BE49-F238E27FC236}">
-                <a16:creationId xmlns:a16="http://schemas.microsoft.com/office/drawing/2014/main" id="{B24D6865-C632-473C-AEC8-8D3F71562BE6}"/>
+                <a16:creationId xmlns:a16="http://schemas.microsoft.com/office/drawing/2014/main" xmlns="" id="{B24D6865-C632-473C-AEC8-8D3F71562BE6}"/>
               </a:ext>
             </a:extLst>
           </p:cNvPr>
@@ -8359,7 +8359,7 @@
           <p:cNvPr id="4" name="Content Placeholder 3">
             <a:extLst>
               <a:ext uri="{FF2B5EF4-FFF2-40B4-BE49-F238E27FC236}">
-                <a16:creationId xmlns:a16="http://schemas.microsoft.com/office/drawing/2014/main" id="{D9FDBD19-4D33-4F6A-9938-6A04B3888ECC}"/>
+                <a16:creationId xmlns:a16="http://schemas.microsoft.com/office/drawing/2014/main" xmlns="" id="{D9FDBD19-4D33-4F6A-9938-6A04B3888ECC}"/>
               </a:ext>
             </a:extLst>
           </p:cNvPr>
@@ -8422,7 +8422,7 @@
           <p:cNvPr id="5" name="Text Placeholder 4">
             <a:extLst>
               <a:ext uri="{FF2B5EF4-FFF2-40B4-BE49-F238E27FC236}">
-                <a16:creationId xmlns:a16="http://schemas.microsoft.com/office/drawing/2014/main" id="{51697E46-CE4D-480E-A997-2B53B2DF55B2}"/>
+                <a16:creationId xmlns:a16="http://schemas.microsoft.com/office/drawing/2014/main" xmlns="" id="{51697E46-CE4D-480E-A997-2B53B2DF55B2}"/>
               </a:ext>
             </a:extLst>
           </p:cNvPr>
@@ -8493,7 +8493,7 @@
           <p:cNvPr id="6" name="Content Placeholder 5">
             <a:extLst>
               <a:ext uri="{FF2B5EF4-FFF2-40B4-BE49-F238E27FC236}">
-                <a16:creationId xmlns:a16="http://schemas.microsoft.com/office/drawing/2014/main" id="{8B8B7E36-823F-4FD4-B826-E450A1248008}"/>
+                <a16:creationId xmlns:a16="http://schemas.microsoft.com/office/drawing/2014/main" xmlns="" id="{8B8B7E36-823F-4FD4-B826-E450A1248008}"/>
               </a:ext>
             </a:extLst>
           </p:cNvPr>
@@ -8556,7 +8556,7 @@
           <p:cNvPr id="7" name="Date Placeholder 6">
             <a:extLst>
               <a:ext uri="{FF2B5EF4-FFF2-40B4-BE49-F238E27FC236}">
-                <a16:creationId xmlns:a16="http://schemas.microsoft.com/office/drawing/2014/main" id="{8DBB3B14-C886-4F84-9FD5-11C8320E1FED}"/>
+                <a16:creationId xmlns:a16="http://schemas.microsoft.com/office/drawing/2014/main" xmlns="" id="{8DBB3B14-C886-4F84-9FD5-11C8320E1FED}"/>
               </a:ext>
             </a:extLst>
           </p:cNvPr>
@@ -8575,7 +8575,7 @@
             <a:pPr rtl="0"/>
             <a:fld id="{29A21F97-6942-4EA8-BF0F-4226734E2FE8}" type="datetime1">
               <a:rPr lang="en-GB" noProof="0" smtClean="0"/>
-              <a:t>15/03/2025</a:t>
+              <a:t>16/03/2025</a:t>
             </a:fld>
             <a:endParaRPr lang="en-GB" noProof="0"/>
           </a:p>
@@ -8586,7 +8586,7 @@
           <p:cNvPr id="8" name="Footer Placeholder 7">
             <a:extLst>
               <a:ext uri="{FF2B5EF4-FFF2-40B4-BE49-F238E27FC236}">
-                <a16:creationId xmlns:a16="http://schemas.microsoft.com/office/drawing/2014/main" id="{DF9AF591-4BBF-4BF2-9EF7-F8B114DFA16A}"/>
+                <a16:creationId xmlns:a16="http://schemas.microsoft.com/office/drawing/2014/main" xmlns="" id="{DF9AF591-4BBF-4BF2-9EF7-F8B114DFA16A}"/>
               </a:ext>
             </a:extLst>
           </p:cNvPr>
@@ -8612,7 +8612,7 @@
           <p:cNvPr id="9" name="Slide Number Placeholder 8">
             <a:extLst>
               <a:ext uri="{FF2B5EF4-FFF2-40B4-BE49-F238E27FC236}">
-                <a16:creationId xmlns:a16="http://schemas.microsoft.com/office/drawing/2014/main" id="{352B1A04-B244-4AE3-8997-9B075B105971}"/>
+                <a16:creationId xmlns:a16="http://schemas.microsoft.com/office/drawing/2014/main" xmlns="" id="{352B1A04-B244-4AE3-8997-9B075B105971}"/>
               </a:ext>
             </a:extLst>
           </p:cNvPr>
@@ -8672,7 +8672,7 @@
           <p:cNvPr id="2" name="Title 1">
             <a:extLst>
               <a:ext uri="{FF2B5EF4-FFF2-40B4-BE49-F238E27FC236}">
-                <a16:creationId xmlns:a16="http://schemas.microsoft.com/office/drawing/2014/main" id="{105408F1-BB29-4C6F-91C9-653A730BECC6}"/>
+                <a16:creationId xmlns:a16="http://schemas.microsoft.com/office/drawing/2014/main" xmlns="" id="{105408F1-BB29-4C6F-91C9-653A730BECC6}"/>
               </a:ext>
             </a:extLst>
           </p:cNvPr>
@@ -8702,7 +8702,7 @@
           <p:cNvPr id="3" name="Date Placeholder 2">
             <a:extLst>
               <a:ext uri="{FF2B5EF4-FFF2-40B4-BE49-F238E27FC236}">
-                <a16:creationId xmlns:a16="http://schemas.microsoft.com/office/drawing/2014/main" id="{2F54FEF9-8D09-4091-BE99-B6264EBD34B3}"/>
+                <a16:creationId xmlns:a16="http://schemas.microsoft.com/office/drawing/2014/main" xmlns="" id="{2F54FEF9-8D09-4091-BE99-B6264EBD34B3}"/>
               </a:ext>
             </a:extLst>
           </p:cNvPr>
@@ -8721,7 +8721,7 @@
             <a:pPr rtl="0"/>
             <a:fld id="{3A946C08-804A-46EE-A5DC-2F92DA2A916E}" type="datetime1">
               <a:rPr lang="en-GB" noProof="0" smtClean="0"/>
-              <a:t>15/03/2025</a:t>
+              <a:t>16/03/2025</a:t>
             </a:fld>
             <a:endParaRPr lang="en-GB" noProof="0"/>
           </a:p>
@@ -8732,7 +8732,7 @@
           <p:cNvPr id="4" name="Footer Placeholder 3">
             <a:extLst>
               <a:ext uri="{FF2B5EF4-FFF2-40B4-BE49-F238E27FC236}">
-                <a16:creationId xmlns:a16="http://schemas.microsoft.com/office/drawing/2014/main" id="{0B5F49AA-83D5-4063-9CDE-AA7763048B63}"/>
+                <a16:creationId xmlns:a16="http://schemas.microsoft.com/office/drawing/2014/main" xmlns="" id="{0B5F49AA-83D5-4063-9CDE-AA7763048B63}"/>
               </a:ext>
             </a:extLst>
           </p:cNvPr>
@@ -8758,7 +8758,7 @@
           <p:cNvPr id="5" name="Slide Number Placeholder 4">
             <a:extLst>
               <a:ext uri="{FF2B5EF4-FFF2-40B4-BE49-F238E27FC236}">
-                <a16:creationId xmlns:a16="http://schemas.microsoft.com/office/drawing/2014/main" id="{B2A2B27C-3C99-4208-B425-775413C53651}"/>
+                <a16:creationId xmlns:a16="http://schemas.microsoft.com/office/drawing/2014/main" xmlns="" id="{B2A2B27C-3C99-4208-B425-775413C53651}"/>
               </a:ext>
             </a:extLst>
           </p:cNvPr>
@@ -8818,7 +8818,7 @@
           <p:cNvPr id="2" name="Date Placeholder 1">
             <a:extLst>
               <a:ext uri="{FF2B5EF4-FFF2-40B4-BE49-F238E27FC236}">
-                <a16:creationId xmlns:a16="http://schemas.microsoft.com/office/drawing/2014/main" id="{042A62B2-A6D1-4A6F-8B20-80606F478544}"/>
+                <a16:creationId xmlns:a16="http://schemas.microsoft.com/office/drawing/2014/main" xmlns="" id="{042A62B2-A6D1-4A6F-8B20-80606F478544}"/>
               </a:ext>
             </a:extLst>
           </p:cNvPr>
@@ -8837,7 +8837,7 @@
             <a:pPr rtl="0"/>
             <a:fld id="{4BE7FF7F-B954-40E6-838D-6CDF70EE9472}" type="datetime1">
               <a:rPr lang="en-GB" noProof="0" smtClean="0"/>
-              <a:t>15/03/2025</a:t>
+              <a:t>16/03/2025</a:t>
             </a:fld>
             <a:endParaRPr lang="en-GB" noProof="0"/>
           </a:p>
@@ -8848,7 +8848,7 @@
           <p:cNvPr id="3" name="Footer Placeholder 2">
             <a:extLst>
               <a:ext uri="{FF2B5EF4-FFF2-40B4-BE49-F238E27FC236}">
-                <a16:creationId xmlns:a16="http://schemas.microsoft.com/office/drawing/2014/main" id="{C02E4958-7A46-4331-B2D8-2C31D8FCBD73}"/>
+                <a16:creationId xmlns:a16="http://schemas.microsoft.com/office/drawing/2014/main" xmlns="" id="{C02E4958-7A46-4331-B2D8-2C31D8FCBD73}"/>
               </a:ext>
             </a:extLst>
           </p:cNvPr>
@@ -8874,7 +8874,7 @@
           <p:cNvPr id="4" name="Slide Number Placeholder 3">
             <a:extLst>
               <a:ext uri="{FF2B5EF4-FFF2-40B4-BE49-F238E27FC236}">
-                <a16:creationId xmlns:a16="http://schemas.microsoft.com/office/drawing/2014/main" id="{45C8548B-339B-46B2-BF01-1EE3DDC72AAD}"/>
+                <a16:creationId xmlns:a16="http://schemas.microsoft.com/office/drawing/2014/main" xmlns="" id="{45C8548B-339B-46B2-BF01-1EE3DDC72AAD}"/>
               </a:ext>
             </a:extLst>
           </p:cNvPr>
@@ -8934,7 +8934,7 @@
           <p:cNvPr id="2" name="Title 1">
             <a:extLst>
               <a:ext uri="{FF2B5EF4-FFF2-40B4-BE49-F238E27FC236}">
-                <a16:creationId xmlns:a16="http://schemas.microsoft.com/office/drawing/2014/main" id="{38EF408F-8083-4F07-9628-074C7AFE41C0}"/>
+                <a16:creationId xmlns:a16="http://schemas.microsoft.com/office/drawing/2014/main" xmlns="" id="{38EF408F-8083-4F07-9628-074C7AFE41C0}"/>
               </a:ext>
             </a:extLst>
           </p:cNvPr>
@@ -8973,7 +8973,7 @@
           <p:cNvPr id="3" name="Content Placeholder 2">
             <a:extLst>
               <a:ext uri="{FF2B5EF4-FFF2-40B4-BE49-F238E27FC236}">
-                <a16:creationId xmlns:a16="http://schemas.microsoft.com/office/drawing/2014/main" id="{B70477E0-A333-439D-A531-30B39A813465}"/>
+                <a16:creationId xmlns:a16="http://schemas.microsoft.com/office/drawing/2014/main" xmlns="" id="{B70477E0-A333-439D-A531-30B39A813465}"/>
               </a:ext>
             </a:extLst>
           </p:cNvPr>
@@ -9064,7 +9064,7 @@
           <p:cNvPr id="4" name="Text Placeholder 3">
             <a:extLst>
               <a:ext uri="{FF2B5EF4-FFF2-40B4-BE49-F238E27FC236}">
-                <a16:creationId xmlns:a16="http://schemas.microsoft.com/office/drawing/2014/main" id="{D5D59501-D187-414C-AACE-F838720036CC}"/>
+                <a16:creationId xmlns:a16="http://schemas.microsoft.com/office/drawing/2014/main" xmlns="" id="{D5D59501-D187-414C-AACE-F838720036CC}"/>
               </a:ext>
             </a:extLst>
           </p:cNvPr>
@@ -9135,7 +9135,7 @@
           <p:cNvPr id="5" name="Date Placeholder 4">
             <a:extLst>
               <a:ext uri="{FF2B5EF4-FFF2-40B4-BE49-F238E27FC236}">
-                <a16:creationId xmlns:a16="http://schemas.microsoft.com/office/drawing/2014/main" id="{1235F890-BB8A-49E1-880A-924FD6FE4026}"/>
+                <a16:creationId xmlns:a16="http://schemas.microsoft.com/office/drawing/2014/main" xmlns="" id="{1235F890-BB8A-49E1-880A-924FD6FE4026}"/>
               </a:ext>
             </a:extLst>
           </p:cNvPr>
@@ -9154,7 +9154,7 @@
             <a:pPr rtl="0"/>
             <a:fld id="{158FF1B8-9CBE-4ED2-8687-FBE8F3F23425}" type="datetime1">
               <a:rPr lang="en-GB" noProof="0" smtClean="0"/>
-              <a:t>15/03/2025</a:t>
+              <a:t>16/03/2025</a:t>
             </a:fld>
             <a:endParaRPr lang="en-GB" noProof="0"/>
           </a:p>
@@ -9165,7 +9165,7 @@
           <p:cNvPr id="6" name="Footer Placeholder 5">
             <a:extLst>
               <a:ext uri="{FF2B5EF4-FFF2-40B4-BE49-F238E27FC236}">
-                <a16:creationId xmlns:a16="http://schemas.microsoft.com/office/drawing/2014/main" id="{51CA38FE-429A-41E7-942D-ECCE639D3CA5}"/>
+                <a16:creationId xmlns:a16="http://schemas.microsoft.com/office/drawing/2014/main" xmlns="" id="{51CA38FE-429A-41E7-942D-ECCE639D3CA5}"/>
               </a:ext>
             </a:extLst>
           </p:cNvPr>
@@ -9191,7 +9191,7 @@
           <p:cNvPr id="7" name="Slide Number Placeholder 6">
             <a:extLst>
               <a:ext uri="{FF2B5EF4-FFF2-40B4-BE49-F238E27FC236}">
-                <a16:creationId xmlns:a16="http://schemas.microsoft.com/office/drawing/2014/main" id="{2401D9BC-0038-4041-AE2C-657BF99D41E9}"/>
+                <a16:creationId xmlns:a16="http://schemas.microsoft.com/office/drawing/2014/main" xmlns="" id="{2401D9BC-0038-4041-AE2C-657BF99D41E9}"/>
               </a:ext>
             </a:extLst>
           </p:cNvPr>
@@ -9251,7 +9251,7 @@
           <p:cNvPr id="2" name="Title 1">
             <a:extLst>
               <a:ext uri="{FF2B5EF4-FFF2-40B4-BE49-F238E27FC236}">
-                <a16:creationId xmlns:a16="http://schemas.microsoft.com/office/drawing/2014/main" id="{87956CFD-7F35-482C-A50F-B3D43ACB0AE3}"/>
+                <a16:creationId xmlns:a16="http://schemas.microsoft.com/office/drawing/2014/main" xmlns="" id="{87956CFD-7F35-482C-A50F-B3D43ACB0AE3}"/>
               </a:ext>
             </a:extLst>
           </p:cNvPr>
@@ -9290,7 +9290,7 @@
           <p:cNvPr id="3" name="Picture Placeholder 2">
             <a:extLst>
               <a:ext uri="{FF2B5EF4-FFF2-40B4-BE49-F238E27FC236}">
-                <a16:creationId xmlns:a16="http://schemas.microsoft.com/office/drawing/2014/main" id="{7FD7F3EF-0FE9-46C4-A116-5DA6E26B0D5D}"/>
+                <a16:creationId xmlns:a16="http://schemas.microsoft.com/office/drawing/2014/main" xmlns="" id="{7FD7F3EF-0FE9-46C4-A116-5DA6E26B0D5D}"/>
               </a:ext>
             </a:extLst>
           </p:cNvPr>
@@ -9362,7 +9362,7 @@
           <p:cNvPr id="4" name="Text Placeholder 3">
             <a:extLst>
               <a:ext uri="{FF2B5EF4-FFF2-40B4-BE49-F238E27FC236}">
-                <a16:creationId xmlns:a16="http://schemas.microsoft.com/office/drawing/2014/main" id="{D10B4041-0F17-42D8-AF16-AB099A39FFBD}"/>
+                <a16:creationId xmlns:a16="http://schemas.microsoft.com/office/drawing/2014/main" xmlns="" id="{D10B4041-0F17-42D8-AF16-AB099A39FFBD}"/>
               </a:ext>
             </a:extLst>
           </p:cNvPr>
@@ -9433,7 +9433,7 @@
           <p:cNvPr id="5" name="Date Placeholder 4">
             <a:extLst>
               <a:ext uri="{FF2B5EF4-FFF2-40B4-BE49-F238E27FC236}">
-                <a16:creationId xmlns:a16="http://schemas.microsoft.com/office/drawing/2014/main" id="{8BAF67FF-F8F1-4B22-A471-9317ED3A25F0}"/>
+                <a16:creationId xmlns:a16="http://schemas.microsoft.com/office/drawing/2014/main" xmlns="" id="{8BAF67FF-F8F1-4B22-A471-9317ED3A25F0}"/>
               </a:ext>
             </a:extLst>
           </p:cNvPr>
@@ -9452,7 +9452,7 @@
             <a:pPr rtl="0"/>
             <a:fld id="{B50E7C47-A7DA-4C2E-82F9-ADD6120F140B}" type="datetime1">
               <a:rPr lang="en-GB" noProof="0" smtClean="0"/>
-              <a:t>15/03/2025</a:t>
+              <a:t>16/03/2025</a:t>
             </a:fld>
             <a:endParaRPr lang="en-GB" noProof="0"/>
           </a:p>
@@ -9463,7 +9463,7 @@
           <p:cNvPr id="6" name="Footer Placeholder 5">
             <a:extLst>
               <a:ext uri="{FF2B5EF4-FFF2-40B4-BE49-F238E27FC236}">
-                <a16:creationId xmlns:a16="http://schemas.microsoft.com/office/drawing/2014/main" id="{A73D6993-98F8-4234-B24A-02D4DB41CE93}"/>
+                <a16:creationId xmlns:a16="http://schemas.microsoft.com/office/drawing/2014/main" xmlns="" id="{A73D6993-98F8-4234-B24A-02D4DB41CE93}"/>
               </a:ext>
             </a:extLst>
           </p:cNvPr>
@@ -9489,7 +9489,7 @@
           <p:cNvPr id="7" name="Slide Number Placeholder 6">
             <a:extLst>
               <a:ext uri="{FF2B5EF4-FFF2-40B4-BE49-F238E27FC236}">
-                <a16:creationId xmlns:a16="http://schemas.microsoft.com/office/drawing/2014/main" id="{F2A34037-0E7D-4379-ACA0-98611B2F76ED}"/>
+                <a16:creationId xmlns:a16="http://schemas.microsoft.com/office/drawing/2014/main" xmlns="" id="{F2A34037-0E7D-4379-ACA0-98611B2F76ED}"/>
               </a:ext>
             </a:extLst>
           </p:cNvPr>
@@ -9557,7 +9557,7 @@
           <p:cNvPr id="2" name="Title Placeholder 1">
             <a:extLst>
               <a:ext uri="{FF2B5EF4-FFF2-40B4-BE49-F238E27FC236}">
-                <a16:creationId xmlns:a16="http://schemas.microsoft.com/office/drawing/2014/main" id="{E645B175-C851-453B-B2A0-9A5CFCADC073}"/>
+                <a16:creationId xmlns:a16="http://schemas.microsoft.com/office/drawing/2014/main" xmlns="" id="{E645B175-C851-453B-B2A0-9A5CFCADC073}"/>
               </a:ext>
             </a:extLst>
           </p:cNvPr>
@@ -9597,7 +9597,7 @@
           <p:cNvPr id="3" name="Text Placeholder 2">
             <a:extLst>
               <a:ext uri="{FF2B5EF4-FFF2-40B4-BE49-F238E27FC236}">
-                <a16:creationId xmlns:a16="http://schemas.microsoft.com/office/drawing/2014/main" id="{2E65F4A2-0E4F-4E49-A0BF-BEEC72203309}"/>
+                <a16:creationId xmlns:a16="http://schemas.microsoft.com/office/drawing/2014/main" xmlns="" id="{2E65F4A2-0E4F-4E49-A0BF-BEEC72203309}"/>
               </a:ext>
             </a:extLst>
           </p:cNvPr>
@@ -9665,7 +9665,7 @@
           <p:cNvPr id="4" name="Date Placeholder 3">
             <a:extLst>
               <a:ext uri="{FF2B5EF4-FFF2-40B4-BE49-F238E27FC236}">
-                <a16:creationId xmlns:a16="http://schemas.microsoft.com/office/drawing/2014/main" id="{9328AA27-3F13-4BFD-B949-21CF31910889}"/>
+                <a16:creationId xmlns:a16="http://schemas.microsoft.com/office/drawing/2014/main" xmlns="" id="{9328AA27-3F13-4BFD-B949-21CF31910889}"/>
               </a:ext>
             </a:extLst>
           </p:cNvPr>
@@ -9702,7 +9702,7 @@
             <a:pPr rtl="0"/>
             <a:fld id="{033CFCF1-08A8-4CAD-8798-C4FBD0A63494}" type="datetime1">
               <a:rPr lang="en-GB" noProof="0" smtClean="0"/>
-              <a:t>15/03/2025</a:t>
+              <a:t>16/03/2025</a:t>
             </a:fld>
             <a:endParaRPr lang="en-GB" noProof="0"/>
           </a:p>
@@ -9713,7 +9713,7 @@
           <p:cNvPr id="5" name="Footer Placeholder 4">
             <a:extLst>
               <a:ext uri="{FF2B5EF4-FFF2-40B4-BE49-F238E27FC236}">
-                <a16:creationId xmlns:a16="http://schemas.microsoft.com/office/drawing/2014/main" id="{EEEE99A2-0FED-42D4-9FBD-08CC1C3F81BC}"/>
+                <a16:creationId xmlns:a16="http://schemas.microsoft.com/office/drawing/2014/main" xmlns="" id="{EEEE99A2-0FED-42D4-9FBD-08CC1C3F81BC}"/>
               </a:ext>
             </a:extLst>
           </p:cNvPr>
@@ -9757,7 +9757,7 @@
           <p:cNvPr id="6" name="Slide Number Placeholder 5">
             <a:extLst>
               <a:ext uri="{FF2B5EF4-FFF2-40B4-BE49-F238E27FC236}">
-                <a16:creationId xmlns:a16="http://schemas.microsoft.com/office/drawing/2014/main" id="{DF2468D4-5440-4CE2-BAB3-61D83F628C58}"/>
+                <a16:creationId xmlns:a16="http://schemas.microsoft.com/office/drawing/2014/main" xmlns="" id="{DF2468D4-5440-4CE2-BAB3-61D83F628C58}"/>
               </a:ext>
             </a:extLst>
           </p:cNvPr>
@@ -10255,7 +10255,7 @@
           <a:p>
             <a:fld id="{0124983A-5796-423F-9AFB-D1E523340CF3}" type="datetime2">
               <a:rPr lang="km-KH" smtClean="0"/>
-              <a:t>ថ្ងៃសៅរ៍ 15 មិនា 2025</a:t>
+              <a:t>ថ្ងៃអាទិត្យ 16 មិនា 2025</a:t>
             </a:fld>
             <a:endParaRPr lang="en-US"/>
           </a:p>
@@ -10656,7 +10656,7 @@
         <p:cNvPr id="1" name="">
           <a:extLst>
             <a:ext uri="{FF2B5EF4-FFF2-40B4-BE49-F238E27FC236}">
-              <a16:creationId xmlns:a16="http://schemas.microsoft.com/office/drawing/2014/main" id="{D6717FE9-965C-44D6-9954-43467583EBB2}"/>
+              <a16:creationId xmlns:a16="http://schemas.microsoft.com/office/drawing/2014/main" xmlns="" id="{D6717FE9-965C-44D6-9954-43467583EBB2}"/>
             </a:ext>
           </a:extLst>
         </p:cNvPr>
@@ -10676,7 +10676,7 @@
           <p:cNvPr id="12" name="TextBox 11">
             <a:extLst>
               <a:ext uri="{FF2B5EF4-FFF2-40B4-BE49-F238E27FC236}">
-                <a16:creationId xmlns:a16="http://schemas.microsoft.com/office/drawing/2014/main" id="{4B6A811F-9990-0021-21D7-17D7C9789DA0}"/>
+                <a16:creationId xmlns:a16="http://schemas.microsoft.com/office/drawing/2014/main" xmlns="" id="{4B6A811F-9990-0021-21D7-17D7C9789DA0}"/>
               </a:ext>
             </a:extLst>
           </p:cNvPr>
@@ -10741,7 +10741,7 @@
           <p:cNvPr id="14" name="TextBox 13">
             <a:extLst>
               <a:ext uri="{FF2B5EF4-FFF2-40B4-BE49-F238E27FC236}">
-                <a16:creationId xmlns:a16="http://schemas.microsoft.com/office/drawing/2014/main" id="{8A83A433-2228-5685-249F-1BC00138A52A}"/>
+                <a16:creationId xmlns:a16="http://schemas.microsoft.com/office/drawing/2014/main" xmlns="" id="{8A83A433-2228-5685-249F-1BC00138A52A}"/>
               </a:ext>
             </a:extLst>
           </p:cNvPr>
@@ -10774,7 +10774,7 @@
                 <a:cs typeface="Krasar" panose="00000500000000000000" pitchFamily="2" charset="0"/>
               </a:rPr>
               <a:pPr algn="r"/>
-              <a:t>ថ្ងៃសៅរ៍ 15 មិនា 2025</a:t>
+              <a:t>ថ្ងៃអាទិត្យ 16 មិនា 2025</a:t>
             </a:fld>
             <a:endParaRPr lang="en-GB" dirty="0">
               <a:solidFill>
@@ -10791,7 +10791,7 @@
           <p:cNvPr id="16" name="TextBox 15">
             <a:extLst>
               <a:ext uri="{FF2B5EF4-FFF2-40B4-BE49-F238E27FC236}">
-                <a16:creationId xmlns:a16="http://schemas.microsoft.com/office/drawing/2014/main" id="{0F9E51EF-54B2-31F5-241A-577DF82FE443}"/>
+                <a16:creationId xmlns:a16="http://schemas.microsoft.com/office/drawing/2014/main" xmlns="" id="{0F9E51EF-54B2-31F5-241A-577DF82FE443}"/>
               </a:ext>
             </a:extLst>
           </p:cNvPr>
@@ -10856,6 +10856,13 @@
       </p:transition>
     </mc:Fallback>
   </mc:AlternateContent>
+  <p:timing>
+    <p:tnLst>
+      <p:par>
+        <p:cTn id="1" dur="indefinite" restart="never" nodeType="tmRoot"/>
+      </p:par>
+    </p:tnLst>
+  </p:timing>
 </p:sld>
 </file>
 
@@ -10973,7 +10980,7 @@
           <p:cNvPr id="5" name="Date Placeholder 6">
             <a:extLst>
               <a:ext uri="{FF2B5EF4-FFF2-40B4-BE49-F238E27FC236}">
-                <a16:creationId xmlns:a16="http://schemas.microsoft.com/office/drawing/2014/main" id="{968F81BA-D120-487F-86D3-F8C7B941BFF3}"/>
+                <a16:creationId xmlns:a16="http://schemas.microsoft.com/office/drawing/2014/main" xmlns="" id="{968F81BA-D120-487F-86D3-F8C7B941BFF3}"/>
               </a:ext>
             </a:extLst>
           </p:cNvPr>
@@ -11001,7 +11008,7 @@
                 <a:cs typeface="Krasar" panose="00000500000000000000" pitchFamily="2" charset="0"/>
               </a:rPr>
               <a:pPr algn="ctr"/>
-              <a:t>ថ្ងៃសៅរ៍ 15 មិនា 2025</a:t>
+              <a:t>ថ្ងៃអាទិត្យ 16 មិនា 2025</a:t>
             </a:fld>
             <a:endParaRPr lang="en-US" dirty="0">
               <a:latin typeface="Krasar" panose="00000500000000000000" pitchFamily="2" charset="0"/>
@@ -11015,7 +11022,7 @@
           <p:cNvPr id="6" name="Footer Placeholder 7">
             <a:extLst>
               <a:ext uri="{FF2B5EF4-FFF2-40B4-BE49-F238E27FC236}">
-                <a16:creationId xmlns:a16="http://schemas.microsoft.com/office/drawing/2014/main" id="{597A226A-BFCD-46DB-B224-45E1E4AE94DB}"/>
+                <a16:creationId xmlns:a16="http://schemas.microsoft.com/office/drawing/2014/main" xmlns="" id="{597A226A-BFCD-46DB-B224-45E1E4AE94DB}"/>
               </a:ext>
             </a:extLst>
           </p:cNvPr>
@@ -11077,7 +11084,7 @@
         <p:cNvPr id="1" name="">
           <a:extLst>
             <a:ext uri="{FF2B5EF4-FFF2-40B4-BE49-F238E27FC236}">
-              <a16:creationId xmlns:a16="http://schemas.microsoft.com/office/drawing/2014/main" id="{AA6D822B-55BD-DF19-AB2B-EEA52EBE7464}"/>
+              <a16:creationId xmlns:a16="http://schemas.microsoft.com/office/drawing/2014/main" xmlns="" id="{AA6D822B-55BD-DF19-AB2B-EEA52EBE7464}"/>
             </a:ext>
           </a:extLst>
         </p:cNvPr>
@@ -11097,7 +11104,7 @@
           <p:cNvPr id="16" name="TextBox 15">
             <a:extLst>
               <a:ext uri="{FF2B5EF4-FFF2-40B4-BE49-F238E27FC236}">
-                <a16:creationId xmlns:a16="http://schemas.microsoft.com/office/drawing/2014/main" id="{95053837-C409-685D-8937-84A5297E2310}"/>
+                <a16:creationId xmlns:a16="http://schemas.microsoft.com/office/drawing/2014/main" xmlns="" id="{95053837-C409-685D-8937-84A5297E2310}"/>
               </a:ext>
             </a:extLst>
           </p:cNvPr>
@@ -11146,7 +11153,7 @@
           <p:cNvPr id="7" name="TextBox 6">
             <a:extLst>
               <a:ext uri="{FF2B5EF4-FFF2-40B4-BE49-F238E27FC236}">
-                <a16:creationId xmlns:a16="http://schemas.microsoft.com/office/drawing/2014/main" id="{95053837-C409-685D-8937-84A5297E2310}"/>
+                <a16:creationId xmlns:a16="http://schemas.microsoft.com/office/drawing/2014/main" xmlns="" id="{95053837-C409-685D-8937-84A5297E2310}"/>
               </a:ext>
             </a:extLst>
           </p:cNvPr>
@@ -11253,8 +11260,8 @@
         </p:nvSpPr>
         <p:spPr>
           <a:xfrm>
-            <a:off x="4480023" y="4363999"/>
-            <a:ext cx="3231975" cy="523220"/>
+            <a:off x="4879172" y="4363999"/>
+            <a:ext cx="2433680" cy="523220"/>
           </a:xfrm>
           <a:prstGeom prst="rect">
             <a:avLst/>
@@ -11269,7 +11276,27 @@
           <a:p>
             <a:pPr algn="ctr"/>
             <a:r>
-              <a:rPr lang="km-KH" sz="2800" dirty="0">
+              <a:rPr lang="km-KH" sz="2800" dirty="0" smtClean="0">
+                <a:solidFill>
+                  <a:schemeClr val="bg1"/>
+                </a:solidFill>
+                <a:latin typeface="Krasar" panose="00000500000000000000" pitchFamily="2" charset="0"/>
+                <a:cs typeface="Krasar" panose="00000500000000000000" pitchFamily="2" charset="0"/>
+              </a:rPr>
+              <a:t>សុភាសិត ១២</a:t>
+            </a:r>
+            <a:r>
+              <a:rPr lang="en-US" sz="2800" dirty="0" smtClean="0">
+                <a:solidFill>
+                  <a:schemeClr val="bg1"/>
+                </a:solidFill>
+                <a:latin typeface="Krasar" panose="00000500000000000000" pitchFamily="2" charset="0"/>
+                <a:cs typeface="Krasar" panose="00000500000000000000" pitchFamily="2" charset="0"/>
+              </a:rPr>
+              <a:t>:</a:t>
+            </a:r>
+            <a:r>
+              <a:rPr lang="km-KH" sz="2800" dirty="0" smtClean="0">
                 <a:solidFill>
                   <a:schemeClr val="bg1"/>
                 </a:solidFill>
@@ -11277,46 +11304,6 @@
                 <a:cs typeface="Krasar" panose="00000500000000000000" pitchFamily="2" charset="0"/>
               </a:rPr>
               <a:t>១</a:t>
-            </a:r>
-            <a:r>
-              <a:rPr lang="en-US" sz="2800" dirty="0">
-                <a:solidFill>
-                  <a:schemeClr val="bg1"/>
-                </a:solidFill>
-                <a:latin typeface="Krasar" panose="00000500000000000000" pitchFamily="2" charset="0"/>
-                <a:cs typeface="Krasar" panose="00000500000000000000" pitchFamily="2" charset="0"/>
-              </a:rPr>
-              <a:t> </a:t>
-            </a:r>
-            <a:r>
-              <a:rPr lang="km-KH" sz="2800" dirty="0">
-                <a:solidFill>
-                  <a:schemeClr val="bg1"/>
-                </a:solidFill>
-                <a:latin typeface="Krasar" panose="00000500000000000000" pitchFamily="2" charset="0"/>
-                <a:cs typeface="Krasar" panose="00000500000000000000" pitchFamily="2" charset="0"/>
-              </a:rPr>
-              <a:t>យ៉ូហាន</a:t>
-            </a:r>
-            <a:r>
-              <a:rPr lang="en-US" sz="2800" dirty="0">
-                <a:solidFill>
-                  <a:schemeClr val="bg1"/>
-                </a:solidFill>
-                <a:latin typeface="Krasar" panose="00000500000000000000" pitchFamily="2" charset="0"/>
-                <a:cs typeface="Krasar" panose="00000500000000000000" pitchFamily="2" charset="0"/>
-              </a:rPr>
-              <a:t> </a:t>
-            </a:r>
-            <a:r>
-              <a:rPr lang="km-KH" sz="2800" dirty="0">
-                <a:solidFill>
-                  <a:schemeClr val="bg1"/>
-                </a:solidFill>
-                <a:latin typeface="Krasar" panose="00000500000000000000" pitchFamily="2" charset="0"/>
-                <a:cs typeface="Krasar" panose="00000500000000000000" pitchFamily="2" charset="0"/>
-              </a:rPr>
-              <a:t>២:១៥-១៧</a:t>
             </a:r>
             <a:endParaRPr lang="en-US" sz="2800" dirty="0">
               <a:solidFill>
@@ -11338,18 +11325,25 @@
   <p:clrMapOvr>
     <a:masterClrMapping/>
   </p:clrMapOvr>
-  <mc:AlternateContent xmlns:mc="http://schemas.openxmlformats.org/markup-compatibility/2006" xmlns:p159="http://schemas.microsoft.com/office/powerpoint/2015/09/main">
-    <mc:Choice Requires="p159">
+  <mc:AlternateContent xmlns:mc="http://schemas.openxmlformats.org/markup-compatibility/2006">
+    <mc:Choice xmlns:p159="http://schemas.microsoft.com/office/powerpoint/2015/09/main" xmlns="" Requires="p159">
       <p:transition xmlns:p14="http://schemas.microsoft.com/office/powerpoint/2010/main" spd="slow" p14:dur="2000">
         <p159:morph option="byObject"/>
       </p:transition>
     </mc:Choice>
-    <mc:Fallback xmlns="">
+    <mc:Fallback>
       <p:transition spd="slow">
         <p:fade/>
       </p:transition>
     </mc:Fallback>
   </mc:AlternateContent>
+  <p:timing>
+    <p:tnLst>
+      <p:par>
+        <p:cTn id="1" dur="indefinite" restart="never" nodeType="tmRoot"/>
+      </p:par>
+    </p:tnLst>
+  </p:timing>
 </p:sld>
 </file>
 
@@ -11406,7 +11400,7 @@
                 <a:ea typeface="Khmer-Pen​​Chantrea" panose="020B0706030804020204" pitchFamily="34" charset="0"/>
                 <a:cs typeface="Krasar" panose="00000500000000000000" pitchFamily="2" charset="0"/>
               </a:rPr>
-              <a:t>១៥</a:t>
+              <a:t>១ </a:t>
             </a:r>
             <a:r>
               <a:rPr lang="km-KH" sz="4800" dirty="0">
@@ -11417,49 +11411,7 @@
                 <a:ea typeface="Khmer-Pen​​Chantrea" panose="020B0706030804020204" pitchFamily="34" charset="0"/>
                 <a:cs typeface="Krasar" panose="00000500000000000000" pitchFamily="2" charset="0"/>
               </a:rPr>
-              <a:t> កុំ​ឲ្យ​ស្រឡាញ់​លោកីយ៍ ឬ​របស់​អ្វី​ដែល</a:t>
-            </a:r>
-            <a:br>
-              <a:rPr lang="en-US" sz="4800" dirty="0">
-                <a:solidFill>
-                  <a:schemeClr val="bg1"/>
-                </a:solidFill>
-                <a:latin typeface="Krasar" panose="00000500000000000000" pitchFamily="2" charset="0"/>
-                <a:ea typeface="Khmer-Pen​​Chantrea" panose="020B0706030804020204" pitchFamily="34" charset="0"/>
-                <a:cs typeface="Krasar" panose="00000500000000000000" pitchFamily="2" charset="0"/>
-              </a:rPr>
-            </a:br>
-            <a:r>
-              <a:rPr lang="km-KH" sz="4800" dirty="0">
-                <a:solidFill>
-                  <a:schemeClr val="bg1"/>
-                </a:solidFill>
-                <a:latin typeface="Krasar" panose="00000500000000000000" pitchFamily="2" charset="0"/>
-                <a:ea typeface="Khmer-Pen​​Chantrea" panose="020B0706030804020204" pitchFamily="34" charset="0"/>
-                <a:cs typeface="Krasar" panose="00000500000000000000" pitchFamily="2" charset="0"/>
-              </a:rPr>
-              <a:t>​នៅ​ក្នុង​លោកីយ៍​នេះ​ឲ្យ​សោះ បើ​អ្នក​ណា​ស្រឡាញ់​លោកីយ៍ អ្នក​នោះ​គ្មាន​សេចក្តី​ស្រឡាញ់​របស់</a:t>
-            </a:r>
-            <a:br>
-              <a:rPr lang="en-US" sz="4800" dirty="0">
-                <a:solidFill>
-                  <a:schemeClr val="bg1"/>
-                </a:solidFill>
-                <a:latin typeface="Krasar" panose="00000500000000000000" pitchFamily="2" charset="0"/>
-                <a:ea typeface="Khmer-Pen​​Chantrea" panose="020B0706030804020204" pitchFamily="34" charset="0"/>
-                <a:cs typeface="Krasar" panose="00000500000000000000" pitchFamily="2" charset="0"/>
-              </a:rPr>
-            </a:br>
-            <a:r>
-              <a:rPr lang="km-KH" sz="4800" dirty="0">
-                <a:solidFill>
-                  <a:schemeClr val="bg1"/>
-                </a:solidFill>
-                <a:latin typeface="Krasar" panose="00000500000000000000" pitchFamily="2" charset="0"/>
-                <a:ea typeface="Khmer-Pen​​Chantrea" panose="020B0706030804020204" pitchFamily="34" charset="0"/>
-                <a:cs typeface="Krasar" panose="00000500000000000000" pitchFamily="2" charset="0"/>
-              </a:rPr>
-              <a:t>​ព្រះវរបិតា​នៅ​ក្នុង​ខ្លួន​ឡើយ</a:t>
+              <a:t>អ្នក​ណា​ដែល​ចូល​ចិត្ត​ចំពោះ​សេចក្តី​ប្រៀនប្រដៅ នោះ​ក៏​ស្រឡាញ់​ដំរិះ តែ​អ្នក​ណា​ដែល​ស្អប់​ដល់​សេចក្តី​បន្ទោស នោះ​ជា​មនុស្ស​កំរោល​វិញ។ </a:t>
             </a:r>
             <a:endParaRPr lang="en-US" sz="4800" dirty="0">
               <a:solidFill>
@@ -11482,6 +11434,13 @@
   <p:clrMapOvr>
     <a:masterClrMapping/>
   </p:clrMapOvr>
+  <p:timing>
+    <p:tnLst>
+      <p:par>
+        <p:cTn id="1" dur="indefinite" restart="never" nodeType="tmRoot"/>
+      </p:par>
+    </p:tnLst>
+  </p:timing>
 </p:sld>
 </file>
 
@@ -11493,7 +11452,7 @@
         <p:cNvPr id="1" name="">
           <a:extLst>
             <a:ext uri="{FF2B5EF4-FFF2-40B4-BE49-F238E27FC236}">
-              <a16:creationId xmlns:a16="http://schemas.microsoft.com/office/drawing/2014/main" id="{FBAB04B5-5527-DB2C-77F6-E1C129D60E31}"/>
+              <a16:creationId xmlns:a16="http://schemas.microsoft.com/office/drawing/2014/main" xmlns="" id="{FBAB04B5-5527-DB2C-77F6-E1C129D60E31}"/>
             </a:ext>
           </a:extLst>
         </p:cNvPr>
@@ -11513,7 +11472,7 @@
           <p:cNvPr id="12" name="TextBox 11">
             <a:extLst>
               <a:ext uri="{FF2B5EF4-FFF2-40B4-BE49-F238E27FC236}">
-                <a16:creationId xmlns:a16="http://schemas.microsoft.com/office/drawing/2014/main" id="{3984628B-A675-5FF7-EACC-64F2704BA813}"/>
+                <a16:creationId xmlns:a16="http://schemas.microsoft.com/office/drawing/2014/main" xmlns="" id="{3984628B-A675-5FF7-EACC-64F2704BA813}"/>
               </a:ext>
             </a:extLst>
           </p:cNvPr>
@@ -11578,7 +11537,7 @@
           <p:cNvPr id="14" name="TextBox 13">
             <a:extLst>
               <a:ext uri="{FF2B5EF4-FFF2-40B4-BE49-F238E27FC236}">
-                <a16:creationId xmlns:a16="http://schemas.microsoft.com/office/drawing/2014/main" id="{94616973-A226-D0B1-AE8A-A316A1F0D3FF}"/>
+                <a16:creationId xmlns:a16="http://schemas.microsoft.com/office/drawing/2014/main" xmlns="" id="{94616973-A226-D0B1-AE8A-A316A1F0D3FF}"/>
               </a:ext>
             </a:extLst>
           </p:cNvPr>
@@ -11611,7 +11570,7 @@
                 <a:cs typeface="Krasar" panose="00000500000000000000" pitchFamily="2" charset="0"/>
               </a:rPr>
               <a:pPr algn="r"/>
-              <a:t>ថ្ងៃសៅរ៍ 15 មិនា 2025</a:t>
+              <a:t>ថ្ងៃអាទិត្យ 16 មិនា 2025</a:t>
             </a:fld>
             <a:endParaRPr lang="en-GB" dirty="0">
               <a:solidFill>
@@ -11628,7 +11587,7 @@
           <p:cNvPr id="16" name="TextBox 15">
             <a:extLst>
               <a:ext uri="{FF2B5EF4-FFF2-40B4-BE49-F238E27FC236}">
-                <a16:creationId xmlns:a16="http://schemas.microsoft.com/office/drawing/2014/main" id="{05CAAE1F-8F93-48C4-0932-1BEAE9EB6B1B}"/>
+                <a16:creationId xmlns:a16="http://schemas.microsoft.com/office/drawing/2014/main" xmlns="" id="{05CAAE1F-8F93-48C4-0932-1BEAE9EB6B1B}"/>
               </a:ext>
             </a:extLst>
           </p:cNvPr>
@@ -11682,18 +11641,25 @@
   <p:clrMapOvr>
     <a:masterClrMapping/>
   </p:clrMapOvr>
-  <mc:AlternateContent xmlns:mc="http://schemas.openxmlformats.org/markup-compatibility/2006" xmlns:p159="http://schemas.microsoft.com/office/powerpoint/2015/09/main">
-    <mc:Choice Requires="p159">
+  <mc:AlternateContent xmlns:mc="http://schemas.openxmlformats.org/markup-compatibility/2006">
+    <mc:Choice xmlns:p159="http://schemas.microsoft.com/office/powerpoint/2015/09/main" xmlns="" Requires="p159">
       <p:transition xmlns:p14="http://schemas.microsoft.com/office/powerpoint/2010/main" spd="slow" p14:dur="2000">
         <p159:morph option="byObject"/>
       </p:transition>
     </mc:Choice>
-    <mc:Fallback xmlns="">
+    <mc:Fallback>
       <p:transition spd="slow">
         <p:fade/>
       </p:transition>
     </mc:Fallback>
   </mc:AlternateContent>
+  <p:timing>
+    <p:tnLst>
+      <p:par>
+        <p:cTn id="1" dur="indefinite" restart="never" nodeType="tmRoot"/>
+      </p:par>
+    </p:tnLst>
+  </p:timing>
 </p:sld>
 </file>
 
@@ -11719,7 +11685,7 @@
           <p:cNvPr id="3" name="Title 1">
             <a:extLst>
               <a:ext uri="{FF2B5EF4-FFF2-40B4-BE49-F238E27FC236}">
-                <a16:creationId xmlns:a16="http://schemas.microsoft.com/office/drawing/2014/main" id="{D4F8DD3D-967E-4BA9-CE61-43DE371ACF10}"/>
+                <a16:creationId xmlns:a16="http://schemas.microsoft.com/office/drawing/2014/main" xmlns="" id="{D4F8DD3D-967E-4BA9-CE61-43DE371ACF10}"/>
               </a:ext>
             </a:extLst>
           </p:cNvPr>
@@ -11936,7 +11902,7 @@
           <p:cNvPr id="3" name="Title 1">
             <a:extLst>
               <a:ext uri="{FF2B5EF4-FFF2-40B4-BE49-F238E27FC236}">
-                <a16:creationId xmlns:a16="http://schemas.microsoft.com/office/drawing/2014/main" id="{6D24287B-237B-3DC7-1DC9-4C930F11588A}"/>
+                <a16:creationId xmlns:a16="http://schemas.microsoft.com/office/drawing/2014/main" xmlns="" id="{6D24287B-237B-3DC7-1DC9-4C930F11588A}"/>
               </a:ext>
             </a:extLst>
           </p:cNvPr>
@@ -12052,7 +12018,7 @@
           <p:cNvPr id="5" name="Date Placeholder 6">
             <a:extLst>
               <a:ext uri="{FF2B5EF4-FFF2-40B4-BE49-F238E27FC236}">
-                <a16:creationId xmlns:a16="http://schemas.microsoft.com/office/drawing/2014/main" id="{968F81BA-D120-487F-86D3-F8C7B941BFF3}"/>
+                <a16:creationId xmlns:a16="http://schemas.microsoft.com/office/drawing/2014/main" xmlns="" id="{968F81BA-D120-487F-86D3-F8C7B941BFF3}"/>
               </a:ext>
             </a:extLst>
           </p:cNvPr>
@@ -12085,7 +12051,7 @@
                 <a:cs typeface="Krasar" panose="00000500000000000000" pitchFamily="2" charset="0"/>
               </a:rPr>
               <a:pPr algn="ctr"/>
-              <a:t>ថ្ងៃសៅរ៍ 15 មិនា 2025</a:t>
+              <a:t>ថ្ងៃអាទិត្យ 16 មិនា 2025</a:t>
             </a:fld>
             <a:endParaRPr lang="en-US" dirty="0">
               <a:solidFill>
@@ -12104,7 +12070,7 @@
           <p:cNvPr id="6" name="Footer Placeholder 7">
             <a:extLst>
               <a:ext uri="{FF2B5EF4-FFF2-40B4-BE49-F238E27FC236}">
-                <a16:creationId xmlns:a16="http://schemas.microsoft.com/office/drawing/2014/main" id="{597A226A-BFCD-46DB-B224-45E1E4AE94DB}"/>
+                <a16:creationId xmlns:a16="http://schemas.microsoft.com/office/drawing/2014/main" xmlns="" id="{597A226A-BFCD-46DB-B224-45E1E4AE94DB}"/>
               </a:ext>
             </a:extLst>
           </p:cNvPr>
@@ -12180,7 +12146,7 @@
           <p:cNvPr id="3" name="Title 1">
             <a:extLst>
               <a:ext uri="{FF2B5EF4-FFF2-40B4-BE49-F238E27FC236}">
-                <a16:creationId xmlns:a16="http://schemas.microsoft.com/office/drawing/2014/main" id="{6D24287B-237B-3DC7-1DC9-4C930F11588A}"/>
+                <a16:creationId xmlns:a16="http://schemas.microsoft.com/office/drawing/2014/main" xmlns="" id="{6D24287B-237B-3DC7-1DC9-4C930F11588A}"/>
               </a:ext>
             </a:extLst>
           </p:cNvPr>
@@ -12296,7 +12262,7 @@
           <p:cNvPr id="5" name="Date Placeholder 6">
             <a:extLst>
               <a:ext uri="{FF2B5EF4-FFF2-40B4-BE49-F238E27FC236}">
-                <a16:creationId xmlns:a16="http://schemas.microsoft.com/office/drawing/2014/main" id="{968F81BA-D120-487F-86D3-F8C7B941BFF3}"/>
+                <a16:creationId xmlns:a16="http://schemas.microsoft.com/office/drawing/2014/main" xmlns="" id="{968F81BA-D120-487F-86D3-F8C7B941BFF3}"/>
               </a:ext>
             </a:extLst>
           </p:cNvPr>
@@ -12329,7 +12295,7 @@
                 <a:cs typeface="Krasar" panose="00000500000000000000" pitchFamily="2" charset="0"/>
               </a:rPr>
               <a:pPr algn="ctr"/>
-              <a:t>ថ្ងៃសៅរ៍ 15 មិនា 2025</a:t>
+              <a:t>ថ្ងៃអាទិត្យ 16 មិនា 2025</a:t>
             </a:fld>
             <a:endParaRPr lang="en-US" dirty="0">
               <a:solidFill>
@@ -12348,7 +12314,7 @@
           <p:cNvPr id="6" name="Footer Placeholder 7">
             <a:extLst>
               <a:ext uri="{FF2B5EF4-FFF2-40B4-BE49-F238E27FC236}">
-                <a16:creationId xmlns:a16="http://schemas.microsoft.com/office/drawing/2014/main" id="{597A226A-BFCD-46DB-B224-45E1E4AE94DB}"/>
+                <a16:creationId xmlns:a16="http://schemas.microsoft.com/office/drawing/2014/main" xmlns="" id="{597A226A-BFCD-46DB-B224-45E1E4AE94DB}"/>
               </a:ext>
             </a:extLst>
           </p:cNvPr>
@@ -12424,7 +12390,7 @@
           <p:cNvPr id="3" name="Title 1">
             <a:extLst>
               <a:ext uri="{FF2B5EF4-FFF2-40B4-BE49-F238E27FC236}">
-                <a16:creationId xmlns:a16="http://schemas.microsoft.com/office/drawing/2014/main" id="{6D24287B-237B-3DC7-1DC9-4C930F11588A}"/>
+                <a16:creationId xmlns:a16="http://schemas.microsoft.com/office/drawing/2014/main" xmlns="" id="{6D24287B-237B-3DC7-1DC9-4C930F11588A}"/>
               </a:ext>
             </a:extLst>
           </p:cNvPr>
@@ -12540,7 +12506,7 @@
           <p:cNvPr id="5" name="Date Placeholder 6">
             <a:extLst>
               <a:ext uri="{FF2B5EF4-FFF2-40B4-BE49-F238E27FC236}">
-                <a16:creationId xmlns:a16="http://schemas.microsoft.com/office/drawing/2014/main" id="{968F81BA-D120-487F-86D3-F8C7B941BFF3}"/>
+                <a16:creationId xmlns:a16="http://schemas.microsoft.com/office/drawing/2014/main" xmlns="" id="{968F81BA-D120-487F-86D3-F8C7B941BFF3}"/>
               </a:ext>
             </a:extLst>
           </p:cNvPr>
@@ -12573,7 +12539,7 @@
                 <a:cs typeface="Krasar" panose="00000500000000000000" pitchFamily="2" charset="0"/>
               </a:rPr>
               <a:pPr algn="ctr"/>
-              <a:t>ថ្ងៃសៅរ៍ 15 មិនា 2025</a:t>
+              <a:t>ថ្ងៃអាទិត្យ 16 មិនា 2025</a:t>
             </a:fld>
             <a:endParaRPr lang="en-US" dirty="0">
               <a:solidFill>
@@ -12592,7 +12558,7 @@
           <p:cNvPr id="6" name="Footer Placeholder 7">
             <a:extLst>
               <a:ext uri="{FF2B5EF4-FFF2-40B4-BE49-F238E27FC236}">
-                <a16:creationId xmlns:a16="http://schemas.microsoft.com/office/drawing/2014/main" id="{597A226A-BFCD-46DB-B224-45E1E4AE94DB}"/>
+                <a16:creationId xmlns:a16="http://schemas.microsoft.com/office/drawing/2014/main" xmlns="" id="{597A226A-BFCD-46DB-B224-45E1E4AE94DB}"/>
               </a:ext>
             </a:extLst>
           </p:cNvPr>
@@ -12668,7 +12634,7 @@
           <p:cNvPr id="3" name="Title 1">
             <a:extLst>
               <a:ext uri="{FF2B5EF4-FFF2-40B4-BE49-F238E27FC236}">
-                <a16:creationId xmlns:a16="http://schemas.microsoft.com/office/drawing/2014/main" id="{6D24287B-237B-3DC7-1DC9-4C930F11588A}"/>
+                <a16:creationId xmlns:a16="http://schemas.microsoft.com/office/drawing/2014/main" xmlns="" id="{6D24287B-237B-3DC7-1DC9-4C930F11588A}"/>
               </a:ext>
             </a:extLst>
           </p:cNvPr>
@@ -12784,7 +12750,7 @@
           <p:cNvPr id="5" name="Date Placeholder 6">
             <a:extLst>
               <a:ext uri="{FF2B5EF4-FFF2-40B4-BE49-F238E27FC236}">
-                <a16:creationId xmlns:a16="http://schemas.microsoft.com/office/drawing/2014/main" id="{968F81BA-D120-487F-86D3-F8C7B941BFF3}"/>
+                <a16:creationId xmlns:a16="http://schemas.microsoft.com/office/drawing/2014/main" xmlns="" id="{968F81BA-D120-487F-86D3-F8C7B941BFF3}"/>
               </a:ext>
             </a:extLst>
           </p:cNvPr>
@@ -12817,7 +12783,7 @@
                 <a:cs typeface="Krasar" panose="00000500000000000000" pitchFamily="2" charset="0"/>
               </a:rPr>
               <a:pPr algn="ctr"/>
-              <a:t>ថ្ងៃសៅរ៍ 15 មិនា 2025</a:t>
+              <a:t>ថ្ងៃអាទិត្យ 16 មិនា 2025</a:t>
             </a:fld>
             <a:endParaRPr lang="en-US" dirty="0">
               <a:solidFill>
@@ -12836,7 +12802,7 @@
           <p:cNvPr id="6" name="Footer Placeholder 7">
             <a:extLst>
               <a:ext uri="{FF2B5EF4-FFF2-40B4-BE49-F238E27FC236}">
-                <a16:creationId xmlns:a16="http://schemas.microsoft.com/office/drawing/2014/main" id="{597A226A-BFCD-46DB-B224-45E1E4AE94DB}"/>
+                <a16:creationId xmlns:a16="http://schemas.microsoft.com/office/drawing/2014/main" xmlns="" id="{597A226A-BFCD-46DB-B224-45E1E4AE94DB}"/>
               </a:ext>
             </a:extLst>
           </p:cNvPr>
@@ -12898,7 +12864,7 @@
         <p:cNvPr id="1" name="">
           <a:extLst>
             <a:ext uri="{FF2B5EF4-FFF2-40B4-BE49-F238E27FC236}">
-              <a16:creationId xmlns:a16="http://schemas.microsoft.com/office/drawing/2014/main" id="{C19052DB-6987-24DD-635B-208BBD292C16}"/>
+              <a16:creationId xmlns:a16="http://schemas.microsoft.com/office/drawing/2014/main" xmlns="" id="{C19052DB-6987-24DD-635B-208BBD292C16}"/>
             </a:ext>
           </a:extLst>
         </p:cNvPr>
@@ -12918,7 +12884,7 @@
           <p:cNvPr id="12" name="TextBox 11">
             <a:extLst>
               <a:ext uri="{FF2B5EF4-FFF2-40B4-BE49-F238E27FC236}">
-                <a16:creationId xmlns:a16="http://schemas.microsoft.com/office/drawing/2014/main" id="{06544040-D79D-827A-2E4F-B3807872CF6E}"/>
+                <a16:creationId xmlns:a16="http://schemas.microsoft.com/office/drawing/2014/main" xmlns="" id="{06544040-D79D-827A-2E4F-B3807872CF6E}"/>
               </a:ext>
             </a:extLst>
           </p:cNvPr>
@@ -12983,7 +12949,7 @@
           <p:cNvPr id="14" name="TextBox 13">
             <a:extLst>
               <a:ext uri="{FF2B5EF4-FFF2-40B4-BE49-F238E27FC236}">
-                <a16:creationId xmlns:a16="http://schemas.microsoft.com/office/drawing/2014/main" id="{738667B1-BDEE-7793-B11C-97F16F70AA29}"/>
+                <a16:creationId xmlns:a16="http://schemas.microsoft.com/office/drawing/2014/main" xmlns="" id="{738667B1-BDEE-7793-B11C-97F16F70AA29}"/>
               </a:ext>
             </a:extLst>
           </p:cNvPr>
@@ -13016,7 +12982,7 @@
                 <a:cs typeface="Krasar" panose="00000500000000000000" pitchFamily="2" charset="0"/>
               </a:rPr>
               <a:pPr algn="r"/>
-              <a:t>ថ្ងៃសៅរ៍ 15 មិនា 2025</a:t>
+              <a:t>ថ្ងៃអាទិត្យ 16 មិនា 2025</a:t>
             </a:fld>
             <a:endParaRPr lang="en-GB" dirty="0">
               <a:solidFill>
@@ -13033,7 +12999,7 @@
           <p:cNvPr id="16" name="TextBox 15">
             <a:extLst>
               <a:ext uri="{FF2B5EF4-FFF2-40B4-BE49-F238E27FC236}">
-                <a16:creationId xmlns:a16="http://schemas.microsoft.com/office/drawing/2014/main" id="{D977C863-ABF1-D611-A5A7-33328BAE485B}"/>
+                <a16:creationId xmlns:a16="http://schemas.microsoft.com/office/drawing/2014/main" xmlns="" id="{D977C863-ABF1-D611-A5A7-33328BAE485B}"/>
               </a:ext>
             </a:extLst>
           </p:cNvPr>
@@ -13087,13 +13053,13 @@
   <p:clrMapOvr>
     <a:masterClrMapping/>
   </p:clrMapOvr>
-  <mc:AlternateContent xmlns:mc="http://schemas.openxmlformats.org/markup-compatibility/2006" xmlns:p159="http://schemas.microsoft.com/office/powerpoint/2015/09/main">
-    <mc:Choice Requires="p159">
+  <mc:AlternateContent xmlns:mc="http://schemas.openxmlformats.org/markup-compatibility/2006">
+    <mc:Choice xmlns:p159="http://schemas.microsoft.com/office/powerpoint/2015/09/main" xmlns="" Requires="p159">
       <p:transition xmlns:p14="http://schemas.microsoft.com/office/powerpoint/2010/main" spd="slow" p14:dur="2000">
         <p159:morph option="byObject"/>
       </p:transition>
     </mc:Choice>
-    <mc:Fallback xmlns="">
+    <mc:Fallback>
       <p:transition spd="slow">
         <p:fade/>
       </p:transition>
@@ -13110,7 +13076,7 @@
         <p:cNvPr id="1" name="">
           <a:extLst>
             <a:ext uri="{FF2B5EF4-FFF2-40B4-BE49-F238E27FC236}">
-              <a16:creationId xmlns:a16="http://schemas.microsoft.com/office/drawing/2014/main" id="{0956FFFF-645C-1DA0-57C3-93D2EBD6E840}"/>
+              <a16:creationId xmlns:a16="http://schemas.microsoft.com/office/drawing/2014/main" xmlns="" id="{0956FFFF-645C-1DA0-57C3-93D2EBD6E840}"/>
             </a:ext>
           </a:extLst>
         </p:cNvPr>
@@ -13130,7 +13096,7 @@
           <p:cNvPr id="12" name="TextBox 11">
             <a:extLst>
               <a:ext uri="{FF2B5EF4-FFF2-40B4-BE49-F238E27FC236}">
-                <a16:creationId xmlns:a16="http://schemas.microsoft.com/office/drawing/2014/main" id="{81991DCA-E5BD-33FC-6845-617E15551D91}"/>
+                <a16:creationId xmlns:a16="http://schemas.microsoft.com/office/drawing/2014/main" xmlns="" id="{81991DCA-E5BD-33FC-6845-617E15551D91}"/>
               </a:ext>
             </a:extLst>
           </p:cNvPr>
@@ -13195,7 +13161,7 @@
           <p:cNvPr id="14" name="TextBox 13">
             <a:extLst>
               <a:ext uri="{FF2B5EF4-FFF2-40B4-BE49-F238E27FC236}">
-                <a16:creationId xmlns:a16="http://schemas.microsoft.com/office/drawing/2014/main" id="{3A83A1F4-0B43-3661-0AB3-6D7FB15CC382}"/>
+                <a16:creationId xmlns:a16="http://schemas.microsoft.com/office/drawing/2014/main" xmlns="" id="{3A83A1F4-0B43-3661-0AB3-6D7FB15CC382}"/>
               </a:ext>
             </a:extLst>
           </p:cNvPr>
@@ -13228,7 +13194,7 @@
                 <a:cs typeface="Krasar" panose="00000500000000000000" pitchFamily="2" charset="0"/>
               </a:rPr>
               <a:pPr algn="r"/>
-              <a:t>ថ្ងៃសៅរ៍ 15 មិនា 2025</a:t>
+              <a:t>ថ្ងៃអាទិត្យ 16 មិនា 2025</a:t>
             </a:fld>
             <a:endParaRPr lang="en-GB" dirty="0">
               <a:solidFill>
@@ -13245,7 +13211,7 @@
           <p:cNvPr id="16" name="TextBox 15">
             <a:extLst>
               <a:ext uri="{FF2B5EF4-FFF2-40B4-BE49-F238E27FC236}">
-                <a16:creationId xmlns:a16="http://schemas.microsoft.com/office/drawing/2014/main" id="{C5E36C52-ED19-65C4-5B66-242DF92DFE5A}"/>
+                <a16:creationId xmlns:a16="http://schemas.microsoft.com/office/drawing/2014/main" xmlns="" id="{C5E36C52-ED19-65C4-5B66-242DF92DFE5A}"/>
               </a:ext>
             </a:extLst>
           </p:cNvPr>
@@ -13310,6 +13276,13 @@
       </p:transition>
     </mc:Fallback>
   </mc:AlternateContent>
+  <p:timing>
+    <p:tnLst>
+      <p:par>
+        <p:cTn id="1" dur="indefinite" restart="never" nodeType="tmRoot"/>
+      </p:par>
+    </p:tnLst>
+  </p:timing>
 </p:sld>
 </file>
 
@@ -13321,7 +13294,7 @@
         <p:cNvPr id="1" name="">
           <a:extLst>
             <a:ext uri="{FF2B5EF4-FFF2-40B4-BE49-F238E27FC236}">
-              <a16:creationId xmlns:a16="http://schemas.microsoft.com/office/drawing/2014/main" id="{E609DE4C-3844-D386-BD0E-0B726E7F7E79}"/>
+              <a16:creationId xmlns:a16="http://schemas.microsoft.com/office/drawing/2014/main" xmlns="" id="{E609DE4C-3844-D386-BD0E-0B726E7F7E79}"/>
             </a:ext>
           </a:extLst>
         </p:cNvPr>
@@ -13341,7 +13314,7 @@
           <p:cNvPr id="14" name="TextBox 13">
             <a:extLst>
               <a:ext uri="{FF2B5EF4-FFF2-40B4-BE49-F238E27FC236}">
-                <a16:creationId xmlns:a16="http://schemas.microsoft.com/office/drawing/2014/main" id="{62FBEFA9-D245-EE66-F753-FACCC88DFDD0}"/>
+                <a16:creationId xmlns:a16="http://schemas.microsoft.com/office/drawing/2014/main" xmlns="" id="{62FBEFA9-D245-EE66-F753-FACCC88DFDD0}"/>
               </a:ext>
             </a:extLst>
           </p:cNvPr>
@@ -13413,7 +13386,7 @@
                 <a:tabLst/>
                 <a:defRPr/>
               </a:pPr>
-              <a:t>ថ្ងៃសៅរ៍ 15 មិនា 2025</a:t>
+              <a:t>ថ្ងៃអាទិត្យ 16 មិនា 2025</a:t>
             </a:fld>
             <a:endParaRPr kumimoji="0" lang="en-GB" sz="1800" b="0" i="0" u="none" strike="noStrike" kern="1200" cap="none" spc="0" normalizeH="0" baseline="0" noProof="0" dirty="0">
               <a:ln>
@@ -13437,7 +13410,7 @@
           <p:cNvPr id="16" name="TextBox 15">
             <a:extLst>
               <a:ext uri="{FF2B5EF4-FFF2-40B4-BE49-F238E27FC236}">
-                <a16:creationId xmlns:a16="http://schemas.microsoft.com/office/drawing/2014/main" id="{0F9AF767-8268-9C21-8D01-157FBFC6AFDA}"/>
+                <a16:creationId xmlns:a16="http://schemas.microsoft.com/office/drawing/2014/main" xmlns="" id="{0F9AF767-8268-9C21-8D01-157FBFC6AFDA}"/>
               </a:ext>
             </a:extLst>
           </p:cNvPr>
@@ -13516,7 +13489,7 @@
           <p:cNvPr id="4" name="TextBox 3">
             <a:extLst>
               <a:ext uri="{FF2B5EF4-FFF2-40B4-BE49-F238E27FC236}">
-                <a16:creationId xmlns:a16="http://schemas.microsoft.com/office/drawing/2014/main" id="{D504BFF7-F068-624D-151A-8D482447BE70}"/>
+                <a16:creationId xmlns:a16="http://schemas.microsoft.com/office/drawing/2014/main" xmlns="" id="{D504BFF7-F068-624D-151A-8D482447BE70}"/>
               </a:ext>
             </a:extLst>
           </p:cNvPr>
@@ -13788,7 +13761,7 @@
           <p:cNvPr id="2" name="TextBox 1">
             <a:extLst>
               <a:ext uri="{FF2B5EF4-FFF2-40B4-BE49-F238E27FC236}">
-                <a16:creationId xmlns:a16="http://schemas.microsoft.com/office/drawing/2014/main" id="{C26812A1-177D-A3EF-8155-5C00B2FCCFFD}"/>
+                <a16:creationId xmlns:a16="http://schemas.microsoft.com/office/drawing/2014/main" xmlns="" id="{C26812A1-177D-A3EF-8155-5C00B2FCCFFD}"/>
               </a:ext>
             </a:extLst>
           </p:cNvPr>
@@ -13895,7 +13868,7 @@
         <p:cNvPr id="1" name="">
           <a:extLst>
             <a:ext uri="{FF2B5EF4-FFF2-40B4-BE49-F238E27FC236}">
-              <a16:creationId xmlns:a16="http://schemas.microsoft.com/office/drawing/2014/main" id="{45920CA6-FC24-292B-6F14-C58AFD3A1EE4}"/>
+              <a16:creationId xmlns:a16="http://schemas.microsoft.com/office/drawing/2014/main" xmlns="" id="{45920CA6-FC24-292B-6F14-C58AFD3A1EE4}"/>
             </a:ext>
           </a:extLst>
         </p:cNvPr>
@@ -13915,7 +13888,7 @@
           <p:cNvPr id="14" name="TextBox 13">
             <a:extLst>
               <a:ext uri="{FF2B5EF4-FFF2-40B4-BE49-F238E27FC236}">
-                <a16:creationId xmlns:a16="http://schemas.microsoft.com/office/drawing/2014/main" id="{965E58FA-12C7-EA2B-30BD-73BC466D36B1}"/>
+                <a16:creationId xmlns:a16="http://schemas.microsoft.com/office/drawing/2014/main" xmlns="" id="{965E58FA-12C7-EA2B-30BD-73BC466D36B1}"/>
               </a:ext>
             </a:extLst>
           </p:cNvPr>
@@ -13987,7 +13960,7 @@
                 <a:tabLst/>
                 <a:defRPr/>
               </a:pPr>
-              <a:t>ថ្ងៃសៅរ៍ 15 មិនា 2025</a:t>
+              <a:t>ថ្ងៃអាទិត្យ 16 មិនា 2025</a:t>
             </a:fld>
             <a:endParaRPr kumimoji="0" lang="en-GB" sz="1800" b="0" i="0" u="none" strike="noStrike" kern="1200" cap="none" spc="0" normalizeH="0" baseline="0" noProof="0" dirty="0">
               <a:ln>
@@ -14011,7 +13984,7 @@
           <p:cNvPr id="16" name="TextBox 15">
             <a:extLst>
               <a:ext uri="{FF2B5EF4-FFF2-40B4-BE49-F238E27FC236}">
-                <a16:creationId xmlns:a16="http://schemas.microsoft.com/office/drawing/2014/main" id="{6D7F0BA1-03C1-F2DE-C42F-0DC1E78DCA0F}"/>
+                <a16:creationId xmlns:a16="http://schemas.microsoft.com/office/drawing/2014/main" xmlns="" id="{6D7F0BA1-03C1-F2DE-C42F-0DC1E78DCA0F}"/>
               </a:ext>
             </a:extLst>
           </p:cNvPr>
@@ -14090,7 +14063,7 @@
           <p:cNvPr id="4" name="TextBox 3">
             <a:extLst>
               <a:ext uri="{FF2B5EF4-FFF2-40B4-BE49-F238E27FC236}">
-                <a16:creationId xmlns:a16="http://schemas.microsoft.com/office/drawing/2014/main" id="{B344BAB2-4D93-EFFF-C048-360CF92828B8}"/>
+                <a16:creationId xmlns:a16="http://schemas.microsoft.com/office/drawing/2014/main" xmlns="" id="{B344BAB2-4D93-EFFF-C048-360CF92828B8}"/>
               </a:ext>
             </a:extLst>
           </p:cNvPr>
@@ -14312,7 +14285,7 @@
           <p:cNvPr id="2" name="TextBox 1">
             <a:extLst>
               <a:ext uri="{FF2B5EF4-FFF2-40B4-BE49-F238E27FC236}">
-                <a16:creationId xmlns:a16="http://schemas.microsoft.com/office/drawing/2014/main" id="{C51D9C2F-485A-20E0-030E-AC9EAADCD2C2}"/>
+                <a16:creationId xmlns:a16="http://schemas.microsoft.com/office/drawing/2014/main" xmlns="" id="{C51D9C2F-485A-20E0-030E-AC9EAADCD2C2}"/>
               </a:ext>
             </a:extLst>
           </p:cNvPr>
@@ -14419,7 +14392,7 @@
         <p:cNvPr id="1" name="">
           <a:extLst>
             <a:ext uri="{FF2B5EF4-FFF2-40B4-BE49-F238E27FC236}">
-              <a16:creationId xmlns:a16="http://schemas.microsoft.com/office/drawing/2014/main" id="{48B01499-A729-0032-1FD9-218251E53F79}"/>
+              <a16:creationId xmlns:a16="http://schemas.microsoft.com/office/drawing/2014/main" xmlns="" id="{48B01499-A729-0032-1FD9-218251E53F79}"/>
             </a:ext>
           </a:extLst>
         </p:cNvPr>
@@ -14439,7 +14412,7 @@
           <p:cNvPr id="14" name="TextBox 13">
             <a:extLst>
               <a:ext uri="{FF2B5EF4-FFF2-40B4-BE49-F238E27FC236}">
-                <a16:creationId xmlns:a16="http://schemas.microsoft.com/office/drawing/2014/main" id="{CEC4DDC5-A619-705C-C9E1-DB04F7A916E0}"/>
+                <a16:creationId xmlns:a16="http://schemas.microsoft.com/office/drawing/2014/main" xmlns="" id="{CEC4DDC5-A619-705C-C9E1-DB04F7A916E0}"/>
               </a:ext>
             </a:extLst>
           </p:cNvPr>
@@ -14511,7 +14484,7 @@
                 <a:tabLst/>
                 <a:defRPr/>
               </a:pPr>
-              <a:t>ថ្ងៃសៅរ៍ 15 មិនា 2025</a:t>
+              <a:t>ថ្ងៃអាទិត្យ 16 មិនា 2025</a:t>
             </a:fld>
             <a:endParaRPr kumimoji="0" lang="en-GB" sz="1800" b="0" i="0" u="none" strike="noStrike" kern="1200" cap="none" spc="0" normalizeH="0" baseline="0" noProof="0" dirty="0">
               <a:ln>
@@ -14535,7 +14508,7 @@
           <p:cNvPr id="16" name="TextBox 15">
             <a:extLst>
               <a:ext uri="{FF2B5EF4-FFF2-40B4-BE49-F238E27FC236}">
-                <a16:creationId xmlns:a16="http://schemas.microsoft.com/office/drawing/2014/main" id="{759AC5AB-B26D-C550-04F7-BC8987708449}"/>
+                <a16:creationId xmlns:a16="http://schemas.microsoft.com/office/drawing/2014/main" xmlns="" id="{759AC5AB-B26D-C550-04F7-BC8987708449}"/>
               </a:ext>
             </a:extLst>
           </p:cNvPr>
@@ -14614,7 +14587,7 @@
           <p:cNvPr id="4" name="TextBox 3">
             <a:extLst>
               <a:ext uri="{FF2B5EF4-FFF2-40B4-BE49-F238E27FC236}">
-                <a16:creationId xmlns:a16="http://schemas.microsoft.com/office/drawing/2014/main" id="{E575E212-B94D-B12E-3851-75F531C78109}"/>
+                <a16:creationId xmlns:a16="http://schemas.microsoft.com/office/drawing/2014/main" xmlns="" id="{E575E212-B94D-B12E-3851-75F531C78109}"/>
               </a:ext>
             </a:extLst>
           </p:cNvPr>
@@ -14864,7 +14837,7 @@
           <p:cNvPr id="2" name="TextBox 1">
             <a:extLst>
               <a:ext uri="{FF2B5EF4-FFF2-40B4-BE49-F238E27FC236}">
-                <a16:creationId xmlns:a16="http://schemas.microsoft.com/office/drawing/2014/main" id="{6589D540-722E-901D-3B9F-E7FA761F88A9}"/>
+                <a16:creationId xmlns:a16="http://schemas.microsoft.com/office/drawing/2014/main" xmlns="" id="{6589D540-722E-901D-3B9F-E7FA761F88A9}"/>
               </a:ext>
             </a:extLst>
           </p:cNvPr>
@@ -14971,7 +14944,7 @@
         <p:cNvPr id="1" name="">
           <a:extLst>
             <a:ext uri="{FF2B5EF4-FFF2-40B4-BE49-F238E27FC236}">
-              <a16:creationId xmlns:a16="http://schemas.microsoft.com/office/drawing/2014/main" id="{D1AF2A94-7525-FA65-61C3-715C8CEF7D2E}"/>
+              <a16:creationId xmlns:a16="http://schemas.microsoft.com/office/drawing/2014/main" xmlns="" id="{D1AF2A94-7525-FA65-61C3-715C8CEF7D2E}"/>
             </a:ext>
           </a:extLst>
         </p:cNvPr>
@@ -14991,7 +14964,7 @@
           <p:cNvPr id="12" name="TextBox 11">
             <a:extLst>
               <a:ext uri="{FF2B5EF4-FFF2-40B4-BE49-F238E27FC236}">
-                <a16:creationId xmlns:a16="http://schemas.microsoft.com/office/drawing/2014/main" id="{C61B1ADE-AA2A-10DB-87B8-391D33A29191}"/>
+                <a16:creationId xmlns:a16="http://schemas.microsoft.com/office/drawing/2014/main" xmlns="" id="{C61B1ADE-AA2A-10DB-87B8-391D33A29191}"/>
               </a:ext>
             </a:extLst>
           </p:cNvPr>
@@ -15082,7 +15055,7 @@
           <p:cNvPr id="14" name="TextBox 13">
             <a:extLst>
               <a:ext uri="{FF2B5EF4-FFF2-40B4-BE49-F238E27FC236}">
-                <a16:creationId xmlns:a16="http://schemas.microsoft.com/office/drawing/2014/main" id="{229DA3CD-0038-6DA8-B1E0-8F3E0ADD74D1}"/>
+                <a16:creationId xmlns:a16="http://schemas.microsoft.com/office/drawing/2014/main" xmlns="" id="{229DA3CD-0038-6DA8-B1E0-8F3E0ADD74D1}"/>
               </a:ext>
             </a:extLst>
           </p:cNvPr>
@@ -15154,7 +15127,7 @@
                 <a:tabLst/>
                 <a:defRPr/>
               </a:pPr>
-              <a:t>ថ្ងៃសៅរ៍ 15 មិនា 2025</a:t>
+              <a:t>ថ្ងៃអាទិត្យ 16 មិនា 2025</a:t>
             </a:fld>
             <a:endParaRPr kumimoji="0" lang="en-GB" sz="1800" b="0" i="0" u="none" strike="noStrike" kern="1200" cap="none" spc="0" normalizeH="0" baseline="0" noProof="0" dirty="0">
               <a:ln>
@@ -15178,7 +15151,7 @@
           <p:cNvPr id="16" name="TextBox 15">
             <a:extLst>
               <a:ext uri="{FF2B5EF4-FFF2-40B4-BE49-F238E27FC236}">
-                <a16:creationId xmlns:a16="http://schemas.microsoft.com/office/drawing/2014/main" id="{467D278C-6746-DC1E-147B-9C7BD5D55172}"/>
+                <a16:creationId xmlns:a16="http://schemas.microsoft.com/office/drawing/2014/main" xmlns="" id="{467D278C-6746-DC1E-147B-9C7BD5D55172}"/>
               </a:ext>
             </a:extLst>
           </p:cNvPr>
@@ -15262,13 +15235,13 @@
   <p:clrMapOvr>
     <a:masterClrMapping/>
   </p:clrMapOvr>
-  <mc:AlternateContent xmlns:mc="http://schemas.openxmlformats.org/markup-compatibility/2006" xmlns:p159="http://schemas.microsoft.com/office/powerpoint/2015/09/main">
-    <mc:Choice Requires="p159">
+  <mc:AlternateContent xmlns:mc="http://schemas.openxmlformats.org/markup-compatibility/2006">
+    <mc:Choice xmlns:p159="http://schemas.microsoft.com/office/powerpoint/2015/09/main" xmlns="" Requires="p159">
       <p:transition xmlns:p14="http://schemas.microsoft.com/office/powerpoint/2010/main" spd="slow" p14:dur="2000">
         <p159:morph option="byObject"/>
       </p:transition>
     </mc:Choice>
-    <mc:Fallback xmlns="">
+    <mc:Fallback>
       <p:transition spd="slow">
         <p:fade/>
       </p:transition>
@@ -15285,7 +15258,7 @@
         <p:cNvPr id="1" name="">
           <a:extLst>
             <a:ext uri="{FF2B5EF4-FFF2-40B4-BE49-F238E27FC236}">
-              <a16:creationId xmlns:a16="http://schemas.microsoft.com/office/drawing/2014/main" id="{514023B5-1B82-0BF1-885E-828D645D2E7A}"/>
+              <a16:creationId xmlns:a16="http://schemas.microsoft.com/office/drawing/2014/main" xmlns="" id="{514023B5-1B82-0BF1-885E-828D645D2E7A}"/>
             </a:ext>
           </a:extLst>
         </p:cNvPr>
@@ -15305,7 +15278,7 @@
           <p:cNvPr id="12" name="TextBox 11">
             <a:extLst>
               <a:ext uri="{FF2B5EF4-FFF2-40B4-BE49-F238E27FC236}">
-                <a16:creationId xmlns:a16="http://schemas.microsoft.com/office/drawing/2014/main" id="{F2DAA663-F69F-C716-178E-B634C8E019E5}"/>
+                <a16:creationId xmlns:a16="http://schemas.microsoft.com/office/drawing/2014/main" xmlns="" id="{F2DAA663-F69F-C716-178E-B634C8E019E5}"/>
               </a:ext>
             </a:extLst>
           </p:cNvPr>
@@ -15396,7 +15369,7 @@
           <p:cNvPr id="14" name="TextBox 13">
             <a:extLst>
               <a:ext uri="{FF2B5EF4-FFF2-40B4-BE49-F238E27FC236}">
-                <a16:creationId xmlns:a16="http://schemas.microsoft.com/office/drawing/2014/main" id="{A8814282-4759-B26B-09D8-A3DC12D32825}"/>
+                <a16:creationId xmlns:a16="http://schemas.microsoft.com/office/drawing/2014/main" xmlns="" id="{A8814282-4759-B26B-09D8-A3DC12D32825}"/>
               </a:ext>
             </a:extLst>
           </p:cNvPr>
@@ -15468,7 +15441,7 @@
                 <a:tabLst/>
                 <a:defRPr/>
               </a:pPr>
-              <a:t>ថ្ងៃសៅរ៍ 15 មិនា 2025</a:t>
+              <a:t>ថ្ងៃអាទិត្យ 16 មិនា 2025</a:t>
             </a:fld>
             <a:endParaRPr kumimoji="0" lang="en-GB" sz="1800" b="0" i="0" u="none" strike="noStrike" kern="1200" cap="none" spc="0" normalizeH="0" baseline="0" noProof="0" dirty="0">
               <a:ln>
@@ -15492,7 +15465,7 @@
           <p:cNvPr id="16" name="TextBox 15">
             <a:extLst>
               <a:ext uri="{FF2B5EF4-FFF2-40B4-BE49-F238E27FC236}">
-                <a16:creationId xmlns:a16="http://schemas.microsoft.com/office/drawing/2014/main" id="{FFEAEBAB-DA2D-AD31-20FB-F23B388BB9AF}"/>
+                <a16:creationId xmlns:a16="http://schemas.microsoft.com/office/drawing/2014/main" xmlns="" id="{FFEAEBAB-DA2D-AD31-20FB-F23B388BB9AF}"/>
               </a:ext>
             </a:extLst>
           </p:cNvPr>
@@ -15571,7 +15544,7 @@
           <p:cNvPr id="17" name="Rectangle 16">
             <a:extLst>
               <a:ext uri="{FF2B5EF4-FFF2-40B4-BE49-F238E27FC236}">
-                <a16:creationId xmlns:a16="http://schemas.microsoft.com/office/drawing/2014/main" id="{EF175E1B-BE99-0920-C24E-A21658AFC3E7}"/>
+                <a16:creationId xmlns:a16="http://schemas.microsoft.com/office/drawing/2014/main" xmlns="" id="{EF175E1B-BE99-0920-C24E-A21658AFC3E7}"/>
               </a:ext>
             </a:extLst>
           </p:cNvPr>
@@ -15952,7 +15925,7 @@
             </a:solidFill>
             <a:extLst>
               <a:ext uri="{C807C97D-BFC1-408E-A445-0C87EB9F89A2}">
-                <ask:lineSketchStyleProps xmlns:ask="http://schemas.microsoft.com/office/drawing/2018/sketchyshapes" sd="2796838573">
+                <ask:lineSketchStyleProps xmlns:ask="http://schemas.microsoft.com/office/drawing/2018/sketchyshapes" xmlns="" sd="2796838573">
                   <a:prstGeom prst="rect">
                     <a:avLst/>
                   </a:prstGeom>
@@ -16023,7 +15996,7 @@
           <p:cNvPr id="2" name="TextBox 1">
             <a:extLst>
               <a:ext uri="{FF2B5EF4-FFF2-40B4-BE49-F238E27FC236}">
-                <a16:creationId xmlns:a16="http://schemas.microsoft.com/office/drawing/2014/main" id="{5394C43C-B499-6670-F488-381027E92D55}"/>
+                <a16:creationId xmlns:a16="http://schemas.microsoft.com/office/drawing/2014/main" xmlns="" id="{5394C43C-B499-6670-F488-381027E92D55}"/>
               </a:ext>
             </a:extLst>
           </p:cNvPr>
@@ -16119,13 +16092,13 @@
   <p:clrMapOvr>
     <a:masterClrMapping/>
   </p:clrMapOvr>
-  <mc:AlternateContent xmlns:mc="http://schemas.openxmlformats.org/markup-compatibility/2006" xmlns:p159="http://schemas.microsoft.com/office/powerpoint/2015/09/main">
-    <mc:Choice Requires="p159">
+  <mc:AlternateContent xmlns:mc="http://schemas.openxmlformats.org/markup-compatibility/2006">
+    <mc:Choice xmlns:p159="http://schemas.microsoft.com/office/powerpoint/2015/09/main" xmlns="" Requires="p159">
       <p:transition xmlns:p14="http://schemas.microsoft.com/office/powerpoint/2010/main" spd="slow" p14:dur="2000">
         <p159:morph option="byObject"/>
       </p:transition>
     </mc:Choice>
-    <mc:Fallback xmlns="">
+    <mc:Fallback>
       <p:transition spd="slow">
         <p:fade/>
       </p:transition>
@@ -16142,7 +16115,7 @@
         <p:cNvPr id="1" name="">
           <a:extLst>
             <a:ext uri="{FF2B5EF4-FFF2-40B4-BE49-F238E27FC236}">
-              <a16:creationId xmlns:a16="http://schemas.microsoft.com/office/drawing/2014/main" id="{9CF57AD6-DDEE-B571-AB05-353AFE07F3A7}"/>
+              <a16:creationId xmlns:a16="http://schemas.microsoft.com/office/drawing/2014/main" xmlns="" id="{9CF57AD6-DDEE-B571-AB05-353AFE07F3A7}"/>
             </a:ext>
           </a:extLst>
         </p:cNvPr>
@@ -16162,7 +16135,7 @@
           <p:cNvPr id="14" name="TextBox 13">
             <a:extLst>
               <a:ext uri="{FF2B5EF4-FFF2-40B4-BE49-F238E27FC236}">
-                <a16:creationId xmlns:a16="http://schemas.microsoft.com/office/drawing/2014/main" id="{3DA90E63-D488-44DC-52B3-3792D736DB92}"/>
+                <a16:creationId xmlns:a16="http://schemas.microsoft.com/office/drawing/2014/main" xmlns="" id="{3DA90E63-D488-44DC-52B3-3792D736DB92}"/>
               </a:ext>
             </a:extLst>
           </p:cNvPr>
@@ -16234,7 +16207,7 @@
                 <a:tabLst/>
                 <a:defRPr/>
               </a:pPr>
-              <a:t>ថ្ងៃសៅរ៍ 15 មិនា 2025</a:t>
+              <a:t>ថ្ងៃអាទិត្យ 16 មិនា 2025</a:t>
             </a:fld>
             <a:endParaRPr kumimoji="0" lang="en-GB" sz="1800" b="0" i="0" u="none" strike="noStrike" kern="1200" cap="none" spc="0" normalizeH="0" baseline="0" noProof="0" dirty="0">
               <a:ln>
@@ -16258,7 +16231,7 @@
           <p:cNvPr id="16" name="TextBox 15">
             <a:extLst>
               <a:ext uri="{FF2B5EF4-FFF2-40B4-BE49-F238E27FC236}">
-                <a16:creationId xmlns:a16="http://schemas.microsoft.com/office/drawing/2014/main" id="{10ED80E6-2676-D323-1A34-6AD80D18B637}"/>
+                <a16:creationId xmlns:a16="http://schemas.microsoft.com/office/drawing/2014/main" xmlns="" id="{10ED80E6-2676-D323-1A34-6AD80D18B637}"/>
               </a:ext>
             </a:extLst>
           </p:cNvPr>
@@ -16337,7 +16310,7 @@
           <p:cNvPr id="4" name="TextBox 3">
             <a:extLst>
               <a:ext uri="{FF2B5EF4-FFF2-40B4-BE49-F238E27FC236}">
-                <a16:creationId xmlns:a16="http://schemas.microsoft.com/office/drawing/2014/main" id="{C88E1DDF-B5D0-7349-C163-E574DE911522}"/>
+                <a16:creationId xmlns:a16="http://schemas.microsoft.com/office/drawing/2014/main" xmlns="" id="{C88E1DDF-B5D0-7349-C163-E574DE911522}"/>
               </a:ext>
             </a:extLst>
           </p:cNvPr>
@@ -16563,7 +16536,7 @@
           <p:cNvPr id="2" name="TextBox 1">
             <a:extLst>
               <a:ext uri="{FF2B5EF4-FFF2-40B4-BE49-F238E27FC236}">
-                <a16:creationId xmlns:a16="http://schemas.microsoft.com/office/drawing/2014/main" id="{9C91C158-2262-AA5F-15D8-3A6581C00319}"/>
+                <a16:creationId xmlns:a16="http://schemas.microsoft.com/office/drawing/2014/main" xmlns="" id="{9C91C158-2262-AA5F-15D8-3A6581C00319}"/>
               </a:ext>
             </a:extLst>
           </p:cNvPr>
@@ -16631,7 +16604,7 @@
         <p:cNvPr id="1" name="">
           <a:extLst>
             <a:ext uri="{FF2B5EF4-FFF2-40B4-BE49-F238E27FC236}">
-              <a16:creationId xmlns:a16="http://schemas.microsoft.com/office/drawing/2014/main" id="{DEFE8C85-947D-D44E-0678-9CD97DA4FFF7}"/>
+              <a16:creationId xmlns:a16="http://schemas.microsoft.com/office/drawing/2014/main" xmlns="" id="{DEFE8C85-947D-D44E-0678-9CD97DA4FFF7}"/>
             </a:ext>
           </a:extLst>
         </p:cNvPr>
@@ -16651,7 +16624,7 @@
           <p:cNvPr id="12" name="TextBox 11">
             <a:extLst>
               <a:ext uri="{FF2B5EF4-FFF2-40B4-BE49-F238E27FC236}">
-                <a16:creationId xmlns:a16="http://schemas.microsoft.com/office/drawing/2014/main" id="{68402507-6BE9-3A88-BF63-FBA6D20A7F6A}"/>
+                <a16:creationId xmlns:a16="http://schemas.microsoft.com/office/drawing/2014/main" xmlns="" id="{68402507-6BE9-3A88-BF63-FBA6D20A7F6A}"/>
               </a:ext>
             </a:extLst>
           </p:cNvPr>
@@ -16742,7 +16715,7 @@
           <p:cNvPr id="14" name="TextBox 13">
             <a:extLst>
               <a:ext uri="{FF2B5EF4-FFF2-40B4-BE49-F238E27FC236}">
-                <a16:creationId xmlns:a16="http://schemas.microsoft.com/office/drawing/2014/main" id="{DB483A81-9939-FB30-DFCA-9C44B84835FE}"/>
+                <a16:creationId xmlns:a16="http://schemas.microsoft.com/office/drawing/2014/main" xmlns="" id="{DB483A81-9939-FB30-DFCA-9C44B84835FE}"/>
               </a:ext>
             </a:extLst>
           </p:cNvPr>
@@ -16814,7 +16787,7 @@
                 <a:tabLst/>
                 <a:defRPr/>
               </a:pPr>
-              <a:t>ថ្ងៃសៅរ៍ 15 មិនា 2025</a:t>
+              <a:t>ថ្ងៃអាទិត្យ 16 មិនា 2025</a:t>
             </a:fld>
             <a:endParaRPr kumimoji="0" lang="en-GB" sz="1800" b="0" i="0" u="none" strike="noStrike" kern="1200" cap="none" spc="0" normalizeH="0" baseline="0" noProof="0" dirty="0">
               <a:ln>
@@ -16838,7 +16811,7 @@
           <p:cNvPr id="16" name="TextBox 15">
             <a:extLst>
               <a:ext uri="{FF2B5EF4-FFF2-40B4-BE49-F238E27FC236}">
-                <a16:creationId xmlns:a16="http://schemas.microsoft.com/office/drawing/2014/main" id="{433D0831-685E-9465-B655-CA42B189C8E2}"/>
+                <a16:creationId xmlns:a16="http://schemas.microsoft.com/office/drawing/2014/main" xmlns="" id="{433D0831-685E-9465-B655-CA42B189C8E2}"/>
               </a:ext>
             </a:extLst>
           </p:cNvPr>
@@ -16917,7 +16890,7 @@
           <p:cNvPr id="17" name="Rectangle 16">
             <a:extLst>
               <a:ext uri="{FF2B5EF4-FFF2-40B4-BE49-F238E27FC236}">
-                <a16:creationId xmlns:a16="http://schemas.microsoft.com/office/drawing/2014/main" id="{AA37180E-A463-958F-0CCA-F70FE2131018}"/>
+                <a16:creationId xmlns:a16="http://schemas.microsoft.com/office/drawing/2014/main" xmlns="" id="{AA37180E-A463-958F-0CCA-F70FE2131018}"/>
               </a:ext>
             </a:extLst>
           </p:cNvPr>
@@ -17298,7 +17271,7 @@
             </a:solidFill>
             <a:extLst>
               <a:ext uri="{C807C97D-BFC1-408E-A445-0C87EB9F89A2}">
-                <ask:lineSketchStyleProps xmlns:ask="http://schemas.microsoft.com/office/drawing/2018/sketchyshapes" sd="2796838573">
+                <ask:lineSketchStyleProps xmlns:ask="http://schemas.microsoft.com/office/drawing/2018/sketchyshapes" xmlns="" sd="2796838573">
                   <a:prstGeom prst="rect">
                     <a:avLst/>
                   </a:prstGeom>
@@ -17374,13 +17347,13 @@
   <p:clrMapOvr>
     <a:masterClrMapping/>
   </p:clrMapOvr>
-  <mc:AlternateContent xmlns:mc="http://schemas.openxmlformats.org/markup-compatibility/2006" xmlns:p159="http://schemas.microsoft.com/office/powerpoint/2015/09/main">
-    <mc:Choice Requires="p159">
+  <mc:AlternateContent xmlns:mc="http://schemas.openxmlformats.org/markup-compatibility/2006">
+    <mc:Choice xmlns:p159="http://schemas.microsoft.com/office/powerpoint/2015/09/main" xmlns="" Requires="p159">
       <p:transition xmlns:p14="http://schemas.microsoft.com/office/powerpoint/2010/main" spd="slow" p14:dur="2000">
         <p159:morph option="byObject"/>
       </p:transition>
     </mc:Choice>
-    <mc:Fallback xmlns="">
+    <mc:Fallback>
       <p:transition spd="slow">
         <p:fade/>
       </p:transition>
@@ -17397,7 +17370,7 @@
         <p:cNvPr id="1" name="">
           <a:extLst>
             <a:ext uri="{FF2B5EF4-FFF2-40B4-BE49-F238E27FC236}">
-              <a16:creationId xmlns:a16="http://schemas.microsoft.com/office/drawing/2014/main" id="{EA4FDFDE-2198-F475-4E37-57966033BAB7}"/>
+              <a16:creationId xmlns:a16="http://schemas.microsoft.com/office/drawing/2014/main" xmlns="" id="{EA4FDFDE-2198-F475-4E37-57966033BAB7}"/>
             </a:ext>
           </a:extLst>
         </p:cNvPr>
@@ -17417,7 +17390,7 @@
           <p:cNvPr id="12" name="TextBox 11">
             <a:extLst>
               <a:ext uri="{FF2B5EF4-FFF2-40B4-BE49-F238E27FC236}">
-                <a16:creationId xmlns:a16="http://schemas.microsoft.com/office/drawing/2014/main" id="{647535FE-2D53-982C-DD2A-558C5A33CE88}"/>
+                <a16:creationId xmlns:a16="http://schemas.microsoft.com/office/drawing/2014/main" xmlns="" id="{647535FE-2D53-982C-DD2A-558C5A33CE88}"/>
               </a:ext>
             </a:extLst>
           </p:cNvPr>
@@ -17508,7 +17481,7 @@
           <p:cNvPr id="14" name="TextBox 13">
             <a:extLst>
               <a:ext uri="{FF2B5EF4-FFF2-40B4-BE49-F238E27FC236}">
-                <a16:creationId xmlns:a16="http://schemas.microsoft.com/office/drawing/2014/main" id="{04B68A89-1883-5851-D21D-C512176C8F81}"/>
+                <a16:creationId xmlns:a16="http://schemas.microsoft.com/office/drawing/2014/main" xmlns="" id="{04B68A89-1883-5851-D21D-C512176C8F81}"/>
               </a:ext>
             </a:extLst>
           </p:cNvPr>
@@ -17580,7 +17553,7 @@
                 <a:tabLst/>
                 <a:defRPr/>
               </a:pPr>
-              <a:t>ថ្ងៃសៅរ៍ 15 មិនា 2025</a:t>
+              <a:t>ថ្ងៃអាទិត្យ 16 មិនា 2025</a:t>
             </a:fld>
             <a:endParaRPr kumimoji="0" lang="en-GB" sz="1800" b="0" i="0" u="none" strike="noStrike" kern="1200" cap="none" spc="0" normalizeH="0" baseline="0" noProof="0" dirty="0">
               <a:ln>
@@ -17604,7 +17577,7 @@
           <p:cNvPr id="16" name="TextBox 15">
             <a:extLst>
               <a:ext uri="{FF2B5EF4-FFF2-40B4-BE49-F238E27FC236}">
-                <a16:creationId xmlns:a16="http://schemas.microsoft.com/office/drawing/2014/main" id="{B1423AF5-C8AF-11A4-0D94-181BC73B4838}"/>
+                <a16:creationId xmlns:a16="http://schemas.microsoft.com/office/drawing/2014/main" xmlns="" id="{B1423AF5-C8AF-11A4-0D94-181BC73B4838}"/>
               </a:ext>
             </a:extLst>
           </p:cNvPr>
@@ -17683,7 +17656,7 @@
           <p:cNvPr id="4" name="TextBox 3">
             <a:extLst>
               <a:ext uri="{FF2B5EF4-FFF2-40B4-BE49-F238E27FC236}">
-                <a16:creationId xmlns:a16="http://schemas.microsoft.com/office/drawing/2014/main" id="{560A9002-E79F-49EF-E7F1-83272214FA1F}"/>
+                <a16:creationId xmlns:a16="http://schemas.microsoft.com/office/drawing/2014/main" xmlns="" id="{560A9002-E79F-49EF-E7F1-83272214FA1F}"/>
               </a:ext>
             </a:extLst>
           </p:cNvPr>
@@ -17826,7 +17799,7 @@
         <p:cNvPr id="1" name="">
           <a:extLst>
             <a:ext uri="{FF2B5EF4-FFF2-40B4-BE49-F238E27FC236}">
-              <a16:creationId xmlns:a16="http://schemas.microsoft.com/office/drawing/2014/main" id="{71528695-128C-AC95-93B5-5FEE6802159F}"/>
+              <a16:creationId xmlns:a16="http://schemas.microsoft.com/office/drawing/2014/main" xmlns="" id="{71528695-128C-AC95-93B5-5FEE6802159F}"/>
             </a:ext>
           </a:extLst>
         </p:cNvPr>
@@ -17846,7 +17819,7 @@
           <p:cNvPr id="12" name="TextBox 11">
             <a:extLst>
               <a:ext uri="{FF2B5EF4-FFF2-40B4-BE49-F238E27FC236}">
-                <a16:creationId xmlns:a16="http://schemas.microsoft.com/office/drawing/2014/main" id="{96407DB4-7276-FE19-96EF-0A6DF4515826}"/>
+                <a16:creationId xmlns:a16="http://schemas.microsoft.com/office/drawing/2014/main" xmlns="" id="{96407DB4-7276-FE19-96EF-0A6DF4515826}"/>
               </a:ext>
             </a:extLst>
           </p:cNvPr>
@@ -17937,7 +17910,7 @@
           <p:cNvPr id="14" name="TextBox 13">
             <a:extLst>
               <a:ext uri="{FF2B5EF4-FFF2-40B4-BE49-F238E27FC236}">
-                <a16:creationId xmlns:a16="http://schemas.microsoft.com/office/drawing/2014/main" id="{72EE170F-72BB-037F-659B-1BF198E453B0}"/>
+                <a16:creationId xmlns:a16="http://schemas.microsoft.com/office/drawing/2014/main" xmlns="" id="{72EE170F-72BB-037F-659B-1BF198E453B0}"/>
               </a:ext>
             </a:extLst>
           </p:cNvPr>
@@ -18009,7 +17982,7 @@
                 <a:tabLst/>
                 <a:defRPr/>
               </a:pPr>
-              <a:t>ថ្ងៃសៅរ៍ 15 មិនា 2025</a:t>
+              <a:t>ថ្ងៃអាទិត្យ 16 មិនា 2025</a:t>
             </a:fld>
             <a:endParaRPr kumimoji="0" lang="en-GB" sz="1800" b="0" i="0" u="none" strike="noStrike" kern="1200" cap="none" spc="0" normalizeH="0" baseline="0" noProof="0" dirty="0">
               <a:ln>
@@ -18033,7 +18006,7 @@
           <p:cNvPr id="16" name="TextBox 15">
             <a:extLst>
               <a:ext uri="{FF2B5EF4-FFF2-40B4-BE49-F238E27FC236}">
-                <a16:creationId xmlns:a16="http://schemas.microsoft.com/office/drawing/2014/main" id="{7EC70F32-7953-974A-4F24-010B65528158}"/>
+                <a16:creationId xmlns:a16="http://schemas.microsoft.com/office/drawing/2014/main" xmlns="" id="{7EC70F32-7953-974A-4F24-010B65528158}"/>
               </a:ext>
             </a:extLst>
           </p:cNvPr>
@@ -18112,7 +18085,7 @@
           <p:cNvPr id="4" name="TextBox 3">
             <a:extLst>
               <a:ext uri="{FF2B5EF4-FFF2-40B4-BE49-F238E27FC236}">
-                <a16:creationId xmlns:a16="http://schemas.microsoft.com/office/drawing/2014/main" id="{DBC3C20E-BFB6-31A1-4E0F-6760A66EF8DB}"/>
+                <a16:creationId xmlns:a16="http://schemas.microsoft.com/office/drawing/2014/main" xmlns="" id="{DBC3C20E-BFB6-31A1-4E0F-6760A66EF8DB}"/>
               </a:ext>
             </a:extLst>
           </p:cNvPr>
@@ -18327,7 +18300,7 @@
         <p:cNvPr id="1" name="">
           <a:extLst>
             <a:ext uri="{FF2B5EF4-FFF2-40B4-BE49-F238E27FC236}">
-              <a16:creationId xmlns:a16="http://schemas.microsoft.com/office/drawing/2014/main" id="{FB541488-AF1C-B6B6-BCB7-D98DD9ACB45A}"/>
+              <a16:creationId xmlns:a16="http://schemas.microsoft.com/office/drawing/2014/main" xmlns="" id="{FB541488-AF1C-B6B6-BCB7-D98DD9ACB45A}"/>
             </a:ext>
           </a:extLst>
         </p:cNvPr>
@@ -18347,7 +18320,7 @@
           <p:cNvPr id="12" name="TextBox 11">
             <a:extLst>
               <a:ext uri="{FF2B5EF4-FFF2-40B4-BE49-F238E27FC236}">
-                <a16:creationId xmlns:a16="http://schemas.microsoft.com/office/drawing/2014/main" id="{57055CEC-BF61-9FDA-D2D4-9980824C8C33}"/>
+                <a16:creationId xmlns:a16="http://schemas.microsoft.com/office/drawing/2014/main" xmlns="" id="{57055CEC-BF61-9FDA-D2D4-9980824C8C33}"/>
               </a:ext>
             </a:extLst>
           </p:cNvPr>
@@ -18438,7 +18411,7 @@
           <p:cNvPr id="14" name="TextBox 13">
             <a:extLst>
               <a:ext uri="{FF2B5EF4-FFF2-40B4-BE49-F238E27FC236}">
-                <a16:creationId xmlns:a16="http://schemas.microsoft.com/office/drawing/2014/main" id="{F0728D87-807F-92C8-1834-D6EA5339C827}"/>
+                <a16:creationId xmlns:a16="http://schemas.microsoft.com/office/drawing/2014/main" xmlns="" id="{F0728D87-807F-92C8-1834-D6EA5339C827}"/>
               </a:ext>
             </a:extLst>
           </p:cNvPr>
@@ -18510,7 +18483,7 @@
                 <a:tabLst/>
                 <a:defRPr/>
               </a:pPr>
-              <a:t>ថ្ងៃសៅរ៍ 15 មិនា 2025</a:t>
+              <a:t>ថ្ងៃអាទិត្យ 16 មិនា 2025</a:t>
             </a:fld>
             <a:endParaRPr kumimoji="0" lang="en-GB" sz="1800" b="0" i="0" u="none" strike="noStrike" kern="1200" cap="none" spc="0" normalizeH="0" baseline="0" noProof="0" dirty="0">
               <a:ln>
@@ -18534,7 +18507,7 @@
           <p:cNvPr id="16" name="TextBox 15">
             <a:extLst>
               <a:ext uri="{FF2B5EF4-FFF2-40B4-BE49-F238E27FC236}">
-                <a16:creationId xmlns:a16="http://schemas.microsoft.com/office/drawing/2014/main" id="{0583930F-8C82-0430-3F49-B41A6824ADBA}"/>
+                <a16:creationId xmlns:a16="http://schemas.microsoft.com/office/drawing/2014/main" xmlns="" id="{0583930F-8C82-0430-3F49-B41A6824ADBA}"/>
               </a:ext>
             </a:extLst>
           </p:cNvPr>
@@ -18613,7 +18586,7 @@
           <p:cNvPr id="4" name="TextBox 3">
             <a:extLst>
               <a:ext uri="{FF2B5EF4-FFF2-40B4-BE49-F238E27FC236}">
-                <a16:creationId xmlns:a16="http://schemas.microsoft.com/office/drawing/2014/main" id="{0AB2C0AB-850E-61F6-73BA-C78F71EA7766}"/>
+                <a16:creationId xmlns:a16="http://schemas.microsoft.com/office/drawing/2014/main" xmlns="" id="{0AB2C0AB-850E-61F6-73BA-C78F71EA7766}"/>
               </a:ext>
             </a:extLst>
           </p:cNvPr>
@@ -18794,7 +18767,7 @@
         <p:cNvPr id="1" name="">
           <a:extLst>
             <a:ext uri="{FF2B5EF4-FFF2-40B4-BE49-F238E27FC236}">
-              <a16:creationId xmlns:a16="http://schemas.microsoft.com/office/drawing/2014/main" id="{D6717FE9-965C-44D6-9954-43467583EBB2}"/>
+              <a16:creationId xmlns:a16="http://schemas.microsoft.com/office/drawing/2014/main" xmlns="" id="{D6717FE9-965C-44D6-9954-43467583EBB2}"/>
             </a:ext>
           </a:extLst>
         </p:cNvPr>
@@ -18814,7 +18787,7 @@
           <p:cNvPr id="12" name="TextBox 11">
             <a:extLst>
               <a:ext uri="{FF2B5EF4-FFF2-40B4-BE49-F238E27FC236}">
-                <a16:creationId xmlns:a16="http://schemas.microsoft.com/office/drawing/2014/main" id="{4B6A811F-9990-0021-21D7-17D7C9789DA0}"/>
+                <a16:creationId xmlns:a16="http://schemas.microsoft.com/office/drawing/2014/main" xmlns="" id="{4B6A811F-9990-0021-21D7-17D7C9789DA0}"/>
               </a:ext>
             </a:extLst>
           </p:cNvPr>
@@ -18879,7 +18852,7 @@
           <p:cNvPr id="14" name="TextBox 13">
             <a:extLst>
               <a:ext uri="{FF2B5EF4-FFF2-40B4-BE49-F238E27FC236}">
-                <a16:creationId xmlns:a16="http://schemas.microsoft.com/office/drawing/2014/main" id="{8A83A433-2228-5685-249F-1BC00138A52A}"/>
+                <a16:creationId xmlns:a16="http://schemas.microsoft.com/office/drawing/2014/main" xmlns="" id="{8A83A433-2228-5685-249F-1BC00138A52A}"/>
               </a:ext>
             </a:extLst>
           </p:cNvPr>
@@ -18912,7 +18885,7 @@
                 <a:cs typeface="Krasar" panose="00000500000000000000" pitchFamily="2" charset="0"/>
               </a:rPr>
               <a:pPr algn="r"/>
-              <a:t>ថ្ងៃសៅរ៍ 15 មិនា 2025</a:t>
+              <a:t>ថ្ងៃអាទិត្យ 16 មិនា 2025</a:t>
             </a:fld>
             <a:endParaRPr lang="en-GB" dirty="0">
               <a:solidFill>
@@ -18929,7 +18902,7 @@
           <p:cNvPr id="16" name="TextBox 15">
             <a:extLst>
               <a:ext uri="{FF2B5EF4-FFF2-40B4-BE49-F238E27FC236}">
-                <a16:creationId xmlns:a16="http://schemas.microsoft.com/office/drawing/2014/main" id="{0F9E51EF-54B2-31F5-241A-577DF82FE443}"/>
+                <a16:creationId xmlns:a16="http://schemas.microsoft.com/office/drawing/2014/main" xmlns="" id="{0F9E51EF-54B2-31F5-241A-577DF82FE443}"/>
               </a:ext>
             </a:extLst>
           </p:cNvPr>
@@ -19005,7 +18978,7 @@
         <p:cNvPr id="1" name="">
           <a:extLst>
             <a:ext uri="{FF2B5EF4-FFF2-40B4-BE49-F238E27FC236}">
-              <a16:creationId xmlns:a16="http://schemas.microsoft.com/office/drawing/2014/main" id="{548C8B54-56D6-A200-5B53-522E85096B38}"/>
+              <a16:creationId xmlns:a16="http://schemas.microsoft.com/office/drawing/2014/main" xmlns="" id="{548C8B54-56D6-A200-5B53-522E85096B38}"/>
             </a:ext>
           </a:extLst>
         </p:cNvPr>
@@ -19025,7 +18998,7 @@
           <p:cNvPr id="12" name="TextBox 11">
             <a:extLst>
               <a:ext uri="{FF2B5EF4-FFF2-40B4-BE49-F238E27FC236}">
-                <a16:creationId xmlns:a16="http://schemas.microsoft.com/office/drawing/2014/main" id="{E822BE47-A7A8-0ECC-9A6A-F628804A2C9E}"/>
+                <a16:creationId xmlns:a16="http://schemas.microsoft.com/office/drawing/2014/main" xmlns="" id="{E822BE47-A7A8-0ECC-9A6A-F628804A2C9E}"/>
               </a:ext>
             </a:extLst>
           </p:cNvPr>
@@ -19116,7 +19089,7 @@
           <p:cNvPr id="14" name="TextBox 13">
             <a:extLst>
               <a:ext uri="{FF2B5EF4-FFF2-40B4-BE49-F238E27FC236}">
-                <a16:creationId xmlns:a16="http://schemas.microsoft.com/office/drawing/2014/main" id="{22B147D6-DEAF-6FB0-8153-FDA91432EE08}"/>
+                <a16:creationId xmlns:a16="http://schemas.microsoft.com/office/drawing/2014/main" xmlns="" id="{22B147D6-DEAF-6FB0-8153-FDA91432EE08}"/>
               </a:ext>
             </a:extLst>
           </p:cNvPr>
@@ -19188,7 +19161,7 @@
                 <a:tabLst/>
                 <a:defRPr/>
               </a:pPr>
-              <a:t>ថ្ងៃសៅរ៍ 15 មិនា 2025</a:t>
+              <a:t>ថ្ងៃអាទិត្យ 16 មិនា 2025</a:t>
             </a:fld>
             <a:endParaRPr kumimoji="0" lang="en-GB" sz="1800" b="0" i="0" u="none" strike="noStrike" kern="1200" cap="none" spc="0" normalizeH="0" baseline="0" noProof="0" dirty="0">
               <a:ln>
@@ -19212,7 +19185,7 @@
           <p:cNvPr id="16" name="TextBox 15">
             <a:extLst>
               <a:ext uri="{FF2B5EF4-FFF2-40B4-BE49-F238E27FC236}">
-                <a16:creationId xmlns:a16="http://schemas.microsoft.com/office/drawing/2014/main" id="{4468F3BD-9739-8842-1567-985215F408C9}"/>
+                <a16:creationId xmlns:a16="http://schemas.microsoft.com/office/drawing/2014/main" xmlns="" id="{4468F3BD-9739-8842-1567-985215F408C9}"/>
               </a:ext>
             </a:extLst>
           </p:cNvPr>
@@ -19291,7 +19264,7 @@
           <p:cNvPr id="4" name="TextBox 3">
             <a:extLst>
               <a:ext uri="{FF2B5EF4-FFF2-40B4-BE49-F238E27FC236}">
-                <a16:creationId xmlns:a16="http://schemas.microsoft.com/office/drawing/2014/main" id="{B5A43C64-A58C-B430-3ACD-BBD8D37700DE}"/>
+                <a16:creationId xmlns:a16="http://schemas.microsoft.com/office/drawing/2014/main" xmlns="" id="{B5A43C64-A58C-B430-3ACD-BBD8D37700DE}"/>
               </a:ext>
             </a:extLst>
           </p:cNvPr>
@@ -19472,7 +19445,7 @@
         <p:cNvPr id="1" name="">
           <a:extLst>
             <a:ext uri="{FF2B5EF4-FFF2-40B4-BE49-F238E27FC236}">
-              <a16:creationId xmlns:a16="http://schemas.microsoft.com/office/drawing/2014/main" id="{AAB85DF0-36CF-1901-9497-554C280CAD02}"/>
+              <a16:creationId xmlns:a16="http://schemas.microsoft.com/office/drawing/2014/main" xmlns="" id="{AAB85DF0-36CF-1901-9497-554C280CAD02}"/>
             </a:ext>
           </a:extLst>
         </p:cNvPr>
@@ -19492,7 +19465,7 @@
           <p:cNvPr id="12" name="TextBox 11">
             <a:extLst>
               <a:ext uri="{FF2B5EF4-FFF2-40B4-BE49-F238E27FC236}">
-                <a16:creationId xmlns:a16="http://schemas.microsoft.com/office/drawing/2014/main" id="{3E51FF15-48BA-3CFE-21FF-046D50407580}"/>
+                <a16:creationId xmlns:a16="http://schemas.microsoft.com/office/drawing/2014/main" xmlns="" id="{3E51FF15-48BA-3CFE-21FF-046D50407580}"/>
               </a:ext>
             </a:extLst>
           </p:cNvPr>
@@ -19583,7 +19556,7 @@
           <p:cNvPr id="14" name="TextBox 13">
             <a:extLst>
               <a:ext uri="{FF2B5EF4-FFF2-40B4-BE49-F238E27FC236}">
-                <a16:creationId xmlns:a16="http://schemas.microsoft.com/office/drawing/2014/main" id="{A73EBC51-8024-0F20-3E5F-97FBB4611FD7}"/>
+                <a16:creationId xmlns:a16="http://schemas.microsoft.com/office/drawing/2014/main" xmlns="" id="{A73EBC51-8024-0F20-3E5F-97FBB4611FD7}"/>
               </a:ext>
             </a:extLst>
           </p:cNvPr>
@@ -19655,7 +19628,7 @@
                 <a:tabLst/>
                 <a:defRPr/>
               </a:pPr>
-              <a:t>ថ្ងៃសៅរ៍ 15 មិនា 2025</a:t>
+              <a:t>ថ្ងៃអាទិត្យ 16 មិនា 2025</a:t>
             </a:fld>
             <a:endParaRPr kumimoji="0" lang="en-GB" sz="1800" b="0" i="0" u="none" strike="noStrike" kern="1200" cap="none" spc="0" normalizeH="0" baseline="0" noProof="0" dirty="0">
               <a:ln>
@@ -19679,7 +19652,7 @@
           <p:cNvPr id="16" name="TextBox 15">
             <a:extLst>
               <a:ext uri="{FF2B5EF4-FFF2-40B4-BE49-F238E27FC236}">
-                <a16:creationId xmlns:a16="http://schemas.microsoft.com/office/drawing/2014/main" id="{AEE5528B-7EC4-9BCE-6682-50369CCC191A}"/>
+                <a16:creationId xmlns:a16="http://schemas.microsoft.com/office/drawing/2014/main" xmlns="" id="{AEE5528B-7EC4-9BCE-6682-50369CCC191A}"/>
               </a:ext>
             </a:extLst>
           </p:cNvPr>
@@ -19758,7 +19731,7 @@
           <p:cNvPr id="4" name="TextBox 3">
             <a:extLst>
               <a:ext uri="{FF2B5EF4-FFF2-40B4-BE49-F238E27FC236}">
-                <a16:creationId xmlns:a16="http://schemas.microsoft.com/office/drawing/2014/main" id="{E9FDAB9F-4F0F-F8AF-50AB-A6F9017252FE}"/>
+                <a16:creationId xmlns:a16="http://schemas.microsoft.com/office/drawing/2014/main" xmlns="" id="{E9FDAB9F-4F0F-F8AF-50AB-A6F9017252FE}"/>
               </a:ext>
             </a:extLst>
           </p:cNvPr>
@@ -19939,7 +19912,7 @@
         <p:cNvPr id="1" name="">
           <a:extLst>
             <a:ext uri="{FF2B5EF4-FFF2-40B4-BE49-F238E27FC236}">
-              <a16:creationId xmlns:a16="http://schemas.microsoft.com/office/drawing/2014/main" id="{8BC4697F-67E5-99E8-DAB9-3DFE2DAC43E0}"/>
+              <a16:creationId xmlns:a16="http://schemas.microsoft.com/office/drawing/2014/main" xmlns="" id="{8BC4697F-67E5-99E8-DAB9-3DFE2DAC43E0}"/>
             </a:ext>
           </a:extLst>
         </p:cNvPr>
@@ -19959,7 +19932,7 @@
           <p:cNvPr id="12" name="TextBox 11">
             <a:extLst>
               <a:ext uri="{FF2B5EF4-FFF2-40B4-BE49-F238E27FC236}">
-                <a16:creationId xmlns:a16="http://schemas.microsoft.com/office/drawing/2014/main" id="{2DF1AAE8-D86A-4723-232C-ED1E029AB1FE}"/>
+                <a16:creationId xmlns:a16="http://schemas.microsoft.com/office/drawing/2014/main" xmlns="" id="{2DF1AAE8-D86A-4723-232C-ED1E029AB1FE}"/>
               </a:ext>
             </a:extLst>
           </p:cNvPr>
@@ -20050,7 +20023,7 @@
           <p:cNvPr id="14" name="TextBox 13">
             <a:extLst>
               <a:ext uri="{FF2B5EF4-FFF2-40B4-BE49-F238E27FC236}">
-                <a16:creationId xmlns:a16="http://schemas.microsoft.com/office/drawing/2014/main" id="{992DF648-3D55-5C9F-F28F-DDCA2F7DD6A3}"/>
+                <a16:creationId xmlns:a16="http://schemas.microsoft.com/office/drawing/2014/main" xmlns="" id="{992DF648-3D55-5C9F-F28F-DDCA2F7DD6A3}"/>
               </a:ext>
             </a:extLst>
           </p:cNvPr>
@@ -20122,7 +20095,7 @@
                 <a:tabLst/>
                 <a:defRPr/>
               </a:pPr>
-              <a:t>ថ្ងៃសៅរ៍ 15 មិនា 2025</a:t>
+              <a:t>ថ្ងៃអាទិត្យ 16 មិនា 2025</a:t>
             </a:fld>
             <a:endParaRPr kumimoji="0" lang="en-GB" sz="1800" b="0" i="0" u="none" strike="noStrike" kern="1200" cap="none" spc="0" normalizeH="0" baseline="0" noProof="0" dirty="0">
               <a:ln>
@@ -20146,7 +20119,7 @@
           <p:cNvPr id="16" name="TextBox 15">
             <a:extLst>
               <a:ext uri="{FF2B5EF4-FFF2-40B4-BE49-F238E27FC236}">
-                <a16:creationId xmlns:a16="http://schemas.microsoft.com/office/drawing/2014/main" id="{BDC4EBCF-3013-3057-DA70-6F43556E01CA}"/>
+                <a16:creationId xmlns:a16="http://schemas.microsoft.com/office/drawing/2014/main" xmlns="" id="{BDC4EBCF-3013-3057-DA70-6F43556E01CA}"/>
               </a:ext>
             </a:extLst>
           </p:cNvPr>
@@ -20225,7 +20198,7 @@
           <p:cNvPr id="4" name="TextBox 3">
             <a:extLst>
               <a:ext uri="{FF2B5EF4-FFF2-40B4-BE49-F238E27FC236}">
-                <a16:creationId xmlns:a16="http://schemas.microsoft.com/office/drawing/2014/main" id="{7963BF87-0FEC-0DDC-D5AC-84A79444BA01}"/>
+                <a16:creationId xmlns:a16="http://schemas.microsoft.com/office/drawing/2014/main" xmlns="" id="{7963BF87-0FEC-0DDC-D5AC-84A79444BA01}"/>
               </a:ext>
             </a:extLst>
           </p:cNvPr>
@@ -20504,7 +20477,7 @@
           <p:cNvPr id="2" name="Title 1">
             <a:extLst>
               <a:ext uri="{FF2B5EF4-FFF2-40B4-BE49-F238E27FC236}">
-                <a16:creationId xmlns:a16="http://schemas.microsoft.com/office/drawing/2014/main" id="{B6EB6E9D-54A3-587B-C66C-BDED30DD4458}"/>
+                <a16:creationId xmlns:a16="http://schemas.microsoft.com/office/drawing/2014/main" xmlns="" id="{B6EB6E9D-54A3-587B-C66C-BDED30DD4458}"/>
               </a:ext>
             </a:extLst>
           </p:cNvPr>
@@ -20624,7 +20597,7 @@
           <p:cNvPr id="5" name="Date Placeholder 6">
             <a:extLst>
               <a:ext uri="{FF2B5EF4-FFF2-40B4-BE49-F238E27FC236}">
-                <a16:creationId xmlns:a16="http://schemas.microsoft.com/office/drawing/2014/main" id="{968F81BA-D120-487F-86D3-F8C7B941BFF3}"/>
+                <a16:creationId xmlns:a16="http://schemas.microsoft.com/office/drawing/2014/main" xmlns="" id="{968F81BA-D120-487F-86D3-F8C7B941BFF3}"/>
               </a:ext>
             </a:extLst>
           </p:cNvPr>
@@ -20696,7 +20669,7 @@
                 <a:tabLst/>
                 <a:defRPr/>
               </a:pPr>
-              <a:t>ថ្ងៃសៅរ៍ 15 មិនា 2025</a:t>
+              <a:t>ថ្ងៃអាទិត្យ 16 មិនា 2025</a:t>
             </a:fld>
             <a:endParaRPr kumimoji="0" lang="en-US" sz="1200" b="0" i="0" u="none" strike="noStrike" kern="1200" cap="none" spc="0" normalizeH="0" baseline="0" noProof="0" dirty="0">
               <a:ln>
@@ -20722,7 +20695,7 @@
           <p:cNvPr id="6" name="Footer Placeholder 7">
             <a:extLst>
               <a:ext uri="{FF2B5EF4-FFF2-40B4-BE49-F238E27FC236}">
-                <a16:creationId xmlns:a16="http://schemas.microsoft.com/office/drawing/2014/main" id="{597A226A-BFCD-46DB-B224-45E1E4AE94DB}"/>
+                <a16:creationId xmlns:a16="http://schemas.microsoft.com/office/drawing/2014/main" xmlns="" id="{597A226A-BFCD-46DB-B224-45E1E4AE94DB}"/>
               </a:ext>
             </a:extLst>
           </p:cNvPr>
@@ -20827,7 +20800,7 @@
         <p:cNvPr id="1" name="">
           <a:extLst>
             <a:ext uri="{FF2B5EF4-FFF2-40B4-BE49-F238E27FC236}">
-              <a16:creationId xmlns:a16="http://schemas.microsoft.com/office/drawing/2014/main" id="{47F7486A-6F82-83FC-68E4-BA4BE2403E0F}"/>
+              <a16:creationId xmlns:a16="http://schemas.microsoft.com/office/drawing/2014/main" xmlns="" id="{47F7486A-6F82-83FC-68E4-BA4BE2403E0F}"/>
             </a:ext>
           </a:extLst>
         </p:cNvPr>
@@ -20847,7 +20820,7 @@
           <p:cNvPr id="2" name="Title 1">
             <a:extLst>
               <a:ext uri="{FF2B5EF4-FFF2-40B4-BE49-F238E27FC236}">
-                <a16:creationId xmlns:a16="http://schemas.microsoft.com/office/drawing/2014/main" id="{D5C5A7BF-05EC-72A9-1E72-09F6BE786177}"/>
+                <a16:creationId xmlns:a16="http://schemas.microsoft.com/office/drawing/2014/main" xmlns="" id="{D5C5A7BF-05EC-72A9-1E72-09F6BE786177}"/>
               </a:ext>
             </a:extLst>
           </p:cNvPr>
@@ -20951,7 +20924,7 @@
           <p:cNvPr id="5" name="Date Placeholder 6">
             <a:extLst>
               <a:ext uri="{FF2B5EF4-FFF2-40B4-BE49-F238E27FC236}">
-                <a16:creationId xmlns:a16="http://schemas.microsoft.com/office/drawing/2014/main" id="{095DEF21-E6CC-87EF-749F-6D01B49BCC46}"/>
+                <a16:creationId xmlns:a16="http://schemas.microsoft.com/office/drawing/2014/main" xmlns="" id="{095DEF21-E6CC-87EF-749F-6D01B49BCC46}"/>
               </a:ext>
             </a:extLst>
           </p:cNvPr>
@@ -21023,7 +20996,7 @@
                 <a:tabLst/>
                 <a:defRPr/>
               </a:pPr>
-              <a:t>ថ្ងៃសៅរ៍ 15 មិនា 2025</a:t>
+              <a:t>ថ្ងៃអាទិត្យ 16 មិនា 2025</a:t>
             </a:fld>
             <a:endParaRPr kumimoji="0" lang="en-US" sz="1200" b="0" i="0" u="none" strike="noStrike" kern="1200" cap="none" spc="0" normalizeH="0" baseline="0" noProof="0" dirty="0">
               <a:ln>
@@ -21049,7 +21022,7 @@
           <p:cNvPr id="6" name="Footer Placeholder 7">
             <a:extLst>
               <a:ext uri="{FF2B5EF4-FFF2-40B4-BE49-F238E27FC236}">
-                <a16:creationId xmlns:a16="http://schemas.microsoft.com/office/drawing/2014/main" id="{1812454B-F214-88F2-0B26-68D5EE628326}"/>
+                <a16:creationId xmlns:a16="http://schemas.microsoft.com/office/drawing/2014/main" xmlns="" id="{1812454B-F214-88F2-0B26-68D5EE628326}"/>
               </a:ext>
             </a:extLst>
           </p:cNvPr>
@@ -21131,13 +21104,13 @@
   <p:clrMapOvr>
     <a:masterClrMapping/>
   </p:clrMapOvr>
-  <mc:AlternateContent xmlns:mc="http://schemas.openxmlformats.org/markup-compatibility/2006">
-    <mc:Choice xmlns:p14="http://schemas.microsoft.com/office/powerpoint/2010/main" Requires="p14">
+  <mc:AlternateContent xmlns:mc="http://schemas.openxmlformats.org/markup-compatibility/2006" xmlns:p14="http://schemas.microsoft.com/office/powerpoint/2010/main">
+    <mc:Choice Requires="p14">
       <p:transition spd="med" p14:dur="700">
         <p:fade/>
       </p:transition>
     </mc:Choice>
-    <mc:Fallback>
+    <mc:Fallback xmlns="">
       <p:transition spd="med">
         <p:fade/>
       </p:transition>
@@ -21154,7 +21127,7 @@
         <p:cNvPr id="1" name="">
           <a:extLst>
             <a:ext uri="{FF2B5EF4-FFF2-40B4-BE49-F238E27FC236}">
-              <a16:creationId xmlns:a16="http://schemas.microsoft.com/office/drawing/2014/main" id="{DAD52AAE-DA44-C89B-2605-53C725A00678}"/>
+              <a16:creationId xmlns:a16="http://schemas.microsoft.com/office/drawing/2014/main" xmlns="" id="{DAD52AAE-DA44-C89B-2605-53C725A00678}"/>
             </a:ext>
           </a:extLst>
         </p:cNvPr>
@@ -21174,7 +21147,7 @@
           <p:cNvPr id="2" name="Title 1">
             <a:extLst>
               <a:ext uri="{FF2B5EF4-FFF2-40B4-BE49-F238E27FC236}">
-                <a16:creationId xmlns:a16="http://schemas.microsoft.com/office/drawing/2014/main" id="{2DA532BC-3718-5CB6-6F80-E840C5E305C2}"/>
+                <a16:creationId xmlns:a16="http://schemas.microsoft.com/office/drawing/2014/main" xmlns="" id="{2DA532BC-3718-5CB6-6F80-E840C5E305C2}"/>
               </a:ext>
             </a:extLst>
           </p:cNvPr>
@@ -21278,7 +21251,7 @@
           <p:cNvPr id="5" name="Date Placeholder 6">
             <a:extLst>
               <a:ext uri="{FF2B5EF4-FFF2-40B4-BE49-F238E27FC236}">
-                <a16:creationId xmlns:a16="http://schemas.microsoft.com/office/drawing/2014/main" id="{7E4442EA-9542-546C-E4AA-9D64D1CD8A55}"/>
+                <a16:creationId xmlns:a16="http://schemas.microsoft.com/office/drawing/2014/main" xmlns="" id="{7E4442EA-9542-546C-E4AA-9D64D1CD8A55}"/>
               </a:ext>
             </a:extLst>
           </p:cNvPr>
@@ -21350,7 +21323,7 @@
                 <a:tabLst/>
                 <a:defRPr/>
               </a:pPr>
-              <a:t>ថ្ងៃសៅរ៍ 15 មិនា 2025</a:t>
+              <a:t>ថ្ងៃអាទិត្យ 16 មិនា 2025</a:t>
             </a:fld>
             <a:endParaRPr kumimoji="0" lang="en-US" sz="1200" b="0" i="0" u="none" strike="noStrike" kern="1200" cap="none" spc="0" normalizeH="0" baseline="0" noProof="0" dirty="0">
               <a:ln>
@@ -21376,7 +21349,7 @@
           <p:cNvPr id="6" name="Footer Placeholder 7">
             <a:extLst>
               <a:ext uri="{FF2B5EF4-FFF2-40B4-BE49-F238E27FC236}">
-                <a16:creationId xmlns:a16="http://schemas.microsoft.com/office/drawing/2014/main" id="{569E6F53-A743-4482-A545-BE95872F1D9C}"/>
+                <a16:creationId xmlns:a16="http://schemas.microsoft.com/office/drawing/2014/main" xmlns="" id="{569E6F53-A743-4482-A545-BE95872F1D9C}"/>
               </a:ext>
             </a:extLst>
           </p:cNvPr>
@@ -21458,13 +21431,13 @@
   <p:clrMapOvr>
     <a:masterClrMapping/>
   </p:clrMapOvr>
-  <mc:AlternateContent xmlns:mc="http://schemas.openxmlformats.org/markup-compatibility/2006">
-    <mc:Choice xmlns:p14="http://schemas.microsoft.com/office/powerpoint/2010/main" Requires="p14">
+  <mc:AlternateContent xmlns:mc="http://schemas.openxmlformats.org/markup-compatibility/2006" xmlns:p14="http://schemas.microsoft.com/office/powerpoint/2010/main">
+    <mc:Choice Requires="p14">
       <p:transition spd="med" p14:dur="700">
         <p:fade/>
       </p:transition>
     </mc:Choice>
-    <mc:Fallback>
+    <mc:Fallback xmlns="">
       <p:transition spd="med">
         <p:fade/>
       </p:transition>
@@ -21645,7 +21618,7 @@
           <p:cNvPr id="5" name="Date Placeholder 6">
             <a:extLst>
               <a:ext uri="{FF2B5EF4-FFF2-40B4-BE49-F238E27FC236}">
-                <a16:creationId xmlns:a16="http://schemas.microsoft.com/office/drawing/2014/main" id="{968F81BA-D120-487F-86D3-F8C7B941BFF3}"/>
+                <a16:creationId xmlns:a16="http://schemas.microsoft.com/office/drawing/2014/main" xmlns="" id="{968F81BA-D120-487F-86D3-F8C7B941BFF3}"/>
               </a:ext>
             </a:extLst>
           </p:cNvPr>
@@ -21673,7 +21646,7 @@
                 <a:cs typeface="Krasar" panose="00000500000000000000" pitchFamily="2" charset="0"/>
               </a:rPr>
               <a:pPr algn="ctr"/>
-              <a:t>ថ្ងៃសៅរ៍ 15 មិនា 2025</a:t>
+              <a:t>ថ្ងៃអាទិត្យ 16 មិនា 2025</a:t>
             </a:fld>
             <a:endParaRPr lang="en-US" dirty="0">
               <a:latin typeface="Krasar" panose="00000500000000000000" pitchFamily="2" charset="0"/>
@@ -21687,7 +21660,7 @@
           <p:cNvPr id="6" name="Footer Placeholder 7">
             <a:extLst>
               <a:ext uri="{FF2B5EF4-FFF2-40B4-BE49-F238E27FC236}">
-                <a16:creationId xmlns:a16="http://schemas.microsoft.com/office/drawing/2014/main" id="{597A226A-BFCD-46DB-B224-45E1E4AE94DB}"/>
+                <a16:creationId xmlns:a16="http://schemas.microsoft.com/office/drawing/2014/main" xmlns="" id="{597A226A-BFCD-46DB-B224-45E1E4AE94DB}"/>
               </a:ext>
             </a:extLst>
           </p:cNvPr>

--- a/Youth Worship.pptx
+++ b/Youth Worship.pptx
@@ -6,44 +6,51 @@
     <p:sldMasterId id="2147483670" r:id="rId2"/>
   </p:sldMasterIdLst>
   <p:notesMasterIdLst>
-    <p:notesMasterId r:id="rId35"/>
+    <p:notesMasterId r:id="rId42"/>
   </p:notesMasterIdLst>
   <p:handoutMasterIdLst>
-    <p:handoutMasterId r:id="rId36"/>
+    <p:handoutMasterId r:id="rId43"/>
   </p:handoutMasterIdLst>
   <p:sldIdLst>
     <p:sldId id="257" r:id="rId3"/>
     <p:sldId id="648" r:id="rId4"/>
     <p:sldId id="545" r:id="rId5"/>
-    <p:sldId id="695" r:id="rId6"/>
+    <p:sldId id="256" r:id="rId6"/>
     <p:sldId id="696" r:id="rId7"/>
-    <p:sldId id="705" r:id="rId8"/>
-    <p:sldId id="706" r:id="rId9"/>
-    <p:sldId id="256" r:id="rId10"/>
-    <p:sldId id="707" r:id="rId11"/>
-    <p:sldId id="708" r:id="rId12"/>
-    <p:sldId id="273" r:id="rId13"/>
-    <p:sldId id="631" r:id="rId14"/>
-    <p:sldId id="275" r:id="rId15"/>
-    <p:sldId id="685" r:id="rId16"/>
-    <p:sldId id="686" r:id="rId17"/>
-    <p:sldId id="687" r:id="rId18"/>
-    <p:sldId id="688" r:id="rId19"/>
-    <p:sldId id="689" r:id="rId20"/>
-    <p:sldId id="278" r:id="rId21"/>
-    <p:sldId id="283" r:id="rId22"/>
-    <p:sldId id="314" r:id="rId23"/>
-    <p:sldId id="315" r:id="rId24"/>
-    <p:sldId id="285" r:id="rId25"/>
-    <p:sldId id="284" r:id="rId26"/>
-    <p:sldId id="276" r:id="rId27"/>
-    <p:sldId id="258" r:id="rId28"/>
-    <p:sldId id="259" r:id="rId29"/>
-    <p:sldId id="260" r:id="rId30"/>
-    <p:sldId id="261" r:id="rId31"/>
-    <p:sldId id="262" r:id="rId32"/>
-    <p:sldId id="263" r:id="rId33"/>
-    <p:sldId id="264" r:id="rId34"/>
+    <p:sldId id="697" r:id="rId8"/>
+    <p:sldId id="265" r:id="rId9"/>
+    <p:sldId id="266" r:id="rId10"/>
+    <p:sldId id="267" r:id="rId11"/>
+    <p:sldId id="268" r:id="rId12"/>
+    <p:sldId id="271" r:id="rId13"/>
+    <p:sldId id="272" r:id="rId14"/>
+    <p:sldId id="698" r:id="rId15"/>
+    <p:sldId id="699" r:id="rId16"/>
+    <p:sldId id="700" r:id="rId17"/>
+    <p:sldId id="701" r:id="rId18"/>
+    <p:sldId id="702" r:id="rId19"/>
+    <p:sldId id="273" r:id="rId20"/>
+    <p:sldId id="631" r:id="rId21"/>
+    <p:sldId id="275" r:id="rId22"/>
+    <p:sldId id="685" r:id="rId23"/>
+    <p:sldId id="686" r:id="rId24"/>
+    <p:sldId id="687" r:id="rId25"/>
+    <p:sldId id="688" r:id="rId26"/>
+    <p:sldId id="689" r:id="rId27"/>
+    <p:sldId id="278" r:id="rId28"/>
+    <p:sldId id="283" r:id="rId29"/>
+    <p:sldId id="314" r:id="rId30"/>
+    <p:sldId id="315" r:id="rId31"/>
+    <p:sldId id="285" r:id="rId32"/>
+    <p:sldId id="284" r:id="rId33"/>
+    <p:sldId id="276" r:id="rId34"/>
+    <p:sldId id="258" r:id="rId35"/>
+    <p:sldId id="259" r:id="rId36"/>
+    <p:sldId id="260" r:id="rId37"/>
+    <p:sldId id="261" r:id="rId38"/>
+    <p:sldId id="262" r:id="rId39"/>
+    <p:sldId id="263" r:id="rId40"/>
+    <p:sldId id="264" r:id="rId41"/>
   </p:sldIdLst>
   <p:sldSz cx="12192000" cy="6858000"/>
   <p:notesSz cx="6858000" cy="9144000"/>
@@ -180,7 +187,7 @@
           <p:cNvPr id="2" name="Header Placeholder 1">
             <a:extLst>
               <a:ext uri="{FF2B5EF4-FFF2-40B4-BE49-F238E27FC236}">
-                <a16:creationId xmlns:a16="http://schemas.microsoft.com/office/drawing/2014/main" xmlns="" id="{5659A35A-B45A-471D-8798-A1F634660991}"/>
+                <a16:creationId xmlns:a16="http://schemas.microsoft.com/office/drawing/2014/main" id="{5659A35A-B45A-471D-8798-A1F634660991}"/>
               </a:ext>
             </a:extLst>
           </p:cNvPr>
@@ -218,7 +225,7 @@
           <p:cNvPr id="3" name="Date Placeholder 2">
             <a:extLst>
               <a:ext uri="{FF2B5EF4-FFF2-40B4-BE49-F238E27FC236}">
-                <a16:creationId xmlns:a16="http://schemas.microsoft.com/office/drawing/2014/main" xmlns="" id="{86CDBCFF-DB1C-4148-AE10-0009F0ABF666}"/>
+                <a16:creationId xmlns:a16="http://schemas.microsoft.com/office/drawing/2014/main" id="{86CDBCFF-DB1C-4148-AE10-0009F0ABF666}"/>
               </a:ext>
             </a:extLst>
           </p:cNvPr>
@@ -249,7 +256,7 @@
             <a:pPr rtl="0"/>
             <a:fld id="{02BF9A1E-D4FA-4D99-9C56-E1586EBD836E}" type="datetime1">
               <a:rPr lang="en-GB" smtClean="0"/>
-              <a:t>16/03/2025</a:t>
+              <a:t>22/03/2025</a:t>
             </a:fld>
             <a:endParaRPr lang="en-GB"/>
           </a:p>
@@ -260,7 +267,7 @@
           <p:cNvPr id="4" name="Footer Placeholder 3">
             <a:extLst>
               <a:ext uri="{FF2B5EF4-FFF2-40B4-BE49-F238E27FC236}">
-                <a16:creationId xmlns:a16="http://schemas.microsoft.com/office/drawing/2014/main" xmlns="" id="{BE624F19-BD09-4F8A-BEC3-5B4EC46FBBB9}"/>
+                <a16:creationId xmlns:a16="http://schemas.microsoft.com/office/drawing/2014/main" id="{BE624F19-BD09-4F8A-BEC3-5B4EC46FBBB9}"/>
               </a:ext>
             </a:extLst>
           </p:cNvPr>
@@ -298,7 +305,7 @@
           <p:cNvPr id="5" name="Slide Number Placeholder 4">
             <a:extLst>
               <a:ext uri="{FF2B5EF4-FFF2-40B4-BE49-F238E27FC236}">
-                <a16:creationId xmlns:a16="http://schemas.microsoft.com/office/drawing/2014/main" xmlns="" id="{A76897F4-4C0C-4FAD-84FC-2E6522438930}"/>
+                <a16:creationId xmlns:a16="http://schemas.microsoft.com/office/drawing/2014/main" id="{A76897F4-4C0C-4FAD-84FC-2E6522438930}"/>
               </a:ext>
             </a:extLst>
           </p:cNvPr>
@@ -431,7 +438,7 @@
             <a:pPr rtl="0"/>
             <a:fld id="{9811EB5D-B7E7-453B-8D6E-6B5653024C96}" type="datetime1">
               <a:rPr lang="en-GB" noProof="0" smtClean="0"/>
-              <a:t>16/03/2025</a:t>
+              <a:t>22/03/2025</a:t>
             </a:fld>
             <a:endParaRPr lang="en-GB" noProof="0"/>
           </a:p>
@@ -710,7 +717,7 @@
         <p:cNvPr id="1" name="">
           <a:extLst>
             <a:ext uri="{FF2B5EF4-FFF2-40B4-BE49-F238E27FC236}">
-              <a16:creationId xmlns:a16="http://schemas.microsoft.com/office/drawing/2014/main" xmlns="" id="{BA6CCBE5-6145-B756-75F9-4AF2F8C4A749}"/>
+              <a16:creationId xmlns:a16="http://schemas.microsoft.com/office/drawing/2014/main" id="{BA6CCBE5-6145-B756-75F9-4AF2F8C4A749}"/>
             </a:ext>
           </a:extLst>
         </p:cNvPr>
@@ -730,7 +737,7 @@
           <p:cNvPr id="2" name="Slide Image Placeholder 1">
             <a:extLst>
               <a:ext uri="{FF2B5EF4-FFF2-40B4-BE49-F238E27FC236}">
-                <a16:creationId xmlns:a16="http://schemas.microsoft.com/office/drawing/2014/main" xmlns="" id="{1B4670AC-AD41-9802-6A11-3392FA894428}"/>
+                <a16:creationId xmlns:a16="http://schemas.microsoft.com/office/drawing/2014/main" id="{1B4670AC-AD41-9802-6A11-3392FA894428}"/>
               </a:ext>
             </a:extLst>
           </p:cNvPr>
@@ -748,7 +755,7 @@
           <p:cNvPr id="3" name="Notes Placeholder 2">
             <a:extLst>
               <a:ext uri="{FF2B5EF4-FFF2-40B4-BE49-F238E27FC236}">
-                <a16:creationId xmlns:a16="http://schemas.microsoft.com/office/drawing/2014/main" xmlns="" id="{DF512682-8FD3-E1EE-86C9-EF582179E065}"/>
+                <a16:creationId xmlns:a16="http://schemas.microsoft.com/office/drawing/2014/main" id="{DF512682-8FD3-E1EE-86C9-EF582179E065}"/>
               </a:ext>
             </a:extLst>
           </p:cNvPr>
@@ -774,7 +781,7 @@
           <p:cNvPr id="4" name="Slide Number Placeholder 3">
             <a:extLst>
               <a:ext uri="{FF2B5EF4-FFF2-40B4-BE49-F238E27FC236}">
-                <a16:creationId xmlns:a16="http://schemas.microsoft.com/office/drawing/2014/main" xmlns="" id="{4BF37B64-8A0F-BA89-A7CB-A7A9635CE940}"/>
+                <a16:creationId xmlns:a16="http://schemas.microsoft.com/office/drawing/2014/main" id="{4BF37B64-8A0F-BA89-A7CB-A7A9635CE940}"/>
               </a:ext>
             </a:extLst>
           </p:cNvPr>
@@ -886,7 +893,7 @@
     </p:spTree>
     <p:extLst>
       <p:ext uri="{BB962C8B-B14F-4D97-AF65-F5344CB8AC3E}">
-        <p14:creationId xmlns:p14="http://schemas.microsoft.com/office/powerpoint/2010/main" val="2310928620"/>
+        <p14:creationId xmlns:p14="http://schemas.microsoft.com/office/powerpoint/2010/main" val="449901940"/>
       </p:ext>
     </p:extLst>
   </p:cSld>
@@ -904,7 +911,7 @@
         <p:cNvPr id="1" name="">
           <a:extLst>
             <a:ext uri="{FF2B5EF4-FFF2-40B4-BE49-F238E27FC236}">
-              <a16:creationId xmlns:a16="http://schemas.microsoft.com/office/drawing/2014/main" xmlns="" id="{4E3A4AB0-90C4-97EC-D761-00F3E47D6373}"/>
+              <a16:creationId xmlns:a16="http://schemas.microsoft.com/office/drawing/2014/main" id="{769F87B7-CA45-4FBF-2672-6ED9F35A9215}"/>
             </a:ext>
           </a:extLst>
         </p:cNvPr>
@@ -924,7 +931,7 @@
           <p:cNvPr id="2" name="Slide Image Placeholder 1">
             <a:extLst>
               <a:ext uri="{FF2B5EF4-FFF2-40B4-BE49-F238E27FC236}">
-                <a16:creationId xmlns:a16="http://schemas.microsoft.com/office/drawing/2014/main" xmlns="" id="{CD5D568F-2209-BBBC-0486-FC9C1FCE738A}"/>
+                <a16:creationId xmlns:a16="http://schemas.microsoft.com/office/drawing/2014/main" id="{EACD101B-9DC6-9510-9A3C-47A9FB856B56}"/>
               </a:ext>
             </a:extLst>
           </p:cNvPr>
@@ -942,7 +949,7 @@
           <p:cNvPr id="3" name="Notes Placeholder 2">
             <a:extLst>
               <a:ext uri="{FF2B5EF4-FFF2-40B4-BE49-F238E27FC236}">
-                <a16:creationId xmlns:a16="http://schemas.microsoft.com/office/drawing/2014/main" xmlns="" id="{928064E2-3303-E9B6-3A58-D46300F41041}"/>
+                <a16:creationId xmlns:a16="http://schemas.microsoft.com/office/drawing/2014/main" id="{DE93122B-3346-C4DC-0CF2-178CAA254206}"/>
               </a:ext>
             </a:extLst>
           </p:cNvPr>
@@ -955,11 +962,10 @@
         </p:nvSpPr>
         <p:spPr/>
         <p:txBody>
-          <a:bodyPr rtlCol="0"/>
-          <a:lstStyle/>
-          <a:p>
-            <a:pPr rtl="0"/>
-            <a:endParaRPr lang="en-GB"/>
+          <a:bodyPr/>
+          <a:lstStyle/>
+          <a:p>
+            <a:endParaRPr lang="en-US" dirty="0"/>
           </a:p>
         </p:txBody>
       </p:sp>
@@ -968,7 +974,7 @@
           <p:cNvPr id="4" name="Slide Number Placeholder 3">
             <a:extLst>
               <a:ext uri="{FF2B5EF4-FFF2-40B4-BE49-F238E27FC236}">
-                <a16:creationId xmlns:a16="http://schemas.microsoft.com/office/drawing/2014/main" xmlns="" id="{CE3DF728-14EF-9327-75BF-54CAC1D419C5}"/>
+                <a16:creationId xmlns:a16="http://schemas.microsoft.com/office/drawing/2014/main" id="{87A264A7-6446-3DBF-CBC8-DDC399ED5CA6}"/>
               </a:ext>
             </a:extLst>
           </p:cNvPr>
@@ -976,27 +982,26 @@
             <a:spLocks noGrp="1"/>
           </p:cNvSpPr>
           <p:nvPr>
-            <p:ph type="sldNum" sz="quarter" idx="5"/>
+            <p:ph type="sldNum" sz="quarter" idx="10"/>
           </p:nvPr>
         </p:nvSpPr>
         <p:spPr/>
         <p:txBody>
-          <a:bodyPr rtlCol="0"/>
-          <a:lstStyle/>
-          <a:p>
-            <a:pPr rtl="0"/>
-            <a:fld id="{C853816F-A1CF-4485-B308-1B9F14B36EAD}" type="slidenum">
-              <a:rPr lang="en-GB" smtClean="0"/>
+          <a:bodyPr/>
+          <a:lstStyle/>
+          <a:p>
+            <a:fld id="{29FD0DB3-546B-4F1D-861A-BFC44BF53FF8}" type="slidenum">
+              <a:rPr lang="en-US" smtClean="0"/>
               <a:t>11</a:t>
             </a:fld>
-            <a:endParaRPr lang="en-GB"/>
+            <a:endParaRPr lang="en-US"/>
           </a:p>
         </p:txBody>
       </p:sp>
     </p:spTree>
     <p:extLst>
       <p:ext uri="{BB962C8B-B14F-4D97-AF65-F5344CB8AC3E}">
-        <p14:creationId xmlns:p14="http://schemas.microsoft.com/office/powerpoint/2010/main" val="1080677285"/>
+        <p14:creationId xmlns:p14="http://schemas.microsoft.com/office/powerpoint/2010/main" val="3776761285"/>
       </p:ext>
     </p:extLst>
   </p:cSld>
@@ -1014,7 +1019,7 @@
         <p:cNvPr id="1" name="">
           <a:extLst>
             <a:ext uri="{FF2B5EF4-FFF2-40B4-BE49-F238E27FC236}">
-              <a16:creationId xmlns:a16="http://schemas.microsoft.com/office/drawing/2014/main" xmlns="" id="{782C2233-A327-DD94-AA9B-70476339FBA2}"/>
+              <a16:creationId xmlns:a16="http://schemas.microsoft.com/office/drawing/2014/main" id="{83668368-3EE8-40A8-4929-D499E3763A36}"/>
             </a:ext>
           </a:extLst>
         </p:cNvPr>
@@ -1034,7 +1039,7 @@
           <p:cNvPr id="2" name="Slide Image Placeholder 1">
             <a:extLst>
               <a:ext uri="{FF2B5EF4-FFF2-40B4-BE49-F238E27FC236}">
-                <a16:creationId xmlns:a16="http://schemas.microsoft.com/office/drawing/2014/main" xmlns="" id="{16E020DF-C95C-8986-5340-A2888E504A07}"/>
+                <a16:creationId xmlns:a16="http://schemas.microsoft.com/office/drawing/2014/main" id="{9EB5EED1-064B-3116-2078-C14366804BB2}"/>
               </a:ext>
             </a:extLst>
           </p:cNvPr>
@@ -1052,7 +1057,7 @@
           <p:cNvPr id="3" name="Notes Placeholder 2">
             <a:extLst>
               <a:ext uri="{FF2B5EF4-FFF2-40B4-BE49-F238E27FC236}">
-                <a16:creationId xmlns:a16="http://schemas.microsoft.com/office/drawing/2014/main" xmlns="" id="{431ED360-84E9-5399-1C88-F13A1FF6E39D}"/>
+                <a16:creationId xmlns:a16="http://schemas.microsoft.com/office/drawing/2014/main" id="{26F6235D-F3C1-815E-BAB7-6B4C888EDF15}"/>
               </a:ext>
             </a:extLst>
           </p:cNvPr>
@@ -1065,11 +1070,10 @@
         </p:nvSpPr>
         <p:spPr/>
         <p:txBody>
-          <a:bodyPr rtlCol="0"/>
-          <a:lstStyle/>
-          <a:p>
-            <a:pPr rtl="0"/>
-            <a:endParaRPr lang="en-GB"/>
+          <a:bodyPr/>
+          <a:lstStyle/>
+          <a:p>
+            <a:endParaRPr lang="en-US" dirty="0"/>
           </a:p>
         </p:txBody>
       </p:sp>
@@ -1078,7 +1082,7 @@
           <p:cNvPr id="4" name="Slide Number Placeholder 3">
             <a:extLst>
               <a:ext uri="{FF2B5EF4-FFF2-40B4-BE49-F238E27FC236}">
-                <a16:creationId xmlns:a16="http://schemas.microsoft.com/office/drawing/2014/main" xmlns="" id="{B9F632A5-D4C8-3980-733C-3134427DFFB4}"/>
+                <a16:creationId xmlns:a16="http://schemas.microsoft.com/office/drawing/2014/main" id="{118F0F34-EA4B-F53B-A6B5-A5F82504FC47}"/>
               </a:ext>
             </a:extLst>
           </p:cNvPr>
@@ -1086,27 +1090,26 @@
             <a:spLocks noGrp="1"/>
           </p:cNvSpPr>
           <p:nvPr>
-            <p:ph type="sldNum" sz="quarter" idx="5"/>
+            <p:ph type="sldNum" sz="quarter" idx="10"/>
           </p:nvPr>
         </p:nvSpPr>
         <p:spPr/>
         <p:txBody>
-          <a:bodyPr rtlCol="0"/>
-          <a:lstStyle/>
-          <a:p>
-            <a:pPr rtl="0"/>
-            <a:fld id="{C853816F-A1CF-4485-B308-1B9F14B36EAD}" type="slidenum">
-              <a:rPr lang="en-GB" smtClean="0"/>
-              <a:t>13</a:t>
+          <a:bodyPr/>
+          <a:lstStyle/>
+          <a:p>
+            <a:fld id="{29FD0DB3-546B-4F1D-861A-BFC44BF53FF8}" type="slidenum">
+              <a:rPr lang="en-US" smtClean="0"/>
+              <a:t>12</a:t>
             </a:fld>
-            <a:endParaRPr lang="en-GB"/>
+            <a:endParaRPr lang="en-US"/>
           </a:p>
         </p:txBody>
       </p:sp>
     </p:spTree>
     <p:extLst>
       <p:ext uri="{BB962C8B-B14F-4D97-AF65-F5344CB8AC3E}">
-        <p14:creationId xmlns:p14="http://schemas.microsoft.com/office/powerpoint/2010/main" val="553485495"/>
+        <p14:creationId xmlns:p14="http://schemas.microsoft.com/office/powerpoint/2010/main" val="3451630707"/>
       </p:ext>
     </p:extLst>
   </p:cSld>
@@ -1179,27 +1182,18 @@
           <a:bodyPr/>
           <a:lstStyle/>
           <a:p>
-            <a:fld id="{29FD0DB3-546B-4F1D-861A-BFC44BF53FF8}" type="slidenum">
-              <a:rPr lang="en-US" smtClean="0">
-                <a:solidFill>
-                  <a:prstClr val="black"/>
-                </a:solidFill>
-              </a:rPr>
-              <a:pPr/>
-              <a:t>14</a:t>
+            <a:fld id="{0B83F4F8-AD2B-4BE5-8C76-6688C5B0A6F8}" type="slidenum">
+              <a:rPr lang="en-US" smtClean="0"/>
+              <a:t>13</a:t>
             </a:fld>
-            <a:endParaRPr lang="en-US">
-              <a:solidFill>
-                <a:prstClr val="black"/>
-              </a:solidFill>
-            </a:endParaRPr>
+            <a:endParaRPr lang="en-US"/>
           </a:p>
         </p:txBody>
       </p:sp>
     </p:spTree>
     <p:extLst>
       <p:ext uri="{BB962C8B-B14F-4D97-AF65-F5344CB8AC3E}">
-        <p14:creationId xmlns:p14="http://schemas.microsoft.com/office/powerpoint/2010/main" val="3112637729"/>
+        <p14:creationId xmlns:p14="http://schemas.microsoft.com/office/powerpoint/2010/main" val="1242445863"/>
       </p:ext>
     </p:extLst>
   </p:cSld>
@@ -1214,7 +1208,13 @@
   <p:cSld>
     <p:spTree>
       <p:nvGrpSpPr>
-        <p:cNvPr id="1" name=""/>
+        <p:cNvPr id="1" name="">
+          <a:extLst>
+            <a:ext uri="{FF2B5EF4-FFF2-40B4-BE49-F238E27FC236}">
+              <a16:creationId xmlns:a16="http://schemas.microsoft.com/office/drawing/2014/main" id="{4E3A4AB0-90C4-97EC-D761-00F3E47D6373}"/>
+            </a:ext>
+          </a:extLst>
+        </p:cNvPr>
         <p:cNvGrpSpPr/>
         <p:nvPr/>
       </p:nvGrpSpPr>
@@ -1228,7 +1228,13 @@
       </p:grpSpPr>
       <p:sp>
         <p:nvSpPr>
-          <p:cNvPr id="2" name="Slide Image Placeholder 1"/>
+          <p:cNvPr id="2" name="Slide Image Placeholder 1">
+            <a:extLst>
+              <a:ext uri="{FF2B5EF4-FFF2-40B4-BE49-F238E27FC236}">
+                <a16:creationId xmlns:a16="http://schemas.microsoft.com/office/drawing/2014/main" id="{CD5D568F-2209-BBBC-0486-FC9C1FCE738A}"/>
+              </a:ext>
+            </a:extLst>
+          </p:cNvPr>
           <p:cNvSpPr>
             <a:spLocks noGrp="1" noRot="1" noChangeAspect="1"/>
           </p:cNvSpPr>
@@ -1240,7 +1246,13 @@
       </p:sp>
       <p:sp>
         <p:nvSpPr>
-          <p:cNvPr id="3" name="Notes Placeholder 2"/>
+          <p:cNvPr id="3" name="Notes Placeholder 2">
+            <a:extLst>
+              <a:ext uri="{FF2B5EF4-FFF2-40B4-BE49-F238E27FC236}">
+                <a16:creationId xmlns:a16="http://schemas.microsoft.com/office/drawing/2014/main" id="{928064E2-3303-E9B6-3A58-D46300F41041}"/>
+              </a:ext>
+            </a:extLst>
+          </p:cNvPr>
           <p:cNvSpPr>
             <a:spLocks noGrp="1"/>
           </p:cNvSpPr>
@@ -1250,49 +1262,48 @@
         </p:nvSpPr>
         <p:spPr/>
         <p:txBody>
-          <a:bodyPr/>
-          <a:lstStyle/>
-          <a:p>
-            <a:endParaRPr lang="en-US" dirty="0"/>
-          </a:p>
-        </p:txBody>
-      </p:sp>
-      <p:sp>
-        <p:nvSpPr>
-          <p:cNvPr id="4" name="Slide Number Placeholder 3"/>
+          <a:bodyPr rtlCol="0"/>
+          <a:lstStyle/>
+          <a:p>
+            <a:pPr rtl="0"/>
+            <a:endParaRPr lang="en-GB"/>
+          </a:p>
+        </p:txBody>
+      </p:sp>
+      <p:sp>
+        <p:nvSpPr>
+          <p:cNvPr id="4" name="Slide Number Placeholder 3">
+            <a:extLst>
+              <a:ext uri="{FF2B5EF4-FFF2-40B4-BE49-F238E27FC236}">
+                <a16:creationId xmlns:a16="http://schemas.microsoft.com/office/drawing/2014/main" id="{CE3DF728-14EF-9327-75BF-54CAC1D419C5}"/>
+              </a:ext>
+            </a:extLst>
+          </p:cNvPr>
           <p:cNvSpPr>
             <a:spLocks noGrp="1"/>
           </p:cNvSpPr>
           <p:nvPr>
-            <p:ph type="sldNum" sz="quarter" idx="10"/>
+            <p:ph type="sldNum" sz="quarter" idx="5"/>
           </p:nvPr>
         </p:nvSpPr>
         <p:spPr/>
         <p:txBody>
-          <a:bodyPr/>
-          <a:lstStyle/>
-          <a:p>
-            <a:fld id="{29FD0DB3-546B-4F1D-861A-BFC44BF53FF8}" type="slidenum">
-              <a:rPr lang="en-US" smtClean="0">
-                <a:solidFill>
-                  <a:prstClr val="black"/>
-                </a:solidFill>
-              </a:rPr>
-              <a:pPr/>
-              <a:t>15</a:t>
+          <a:bodyPr rtlCol="0"/>
+          <a:lstStyle/>
+          <a:p>
+            <a:pPr rtl="0"/>
+            <a:fld id="{C853816F-A1CF-4485-B308-1B9F14B36EAD}" type="slidenum">
+              <a:rPr lang="en-GB" smtClean="0"/>
+              <a:t>18</a:t>
             </a:fld>
-            <a:endParaRPr lang="en-US">
-              <a:solidFill>
-                <a:prstClr val="black"/>
-              </a:solidFill>
-            </a:endParaRPr>
+            <a:endParaRPr lang="en-GB"/>
           </a:p>
         </p:txBody>
       </p:sp>
     </p:spTree>
     <p:extLst>
       <p:ext uri="{BB962C8B-B14F-4D97-AF65-F5344CB8AC3E}">
-        <p14:creationId xmlns:p14="http://schemas.microsoft.com/office/powerpoint/2010/main" val="3450125461"/>
+        <p14:creationId xmlns:p14="http://schemas.microsoft.com/office/powerpoint/2010/main" val="1080677285"/>
       </p:ext>
     </p:extLst>
   </p:cSld>
@@ -1307,7 +1318,13 @@
   <p:cSld>
     <p:spTree>
       <p:nvGrpSpPr>
-        <p:cNvPr id="1" name=""/>
+        <p:cNvPr id="1" name="">
+          <a:extLst>
+            <a:ext uri="{FF2B5EF4-FFF2-40B4-BE49-F238E27FC236}">
+              <a16:creationId xmlns:a16="http://schemas.microsoft.com/office/drawing/2014/main" id="{782C2233-A327-DD94-AA9B-70476339FBA2}"/>
+            </a:ext>
+          </a:extLst>
+        </p:cNvPr>
         <p:cNvGrpSpPr/>
         <p:nvPr/>
       </p:nvGrpSpPr>
@@ -1321,7 +1338,13 @@
       </p:grpSpPr>
       <p:sp>
         <p:nvSpPr>
-          <p:cNvPr id="2" name="Slide Image Placeholder 1"/>
+          <p:cNvPr id="2" name="Slide Image Placeholder 1">
+            <a:extLst>
+              <a:ext uri="{FF2B5EF4-FFF2-40B4-BE49-F238E27FC236}">
+                <a16:creationId xmlns:a16="http://schemas.microsoft.com/office/drawing/2014/main" id="{16E020DF-C95C-8986-5340-A2888E504A07}"/>
+              </a:ext>
+            </a:extLst>
+          </p:cNvPr>
           <p:cNvSpPr>
             <a:spLocks noGrp="1" noRot="1" noChangeAspect="1"/>
           </p:cNvSpPr>
@@ -1333,7 +1356,13 @@
       </p:sp>
       <p:sp>
         <p:nvSpPr>
-          <p:cNvPr id="3" name="Notes Placeholder 2"/>
+          <p:cNvPr id="3" name="Notes Placeholder 2">
+            <a:extLst>
+              <a:ext uri="{FF2B5EF4-FFF2-40B4-BE49-F238E27FC236}">
+                <a16:creationId xmlns:a16="http://schemas.microsoft.com/office/drawing/2014/main" id="{431ED360-84E9-5399-1C88-F13A1FF6E39D}"/>
+              </a:ext>
+            </a:extLst>
+          </p:cNvPr>
           <p:cNvSpPr>
             <a:spLocks noGrp="1"/>
           </p:cNvSpPr>
@@ -1343,49 +1372,48 @@
         </p:nvSpPr>
         <p:spPr/>
         <p:txBody>
-          <a:bodyPr/>
-          <a:lstStyle/>
-          <a:p>
-            <a:endParaRPr lang="en-US" dirty="0"/>
-          </a:p>
-        </p:txBody>
-      </p:sp>
-      <p:sp>
-        <p:nvSpPr>
-          <p:cNvPr id="4" name="Slide Number Placeholder 3"/>
+          <a:bodyPr rtlCol="0"/>
+          <a:lstStyle/>
+          <a:p>
+            <a:pPr rtl="0"/>
+            <a:endParaRPr lang="en-GB"/>
+          </a:p>
+        </p:txBody>
+      </p:sp>
+      <p:sp>
+        <p:nvSpPr>
+          <p:cNvPr id="4" name="Slide Number Placeholder 3">
+            <a:extLst>
+              <a:ext uri="{FF2B5EF4-FFF2-40B4-BE49-F238E27FC236}">
+                <a16:creationId xmlns:a16="http://schemas.microsoft.com/office/drawing/2014/main" id="{B9F632A5-D4C8-3980-733C-3134427DFFB4}"/>
+              </a:ext>
+            </a:extLst>
+          </p:cNvPr>
           <p:cNvSpPr>
             <a:spLocks noGrp="1"/>
           </p:cNvSpPr>
           <p:nvPr>
-            <p:ph type="sldNum" sz="quarter" idx="10"/>
+            <p:ph type="sldNum" sz="quarter" idx="5"/>
           </p:nvPr>
         </p:nvSpPr>
         <p:spPr/>
         <p:txBody>
-          <a:bodyPr/>
-          <a:lstStyle/>
-          <a:p>
-            <a:fld id="{29FD0DB3-546B-4F1D-861A-BFC44BF53FF8}" type="slidenum">
-              <a:rPr lang="en-US" smtClean="0">
-                <a:solidFill>
-                  <a:prstClr val="black"/>
-                </a:solidFill>
-              </a:rPr>
-              <a:pPr/>
-              <a:t>16</a:t>
+          <a:bodyPr rtlCol="0"/>
+          <a:lstStyle/>
+          <a:p>
+            <a:pPr rtl="0"/>
+            <a:fld id="{C853816F-A1CF-4485-B308-1B9F14B36EAD}" type="slidenum">
+              <a:rPr lang="en-GB" smtClean="0"/>
+              <a:t>20</a:t>
             </a:fld>
-            <a:endParaRPr lang="en-US">
-              <a:solidFill>
-                <a:prstClr val="black"/>
-              </a:solidFill>
-            </a:endParaRPr>
+            <a:endParaRPr lang="en-GB"/>
           </a:p>
         </p:txBody>
       </p:sp>
     </p:spTree>
     <p:extLst>
       <p:ext uri="{BB962C8B-B14F-4D97-AF65-F5344CB8AC3E}">
-        <p14:creationId xmlns:p14="http://schemas.microsoft.com/office/powerpoint/2010/main" val="3537014985"/>
+        <p14:creationId xmlns:p14="http://schemas.microsoft.com/office/powerpoint/2010/main" val="553485495"/>
       </p:ext>
     </p:extLst>
   </p:cSld>
@@ -1439,7 +1467,7 @@
           <a:bodyPr/>
           <a:lstStyle/>
           <a:p>
-            <a:endParaRPr lang="en-US" dirty="0"/>
+            <a:endParaRPr lang="en-US"/>
           </a:p>
         </p:txBody>
       </p:sp>
@@ -1465,7 +1493,7 @@
                 </a:solidFill>
               </a:rPr>
               <a:pPr/>
-              <a:t>17</a:t>
+              <a:t>21</a:t>
             </a:fld>
             <a:endParaRPr lang="en-US">
               <a:solidFill>
@@ -1478,7 +1506,7 @@
     </p:spTree>
     <p:extLst>
       <p:ext uri="{BB962C8B-B14F-4D97-AF65-F5344CB8AC3E}">
-        <p14:creationId xmlns:p14="http://schemas.microsoft.com/office/powerpoint/2010/main" val="1264524970"/>
+        <p14:creationId xmlns:p14="http://schemas.microsoft.com/office/powerpoint/2010/main" val="3112637729"/>
       </p:ext>
     </p:extLst>
   </p:cSld>
@@ -1558,7 +1586,7 @@
                 </a:solidFill>
               </a:rPr>
               <a:pPr/>
-              <a:t>18</a:t>
+              <a:t>22</a:t>
             </a:fld>
             <a:endParaRPr lang="en-US">
               <a:solidFill>
@@ -1571,7 +1599,7 @@
     </p:spTree>
     <p:extLst>
       <p:ext uri="{BB962C8B-B14F-4D97-AF65-F5344CB8AC3E}">
-        <p14:creationId xmlns:p14="http://schemas.microsoft.com/office/powerpoint/2010/main" val="1810105272"/>
+        <p14:creationId xmlns:p14="http://schemas.microsoft.com/office/powerpoint/2010/main" val="3450125461"/>
       </p:ext>
     </p:extLst>
   </p:cSld>
@@ -1586,13 +1614,7 @@
   <p:cSld>
     <p:spTree>
       <p:nvGrpSpPr>
-        <p:cNvPr id="1" name="">
-          <a:extLst>
-            <a:ext uri="{FF2B5EF4-FFF2-40B4-BE49-F238E27FC236}">
-              <a16:creationId xmlns:a16="http://schemas.microsoft.com/office/drawing/2014/main" xmlns="" id="{25F51C94-1ACB-E015-3E1C-E6EECB75697D}"/>
-            </a:ext>
-          </a:extLst>
-        </p:cNvPr>
+        <p:cNvPr id="1" name=""/>
         <p:cNvGrpSpPr/>
         <p:nvPr/>
       </p:nvGrpSpPr>
@@ -1606,13 +1628,7 @@
       </p:grpSpPr>
       <p:sp>
         <p:nvSpPr>
-          <p:cNvPr id="2" name="Slide Image Placeholder 1">
-            <a:extLst>
-              <a:ext uri="{FF2B5EF4-FFF2-40B4-BE49-F238E27FC236}">
-                <a16:creationId xmlns:a16="http://schemas.microsoft.com/office/drawing/2014/main" xmlns="" id="{997092AA-7804-DF65-6CC2-DDB1155B8C21}"/>
-              </a:ext>
-            </a:extLst>
-          </p:cNvPr>
+          <p:cNvPr id="2" name="Slide Image Placeholder 1"/>
           <p:cNvSpPr>
             <a:spLocks noGrp="1" noRot="1" noChangeAspect="1"/>
           </p:cNvSpPr>
@@ -1624,13 +1640,7 @@
       </p:sp>
       <p:sp>
         <p:nvSpPr>
-          <p:cNvPr id="3" name="Notes Placeholder 2">
-            <a:extLst>
-              <a:ext uri="{FF2B5EF4-FFF2-40B4-BE49-F238E27FC236}">
-                <a16:creationId xmlns:a16="http://schemas.microsoft.com/office/drawing/2014/main" xmlns="" id="{C3074BE1-127B-F56C-FC6A-6FBD72386C90}"/>
-              </a:ext>
-            </a:extLst>
-          </p:cNvPr>
+          <p:cNvPr id="3" name="Notes Placeholder 2"/>
           <p:cNvSpPr>
             <a:spLocks noGrp="1"/>
           </p:cNvSpPr>
@@ -1640,48 +1650,49 @@
         </p:nvSpPr>
         <p:spPr/>
         <p:txBody>
-          <a:bodyPr rtlCol="0"/>
-          <a:lstStyle/>
-          <a:p>
-            <a:pPr rtl="0"/>
-            <a:endParaRPr lang="en-GB"/>
-          </a:p>
-        </p:txBody>
-      </p:sp>
-      <p:sp>
-        <p:nvSpPr>
-          <p:cNvPr id="4" name="Slide Number Placeholder 3">
-            <a:extLst>
-              <a:ext uri="{FF2B5EF4-FFF2-40B4-BE49-F238E27FC236}">
-                <a16:creationId xmlns:a16="http://schemas.microsoft.com/office/drawing/2014/main" xmlns="" id="{E4EF183E-F470-DB93-E406-4602669800C4}"/>
-              </a:ext>
-            </a:extLst>
-          </p:cNvPr>
+          <a:bodyPr/>
+          <a:lstStyle/>
+          <a:p>
+            <a:endParaRPr lang="en-US" dirty="0"/>
+          </a:p>
+        </p:txBody>
+      </p:sp>
+      <p:sp>
+        <p:nvSpPr>
+          <p:cNvPr id="4" name="Slide Number Placeholder 3"/>
           <p:cNvSpPr>
             <a:spLocks noGrp="1"/>
           </p:cNvSpPr>
           <p:nvPr>
-            <p:ph type="sldNum" sz="quarter" idx="5"/>
+            <p:ph type="sldNum" sz="quarter" idx="10"/>
           </p:nvPr>
         </p:nvSpPr>
         <p:spPr/>
         <p:txBody>
-          <a:bodyPr rtlCol="0"/>
-          <a:lstStyle/>
-          <a:p>
-            <a:pPr rtl="0"/>
-            <a:fld id="{C853816F-A1CF-4485-B308-1B9F14B36EAD}" type="slidenum">
-              <a:rPr lang="en-GB" smtClean="0"/>
-              <a:t>19</a:t>
+          <a:bodyPr/>
+          <a:lstStyle/>
+          <a:p>
+            <a:fld id="{29FD0DB3-546B-4F1D-861A-BFC44BF53FF8}" type="slidenum">
+              <a:rPr lang="en-US" smtClean="0">
+                <a:solidFill>
+                  <a:prstClr val="black"/>
+                </a:solidFill>
+              </a:rPr>
+              <a:pPr/>
+              <a:t>23</a:t>
             </a:fld>
-            <a:endParaRPr lang="en-GB"/>
+            <a:endParaRPr lang="en-US">
+              <a:solidFill>
+                <a:prstClr val="black"/>
+              </a:solidFill>
+            </a:endParaRPr>
           </a:p>
         </p:txBody>
       </p:sp>
     </p:spTree>
     <p:extLst>
       <p:ext uri="{BB962C8B-B14F-4D97-AF65-F5344CB8AC3E}">
-        <p14:creationId xmlns:p14="http://schemas.microsoft.com/office/powerpoint/2010/main" val="320726064"/>
+        <p14:creationId xmlns:p14="http://schemas.microsoft.com/office/powerpoint/2010/main" val="3537014985"/>
       </p:ext>
     </p:extLst>
   </p:cSld>
@@ -1696,13 +1707,7 @@
   <p:cSld>
     <p:spTree>
       <p:nvGrpSpPr>
-        <p:cNvPr id="1" name="">
-          <a:extLst>
-            <a:ext uri="{FF2B5EF4-FFF2-40B4-BE49-F238E27FC236}">
-              <a16:creationId xmlns:a16="http://schemas.microsoft.com/office/drawing/2014/main" xmlns="" id="{C611ABB8-39F5-70AD-CCA1-C55758BCC92A}"/>
-            </a:ext>
-          </a:extLst>
-        </p:cNvPr>
+        <p:cNvPr id="1" name=""/>
         <p:cNvGrpSpPr/>
         <p:nvPr/>
       </p:nvGrpSpPr>
@@ -1716,13 +1721,7 @@
       </p:grpSpPr>
       <p:sp>
         <p:nvSpPr>
-          <p:cNvPr id="2" name="Slide Image Placeholder 1">
-            <a:extLst>
-              <a:ext uri="{FF2B5EF4-FFF2-40B4-BE49-F238E27FC236}">
-                <a16:creationId xmlns:a16="http://schemas.microsoft.com/office/drawing/2014/main" xmlns="" id="{0E8FC7A1-0730-76A5-69F7-2DE5A7274E3E}"/>
-              </a:ext>
-            </a:extLst>
-          </p:cNvPr>
+          <p:cNvPr id="2" name="Slide Image Placeholder 1"/>
           <p:cNvSpPr>
             <a:spLocks noGrp="1" noRot="1" noChangeAspect="1"/>
           </p:cNvSpPr>
@@ -1734,13 +1733,7 @@
       </p:sp>
       <p:sp>
         <p:nvSpPr>
-          <p:cNvPr id="3" name="Notes Placeholder 2">
-            <a:extLst>
-              <a:ext uri="{FF2B5EF4-FFF2-40B4-BE49-F238E27FC236}">
-                <a16:creationId xmlns:a16="http://schemas.microsoft.com/office/drawing/2014/main" xmlns="" id="{49B1F825-7096-FF88-0574-5D221CD30F67}"/>
-              </a:ext>
-            </a:extLst>
-          </p:cNvPr>
+          <p:cNvPr id="3" name="Notes Placeholder 2"/>
           <p:cNvSpPr>
             <a:spLocks noGrp="1"/>
           </p:cNvSpPr>
@@ -1750,99 +1743,41 @@
         </p:nvSpPr>
         <p:spPr/>
         <p:txBody>
-          <a:bodyPr rtlCol="0"/>
-          <a:lstStyle/>
-          <a:p>
-            <a:pPr rtl="0"/>
-            <a:endParaRPr lang="en-GB"/>
-          </a:p>
-        </p:txBody>
-      </p:sp>
-      <p:sp>
-        <p:nvSpPr>
-          <p:cNvPr id="4" name="Slide Number Placeholder 3">
-            <a:extLst>
-              <a:ext uri="{FF2B5EF4-FFF2-40B4-BE49-F238E27FC236}">
-                <a16:creationId xmlns:a16="http://schemas.microsoft.com/office/drawing/2014/main" xmlns="" id="{835C8EC1-0ED2-5D22-C6EC-6A1DE4B654DF}"/>
-              </a:ext>
-            </a:extLst>
-          </p:cNvPr>
+          <a:bodyPr/>
+          <a:lstStyle/>
+          <a:p>
+            <a:endParaRPr lang="en-US" dirty="0"/>
+          </a:p>
+        </p:txBody>
+      </p:sp>
+      <p:sp>
+        <p:nvSpPr>
+          <p:cNvPr id="4" name="Slide Number Placeholder 3"/>
           <p:cNvSpPr>
             <a:spLocks noGrp="1"/>
           </p:cNvSpPr>
           <p:nvPr>
-            <p:ph type="sldNum" sz="quarter" idx="5"/>
+            <p:ph type="sldNum" sz="quarter" idx="10"/>
           </p:nvPr>
         </p:nvSpPr>
         <p:spPr/>
         <p:txBody>
-          <a:bodyPr rtlCol="0"/>
-          <a:lstStyle/>
-          <a:p>
-            <a:pPr marL="0" marR="0" lvl="0" indent="0" algn="r" defTabSz="914400" rtl="0" eaLnBrk="1" fontAlgn="auto" latinLnBrk="0" hangingPunct="1">
-              <a:lnSpc>
-                <a:spcPct val="100000"/>
-              </a:lnSpc>
-              <a:spcBef>
-                <a:spcPts val="0"/>
-              </a:spcBef>
-              <a:spcAft>
-                <a:spcPts val="0"/>
-              </a:spcAft>
-              <a:buClrTx/>
-              <a:buSzTx/>
-              <a:buFontTx/>
-              <a:buNone/>
-              <a:tabLst/>
-              <a:defRPr/>
-            </a:pPr>
-            <a:fld id="{C853816F-A1CF-4485-B308-1B9F14B36EAD}" type="slidenum">
-              <a:rPr kumimoji="0" lang="en-GB" sz="1200" b="0" i="0" u="none" strike="noStrike" kern="1200" cap="none" spc="0" normalizeH="0" baseline="0" noProof="0" smtClean="0">
-                <a:ln>
-                  <a:noFill/>
-                </a:ln>
+          <a:bodyPr/>
+          <a:lstStyle/>
+          <a:p>
+            <a:fld id="{29FD0DB3-546B-4F1D-861A-BFC44BF53FF8}" type="slidenum">
+              <a:rPr lang="en-US" smtClean="0">
                 <a:solidFill>
                   <a:prstClr val="black"/>
                 </a:solidFill>
-                <a:effectLst/>
-                <a:uLnTx/>
-                <a:uFillTx/>
-                <a:latin typeface="Calibri" panose="020F0502020204030204"/>
-                <a:ea typeface="+mn-ea"/>
-                <a:cs typeface="+mn-cs"/>
               </a:rPr>
-              <a:pPr marL="0" marR="0" lvl="0" indent="0" algn="r" defTabSz="914400" rtl="0" eaLnBrk="1" fontAlgn="auto" latinLnBrk="0" hangingPunct="1">
-                <a:lnSpc>
-                  <a:spcPct val="100000"/>
-                </a:lnSpc>
-                <a:spcBef>
-                  <a:spcPts val="0"/>
-                </a:spcBef>
-                <a:spcAft>
-                  <a:spcPts val="0"/>
-                </a:spcAft>
-                <a:buClrTx/>
-                <a:buSzTx/>
-                <a:buFontTx/>
-                <a:buNone/>
-                <a:tabLst/>
-                <a:defRPr/>
-              </a:pPr>
-              <a:t>20</a:t>
+              <a:pPr/>
+              <a:t>24</a:t>
             </a:fld>
-            <a:endParaRPr kumimoji="0" lang="en-GB" sz="1200" b="0" i="0" u="none" strike="noStrike" kern="1200" cap="none" spc="0" normalizeH="0" baseline="0" noProof="0">
-              <a:ln>
-                <a:noFill/>
-              </a:ln>
+            <a:endParaRPr lang="en-US">
               <a:solidFill>
                 <a:prstClr val="black"/>
               </a:solidFill>
-              <a:effectLst/>
-              <a:uLnTx/>
-              <a:uFillTx/>
-              <a:latin typeface="Calibri" panose="020F0502020204030204"/>
-              <a:ea typeface="+mn-ea"/>
-              <a:cs typeface="+mn-cs"/>
             </a:endParaRPr>
           </a:p>
         </p:txBody>
@@ -1850,7 +1785,7 @@
     </p:spTree>
     <p:extLst>
       <p:ext uri="{BB962C8B-B14F-4D97-AF65-F5344CB8AC3E}">
-        <p14:creationId xmlns:p14="http://schemas.microsoft.com/office/powerpoint/2010/main" val="617772710"/>
+        <p14:creationId xmlns:p14="http://schemas.microsoft.com/office/powerpoint/2010/main" val="1264524970"/>
       </p:ext>
     </p:extLst>
   </p:cSld>
@@ -1868,7 +1803,7 @@
         <p:cNvPr id="1" name="">
           <a:extLst>
             <a:ext uri="{FF2B5EF4-FFF2-40B4-BE49-F238E27FC236}">
-              <a16:creationId xmlns:a16="http://schemas.microsoft.com/office/drawing/2014/main" xmlns="" id="{6130A6EC-F202-E0C1-1270-425D818C12A1}"/>
+              <a16:creationId xmlns:a16="http://schemas.microsoft.com/office/drawing/2014/main" id="{6130A6EC-F202-E0C1-1270-425D818C12A1}"/>
             </a:ext>
           </a:extLst>
         </p:cNvPr>
@@ -1888,7 +1823,7 @@
           <p:cNvPr id="2" name="Slide Image Placeholder 1">
             <a:extLst>
               <a:ext uri="{FF2B5EF4-FFF2-40B4-BE49-F238E27FC236}">
-                <a16:creationId xmlns:a16="http://schemas.microsoft.com/office/drawing/2014/main" xmlns="" id="{990EE85B-6196-A0F3-1BDA-0CC73DAA0B7D}"/>
+                <a16:creationId xmlns:a16="http://schemas.microsoft.com/office/drawing/2014/main" id="{990EE85B-6196-A0F3-1BDA-0CC73DAA0B7D}"/>
               </a:ext>
             </a:extLst>
           </p:cNvPr>
@@ -1906,7 +1841,7 @@
           <p:cNvPr id="3" name="Notes Placeholder 2">
             <a:extLst>
               <a:ext uri="{FF2B5EF4-FFF2-40B4-BE49-F238E27FC236}">
-                <a16:creationId xmlns:a16="http://schemas.microsoft.com/office/drawing/2014/main" xmlns="" id="{4DB358B6-71B7-B4BA-5A79-3B61F8C65C79}"/>
+                <a16:creationId xmlns:a16="http://schemas.microsoft.com/office/drawing/2014/main" id="{4DB358B6-71B7-B4BA-5A79-3B61F8C65C79}"/>
               </a:ext>
             </a:extLst>
           </p:cNvPr>
@@ -1932,7 +1867,7 @@
           <p:cNvPr id="4" name="Slide Number Placeholder 3">
             <a:extLst>
               <a:ext uri="{FF2B5EF4-FFF2-40B4-BE49-F238E27FC236}">
-                <a16:creationId xmlns:a16="http://schemas.microsoft.com/office/drawing/2014/main" xmlns="" id="{EDB64DCC-D17D-117C-4A63-A025D6F654C7}"/>
+                <a16:creationId xmlns:a16="http://schemas.microsoft.com/office/drawing/2014/main" id="{EDB64DCC-D17D-117C-4A63-A025D6F654C7}"/>
               </a:ext>
             </a:extLst>
           </p:cNvPr>
@@ -1975,13 +1910,7 @@
   <p:cSld>
     <p:spTree>
       <p:nvGrpSpPr>
-        <p:cNvPr id="1" name="">
-          <a:extLst>
-            <a:ext uri="{FF2B5EF4-FFF2-40B4-BE49-F238E27FC236}">
-              <a16:creationId xmlns:a16="http://schemas.microsoft.com/office/drawing/2014/main" xmlns="" id="{37D2D7A4-F055-5A97-4DBD-96148EB2E2EB}"/>
-            </a:ext>
-          </a:extLst>
-        </p:cNvPr>
+        <p:cNvPr id="1" name=""/>
         <p:cNvGrpSpPr/>
         <p:nvPr/>
       </p:nvGrpSpPr>
@@ -1995,13 +1924,7 @@
       </p:grpSpPr>
       <p:sp>
         <p:nvSpPr>
-          <p:cNvPr id="2" name="Slide Image Placeholder 1">
-            <a:extLst>
-              <a:ext uri="{FF2B5EF4-FFF2-40B4-BE49-F238E27FC236}">
-                <a16:creationId xmlns:a16="http://schemas.microsoft.com/office/drawing/2014/main" xmlns="" id="{9138A976-08A5-2516-DB4C-E50AA95B9B4D}"/>
-              </a:ext>
-            </a:extLst>
-          </p:cNvPr>
+          <p:cNvPr id="2" name="Slide Image Placeholder 1"/>
           <p:cNvSpPr>
             <a:spLocks noGrp="1" noRot="1" noChangeAspect="1"/>
           </p:cNvSpPr>
@@ -2013,13 +1936,7 @@
       </p:sp>
       <p:sp>
         <p:nvSpPr>
-          <p:cNvPr id="3" name="Notes Placeholder 2">
-            <a:extLst>
-              <a:ext uri="{FF2B5EF4-FFF2-40B4-BE49-F238E27FC236}">
-                <a16:creationId xmlns:a16="http://schemas.microsoft.com/office/drawing/2014/main" xmlns="" id="{9FE1565C-EDE7-B382-4D7B-6F67E76B81B1}"/>
-              </a:ext>
-            </a:extLst>
-          </p:cNvPr>
+          <p:cNvPr id="3" name="Notes Placeholder 2"/>
           <p:cNvSpPr>
             <a:spLocks noGrp="1"/>
           </p:cNvSpPr>
@@ -2029,99 +1946,41 @@
         </p:nvSpPr>
         <p:spPr/>
         <p:txBody>
-          <a:bodyPr rtlCol="0"/>
-          <a:lstStyle/>
-          <a:p>
-            <a:pPr rtl="0"/>
-            <a:endParaRPr lang="en-GB"/>
-          </a:p>
-        </p:txBody>
-      </p:sp>
-      <p:sp>
-        <p:nvSpPr>
-          <p:cNvPr id="4" name="Slide Number Placeholder 3">
-            <a:extLst>
-              <a:ext uri="{FF2B5EF4-FFF2-40B4-BE49-F238E27FC236}">
-                <a16:creationId xmlns:a16="http://schemas.microsoft.com/office/drawing/2014/main" xmlns="" id="{04FF26C2-6926-1CF2-92AE-531F49E3D004}"/>
-              </a:ext>
-            </a:extLst>
-          </p:cNvPr>
+          <a:bodyPr/>
+          <a:lstStyle/>
+          <a:p>
+            <a:endParaRPr lang="en-US" dirty="0"/>
+          </a:p>
+        </p:txBody>
+      </p:sp>
+      <p:sp>
+        <p:nvSpPr>
+          <p:cNvPr id="4" name="Slide Number Placeholder 3"/>
           <p:cNvSpPr>
             <a:spLocks noGrp="1"/>
           </p:cNvSpPr>
           <p:nvPr>
-            <p:ph type="sldNum" sz="quarter" idx="5"/>
+            <p:ph type="sldNum" sz="quarter" idx="10"/>
           </p:nvPr>
         </p:nvSpPr>
         <p:spPr/>
         <p:txBody>
-          <a:bodyPr rtlCol="0"/>
-          <a:lstStyle/>
-          <a:p>
-            <a:pPr marL="0" marR="0" lvl="0" indent="0" algn="r" defTabSz="914400" rtl="0" eaLnBrk="1" fontAlgn="auto" latinLnBrk="0" hangingPunct="1">
-              <a:lnSpc>
-                <a:spcPct val="100000"/>
-              </a:lnSpc>
-              <a:spcBef>
-                <a:spcPts val="0"/>
-              </a:spcBef>
-              <a:spcAft>
-                <a:spcPts val="0"/>
-              </a:spcAft>
-              <a:buClrTx/>
-              <a:buSzTx/>
-              <a:buFontTx/>
-              <a:buNone/>
-              <a:tabLst/>
-              <a:defRPr/>
-            </a:pPr>
-            <a:fld id="{C853816F-A1CF-4485-B308-1B9F14B36EAD}" type="slidenum">
-              <a:rPr kumimoji="0" lang="en-GB" sz="1200" b="0" i="0" u="none" strike="noStrike" kern="1200" cap="none" spc="0" normalizeH="0" baseline="0" noProof="0" smtClean="0">
-                <a:ln>
-                  <a:noFill/>
-                </a:ln>
+          <a:bodyPr/>
+          <a:lstStyle/>
+          <a:p>
+            <a:fld id="{29FD0DB3-546B-4F1D-861A-BFC44BF53FF8}" type="slidenum">
+              <a:rPr lang="en-US" smtClean="0">
                 <a:solidFill>
                   <a:prstClr val="black"/>
                 </a:solidFill>
-                <a:effectLst/>
-                <a:uLnTx/>
-                <a:uFillTx/>
-                <a:latin typeface="Calibri" panose="020F0502020204030204"/>
-                <a:ea typeface="+mn-ea"/>
-                <a:cs typeface="+mn-cs"/>
               </a:rPr>
-              <a:pPr marL="0" marR="0" lvl="0" indent="0" algn="r" defTabSz="914400" rtl="0" eaLnBrk="1" fontAlgn="auto" latinLnBrk="0" hangingPunct="1">
-                <a:lnSpc>
-                  <a:spcPct val="100000"/>
-                </a:lnSpc>
-                <a:spcBef>
-                  <a:spcPts val="0"/>
-                </a:spcBef>
-                <a:spcAft>
-                  <a:spcPts val="0"/>
-                </a:spcAft>
-                <a:buClrTx/>
-                <a:buSzTx/>
-                <a:buFontTx/>
-                <a:buNone/>
-                <a:tabLst/>
-                <a:defRPr/>
-              </a:pPr>
-              <a:t>21</a:t>
+              <a:pPr/>
+              <a:t>25</a:t>
             </a:fld>
-            <a:endParaRPr kumimoji="0" lang="en-GB" sz="1200" b="0" i="0" u="none" strike="noStrike" kern="1200" cap="none" spc="0" normalizeH="0" baseline="0" noProof="0">
-              <a:ln>
-                <a:noFill/>
-              </a:ln>
+            <a:endParaRPr lang="en-US">
               <a:solidFill>
                 <a:prstClr val="black"/>
               </a:solidFill>
-              <a:effectLst/>
-              <a:uLnTx/>
-              <a:uFillTx/>
-              <a:latin typeface="Calibri" panose="020F0502020204030204"/>
-              <a:ea typeface="+mn-ea"/>
-              <a:cs typeface="+mn-cs"/>
             </a:endParaRPr>
           </a:p>
         </p:txBody>
@@ -2129,7 +1988,7 @@
     </p:spTree>
     <p:extLst>
       <p:ext uri="{BB962C8B-B14F-4D97-AF65-F5344CB8AC3E}">
-        <p14:creationId xmlns:p14="http://schemas.microsoft.com/office/powerpoint/2010/main" val="4142257378"/>
+        <p14:creationId xmlns:p14="http://schemas.microsoft.com/office/powerpoint/2010/main" val="1810105272"/>
       </p:ext>
     </p:extLst>
   </p:cSld>
@@ -2147,7 +2006,7 @@
         <p:cNvPr id="1" name="">
           <a:extLst>
             <a:ext uri="{FF2B5EF4-FFF2-40B4-BE49-F238E27FC236}">
-              <a16:creationId xmlns:a16="http://schemas.microsoft.com/office/drawing/2014/main" xmlns="" id="{C841FAC6-26A0-26A6-84E6-72154B0D95A2}"/>
+              <a16:creationId xmlns:a16="http://schemas.microsoft.com/office/drawing/2014/main" id="{25F51C94-1ACB-E015-3E1C-E6EECB75697D}"/>
             </a:ext>
           </a:extLst>
         </p:cNvPr>
@@ -2167,7 +2026,7 @@
           <p:cNvPr id="2" name="Slide Image Placeholder 1">
             <a:extLst>
               <a:ext uri="{FF2B5EF4-FFF2-40B4-BE49-F238E27FC236}">
-                <a16:creationId xmlns:a16="http://schemas.microsoft.com/office/drawing/2014/main" xmlns="" id="{D537320D-AF27-8D93-4621-A4451FACCEC1}"/>
+                <a16:creationId xmlns:a16="http://schemas.microsoft.com/office/drawing/2014/main" id="{997092AA-7804-DF65-6CC2-DDB1155B8C21}"/>
               </a:ext>
             </a:extLst>
           </p:cNvPr>
@@ -2185,7 +2044,7 @@
           <p:cNvPr id="3" name="Notes Placeholder 2">
             <a:extLst>
               <a:ext uri="{FF2B5EF4-FFF2-40B4-BE49-F238E27FC236}">
-                <a16:creationId xmlns:a16="http://schemas.microsoft.com/office/drawing/2014/main" xmlns="" id="{29531299-43EC-4003-D70B-3BFF743666DE}"/>
+                <a16:creationId xmlns:a16="http://schemas.microsoft.com/office/drawing/2014/main" id="{C3074BE1-127B-F56C-FC6A-6FBD72386C90}"/>
               </a:ext>
             </a:extLst>
           </p:cNvPr>
@@ -2211,7 +2070,7 @@
           <p:cNvPr id="4" name="Slide Number Placeholder 3">
             <a:extLst>
               <a:ext uri="{FF2B5EF4-FFF2-40B4-BE49-F238E27FC236}">
-                <a16:creationId xmlns:a16="http://schemas.microsoft.com/office/drawing/2014/main" xmlns="" id="{669D48CA-FB16-ADFD-90AE-737234A4C101}"/>
+                <a16:creationId xmlns:a16="http://schemas.microsoft.com/office/drawing/2014/main" id="{E4EF183E-F470-DB93-E406-4602669800C4}"/>
               </a:ext>
             </a:extLst>
           </p:cNvPr>
@@ -2227,78 +2086,19 @@
           <a:bodyPr rtlCol="0"/>
           <a:lstStyle/>
           <a:p>
-            <a:pPr marL="0" marR="0" lvl="0" indent="0" algn="r" defTabSz="914400" rtl="0" eaLnBrk="1" fontAlgn="auto" latinLnBrk="0" hangingPunct="1">
-              <a:lnSpc>
-                <a:spcPct val="100000"/>
-              </a:lnSpc>
-              <a:spcBef>
-                <a:spcPts val="0"/>
-              </a:spcBef>
-              <a:spcAft>
-                <a:spcPts val="0"/>
-              </a:spcAft>
-              <a:buClrTx/>
-              <a:buSzTx/>
-              <a:buFontTx/>
-              <a:buNone/>
-              <a:tabLst/>
-              <a:defRPr/>
-            </a:pPr>
+            <a:pPr rtl="0"/>
             <a:fld id="{C853816F-A1CF-4485-B308-1B9F14B36EAD}" type="slidenum">
-              <a:rPr kumimoji="0" lang="en-GB" sz="1200" b="0" i="0" u="none" strike="noStrike" kern="1200" cap="none" spc="0" normalizeH="0" baseline="0" noProof="0" smtClean="0">
-                <a:ln>
-                  <a:noFill/>
-                </a:ln>
-                <a:solidFill>
-                  <a:prstClr val="black"/>
-                </a:solidFill>
-                <a:effectLst/>
-                <a:uLnTx/>
-                <a:uFillTx/>
-                <a:latin typeface="Calibri" panose="020F0502020204030204"/>
-                <a:ea typeface="+mn-ea"/>
-                <a:cs typeface="+mn-cs"/>
-              </a:rPr>
-              <a:pPr marL="0" marR="0" lvl="0" indent="0" algn="r" defTabSz="914400" rtl="0" eaLnBrk="1" fontAlgn="auto" latinLnBrk="0" hangingPunct="1">
-                <a:lnSpc>
-                  <a:spcPct val="100000"/>
-                </a:lnSpc>
-                <a:spcBef>
-                  <a:spcPts val="0"/>
-                </a:spcBef>
-                <a:spcAft>
-                  <a:spcPts val="0"/>
-                </a:spcAft>
-                <a:buClrTx/>
-                <a:buSzTx/>
-                <a:buFontTx/>
-                <a:buNone/>
-                <a:tabLst/>
-                <a:defRPr/>
-              </a:pPr>
-              <a:t>22</a:t>
+              <a:rPr lang="en-GB" smtClean="0"/>
+              <a:t>26</a:t>
             </a:fld>
-            <a:endParaRPr kumimoji="0" lang="en-GB" sz="1200" b="0" i="0" u="none" strike="noStrike" kern="1200" cap="none" spc="0" normalizeH="0" baseline="0" noProof="0">
-              <a:ln>
-                <a:noFill/>
-              </a:ln>
-              <a:solidFill>
-                <a:prstClr val="black"/>
-              </a:solidFill>
-              <a:effectLst/>
-              <a:uLnTx/>
-              <a:uFillTx/>
-              <a:latin typeface="Calibri" panose="020F0502020204030204"/>
-              <a:ea typeface="+mn-ea"/>
-              <a:cs typeface="+mn-cs"/>
-            </a:endParaRPr>
+            <a:endParaRPr lang="en-GB"/>
           </a:p>
         </p:txBody>
       </p:sp>
     </p:spTree>
     <p:extLst>
       <p:ext uri="{BB962C8B-B14F-4D97-AF65-F5344CB8AC3E}">
-        <p14:creationId xmlns:p14="http://schemas.microsoft.com/office/powerpoint/2010/main" val="19052226"/>
+        <p14:creationId xmlns:p14="http://schemas.microsoft.com/office/powerpoint/2010/main" val="320726064"/>
       </p:ext>
     </p:extLst>
   </p:cSld>
@@ -2316,7 +2116,7 @@
         <p:cNvPr id="1" name="">
           <a:extLst>
             <a:ext uri="{FF2B5EF4-FFF2-40B4-BE49-F238E27FC236}">
-              <a16:creationId xmlns:a16="http://schemas.microsoft.com/office/drawing/2014/main" xmlns="" id="{B341EE8D-039A-28B3-33B1-4B67688615D2}"/>
+              <a16:creationId xmlns:a16="http://schemas.microsoft.com/office/drawing/2014/main" id="{C611ABB8-39F5-70AD-CCA1-C55758BCC92A}"/>
             </a:ext>
           </a:extLst>
         </p:cNvPr>
@@ -2336,7 +2136,7 @@
           <p:cNvPr id="2" name="Slide Image Placeholder 1">
             <a:extLst>
               <a:ext uri="{FF2B5EF4-FFF2-40B4-BE49-F238E27FC236}">
-                <a16:creationId xmlns:a16="http://schemas.microsoft.com/office/drawing/2014/main" xmlns="" id="{7B553295-B5F7-ABA2-E587-DEEA211CB226}"/>
+                <a16:creationId xmlns:a16="http://schemas.microsoft.com/office/drawing/2014/main" id="{0E8FC7A1-0730-76A5-69F7-2DE5A7274E3E}"/>
               </a:ext>
             </a:extLst>
           </p:cNvPr>
@@ -2354,7 +2154,7 @@
           <p:cNvPr id="3" name="Notes Placeholder 2">
             <a:extLst>
               <a:ext uri="{FF2B5EF4-FFF2-40B4-BE49-F238E27FC236}">
-                <a16:creationId xmlns:a16="http://schemas.microsoft.com/office/drawing/2014/main" xmlns="" id="{FA3293B6-7794-57AE-82CF-B9B57038BBE7}"/>
+                <a16:creationId xmlns:a16="http://schemas.microsoft.com/office/drawing/2014/main" id="{49B1F825-7096-FF88-0574-5D221CD30F67}"/>
               </a:ext>
             </a:extLst>
           </p:cNvPr>
@@ -2380,683 +2180,7 @@
           <p:cNvPr id="4" name="Slide Number Placeholder 3">
             <a:extLst>
               <a:ext uri="{FF2B5EF4-FFF2-40B4-BE49-F238E27FC236}">
-                <a16:creationId xmlns:a16="http://schemas.microsoft.com/office/drawing/2014/main" xmlns="" id="{14532B64-2F3D-C66C-CC97-D56CF2B24693}"/>
-              </a:ext>
-            </a:extLst>
-          </p:cNvPr>
-          <p:cNvSpPr>
-            <a:spLocks noGrp="1"/>
-          </p:cNvSpPr>
-          <p:nvPr>
-            <p:ph type="sldNum" sz="quarter" idx="5"/>
-          </p:nvPr>
-        </p:nvSpPr>
-        <p:spPr/>
-        <p:txBody>
-          <a:bodyPr rtlCol="0"/>
-          <a:lstStyle/>
-          <a:p>
-            <a:pPr marL="0" marR="0" lvl="0" indent="0" algn="r" defTabSz="914400" rtl="0" eaLnBrk="1" fontAlgn="auto" latinLnBrk="0" hangingPunct="1">
-              <a:lnSpc>
-                <a:spcPct val="100000"/>
-              </a:lnSpc>
-              <a:spcBef>
-                <a:spcPts val="0"/>
-              </a:spcBef>
-              <a:spcAft>
-                <a:spcPts val="0"/>
-              </a:spcAft>
-              <a:buClrTx/>
-              <a:buSzTx/>
-              <a:buFontTx/>
-              <a:buNone/>
-              <a:tabLst/>
-              <a:defRPr/>
-            </a:pPr>
-            <a:fld id="{C853816F-A1CF-4485-B308-1B9F14B36EAD}" type="slidenum">
-              <a:rPr kumimoji="0" lang="en-GB" sz="1200" b="0" i="0" u="none" strike="noStrike" kern="1200" cap="none" spc="0" normalizeH="0" baseline="0" noProof="0" smtClean="0">
-                <a:ln>
-                  <a:noFill/>
-                </a:ln>
-                <a:solidFill>
-                  <a:prstClr val="black"/>
-                </a:solidFill>
-                <a:effectLst/>
-                <a:uLnTx/>
-                <a:uFillTx/>
-                <a:latin typeface="Calibri" panose="020F0502020204030204"/>
-                <a:ea typeface="+mn-ea"/>
-                <a:cs typeface="+mn-cs"/>
-              </a:rPr>
-              <a:pPr marL="0" marR="0" lvl="0" indent="0" algn="r" defTabSz="914400" rtl="0" eaLnBrk="1" fontAlgn="auto" latinLnBrk="0" hangingPunct="1">
-                <a:lnSpc>
-                  <a:spcPct val="100000"/>
-                </a:lnSpc>
-                <a:spcBef>
-                  <a:spcPts val="0"/>
-                </a:spcBef>
-                <a:spcAft>
-                  <a:spcPts val="0"/>
-                </a:spcAft>
-                <a:buClrTx/>
-                <a:buSzTx/>
-                <a:buFontTx/>
-                <a:buNone/>
-                <a:tabLst/>
-                <a:defRPr/>
-              </a:pPr>
-              <a:t>23</a:t>
-            </a:fld>
-            <a:endParaRPr kumimoji="0" lang="en-GB" sz="1200" b="0" i="0" u="none" strike="noStrike" kern="1200" cap="none" spc="0" normalizeH="0" baseline="0" noProof="0">
-              <a:ln>
-                <a:noFill/>
-              </a:ln>
-              <a:solidFill>
-                <a:prstClr val="black"/>
-              </a:solidFill>
-              <a:effectLst/>
-              <a:uLnTx/>
-              <a:uFillTx/>
-              <a:latin typeface="Calibri" panose="020F0502020204030204"/>
-              <a:ea typeface="+mn-ea"/>
-              <a:cs typeface="+mn-cs"/>
-            </a:endParaRPr>
-          </a:p>
-        </p:txBody>
-      </p:sp>
-    </p:spTree>
-    <p:extLst>
-      <p:ext uri="{BB962C8B-B14F-4D97-AF65-F5344CB8AC3E}">
-        <p14:creationId xmlns:p14="http://schemas.microsoft.com/office/powerpoint/2010/main" val="1023949169"/>
-      </p:ext>
-    </p:extLst>
-  </p:cSld>
-  <p:clrMapOvr>
-    <a:masterClrMapping/>
-  </p:clrMapOvr>
-</p:notes>
-</file>
-
-<file path=ppt/notesSlides/notesSlide23.xml><?xml version="1.0" encoding="utf-8"?>
-<p:notes xmlns:a="http://schemas.openxmlformats.org/drawingml/2006/main" xmlns:r="http://schemas.openxmlformats.org/officeDocument/2006/relationships" xmlns:p="http://schemas.openxmlformats.org/presentationml/2006/main">
-  <p:cSld>
-    <p:spTree>
-      <p:nvGrpSpPr>
-        <p:cNvPr id="1" name="">
-          <a:extLst>
-            <a:ext uri="{FF2B5EF4-FFF2-40B4-BE49-F238E27FC236}">
-              <a16:creationId xmlns:a16="http://schemas.microsoft.com/office/drawing/2014/main" xmlns="" id="{BA1095EE-A5D1-0D56-D4E8-E10CA3E81861}"/>
-            </a:ext>
-          </a:extLst>
-        </p:cNvPr>
-        <p:cNvGrpSpPr/>
-        <p:nvPr/>
-      </p:nvGrpSpPr>
-      <p:grpSpPr>
-        <a:xfrm>
-          <a:off x="0" y="0"/>
-          <a:ext cx="0" cy="0"/>
-          <a:chOff x="0" y="0"/>
-          <a:chExt cx="0" cy="0"/>
-        </a:xfrm>
-      </p:grpSpPr>
-      <p:sp>
-        <p:nvSpPr>
-          <p:cNvPr id="2" name="Slide Image Placeholder 1">
-            <a:extLst>
-              <a:ext uri="{FF2B5EF4-FFF2-40B4-BE49-F238E27FC236}">
-                <a16:creationId xmlns:a16="http://schemas.microsoft.com/office/drawing/2014/main" xmlns="" id="{22DD21C5-9C2C-3517-7E7A-C7BC7FCF2A7E}"/>
-              </a:ext>
-            </a:extLst>
-          </p:cNvPr>
-          <p:cNvSpPr>
-            <a:spLocks noGrp="1" noRot="1" noChangeAspect="1"/>
-          </p:cNvSpPr>
-          <p:nvPr>
-            <p:ph type="sldImg"/>
-          </p:nvPr>
-        </p:nvSpPr>
-        <p:spPr/>
-      </p:sp>
-      <p:sp>
-        <p:nvSpPr>
-          <p:cNvPr id="3" name="Notes Placeholder 2">
-            <a:extLst>
-              <a:ext uri="{FF2B5EF4-FFF2-40B4-BE49-F238E27FC236}">
-                <a16:creationId xmlns:a16="http://schemas.microsoft.com/office/drawing/2014/main" xmlns="" id="{A8A69BE1-33FB-917C-00B9-9E2E3A4C1C28}"/>
-              </a:ext>
-            </a:extLst>
-          </p:cNvPr>
-          <p:cNvSpPr>
-            <a:spLocks noGrp="1"/>
-          </p:cNvSpPr>
-          <p:nvPr>
-            <p:ph type="body" idx="1"/>
-          </p:nvPr>
-        </p:nvSpPr>
-        <p:spPr/>
-        <p:txBody>
-          <a:bodyPr rtlCol="0"/>
-          <a:lstStyle/>
-          <a:p>
-            <a:pPr rtl="0"/>
-            <a:endParaRPr lang="en-GB"/>
-          </a:p>
-        </p:txBody>
-      </p:sp>
-      <p:sp>
-        <p:nvSpPr>
-          <p:cNvPr id="4" name="Slide Number Placeholder 3">
-            <a:extLst>
-              <a:ext uri="{FF2B5EF4-FFF2-40B4-BE49-F238E27FC236}">
-                <a16:creationId xmlns:a16="http://schemas.microsoft.com/office/drawing/2014/main" xmlns="" id="{1B2DDD41-299D-AD31-DDEF-85BAA4343DC7}"/>
-              </a:ext>
-            </a:extLst>
-          </p:cNvPr>
-          <p:cNvSpPr>
-            <a:spLocks noGrp="1"/>
-          </p:cNvSpPr>
-          <p:nvPr>
-            <p:ph type="sldNum" sz="quarter" idx="5"/>
-          </p:nvPr>
-        </p:nvSpPr>
-        <p:spPr/>
-        <p:txBody>
-          <a:bodyPr rtlCol="0"/>
-          <a:lstStyle/>
-          <a:p>
-            <a:pPr marL="0" marR="0" lvl="0" indent="0" algn="r" defTabSz="914400" rtl="0" eaLnBrk="1" fontAlgn="auto" latinLnBrk="0" hangingPunct="1">
-              <a:lnSpc>
-                <a:spcPct val="100000"/>
-              </a:lnSpc>
-              <a:spcBef>
-                <a:spcPts val="0"/>
-              </a:spcBef>
-              <a:spcAft>
-                <a:spcPts val="0"/>
-              </a:spcAft>
-              <a:buClrTx/>
-              <a:buSzTx/>
-              <a:buFontTx/>
-              <a:buNone/>
-              <a:tabLst/>
-              <a:defRPr/>
-            </a:pPr>
-            <a:fld id="{C853816F-A1CF-4485-B308-1B9F14B36EAD}" type="slidenum">
-              <a:rPr kumimoji="0" lang="en-GB" sz="1200" b="0" i="0" u="none" strike="noStrike" kern="1200" cap="none" spc="0" normalizeH="0" baseline="0" noProof="0" smtClean="0">
-                <a:ln>
-                  <a:noFill/>
-                </a:ln>
-                <a:solidFill>
-                  <a:prstClr val="black"/>
-                </a:solidFill>
-                <a:effectLst/>
-                <a:uLnTx/>
-                <a:uFillTx/>
-                <a:latin typeface="Calibri" panose="020F0502020204030204"/>
-                <a:ea typeface="+mn-ea"/>
-                <a:cs typeface="+mn-cs"/>
-              </a:rPr>
-              <a:pPr marL="0" marR="0" lvl="0" indent="0" algn="r" defTabSz="914400" rtl="0" eaLnBrk="1" fontAlgn="auto" latinLnBrk="0" hangingPunct="1">
-                <a:lnSpc>
-                  <a:spcPct val="100000"/>
-                </a:lnSpc>
-                <a:spcBef>
-                  <a:spcPts val="0"/>
-                </a:spcBef>
-                <a:spcAft>
-                  <a:spcPts val="0"/>
-                </a:spcAft>
-                <a:buClrTx/>
-                <a:buSzTx/>
-                <a:buFontTx/>
-                <a:buNone/>
-                <a:tabLst/>
-                <a:defRPr/>
-              </a:pPr>
-              <a:t>24</a:t>
-            </a:fld>
-            <a:endParaRPr kumimoji="0" lang="en-GB" sz="1200" b="0" i="0" u="none" strike="noStrike" kern="1200" cap="none" spc="0" normalizeH="0" baseline="0" noProof="0">
-              <a:ln>
-                <a:noFill/>
-              </a:ln>
-              <a:solidFill>
-                <a:prstClr val="black"/>
-              </a:solidFill>
-              <a:effectLst/>
-              <a:uLnTx/>
-              <a:uFillTx/>
-              <a:latin typeface="Calibri" panose="020F0502020204030204"/>
-              <a:ea typeface="+mn-ea"/>
-              <a:cs typeface="+mn-cs"/>
-            </a:endParaRPr>
-          </a:p>
-        </p:txBody>
-      </p:sp>
-    </p:spTree>
-    <p:extLst>
-      <p:ext uri="{BB962C8B-B14F-4D97-AF65-F5344CB8AC3E}">
-        <p14:creationId xmlns:p14="http://schemas.microsoft.com/office/powerpoint/2010/main" val="2195399933"/>
-      </p:ext>
-    </p:extLst>
-  </p:cSld>
-  <p:clrMapOvr>
-    <a:masterClrMapping/>
-  </p:clrMapOvr>
-</p:notes>
-</file>
-
-<file path=ppt/notesSlides/notesSlide24.xml><?xml version="1.0" encoding="utf-8"?>
-<p:notes xmlns:a="http://schemas.openxmlformats.org/drawingml/2006/main" xmlns:r="http://schemas.openxmlformats.org/officeDocument/2006/relationships" xmlns:p="http://schemas.openxmlformats.org/presentationml/2006/main">
-  <p:cSld>
-    <p:spTree>
-      <p:nvGrpSpPr>
-        <p:cNvPr id="1" name="">
-          <a:extLst>
-            <a:ext uri="{FF2B5EF4-FFF2-40B4-BE49-F238E27FC236}">
-              <a16:creationId xmlns:a16="http://schemas.microsoft.com/office/drawing/2014/main" xmlns="" id="{F1AF6BE7-1A30-E41D-D9DB-78A3D5FB1558}"/>
-            </a:ext>
-          </a:extLst>
-        </p:cNvPr>
-        <p:cNvGrpSpPr/>
-        <p:nvPr/>
-      </p:nvGrpSpPr>
-      <p:grpSpPr>
-        <a:xfrm>
-          <a:off x="0" y="0"/>
-          <a:ext cx="0" cy="0"/>
-          <a:chOff x="0" y="0"/>
-          <a:chExt cx="0" cy="0"/>
-        </a:xfrm>
-      </p:grpSpPr>
-      <p:sp>
-        <p:nvSpPr>
-          <p:cNvPr id="2" name="Slide Image Placeholder 1">
-            <a:extLst>
-              <a:ext uri="{FF2B5EF4-FFF2-40B4-BE49-F238E27FC236}">
-                <a16:creationId xmlns:a16="http://schemas.microsoft.com/office/drawing/2014/main" xmlns="" id="{602F37D6-B9FD-2BB8-56F0-D0C5D3F408DF}"/>
-              </a:ext>
-            </a:extLst>
-          </p:cNvPr>
-          <p:cNvSpPr>
-            <a:spLocks noGrp="1" noRot="1" noChangeAspect="1"/>
-          </p:cNvSpPr>
-          <p:nvPr>
-            <p:ph type="sldImg"/>
-          </p:nvPr>
-        </p:nvSpPr>
-        <p:spPr/>
-      </p:sp>
-      <p:sp>
-        <p:nvSpPr>
-          <p:cNvPr id="3" name="Notes Placeholder 2">
-            <a:extLst>
-              <a:ext uri="{FF2B5EF4-FFF2-40B4-BE49-F238E27FC236}">
-                <a16:creationId xmlns:a16="http://schemas.microsoft.com/office/drawing/2014/main" xmlns="" id="{BD660033-1DF9-044A-E3E8-E811731E5012}"/>
-              </a:ext>
-            </a:extLst>
-          </p:cNvPr>
-          <p:cNvSpPr>
-            <a:spLocks noGrp="1"/>
-          </p:cNvSpPr>
-          <p:nvPr>
-            <p:ph type="body" idx="1"/>
-          </p:nvPr>
-        </p:nvSpPr>
-        <p:spPr/>
-        <p:txBody>
-          <a:bodyPr rtlCol="0"/>
-          <a:lstStyle/>
-          <a:p>
-            <a:pPr rtl="0"/>
-            <a:endParaRPr lang="en-GB"/>
-          </a:p>
-        </p:txBody>
-      </p:sp>
-      <p:sp>
-        <p:nvSpPr>
-          <p:cNvPr id="4" name="Slide Number Placeholder 3">
-            <a:extLst>
-              <a:ext uri="{FF2B5EF4-FFF2-40B4-BE49-F238E27FC236}">
-                <a16:creationId xmlns:a16="http://schemas.microsoft.com/office/drawing/2014/main" xmlns="" id="{5B0A9EE4-6B2F-BBF8-DF5D-16CA959C56FF}"/>
-              </a:ext>
-            </a:extLst>
-          </p:cNvPr>
-          <p:cNvSpPr>
-            <a:spLocks noGrp="1"/>
-          </p:cNvSpPr>
-          <p:nvPr>
-            <p:ph type="sldNum" sz="quarter" idx="5"/>
-          </p:nvPr>
-        </p:nvSpPr>
-        <p:spPr/>
-        <p:txBody>
-          <a:bodyPr rtlCol="0"/>
-          <a:lstStyle/>
-          <a:p>
-            <a:pPr marL="0" marR="0" lvl="0" indent="0" algn="r" defTabSz="914400" rtl="0" eaLnBrk="1" fontAlgn="auto" latinLnBrk="0" hangingPunct="1">
-              <a:lnSpc>
-                <a:spcPct val="100000"/>
-              </a:lnSpc>
-              <a:spcBef>
-                <a:spcPts val="0"/>
-              </a:spcBef>
-              <a:spcAft>
-                <a:spcPts val="0"/>
-              </a:spcAft>
-              <a:buClrTx/>
-              <a:buSzTx/>
-              <a:buFontTx/>
-              <a:buNone/>
-              <a:tabLst/>
-              <a:defRPr/>
-            </a:pPr>
-            <a:fld id="{C853816F-A1CF-4485-B308-1B9F14B36EAD}" type="slidenum">
-              <a:rPr kumimoji="0" lang="en-GB" sz="1200" b="0" i="0" u="none" strike="noStrike" kern="1200" cap="none" spc="0" normalizeH="0" baseline="0" noProof="0" smtClean="0">
-                <a:ln>
-                  <a:noFill/>
-                </a:ln>
-                <a:solidFill>
-                  <a:prstClr val="black"/>
-                </a:solidFill>
-                <a:effectLst/>
-                <a:uLnTx/>
-                <a:uFillTx/>
-                <a:latin typeface="Calibri" panose="020F0502020204030204"/>
-                <a:ea typeface="+mn-ea"/>
-                <a:cs typeface="+mn-cs"/>
-              </a:rPr>
-              <a:pPr marL="0" marR="0" lvl="0" indent="0" algn="r" defTabSz="914400" rtl="0" eaLnBrk="1" fontAlgn="auto" latinLnBrk="0" hangingPunct="1">
-                <a:lnSpc>
-                  <a:spcPct val="100000"/>
-                </a:lnSpc>
-                <a:spcBef>
-                  <a:spcPts val="0"/>
-                </a:spcBef>
-                <a:spcAft>
-                  <a:spcPts val="0"/>
-                </a:spcAft>
-                <a:buClrTx/>
-                <a:buSzTx/>
-                <a:buFontTx/>
-                <a:buNone/>
-                <a:tabLst/>
-                <a:defRPr/>
-              </a:pPr>
-              <a:t>25</a:t>
-            </a:fld>
-            <a:endParaRPr kumimoji="0" lang="en-GB" sz="1200" b="0" i="0" u="none" strike="noStrike" kern="1200" cap="none" spc="0" normalizeH="0" baseline="0" noProof="0">
-              <a:ln>
-                <a:noFill/>
-              </a:ln>
-              <a:solidFill>
-                <a:prstClr val="black"/>
-              </a:solidFill>
-              <a:effectLst/>
-              <a:uLnTx/>
-              <a:uFillTx/>
-              <a:latin typeface="Calibri" panose="020F0502020204030204"/>
-              <a:ea typeface="+mn-ea"/>
-              <a:cs typeface="+mn-cs"/>
-            </a:endParaRPr>
-          </a:p>
-        </p:txBody>
-      </p:sp>
-    </p:spTree>
-    <p:extLst>
-      <p:ext uri="{BB962C8B-B14F-4D97-AF65-F5344CB8AC3E}">
-        <p14:creationId xmlns:p14="http://schemas.microsoft.com/office/powerpoint/2010/main" val="3677103183"/>
-      </p:ext>
-    </p:extLst>
-  </p:cSld>
-  <p:clrMapOvr>
-    <a:masterClrMapping/>
-  </p:clrMapOvr>
-</p:notes>
-</file>
-
-<file path=ppt/notesSlides/notesSlide25.xml><?xml version="1.0" encoding="utf-8"?>
-<p:notes xmlns:a="http://schemas.openxmlformats.org/drawingml/2006/main" xmlns:r="http://schemas.openxmlformats.org/officeDocument/2006/relationships" xmlns:p="http://schemas.openxmlformats.org/presentationml/2006/main">
-  <p:cSld>
-    <p:spTree>
-      <p:nvGrpSpPr>
-        <p:cNvPr id="1" name="">
-          <a:extLst>
-            <a:ext uri="{FF2B5EF4-FFF2-40B4-BE49-F238E27FC236}">
-              <a16:creationId xmlns:a16="http://schemas.microsoft.com/office/drawing/2014/main" xmlns="" id="{3AE43C97-FFDA-14CD-E203-676DAB023245}"/>
-            </a:ext>
-          </a:extLst>
-        </p:cNvPr>
-        <p:cNvGrpSpPr/>
-        <p:nvPr/>
-      </p:nvGrpSpPr>
-      <p:grpSpPr>
-        <a:xfrm>
-          <a:off x="0" y="0"/>
-          <a:ext cx="0" cy="0"/>
-          <a:chOff x="0" y="0"/>
-          <a:chExt cx="0" cy="0"/>
-        </a:xfrm>
-      </p:grpSpPr>
-      <p:sp>
-        <p:nvSpPr>
-          <p:cNvPr id="2" name="Slide Image Placeholder 1">
-            <a:extLst>
-              <a:ext uri="{FF2B5EF4-FFF2-40B4-BE49-F238E27FC236}">
-                <a16:creationId xmlns:a16="http://schemas.microsoft.com/office/drawing/2014/main" xmlns="" id="{C2DC729F-83C6-58A1-A2E9-F10B9B08C381}"/>
-              </a:ext>
-            </a:extLst>
-          </p:cNvPr>
-          <p:cNvSpPr>
-            <a:spLocks noGrp="1" noRot="1" noChangeAspect="1"/>
-          </p:cNvSpPr>
-          <p:nvPr>
-            <p:ph type="sldImg"/>
-          </p:nvPr>
-        </p:nvSpPr>
-        <p:spPr/>
-      </p:sp>
-      <p:sp>
-        <p:nvSpPr>
-          <p:cNvPr id="3" name="Notes Placeholder 2">
-            <a:extLst>
-              <a:ext uri="{FF2B5EF4-FFF2-40B4-BE49-F238E27FC236}">
-                <a16:creationId xmlns:a16="http://schemas.microsoft.com/office/drawing/2014/main" xmlns="" id="{369B6248-477C-F24C-3B20-63D12AEE744A}"/>
-              </a:ext>
-            </a:extLst>
-          </p:cNvPr>
-          <p:cNvSpPr>
-            <a:spLocks noGrp="1"/>
-          </p:cNvSpPr>
-          <p:nvPr>
-            <p:ph type="body" idx="1"/>
-          </p:nvPr>
-        </p:nvSpPr>
-        <p:spPr/>
-        <p:txBody>
-          <a:bodyPr rtlCol="0"/>
-          <a:lstStyle/>
-          <a:p>
-            <a:pPr rtl="0"/>
-            <a:endParaRPr lang="en-GB"/>
-          </a:p>
-        </p:txBody>
-      </p:sp>
-      <p:sp>
-        <p:nvSpPr>
-          <p:cNvPr id="4" name="Slide Number Placeholder 3">
-            <a:extLst>
-              <a:ext uri="{FF2B5EF4-FFF2-40B4-BE49-F238E27FC236}">
-                <a16:creationId xmlns:a16="http://schemas.microsoft.com/office/drawing/2014/main" xmlns="" id="{8E3F9C0B-FDA8-BB18-67A2-0B7006D82597}"/>
-              </a:ext>
-            </a:extLst>
-          </p:cNvPr>
-          <p:cNvSpPr>
-            <a:spLocks noGrp="1"/>
-          </p:cNvSpPr>
-          <p:nvPr>
-            <p:ph type="sldNum" sz="quarter" idx="5"/>
-          </p:nvPr>
-        </p:nvSpPr>
-        <p:spPr/>
-        <p:txBody>
-          <a:bodyPr rtlCol="0"/>
-          <a:lstStyle/>
-          <a:p>
-            <a:pPr marL="0" marR="0" lvl="0" indent="0" algn="r" defTabSz="914400" rtl="0" eaLnBrk="1" fontAlgn="auto" latinLnBrk="0" hangingPunct="1">
-              <a:lnSpc>
-                <a:spcPct val="100000"/>
-              </a:lnSpc>
-              <a:spcBef>
-                <a:spcPts val="0"/>
-              </a:spcBef>
-              <a:spcAft>
-                <a:spcPts val="0"/>
-              </a:spcAft>
-              <a:buClrTx/>
-              <a:buSzTx/>
-              <a:buFontTx/>
-              <a:buNone/>
-              <a:tabLst/>
-              <a:defRPr/>
-            </a:pPr>
-            <a:fld id="{C853816F-A1CF-4485-B308-1B9F14B36EAD}" type="slidenum">
-              <a:rPr kumimoji="0" lang="en-GB" sz="1200" b="0" i="0" u="none" strike="noStrike" kern="1200" cap="none" spc="0" normalizeH="0" baseline="0" noProof="0" smtClean="0">
-                <a:ln>
-                  <a:noFill/>
-                </a:ln>
-                <a:solidFill>
-                  <a:prstClr val="black"/>
-                </a:solidFill>
-                <a:effectLst/>
-                <a:uLnTx/>
-                <a:uFillTx/>
-                <a:latin typeface="Calibri" panose="020F0502020204030204"/>
-                <a:ea typeface="+mn-ea"/>
-                <a:cs typeface="+mn-cs"/>
-              </a:rPr>
-              <a:pPr marL="0" marR="0" lvl="0" indent="0" algn="r" defTabSz="914400" rtl="0" eaLnBrk="1" fontAlgn="auto" latinLnBrk="0" hangingPunct="1">
-                <a:lnSpc>
-                  <a:spcPct val="100000"/>
-                </a:lnSpc>
-                <a:spcBef>
-                  <a:spcPts val="0"/>
-                </a:spcBef>
-                <a:spcAft>
-                  <a:spcPts val="0"/>
-                </a:spcAft>
-                <a:buClrTx/>
-                <a:buSzTx/>
-                <a:buFontTx/>
-                <a:buNone/>
-                <a:tabLst/>
-                <a:defRPr/>
-              </a:pPr>
-              <a:t>26</a:t>
-            </a:fld>
-            <a:endParaRPr kumimoji="0" lang="en-GB" sz="1200" b="0" i="0" u="none" strike="noStrike" kern="1200" cap="none" spc="0" normalizeH="0" baseline="0" noProof="0">
-              <a:ln>
-                <a:noFill/>
-              </a:ln>
-              <a:solidFill>
-                <a:prstClr val="black"/>
-              </a:solidFill>
-              <a:effectLst/>
-              <a:uLnTx/>
-              <a:uFillTx/>
-              <a:latin typeface="Calibri" panose="020F0502020204030204"/>
-              <a:ea typeface="+mn-ea"/>
-              <a:cs typeface="+mn-cs"/>
-            </a:endParaRPr>
-          </a:p>
-        </p:txBody>
-      </p:sp>
-    </p:spTree>
-    <p:extLst>
-      <p:ext uri="{BB962C8B-B14F-4D97-AF65-F5344CB8AC3E}">
-        <p14:creationId xmlns:p14="http://schemas.microsoft.com/office/powerpoint/2010/main" val="1989065021"/>
-      </p:ext>
-    </p:extLst>
-  </p:cSld>
-  <p:clrMapOvr>
-    <a:masterClrMapping/>
-  </p:clrMapOvr>
-</p:notes>
-</file>
-
-<file path=ppt/notesSlides/notesSlide26.xml><?xml version="1.0" encoding="utf-8"?>
-<p:notes xmlns:a="http://schemas.openxmlformats.org/drawingml/2006/main" xmlns:r="http://schemas.openxmlformats.org/officeDocument/2006/relationships" xmlns:p="http://schemas.openxmlformats.org/presentationml/2006/main">
-  <p:cSld>
-    <p:spTree>
-      <p:nvGrpSpPr>
-        <p:cNvPr id="1" name="">
-          <a:extLst>
-            <a:ext uri="{FF2B5EF4-FFF2-40B4-BE49-F238E27FC236}">
-              <a16:creationId xmlns:a16="http://schemas.microsoft.com/office/drawing/2014/main" xmlns="" id="{A091866E-F455-B719-2312-BA6754A3E0D2}"/>
-            </a:ext>
-          </a:extLst>
-        </p:cNvPr>
-        <p:cNvGrpSpPr/>
-        <p:nvPr/>
-      </p:nvGrpSpPr>
-      <p:grpSpPr>
-        <a:xfrm>
-          <a:off x="0" y="0"/>
-          <a:ext cx="0" cy="0"/>
-          <a:chOff x="0" y="0"/>
-          <a:chExt cx="0" cy="0"/>
-        </a:xfrm>
-      </p:grpSpPr>
-      <p:sp>
-        <p:nvSpPr>
-          <p:cNvPr id="2" name="Slide Image Placeholder 1">
-            <a:extLst>
-              <a:ext uri="{FF2B5EF4-FFF2-40B4-BE49-F238E27FC236}">
-                <a16:creationId xmlns:a16="http://schemas.microsoft.com/office/drawing/2014/main" xmlns="" id="{7AFA6E3C-0EF5-738D-AF97-CDD9E107369E}"/>
-              </a:ext>
-            </a:extLst>
-          </p:cNvPr>
-          <p:cNvSpPr>
-            <a:spLocks noGrp="1" noRot="1" noChangeAspect="1"/>
-          </p:cNvSpPr>
-          <p:nvPr>
-            <p:ph type="sldImg"/>
-          </p:nvPr>
-        </p:nvSpPr>
-        <p:spPr/>
-      </p:sp>
-      <p:sp>
-        <p:nvSpPr>
-          <p:cNvPr id="3" name="Notes Placeholder 2">
-            <a:extLst>
-              <a:ext uri="{FF2B5EF4-FFF2-40B4-BE49-F238E27FC236}">
-                <a16:creationId xmlns:a16="http://schemas.microsoft.com/office/drawing/2014/main" xmlns="" id="{2872DAA5-5E7D-B3A7-AD2A-D06F9C807B81}"/>
-              </a:ext>
-            </a:extLst>
-          </p:cNvPr>
-          <p:cNvSpPr>
-            <a:spLocks noGrp="1"/>
-          </p:cNvSpPr>
-          <p:nvPr>
-            <p:ph type="body" idx="1"/>
-          </p:nvPr>
-        </p:nvSpPr>
-        <p:spPr/>
-        <p:txBody>
-          <a:bodyPr rtlCol="0"/>
-          <a:lstStyle/>
-          <a:p>
-            <a:pPr rtl="0"/>
-            <a:endParaRPr lang="en-GB"/>
-          </a:p>
-        </p:txBody>
-      </p:sp>
-      <p:sp>
-        <p:nvSpPr>
-          <p:cNvPr id="4" name="Slide Number Placeholder 3">
-            <a:extLst>
-              <a:ext uri="{FF2B5EF4-FFF2-40B4-BE49-F238E27FC236}">
-                <a16:creationId xmlns:a16="http://schemas.microsoft.com/office/drawing/2014/main" xmlns="" id="{754E1D83-9F92-EA0C-5F69-25E924D23593}"/>
+                <a16:creationId xmlns:a16="http://schemas.microsoft.com/office/drawing/2014/main" id="{835C8EC1-0ED2-5D22-C6EC-6A1DE4B654DF}"/>
               </a:ext>
             </a:extLst>
           </p:cNvPr>
@@ -3143,7 +2267,7 @@
     </p:spTree>
     <p:extLst>
       <p:ext uri="{BB962C8B-B14F-4D97-AF65-F5344CB8AC3E}">
-        <p14:creationId xmlns:p14="http://schemas.microsoft.com/office/powerpoint/2010/main" val="689761635"/>
+        <p14:creationId xmlns:p14="http://schemas.microsoft.com/office/powerpoint/2010/main" val="617772710"/>
       </p:ext>
     </p:extLst>
   </p:cSld>
@@ -3153,7 +2277,7 @@
 </p:notes>
 </file>
 
-<file path=ppt/notesSlides/notesSlide27.xml><?xml version="1.0" encoding="utf-8"?>
+<file path=ppt/notesSlides/notesSlide23.xml><?xml version="1.0" encoding="utf-8"?>
 <p:notes xmlns:a="http://schemas.openxmlformats.org/drawingml/2006/main" xmlns:r="http://schemas.openxmlformats.org/officeDocument/2006/relationships" xmlns:p="http://schemas.openxmlformats.org/presentationml/2006/main">
   <p:cSld>
     <p:spTree>
@@ -3161,7 +2285,7 @@
         <p:cNvPr id="1" name="">
           <a:extLst>
             <a:ext uri="{FF2B5EF4-FFF2-40B4-BE49-F238E27FC236}">
-              <a16:creationId xmlns:a16="http://schemas.microsoft.com/office/drawing/2014/main" xmlns="" id="{43EC455D-0298-AE63-598D-A071AAD32707}"/>
+              <a16:creationId xmlns:a16="http://schemas.microsoft.com/office/drawing/2014/main" id="{37D2D7A4-F055-5A97-4DBD-96148EB2E2EB}"/>
             </a:ext>
           </a:extLst>
         </p:cNvPr>
@@ -3181,7 +2305,7 @@
           <p:cNvPr id="2" name="Slide Image Placeholder 1">
             <a:extLst>
               <a:ext uri="{FF2B5EF4-FFF2-40B4-BE49-F238E27FC236}">
-                <a16:creationId xmlns:a16="http://schemas.microsoft.com/office/drawing/2014/main" xmlns="" id="{6CC48CA2-F15B-7C4E-E65A-84E79C2AE4E7}"/>
+                <a16:creationId xmlns:a16="http://schemas.microsoft.com/office/drawing/2014/main" id="{9138A976-08A5-2516-DB4C-E50AA95B9B4D}"/>
               </a:ext>
             </a:extLst>
           </p:cNvPr>
@@ -3199,7 +2323,7 @@
           <p:cNvPr id="3" name="Notes Placeholder 2">
             <a:extLst>
               <a:ext uri="{FF2B5EF4-FFF2-40B4-BE49-F238E27FC236}">
-                <a16:creationId xmlns:a16="http://schemas.microsoft.com/office/drawing/2014/main" xmlns="" id="{2AFAB4F3-F2D8-0454-A6CC-E5DEDC263BC6}"/>
+                <a16:creationId xmlns:a16="http://schemas.microsoft.com/office/drawing/2014/main" id="{9FE1565C-EDE7-B382-4D7B-6F67E76B81B1}"/>
               </a:ext>
             </a:extLst>
           </p:cNvPr>
@@ -3225,7 +2349,7 @@
           <p:cNvPr id="4" name="Slide Number Placeholder 3">
             <a:extLst>
               <a:ext uri="{FF2B5EF4-FFF2-40B4-BE49-F238E27FC236}">
-                <a16:creationId xmlns:a16="http://schemas.microsoft.com/office/drawing/2014/main" xmlns="" id="{A543EAF3-E629-EE0F-BB9D-6796869A9D8E}"/>
+                <a16:creationId xmlns:a16="http://schemas.microsoft.com/office/drawing/2014/main" id="{04FF26C2-6926-1CF2-92AE-531F49E3D004}"/>
               </a:ext>
             </a:extLst>
           </p:cNvPr>
@@ -3312,7 +2436,7 @@
     </p:spTree>
     <p:extLst>
       <p:ext uri="{BB962C8B-B14F-4D97-AF65-F5344CB8AC3E}">
-        <p14:creationId xmlns:p14="http://schemas.microsoft.com/office/powerpoint/2010/main" val="1398290229"/>
+        <p14:creationId xmlns:p14="http://schemas.microsoft.com/office/powerpoint/2010/main" val="4142257378"/>
       </p:ext>
     </p:extLst>
   </p:cSld>
@@ -3322,7 +2446,7 @@
 </p:notes>
 </file>
 
-<file path=ppt/notesSlides/notesSlide28.xml><?xml version="1.0" encoding="utf-8"?>
+<file path=ppt/notesSlides/notesSlide24.xml><?xml version="1.0" encoding="utf-8"?>
 <p:notes xmlns:a="http://schemas.openxmlformats.org/drawingml/2006/main" xmlns:r="http://schemas.openxmlformats.org/officeDocument/2006/relationships" xmlns:p="http://schemas.openxmlformats.org/presentationml/2006/main">
   <p:cSld>
     <p:spTree>
@@ -3330,7 +2454,7 @@
         <p:cNvPr id="1" name="">
           <a:extLst>
             <a:ext uri="{FF2B5EF4-FFF2-40B4-BE49-F238E27FC236}">
-              <a16:creationId xmlns:a16="http://schemas.microsoft.com/office/drawing/2014/main" xmlns="" id="{E97C7C03-B484-8AA0-F89C-87BC555E60FE}"/>
+              <a16:creationId xmlns:a16="http://schemas.microsoft.com/office/drawing/2014/main" id="{C841FAC6-26A0-26A6-84E6-72154B0D95A2}"/>
             </a:ext>
           </a:extLst>
         </p:cNvPr>
@@ -3350,7 +2474,7 @@
           <p:cNvPr id="2" name="Slide Image Placeholder 1">
             <a:extLst>
               <a:ext uri="{FF2B5EF4-FFF2-40B4-BE49-F238E27FC236}">
-                <a16:creationId xmlns:a16="http://schemas.microsoft.com/office/drawing/2014/main" xmlns="" id="{63F96518-4977-89CA-AEBB-1E821EB8DCA1}"/>
+                <a16:creationId xmlns:a16="http://schemas.microsoft.com/office/drawing/2014/main" id="{D537320D-AF27-8D93-4621-A4451FACCEC1}"/>
               </a:ext>
             </a:extLst>
           </p:cNvPr>
@@ -3368,7 +2492,7 @@
           <p:cNvPr id="3" name="Notes Placeholder 2">
             <a:extLst>
               <a:ext uri="{FF2B5EF4-FFF2-40B4-BE49-F238E27FC236}">
-                <a16:creationId xmlns:a16="http://schemas.microsoft.com/office/drawing/2014/main" xmlns="" id="{676F02D6-B89A-80B9-EB84-B50CF380008A}"/>
+                <a16:creationId xmlns:a16="http://schemas.microsoft.com/office/drawing/2014/main" id="{29531299-43EC-4003-D70B-3BFF743666DE}"/>
               </a:ext>
             </a:extLst>
           </p:cNvPr>
@@ -3394,7 +2518,7 @@
           <p:cNvPr id="4" name="Slide Number Placeholder 3">
             <a:extLst>
               <a:ext uri="{FF2B5EF4-FFF2-40B4-BE49-F238E27FC236}">
-                <a16:creationId xmlns:a16="http://schemas.microsoft.com/office/drawing/2014/main" xmlns="" id="{4A1F9B01-6F2E-7FAE-D140-26FCDCFB19BB}"/>
+                <a16:creationId xmlns:a16="http://schemas.microsoft.com/office/drawing/2014/main" id="{669D48CA-FB16-ADFD-90AE-737234A4C101}"/>
               </a:ext>
             </a:extLst>
           </p:cNvPr>
@@ -3481,7 +2605,7 @@
     </p:spTree>
     <p:extLst>
       <p:ext uri="{BB962C8B-B14F-4D97-AF65-F5344CB8AC3E}">
-        <p14:creationId xmlns:p14="http://schemas.microsoft.com/office/powerpoint/2010/main" val="3374709498"/>
+        <p14:creationId xmlns:p14="http://schemas.microsoft.com/office/powerpoint/2010/main" val="19052226"/>
       </p:ext>
     </p:extLst>
   </p:cSld>
@@ -3491,7 +2615,7 @@
 </p:notes>
 </file>
 
-<file path=ppt/notesSlides/notesSlide29.xml><?xml version="1.0" encoding="utf-8"?>
+<file path=ppt/notesSlides/notesSlide25.xml><?xml version="1.0" encoding="utf-8"?>
 <p:notes xmlns:a="http://schemas.openxmlformats.org/drawingml/2006/main" xmlns:r="http://schemas.openxmlformats.org/officeDocument/2006/relationships" xmlns:p="http://schemas.openxmlformats.org/presentationml/2006/main">
   <p:cSld>
     <p:spTree>
@@ -3499,7 +2623,7 @@
         <p:cNvPr id="1" name="">
           <a:extLst>
             <a:ext uri="{FF2B5EF4-FFF2-40B4-BE49-F238E27FC236}">
-              <a16:creationId xmlns:a16="http://schemas.microsoft.com/office/drawing/2014/main" xmlns="" id="{1445C856-7734-A816-3318-7671234E31AC}"/>
+              <a16:creationId xmlns:a16="http://schemas.microsoft.com/office/drawing/2014/main" id="{B341EE8D-039A-28B3-33B1-4B67688615D2}"/>
             </a:ext>
           </a:extLst>
         </p:cNvPr>
@@ -3519,7 +2643,7 @@
           <p:cNvPr id="2" name="Slide Image Placeholder 1">
             <a:extLst>
               <a:ext uri="{FF2B5EF4-FFF2-40B4-BE49-F238E27FC236}">
-                <a16:creationId xmlns:a16="http://schemas.microsoft.com/office/drawing/2014/main" xmlns="" id="{C41E3648-EDE1-FCC1-DD8F-2FDEA89F8816}"/>
+                <a16:creationId xmlns:a16="http://schemas.microsoft.com/office/drawing/2014/main" id="{7B553295-B5F7-ABA2-E587-DEEA211CB226}"/>
               </a:ext>
             </a:extLst>
           </p:cNvPr>
@@ -3537,7 +2661,7 @@
           <p:cNvPr id="3" name="Notes Placeholder 2">
             <a:extLst>
               <a:ext uri="{FF2B5EF4-FFF2-40B4-BE49-F238E27FC236}">
-                <a16:creationId xmlns:a16="http://schemas.microsoft.com/office/drawing/2014/main" xmlns="" id="{A01F8E4E-677C-8CC2-5AFA-6244797EE5DB}"/>
+                <a16:creationId xmlns:a16="http://schemas.microsoft.com/office/drawing/2014/main" id="{FA3293B6-7794-57AE-82CF-B9B57038BBE7}"/>
               </a:ext>
             </a:extLst>
           </p:cNvPr>
@@ -3563,7 +2687,7 @@
           <p:cNvPr id="4" name="Slide Number Placeholder 3">
             <a:extLst>
               <a:ext uri="{FF2B5EF4-FFF2-40B4-BE49-F238E27FC236}">
-                <a16:creationId xmlns:a16="http://schemas.microsoft.com/office/drawing/2014/main" xmlns="" id="{E563EB4F-C5EF-A6D0-31A0-605F9DB7A587}"/>
+                <a16:creationId xmlns:a16="http://schemas.microsoft.com/office/drawing/2014/main" id="{14532B64-2F3D-C66C-CC97-D56CF2B24693}"/>
               </a:ext>
             </a:extLst>
           </p:cNvPr>
@@ -3650,7 +2774,7 @@
     </p:spTree>
     <p:extLst>
       <p:ext uri="{BB962C8B-B14F-4D97-AF65-F5344CB8AC3E}">
-        <p14:creationId xmlns:p14="http://schemas.microsoft.com/office/powerpoint/2010/main" val="1632540104"/>
+        <p14:creationId xmlns:p14="http://schemas.microsoft.com/office/powerpoint/2010/main" val="1023949169"/>
       </p:ext>
     </p:extLst>
   </p:cSld>
@@ -3660,7 +2784,7 @@
 </p:notes>
 </file>
 
-<file path=ppt/notesSlides/notesSlide3.xml><?xml version="1.0" encoding="utf-8"?>
+<file path=ppt/notesSlides/notesSlide26.xml><?xml version="1.0" encoding="utf-8"?>
 <p:notes xmlns:a="http://schemas.openxmlformats.org/drawingml/2006/main" xmlns:r="http://schemas.openxmlformats.org/officeDocument/2006/relationships" xmlns:p="http://schemas.openxmlformats.org/presentationml/2006/main">
   <p:cSld>
     <p:spTree>
@@ -3668,7 +2792,7 @@
         <p:cNvPr id="1" name="">
           <a:extLst>
             <a:ext uri="{FF2B5EF4-FFF2-40B4-BE49-F238E27FC236}">
-              <a16:creationId xmlns:a16="http://schemas.microsoft.com/office/drawing/2014/main" xmlns="" id="{BA6CCBE5-6145-B756-75F9-4AF2F8C4A749}"/>
+              <a16:creationId xmlns:a16="http://schemas.microsoft.com/office/drawing/2014/main" id="{BA1095EE-A5D1-0D56-D4E8-E10CA3E81861}"/>
             </a:ext>
           </a:extLst>
         </p:cNvPr>
@@ -3688,7 +2812,7 @@
           <p:cNvPr id="2" name="Slide Image Placeholder 1">
             <a:extLst>
               <a:ext uri="{FF2B5EF4-FFF2-40B4-BE49-F238E27FC236}">
-                <a16:creationId xmlns:a16="http://schemas.microsoft.com/office/drawing/2014/main" xmlns="" id="{1B4670AC-AD41-9802-6A11-3392FA894428}"/>
+                <a16:creationId xmlns:a16="http://schemas.microsoft.com/office/drawing/2014/main" id="{22DD21C5-9C2C-3517-7E7A-C7BC7FCF2A7E}"/>
               </a:ext>
             </a:extLst>
           </p:cNvPr>
@@ -3706,7 +2830,7 @@
           <p:cNvPr id="3" name="Notes Placeholder 2">
             <a:extLst>
               <a:ext uri="{FF2B5EF4-FFF2-40B4-BE49-F238E27FC236}">
-                <a16:creationId xmlns:a16="http://schemas.microsoft.com/office/drawing/2014/main" xmlns="" id="{DF512682-8FD3-E1EE-86C9-EF582179E065}"/>
+                <a16:creationId xmlns:a16="http://schemas.microsoft.com/office/drawing/2014/main" id="{A8A69BE1-33FB-917C-00B9-9E2E3A4C1C28}"/>
               </a:ext>
             </a:extLst>
           </p:cNvPr>
@@ -3732,117 +2856,7 @@
           <p:cNvPr id="4" name="Slide Number Placeholder 3">
             <a:extLst>
               <a:ext uri="{FF2B5EF4-FFF2-40B4-BE49-F238E27FC236}">
-                <a16:creationId xmlns:a16="http://schemas.microsoft.com/office/drawing/2014/main" xmlns="" id="{4BF37B64-8A0F-BA89-A7CB-A7A9635CE940}"/>
-              </a:ext>
-            </a:extLst>
-          </p:cNvPr>
-          <p:cNvSpPr>
-            <a:spLocks noGrp="1"/>
-          </p:cNvSpPr>
-          <p:nvPr>
-            <p:ph type="sldNum" sz="quarter" idx="5"/>
-          </p:nvPr>
-        </p:nvSpPr>
-        <p:spPr/>
-        <p:txBody>
-          <a:bodyPr rtlCol="0"/>
-          <a:lstStyle/>
-          <a:p>
-            <a:pPr rtl="0"/>
-            <a:fld id="{C853816F-A1CF-4485-B308-1B9F14B36EAD}" type="slidenum">
-              <a:rPr lang="en-GB" smtClean="0"/>
-              <a:t>3</a:t>
-            </a:fld>
-            <a:endParaRPr lang="en-GB"/>
-          </a:p>
-        </p:txBody>
-      </p:sp>
-    </p:spTree>
-    <p:extLst>
-      <p:ext uri="{BB962C8B-B14F-4D97-AF65-F5344CB8AC3E}">
-        <p14:creationId xmlns:p14="http://schemas.microsoft.com/office/powerpoint/2010/main" val="1844777118"/>
-      </p:ext>
-    </p:extLst>
-  </p:cSld>
-  <p:clrMapOvr>
-    <a:masterClrMapping/>
-  </p:clrMapOvr>
-</p:notes>
-</file>
-
-<file path=ppt/notesSlides/notesSlide30.xml><?xml version="1.0" encoding="utf-8"?>
-<p:notes xmlns:a="http://schemas.openxmlformats.org/drawingml/2006/main" xmlns:r="http://schemas.openxmlformats.org/officeDocument/2006/relationships" xmlns:p="http://schemas.openxmlformats.org/presentationml/2006/main">
-  <p:cSld>
-    <p:spTree>
-      <p:nvGrpSpPr>
-        <p:cNvPr id="1" name="">
-          <a:extLst>
-            <a:ext uri="{FF2B5EF4-FFF2-40B4-BE49-F238E27FC236}">
-              <a16:creationId xmlns:a16="http://schemas.microsoft.com/office/drawing/2014/main" xmlns="" id="{BBD142CE-E40B-78D2-E1CB-F529EFCA6A81}"/>
-            </a:ext>
-          </a:extLst>
-        </p:cNvPr>
-        <p:cNvGrpSpPr/>
-        <p:nvPr/>
-      </p:nvGrpSpPr>
-      <p:grpSpPr>
-        <a:xfrm>
-          <a:off x="0" y="0"/>
-          <a:ext cx="0" cy="0"/>
-          <a:chOff x="0" y="0"/>
-          <a:chExt cx="0" cy="0"/>
-        </a:xfrm>
-      </p:grpSpPr>
-      <p:sp>
-        <p:nvSpPr>
-          <p:cNvPr id="2" name="Slide Image Placeholder 1">
-            <a:extLst>
-              <a:ext uri="{FF2B5EF4-FFF2-40B4-BE49-F238E27FC236}">
-                <a16:creationId xmlns:a16="http://schemas.microsoft.com/office/drawing/2014/main" xmlns="" id="{1243F738-C8C3-C168-72FE-8F310A811805}"/>
-              </a:ext>
-            </a:extLst>
-          </p:cNvPr>
-          <p:cNvSpPr>
-            <a:spLocks noGrp="1" noRot="1" noChangeAspect="1"/>
-          </p:cNvSpPr>
-          <p:nvPr>
-            <p:ph type="sldImg"/>
-          </p:nvPr>
-        </p:nvSpPr>
-        <p:spPr/>
-      </p:sp>
-      <p:sp>
-        <p:nvSpPr>
-          <p:cNvPr id="3" name="Notes Placeholder 2">
-            <a:extLst>
-              <a:ext uri="{FF2B5EF4-FFF2-40B4-BE49-F238E27FC236}">
-                <a16:creationId xmlns:a16="http://schemas.microsoft.com/office/drawing/2014/main" xmlns="" id="{4DCED629-4FA6-2C51-D5DA-D0D3CDE6671E}"/>
-              </a:ext>
-            </a:extLst>
-          </p:cNvPr>
-          <p:cNvSpPr>
-            <a:spLocks noGrp="1"/>
-          </p:cNvSpPr>
-          <p:nvPr>
-            <p:ph type="body" idx="1"/>
-          </p:nvPr>
-        </p:nvSpPr>
-        <p:spPr/>
-        <p:txBody>
-          <a:bodyPr rtlCol="0"/>
-          <a:lstStyle/>
-          <a:p>
-            <a:pPr rtl="0"/>
-            <a:endParaRPr lang="en-GB"/>
-          </a:p>
-        </p:txBody>
-      </p:sp>
-      <p:sp>
-        <p:nvSpPr>
-          <p:cNvPr id="4" name="Slide Number Placeholder 3">
-            <a:extLst>
-              <a:ext uri="{FF2B5EF4-FFF2-40B4-BE49-F238E27FC236}">
-                <a16:creationId xmlns:a16="http://schemas.microsoft.com/office/drawing/2014/main" xmlns="" id="{FEACDA60-CD6C-F4AA-C325-A2C0A10427EE}"/>
+                <a16:creationId xmlns:a16="http://schemas.microsoft.com/office/drawing/2014/main" id="{1B2DDD41-299D-AD31-DDEF-85BAA4343DC7}"/>
               </a:ext>
             </a:extLst>
           </p:cNvPr>
@@ -3929,7 +2943,7 @@
     </p:spTree>
     <p:extLst>
       <p:ext uri="{BB962C8B-B14F-4D97-AF65-F5344CB8AC3E}">
-        <p14:creationId xmlns:p14="http://schemas.microsoft.com/office/powerpoint/2010/main" val="1951737796"/>
+        <p14:creationId xmlns:p14="http://schemas.microsoft.com/office/powerpoint/2010/main" val="2195399933"/>
       </p:ext>
     </p:extLst>
   </p:cSld>
@@ -3939,7 +2953,7 @@
 </p:notes>
 </file>
 
-<file path=ppt/notesSlides/notesSlide31.xml><?xml version="1.0" encoding="utf-8"?>
+<file path=ppt/notesSlides/notesSlide27.xml><?xml version="1.0" encoding="utf-8"?>
 <p:notes xmlns:a="http://schemas.openxmlformats.org/drawingml/2006/main" xmlns:r="http://schemas.openxmlformats.org/officeDocument/2006/relationships" xmlns:p="http://schemas.openxmlformats.org/presentationml/2006/main">
   <p:cSld>
     <p:spTree>
@@ -3947,7 +2961,7 @@
         <p:cNvPr id="1" name="">
           <a:extLst>
             <a:ext uri="{FF2B5EF4-FFF2-40B4-BE49-F238E27FC236}">
-              <a16:creationId xmlns:a16="http://schemas.microsoft.com/office/drawing/2014/main" xmlns="" id="{52DF4885-F4B9-2BB6-E14C-21514E40FDE3}"/>
+              <a16:creationId xmlns:a16="http://schemas.microsoft.com/office/drawing/2014/main" id="{F1AF6BE7-1A30-E41D-D9DB-78A3D5FB1558}"/>
             </a:ext>
           </a:extLst>
         </p:cNvPr>
@@ -3967,7 +2981,7 @@
           <p:cNvPr id="2" name="Slide Image Placeholder 1">
             <a:extLst>
               <a:ext uri="{FF2B5EF4-FFF2-40B4-BE49-F238E27FC236}">
-                <a16:creationId xmlns:a16="http://schemas.microsoft.com/office/drawing/2014/main" xmlns="" id="{69E93B22-BE13-7899-3A96-E368AA783B4A}"/>
+                <a16:creationId xmlns:a16="http://schemas.microsoft.com/office/drawing/2014/main" id="{602F37D6-B9FD-2BB8-56F0-D0C5D3F408DF}"/>
               </a:ext>
             </a:extLst>
           </p:cNvPr>
@@ -3985,7 +2999,7 @@
           <p:cNvPr id="3" name="Notes Placeholder 2">
             <a:extLst>
               <a:ext uri="{FF2B5EF4-FFF2-40B4-BE49-F238E27FC236}">
-                <a16:creationId xmlns:a16="http://schemas.microsoft.com/office/drawing/2014/main" xmlns="" id="{79828085-6792-3DE2-75A5-E7E4EB955C72}"/>
+                <a16:creationId xmlns:a16="http://schemas.microsoft.com/office/drawing/2014/main" id="{BD660033-1DF9-044A-E3E8-E811731E5012}"/>
               </a:ext>
             </a:extLst>
           </p:cNvPr>
@@ -4011,7 +3025,7 @@
           <p:cNvPr id="4" name="Slide Number Placeholder 3">
             <a:extLst>
               <a:ext uri="{FF2B5EF4-FFF2-40B4-BE49-F238E27FC236}">
-                <a16:creationId xmlns:a16="http://schemas.microsoft.com/office/drawing/2014/main" xmlns="" id="{F62C85EF-C20A-B995-5E46-4A9FBF746A01}"/>
+                <a16:creationId xmlns:a16="http://schemas.microsoft.com/office/drawing/2014/main" id="{5B0A9EE4-6B2F-BBF8-DF5D-16CA959C56FF}"/>
               </a:ext>
             </a:extLst>
           </p:cNvPr>
@@ -4098,6 +3112,1299 @@
     </p:spTree>
     <p:extLst>
       <p:ext uri="{BB962C8B-B14F-4D97-AF65-F5344CB8AC3E}">
+        <p14:creationId xmlns:p14="http://schemas.microsoft.com/office/powerpoint/2010/main" val="3677103183"/>
+      </p:ext>
+    </p:extLst>
+  </p:cSld>
+  <p:clrMapOvr>
+    <a:masterClrMapping/>
+  </p:clrMapOvr>
+</p:notes>
+</file>
+
+<file path=ppt/notesSlides/notesSlide28.xml><?xml version="1.0" encoding="utf-8"?>
+<p:notes xmlns:a="http://schemas.openxmlformats.org/drawingml/2006/main" xmlns:r="http://schemas.openxmlformats.org/officeDocument/2006/relationships" xmlns:p="http://schemas.openxmlformats.org/presentationml/2006/main">
+  <p:cSld>
+    <p:spTree>
+      <p:nvGrpSpPr>
+        <p:cNvPr id="1" name="">
+          <a:extLst>
+            <a:ext uri="{FF2B5EF4-FFF2-40B4-BE49-F238E27FC236}">
+              <a16:creationId xmlns:a16="http://schemas.microsoft.com/office/drawing/2014/main" id="{3AE43C97-FFDA-14CD-E203-676DAB023245}"/>
+            </a:ext>
+          </a:extLst>
+        </p:cNvPr>
+        <p:cNvGrpSpPr/>
+        <p:nvPr/>
+      </p:nvGrpSpPr>
+      <p:grpSpPr>
+        <a:xfrm>
+          <a:off x="0" y="0"/>
+          <a:ext cx="0" cy="0"/>
+          <a:chOff x="0" y="0"/>
+          <a:chExt cx="0" cy="0"/>
+        </a:xfrm>
+      </p:grpSpPr>
+      <p:sp>
+        <p:nvSpPr>
+          <p:cNvPr id="2" name="Slide Image Placeholder 1">
+            <a:extLst>
+              <a:ext uri="{FF2B5EF4-FFF2-40B4-BE49-F238E27FC236}">
+                <a16:creationId xmlns:a16="http://schemas.microsoft.com/office/drawing/2014/main" id="{C2DC729F-83C6-58A1-A2E9-F10B9B08C381}"/>
+              </a:ext>
+            </a:extLst>
+          </p:cNvPr>
+          <p:cNvSpPr>
+            <a:spLocks noGrp="1" noRot="1" noChangeAspect="1"/>
+          </p:cNvSpPr>
+          <p:nvPr>
+            <p:ph type="sldImg"/>
+          </p:nvPr>
+        </p:nvSpPr>
+        <p:spPr/>
+      </p:sp>
+      <p:sp>
+        <p:nvSpPr>
+          <p:cNvPr id="3" name="Notes Placeholder 2">
+            <a:extLst>
+              <a:ext uri="{FF2B5EF4-FFF2-40B4-BE49-F238E27FC236}">
+                <a16:creationId xmlns:a16="http://schemas.microsoft.com/office/drawing/2014/main" id="{369B6248-477C-F24C-3B20-63D12AEE744A}"/>
+              </a:ext>
+            </a:extLst>
+          </p:cNvPr>
+          <p:cNvSpPr>
+            <a:spLocks noGrp="1"/>
+          </p:cNvSpPr>
+          <p:nvPr>
+            <p:ph type="body" idx="1"/>
+          </p:nvPr>
+        </p:nvSpPr>
+        <p:spPr/>
+        <p:txBody>
+          <a:bodyPr rtlCol="0"/>
+          <a:lstStyle/>
+          <a:p>
+            <a:pPr rtl="0"/>
+            <a:endParaRPr lang="en-GB"/>
+          </a:p>
+        </p:txBody>
+      </p:sp>
+      <p:sp>
+        <p:nvSpPr>
+          <p:cNvPr id="4" name="Slide Number Placeholder 3">
+            <a:extLst>
+              <a:ext uri="{FF2B5EF4-FFF2-40B4-BE49-F238E27FC236}">
+                <a16:creationId xmlns:a16="http://schemas.microsoft.com/office/drawing/2014/main" id="{8E3F9C0B-FDA8-BB18-67A2-0B7006D82597}"/>
+              </a:ext>
+            </a:extLst>
+          </p:cNvPr>
+          <p:cNvSpPr>
+            <a:spLocks noGrp="1"/>
+          </p:cNvSpPr>
+          <p:nvPr>
+            <p:ph type="sldNum" sz="quarter" idx="5"/>
+          </p:nvPr>
+        </p:nvSpPr>
+        <p:spPr/>
+        <p:txBody>
+          <a:bodyPr rtlCol="0"/>
+          <a:lstStyle/>
+          <a:p>
+            <a:pPr marL="0" marR="0" lvl="0" indent="0" algn="r" defTabSz="914400" rtl="0" eaLnBrk="1" fontAlgn="auto" latinLnBrk="0" hangingPunct="1">
+              <a:lnSpc>
+                <a:spcPct val="100000"/>
+              </a:lnSpc>
+              <a:spcBef>
+                <a:spcPts val="0"/>
+              </a:spcBef>
+              <a:spcAft>
+                <a:spcPts val="0"/>
+              </a:spcAft>
+              <a:buClrTx/>
+              <a:buSzTx/>
+              <a:buFontTx/>
+              <a:buNone/>
+              <a:tabLst/>
+              <a:defRPr/>
+            </a:pPr>
+            <a:fld id="{C853816F-A1CF-4485-B308-1B9F14B36EAD}" type="slidenum">
+              <a:rPr kumimoji="0" lang="en-GB" sz="1200" b="0" i="0" u="none" strike="noStrike" kern="1200" cap="none" spc="0" normalizeH="0" baseline="0" noProof="0" smtClean="0">
+                <a:ln>
+                  <a:noFill/>
+                </a:ln>
+                <a:solidFill>
+                  <a:prstClr val="black"/>
+                </a:solidFill>
+                <a:effectLst/>
+                <a:uLnTx/>
+                <a:uFillTx/>
+                <a:latin typeface="Calibri" panose="020F0502020204030204"/>
+                <a:ea typeface="+mn-ea"/>
+                <a:cs typeface="+mn-cs"/>
+              </a:rPr>
+              <a:pPr marL="0" marR="0" lvl="0" indent="0" algn="r" defTabSz="914400" rtl="0" eaLnBrk="1" fontAlgn="auto" latinLnBrk="0" hangingPunct="1">
+                <a:lnSpc>
+                  <a:spcPct val="100000"/>
+                </a:lnSpc>
+                <a:spcBef>
+                  <a:spcPts val="0"/>
+                </a:spcBef>
+                <a:spcAft>
+                  <a:spcPts val="0"/>
+                </a:spcAft>
+                <a:buClrTx/>
+                <a:buSzTx/>
+                <a:buFontTx/>
+                <a:buNone/>
+                <a:tabLst/>
+                <a:defRPr/>
+              </a:pPr>
+              <a:t>33</a:t>
+            </a:fld>
+            <a:endParaRPr kumimoji="0" lang="en-GB" sz="1200" b="0" i="0" u="none" strike="noStrike" kern="1200" cap="none" spc="0" normalizeH="0" baseline="0" noProof="0">
+              <a:ln>
+                <a:noFill/>
+              </a:ln>
+              <a:solidFill>
+                <a:prstClr val="black"/>
+              </a:solidFill>
+              <a:effectLst/>
+              <a:uLnTx/>
+              <a:uFillTx/>
+              <a:latin typeface="Calibri" panose="020F0502020204030204"/>
+              <a:ea typeface="+mn-ea"/>
+              <a:cs typeface="+mn-cs"/>
+            </a:endParaRPr>
+          </a:p>
+        </p:txBody>
+      </p:sp>
+    </p:spTree>
+    <p:extLst>
+      <p:ext uri="{BB962C8B-B14F-4D97-AF65-F5344CB8AC3E}">
+        <p14:creationId xmlns:p14="http://schemas.microsoft.com/office/powerpoint/2010/main" val="1989065021"/>
+      </p:ext>
+    </p:extLst>
+  </p:cSld>
+  <p:clrMapOvr>
+    <a:masterClrMapping/>
+  </p:clrMapOvr>
+</p:notes>
+</file>
+
+<file path=ppt/notesSlides/notesSlide29.xml><?xml version="1.0" encoding="utf-8"?>
+<p:notes xmlns:a="http://schemas.openxmlformats.org/drawingml/2006/main" xmlns:r="http://schemas.openxmlformats.org/officeDocument/2006/relationships" xmlns:p="http://schemas.openxmlformats.org/presentationml/2006/main">
+  <p:cSld>
+    <p:spTree>
+      <p:nvGrpSpPr>
+        <p:cNvPr id="1" name="">
+          <a:extLst>
+            <a:ext uri="{FF2B5EF4-FFF2-40B4-BE49-F238E27FC236}">
+              <a16:creationId xmlns:a16="http://schemas.microsoft.com/office/drawing/2014/main" id="{A091866E-F455-B719-2312-BA6754A3E0D2}"/>
+            </a:ext>
+          </a:extLst>
+        </p:cNvPr>
+        <p:cNvGrpSpPr/>
+        <p:nvPr/>
+      </p:nvGrpSpPr>
+      <p:grpSpPr>
+        <a:xfrm>
+          <a:off x="0" y="0"/>
+          <a:ext cx="0" cy="0"/>
+          <a:chOff x="0" y="0"/>
+          <a:chExt cx="0" cy="0"/>
+        </a:xfrm>
+      </p:grpSpPr>
+      <p:sp>
+        <p:nvSpPr>
+          <p:cNvPr id="2" name="Slide Image Placeholder 1">
+            <a:extLst>
+              <a:ext uri="{FF2B5EF4-FFF2-40B4-BE49-F238E27FC236}">
+                <a16:creationId xmlns:a16="http://schemas.microsoft.com/office/drawing/2014/main" id="{7AFA6E3C-0EF5-738D-AF97-CDD9E107369E}"/>
+              </a:ext>
+            </a:extLst>
+          </p:cNvPr>
+          <p:cNvSpPr>
+            <a:spLocks noGrp="1" noRot="1" noChangeAspect="1"/>
+          </p:cNvSpPr>
+          <p:nvPr>
+            <p:ph type="sldImg"/>
+          </p:nvPr>
+        </p:nvSpPr>
+        <p:spPr/>
+      </p:sp>
+      <p:sp>
+        <p:nvSpPr>
+          <p:cNvPr id="3" name="Notes Placeholder 2">
+            <a:extLst>
+              <a:ext uri="{FF2B5EF4-FFF2-40B4-BE49-F238E27FC236}">
+                <a16:creationId xmlns:a16="http://schemas.microsoft.com/office/drawing/2014/main" id="{2872DAA5-5E7D-B3A7-AD2A-D06F9C807B81}"/>
+              </a:ext>
+            </a:extLst>
+          </p:cNvPr>
+          <p:cNvSpPr>
+            <a:spLocks noGrp="1"/>
+          </p:cNvSpPr>
+          <p:nvPr>
+            <p:ph type="body" idx="1"/>
+          </p:nvPr>
+        </p:nvSpPr>
+        <p:spPr/>
+        <p:txBody>
+          <a:bodyPr rtlCol="0"/>
+          <a:lstStyle/>
+          <a:p>
+            <a:pPr rtl="0"/>
+            <a:endParaRPr lang="en-GB"/>
+          </a:p>
+        </p:txBody>
+      </p:sp>
+      <p:sp>
+        <p:nvSpPr>
+          <p:cNvPr id="4" name="Slide Number Placeholder 3">
+            <a:extLst>
+              <a:ext uri="{FF2B5EF4-FFF2-40B4-BE49-F238E27FC236}">
+                <a16:creationId xmlns:a16="http://schemas.microsoft.com/office/drawing/2014/main" id="{754E1D83-9F92-EA0C-5F69-25E924D23593}"/>
+              </a:ext>
+            </a:extLst>
+          </p:cNvPr>
+          <p:cNvSpPr>
+            <a:spLocks noGrp="1"/>
+          </p:cNvSpPr>
+          <p:nvPr>
+            <p:ph type="sldNum" sz="quarter" idx="5"/>
+          </p:nvPr>
+        </p:nvSpPr>
+        <p:spPr/>
+        <p:txBody>
+          <a:bodyPr rtlCol="0"/>
+          <a:lstStyle/>
+          <a:p>
+            <a:pPr marL="0" marR="0" lvl="0" indent="0" algn="r" defTabSz="914400" rtl="0" eaLnBrk="1" fontAlgn="auto" latinLnBrk="0" hangingPunct="1">
+              <a:lnSpc>
+                <a:spcPct val="100000"/>
+              </a:lnSpc>
+              <a:spcBef>
+                <a:spcPts val="0"/>
+              </a:spcBef>
+              <a:spcAft>
+                <a:spcPts val="0"/>
+              </a:spcAft>
+              <a:buClrTx/>
+              <a:buSzTx/>
+              <a:buFontTx/>
+              <a:buNone/>
+              <a:tabLst/>
+              <a:defRPr/>
+            </a:pPr>
+            <a:fld id="{C853816F-A1CF-4485-B308-1B9F14B36EAD}" type="slidenum">
+              <a:rPr kumimoji="0" lang="en-GB" sz="1200" b="0" i="0" u="none" strike="noStrike" kern="1200" cap="none" spc="0" normalizeH="0" baseline="0" noProof="0" smtClean="0">
+                <a:ln>
+                  <a:noFill/>
+                </a:ln>
+                <a:solidFill>
+                  <a:prstClr val="black"/>
+                </a:solidFill>
+                <a:effectLst/>
+                <a:uLnTx/>
+                <a:uFillTx/>
+                <a:latin typeface="Calibri" panose="020F0502020204030204"/>
+                <a:ea typeface="+mn-ea"/>
+                <a:cs typeface="+mn-cs"/>
+              </a:rPr>
+              <a:pPr marL="0" marR="0" lvl="0" indent="0" algn="r" defTabSz="914400" rtl="0" eaLnBrk="1" fontAlgn="auto" latinLnBrk="0" hangingPunct="1">
+                <a:lnSpc>
+                  <a:spcPct val="100000"/>
+                </a:lnSpc>
+                <a:spcBef>
+                  <a:spcPts val="0"/>
+                </a:spcBef>
+                <a:spcAft>
+                  <a:spcPts val="0"/>
+                </a:spcAft>
+                <a:buClrTx/>
+                <a:buSzTx/>
+                <a:buFontTx/>
+                <a:buNone/>
+                <a:tabLst/>
+                <a:defRPr/>
+              </a:pPr>
+              <a:t>34</a:t>
+            </a:fld>
+            <a:endParaRPr kumimoji="0" lang="en-GB" sz="1200" b="0" i="0" u="none" strike="noStrike" kern="1200" cap="none" spc="0" normalizeH="0" baseline="0" noProof="0">
+              <a:ln>
+                <a:noFill/>
+              </a:ln>
+              <a:solidFill>
+                <a:prstClr val="black"/>
+              </a:solidFill>
+              <a:effectLst/>
+              <a:uLnTx/>
+              <a:uFillTx/>
+              <a:latin typeface="Calibri" panose="020F0502020204030204"/>
+              <a:ea typeface="+mn-ea"/>
+              <a:cs typeface="+mn-cs"/>
+            </a:endParaRPr>
+          </a:p>
+        </p:txBody>
+      </p:sp>
+    </p:spTree>
+    <p:extLst>
+      <p:ext uri="{BB962C8B-B14F-4D97-AF65-F5344CB8AC3E}">
+        <p14:creationId xmlns:p14="http://schemas.microsoft.com/office/powerpoint/2010/main" val="689761635"/>
+      </p:ext>
+    </p:extLst>
+  </p:cSld>
+  <p:clrMapOvr>
+    <a:masterClrMapping/>
+  </p:clrMapOvr>
+</p:notes>
+</file>
+
+<file path=ppt/notesSlides/notesSlide3.xml><?xml version="1.0" encoding="utf-8"?>
+<p:notes xmlns:a="http://schemas.openxmlformats.org/drawingml/2006/main" xmlns:r="http://schemas.openxmlformats.org/officeDocument/2006/relationships" xmlns:p="http://schemas.openxmlformats.org/presentationml/2006/main">
+  <p:cSld>
+    <p:spTree>
+      <p:nvGrpSpPr>
+        <p:cNvPr id="1" name="">
+          <a:extLst>
+            <a:ext uri="{FF2B5EF4-FFF2-40B4-BE49-F238E27FC236}">
+              <a16:creationId xmlns:a16="http://schemas.microsoft.com/office/drawing/2014/main" id="{BA6CCBE5-6145-B756-75F9-4AF2F8C4A749}"/>
+            </a:ext>
+          </a:extLst>
+        </p:cNvPr>
+        <p:cNvGrpSpPr/>
+        <p:nvPr/>
+      </p:nvGrpSpPr>
+      <p:grpSpPr>
+        <a:xfrm>
+          <a:off x="0" y="0"/>
+          <a:ext cx="0" cy="0"/>
+          <a:chOff x="0" y="0"/>
+          <a:chExt cx="0" cy="0"/>
+        </a:xfrm>
+      </p:grpSpPr>
+      <p:sp>
+        <p:nvSpPr>
+          <p:cNvPr id="2" name="Slide Image Placeholder 1">
+            <a:extLst>
+              <a:ext uri="{FF2B5EF4-FFF2-40B4-BE49-F238E27FC236}">
+                <a16:creationId xmlns:a16="http://schemas.microsoft.com/office/drawing/2014/main" id="{1B4670AC-AD41-9802-6A11-3392FA894428}"/>
+              </a:ext>
+            </a:extLst>
+          </p:cNvPr>
+          <p:cNvSpPr>
+            <a:spLocks noGrp="1" noRot="1" noChangeAspect="1"/>
+          </p:cNvSpPr>
+          <p:nvPr>
+            <p:ph type="sldImg"/>
+          </p:nvPr>
+        </p:nvSpPr>
+        <p:spPr/>
+      </p:sp>
+      <p:sp>
+        <p:nvSpPr>
+          <p:cNvPr id="3" name="Notes Placeholder 2">
+            <a:extLst>
+              <a:ext uri="{FF2B5EF4-FFF2-40B4-BE49-F238E27FC236}">
+                <a16:creationId xmlns:a16="http://schemas.microsoft.com/office/drawing/2014/main" id="{DF512682-8FD3-E1EE-86C9-EF582179E065}"/>
+              </a:ext>
+            </a:extLst>
+          </p:cNvPr>
+          <p:cNvSpPr>
+            <a:spLocks noGrp="1"/>
+          </p:cNvSpPr>
+          <p:nvPr>
+            <p:ph type="body" idx="1"/>
+          </p:nvPr>
+        </p:nvSpPr>
+        <p:spPr/>
+        <p:txBody>
+          <a:bodyPr rtlCol="0"/>
+          <a:lstStyle/>
+          <a:p>
+            <a:pPr rtl="0"/>
+            <a:endParaRPr lang="en-GB"/>
+          </a:p>
+        </p:txBody>
+      </p:sp>
+      <p:sp>
+        <p:nvSpPr>
+          <p:cNvPr id="4" name="Slide Number Placeholder 3">
+            <a:extLst>
+              <a:ext uri="{FF2B5EF4-FFF2-40B4-BE49-F238E27FC236}">
+                <a16:creationId xmlns:a16="http://schemas.microsoft.com/office/drawing/2014/main" id="{4BF37B64-8A0F-BA89-A7CB-A7A9635CE940}"/>
+              </a:ext>
+            </a:extLst>
+          </p:cNvPr>
+          <p:cNvSpPr>
+            <a:spLocks noGrp="1"/>
+          </p:cNvSpPr>
+          <p:nvPr>
+            <p:ph type="sldNum" sz="quarter" idx="5"/>
+          </p:nvPr>
+        </p:nvSpPr>
+        <p:spPr/>
+        <p:txBody>
+          <a:bodyPr rtlCol="0"/>
+          <a:lstStyle/>
+          <a:p>
+            <a:pPr rtl="0"/>
+            <a:fld id="{C853816F-A1CF-4485-B308-1B9F14B36EAD}" type="slidenum">
+              <a:rPr lang="en-GB" smtClean="0"/>
+              <a:t>3</a:t>
+            </a:fld>
+            <a:endParaRPr lang="en-GB"/>
+          </a:p>
+        </p:txBody>
+      </p:sp>
+    </p:spTree>
+    <p:extLst>
+      <p:ext uri="{BB962C8B-B14F-4D97-AF65-F5344CB8AC3E}">
+        <p14:creationId xmlns:p14="http://schemas.microsoft.com/office/powerpoint/2010/main" val="1844777118"/>
+      </p:ext>
+    </p:extLst>
+  </p:cSld>
+  <p:clrMapOvr>
+    <a:masterClrMapping/>
+  </p:clrMapOvr>
+</p:notes>
+</file>
+
+<file path=ppt/notesSlides/notesSlide30.xml><?xml version="1.0" encoding="utf-8"?>
+<p:notes xmlns:a="http://schemas.openxmlformats.org/drawingml/2006/main" xmlns:r="http://schemas.openxmlformats.org/officeDocument/2006/relationships" xmlns:p="http://schemas.openxmlformats.org/presentationml/2006/main">
+  <p:cSld>
+    <p:spTree>
+      <p:nvGrpSpPr>
+        <p:cNvPr id="1" name="">
+          <a:extLst>
+            <a:ext uri="{FF2B5EF4-FFF2-40B4-BE49-F238E27FC236}">
+              <a16:creationId xmlns:a16="http://schemas.microsoft.com/office/drawing/2014/main" id="{43EC455D-0298-AE63-598D-A071AAD32707}"/>
+            </a:ext>
+          </a:extLst>
+        </p:cNvPr>
+        <p:cNvGrpSpPr/>
+        <p:nvPr/>
+      </p:nvGrpSpPr>
+      <p:grpSpPr>
+        <a:xfrm>
+          <a:off x="0" y="0"/>
+          <a:ext cx="0" cy="0"/>
+          <a:chOff x="0" y="0"/>
+          <a:chExt cx="0" cy="0"/>
+        </a:xfrm>
+      </p:grpSpPr>
+      <p:sp>
+        <p:nvSpPr>
+          <p:cNvPr id="2" name="Slide Image Placeholder 1">
+            <a:extLst>
+              <a:ext uri="{FF2B5EF4-FFF2-40B4-BE49-F238E27FC236}">
+                <a16:creationId xmlns:a16="http://schemas.microsoft.com/office/drawing/2014/main" id="{6CC48CA2-F15B-7C4E-E65A-84E79C2AE4E7}"/>
+              </a:ext>
+            </a:extLst>
+          </p:cNvPr>
+          <p:cNvSpPr>
+            <a:spLocks noGrp="1" noRot="1" noChangeAspect="1"/>
+          </p:cNvSpPr>
+          <p:nvPr>
+            <p:ph type="sldImg"/>
+          </p:nvPr>
+        </p:nvSpPr>
+        <p:spPr/>
+      </p:sp>
+      <p:sp>
+        <p:nvSpPr>
+          <p:cNvPr id="3" name="Notes Placeholder 2">
+            <a:extLst>
+              <a:ext uri="{FF2B5EF4-FFF2-40B4-BE49-F238E27FC236}">
+                <a16:creationId xmlns:a16="http://schemas.microsoft.com/office/drawing/2014/main" id="{2AFAB4F3-F2D8-0454-A6CC-E5DEDC263BC6}"/>
+              </a:ext>
+            </a:extLst>
+          </p:cNvPr>
+          <p:cNvSpPr>
+            <a:spLocks noGrp="1"/>
+          </p:cNvSpPr>
+          <p:nvPr>
+            <p:ph type="body" idx="1"/>
+          </p:nvPr>
+        </p:nvSpPr>
+        <p:spPr/>
+        <p:txBody>
+          <a:bodyPr rtlCol="0"/>
+          <a:lstStyle/>
+          <a:p>
+            <a:pPr rtl="0"/>
+            <a:endParaRPr lang="en-GB"/>
+          </a:p>
+        </p:txBody>
+      </p:sp>
+      <p:sp>
+        <p:nvSpPr>
+          <p:cNvPr id="4" name="Slide Number Placeholder 3">
+            <a:extLst>
+              <a:ext uri="{FF2B5EF4-FFF2-40B4-BE49-F238E27FC236}">
+                <a16:creationId xmlns:a16="http://schemas.microsoft.com/office/drawing/2014/main" id="{A543EAF3-E629-EE0F-BB9D-6796869A9D8E}"/>
+              </a:ext>
+            </a:extLst>
+          </p:cNvPr>
+          <p:cNvSpPr>
+            <a:spLocks noGrp="1"/>
+          </p:cNvSpPr>
+          <p:nvPr>
+            <p:ph type="sldNum" sz="quarter" idx="5"/>
+          </p:nvPr>
+        </p:nvSpPr>
+        <p:spPr/>
+        <p:txBody>
+          <a:bodyPr rtlCol="0"/>
+          <a:lstStyle/>
+          <a:p>
+            <a:pPr marL="0" marR="0" lvl="0" indent="0" algn="r" defTabSz="914400" rtl="0" eaLnBrk="1" fontAlgn="auto" latinLnBrk="0" hangingPunct="1">
+              <a:lnSpc>
+                <a:spcPct val="100000"/>
+              </a:lnSpc>
+              <a:spcBef>
+                <a:spcPts val="0"/>
+              </a:spcBef>
+              <a:spcAft>
+                <a:spcPts val="0"/>
+              </a:spcAft>
+              <a:buClrTx/>
+              <a:buSzTx/>
+              <a:buFontTx/>
+              <a:buNone/>
+              <a:tabLst/>
+              <a:defRPr/>
+            </a:pPr>
+            <a:fld id="{C853816F-A1CF-4485-B308-1B9F14B36EAD}" type="slidenum">
+              <a:rPr kumimoji="0" lang="en-GB" sz="1200" b="0" i="0" u="none" strike="noStrike" kern="1200" cap="none" spc="0" normalizeH="0" baseline="0" noProof="0" smtClean="0">
+                <a:ln>
+                  <a:noFill/>
+                </a:ln>
+                <a:solidFill>
+                  <a:prstClr val="black"/>
+                </a:solidFill>
+                <a:effectLst/>
+                <a:uLnTx/>
+                <a:uFillTx/>
+                <a:latin typeface="Calibri" panose="020F0502020204030204"/>
+                <a:ea typeface="+mn-ea"/>
+                <a:cs typeface="+mn-cs"/>
+              </a:rPr>
+              <a:pPr marL="0" marR="0" lvl="0" indent="0" algn="r" defTabSz="914400" rtl="0" eaLnBrk="1" fontAlgn="auto" latinLnBrk="0" hangingPunct="1">
+                <a:lnSpc>
+                  <a:spcPct val="100000"/>
+                </a:lnSpc>
+                <a:spcBef>
+                  <a:spcPts val="0"/>
+                </a:spcBef>
+                <a:spcAft>
+                  <a:spcPts val="0"/>
+                </a:spcAft>
+                <a:buClrTx/>
+                <a:buSzTx/>
+                <a:buFontTx/>
+                <a:buNone/>
+                <a:tabLst/>
+                <a:defRPr/>
+              </a:pPr>
+              <a:t>35</a:t>
+            </a:fld>
+            <a:endParaRPr kumimoji="0" lang="en-GB" sz="1200" b="0" i="0" u="none" strike="noStrike" kern="1200" cap="none" spc="0" normalizeH="0" baseline="0" noProof="0">
+              <a:ln>
+                <a:noFill/>
+              </a:ln>
+              <a:solidFill>
+                <a:prstClr val="black"/>
+              </a:solidFill>
+              <a:effectLst/>
+              <a:uLnTx/>
+              <a:uFillTx/>
+              <a:latin typeface="Calibri" panose="020F0502020204030204"/>
+              <a:ea typeface="+mn-ea"/>
+              <a:cs typeface="+mn-cs"/>
+            </a:endParaRPr>
+          </a:p>
+        </p:txBody>
+      </p:sp>
+    </p:spTree>
+    <p:extLst>
+      <p:ext uri="{BB962C8B-B14F-4D97-AF65-F5344CB8AC3E}">
+        <p14:creationId xmlns:p14="http://schemas.microsoft.com/office/powerpoint/2010/main" val="1398290229"/>
+      </p:ext>
+    </p:extLst>
+  </p:cSld>
+  <p:clrMapOvr>
+    <a:masterClrMapping/>
+  </p:clrMapOvr>
+</p:notes>
+</file>
+
+<file path=ppt/notesSlides/notesSlide31.xml><?xml version="1.0" encoding="utf-8"?>
+<p:notes xmlns:a="http://schemas.openxmlformats.org/drawingml/2006/main" xmlns:r="http://schemas.openxmlformats.org/officeDocument/2006/relationships" xmlns:p="http://schemas.openxmlformats.org/presentationml/2006/main">
+  <p:cSld>
+    <p:spTree>
+      <p:nvGrpSpPr>
+        <p:cNvPr id="1" name="">
+          <a:extLst>
+            <a:ext uri="{FF2B5EF4-FFF2-40B4-BE49-F238E27FC236}">
+              <a16:creationId xmlns:a16="http://schemas.microsoft.com/office/drawing/2014/main" id="{E97C7C03-B484-8AA0-F89C-87BC555E60FE}"/>
+            </a:ext>
+          </a:extLst>
+        </p:cNvPr>
+        <p:cNvGrpSpPr/>
+        <p:nvPr/>
+      </p:nvGrpSpPr>
+      <p:grpSpPr>
+        <a:xfrm>
+          <a:off x="0" y="0"/>
+          <a:ext cx="0" cy="0"/>
+          <a:chOff x="0" y="0"/>
+          <a:chExt cx="0" cy="0"/>
+        </a:xfrm>
+      </p:grpSpPr>
+      <p:sp>
+        <p:nvSpPr>
+          <p:cNvPr id="2" name="Slide Image Placeholder 1">
+            <a:extLst>
+              <a:ext uri="{FF2B5EF4-FFF2-40B4-BE49-F238E27FC236}">
+                <a16:creationId xmlns:a16="http://schemas.microsoft.com/office/drawing/2014/main" id="{63F96518-4977-89CA-AEBB-1E821EB8DCA1}"/>
+              </a:ext>
+            </a:extLst>
+          </p:cNvPr>
+          <p:cNvSpPr>
+            <a:spLocks noGrp="1" noRot="1" noChangeAspect="1"/>
+          </p:cNvSpPr>
+          <p:nvPr>
+            <p:ph type="sldImg"/>
+          </p:nvPr>
+        </p:nvSpPr>
+        <p:spPr/>
+      </p:sp>
+      <p:sp>
+        <p:nvSpPr>
+          <p:cNvPr id="3" name="Notes Placeholder 2">
+            <a:extLst>
+              <a:ext uri="{FF2B5EF4-FFF2-40B4-BE49-F238E27FC236}">
+                <a16:creationId xmlns:a16="http://schemas.microsoft.com/office/drawing/2014/main" id="{676F02D6-B89A-80B9-EB84-B50CF380008A}"/>
+              </a:ext>
+            </a:extLst>
+          </p:cNvPr>
+          <p:cNvSpPr>
+            <a:spLocks noGrp="1"/>
+          </p:cNvSpPr>
+          <p:nvPr>
+            <p:ph type="body" idx="1"/>
+          </p:nvPr>
+        </p:nvSpPr>
+        <p:spPr/>
+        <p:txBody>
+          <a:bodyPr rtlCol="0"/>
+          <a:lstStyle/>
+          <a:p>
+            <a:pPr rtl="0"/>
+            <a:endParaRPr lang="en-GB"/>
+          </a:p>
+        </p:txBody>
+      </p:sp>
+      <p:sp>
+        <p:nvSpPr>
+          <p:cNvPr id="4" name="Slide Number Placeholder 3">
+            <a:extLst>
+              <a:ext uri="{FF2B5EF4-FFF2-40B4-BE49-F238E27FC236}">
+                <a16:creationId xmlns:a16="http://schemas.microsoft.com/office/drawing/2014/main" id="{4A1F9B01-6F2E-7FAE-D140-26FCDCFB19BB}"/>
+              </a:ext>
+            </a:extLst>
+          </p:cNvPr>
+          <p:cNvSpPr>
+            <a:spLocks noGrp="1"/>
+          </p:cNvSpPr>
+          <p:nvPr>
+            <p:ph type="sldNum" sz="quarter" idx="5"/>
+          </p:nvPr>
+        </p:nvSpPr>
+        <p:spPr/>
+        <p:txBody>
+          <a:bodyPr rtlCol="0"/>
+          <a:lstStyle/>
+          <a:p>
+            <a:pPr marL="0" marR="0" lvl="0" indent="0" algn="r" defTabSz="914400" rtl="0" eaLnBrk="1" fontAlgn="auto" latinLnBrk="0" hangingPunct="1">
+              <a:lnSpc>
+                <a:spcPct val="100000"/>
+              </a:lnSpc>
+              <a:spcBef>
+                <a:spcPts val="0"/>
+              </a:spcBef>
+              <a:spcAft>
+                <a:spcPts val="0"/>
+              </a:spcAft>
+              <a:buClrTx/>
+              <a:buSzTx/>
+              <a:buFontTx/>
+              <a:buNone/>
+              <a:tabLst/>
+              <a:defRPr/>
+            </a:pPr>
+            <a:fld id="{C853816F-A1CF-4485-B308-1B9F14B36EAD}" type="slidenum">
+              <a:rPr kumimoji="0" lang="en-GB" sz="1200" b="0" i="0" u="none" strike="noStrike" kern="1200" cap="none" spc="0" normalizeH="0" baseline="0" noProof="0" smtClean="0">
+                <a:ln>
+                  <a:noFill/>
+                </a:ln>
+                <a:solidFill>
+                  <a:prstClr val="black"/>
+                </a:solidFill>
+                <a:effectLst/>
+                <a:uLnTx/>
+                <a:uFillTx/>
+                <a:latin typeface="Calibri" panose="020F0502020204030204"/>
+                <a:ea typeface="+mn-ea"/>
+                <a:cs typeface="+mn-cs"/>
+              </a:rPr>
+              <a:pPr marL="0" marR="0" lvl="0" indent="0" algn="r" defTabSz="914400" rtl="0" eaLnBrk="1" fontAlgn="auto" latinLnBrk="0" hangingPunct="1">
+                <a:lnSpc>
+                  <a:spcPct val="100000"/>
+                </a:lnSpc>
+                <a:spcBef>
+                  <a:spcPts val="0"/>
+                </a:spcBef>
+                <a:spcAft>
+                  <a:spcPts val="0"/>
+                </a:spcAft>
+                <a:buClrTx/>
+                <a:buSzTx/>
+                <a:buFontTx/>
+                <a:buNone/>
+                <a:tabLst/>
+                <a:defRPr/>
+              </a:pPr>
+              <a:t>36</a:t>
+            </a:fld>
+            <a:endParaRPr kumimoji="0" lang="en-GB" sz="1200" b="0" i="0" u="none" strike="noStrike" kern="1200" cap="none" spc="0" normalizeH="0" baseline="0" noProof="0">
+              <a:ln>
+                <a:noFill/>
+              </a:ln>
+              <a:solidFill>
+                <a:prstClr val="black"/>
+              </a:solidFill>
+              <a:effectLst/>
+              <a:uLnTx/>
+              <a:uFillTx/>
+              <a:latin typeface="Calibri" panose="020F0502020204030204"/>
+              <a:ea typeface="+mn-ea"/>
+              <a:cs typeface="+mn-cs"/>
+            </a:endParaRPr>
+          </a:p>
+        </p:txBody>
+      </p:sp>
+    </p:spTree>
+    <p:extLst>
+      <p:ext uri="{BB962C8B-B14F-4D97-AF65-F5344CB8AC3E}">
+        <p14:creationId xmlns:p14="http://schemas.microsoft.com/office/powerpoint/2010/main" val="3374709498"/>
+      </p:ext>
+    </p:extLst>
+  </p:cSld>
+  <p:clrMapOvr>
+    <a:masterClrMapping/>
+  </p:clrMapOvr>
+</p:notes>
+</file>
+
+<file path=ppt/notesSlides/notesSlide32.xml><?xml version="1.0" encoding="utf-8"?>
+<p:notes xmlns:a="http://schemas.openxmlformats.org/drawingml/2006/main" xmlns:r="http://schemas.openxmlformats.org/officeDocument/2006/relationships" xmlns:p="http://schemas.openxmlformats.org/presentationml/2006/main">
+  <p:cSld>
+    <p:spTree>
+      <p:nvGrpSpPr>
+        <p:cNvPr id="1" name="">
+          <a:extLst>
+            <a:ext uri="{FF2B5EF4-FFF2-40B4-BE49-F238E27FC236}">
+              <a16:creationId xmlns:a16="http://schemas.microsoft.com/office/drawing/2014/main" id="{1445C856-7734-A816-3318-7671234E31AC}"/>
+            </a:ext>
+          </a:extLst>
+        </p:cNvPr>
+        <p:cNvGrpSpPr/>
+        <p:nvPr/>
+      </p:nvGrpSpPr>
+      <p:grpSpPr>
+        <a:xfrm>
+          <a:off x="0" y="0"/>
+          <a:ext cx="0" cy="0"/>
+          <a:chOff x="0" y="0"/>
+          <a:chExt cx="0" cy="0"/>
+        </a:xfrm>
+      </p:grpSpPr>
+      <p:sp>
+        <p:nvSpPr>
+          <p:cNvPr id="2" name="Slide Image Placeholder 1">
+            <a:extLst>
+              <a:ext uri="{FF2B5EF4-FFF2-40B4-BE49-F238E27FC236}">
+                <a16:creationId xmlns:a16="http://schemas.microsoft.com/office/drawing/2014/main" id="{C41E3648-EDE1-FCC1-DD8F-2FDEA89F8816}"/>
+              </a:ext>
+            </a:extLst>
+          </p:cNvPr>
+          <p:cNvSpPr>
+            <a:spLocks noGrp="1" noRot="1" noChangeAspect="1"/>
+          </p:cNvSpPr>
+          <p:nvPr>
+            <p:ph type="sldImg"/>
+          </p:nvPr>
+        </p:nvSpPr>
+        <p:spPr/>
+      </p:sp>
+      <p:sp>
+        <p:nvSpPr>
+          <p:cNvPr id="3" name="Notes Placeholder 2">
+            <a:extLst>
+              <a:ext uri="{FF2B5EF4-FFF2-40B4-BE49-F238E27FC236}">
+                <a16:creationId xmlns:a16="http://schemas.microsoft.com/office/drawing/2014/main" id="{A01F8E4E-677C-8CC2-5AFA-6244797EE5DB}"/>
+              </a:ext>
+            </a:extLst>
+          </p:cNvPr>
+          <p:cNvSpPr>
+            <a:spLocks noGrp="1"/>
+          </p:cNvSpPr>
+          <p:nvPr>
+            <p:ph type="body" idx="1"/>
+          </p:nvPr>
+        </p:nvSpPr>
+        <p:spPr/>
+        <p:txBody>
+          <a:bodyPr rtlCol="0"/>
+          <a:lstStyle/>
+          <a:p>
+            <a:pPr rtl="0"/>
+            <a:endParaRPr lang="en-GB"/>
+          </a:p>
+        </p:txBody>
+      </p:sp>
+      <p:sp>
+        <p:nvSpPr>
+          <p:cNvPr id="4" name="Slide Number Placeholder 3">
+            <a:extLst>
+              <a:ext uri="{FF2B5EF4-FFF2-40B4-BE49-F238E27FC236}">
+                <a16:creationId xmlns:a16="http://schemas.microsoft.com/office/drawing/2014/main" id="{E563EB4F-C5EF-A6D0-31A0-605F9DB7A587}"/>
+              </a:ext>
+            </a:extLst>
+          </p:cNvPr>
+          <p:cNvSpPr>
+            <a:spLocks noGrp="1"/>
+          </p:cNvSpPr>
+          <p:nvPr>
+            <p:ph type="sldNum" sz="quarter" idx="5"/>
+          </p:nvPr>
+        </p:nvSpPr>
+        <p:spPr/>
+        <p:txBody>
+          <a:bodyPr rtlCol="0"/>
+          <a:lstStyle/>
+          <a:p>
+            <a:pPr marL="0" marR="0" lvl="0" indent="0" algn="r" defTabSz="914400" rtl="0" eaLnBrk="1" fontAlgn="auto" latinLnBrk="0" hangingPunct="1">
+              <a:lnSpc>
+                <a:spcPct val="100000"/>
+              </a:lnSpc>
+              <a:spcBef>
+                <a:spcPts val="0"/>
+              </a:spcBef>
+              <a:spcAft>
+                <a:spcPts val="0"/>
+              </a:spcAft>
+              <a:buClrTx/>
+              <a:buSzTx/>
+              <a:buFontTx/>
+              <a:buNone/>
+              <a:tabLst/>
+              <a:defRPr/>
+            </a:pPr>
+            <a:fld id="{C853816F-A1CF-4485-B308-1B9F14B36EAD}" type="slidenum">
+              <a:rPr kumimoji="0" lang="en-GB" sz="1200" b="0" i="0" u="none" strike="noStrike" kern="1200" cap="none" spc="0" normalizeH="0" baseline="0" noProof="0" smtClean="0">
+                <a:ln>
+                  <a:noFill/>
+                </a:ln>
+                <a:solidFill>
+                  <a:prstClr val="black"/>
+                </a:solidFill>
+                <a:effectLst/>
+                <a:uLnTx/>
+                <a:uFillTx/>
+                <a:latin typeface="Calibri" panose="020F0502020204030204"/>
+                <a:ea typeface="+mn-ea"/>
+                <a:cs typeface="+mn-cs"/>
+              </a:rPr>
+              <a:pPr marL="0" marR="0" lvl="0" indent="0" algn="r" defTabSz="914400" rtl="0" eaLnBrk="1" fontAlgn="auto" latinLnBrk="0" hangingPunct="1">
+                <a:lnSpc>
+                  <a:spcPct val="100000"/>
+                </a:lnSpc>
+                <a:spcBef>
+                  <a:spcPts val="0"/>
+                </a:spcBef>
+                <a:spcAft>
+                  <a:spcPts val="0"/>
+                </a:spcAft>
+                <a:buClrTx/>
+                <a:buSzTx/>
+                <a:buFontTx/>
+                <a:buNone/>
+                <a:tabLst/>
+                <a:defRPr/>
+              </a:pPr>
+              <a:t>37</a:t>
+            </a:fld>
+            <a:endParaRPr kumimoji="0" lang="en-GB" sz="1200" b="0" i="0" u="none" strike="noStrike" kern="1200" cap="none" spc="0" normalizeH="0" baseline="0" noProof="0">
+              <a:ln>
+                <a:noFill/>
+              </a:ln>
+              <a:solidFill>
+                <a:prstClr val="black"/>
+              </a:solidFill>
+              <a:effectLst/>
+              <a:uLnTx/>
+              <a:uFillTx/>
+              <a:latin typeface="Calibri" panose="020F0502020204030204"/>
+              <a:ea typeface="+mn-ea"/>
+              <a:cs typeface="+mn-cs"/>
+            </a:endParaRPr>
+          </a:p>
+        </p:txBody>
+      </p:sp>
+    </p:spTree>
+    <p:extLst>
+      <p:ext uri="{BB962C8B-B14F-4D97-AF65-F5344CB8AC3E}">
+        <p14:creationId xmlns:p14="http://schemas.microsoft.com/office/powerpoint/2010/main" val="1632540104"/>
+      </p:ext>
+    </p:extLst>
+  </p:cSld>
+  <p:clrMapOvr>
+    <a:masterClrMapping/>
+  </p:clrMapOvr>
+</p:notes>
+</file>
+
+<file path=ppt/notesSlides/notesSlide33.xml><?xml version="1.0" encoding="utf-8"?>
+<p:notes xmlns:a="http://schemas.openxmlformats.org/drawingml/2006/main" xmlns:r="http://schemas.openxmlformats.org/officeDocument/2006/relationships" xmlns:p="http://schemas.openxmlformats.org/presentationml/2006/main">
+  <p:cSld>
+    <p:spTree>
+      <p:nvGrpSpPr>
+        <p:cNvPr id="1" name="">
+          <a:extLst>
+            <a:ext uri="{FF2B5EF4-FFF2-40B4-BE49-F238E27FC236}">
+              <a16:creationId xmlns:a16="http://schemas.microsoft.com/office/drawing/2014/main" id="{BBD142CE-E40B-78D2-E1CB-F529EFCA6A81}"/>
+            </a:ext>
+          </a:extLst>
+        </p:cNvPr>
+        <p:cNvGrpSpPr/>
+        <p:nvPr/>
+      </p:nvGrpSpPr>
+      <p:grpSpPr>
+        <a:xfrm>
+          <a:off x="0" y="0"/>
+          <a:ext cx="0" cy="0"/>
+          <a:chOff x="0" y="0"/>
+          <a:chExt cx="0" cy="0"/>
+        </a:xfrm>
+      </p:grpSpPr>
+      <p:sp>
+        <p:nvSpPr>
+          <p:cNvPr id="2" name="Slide Image Placeholder 1">
+            <a:extLst>
+              <a:ext uri="{FF2B5EF4-FFF2-40B4-BE49-F238E27FC236}">
+                <a16:creationId xmlns:a16="http://schemas.microsoft.com/office/drawing/2014/main" id="{1243F738-C8C3-C168-72FE-8F310A811805}"/>
+              </a:ext>
+            </a:extLst>
+          </p:cNvPr>
+          <p:cNvSpPr>
+            <a:spLocks noGrp="1" noRot="1" noChangeAspect="1"/>
+          </p:cNvSpPr>
+          <p:nvPr>
+            <p:ph type="sldImg"/>
+          </p:nvPr>
+        </p:nvSpPr>
+        <p:spPr/>
+      </p:sp>
+      <p:sp>
+        <p:nvSpPr>
+          <p:cNvPr id="3" name="Notes Placeholder 2">
+            <a:extLst>
+              <a:ext uri="{FF2B5EF4-FFF2-40B4-BE49-F238E27FC236}">
+                <a16:creationId xmlns:a16="http://schemas.microsoft.com/office/drawing/2014/main" id="{4DCED629-4FA6-2C51-D5DA-D0D3CDE6671E}"/>
+              </a:ext>
+            </a:extLst>
+          </p:cNvPr>
+          <p:cNvSpPr>
+            <a:spLocks noGrp="1"/>
+          </p:cNvSpPr>
+          <p:nvPr>
+            <p:ph type="body" idx="1"/>
+          </p:nvPr>
+        </p:nvSpPr>
+        <p:spPr/>
+        <p:txBody>
+          <a:bodyPr rtlCol="0"/>
+          <a:lstStyle/>
+          <a:p>
+            <a:pPr rtl="0"/>
+            <a:endParaRPr lang="en-GB"/>
+          </a:p>
+        </p:txBody>
+      </p:sp>
+      <p:sp>
+        <p:nvSpPr>
+          <p:cNvPr id="4" name="Slide Number Placeholder 3">
+            <a:extLst>
+              <a:ext uri="{FF2B5EF4-FFF2-40B4-BE49-F238E27FC236}">
+                <a16:creationId xmlns:a16="http://schemas.microsoft.com/office/drawing/2014/main" id="{FEACDA60-CD6C-F4AA-C325-A2C0A10427EE}"/>
+              </a:ext>
+            </a:extLst>
+          </p:cNvPr>
+          <p:cNvSpPr>
+            <a:spLocks noGrp="1"/>
+          </p:cNvSpPr>
+          <p:nvPr>
+            <p:ph type="sldNum" sz="quarter" idx="5"/>
+          </p:nvPr>
+        </p:nvSpPr>
+        <p:spPr/>
+        <p:txBody>
+          <a:bodyPr rtlCol="0"/>
+          <a:lstStyle/>
+          <a:p>
+            <a:pPr marL="0" marR="0" lvl="0" indent="0" algn="r" defTabSz="914400" rtl="0" eaLnBrk="1" fontAlgn="auto" latinLnBrk="0" hangingPunct="1">
+              <a:lnSpc>
+                <a:spcPct val="100000"/>
+              </a:lnSpc>
+              <a:spcBef>
+                <a:spcPts val="0"/>
+              </a:spcBef>
+              <a:spcAft>
+                <a:spcPts val="0"/>
+              </a:spcAft>
+              <a:buClrTx/>
+              <a:buSzTx/>
+              <a:buFontTx/>
+              <a:buNone/>
+              <a:tabLst/>
+              <a:defRPr/>
+            </a:pPr>
+            <a:fld id="{C853816F-A1CF-4485-B308-1B9F14B36EAD}" type="slidenum">
+              <a:rPr kumimoji="0" lang="en-GB" sz="1200" b="0" i="0" u="none" strike="noStrike" kern="1200" cap="none" spc="0" normalizeH="0" baseline="0" noProof="0" smtClean="0">
+                <a:ln>
+                  <a:noFill/>
+                </a:ln>
+                <a:solidFill>
+                  <a:prstClr val="black"/>
+                </a:solidFill>
+                <a:effectLst/>
+                <a:uLnTx/>
+                <a:uFillTx/>
+                <a:latin typeface="Calibri" panose="020F0502020204030204"/>
+                <a:ea typeface="+mn-ea"/>
+                <a:cs typeface="+mn-cs"/>
+              </a:rPr>
+              <a:pPr marL="0" marR="0" lvl="0" indent="0" algn="r" defTabSz="914400" rtl="0" eaLnBrk="1" fontAlgn="auto" latinLnBrk="0" hangingPunct="1">
+                <a:lnSpc>
+                  <a:spcPct val="100000"/>
+                </a:lnSpc>
+                <a:spcBef>
+                  <a:spcPts val="0"/>
+                </a:spcBef>
+                <a:spcAft>
+                  <a:spcPts val="0"/>
+                </a:spcAft>
+                <a:buClrTx/>
+                <a:buSzTx/>
+                <a:buFontTx/>
+                <a:buNone/>
+                <a:tabLst/>
+                <a:defRPr/>
+              </a:pPr>
+              <a:t>38</a:t>
+            </a:fld>
+            <a:endParaRPr kumimoji="0" lang="en-GB" sz="1200" b="0" i="0" u="none" strike="noStrike" kern="1200" cap="none" spc="0" normalizeH="0" baseline="0" noProof="0">
+              <a:ln>
+                <a:noFill/>
+              </a:ln>
+              <a:solidFill>
+                <a:prstClr val="black"/>
+              </a:solidFill>
+              <a:effectLst/>
+              <a:uLnTx/>
+              <a:uFillTx/>
+              <a:latin typeface="Calibri" panose="020F0502020204030204"/>
+              <a:ea typeface="+mn-ea"/>
+              <a:cs typeface="+mn-cs"/>
+            </a:endParaRPr>
+          </a:p>
+        </p:txBody>
+      </p:sp>
+    </p:spTree>
+    <p:extLst>
+      <p:ext uri="{BB962C8B-B14F-4D97-AF65-F5344CB8AC3E}">
+        <p14:creationId xmlns:p14="http://schemas.microsoft.com/office/powerpoint/2010/main" val="1951737796"/>
+      </p:ext>
+    </p:extLst>
+  </p:cSld>
+  <p:clrMapOvr>
+    <a:masterClrMapping/>
+  </p:clrMapOvr>
+</p:notes>
+</file>
+
+<file path=ppt/notesSlides/notesSlide34.xml><?xml version="1.0" encoding="utf-8"?>
+<p:notes xmlns:a="http://schemas.openxmlformats.org/drawingml/2006/main" xmlns:r="http://schemas.openxmlformats.org/officeDocument/2006/relationships" xmlns:p="http://schemas.openxmlformats.org/presentationml/2006/main">
+  <p:cSld>
+    <p:spTree>
+      <p:nvGrpSpPr>
+        <p:cNvPr id="1" name="">
+          <a:extLst>
+            <a:ext uri="{FF2B5EF4-FFF2-40B4-BE49-F238E27FC236}">
+              <a16:creationId xmlns:a16="http://schemas.microsoft.com/office/drawing/2014/main" id="{52DF4885-F4B9-2BB6-E14C-21514E40FDE3}"/>
+            </a:ext>
+          </a:extLst>
+        </p:cNvPr>
+        <p:cNvGrpSpPr/>
+        <p:nvPr/>
+      </p:nvGrpSpPr>
+      <p:grpSpPr>
+        <a:xfrm>
+          <a:off x="0" y="0"/>
+          <a:ext cx="0" cy="0"/>
+          <a:chOff x="0" y="0"/>
+          <a:chExt cx="0" cy="0"/>
+        </a:xfrm>
+      </p:grpSpPr>
+      <p:sp>
+        <p:nvSpPr>
+          <p:cNvPr id="2" name="Slide Image Placeholder 1">
+            <a:extLst>
+              <a:ext uri="{FF2B5EF4-FFF2-40B4-BE49-F238E27FC236}">
+                <a16:creationId xmlns:a16="http://schemas.microsoft.com/office/drawing/2014/main" id="{69E93B22-BE13-7899-3A96-E368AA783B4A}"/>
+              </a:ext>
+            </a:extLst>
+          </p:cNvPr>
+          <p:cNvSpPr>
+            <a:spLocks noGrp="1" noRot="1" noChangeAspect="1"/>
+          </p:cNvSpPr>
+          <p:nvPr>
+            <p:ph type="sldImg"/>
+          </p:nvPr>
+        </p:nvSpPr>
+        <p:spPr/>
+      </p:sp>
+      <p:sp>
+        <p:nvSpPr>
+          <p:cNvPr id="3" name="Notes Placeholder 2">
+            <a:extLst>
+              <a:ext uri="{FF2B5EF4-FFF2-40B4-BE49-F238E27FC236}">
+                <a16:creationId xmlns:a16="http://schemas.microsoft.com/office/drawing/2014/main" id="{79828085-6792-3DE2-75A5-E7E4EB955C72}"/>
+              </a:ext>
+            </a:extLst>
+          </p:cNvPr>
+          <p:cNvSpPr>
+            <a:spLocks noGrp="1"/>
+          </p:cNvSpPr>
+          <p:nvPr>
+            <p:ph type="body" idx="1"/>
+          </p:nvPr>
+        </p:nvSpPr>
+        <p:spPr/>
+        <p:txBody>
+          <a:bodyPr rtlCol="0"/>
+          <a:lstStyle/>
+          <a:p>
+            <a:pPr rtl="0"/>
+            <a:endParaRPr lang="en-GB"/>
+          </a:p>
+        </p:txBody>
+      </p:sp>
+      <p:sp>
+        <p:nvSpPr>
+          <p:cNvPr id="4" name="Slide Number Placeholder 3">
+            <a:extLst>
+              <a:ext uri="{FF2B5EF4-FFF2-40B4-BE49-F238E27FC236}">
+                <a16:creationId xmlns:a16="http://schemas.microsoft.com/office/drawing/2014/main" id="{F62C85EF-C20A-B995-5E46-4A9FBF746A01}"/>
+              </a:ext>
+            </a:extLst>
+          </p:cNvPr>
+          <p:cNvSpPr>
+            <a:spLocks noGrp="1"/>
+          </p:cNvSpPr>
+          <p:nvPr>
+            <p:ph type="sldNum" sz="quarter" idx="5"/>
+          </p:nvPr>
+        </p:nvSpPr>
+        <p:spPr/>
+        <p:txBody>
+          <a:bodyPr rtlCol="0"/>
+          <a:lstStyle/>
+          <a:p>
+            <a:pPr marL="0" marR="0" lvl="0" indent="0" algn="r" defTabSz="914400" rtl="0" eaLnBrk="1" fontAlgn="auto" latinLnBrk="0" hangingPunct="1">
+              <a:lnSpc>
+                <a:spcPct val="100000"/>
+              </a:lnSpc>
+              <a:spcBef>
+                <a:spcPts val="0"/>
+              </a:spcBef>
+              <a:spcAft>
+                <a:spcPts val="0"/>
+              </a:spcAft>
+              <a:buClrTx/>
+              <a:buSzTx/>
+              <a:buFontTx/>
+              <a:buNone/>
+              <a:tabLst/>
+              <a:defRPr/>
+            </a:pPr>
+            <a:fld id="{C853816F-A1CF-4485-B308-1B9F14B36EAD}" type="slidenum">
+              <a:rPr kumimoji="0" lang="en-GB" sz="1200" b="0" i="0" u="none" strike="noStrike" kern="1200" cap="none" spc="0" normalizeH="0" baseline="0" noProof="0" smtClean="0">
+                <a:ln>
+                  <a:noFill/>
+                </a:ln>
+                <a:solidFill>
+                  <a:prstClr val="black"/>
+                </a:solidFill>
+                <a:effectLst/>
+                <a:uLnTx/>
+                <a:uFillTx/>
+                <a:latin typeface="Calibri" panose="020F0502020204030204"/>
+                <a:ea typeface="+mn-ea"/>
+                <a:cs typeface="+mn-cs"/>
+              </a:rPr>
+              <a:pPr marL="0" marR="0" lvl="0" indent="0" algn="r" defTabSz="914400" rtl="0" eaLnBrk="1" fontAlgn="auto" latinLnBrk="0" hangingPunct="1">
+                <a:lnSpc>
+                  <a:spcPct val="100000"/>
+                </a:lnSpc>
+                <a:spcBef>
+                  <a:spcPts val="0"/>
+                </a:spcBef>
+                <a:spcAft>
+                  <a:spcPts val="0"/>
+                </a:spcAft>
+                <a:buClrTx/>
+                <a:buSzTx/>
+                <a:buFontTx/>
+                <a:buNone/>
+                <a:tabLst/>
+                <a:defRPr/>
+              </a:pPr>
+              <a:t>39</a:t>
+            </a:fld>
+            <a:endParaRPr kumimoji="0" lang="en-GB" sz="1200" b="0" i="0" u="none" strike="noStrike" kern="1200" cap="none" spc="0" normalizeH="0" baseline="0" noProof="0">
+              <a:ln>
+                <a:noFill/>
+              </a:ln>
+              <a:solidFill>
+                <a:prstClr val="black"/>
+              </a:solidFill>
+              <a:effectLst/>
+              <a:uLnTx/>
+              <a:uFillTx/>
+              <a:latin typeface="Calibri" panose="020F0502020204030204"/>
+              <a:ea typeface="+mn-ea"/>
+              <a:cs typeface="+mn-cs"/>
+            </a:endParaRPr>
+          </a:p>
+        </p:txBody>
+      </p:sp>
+    </p:spTree>
+    <p:extLst>
+      <p:ext uri="{BB962C8B-B14F-4D97-AF65-F5344CB8AC3E}">
         <p14:creationId xmlns:p14="http://schemas.microsoft.com/office/powerpoint/2010/main" val="3881250367"/>
       </p:ext>
     </p:extLst>
@@ -4171,71 +4478,11 @@
           <a:bodyPr/>
           <a:lstStyle/>
           <a:p>
-            <a:pPr marL="0" marR="0" lvl="0" indent="0" algn="r" defTabSz="457200" rtl="0" eaLnBrk="1" fontAlgn="auto" latinLnBrk="0" hangingPunct="1">
-              <a:lnSpc>
-                <a:spcPct val="100000"/>
-              </a:lnSpc>
-              <a:spcBef>
-                <a:spcPts val="0"/>
-              </a:spcBef>
-              <a:spcAft>
-                <a:spcPts val="0"/>
-              </a:spcAft>
-              <a:buClrTx/>
-              <a:buSzTx/>
-              <a:buFontTx/>
-              <a:buNone/>
-              <a:tabLst/>
-              <a:defRPr/>
-            </a:pPr>
             <a:fld id="{29FD0DB3-546B-4F1D-861A-BFC44BF53FF8}" type="slidenum">
-              <a:rPr kumimoji="0" lang="en-US" sz="1200" b="0" i="0" u="none" strike="noStrike" kern="1200" cap="none" spc="0" normalizeH="0" baseline="0" noProof="0" smtClean="0">
-                <a:ln>
-                  <a:noFill/>
-                </a:ln>
-                <a:solidFill>
-                  <a:prstClr val="black"/>
-                </a:solidFill>
-                <a:effectLst/>
-                <a:uLnTx/>
-                <a:uFillTx/>
-                <a:latin typeface="Calibri" panose="020F0502020204030204"/>
-                <a:ea typeface="+mn-ea"/>
-                <a:cs typeface="+mn-cs"/>
-              </a:rPr>
-              <a:pPr marL="0" marR="0" lvl="0" indent="0" algn="r" defTabSz="457200" rtl="0" eaLnBrk="1" fontAlgn="auto" latinLnBrk="0" hangingPunct="1">
-                <a:lnSpc>
-                  <a:spcPct val="100000"/>
-                </a:lnSpc>
-                <a:spcBef>
-                  <a:spcPts val="0"/>
-                </a:spcBef>
-                <a:spcAft>
-                  <a:spcPts val="0"/>
-                </a:spcAft>
-                <a:buClrTx/>
-                <a:buSzTx/>
-                <a:buFontTx/>
-                <a:buNone/>
-                <a:tabLst/>
-                <a:defRPr/>
-              </a:pPr>
+              <a:rPr lang="en-US" smtClean="0"/>
               <a:t>4</a:t>
             </a:fld>
-            <a:endParaRPr kumimoji="0" lang="en-US" sz="1200" b="0" i="0" u="none" strike="noStrike" kern="1200" cap="none" spc="0" normalizeH="0" baseline="0" noProof="0">
-              <a:ln>
-                <a:noFill/>
-              </a:ln>
-              <a:solidFill>
-                <a:prstClr val="black"/>
-              </a:solidFill>
-              <a:effectLst/>
-              <a:uLnTx/>
-              <a:uFillTx/>
-              <a:latin typeface="Calibri" panose="020F0502020204030204"/>
-              <a:ea typeface="+mn-ea"/>
-              <a:cs typeface="+mn-cs"/>
-            </a:endParaRPr>
+            <a:endParaRPr lang="en-US"/>
           </a:p>
         </p:txBody>
       </p:sp>
@@ -4315,71 +4562,11 @@
           <a:bodyPr/>
           <a:lstStyle/>
           <a:p>
-            <a:pPr marL="0" marR="0" lvl="0" indent="0" algn="r" defTabSz="457200" rtl="0" eaLnBrk="1" fontAlgn="auto" latinLnBrk="0" hangingPunct="1">
-              <a:lnSpc>
-                <a:spcPct val="100000"/>
-              </a:lnSpc>
-              <a:spcBef>
-                <a:spcPts val="0"/>
-              </a:spcBef>
-              <a:spcAft>
-                <a:spcPts val="0"/>
-              </a:spcAft>
-              <a:buClrTx/>
-              <a:buSzTx/>
-              <a:buFontTx/>
-              <a:buNone/>
-              <a:tabLst/>
-              <a:defRPr/>
-            </a:pPr>
             <a:fld id="{29FD0DB3-546B-4F1D-861A-BFC44BF53FF8}" type="slidenum">
-              <a:rPr kumimoji="0" lang="en-US" sz="1200" b="0" i="0" u="none" strike="noStrike" kern="1200" cap="none" spc="0" normalizeH="0" baseline="0" noProof="0" smtClean="0">
-                <a:ln>
-                  <a:noFill/>
-                </a:ln>
-                <a:solidFill>
-                  <a:prstClr val="black"/>
-                </a:solidFill>
-                <a:effectLst/>
-                <a:uLnTx/>
-                <a:uFillTx/>
-                <a:latin typeface="Calibri" panose="020F0502020204030204"/>
-                <a:ea typeface="+mn-ea"/>
-                <a:cs typeface="+mn-cs"/>
-              </a:rPr>
-              <a:pPr marL="0" marR="0" lvl="0" indent="0" algn="r" defTabSz="457200" rtl="0" eaLnBrk="1" fontAlgn="auto" latinLnBrk="0" hangingPunct="1">
-                <a:lnSpc>
-                  <a:spcPct val="100000"/>
-                </a:lnSpc>
-                <a:spcBef>
-                  <a:spcPts val="0"/>
-                </a:spcBef>
-                <a:spcAft>
-                  <a:spcPts val="0"/>
-                </a:spcAft>
-                <a:buClrTx/>
-                <a:buSzTx/>
-                <a:buFontTx/>
-                <a:buNone/>
-                <a:tabLst/>
-                <a:defRPr/>
-              </a:pPr>
+              <a:rPr lang="en-US" smtClean="0"/>
               <a:t>5</a:t>
             </a:fld>
-            <a:endParaRPr kumimoji="0" lang="en-US" sz="1200" b="0" i="0" u="none" strike="noStrike" kern="1200" cap="none" spc="0" normalizeH="0" baseline="0" noProof="0">
-              <a:ln>
-                <a:noFill/>
-              </a:ln>
-              <a:solidFill>
-                <a:prstClr val="black"/>
-              </a:solidFill>
-              <a:effectLst/>
-              <a:uLnTx/>
-              <a:uFillTx/>
-              <a:latin typeface="Calibri" panose="020F0502020204030204"/>
-              <a:ea typeface="+mn-ea"/>
-              <a:cs typeface="+mn-cs"/>
-            </a:endParaRPr>
+            <a:endParaRPr lang="en-US"/>
           </a:p>
         </p:txBody>
       </p:sp>
@@ -4401,13 +4588,7 @@
   <p:cSld>
     <p:spTree>
       <p:nvGrpSpPr>
-        <p:cNvPr id="1" name="">
-          <a:extLst>
-            <a:ext uri="{FF2B5EF4-FFF2-40B4-BE49-F238E27FC236}">
-              <a16:creationId xmlns:a16="http://schemas.microsoft.com/office/drawing/2014/main" xmlns="" id="{CC681099-9B43-EC6A-1582-C73B5AB18496}"/>
-            </a:ext>
-          </a:extLst>
-        </p:cNvPr>
+        <p:cNvPr id="1" name=""/>
         <p:cNvGrpSpPr/>
         <p:nvPr/>
       </p:nvGrpSpPr>
@@ -4421,13 +4602,7 @@
       </p:grpSpPr>
       <p:sp>
         <p:nvSpPr>
-          <p:cNvPr id="2" name="Slide Image Placeholder 1">
-            <a:extLst>
-              <a:ext uri="{FF2B5EF4-FFF2-40B4-BE49-F238E27FC236}">
-                <a16:creationId xmlns:a16="http://schemas.microsoft.com/office/drawing/2014/main" xmlns="" id="{506D468E-2866-D230-CE4C-4CC8C119C35E}"/>
-              </a:ext>
-            </a:extLst>
-          </p:cNvPr>
+          <p:cNvPr id="2" name="Slide Image Placeholder 1"/>
           <p:cNvSpPr>
             <a:spLocks noGrp="1" noRot="1" noChangeAspect="1"/>
           </p:cNvSpPr>
@@ -4439,13 +4614,7 @@
       </p:sp>
       <p:sp>
         <p:nvSpPr>
-          <p:cNvPr id="3" name="Notes Placeholder 2">
-            <a:extLst>
-              <a:ext uri="{FF2B5EF4-FFF2-40B4-BE49-F238E27FC236}">
-                <a16:creationId xmlns:a16="http://schemas.microsoft.com/office/drawing/2014/main" xmlns="" id="{3418377B-B7F6-6128-BD24-CC36F4FC0375}"/>
-              </a:ext>
-            </a:extLst>
-          </p:cNvPr>
+          <p:cNvPr id="3" name="Notes Placeholder 2"/>
           <p:cNvSpPr>
             <a:spLocks noGrp="1"/>
           </p:cNvSpPr>
@@ -4464,13 +4633,7 @@
       </p:sp>
       <p:sp>
         <p:nvSpPr>
-          <p:cNvPr id="4" name="Slide Number Placeholder 3">
-            <a:extLst>
-              <a:ext uri="{FF2B5EF4-FFF2-40B4-BE49-F238E27FC236}">
-                <a16:creationId xmlns:a16="http://schemas.microsoft.com/office/drawing/2014/main" xmlns="" id="{7F3CAEB2-41EB-EAAF-4EEA-9446DF67E5F1}"/>
-              </a:ext>
-            </a:extLst>
-          </p:cNvPr>
+          <p:cNvPr id="4" name="Slide Number Placeholder 3"/>
           <p:cNvSpPr>
             <a:spLocks noGrp="1"/>
           </p:cNvSpPr>
@@ -4483,78 +4646,18 @@
           <a:bodyPr/>
           <a:lstStyle/>
           <a:p>
-            <a:pPr marL="0" marR="0" lvl="0" indent="0" algn="r" defTabSz="457200" rtl="0" eaLnBrk="1" fontAlgn="auto" latinLnBrk="0" hangingPunct="1">
-              <a:lnSpc>
-                <a:spcPct val="100000"/>
-              </a:lnSpc>
-              <a:spcBef>
-                <a:spcPts val="0"/>
-              </a:spcBef>
-              <a:spcAft>
-                <a:spcPts val="0"/>
-              </a:spcAft>
-              <a:buClrTx/>
-              <a:buSzTx/>
-              <a:buFontTx/>
-              <a:buNone/>
-              <a:tabLst/>
-              <a:defRPr/>
-            </a:pPr>
             <a:fld id="{29FD0DB3-546B-4F1D-861A-BFC44BF53FF8}" type="slidenum">
-              <a:rPr kumimoji="0" lang="en-US" sz="1200" b="0" i="0" u="none" strike="noStrike" kern="1200" cap="none" spc="0" normalizeH="0" baseline="0" noProof="0" smtClean="0">
-                <a:ln>
-                  <a:noFill/>
-                </a:ln>
-                <a:solidFill>
-                  <a:prstClr val="black"/>
-                </a:solidFill>
-                <a:effectLst/>
-                <a:uLnTx/>
-                <a:uFillTx/>
-                <a:latin typeface="Calibri" panose="020F0502020204030204"/>
-                <a:ea typeface="+mn-ea"/>
-                <a:cs typeface="+mn-cs"/>
-              </a:rPr>
-              <a:pPr marL="0" marR="0" lvl="0" indent="0" algn="r" defTabSz="457200" rtl="0" eaLnBrk="1" fontAlgn="auto" latinLnBrk="0" hangingPunct="1">
-                <a:lnSpc>
-                  <a:spcPct val="100000"/>
-                </a:lnSpc>
-                <a:spcBef>
-                  <a:spcPts val="0"/>
-                </a:spcBef>
-                <a:spcAft>
-                  <a:spcPts val="0"/>
-                </a:spcAft>
-                <a:buClrTx/>
-                <a:buSzTx/>
-                <a:buFontTx/>
-                <a:buNone/>
-                <a:tabLst/>
-                <a:defRPr/>
-              </a:pPr>
+              <a:rPr lang="en-US" smtClean="0"/>
               <a:t>6</a:t>
             </a:fld>
-            <a:endParaRPr kumimoji="0" lang="en-US" sz="1200" b="0" i="0" u="none" strike="noStrike" kern="1200" cap="none" spc="0" normalizeH="0" baseline="0" noProof="0">
-              <a:ln>
-                <a:noFill/>
-              </a:ln>
-              <a:solidFill>
-                <a:prstClr val="black"/>
-              </a:solidFill>
-              <a:effectLst/>
-              <a:uLnTx/>
-              <a:uFillTx/>
-              <a:latin typeface="Calibri" panose="020F0502020204030204"/>
-              <a:ea typeface="+mn-ea"/>
-              <a:cs typeface="+mn-cs"/>
-            </a:endParaRPr>
+            <a:endParaRPr lang="en-US"/>
           </a:p>
         </p:txBody>
       </p:sp>
     </p:spTree>
     <p:extLst>
       <p:ext uri="{BB962C8B-B14F-4D97-AF65-F5344CB8AC3E}">
-        <p14:creationId xmlns:p14="http://schemas.microsoft.com/office/powerpoint/2010/main" val="3538637995"/>
+        <p14:creationId xmlns:p14="http://schemas.microsoft.com/office/powerpoint/2010/main" val="2470235449"/>
       </p:ext>
     </p:extLst>
   </p:cSld>
@@ -4569,13 +4672,7 @@
   <p:cSld>
     <p:spTree>
       <p:nvGrpSpPr>
-        <p:cNvPr id="1" name="">
-          <a:extLst>
-            <a:ext uri="{FF2B5EF4-FFF2-40B4-BE49-F238E27FC236}">
-              <a16:creationId xmlns:a16="http://schemas.microsoft.com/office/drawing/2014/main" xmlns="" id="{A21FF695-6896-E5E7-F043-FA4BE6A98325}"/>
-            </a:ext>
-          </a:extLst>
-        </p:cNvPr>
+        <p:cNvPr id="1" name=""/>
         <p:cNvGrpSpPr/>
         <p:nvPr/>
       </p:nvGrpSpPr>
@@ -4589,13 +4686,7 @@
       </p:grpSpPr>
       <p:sp>
         <p:nvSpPr>
-          <p:cNvPr id="2" name="Slide Image Placeholder 1">
-            <a:extLst>
-              <a:ext uri="{FF2B5EF4-FFF2-40B4-BE49-F238E27FC236}">
-                <a16:creationId xmlns:a16="http://schemas.microsoft.com/office/drawing/2014/main" xmlns="" id="{C0C22F8A-BA56-09EC-F10C-F124BEAAECBD}"/>
-              </a:ext>
-            </a:extLst>
-          </p:cNvPr>
+          <p:cNvPr id="2" name="Slide Image Placeholder 1"/>
           <p:cNvSpPr>
             <a:spLocks noGrp="1" noRot="1" noChangeAspect="1"/>
           </p:cNvSpPr>
@@ -4607,13 +4698,7 @@
       </p:sp>
       <p:sp>
         <p:nvSpPr>
-          <p:cNvPr id="3" name="Notes Placeholder 2">
-            <a:extLst>
-              <a:ext uri="{FF2B5EF4-FFF2-40B4-BE49-F238E27FC236}">
-                <a16:creationId xmlns:a16="http://schemas.microsoft.com/office/drawing/2014/main" xmlns="" id="{57D00348-7647-101F-EB79-474C5AE74DED}"/>
-              </a:ext>
-            </a:extLst>
-          </p:cNvPr>
+          <p:cNvPr id="3" name="Notes Placeholder 2"/>
           <p:cNvSpPr>
             <a:spLocks noGrp="1"/>
           </p:cNvSpPr>
@@ -4632,13 +4717,7 @@
       </p:sp>
       <p:sp>
         <p:nvSpPr>
-          <p:cNvPr id="4" name="Slide Number Placeholder 3">
-            <a:extLst>
-              <a:ext uri="{FF2B5EF4-FFF2-40B4-BE49-F238E27FC236}">
-                <a16:creationId xmlns:a16="http://schemas.microsoft.com/office/drawing/2014/main" xmlns="" id="{A880CACC-EDC2-918A-D2D4-2977FFDC29D9}"/>
-              </a:ext>
-            </a:extLst>
-          </p:cNvPr>
+          <p:cNvPr id="4" name="Slide Number Placeholder 3"/>
           <p:cNvSpPr>
             <a:spLocks noGrp="1"/>
           </p:cNvSpPr>
@@ -4651,78 +4730,18 @@
           <a:bodyPr/>
           <a:lstStyle/>
           <a:p>
-            <a:pPr marL="0" marR="0" lvl="0" indent="0" algn="r" defTabSz="457200" rtl="0" eaLnBrk="1" fontAlgn="auto" latinLnBrk="0" hangingPunct="1">
-              <a:lnSpc>
-                <a:spcPct val="100000"/>
-              </a:lnSpc>
-              <a:spcBef>
-                <a:spcPts val="0"/>
-              </a:spcBef>
-              <a:spcAft>
-                <a:spcPts val="0"/>
-              </a:spcAft>
-              <a:buClrTx/>
-              <a:buSzTx/>
-              <a:buFontTx/>
-              <a:buNone/>
-              <a:tabLst/>
-              <a:defRPr/>
-            </a:pPr>
             <a:fld id="{29FD0DB3-546B-4F1D-861A-BFC44BF53FF8}" type="slidenum">
-              <a:rPr kumimoji="0" lang="en-US" sz="1200" b="0" i="0" u="none" strike="noStrike" kern="1200" cap="none" spc="0" normalizeH="0" baseline="0" noProof="0" smtClean="0">
-                <a:ln>
-                  <a:noFill/>
-                </a:ln>
-                <a:solidFill>
-                  <a:prstClr val="black"/>
-                </a:solidFill>
-                <a:effectLst/>
-                <a:uLnTx/>
-                <a:uFillTx/>
-                <a:latin typeface="Calibri" panose="020F0502020204030204"/>
-                <a:ea typeface="+mn-ea"/>
-                <a:cs typeface="+mn-cs"/>
-              </a:rPr>
-              <a:pPr marL="0" marR="0" lvl="0" indent="0" algn="r" defTabSz="457200" rtl="0" eaLnBrk="1" fontAlgn="auto" latinLnBrk="0" hangingPunct="1">
-                <a:lnSpc>
-                  <a:spcPct val="100000"/>
-                </a:lnSpc>
-                <a:spcBef>
-                  <a:spcPts val="0"/>
-                </a:spcBef>
-                <a:spcAft>
-                  <a:spcPts val="0"/>
-                </a:spcAft>
-                <a:buClrTx/>
-                <a:buSzTx/>
-                <a:buFontTx/>
-                <a:buNone/>
-                <a:tabLst/>
-                <a:defRPr/>
-              </a:pPr>
+              <a:rPr lang="en-US" smtClean="0"/>
               <a:t>7</a:t>
             </a:fld>
-            <a:endParaRPr kumimoji="0" lang="en-US" sz="1200" b="0" i="0" u="none" strike="noStrike" kern="1200" cap="none" spc="0" normalizeH="0" baseline="0" noProof="0">
-              <a:ln>
-                <a:noFill/>
-              </a:ln>
-              <a:solidFill>
-                <a:prstClr val="black"/>
-              </a:solidFill>
-              <a:effectLst/>
-              <a:uLnTx/>
-              <a:uFillTx/>
-              <a:latin typeface="Calibri" panose="020F0502020204030204"/>
-              <a:ea typeface="+mn-ea"/>
-              <a:cs typeface="+mn-cs"/>
-            </a:endParaRPr>
+            <a:endParaRPr lang="en-US"/>
           </a:p>
         </p:txBody>
       </p:sp>
     </p:spTree>
     <p:extLst>
       <p:ext uri="{BB962C8B-B14F-4D97-AF65-F5344CB8AC3E}">
-        <p14:creationId xmlns:p14="http://schemas.microsoft.com/office/powerpoint/2010/main" val="2794404487"/>
+        <p14:creationId xmlns:p14="http://schemas.microsoft.com/office/powerpoint/2010/main" val="1115288837"/>
       </p:ext>
     </p:extLst>
   </p:cSld>
@@ -4776,7 +4795,7 @@
           <a:bodyPr/>
           <a:lstStyle/>
           <a:p>
-            <a:endParaRPr lang="en-US"/>
+            <a:endParaRPr lang="en-US" dirty="0"/>
           </a:p>
         </p:txBody>
       </p:sp>
@@ -4806,7 +4825,7 @@
     </p:spTree>
     <p:extLst>
       <p:ext uri="{BB962C8B-B14F-4D97-AF65-F5344CB8AC3E}">
-        <p14:creationId xmlns:p14="http://schemas.microsoft.com/office/powerpoint/2010/main" val="1802114405"/>
+        <p14:creationId xmlns:p14="http://schemas.microsoft.com/office/powerpoint/2010/main" val="4109693147"/>
       </p:ext>
     </p:extLst>
   </p:cSld>
@@ -4890,7 +4909,7 @@
     </p:spTree>
     <p:extLst>
       <p:ext uri="{BB962C8B-B14F-4D97-AF65-F5344CB8AC3E}">
-        <p14:creationId xmlns:p14="http://schemas.microsoft.com/office/powerpoint/2010/main" val="207206028"/>
+        <p14:creationId xmlns:p14="http://schemas.microsoft.com/office/powerpoint/2010/main" val="3948132089"/>
       </p:ext>
     </p:extLst>
   </p:cSld>
@@ -4922,7 +4941,7 @@
           <p:cNvPr id="2" name="Title 1">
             <a:extLst>
               <a:ext uri="{FF2B5EF4-FFF2-40B4-BE49-F238E27FC236}">
-                <a16:creationId xmlns:a16="http://schemas.microsoft.com/office/drawing/2014/main" xmlns="" id="{B980C5E7-B1A1-4648-89D2-17B0F1E7F5B3}"/>
+                <a16:creationId xmlns:a16="http://schemas.microsoft.com/office/drawing/2014/main" id="{B980C5E7-B1A1-4648-89D2-17B0F1E7F5B3}"/>
               </a:ext>
             </a:extLst>
           </p:cNvPr>
@@ -4961,7 +4980,7 @@
           <p:cNvPr id="3" name="Subtitle 2">
             <a:extLst>
               <a:ext uri="{FF2B5EF4-FFF2-40B4-BE49-F238E27FC236}">
-                <a16:creationId xmlns:a16="http://schemas.microsoft.com/office/drawing/2014/main" xmlns="" id="{5D140298-3E00-4E73-B947-697E69282864}"/>
+                <a16:creationId xmlns:a16="http://schemas.microsoft.com/office/drawing/2014/main" id="{5D140298-3E00-4E73-B947-697E69282864}"/>
               </a:ext>
             </a:extLst>
           </p:cNvPr>
@@ -5033,7 +5052,7 @@
           <p:cNvPr id="4" name="Date Placeholder 3">
             <a:extLst>
               <a:ext uri="{FF2B5EF4-FFF2-40B4-BE49-F238E27FC236}">
-                <a16:creationId xmlns:a16="http://schemas.microsoft.com/office/drawing/2014/main" xmlns="" id="{A6BB99EB-0E86-4FEA-A9C4-501D4E755A2B}"/>
+                <a16:creationId xmlns:a16="http://schemas.microsoft.com/office/drawing/2014/main" id="{A6BB99EB-0E86-4FEA-A9C4-501D4E755A2B}"/>
               </a:ext>
             </a:extLst>
           </p:cNvPr>
@@ -5052,7 +5071,7 @@
             <a:pPr rtl="0"/>
             <a:fld id="{577270AC-D87E-4C20-BAE0-C01CAC4145D6}" type="datetime1">
               <a:rPr lang="en-GB" noProof="0" smtClean="0"/>
-              <a:t>16/03/2025</a:t>
+              <a:t>22/03/2025</a:t>
             </a:fld>
             <a:endParaRPr lang="en-GB" noProof="0"/>
           </a:p>
@@ -5063,7 +5082,7 @@
           <p:cNvPr id="5" name="Footer Placeholder 4">
             <a:extLst>
               <a:ext uri="{FF2B5EF4-FFF2-40B4-BE49-F238E27FC236}">
-                <a16:creationId xmlns:a16="http://schemas.microsoft.com/office/drawing/2014/main" xmlns="" id="{6731F536-58DF-4935-AE3B-7A08C03124E4}"/>
+                <a16:creationId xmlns:a16="http://schemas.microsoft.com/office/drawing/2014/main" id="{6731F536-58DF-4935-AE3B-7A08C03124E4}"/>
               </a:ext>
             </a:extLst>
           </p:cNvPr>
@@ -5089,7 +5108,7 @@
           <p:cNvPr id="6" name="Slide Number Placeholder 5">
             <a:extLst>
               <a:ext uri="{FF2B5EF4-FFF2-40B4-BE49-F238E27FC236}">
-                <a16:creationId xmlns:a16="http://schemas.microsoft.com/office/drawing/2014/main" xmlns="" id="{FE995127-BE30-42B7-9BE5-B83CC6A2E685}"/>
+                <a16:creationId xmlns:a16="http://schemas.microsoft.com/office/drawing/2014/main" id="{FE995127-BE30-42B7-9BE5-B83CC6A2E685}"/>
               </a:ext>
             </a:extLst>
           </p:cNvPr>
@@ -5258,7 +5277,7 @@
           <a:p>
             <a:fld id="{5DF1063C-92B4-4639-B2A4-9B5B377FD0D0}" type="datetime2">
               <a:rPr lang="km-KH" smtClean="0"/>
-              <a:t>ថ្ងៃអាទិត្យ 16 មិនា 2025</a:t>
+              <a:t>ថ្ងៃសៅរ៍ 22 មិនា 2025</a:t>
             </a:fld>
             <a:endParaRPr lang="en-US"/>
           </a:p>
@@ -5432,7 +5451,7 @@
           <a:p>
             <a:fld id="{60870323-6C7C-43CB-8237-9591F503B365}" type="datetime2">
               <a:rPr lang="km-KH" smtClean="0"/>
-              <a:t>ថ្ងៃអាទិត្យ 16 មិនា 2025</a:t>
+              <a:t>ថ្ងៃសៅរ៍ 22 មិនា 2025</a:t>
             </a:fld>
             <a:endParaRPr lang="en-US"/>
           </a:p>
@@ -5682,7 +5701,7 @@
           <a:p>
             <a:fld id="{0C14906D-ACD1-4D14-8BAA-09D5741CB142}" type="datetime2">
               <a:rPr lang="km-KH" smtClean="0"/>
-              <a:t>ថ្ងៃអាទិត្យ 16 មិនា 2025</a:t>
+              <a:t>ថ្ងៃសៅរ៍ 22 មិនា 2025</a:t>
             </a:fld>
             <a:endParaRPr lang="en-US"/>
           </a:p>
@@ -5918,7 +5937,7 @@
           <a:p>
             <a:fld id="{205040C8-119B-4E21-AA8C-AFF679A91D54}" type="datetime2">
               <a:rPr lang="km-KH" smtClean="0"/>
-              <a:t>ថ្ងៃអាទិត្យ 16 មិនា 2025</a:t>
+              <a:t>ថ្ងៃសៅរ៍ 22 មិនា 2025</a:t>
             </a:fld>
             <a:endParaRPr lang="en-US"/>
           </a:p>
@@ -6289,7 +6308,7 @@
           <a:p>
             <a:fld id="{53D7C5FC-45F3-459C-B7E8-4192AEB6866E}" type="datetime2">
               <a:rPr lang="km-KH" smtClean="0"/>
-              <a:t>ថ្ងៃអាទិត្យ 16 មិនា 2025</a:t>
+              <a:t>ថ្ងៃសៅរ៍ 22 មិនា 2025</a:t>
             </a:fld>
             <a:endParaRPr lang="en-US"/>
           </a:p>
@@ -6411,7 +6430,7 @@
           <a:p>
             <a:fld id="{4B857738-2A4E-4BB5-9CB1-EDD07A4F37B3}" type="datetime2">
               <a:rPr lang="km-KH" smtClean="0"/>
-              <a:t>ថ្ងៃអាទិត្យ 16 មិនា 2025</a:t>
+              <a:t>ថ្ងៃសៅរ៍ 22 មិនា 2025</a:t>
             </a:fld>
             <a:endParaRPr lang="en-US"/>
           </a:p>
@@ -6510,7 +6529,7 @@
           <a:p>
             <a:fld id="{C4777F6E-77D9-44CF-A86F-57E9F3835902}" type="datetime2">
               <a:rPr lang="km-KH" smtClean="0"/>
-              <a:t>ថ្ងៃអាទិត្យ 16 មិនា 2025</a:t>
+              <a:t>ថ្ងៃសៅរ៍ 22 មិនា 2025</a:t>
             </a:fld>
             <a:endParaRPr lang="en-US"/>
           </a:p>
@@ -6791,7 +6810,7 @@
           <a:p>
             <a:fld id="{E10B6B7A-E7DE-45FD-A9AD-CA1E02362856}" type="datetime2">
               <a:rPr lang="km-KH" smtClean="0"/>
-              <a:t>ថ្ងៃអាទិត្យ 16 មិនា 2025</a:t>
+              <a:t>ថ្ងៃសៅរ៍ 22 មិនា 2025</a:t>
             </a:fld>
             <a:endParaRPr lang="en-US"/>
           </a:p>
@@ -7052,7 +7071,7 @@
           <a:p>
             <a:fld id="{6A580026-77E6-45E7-B429-7352C4C96152}" type="datetime2">
               <a:rPr lang="km-KH" smtClean="0"/>
-              <a:t>ថ្ងៃអាទិត្យ 16 មិនា 2025</a:t>
+              <a:t>ថ្ងៃសៅរ៍ 22 មិនា 2025</a:t>
             </a:fld>
             <a:endParaRPr lang="en-US"/>
           </a:p>
@@ -7226,7 +7245,7 @@
           <a:p>
             <a:fld id="{A4AE8454-A0E4-46E5-BD04-852FCCB8C532}" type="datetime2">
               <a:rPr lang="km-KH" smtClean="0"/>
-              <a:t>ថ្ងៃអាទិត្យ 16 មិនា 2025</a:t>
+              <a:t>ថ្ងៃសៅរ៍ 22 មិនា 2025</a:t>
             </a:fld>
             <a:endParaRPr lang="en-US"/>
           </a:p>
@@ -7313,7 +7332,7 @@
           <p:cNvPr id="2" name="Title 1">
             <a:extLst>
               <a:ext uri="{FF2B5EF4-FFF2-40B4-BE49-F238E27FC236}">
-                <a16:creationId xmlns:a16="http://schemas.microsoft.com/office/drawing/2014/main" xmlns="" id="{C6AAE108-9C7F-4CDC-AD71-B576580A199F}"/>
+                <a16:creationId xmlns:a16="http://schemas.microsoft.com/office/drawing/2014/main" id="{C6AAE108-9C7F-4CDC-AD71-B576580A199F}"/>
               </a:ext>
             </a:extLst>
           </p:cNvPr>
@@ -7343,7 +7362,7 @@
           <p:cNvPr id="3" name="Content Placeholder 2">
             <a:extLst>
               <a:ext uri="{FF2B5EF4-FFF2-40B4-BE49-F238E27FC236}">
-                <a16:creationId xmlns:a16="http://schemas.microsoft.com/office/drawing/2014/main" xmlns="" id="{5A103746-779A-435F-995A-5BF82C86C297}"/>
+                <a16:creationId xmlns:a16="http://schemas.microsoft.com/office/drawing/2014/main" id="{5A103746-779A-435F-995A-5BF82C86C297}"/>
               </a:ext>
             </a:extLst>
           </p:cNvPr>
@@ -7401,7 +7420,7 @@
           <p:cNvPr id="4" name="Date Placeholder 3">
             <a:extLst>
               <a:ext uri="{FF2B5EF4-FFF2-40B4-BE49-F238E27FC236}">
-                <a16:creationId xmlns:a16="http://schemas.microsoft.com/office/drawing/2014/main" xmlns="" id="{5984E866-B322-455F-AC32-8C164B8CD9C7}"/>
+                <a16:creationId xmlns:a16="http://schemas.microsoft.com/office/drawing/2014/main" id="{5984E866-B322-455F-AC32-8C164B8CD9C7}"/>
               </a:ext>
             </a:extLst>
           </p:cNvPr>
@@ -7420,7 +7439,7 @@
             <a:pPr rtl="0"/>
             <a:fld id="{C584AF80-427F-4B7E-8AFB-9F055C9D1200}" type="datetime1">
               <a:rPr lang="en-GB" noProof="0" smtClean="0"/>
-              <a:t>16/03/2025</a:t>
+              <a:t>22/03/2025</a:t>
             </a:fld>
             <a:endParaRPr lang="en-GB" noProof="0"/>
           </a:p>
@@ -7431,7 +7450,7 @@
           <p:cNvPr id="5" name="Footer Placeholder 4">
             <a:extLst>
               <a:ext uri="{FF2B5EF4-FFF2-40B4-BE49-F238E27FC236}">
-                <a16:creationId xmlns:a16="http://schemas.microsoft.com/office/drawing/2014/main" xmlns="" id="{AC0D61E0-F80F-48E7-A817-F1CECBEE9A37}"/>
+                <a16:creationId xmlns:a16="http://schemas.microsoft.com/office/drawing/2014/main" id="{AC0D61E0-F80F-48E7-A817-F1CECBEE9A37}"/>
               </a:ext>
             </a:extLst>
           </p:cNvPr>
@@ -7457,7 +7476,7 @@
           <p:cNvPr id="6" name="Slide Number Placeholder 5">
             <a:extLst>
               <a:ext uri="{FF2B5EF4-FFF2-40B4-BE49-F238E27FC236}">
-                <a16:creationId xmlns:a16="http://schemas.microsoft.com/office/drawing/2014/main" xmlns="" id="{5BF34AFC-4299-43F1-A312-79EF0102CEFF}"/>
+                <a16:creationId xmlns:a16="http://schemas.microsoft.com/office/drawing/2014/main" id="{5BF34AFC-4299-43F1-A312-79EF0102CEFF}"/>
               </a:ext>
             </a:extLst>
           </p:cNvPr>
@@ -7614,7 +7633,7 @@
           <a:p>
             <a:fld id="{118E3421-6617-4F71-BC95-82B7D967DA33}" type="datetime2">
               <a:rPr lang="km-KH" smtClean="0"/>
-              <a:t>ថ្ងៃអាទិត្យ 16 មិនា 2025</a:t>
+              <a:t>ថ្ងៃសៅរ៍ 22 មិនា 2025</a:t>
             </a:fld>
             <a:endParaRPr lang="en-US"/>
           </a:p>
@@ -7701,7 +7720,7 @@
           <p:cNvPr id="2" name="Title 1">
             <a:extLst>
               <a:ext uri="{FF2B5EF4-FFF2-40B4-BE49-F238E27FC236}">
-                <a16:creationId xmlns:a16="http://schemas.microsoft.com/office/drawing/2014/main" xmlns="" id="{6B1E1D3E-E4B6-4EAA-BFB4-25A0557A6CB8}"/>
+                <a16:creationId xmlns:a16="http://schemas.microsoft.com/office/drawing/2014/main" id="{6B1E1D3E-E4B6-4EAA-BFB4-25A0557A6CB8}"/>
               </a:ext>
             </a:extLst>
           </p:cNvPr>
@@ -7740,7 +7759,7 @@
           <p:cNvPr id="3" name="Text Placeholder 2">
             <a:extLst>
               <a:ext uri="{FF2B5EF4-FFF2-40B4-BE49-F238E27FC236}">
-                <a16:creationId xmlns:a16="http://schemas.microsoft.com/office/drawing/2014/main" xmlns="" id="{6F7E0856-45A8-4EAD-A9D6-8A993968A1A8}"/>
+                <a16:creationId xmlns:a16="http://schemas.microsoft.com/office/drawing/2014/main" id="{6F7E0856-45A8-4EAD-A9D6-8A993968A1A8}"/>
               </a:ext>
             </a:extLst>
           </p:cNvPr>
@@ -7865,7 +7884,7 @@
           <p:cNvPr id="4" name="Date Placeholder 3">
             <a:extLst>
               <a:ext uri="{FF2B5EF4-FFF2-40B4-BE49-F238E27FC236}">
-                <a16:creationId xmlns:a16="http://schemas.microsoft.com/office/drawing/2014/main" xmlns="" id="{E90EEBE1-2BAF-4C94-8403-6E8454F9BC46}"/>
+                <a16:creationId xmlns:a16="http://schemas.microsoft.com/office/drawing/2014/main" id="{E90EEBE1-2BAF-4C94-8403-6E8454F9BC46}"/>
               </a:ext>
             </a:extLst>
           </p:cNvPr>
@@ -7884,7 +7903,7 @@
             <a:pPr rtl="0"/>
             <a:fld id="{485D780E-12C7-4DB2-87AB-65D425DC6965}" type="datetime1">
               <a:rPr lang="en-GB" noProof="0" smtClean="0"/>
-              <a:t>16/03/2025</a:t>
+              <a:t>22/03/2025</a:t>
             </a:fld>
             <a:endParaRPr lang="en-GB" noProof="0"/>
           </a:p>
@@ -7895,7 +7914,7 @@
           <p:cNvPr id="5" name="Footer Placeholder 4">
             <a:extLst>
               <a:ext uri="{FF2B5EF4-FFF2-40B4-BE49-F238E27FC236}">
-                <a16:creationId xmlns:a16="http://schemas.microsoft.com/office/drawing/2014/main" xmlns="" id="{F3358F46-E931-4D79-94A5-037AFD07333B}"/>
+                <a16:creationId xmlns:a16="http://schemas.microsoft.com/office/drawing/2014/main" id="{F3358F46-E931-4D79-94A5-037AFD07333B}"/>
               </a:ext>
             </a:extLst>
           </p:cNvPr>
@@ -7921,7 +7940,7 @@
           <p:cNvPr id="6" name="Slide Number Placeholder 5">
             <a:extLst>
               <a:ext uri="{FF2B5EF4-FFF2-40B4-BE49-F238E27FC236}">
-                <a16:creationId xmlns:a16="http://schemas.microsoft.com/office/drawing/2014/main" xmlns="" id="{E5130D95-EF5F-4A0A-93BD-73AEE2C2FF1B}"/>
+                <a16:creationId xmlns:a16="http://schemas.microsoft.com/office/drawing/2014/main" id="{E5130D95-EF5F-4A0A-93BD-73AEE2C2FF1B}"/>
               </a:ext>
             </a:extLst>
           </p:cNvPr>
@@ -7981,7 +8000,7 @@
           <p:cNvPr id="2" name="Title 1">
             <a:extLst>
               <a:ext uri="{FF2B5EF4-FFF2-40B4-BE49-F238E27FC236}">
-                <a16:creationId xmlns:a16="http://schemas.microsoft.com/office/drawing/2014/main" xmlns="" id="{21BABEC0-6253-4360-B586-B9D20933DE37}"/>
+                <a16:creationId xmlns:a16="http://schemas.microsoft.com/office/drawing/2014/main" id="{21BABEC0-6253-4360-B586-B9D20933DE37}"/>
               </a:ext>
             </a:extLst>
           </p:cNvPr>
@@ -8011,7 +8030,7 @@
           <p:cNvPr id="3" name="Content Placeholder 2">
             <a:extLst>
               <a:ext uri="{FF2B5EF4-FFF2-40B4-BE49-F238E27FC236}">
-                <a16:creationId xmlns:a16="http://schemas.microsoft.com/office/drawing/2014/main" xmlns="" id="{A946E20B-8661-4C60-84FB-4892E8B48608}"/>
+                <a16:creationId xmlns:a16="http://schemas.microsoft.com/office/drawing/2014/main" id="{A946E20B-8661-4C60-84FB-4892E8B48608}"/>
               </a:ext>
             </a:extLst>
           </p:cNvPr>
@@ -8074,7 +8093,7 @@
           <p:cNvPr id="4" name="Content Placeholder 3">
             <a:extLst>
               <a:ext uri="{FF2B5EF4-FFF2-40B4-BE49-F238E27FC236}">
-                <a16:creationId xmlns:a16="http://schemas.microsoft.com/office/drawing/2014/main" xmlns="" id="{5132BE45-79E4-479B-BD2F-46CCB0BEE628}"/>
+                <a16:creationId xmlns:a16="http://schemas.microsoft.com/office/drawing/2014/main" id="{5132BE45-79E4-479B-BD2F-46CCB0BEE628}"/>
               </a:ext>
             </a:extLst>
           </p:cNvPr>
@@ -8137,7 +8156,7 @@
           <p:cNvPr id="5" name="Date Placeholder 4">
             <a:extLst>
               <a:ext uri="{FF2B5EF4-FFF2-40B4-BE49-F238E27FC236}">
-                <a16:creationId xmlns:a16="http://schemas.microsoft.com/office/drawing/2014/main" xmlns="" id="{0589105E-DF25-4F38-BDE2-9B00C2C44FC6}"/>
+                <a16:creationId xmlns:a16="http://schemas.microsoft.com/office/drawing/2014/main" id="{0589105E-DF25-4F38-BDE2-9B00C2C44FC6}"/>
               </a:ext>
             </a:extLst>
           </p:cNvPr>
@@ -8156,7 +8175,7 @@
             <a:pPr rtl="0"/>
             <a:fld id="{782B2D28-1BDE-4A42-9BD6-521F991A381F}" type="datetime1">
               <a:rPr lang="en-GB" noProof="0" smtClean="0"/>
-              <a:t>16/03/2025</a:t>
+              <a:t>22/03/2025</a:t>
             </a:fld>
             <a:endParaRPr lang="en-GB" noProof="0"/>
           </a:p>
@@ -8167,7 +8186,7 @@
           <p:cNvPr id="6" name="Footer Placeholder 5">
             <a:extLst>
               <a:ext uri="{FF2B5EF4-FFF2-40B4-BE49-F238E27FC236}">
-                <a16:creationId xmlns:a16="http://schemas.microsoft.com/office/drawing/2014/main" xmlns="" id="{B1D9C4A8-7467-4BAD-98A2-0B63CAC19B66}"/>
+                <a16:creationId xmlns:a16="http://schemas.microsoft.com/office/drawing/2014/main" id="{B1D9C4A8-7467-4BAD-98A2-0B63CAC19B66}"/>
               </a:ext>
             </a:extLst>
           </p:cNvPr>
@@ -8193,7 +8212,7 @@
           <p:cNvPr id="7" name="Slide Number Placeholder 6">
             <a:extLst>
               <a:ext uri="{FF2B5EF4-FFF2-40B4-BE49-F238E27FC236}">
-                <a16:creationId xmlns:a16="http://schemas.microsoft.com/office/drawing/2014/main" xmlns="" id="{8BC5C5C0-08E4-4F7B-9E80-8925539D221B}"/>
+                <a16:creationId xmlns:a16="http://schemas.microsoft.com/office/drawing/2014/main" id="{8BC5C5C0-08E4-4F7B-9E80-8925539D221B}"/>
               </a:ext>
             </a:extLst>
           </p:cNvPr>
@@ -8253,7 +8272,7 @@
           <p:cNvPr id="2" name="Title 1">
             <a:extLst>
               <a:ext uri="{FF2B5EF4-FFF2-40B4-BE49-F238E27FC236}">
-                <a16:creationId xmlns:a16="http://schemas.microsoft.com/office/drawing/2014/main" xmlns="" id="{A47FF641-A5CC-4263-A394-2112D623A8AD}"/>
+                <a16:creationId xmlns:a16="http://schemas.microsoft.com/office/drawing/2014/main" id="{A47FF641-A5CC-4263-A394-2112D623A8AD}"/>
               </a:ext>
             </a:extLst>
           </p:cNvPr>
@@ -8288,7 +8307,7 @@
           <p:cNvPr id="3" name="Text Placeholder 2">
             <a:extLst>
               <a:ext uri="{FF2B5EF4-FFF2-40B4-BE49-F238E27FC236}">
-                <a16:creationId xmlns:a16="http://schemas.microsoft.com/office/drawing/2014/main" xmlns="" id="{B24D6865-C632-473C-AEC8-8D3F71562BE6}"/>
+                <a16:creationId xmlns:a16="http://schemas.microsoft.com/office/drawing/2014/main" id="{B24D6865-C632-473C-AEC8-8D3F71562BE6}"/>
               </a:ext>
             </a:extLst>
           </p:cNvPr>
@@ -8359,7 +8378,7 @@
           <p:cNvPr id="4" name="Content Placeholder 3">
             <a:extLst>
               <a:ext uri="{FF2B5EF4-FFF2-40B4-BE49-F238E27FC236}">
-                <a16:creationId xmlns:a16="http://schemas.microsoft.com/office/drawing/2014/main" xmlns="" id="{D9FDBD19-4D33-4F6A-9938-6A04B3888ECC}"/>
+                <a16:creationId xmlns:a16="http://schemas.microsoft.com/office/drawing/2014/main" id="{D9FDBD19-4D33-4F6A-9938-6A04B3888ECC}"/>
               </a:ext>
             </a:extLst>
           </p:cNvPr>
@@ -8422,7 +8441,7 @@
           <p:cNvPr id="5" name="Text Placeholder 4">
             <a:extLst>
               <a:ext uri="{FF2B5EF4-FFF2-40B4-BE49-F238E27FC236}">
-                <a16:creationId xmlns:a16="http://schemas.microsoft.com/office/drawing/2014/main" xmlns="" id="{51697E46-CE4D-480E-A997-2B53B2DF55B2}"/>
+                <a16:creationId xmlns:a16="http://schemas.microsoft.com/office/drawing/2014/main" id="{51697E46-CE4D-480E-A997-2B53B2DF55B2}"/>
               </a:ext>
             </a:extLst>
           </p:cNvPr>
@@ -8493,7 +8512,7 @@
           <p:cNvPr id="6" name="Content Placeholder 5">
             <a:extLst>
               <a:ext uri="{FF2B5EF4-FFF2-40B4-BE49-F238E27FC236}">
-                <a16:creationId xmlns:a16="http://schemas.microsoft.com/office/drawing/2014/main" xmlns="" id="{8B8B7E36-823F-4FD4-B826-E450A1248008}"/>
+                <a16:creationId xmlns:a16="http://schemas.microsoft.com/office/drawing/2014/main" id="{8B8B7E36-823F-4FD4-B826-E450A1248008}"/>
               </a:ext>
             </a:extLst>
           </p:cNvPr>
@@ -8556,7 +8575,7 @@
           <p:cNvPr id="7" name="Date Placeholder 6">
             <a:extLst>
               <a:ext uri="{FF2B5EF4-FFF2-40B4-BE49-F238E27FC236}">
-                <a16:creationId xmlns:a16="http://schemas.microsoft.com/office/drawing/2014/main" xmlns="" id="{8DBB3B14-C886-4F84-9FD5-11C8320E1FED}"/>
+                <a16:creationId xmlns:a16="http://schemas.microsoft.com/office/drawing/2014/main" id="{8DBB3B14-C886-4F84-9FD5-11C8320E1FED}"/>
               </a:ext>
             </a:extLst>
           </p:cNvPr>
@@ -8575,7 +8594,7 @@
             <a:pPr rtl="0"/>
             <a:fld id="{29A21F97-6942-4EA8-BF0F-4226734E2FE8}" type="datetime1">
               <a:rPr lang="en-GB" noProof="0" smtClean="0"/>
-              <a:t>16/03/2025</a:t>
+              <a:t>22/03/2025</a:t>
             </a:fld>
             <a:endParaRPr lang="en-GB" noProof="0"/>
           </a:p>
@@ -8586,7 +8605,7 @@
           <p:cNvPr id="8" name="Footer Placeholder 7">
             <a:extLst>
               <a:ext uri="{FF2B5EF4-FFF2-40B4-BE49-F238E27FC236}">
-                <a16:creationId xmlns:a16="http://schemas.microsoft.com/office/drawing/2014/main" xmlns="" id="{DF9AF591-4BBF-4BF2-9EF7-F8B114DFA16A}"/>
+                <a16:creationId xmlns:a16="http://schemas.microsoft.com/office/drawing/2014/main" id="{DF9AF591-4BBF-4BF2-9EF7-F8B114DFA16A}"/>
               </a:ext>
             </a:extLst>
           </p:cNvPr>
@@ -8612,7 +8631,7 @@
           <p:cNvPr id="9" name="Slide Number Placeholder 8">
             <a:extLst>
               <a:ext uri="{FF2B5EF4-FFF2-40B4-BE49-F238E27FC236}">
-                <a16:creationId xmlns:a16="http://schemas.microsoft.com/office/drawing/2014/main" xmlns="" id="{352B1A04-B244-4AE3-8997-9B075B105971}"/>
+                <a16:creationId xmlns:a16="http://schemas.microsoft.com/office/drawing/2014/main" id="{352B1A04-B244-4AE3-8997-9B075B105971}"/>
               </a:ext>
             </a:extLst>
           </p:cNvPr>
@@ -8672,7 +8691,7 @@
           <p:cNvPr id="2" name="Title 1">
             <a:extLst>
               <a:ext uri="{FF2B5EF4-FFF2-40B4-BE49-F238E27FC236}">
-                <a16:creationId xmlns:a16="http://schemas.microsoft.com/office/drawing/2014/main" xmlns="" id="{105408F1-BB29-4C6F-91C9-653A730BECC6}"/>
+                <a16:creationId xmlns:a16="http://schemas.microsoft.com/office/drawing/2014/main" id="{105408F1-BB29-4C6F-91C9-653A730BECC6}"/>
               </a:ext>
             </a:extLst>
           </p:cNvPr>
@@ -8702,7 +8721,7 @@
           <p:cNvPr id="3" name="Date Placeholder 2">
             <a:extLst>
               <a:ext uri="{FF2B5EF4-FFF2-40B4-BE49-F238E27FC236}">
-                <a16:creationId xmlns:a16="http://schemas.microsoft.com/office/drawing/2014/main" xmlns="" id="{2F54FEF9-8D09-4091-BE99-B6264EBD34B3}"/>
+                <a16:creationId xmlns:a16="http://schemas.microsoft.com/office/drawing/2014/main" id="{2F54FEF9-8D09-4091-BE99-B6264EBD34B3}"/>
               </a:ext>
             </a:extLst>
           </p:cNvPr>
@@ -8721,7 +8740,7 @@
             <a:pPr rtl="0"/>
             <a:fld id="{3A946C08-804A-46EE-A5DC-2F92DA2A916E}" type="datetime1">
               <a:rPr lang="en-GB" noProof="0" smtClean="0"/>
-              <a:t>16/03/2025</a:t>
+              <a:t>22/03/2025</a:t>
             </a:fld>
             <a:endParaRPr lang="en-GB" noProof="0"/>
           </a:p>
@@ -8732,7 +8751,7 @@
           <p:cNvPr id="4" name="Footer Placeholder 3">
             <a:extLst>
               <a:ext uri="{FF2B5EF4-FFF2-40B4-BE49-F238E27FC236}">
-                <a16:creationId xmlns:a16="http://schemas.microsoft.com/office/drawing/2014/main" xmlns="" id="{0B5F49AA-83D5-4063-9CDE-AA7763048B63}"/>
+                <a16:creationId xmlns:a16="http://schemas.microsoft.com/office/drawing/2014/main" id="{0B5F49AA-83D5-4063-9CDE-AA7763048B63}"/>
               </a:ext>
             </a:extLst>
           </p:cNvPr>
@@ -8758,7 +8777,7 @@
           <p:cNvPr id="5" name="Slide Number Placeholder 4">
             <a:extLst>
               <a:ext uri="{FF2B5EF4-FFF2-40B4-BE49-F238E27FC236}">
-                <a16:creationId xmlns:a16="http://schemas.microsoft.com/office/drawing/2014/main" xmlns="" id="{B2A2B27C-3C99-4208-B425-775413C53651}"/>
+                <a16:creationId xmlns:a16="http://schemas.microsoft.com/office/drawing/2014/main" id="{B2A2B27C-3C99-4208-B425-775413C53651}"/>
               </a:ext>
             </a:extLst>
           </p:cNvPr>
@@ -8818,7 +8837,7 @@
           <p:cNvPr id="2" name="Date Placeholder 1">
             <a:extLst>
               <a:ext uri="{FF2B5EF4-FFF2-40B4-BE49-F238E27FC236}">
-                <a16:creationId xmlns:a16="http://schemas.microsoft.com/office/drawing/2014/main" xmlns="" id="{042A62B2-A6D1-4A6F-8B20-80606F478544}"/>
+                <a16:creationId xmlns:a16="http://schemas.microsoft.com/office/drawing/2014/main" id="{042A62B2-A6D1-4A6F-8B20-80606F478544}"/>
               </a:ext>
             </a:extLst>
           </p:cNvPr>
@@ -8837,7 +8856,7 @@
             <a:pPr rtl="0"/>
             <a:fld id="{4BE7FF7F-B954-40E6-838D-6CDF70EE9472}" type="datetime1">
               <a:rPr lang="en-GB" noProof="0" smtClean="0"/>
-              <a:t>16/03/2025</a:t>
+              <a:t>22/03/2025</a:t>
             </a:fld>
             <a:endParaRPr lang="en-GB" noProof="0"/>
           </a:p>
@@ -8848,7 +8867,7 @@
           <p:cNvPr id="3" name="Footer Placeholder 2">
             <a:extLst>
               <a:ext uri="{FF2B5EF4-FFF2-40B4-BE49-F238E27FC236}">
-                <a16:creationId xmlns:a16="http://schemas.microsoft.com/office/drawing/2014/main" xmlns="" id="{C02E4958-7A46-4331-B2D8-2C31D8FCBD73}"/>
+                <a16:creationId xmlns:a16="http://schemas.microsoft.com/office/drawing/2014/main" id="{C02E4958-7A46-4331-B2D8-2C31D8FCBD73}"/>
               </a:ext>
             </a:extLst>
           </p:cNvPr>
@@ -8874,7 +8893,7 @@
           <p:cNvPr id="4" name="Slide Number Placeholder 3">
             <a:extLst>
               <a:ext uri="{FF2B5EF4-FFF2-40B4-BE49-F238E27FC236}">
-                <a16:creationId xmlns:a16="http://schemas.microsoft.com/office/drawing/2014/main" xmlns="" id="{45C8548B-339B-46B2-BF01-1EE3DDC72AAD}"/>
+                <a16:creationId xmlns:a16="http://schemas.microsoft.com/office/drawing/2014/main" id="{45C8548B-339B-46B2-BF01-1EE3DDC72AAD}"/>
               </a:ext>
             </a:extLst>
           </p:cNvPr>
@@ -8934,7 +8953,7 @@
           <p:cNvPr id="2" name="Title 1">
             <a:extLst>
               <a:ext uri="{FF2B5EF4-FFF2-40B4-BE49-F238E27FC236}">
-                <a16:creationId xmlns:a16="http://schemas.microsoft.com/office/drawing/2014/main" xmlns="" id="{38EF408F-8083-4F07-9628-074C7AFE41C0}"/>
+                <a16:creationId xmlns:a16="http://schemas.microsoft.com/office/drawing/2014/main" id="{38EF408F-8083-4F07-9628-074C7AFE41C0}"/>
               </a:ext>
             </a:extLst>
           </p:cNvPr>
@@ -8973,7 +8992,7 @@
           <p:cNvPr id="3" name="Content Placeholder 2">
             <a:extLst>
               <a:ext uri="{FF2B5EF4-FFF2-40B4-BE49-F238E27FC236}">
-                <a16:creationId xmlns:a16="http://schemas.microsoft.com/office/drawing/2014/main" xmlns="" id="{B70477E0-A333-439D-A531-30B39A813465}"/>
+                <a16:creationId xmlns:a16="http://schemas.microsoft.com/office/drawing/2014/main" id="{B70477E0-A333-439D-A531-30B39A813465}"/>
               </a:ext>
             </a:extLst>
           </p:cNvPr>
@@ -9064,7 +9083,7 @@
           <p:cNvPr id="4" name="Text Placeholder 3">
             <a:extLst>
               <a:ext uri="{FF2B5EF4-FFF2-40B4-BE49-F238E27FC236}">
-                <a16:creationId xmlns:a16="http://schemas.microsoft.com/office/drawing/2014/main" xmlns="" id="{D5D59501-D187-414C-AACE-F838720036CC}"/>
+                <a16:creationId xmlns:a16="http://schemas.microsoft.com/office/drawing/2014/main" id="{D5D59501-D187-414C-AACE-F838720036CC}"/>
               </a:ext>
             </a:extLst>
           </p:cNvPr>
@@ -9135,7 +9154,7 @@
           <p:cNvPr id="5" name="Date Placeholder 4">
             <a:extLst>
               <a:ext uri="{FF2B5EF4-FFF2-40B4-BE49-F238E27FC236}">
-                <a16:creationId xmlns:a16="http://schemas.microsoft.com/office/drawing/2014/main" xmlns="" id="{1235F890-BB8A-49E1-880A-924FD6FE4026}"/>
+                <a16:creationId xmlns:a16="http://schemas.microsoft.com/office/drawing/2014/main" id="{1235F890-BB8A-49E1-880A-924FD6FE4026}"/>
               </a:ext>
             </a:extLst>
           </p:cNvPr>
@@ -9154,7 +9173,7 @@
             <a:pPr rtl="0"/>
             <a:fld id="{158FF1B8-9CBE-4ED2-8687-FBE8F3F23425}" type="datetime1">
               <a:rPr lang="en-GB" noProof="0" smtClean="0"/>
-              <a:t>16/03/2025</a:t>
+              <a:t>22/03/2025</a:t>
             </a:fld>
             <a:endParaRPr lang="en-GB" noProof="0"/>
           </a:p>
@@ -9165,7 +9184,7 @@
           <p:cNvPr id="6" name="Footer Placeholder 5">
             <a:extLst>
               <a:ext uri="{FF2B5EF4-FFF2-40B4-BE49-F238E27FC236}">
-                <a16:creationId xmlns:a16="http://schemas.microsoft.com/office/drawing/2014/main" xmlns="" id="{51CA38FE-429A-41E7-942D-ECCE639D3CA5}"/>
+                <a16:creationId xmlns:a16="http://schemas.microsoft.com/office/drawing/2014/main" id="{51CA38FE-429A-41E7-942D-ECCE639D3CA5}"/>
               </a:ext>
             </a:extLst>
           </p:cNvPr>
@@ -9191,7 +9210,7 @@
           <p:cNvPr id="7" name="Slide Number Placeholder 6">
             <a:extLst>
               <a:ext uri="{FF2B5EF4-FFF2-40B4-BE49-F238E27FC236}">
-                <a16:creationId xmlns:a16="http://schemas.microsoft.com/office/drawing/2014/main" xmlns="" id="{2401D9BC-0038-4041-AE2C-657BF99D41E9}"/>
+                <a16:creationId xmlns:a16="http://schemas.microsoft.com/office/drawing/2014/main" id="{2401D9BC-0038-4041-AE2C-657BF99D41E9}"/>
               </a:ext>
             </a:extLst>
           </p:cNvPr>
@@ -9251,7 +9270,7 @@
           <p:cNvPr id="2" name="Title 1">
             <a:extLst>
               <a:ext uri="{FF2B5EF4-FFF2-40B4-BE49-F238E27FC236}">
-                <a16:creationId xmlns:a16="http://schemas.microsoft.com/office/drawing/2014/main" xmlns="" id="{87956CFD-7F35-482C-A50F-B3D43ACB0AE3}"/>
+                <a16:creationId xmlns:a16="http://schemas.microsoft.com/office/drawing/2014/main" id="{87956CFD-7F35-482C-A50F-B3D43ACB0AE3}"/>
               </a:ext>
             </a:extLst>
           </p:cNvPr>
@@ -9290,7 +9309,7 @@
           <p:cNvPr id="3" name="Picture Placeholder 2">
             <a:extLst>
               <a:ext uri="{FF2B5EF4-FFF2-40B4-BE49-F238E27FC236}">
-                <a16:creationId xmlns:a16="http://schemas.microsoft.com/office/drawing/2014/main" xmlns="" id="{7FD7F3EF-0FE9-46C4-A116-5DA6E26B0D5D}"/>
+                <a16:creationId xmlns:a16="http://schemas.microsoft.com/office/drawing/2014/main" id="{7FD7F3EF-0FE9-46C4-A116-5DA6E26B0D5D}"/>
               </a:ext>
             </a:extLst>
           </p:cNvPr>
@@ -9362,7 +9381,7 @@
           <p:cNvPr id="4" name="Text Placeholder 3">
             <a:extLst>
               <a:ext uri="{FF2B5EF4-FFF2-40B4-BE49-F238E27FC236}">
-                <a16:creationId xmlns:a16="http://schemas.microsoft.com/office/drawing/2014/main" xmlns="" id="{D10B4041-0F17-42D8-AF16-AB099A39FFBD}"/>
+                <a16:creationId xmlns:a16="http://schemas.microsoft.com/office/drawing/2014/main" id="{D10B4041-0F17-42D8-AF16-AB099A39FFBD}"/>
               </a:ext>
             </a:extLst>
           </p:cNvPr>
@@ -9433,7 +9452,7 @@
           <p:cNvPr id="5" name="Date Placeholder 4">
             <a:extLst>
               <a:ext uri="{FF2B5EF4-FFF2-40B4-BE49-F238E27FC236}">
-                <a16:creationId xmlns:a16="http://schemas.microsoft.com/office/drawing/2014/main" xmlns="" id="{8BAF67FF-F8F1-4B22-A471-9317ED3A25F0}"/>
+                <a16:creationId xmlns:a16="http://schemas.microsoft.com/office/drawing/2014/main" id="{8BAF67FF-F8F1-4B22-A471-9317ED3A25F0}"/>
               </a:ext>
             </a:extLst>
           </p:cNvPr>
@@ -9452,7 +9471,7 @@
             <a:pPr rtl="0"/>
             <a:fld id="{B50E7C47-A7DA-4C2E-82F9-ADD6120F140B}" type="datetime1">
               <a:rPr lang="en-GB" noProof="0" smtClean="0"/>
-              <a:t>16/03/2025</a:t>
+              <a:t>22/03/2025</a:t>
             </a:fld>
             <a:endParaRPr lang="en-GB" noProof="0"/>
           </a:p>
@@ -9463,7 +9482,7 @@
           <p:cNvPr id="6" name="Footer Placeholder 5">
             <a:extLst>
               <a:ext uri="{FF2B5EF4-FFF2-40B4-BE49-F238E27FC236}">
-                <a16:creationId xmlns:a16="http://schemas.microsoft.com/office/drawing/2014/main" xmlns="" id="{A73D6993-98F8-4234-B24A-02D4DB41CE93}"/>
+                <a16:creationId xmlns:a16="http://schemas.microsoft.com/office/drawing/2014/main" id="{A73D6993-98F8-4234-B24A-02D4DB41CE93}"/>
               </a:ext>
             </a:extLst>
           </p:cNvPr>
@@ -9489,7 +9508,7 @@
           <p:cNvPr id="7" name="Slide Number Placeholder 6">
             <a:extLst>
               <a:ext uri="{FF2B5EF4-FFF2-40B4-BE49-F238E27FC236}">
-                <a16:creationId xmlns:a16="http://schemas.microsoft.com/office/drawing/2014/main" xmlns="" id="{F2A34037-0E7D-4379-ACA0-98611B2F76ED}"/>
+                <a16:creationId xmlns:a16="http://schemas.microsoft.com/office/drawing/2014/main" id="{F2A34037-0E7D-4379-ACA0-98611B2F76ED}"/>
               </a:ext>
             </a:extLst>
           </p:cNvPr>
@@ -9557,7 +9576,7 @@
           <p:cNvPr id="2" name="Title Placeholder 1">
             <a:extLst>
               <a:ext uri="{FF2B5EF4-FFF2-40B4-BE49-F238E27FC236}">
-                <a16:creationId xmlns:a16="http://schemas.microsoft.com/office/drawing/2014/main" xmlns="" id="{E645B175-C851-453B-B2A0-9A5CFCADC073}"/>
+                <a16:creationId xmlns:a16="http://schemas.microsoft.com/office/drawing/2014/main" id="{E645B175-C851-453B-B2A0-9A5CFCADC073}"/>
               </a:ext>
             </a:extLst>
           </p:cNvPr>
@@ -9597,7 +9616,7 @@
           <p:cNvPr id="3" name="Text Placeholder 2">
             <a:extLst>
               <a:ext uri="{FF2B5EF4-FFF2-40B4-BE49-F238E27FC236}">
-                <a16:creationId xmlns:a16="http://schemas.microsoft.com/office/drawing/2014/main" xmlns="" id="{2E65F4A2-0E4F-4E49-A0BF-BEEC72203309}"/>
+                <a16:creationId xmlns:a16="http://schemas.microsoft.com/office/drawing/2014/main" id="{2E65F4A2-0E4F-4E49-A0BF-BEEC72203309}"/>
               </a:ext>
             </a:extLst>
           </p:cNvPr>
@@ -9665,7 +9684,7 @@
           <p:cNvPr id="4" name="Date Placeholder 3">
             <a:extLst>
               <a:ext uri="{FF2B5EF4-FFF2-40B4-BE49-F238E27FC236}">
-                <a16:creationId xmlns:a16="http://schemas.microsoft.com/office/drawing/2014/main" xmlns="" id="{9328AA27-3F13-4BFD-B949-21CF31910889}"/>
+                <a16:creationId xmlns:a16="http://schemas.microsoft.com/office/drawing/2014/main" id="{9328AA27-3F13-4BFD-B949-21CF31910889}"/>
               </a:ext>
             </a:extLst>
           </p:cNvPr>
@@ -9702,7 +9721,7 @@
             <a:pPr rtl="0"/>
             <a:fld id="{033CFCF1-08A8-4CAD-8798-C4FBD0A63494}" type="datetime1">
               <a:rPr lang="en-GB" noProof="0" smtClean="0"/>
-              <a:t>16/03/2025</a:t>
+              <a:t>22/03/2025</a:t>
             </a:fld>
             <a:endParaRPr lang="en-GB" noProof="0"/>
           </a:p>
@@ -9713,7 +9732,7 @@
           <p:cNvPr id="5" name="Footer Placeholder 4">
             <a:extLst>
               <a:ext uri="{FF2B5EF4-FFF2-40B4-BE49-F238E27FC236}">
-                <a16:creationId xmlns:a16="http://schemas.microsoft.com/office/drawing/2014/main" xmlns="" id="{EEEE99A2-0FED-42D4-9FBD-08CC1C3F81BC}"/>
+                <a16:creationId xmlns:a16="http://schemas.microsoft.com/office/drawing/2014/main" id="{EEEE99A2-0FED-42D4-9FBD-08CC1C3F81BC}"/>
               </a:ext>
             </a:extLst>
           </p:cNvPr>
@@ -9757,7 +9776,7 @@
           <p:cNvPr id="6" name="Slide Number Placeholder 5">
             <a:extLst>
               <a:ext uri="{FF2B5EF4-FFF2-40B4-BE49-F238E27FC236}">
-                <a16:creationId xmlns:a16="http://schemas.microsoft.com/office/drawing/2014/main" xmlns="" id="{DF2468D4-5440-4CE2-BAB3-61D83F628C58}"/>
+                <a16:creationId xmlns:a16="http://schemas.microsoft.com/office/drawing/2014/main" id="{DF2468D4-5440-4CE2-BAB3-61D83F628C58}"/>
               </a:ext>
             </a:extLst>
           </p:cNvPr>
@@ -10255,7 +10274,7 @@
           <a:p>
             <a:fld id="{0124983A-5796-423F-9AFB-D1E523340CF3}" type="datetime2">
               <a:rPr lang="km-KH" smtClean="0"/>
-              <a:t>ថ្ងៃអាទិត្យ 16 មិនា 2025</a:t>
+              <a:t>ថ្ងៃសៅរ៍ 22 មិនា 2025</a:t>
             </a:fld>
             <a:endParaRPr lang="en-US"/>
           </a:p>
@@ -10656,7 +10675,7 @@
         <p:cNvPr id="1" name="">
           <a:extLst>
             <a:ext uri="{FF2B5EF4-FFF2-40B4-BE49-F238E27FC236}">
-              <a16:creationId xmlns:a16="http://schemas.microsoft.com/office/drawing/2014/main" xmlns="" id="{D6717FE9-965C-44D6-9954-43467583EBB2}"/>
+              <a16:creationId xmlns:a16="http://schemas.microsoft.com/office/drawing/2014/main" id="{D6717FE9-965C-44D6-9954-43467583EBB2}"/>
             </a:ext>
           </a:extLst>
         </p:cNvPr>
@@ -10676,7 +10695,7 @@
           <p:cNvPr id="12" name="TextBox 11">
             <a:extLst>
               <a:ext uri="{FF2B5EF4-FFF2-40B4-BE49-F238E27FC236}">
-                <a16:creationId xmlns:a16="http://schemas.microsoft.com/office/drawing/2014/main" xmlns="" id="{4B6A811F-9990-0021-21D7-17D7C9789DA0}"/>
+                <a16:creationId xmlns:a16="http://schemas.microsoft.com/office/drawing/2014/main" id="{4B6A811F-9990-0021-21D7-17D7C9789DA0}"/>
               </a:ext>
             </a:extLst>
           </p:cNvPr>
@@ -10741,7 +10760,7 @@
           <p:cNvPr id="14" name="TextBox 13">
             <a:extLst>
               <a:ext uri="{FF2B5EF4-FFF2-40B4-BE49-F238E27FC236}">
-                <a16:creationId xmlns:a16="http://schemas.microsoft.com/office/drawing/2014/main" xmlns="" id="{8A83A433-2228-5685-249F-1BC00138A52A}"/>
+                <a16:creationId xmlns:a16="http://schemas.microsoft.com/office/drawing/2014/main" id="{8A83A433-2228-5685-249F-1BC00138A52A}"/>
               </a:ext>
             </a:extLst>
           </p:cNvPr>
@@ -10774,7 +10793,7 @@
                 <a:cs typeface="Krasar" panose="00000500000000000000" pitchFamily="2" charset="0"/>
               </a:rPr>
               <a:pPr algn="r"/>
-              <a:t>ថ្ងៃអាទិត្យ 16 មិនា 2025</a:t>
+              <a:t>ថ្ងៃសៅរ៍ 22 មិនា 2025</a:t>
             </a:fld>
             <a:endParaRPr lang="en-GB" dirty="0">
               <a:solidFill>
@@ -10791,7 +10810,7 @@
           <p:cNvPr id="16" name="TextBox 15">
             <a:extLst>
               <a:ext uri="{FF2B5EF4-FFF2-40B4-BE49-F238E27FC236}">
-                <a16:creationId xmlns:a16="http://schemas.microsoft.com/office/drawing/2014/main" xmlns="" id="{0F9E51EF-54B2-31F5-241A-577DF82FE443}"/>
+                <a16:creationId xmlns:a16="http://schemas.microsoft.com/office/drawing/2014/main" id="{0F9E51EF-54B2-31F5-241A-577DF82FE443}"/>
               </a:ext>
             </a:extLst>
           </p:cNvPr>
@@ -10856,13 +10875,6 @@
       </p:transition>
     </mc:Fallback>
   </mc:AlternateContent>
-  <p:timing>
-    <p:tnLst>
-      <p:par>
-        <p:cTn id="1" dur="indefinite" restart="never" nodeType="tmRoot"/>
-      </p:par>
-    </p:tnLst>
-  </p:timing>
 </p:sld>
 </file>
 
@@ -10885,102 +10897,10 @@
       </p:grpSpPr>
       <p:sp>
         <p:nvSpPr>
-          <p:cNvPr id="4" name="Rectangle 3"/>
-          <p:cNvSpPr/>
-          <p:nvPr/>
-        </p:nvSpPr>
-        <p:spPr>
-          <a:xfrm>
-            <a:off x="0" y="1393827"/>
-            <a:ext cx="12192000" cy="4070345"/>
-          </a:xfrm>
-          <a:prstGeom prst="rect">
-            <a:avLst/>
-          </a:prstGeom>
-        </p:spPr>
-        <p:txBody>
-          <a:bodyPr wrap="square">
-            <a:spAutoFit/>
-          </a:bodyPr>
-          <a:lstStyle/>
-          <a:p>
-            <a:pPr algn="ctr">
-              <a:lnSpc>
-                <a:spcPct val="150000"/>
-              </a:lnSpc>
-            </a:pPr>
-            <a:r>
-              <a:rPr lang="km-KH" sz="4400" dirty="0">
-                <a:latin typeface="Krasar" panose="00000500000000000000" pitchFamily="2" charset="0"/>
-                <a:cs typeface="Krasar" panose="00000500000000000000" pitchFamily="2" charset="0"/>
-              </a:rPr>
-              <a:t>ព្រះបិតាទ្រង់</a:t>
-            </a:r>
-            <a:r>
-              <a:rPr lang="en-US" sz="4400" dirty="0">
-                <a:latin typeface="Krasar" panose="00000500000000000000" pitchFamily="2" charset="0"/>
-                <a:cs typeface="Krasar" panose="00000500000000000000" pitchFamily="2" charset="0"/>
-              </a:rPr>
-              <a:t> </a:t>
-            </a:r>
-            <a:r>
-              <a:rPr lang="km-KH" sz="4400" dirty="0">
-                <a:latin typeface="Krasar" panose="00000500000000000000" pitchFamily="2" charset="0"/>
-                <a:cs typeface="Krasar" panose="00000500000000000000" pitchFamily="2" charset="0"/>
-              </a:rPr>
-              <a:t>គង់នៅស្ថានដ៏ខ្ពស់</a:t>
-            </a:r>
-          </a:p>
-          <a:p>
-            <a:pPr algn="ctr">
-              <a:lnSpc>
-                <a:spcPct val="150000"/>
-              </a:lnSpc>
-            </a:pPr>
-            <a:r>
-              <a:rPr lang="km-KH" sz="4400" dirty="0">
-                <a:latin typeface="Krasar" panose="00000500000000000000" pitchFamily="2" charset="0"/>
-                <a:cs typeface="Krasar" panose="00000500000000000000" pitchFamily="2" charset="0"/>
-              </a:rPr>
-              <a:t>ទ្រង់គិតដល់ខ្ញុំ ហើយទ្រង់នឹងបំពេញខ្ញុំ</a:t>
-            </a:r>
-          </a:p>
-          <a:p>
-            <a:pPr algn="ctr">
-              <a:lnSpc>
-                <a:spcPct val="150000"/>
-              </a:lnSpc>
-            </a:pPr>
-            <a:r>
-              <a:rPr lang="km-KH" sz="4400" dirty="0">
-                <a:latin typeface="Krasar" panose="00000500000000000000" pitchFamily="2" charset="0"/>
-                <a:cs typeface="Krasar" panose="00000500000000000000" pitchFamily="2" charset="0"/>
-              </a:rPr>
-              <a:t>ខ្ញុំនឹងឈរមាំ ព្រោះទ្រង់គង់នៅក្បែរខ្ញុំ</a:t>
-            </a:r>
-          </a:p>
-          <a:p>
-            <a:pPr algn="ctr">
-              <a:lnSpc>
-                <a:spcPct val="150000"/>
-              </a:lnSpc>
-            </a:pPr>
-            <a:r>
-              <a:rPr lang="km-KH" sz="4400" dirty="0">
-                <a:latin typeface="Krasar" panose="00000500000000000000" pitchFamily="2" charset="0"/>
-                <a:cs typeface="Krasar" panose="00000500000000000000" pitchFamily="2" charset="0"/>
-              </a:rPr>
-              <a:t>ព្រះហស្ថទ្រង់ត្រកងបី មិនដែលដាក់ខ្ញុំចោល</a:t>
-            </a:r>
-          </a:p>
-        </p:txBody>
-      </p:sp>
-      <p:sp>
-        <p:nvSpPr>
           <p:cNvPr id="5" name="Date Placeholder 6">
             <a:extLst>
               <a:ext uri="{FF2B5EF4-FFF2-40B4-BE49-F238E27FC236}">
-                <a16:creationId xmlns:a16="http://schemas.microsoft.com/office/drawing/2014/main" xmlns="" id="{968F81BA-D120-487F-86D3-F8C7B941BFF3}"/>
+                <a16:creationId xmlns:a16="http://schemas.microsoft.com/office/drawing/2014/main" id="{968F81BA-D120-487F-86D3-F8C7B941BFF3}"/>
               </a:ext>
             </a:extLst>
           </p:cNvPr>
@@ -11008,7 +10928,7 @@
                 <a:cs typeface="Krasar" panose="00000500000000000000" pitchFamily="2" charset="0"/>
               </a:rPr>
               <a:pPr algn="ctr"/>
-              <a:t>ថ្ងៃអាទិត្យ 16 មិនា 2025</a:t>
+              <a:t>ថ្ងៃសៅរ៍ 22 មិនា 2025</a:t>
             </a:fld>
             <a:endParaRPr lang="en-US" dirty="0">
               <a:latin typeface="Krasar" panose="00000500000000000000" pitchFamily="2" charset="0"/>
@@ -11022,7 +10942,7 @@
           <p:cNvPr id="6" name="Footer Placeholder 7">
             <a:extLst>
               <a:ext uri="{FF2B5EF4-FFF2-40B4-BE49-F238E27FC236}">
-                <a16:creationId xmlns:a16="http://schemas.microsoft.com/office/drawing/2014/main" xmlns="" id="{597A226A-BFCD-46DB-B224-45E1E4AE94DB}"/>
+                <a16:creationId xmlns:a16="http://schemas.microsoft.com/office/drawing/2014/main" id="{597A226A-BFCD-46DB-B224-45E1E4AE94DB}"/>
               </a:ext>
             </a:extLst>
           </p:cNvPr>
@@ -11063,16 +10983,118 @@
           </a:p>
         </p:txBody>
       </p:sp>
+      <p:sp>
+        <p:nvSpPr>
+          <p:cNvPr id="2" name="Title 1">
+            <a:extLst>
+              <a:ext uri="{FF2B5EF4-FFF2-40B4-BE49-F238E27FC236}">
+                <a16:creationId xmlns:a16="http://schemas.microsoft.com/office/drawing/2014/main" id="{7CD9F84C-8AE3-AD4F-862A-159E159AA6B2}"/>
+              </a:ext>
+            </a:extLst>
+          </p:cNvPr>
+          <p:cNvSpPr txBox="1">
+            <a:spLocks/>
+          </p:cNvSpPr>
+          <p:nvPr/>
+        </p:nvSpPr>
+        <p:spPr>
+          <a:xfrm>
+            <a:off x="0" y="324465"/>
+            <a:ext cx="12192000" cy="6209070"/>
+          </a:xfrm>
+          <a:prstGeom prst="rect">
+            <a:avLst/>
+          </a:prstGeom>
+        </p:spPr>
+        <p:txBody>
+          <a:bodyPr vert="horz" lIns="91440" tIns="45720" rIns="91440" bIns="45720" rtlCol="0" anchor="ctr">
+            <a:noAutofit/>
+          </a:bodyPr>
+          <a:lstStyle>
+            <a:lvl1pPr algn="l" defTabSz="914400" rtl="0" eaLnBrk="1" latinLnBrk="0" hangingPunct="1">
+              <a:lnSpc>
+                <a:spcPct val="90000"/>
+              </a:lnSpc>
+              <a:spcBef>
+                <a:spcPct val="0"/>
+              </a:spcBef>
+              <a:buNone/>
+              <a:defRPr sz="4400" kern="1200">
+                <a:solidFill>
+                  <a:schemeClr val="tx1"/>
+                </a:solidFill>
+                <a:latin typeface="+mj-lt"/>
+                <a:ea typeface="+mj-ea"/>
+                <a:cs typeface="+mj-cs"/>
+              </a:defRPr>
+            </a:lvl1pPr>
+          </a:lstStyle>
+          <a:p>
+            <a:pPr algn="ctr">
+              <a:lnSpc>
+                <a:spcPct val="150000"/>
+              </a:lnSpc>
+            </a:pPr>
+            <a:r>
+              <a:rPr lang="km-KH" sz="4400" dirty="0">
+                <a:latin typeface="Krasar" panose="00000500000000000000" pitchFamily="2" charset="0"/>
+                <a:cs typeface="Krasar" panose="00000500000000000000" pitchFamily="2" charset="0"/>
+              </a:rPr>
+              <a:t>ដូចជានំប៉័ងហើយនិងត្រី </a:t>
+            </a:r>
+          </a:p>
+          <a:p>
+            <a:pPr algn="ctr">
+              <a:lnSpc>
+                <a:spcPct val="150000"/>
+              </a:lnSpc>
+            </a:pPr>
+            <a:r>
+              <a:rPr lang="km-KH" sz="4400" dirty="0">
+                <a:latin typeface="Krasar" panose="00000500000000000000" pitchFamily="2" charset="0"/>
+                <a:cs typeface="Krasar" panose="00000500000000000000" pitchFamily="2" charset="0"/>
+              </a:rPr>
+              <a:t>គ្រប់អ្វីៗយើងថ្វាយដល់ទ្រង់</a:t>
+            </a:r>
+          </a:p>
+          <a:p>
+            <a:pPr algn="ctr">
+              <a:lnSpc>
+                <a:spcPct val="150000"/>
+              </a:lnSpc>
+            </a:pPr>
+            <a:r>
+              <a:rPr lang="km-KH" sz="4400" dirty="0">
+                <a:latin typeface="Krasar" panose="00000500000000000000" pitchFamily="2" charset="0"/>
+                <a:cs typeface="Krasar" panose="00000500000000000000" pitchFamily="2" charset="0"/>
+              </a:rPr>
+              <a:t>គ្រប់គ្នាសារភាពថា យេហូវ៉ា យីរេ</a:t>
+            </a:r>
+          </a:p>
+        </p:txBody>
+      </p:sp>
     </p:spTree>
     <p:extLst>
       <p:ext uri="{BB962C8B-B14F-4D97-AF65-F5344CB8AC3E}">
-        <p14:creationId xmlns:p14="http://schemas.microsoft.com/office/powerpoint/2010/main" val="4113535455"/>
+        <p14:creationId xmlns:p14="http://schemas.microsoft.com/office/powerpoint/2010/main" val="3831152093"/>
       </p:ext>
     </p:extLst>
   </p:cSld>
   <p:clrMapOvr>
     <a:masterClrMapping/>
   </p:clrMapOvr>
+  <mc:AlternateContent xmlns:mc="http://schemas.openxmlformats.org/markup-compatibility/2006">
+    <mc:Choice xmlns:p14="http://schemas.microsoft.com/office/powerpoint/2010/main" Requires="p14">
+      <p:transition spd="med" p14:dur="700">
+        <p:fade/>
+      </p:transition>
+    </mc:Choice>
+    <mc:Fallback>
+      <p:transition spd="med">
+        <p:fade/>
+      </p:transition>
+    </mc:Fallback>
+  </mc:AlternateContent>
 </p:sld>
 </file>
 
@@ -11084,7 +11106,7 @@
         <p:cNvPr id="1" name="">
           <a:extLst>
             <a:ext uri="{FF2B5EF4-FFF2-40B4-BE49-F238E27FC236}">
-              <a16:creationId xmlns:a16="http://schemas.microsoft.com/office/drawing/2014/main" xmlns="" id="{AA6D822B-55BD-DF19-AB2B-EEA52EBE7464}"/>
+              <a16:creationId xmlns:a16="http://schemas.microsoft.com/office/drawing/2014/main" id="{F725814F-9F90-4131-7A24-84B2195F48C0}"/>
             </a:ext>
           </a:extLst>
         </p:cNvPr>
@@ -11101,10 +11123,1137 @@
       </p:grpSpPr>
       <p:sp>
         <p:nvSpPr>
+          <p:cNvPr id="5" name="Date Placeholder 6">
+            <a:extLst>
+              <a:ext uri="{FF2B5EF4-FFF2-40B4-BE49-F238E27FC236}">
+                <a16:creationId xmlns:a16="http://schemas.microsoft.com/office/drawing/2014/main" id="{A03E1F33-9CB1-172C-1C9B-BC5B57D7E367}"/>
+              </a:ext>
+            </a:extLst>
+          </p:cNvPr>
+          <p:cNvSpPr>
+            <a:spLocks noGrp="1"/>
+          </p:cNvSpPr>
+          <p:nvPr>
+            <p:ph type="dt" sz="half" idx="10"/>
+          </p:nvPr>
+        </p:nvSpPr>
+        <p:spPr>
+          <a:xfrm>
+            <a:off x="4724400" y="6499371"/>
+            <a:ext cx="2743200" cy="365125"/>
+          </a:xfrm>
+        </p:spPr>
+        <p:txBody>
+          <a:bodyPr/>
+          <a:lstStyle/>
+          <a:p>
+            <a:pPr algn="ctr"/>
+            <a:fld id="{EA2BFC65-DA16-48C2-8A07-8A08C95D7600}" type="datetime2">
+              <a:rPr lang="km-KH" sz="1400" smtClean="0">
+                <a:latin typeface="Krasar" panose="00000500000000000000" pitchFamily="2" charset="0"/>
+                <a:cs typeface="Krasar" panose="00000500000000000000" pitchFamily="2" charset="0"/>
+              </a:rPr>
+              <a:pPr algn="ctr"/>
+              <a:t>ថ្ងៃសៅរ៍ 22 មិនា 2025</a:t>
+            </a:fld>
+            <a:endParaRPr lang="en-US" dirty="0">
+              <a:latin typeface="Krasar" panose="00000500000000000000" pitchFamily="2" charset="0"/>
+              <a:cs typeface="Krasar" panose="00000500000000000000" pitchFamily="2" charset="0"/>
+            </a:endParaRPr>
+          </a:p>
+        </p:txBody>
+      </p:sp>
+      <p:sp>
+        <p:nvSpPr>
+          <p:cNvPr id="6" name="Footer Placeholder 7">
+            <a:extLst>
+              <a:ext uri="{FF2B5EF4-FFF2-40B4-BE49-F238E27FC236}">
+                <a16:creationId xmlns:a16="http://schemas.microsoft.com/office/drawing/2014/main" id="{7C8AA381-2E86-EC84-5643-778865239747}"/>
+              </a:ext>
+            </a:extLst>
+          </p:cNvPr>
+          <p:cNvSpPr>
+            <a:spLocks noGrp="1"/>
+          </p:cNvSpPr>
+          <p:nvPr>
+            <p:ph type="ftr" sz="quarter" idx="11"/>
+          </p:nvPr>
+        </p:nvSpPr>
+        <p:spPr>
+          <a:xfrm>
+            <a:off x="4038600" y="0"/>
+            <a:ext cx="4114800" cy="365125"/>
+          </a:xfrm>
+        </p:spPr>
+        <p:txBody>
+          <a:bodyPr/>
+          <a:lstStyle/>
+          <a:p>
+            <a:r>
+              <a:rPr lang="km-KH" sz="1600" dirty="0">
+                <a:solidFill>
+                  <a:srgbClr val="FFC000"/>
+                </a:solidFill>
+                <a:latin typeface="AKbalthom Moul 2" panose="02000500000000000000" pitchFamily="2" charset="0"/>
+                <a:cs typeface="AKbalthom Moul 2" panose="02000500000000000000" pitchFamily="2" charset="0"/>
+              </a:rPr>
+              <a:t>សូមថ្វាយសិរីល្អដល់ព្រះ</a:t>
+            </a:r>
+            <a:endParaRPr lang="en-US" sz="1600" dirty="0">
+              <a:solidFill>
+                <a:srgbClr val="FFC000"/>
+              </a:solidFill>
+              <a:latin typeface="AKbalthom Moul 2" panose="02000500000000000000" pitchFamily="2" charset="0"/>
+              <a:cs typeface="AKbalthom Moul 2" panose="02000500000000000000" pitchFamily="2" charset="0"/>
+            </a:endParaRPr>
+          </a:p>
+        </p:txBody>
+      </p:sp>
+      <p:sp>
+        <p:nvSpPr>
+          <p:cNvPr id="2" name="Title 1">
+            <a:extLst>
+              <a:ext uri="{FF2B5EF4-FFF2-40B4-BE49-F238E27FC236}">
+                <a16:creationId xmlns:a16="http://schemas.microsoft.com/office/drawing/2014/main" id="{CCF56765-08F5-2B7B-BC26-58B1415C8A88}"/>
+              </a:ext>
+            </a:extLst>
+          </p:cNvPr>
+          <p:cNvSpPr txBox="1">
+            <a:spLocks/>
+          </p:cNvSpPr>
+          <p:nvPr/>
+        </p:nvSpPr>
+        <p:spPr>
+          <a:xfrm>
+            <a:off x="0" y="324465"/>
+            <a:ext cx="12192000" cy="6209070"/>
+          </a:xfrm>
+          <a:prstGeom prst="rect">
+            <a:avLst/>
+          </a:prstGeom>
+        </p:spPr>
+        <p:txBody>
+          <a:bodyPr vert="horz" lIns="91440" tIns="45720" rIns="91440" bIns="45720" rtlCol="0" anchor="ctr">
+            <a:noAutofit/>
+          </a:bodyPr>
+          <a:lstStyle>
+            <a:lvl1pPr algn="l" defTabSz="914400" rtl="0" eaLnBrk="1" latinLnBrk="0" hangingPunct="1">
+              <a:lnSpc>
+                <a:spcPct val="90000"/>
+              </a:lnSpc>
+              <a:spcBef>
+                <a:spcPct val="0"/>
+              </a:spcBef>
+              <a:buNone/>
+              <a:defRPr sz="4400" kern="1200">
+                <a:solidFill>
+                  <a:schemeClr val="tx1"/>
+                </a:solidFill>
+                <a:latin typeface="+mj-lt"/>
+                <a:ea typeface="+mj-ea"/>
+                <a:cs typeface="+mj-cs"/>
+              </a:defRPr>
+            </a:lvl1pPr>
+          </a:lstStyle>
+          <a:p>
+            <a:pPr algn="ctr">
+              <a:lnSpc>
+                <a:spcPct val="150000"/>
+              </a:lnSpc>
+            </a:pPr>
+            <a:r>
+              <a:rPr lang="km-KH" sz="4400" dirty="0">
+                <a:latin typeface="Krasar" panose="00000500000000000000" pitchFamily="2" charset="0"/>
+                <a:cs typeface="Krasar" panose="00000500000000000000" pitchFamily="2" charset="0"/>
+              </a:rPr>
+              <a:t>ព្រះអម្ចាស់ ទ្រង់ធ្វើការ ព្រះអម្ចាស់ ទ្រង់ធ្វើការ</a:t>
+            </a:r>
+          </a:p>
+          <a:p>
+            <a:pPr algn="ctr">
+              <a:lnSpc>
+                <a:spcPct val="150000"/>
+              </a:lnSpc>
+            </a:pPr>
+            <a:r>
+              <a:rPr lang="km-KH" sz="4400" dirty="0">
+                <a:latin typeface="Krasar" panose="00000500000000000000" pitchFamily="2" charset="0"/>
+                <a:cs typeface="Krasar" panose="00000500000000000000" pitchFamily="2" charset="0"/>
+              </a:rPr>
+              <a:t>ដល់អ្នកដែលថ្វាយគ្រប់ទាំងអស់ដល់ព្រះអង្គ</a:t>
+            </a:r>
+          </a:p>
+        </p:txBody>
+      </p:sp>
+    </p:spTree>
+    <p:extLst>
+      <p:ext uri="{BB962C8B-B14F-4D97-AF65-F5344CB8AC3E}">
+        <p14:creationId xmlns:p14="http://schemas.microsoft.com/office/powerpoint/2010/main" val="3616309262"/>
+      </p:ext>
+    </p:extLst>
+  </p:cSld>
+  <p:clrMapOvr>
+    <a:masterClrMapping/>
+  </p:clrMapOvr>
+  <mc:AlternateContent xmlns:mc="http://schemas.openxmlformats.org/markup-compatibility/2006">
+    <mc:Choice xmlns:p14="http://schemas.microsoft.com/office/powerpoint/2010/main" Requires="p14">
+      <p:transition spd="med" p14:dur="700">
+        <p:fade/>
+      </p:transition>
+    </mc:Choice>
+    <mc:Fallback>
+      <p:transition spd="med">
+        <p:fade/>
+      </p:transition>
+    </mc:Fallback>
+  </mc:AlternateContent>
+</p:sld>
+</file>
+
+<file path=ppt/slides/slide12.xml><?xml version="1.0" encoding="utf-8"?>
+<p:sld xmlns:a="http://schemas.openxmlformats.org/drawingml/2006/main" xmlns:r="http://schemas.openxmlformats.org/officeDocument/2006/relationships" xmlns:p="http://schemas.openxmlformats.org/presentationml/2006/main">
+  <p:cSld>
+    <p:spTree>
+      <p:nvGrpSpPr>
+        <p:cNvPr id="1" name="">
+          <a:extLst>
+            <a:ext uri="{FF2B5EF4-FFF2-40B4-BE49-F238E27FC236}">
+              <a16:creationId xmlns:a16="http://schemas.microsoft.com/office/drawing/2014/main" id="{41EBC6BF-4B50-7D2B-206C-19C47840D354}"/>
+            </a:ext>
+          </a:extLst>
+        </p:cNvPr>
+        <p:cNvGrpSpPr/>
+        <p:nvPr/>
+      </p:nvGrpSpPr>
+      <p:grpSpPr>
+        <a:xfrm>
+          <a:off x="0" y="0"/>
+          <a:ext cx="0" cy="0"/>
+          <a:chOff x="0" y="0"/>
+          <a:chExt cx="0" cy="0"/>
+        </a:xfrm>
+      </p:grpSpPr>
+      <p:sp>
+        <p:nvSpPr>
+          <p:cNvPr id="5" name="Date Placeholder 6">
+            <a:extLst>
+              <a:ext uri="{FF2B5EF4-FFF2-40B4-BE49-F238E27FC236}">
+                <a16:creationId xmlns:a16="http://schemas.microsoft.com/office/drawing/2014/main" id="{549BE652-B7D2-4A85-A10D-F10BAAFD9B4B}"/>
+              </a:ext>
+            </a:extLst>
+          </p:cNvPr>
+          <p:cNvSpPr>
+            <a:spLocks noGrp="1"/>
+          </p:cNvSpPr>
+          <p:nvPr>
+            <p:ph type="dt" sz="half" idx="10"/>
+          </p:nvPr>
+        </p:nvSpPr>
+        <p:spPr>
+          <a:xfrm>
+            <a:off x="4724400" y="6499371"/>
+            <a:ext cx="2743200" cy="365125"/>
+          </a:xfrm>
+        </p:spPr>
+        <p:txBody>
+          <a:bodyPr/>
+          <a:lstStyle/>
+          <a:p>
+            <a:pPr algn="ctr"/>
+            <a:fld id="{EA2BFC65-DA16-48C2-8A07-8A08C95D7600}" type="datetime2">
+              <a:rPr lang="km-KH" sz="1400" smtClean="0">
+                <a:latin typeface="Krasar" panose="00000500000000000000" pitchFamily="2" charset="0"/>
+                <a:cs typeface="Krasar" panose="00000500000000000000" pitchFamily="2" charset="0"/>
+              </a:rPr>
+              <a:pPr algn="ctr"/>
+              <a:t>ថ្ងៃសៅរ៍ 22 មិនា 2025</a:t>
+            </a:fld>
+            <a:endParaRPr lang="en-US" dirty="0">
+              <a:latin typeface="Krasar" panose="00000500000000000000" pitchFamily="2" charset="0"/>
+              <a:cs typeface="Krasar" panose="00000500000000000000" pitchFamily="2" charset="0"/>
+            </a:endParaRPr>
+          </a:p>
+        </p:txBody>
+      </p:sp>
+      <p:sp>
+        <p:nvSpPr>
+          <p:cNvPr id="6" name="Footer Placeholder 7">
+            <a:extLst>
+              <a:ext uri="{FF2B5EF4-FFF2-40B4-BE49-F238E27FC236}">
+                <a16:creationId xmlns:a16="http://schemas.microsoft.com/office/drawing/2014/main" id="{79B2BC02-ED93-3D10-05FB-55A5BFA5C62D}"/>
+              </a:ext>
+            </a:extLst>
+          </p:cNvPr>
+          <p:cNvSpPr>
+            <a:spLocks noGrp="1"/>
+          </p:cNvSpPr>
+          <p:nvPr>
+            <p:ph type="ftr" sz="quarter" idx="11"/>
+          </p:nvPr>
+        </p:nvSpPr>
+        <p:spPr>
+          <a:xfrm>
+            <a:off x="4038600" y="0"/>
+            <a:ext cx="4114800" cy="365125"/>
+          </a:xfrm>
+        </p:spPr>
+        <p:txBody>
+          <a:bodyPr/>
+          <a:lstStyle/>
+          <a:p>
+            <a:r>
+              <a:rPr lang="km-KH" sz="1600" dirty="0">
+                <a:solidFill>
+                  <a:srgbClr val="FFC000"/>
+                </a:solidFill>
+                <a:latin typeface="AKbalthom Moul 2" panose="02000500000000000000" pitchFamily="2" charset="0"/>
+                <a:cs typeface="AKbalthom Moul 2" panose="02000500000000000000" pitchFamily="2" charset="0"/>
+              </a:rPr>
+              <a:t>សូមថ្វាយសិរីល្អដល់ព្រះ</a:t>
+            </a:r>
+            <a:endParaRPr lang="en-US" sz="1600" dirty="0">
+              <a:solidFill>
+                <a:srgbClr val="FFC000"/>
+              </a:solidFill>
+              <a:latin typeface="AKbalthom Moul 2" panose="02000500000000000000" pitchFamily="2" charset="0"/>
+              <a:cs typeface="AKbalthom Moul 2" panose="02000500000000000000" pitchFamily="2" charset="0"/>
+            </a:endParaRPr>
+          </a:p>
+        </p:txBody>
+      </p:sp>
+      <p:sp>
+        <p:nvSpPr>
+          <p:cNvPr id="2" name="Title 1">
+            <a:extLst>
+              <a:ext uri="{FF2B5EF4-FFF2-40B4-BE49-F238E27FC236}">
+                <a16:creationId xmlns:a16="http://schemas.microsoft.com/office/drawing/2014/main" id="{B6B829F5-13A2-9D0F-6AC4-E60A08CA8CBD}"/>
+              </a:ext>
+            </a:extLst>
+          </p:cNvPr>
+          <p:cNvSpPr txBox="1">
+            <a:spLocks/>
+          </p:cNvSpPr>
+          <p:nvPr/>
+        </p:nvSpPr>
+        <p:spPr>
+          <a:xfrm>
+            <a:off x="0" y="324465"/>
+            <a:ext cx="12192000" cy="6209070"/>
+          </a:xfrm>
+          <a:prstGeom prst="rect">
+            <a:avLst/>
+          </a:prstGeom>
+        </p:spPr>
+        <p:txBody>
+          <a:bodyPr vert="horz" lIns="91440" tIns="45720" rIns="91440" bIns="45720" rtlCol="0" anchor="ctr">
+            <a:noAutofit/>
+          </a:bodyPr>
+          <a:lstStyle>
+            <a:lvl1pPr algn="l" defTabSz="914400" rtl="0" eaLnBrk="1" latinLnBrk="0" hangingPunct="1">
+              <a:lnSpc>
+                <a:spcPct val="90000"/>
+              </a:lnSpc>
+              <a:spcBef>
+                <a:spcPct val="0"/>
+              </a:spcBef>
+              <a:buNone/>
+              <a:defRPr sz="4400" kern="1200">
+                <a:solidFill>
+                  <a:schemeClr val="tx1"/>
+                </a:solidFill>
+                <a:latin typeface="+mj-lt"/>
+                <a:ea typeface="+mj-ea"/>
+                <a:cs typeface="+mj-cs"/>
+              </a:defRPr>
+            </a:lvl1pPr>
+          </a:lstStyle>
+          <a:p>
+            <a:pPr algn="ctr">
+              <a:lnSpc>
+                <a:spcPct val="150000"/>
+              </a:lnSpc>
+            </a:pPr>
+            <a:r>
+              <a:rPr lang="km-KH" sz="4400" dirty="0">
+                <a:latin typeface="Krasar" panose="00000500000000000000" pitchFamily="2" charset="0"/>
+                <a:cs typeface="Krasar" panose="00000500000000000000" pitchFamily="2" charset="0"/>
+              </a:rPr>
+              <a:t>ព្រះអម្ចាស់ ទ្រង់ធ្វើការ ព្រះអម្ចាស់ ទ្រង់ធ្វើការ</a:t>
+            </a:r>
+          </a:p>
+          <a:p>
+            <a:pPr algn="ctr">
+              <a:lnSpc>
+                <a:spcPct val="150000"/>
+              </a:lnSpc>
+            </a:pPr>
+            <a:r>
+              <a:rPr lang="km-KH" sz="4400" dirty="0">
+                <a:latin typeface="Krasar" panose="00000500000000000000" pitchFamily="2" charset="0"/>
+                <a:cs typeface="Krasar" panose="00000500000000000000" pitchFamily="2" charset="0"/>
+              </a:rPr>
+              <a:t>ដល់អ្នកណាដែលដើរដោយក្តី</a:t>
+            </a:r>
+            <a:r>
+              <a:rPr lang="en-US" sz="4400" dirty="0">
+                <a:latin typeface="Krasar" panose="00000500000000000000" pitchFamily="2" charset="0"/>
+                <a:cs typeface="Krasar" panose="00000500000000000000" pitchFamily="2" charset="0"/>
+              </a:rPr>
+              <a:t> </a:t>
+            </a:r>
+            <a:r>
+              <a:rPr lang="km-KH" sz="4400" dirty="0">
+                <a:latin typeface="Krasar" panose="00000500000000000000" pitchFamily="2" charset="0"/>
+                <a:cs typeface="Krasar" panose="00000500000000000000" pitchFamily="2" charset="0"/>
+              </a:rPr>
+              <a:t>ជំនឿ</a:t>
+            </a:r>
+          </a:p>
+        </p:txBody>
+      </p:sp>
+    </p:spTree>
+    <p:extLst>
+      <p:ext uri="{BB962C8B-B14F-4D97-AF65-F5344CB8AC3E}">
+        <p14:creationId xmlns:p14="http://schemas.microsoft.com/office/powerpoint/2010/main" val="16342264"/>
+      </p:ext>
+    </p:extLst>
+  </p:cSld>
+  <p:clrMapOvr>
+    <a:masterClrMapping/>
+  </p:clrMapOvr>
+  <mc:AlternateContent xmlns:mc="http://schemas.openxmlformats.org/markup-compatibility/2006">
+    <mc:Choice xmlns:p14="http://schemas.microsoft.com/office/powerpoint/2010/main" Requires="p14">
+      <p:transition spd="med" p14:dur="700">
+        <p:fade/>
+      </p:transition>
+    </mc:Choice>
+    <mc:Fallback>
+      <p:transition spd="med">
+        <p:fade/>
+      </p:transition>
+    </mc:Fallback>
+  </mc:AlternateContent>
+</p:sld>
+</file>
+
+<file path=ppt/slides/slide13.xml><?xml version="1.0" encoding="utf-8"?>
+<p:sld xmlns:a="http://schemas.openxmlformats.org/drawingml/2006/main" xmlns:r="http://schemas.openxmlformats.org/officeDocument/2006/relationships" xmlns:p="http://schemas.openxmlformats.org/presentationml/2006/main">
+  <p:cSld>
+    <p:spTree>
+      <p:nvGrpSpPr>
+        <p:cNvPr id="1" name=""/>
+        <p:cNvGrpSpPr/>
+        <p:nvPr/>
+      </p:nvGrpSpPr>
+      <p:grpSpPr>
+        <a:xfrm>
+          <a:off x="0" y="0"/>
+          <a:ext cx="0" cy="0"/>
+          <a:chOff x="0" y="0"/>
+          <a:chExt cx="0" cy="0"/>
+        </a:xfrm>
+      </p:grpSpPr>
+      <p:sp>
+        <p:nvSpPr>
+          <p:cNvPr id="3" name="TextBox 2">
+            <a:extLst>
+              <a:ext uri="{FF2B5EF4-FFF2-40B4-BE49-F238E27FC236}">
+                <a16:creationId xmlns:a16="http://schemas.microsoft.com/office/drawing/2014/main" id="{2B18B96C-6A86-088E-8153-F3D582E8A528}"/>
+              </a:ext>
+            </a:extLst>
+          </p:cNvPr>
+          <p:cNvSpPr txBox="1"/>
+          <p:nvPr/>
+        </p:nvSpPr>
+        <p:spPr>
+          <a:xfrm>
+            <a:off x="339213" y="2770840"/>
+            <a:ext cx="11513574" cy="1015663"/>
+          </a:xfrm>
+          <a:prstGeom prst="rect">
+            <a:avLst/>
+          </a:prstGeom>
+          <a:noFill/>
+        </p:spPr>
+        <p:txBody>
+          <a:bodyPr wrap="square" rtlCol="0">
+            <a:spAutoFit/>
+          </a:bodyPr>
+          <a:lstStyle/>
+          <a:p>
+            <a:pPr marL="0" marR="0" lvl="0" indent="0" algn="ctr" defTabSz="914400" rtl="0" eaLnBrk="1" fontAlgn="auto" latinLnBrk="0" hangingPunct="1">
+              <a:lnSpc>
+                <a:spcPct val="100000"/>
+              </a:lnSpc>
+              <a:spcBef>
+                <a:spcPts val="0"/>
+              </a:spcBef>
+              <a:spcAft>
+                <a:spcPts val="0"/>
+              </a:spcAft>
+              <a:buClrTx/>
+              <a:buSzTx/>
+              <a:buFontTx/>
+              <a:buNone/>
+              <a:tabLst/>
+              <a:defRPr/>
+            </a:pPr>
+            <a:r>
+              <a:rPr kumimoji="0" lang="km-KH" sz="6000" b="0" i="0" u="none" strike="noStrike" kern="1200" cap="none" spc="0" normalizeH="0" baseline="0" noProof="0" dirty="0">
+                <a:ln>
+                  <a:noFill/>
+                </a:ln>
+                <a:solidFill>
+                  <a:srgbClr val="FFC000"/>
+                </a:solidFill>
+                <a:effectLst>
+                  <a:innerShdw blurRad="63500" dist="50800">
+                    <a:prstClr val="black">
+                      <a:alpha val="50000"/>
+                    </a:prstClr>
+                  </a:innerShdw>
+                </a:effectLst>
+                <a:uLnTx/>
+                <a:uFillTx/>
+                <a:latin typeface="Khmer OS Niroth" panose="02000506000000020004" pitchFamily="2" charset="0"/>
+                <a:ea typeface="Khmer-Pen​​Chantrea" panose="020B0706030804020204" pitchFamily="34" charset="0"/>
+                <a:cs typeface="Khmer OS Niroth" panose="02000506000000020004" pitchFamily="2" charset="0"/>
+              </a:rPr>
+              <a:t>ខ្ញុំចង់ក្លាយជាក្តីអំណរនៃព្រះអង្គ</a:t>
+            </a:r>
+            <a:endParaRPr kumimoji="0" lang="en-GB" sz="6000" b="0" i="0" u="none" strike="noStrike" kern="1200" cap="none" spc="0" normalizeH="0" baseline="0" noProof="0" dirty="0">
+              <a:ln>
+                <a:noFill/>
+              </a:ln>
+              <a:solidFill>
+                <a:srgbClr val="FFC000"/>
+              </a:solidFill>
+              <a:effectLst>
+                <a:innerShdw blurRad="63500" dist="50800">
+                  <a:prstClr val="black">
+                    <a:alpha val="50000"/>
+                  </a:prstClr>
+                </a:innerShdw>
+              </a:effectLst>
+              <a:uLnTx/>
+              <a:uFillTx/>
+              <a:latin typeface="Khmer OS Niroth" panose="02000506000000020004" pitchFamily="2" charset="0"/>
+              <a:ea typeface="Khmer-Pen​​Chantrea" panose="020B0706030804020204" pitchFamily="34" charset="0"/>
+              <a:cs typeface="Khmer OS Niroth" panose="02000506000000020004" pitchFamily="2" charset="0"/>
+            </a:endParaRPr>
+          </a:p>
+        </p:txBody>
+      </p:sp>
+    </p:spTree>
+    <p:extLst>
+      <p:ext uri="{BB962C8B-B14F-4D97-AF65-F5344CB8AC3E}">
+        <p14:creationId xmlns:p14="http://schemas.microsoft.com/office/powerpoint/2010/main" val="826821938"/>
+      </p:ext>
+    </p:extLst>
+  </p:cSld>
+  <p:clrMapOvr>
+    <a:masterClrMapping/>
+  </p:clrMapOvr>
+  <mc:AlternateContent xmlns:mc="http://schemas.openxmlformats.org/markup-compatibility/2006" xmlns:p15="http://schemas.microsoft.com/office/powerpoint/2012/main">
+    <mc:Choice Requires="p15">
+      <p:transition xmlns:p14="http://schemas.microsoft.com/office/powerpoint/2010/main" spd="slow" p14:dur="5000">
+        <p15:prstTrans prst="curtains"/>
+      </p:transition>
+    </mc:Choice>
+    <mc:Fallback xmlns="">
+      <p:transition spd="slow">
+        <p:fade/>
+      </p:transition>
+    </mc:Fallback>
+  </mc:AlternateContent>
+</p:sld>
+</file>
+
+<file path=ppt/slides/slide14.xml><?xml version="1.0" encoding="utf-8"?>
+<p:sld xmlns:a="http://schemas.openxmlformats.org/drawingml/2006/main" xmlns:r="http://schemas.openxmlformats.org/officeDocument/2006/relationships" xmlns:p="http://schemas.openxmlformats.org/presentationml/2006/main">
+  <p:cSld>
+    <p:spTree>
+      <p:nvGrpSpPr>
+        <p:cNvPr id="1" name=""/>
+        <p:cNvGrpSpPr/>
+        <p:nvPr/>
+      </p:nvGrpSpPr>
+      <p:grpSpPr>
+        <a:xfrm>
+          <a:off x="0" y="0"/>
+          <a:ext cx="0" cy="0"/>
+          <a:chOff x="0" y="0"/>
+          <a:chExt cx="0" cy="0"/>
+        </a:xfrm>
+      </p:grpSpPr>
+      <p:sp>
+        <p:nvSpPr>
+          <p:cNvPr id="2" name="Date Placeholder 1"/>
+          <p:cNvSpPr>
+            <a:spLocks noGrp="1"/>
+          </p:cNvSpPr>
+          <p:nvPr>
+            <p:ph type="dt" sz="half" idx="10"/>
+          </p:nvPr>
+        </p:nvSpPr>
+        <p:spPr>
+          <a:xfrm>
+            <a:off x="4724400" y="6492875"/>
+            <a:ext cx="2743200" cy="365125"/>
+          </a:xfrm>
+        </p:spPr>
+        <p:txBody>
+          <a:bodyPr/>
+          <a:lstStyle/>
+          <a:p>
+            <a:pPr algn="ctr"/>
+            <a:fld id="{1F721352-3B04-4D0E-98DC-4C3DE7AC0F1B}" type="datetime2">
+              <a:rPr lang="km-KH" smtClean="0">
+                <a:latin typeface="Krasar" panose="00000500000000000000" pitchFamily="2" charset="0"/>
+                <a:cs typeface="Krasar" panose="00000500000000000000" pitchFamily="2" charset="0"/>
+              </a:rPr>
+              <a:pPr algn="ctr"/>
+              <a:t>ថ្ងៃសៅរ៍ 22 មិនា 2025</a:t>
+            </a:fld>
+            <a:endParaRPr lang="en-US" dirty="0">
+              <a:latin typeface="Krasar" panose="00000500000000000000" pitchFamily="2" charset="0"/>
+              <a:cs typeface="Krasar" panose="00000500000000000000" pitchFamily="2" charset="0"/>
+            </a:endParaRPr>
+          </a:p>
+        </p:txBody>
+      </p:sp>
+      <p:sp>
+        <p:nvSpPr>
+          <p:cNvPr id="3" name="Footer Placeholder 2"/>
+          <p:cNvSpPr>
+            <a:spLocks noGrp="1"/>
+          </p:cNvSpPr>
+          <p:nvPr>
+            <p:ph type="ftr" sz="quarter" idx="11"/>
+          </p:nvPr>
+        </p:nvSpPr>
+        <p:spPr>
+          <a:xfrm>
+            <a:off x="4038600" y="0"/>
+            <a:ext cx="4114800" cy="365125"/>
+          </a:xfrm>
+        </p:spPr>
+        <p:txBody>
+          <a:bodyPr/>
+          <a:lstStyle/>
+          <a:p>
+            <a:r>
+              <a:rPr lang="km-KH">
+                <a:latin typeface="Krasar" panose="00000500000000000000" pitchFamily="2" charset="0"/>
+                <a:cs typeface="Krasar" panose="00000500000000000000" pitchFamily="2" charset="0"/>
+              </a:rPr>
+              <a:t>សូមថ្វាយសិរីល្អដល់ព្រះ</a:t>
+            </a:r>
+            <a:endParaRPr lang="en-US">
+              <a:latin typeface="Krasar" panose="00000500000000000000" pitchFamily="2" charset="0"/>
+              <a:cs typeface="Krasar" panose="00000500000000000000" pitchFamily="2" charset="0"/>
+            </a:endParaRPr>
+          </a:p>
+        </p:txBody>
+      </p:sp>
+      <p:sp>
+        <p:nvSpPr>
+          <p:cNvPr id="5" name="Title 1">
+            <a:extLst>
+              <a:ext uri="{FF2B5EF4-FFF2-40B4-BE49-F238E27FC236}">
+                <a16:creationId xmlns:a16="http://schemas.microsoft.com/office/drawing/2014/main" id="{9A8324A4-65F8-641A-68C7-E87C0B4708A8}"/>
+              </a:ext>
+            </a:extLst>
+          </p:cNvPr>
+          <p:cNvSpPr txBox="1">
+            <a:spLocks/>
+          </p:cNvSpPr>
+          <p:nvPr/>
+        </p:nvSpPr>
+        <p:spPr>
+          <a:xfrm>
+            <a:off x="0" y="324465"/>
+            <a:ext cx="12192000" cy="6209070"/>
+          </a:xfrm>
+          <a:prstGeom prst="rect">
+            <a:avLst/>
+          </a:prstGeom>
+        </p:spPr>
+        <p:txBody>
+          <a:bodyPr vert="horz" lIns="91440" tIns="45720" rIns="91440" bIns="45720" rtlCol="0" anchor="ctr">
+            <a:noAutofit/>
+          </a:bodyPr>
+          <a:lstStyle>
+            <a:lvl1pPr algn="l" defTabSz="914400" rtl="0" eaLnBrk="1" latinLnBrk="0" hangingPunct="1">
+              <a:lnSpc>
+                <a:spcPct val="90000"/>
+              </a:lnSpc>
+              <a:spcBef>
+                <a:spcPct val="0"/>
+              </a:spcBef>
+              <a:buNone/>
+              <a:defRPr sz="4400" kern="1200">
+                <a:solidFill>
+                  <a:schemeClr val="tx1"/>
+                </a:solidFill>
+                <a:latin typeface="+mj-lt"/>
+                <a:ea typeface="+mj-ea"/>
+                <a:cs typeface="+mj-cs"/>
+              </a:defRPr>
+            </a:lvl1pPr>
+          </a:lstStyle>
+          <a:p>
+            <a:pPr algn="ctr">
+              <a:lnSpc>
+                <a:spcPct val="150000"/>
+              </a:lnSpc>
+            </a:pPr>
+            <a:r>
+              <a:rPr lang="km-KH" sz="4400" dirty="0">
+                <a:latin typeface="Krasar" panose="00000500000000000000" pitchFamily="2" charset="0"/>
+                <a:cs typeface="Krasar" panose="00000500000000000000" pitchFamily="2" charset="0"/>
+              </a:rPr>
+              <a:t>ខ្ញុំ​ ចង់ក្លាយជាក្ដីអំណរនៃព្រះ អង្គ </a:t>
+            </a:r>
+          </a:p>
+          <a:p>
+            <a:pPr algn="ctr">
+              <a:lnSpc>
+                <a:spcPct val="150000"/>
+              </a:lnSpc>
+            </a:pPr>
+            <a:r>
+              <a:rPr lang="km-KH" sz="4400" dirty="0">
+                <a:latin typeface="Krasar" panose="00000500000000000000" pitchFamily="2" charset="0"/>
+                <a:cs typeface="Krasar" panose="00000500000000000000" pitchFamily="2" charset="0"/>
+              </a:rPr>
+              <a:t>សូមទ្រង់ ប្ដូរ ចិត្តខ្ញុំ ជាថ្មី </a:t>
+            </a:r>
+          </a:p>
+        </p:txBody>
+      </p:sp>
+    </p:spTree>
+    <p:extLst>
+      <p:ext uri="{BB962C8B-B14F-4D97-AF65-F5344CB8AC3E}">
+        <p14:creationId xmlns:p14="http://schemas.microsoft.com/office/powerpoint/2010/main" val="2382288802"/>
+      </p:ext>
+    </p:extLst>
+  </p:cSld>
+  <p:clrMapOvr>
+    <a:masterClrMapping/>
+  </p:clrMapOvr>
+  <mc:AlternateContent xmlns:mc="http://schemas.openxmlformats.org/markup-compatibility/2006">
+    <mc:Choice xmlns:p14="http://schemas.microsoft.com/office/powerpoint/2010/main" Requires="p14">
+      <p:transition spd="med" p14:dur="700">
+        <p:fade/>
+      </p:transition>
+    </mc:Choice>
+    <mc:Fallback>
+      <p:transition spd="med">
+        <p:fade/>
+      </p:transition>
+    </mc:Fallback>
+  </mc:AlternateContent>
+</p:sld>
+</file>
+
+<file path=ppt/slides/slide15.xml><?xml version="1.0" encoding="utf-8"?>
+<p:sld xmlns:a="http://schemas.openxmlformats.org/drawingml/2006/main" xmlns:r="http://schemas.openxmlformats.org/officeDocument/2006/relationships" xmlns:p="http://schemas.openxmlformats.org/presentationml/2006/main">
+  <p:cSld>
+    <p:spTree>
+      <p:nvGrpSpPr>
+        <p:cNvPr id="1" name=""/>
+        <p:cNvGrpSpPr/>
+        <p:nvPr/>
+      </p:nvGrpSpPr>
+      <p:grpSpPr>
+        <a:xfrm>
+          <a:off x="0" y="0"/>
+          <a:ext cx="0" cy="0"/>
+          <a:chOff x="0" y="0"/>
+          <a:chExt cx="0" cy="0"/>
+        </a:xfrm>
+      </p:grpSpPr>
+      <p:sp>
+        <p:nvSpPr>
+          <p:cNvPr id="2" name="Title 1">
+            <a:extLst>
+              <a:ext uri="{FF2B5EF4-FFF2-40B4-BE49-F238E27FC236}">
+                <a16:creationId xmlns:a16="http://schemas.microsoft.com/office/drawing/2014/main" id="{AD761B9F-2A4C-4818-69D9-A770A07798CB}"/>
+              </a:ext>
+            </a:extLst>
+          </p:cNvPr>
+          <p:cNvSpPr txBox="1">
+            <a:spLocks/>
+          </p:cNvSpPr>
+          <p:nvPr/>
+        </p:nvSpPr>
+        <p:spPr>
+          <a:xfrm>
+            <a:off x="0" y="324465"/>
+            <a:ext cx="12192000" cy="6209070"/>
+          </a:xfrm>
+          <a:prstGeom prst="rect">
+            <a:avLst/>
+          </a:prstGeom>
+        </p:spPr>
+        <p:txBody>
+          <a:bodyPr vert="horz" lIns="91440" tIns="45720" rIns="91440" bIns="45720" rtlCol="0" anchor="ctr">
+            <a:noAutofit/>
+          </a:bodyPr>
+          <a:lstStyle>
+            <a:lvl1pPr algn="l" defTabSz="914400" rtl="0" eaLnBrk="1" latinLnBrk="0" hangingPunct="1">
+              <a:lnSpc>
+                <a:spcPct val="90000"/>
+              </a:lnSpc>
+              <a:spcBef>
+                <a:spcPct val="0"/>
+              </a:spcBef>
+              <a:buNone/>
+              <a:defRPr sz="4400" kern="1200">
+                <a:solidFill>
+                  <a:schemeClr val="tx1"/>
+                </a:solidFill>
+                <a:latin typeface="+mj-lt"/>
+                <a:ea typeface="+mj-ea"/>
+                <a:cs typeface="+mj-cs"/>
+              </a:defRPr>
+            </a:lvl1pPr>
+          </a:lstStyle>
+          <a:p>
+            <a:pPr algn="ctr">
+              <a:lnSpc>
+                <a:spcPct val="150000"/>
+              </a:lnSpc>
+            </a:pPr>
+            <a:r>
+              <a:rPr lang="km-KH" sz="4400" dirty="0">
+                <a:latin typeface="Krasar" panose="00000500000000000000" pitchFamily="2" charset="0"/>
+                <a:cs typeface="Krasar" panose="00000500000000000000" pitchFamily="2" charset="0"/>
+              </a:rPr>
+              <a:t>សូមប្រែខ្ញុំ</a:t>
+            </a:r>
+            <a:r>
+              <a:rPr lang="en-US" sz="4400" dirty="0">
+                <a:latin typeface="Krasar" panose="00000500000000000000" pitchFamily="2" charset="0"/>
+                <a:cs typeface="Krasar" panose="00000500000000000000" pitchFamily="2" charset="0"/>
+              </a:rPr>
+              <a:t> </a:t>
+            </a:r>
+            <a:r>
+              <a:rPr lang="km-KH" sz="4400" dirty="0">
+                <a:latin typeface="Krasar" panose="00000500000000000000" pitchFamily="2" charset="0"/>
+                <a:cs typeface="Krasar" panose="00000500000000000000" pitchFamily="2" charset="0"/>
+              </a:rPr>
+              <a:t>ឱ្យក្លាយជាបាវថ្មី </a:t>
+            </a:r>
+          </a:p>
+          <a:p>
+            <a:pPr algn="ctr">
+              <a:lnSpc>
+                <a:spcPct val="150000"/>
+              </a:lnSpc>
+            </a:pPr>
+            <a:r>
+              <a:rPr lang="km-KH" sz="4400" dirty="0">
+                <a:latin typeface="Krasar" panose="00000500000000000000" pitchFamily="2" charset="0"/>
+                <a:cs typeface="Krasar" panose="00000500000000000000" pitchFamily="2" charset="0"/>
+              </a:rPr>
+              <a:t>សូមទ្រង់ប្រទាន ពន្លឺដល់រូបខ្ញុំ</a:t>
+            </a:r>
+          </a:p>
+        </p:txBody>
+      </p:sp>
+    </p:spTree>
+    <p:extLst>
+      <p:ext uri="{BB962C8B-B14F-4D97-AF65-F5344CB8AC3E}">
+        <p14:creationId xmlns:p14="http://schemas.microsoft.com/office/powerpoint/2010/main" val="3880491422"/>
+      </p:ext>
+    </p:extLst>
+  </p:cSld>
+  <p:clrMapOvr>
+    <a:masterClrMapping/>
+  </p:clrMapOvr>
+  <mc:AlternateContent xmlns:mc="http://schemas.openxmlformats.org/markup-compatibility/2006">
+    <mc:Choice xmlns:p14="http://schemas.microsoft.com/office/powerpoint/2010/main" Requires="p14">
+      <p:transition spd="med" p14:dur="700">
+        <p:fade/>
+      </p:transition>
+    </mc:Choice>
+    <mc:Fallback>
+      <p:transition spd="med">
+        <p:fade/>
+      </p:transition>
+    </mc:Fallback>
+  </mc:AlternateContent>
+</p:sld>
+</file>
+
+<file path=ppt/slides/slide16.xml><?xml version="1.0" encoding="utf-8"?>
+<p:sld xmlns:a="http://schemas.openxmlformats.org/drawingml/2006/main" xmlns:r="http://schemas.openxmlformats.org/officeDocument/2006/relationships" xmlns:p="http://schemas.openxmlformats.org/presentationml/2006/main">
+  <p:cSld>
+    <p:spTree>
+      <p:nvGrpSpPr>
+        <p:cNvPr id="1" name=""/>
+        <p:cNvGrpSpPr/>
+        <p:nvPr/>
+      </p:nvGrpSpPr>
+      <p:grpSpPr>
+        <a:xfrm>
+          <a:off x="0" y="0"/>
+          <a:ext cx="0" cy="0"/>
+          <a:chOff x="0" y="0"/>
+          <a:chExt cx="0" cy="0"/>
+        </a:xfrm>
+      </p:grpSpPr>
+      <p:sp>
+        <p:nvSpPr>
+          <p:cNvPr id="2" name="Title 1">
+            <a:extLst>
+              <a:ext uri="{FF2B5EF4-FFF2-40B4-BE49-F238E27FC236}">
+                <a16:creationId xmlns:a16="http://schemas.microsoft.com/office/drawing/2014/main" id="{08BFBBEA-EB44-FF51-AA68-C801E67BDEFE}"/>
+              </a:ext>
+            </a:extLst>
+          </p:cNvPr>
+          <p:cNvSpPr txBox="1">
+            <a:spLocks/>
+          </p:cNvSpPr>
+          <p:nvPr/>
+        </p:nvSpPr>
+        <p:spPr>
+          <a:xfrm>
+            <a:off x="0" y="324465"/>
+            <a:ext cx="12192000" cy="6209070"/>
+          </a:xfrm>
+          <a:prstGeom prst="rect">
+            <a:avLst/>
+          </a:prstGeom>
+        </p:spPr>
+        <p:txBody>
+          <a:bodyPr vert="horz" lIns="91440" tIns="45720" rIns="91440" bIns="45720" rtlCol="0" anchor="ctr">
+            <a:noAutofit/>
+          </a:bodyPr>
+          <a:lstStyle>
+            <a:lvl1pPr algn="l" defTabSz="914400" rtl="0" eaLnBrk="1" latinLnBrk="0" hangingPunct="1">
+              <a:lnSpc>
+                <a:spcPct val="90000"/>
+              </a:lnSpc>
+              <a:spcBef>
+                <a:spcPct val="0"/>
+              </a:spcBef>
+              <a:buNone/>
+              <a:defRPr sz="4400" kern="1200">
+                <a:solidFill>
+                  <a:schemeClr val="tx1"/>
+                </a:solidFill>
+                <a:latin typeface="+mj-lt"/>
+                <a:ea typeface="+mj-ea"/>
+                <a:cs typeface="+mj-cs"/>
+              </a:defRPr>
+            </a:lvl1pPr>
+          </a:lstStyle>
+          <a:p>
+            <a:pPr algn="ctr">
+              <a:lnSpc>
+                <a:spcPct val="150000"/>
+              </a:lnSpc>
+            </a:pPr>
+            <a:r>
+              <a:rPr lang="km-KH" sz="4400" dirty="0">
+                <a:latin typeface="Krasar" panose="00000500000000000000" pitchFamily="2" charset="0"/>
+                <a:cs typeface="Krasar" panose="00000500000000000000" pitchFamily="2" charset="0"/>
+              </a:rPr>
+              <a:t>ចិត្តប្រាថ្នា ដែលខ្ញុំមាន  </a:t>
+            </a:r>
+          </a:p>
+          <a:p>
+            <a:pPr algn="ctr">
+              <a:lnSpc>
+                <a:spcPct val="150000"/>
+              </a:lnSpc>
+            </a:pPr>
+            <a:r>
+              <a:rPr lang="km-KH" sz="4400" dirty="0">
+                <a:latin typeface="Krasar" panose="00000500000000000000" pitchFamily="2" charset="0"/>
+                <a:cs typeface="Krasar" panose="00000500000000000000" pitchFamily="2" charset="0"/>
+              </a:rPr>
+              <a:t>គឺ ចង់ក្លាយ ជា ក្ដីអំណរ នៃព្រះអង្គ </a:t>
+            </a:r>
+          </a:p>
+        </p:txBody>
+      </p:sp>
+    </p:spTree>
+    <p:extLst>
+      <p:ext uri="{BB962C8B-B14F-4D97-AF65-F5344CB8AC3E}">
+        <p14:creationId xmlns:p14="http://schemas.microsoft.com/office/powerpoint/2010/main" val="3483838769"/>
+      </p:ext>
+    </p:extLst>
+  </p:cSld>
+  <p:clrMapOvr>
+    <a:masterClrMapping/>
+  </p:clrMapOvr>
+  <mc:AlternateContent xmlns:mc="http://schemas.openxmlformats.org/markup-compatibility/2006">
+    <mc:Choice xmlns:p14="http://schemas.microsoft.com/office/powerpoint/2010/main" Requires="p14">
+      <p:transition spd="med" p14:dur="700">
+        <p:fade/>
+      </p:transition>
+    </mc:Choice>
+    <mc:Fallback>
+      <p:transition spd="med">
+        <p:fade/>
+      </p:transition>
+    </mc:Fallback>
+  </mc:AlternateContent>
+</p:sld>
+</file>
+
+<file path=ppt/slides/slide17.xml><?xml version="1.0" encoding="utf-8"?>
+<p:sld xmlns:a="http://schemas.openxmlformats.org/drawingml/2006/main" xmlns:r="http://schemas.openxmlformats.org/officeDocument/2006/relationships" xmlns:p="http://schemas.openxmlformats.org/presentationml/2006/main">
+  <p:cSld>
+    <p:spTree>
+      <p:nvGrpSpPr>
+        <p:cNvPr id="1" name=""/>
+        <p:cNvGrpSpPr/>
+        <p:nvPr/>
+      </p:nvGrpSpPr>
+      <p:grpSpPr>
+        <a:xfrm>
+          <a:off x="0" y="0"/>
+          <a:ext cx="0" cy="0"/>
+          <a:chOff x="0" y="0"/>
+          <a:chExt cx="0" cy="0"/>
+        </a:xfrm>
+      </p:grpSpPr>
+      <p:sp>
+        <p:nvSpPr>
+          <p:cNvPr id="2" name="Title 1">
+            <a:extLst>
+              <a:ext uri="{FF2B5EF4-FFF2-40B4-BE49-F238E27FC236}">
+                <a16:creationId xmlns:a16="http://schemas.microsoft.com/office/drawing/2014/main" id="{EE2F6D46-B7D6-7CE0-D707-B6B42678B096}"/>
+              </a:ext>
+            </a:extLst>
+          </p:cNvPr>
+          <p:cNvSpPr txBox="1">
+            <a:spLocks/>
+          </p:cNvSpPr>
+          <p:nvPr/>
+        </p:nvSpPr>
+        <p:spPr>
+          <a:xfrm>
+            <a:off x="0" y="324465"/>
+            <a:ext cx="12192000" cy="6209070"/>
+          </a:xfrm>
+          <a:prstGeom prst="rect">
+            <a:avLst/>
+          </a:prstGeom>
+        </p:spPr>
+        <p:txBody>
+          <a:bodyPr vert="horz" lIns="91440" tIns="45720" rIns="91440" bIns="45720" rtlCol="0" anchor="ctr">
+            <a:noAutofit/>
+          </a:bodyPr>
+          <a:lstStyle>
+            <a:lvl1pPr algn="l" defTabSz="914400" rtl="0" eaLnBrk="1" latinLnBrk="0" hangingPunct="1">
+              <a:lnSpc>
+                <a:spcPct val="90000"/>
+              </a:lnSpc>
+              <a:spcBef>
+                <a:spcPct val="0"/>
+              </a:spcBef>
+              <a:buNone/>
+              <a:defRPr sz="4400" kern="1200">
+                <a:solidFill>
+                  <a:schemeClr val="tx1"/>
+                </a:solidFill>
+                <a:latin typeface="+mj-lt"/>
+                <a:ea typeface="+mj-ea"/>
+                <a:cs typeface="+mj-cs"/>
+              </a:defRPr>
+            </a:lvl1pPr>
+          </a:lstStyle>
+          <a:p>
+            <a:pPr algn="ctr">
+              <a:lnSpc>
+                <a:spcPct val="150000"/>
+              </a:lnSpc>
+            </a:pPr>
+            <a:r>
+              <a:rPr lang="km-KH" sz="4400" dirty="0">
+                <a:latin typeface="Krasar" panose="00000500000000000000" pitchFamily="2" charset="0"/>
+                <a:cs typeface="Krasar" panose="00000500000000000000" pitchFamily="2" charset="0"/>
+              </a:rPr>
+              <a:t>ចិត្តប្រាថ្នា ដែលខ្ញុំមាន គឺ ចង់ ក្លាយ ជា</a:t>
+            </a:r>
+          </a:p>
+          <a:p>
+            <a:pPr algn="ctr">
+              <a:lnSpc>
+                <a:spcPct val="150000"/>
+              </a:lnSpc>
+            </a:pPr>
+            <a:r>
+              <a:rPr lang="km-KH" sz="4400" dirty="0">
+                <a:latin typeface="Krasar" panose="00000500000000000000" pitchFamily="2" charset="0"/>
+                <a:cs typeface="Krasar" panose="00000500000000000000" pitchFamily="2" charset="0"/>
+              </a:rPr>
+              <a:t>  ក្ដី អំណរនៃព្រះអម្ចាស់</a:t>
+            </a:r>
+          </a:p>
+        </p:txBody>
+      </p:sp>
+    </p:spTree>
+    <p:extLst>
+      <p:ext uri="{BB962C8B-B14F-4D97-AF65-F5344CB8AC3E}">
+        <p14:creationId xmlns:p14="http://schemas.microsoft.com/office/powerpoint/2010/main" val="688260352"/>
+      </p:ext>
+    </p:extLst>
+  </p:cSld>
+  <p:clrMapOvr>
+    <a:masterClrMapping/>
+  </p:clrMapOvr>
+  <mc:AlternateContent xmlns:mc="http://schemas.openxmlformats.org/markup-compatibility/2006">
+    <mc:Choice xmlns:p14="http://schemas.microsoft.com/office/powerpoint/2010/main" Requires="p14">
+      <p:transition spd="med" p14:dur="700">
+        <p:fade/>
+      </p:transition>
+    </mc:Choice>
+    <mc:Fallback>
+      <p:transition spd="med">
+        <p:fade/>
+      </p:transition>
+    </mc:Fallback>
+  </mc:AlternateContent>
+</p:sld>
+</file>
+
+<file path=ppt/slides/slide18.xml><?xml version="1.0" encoding="utf-8"?>
+<p:sld xmlns:a="http://schemas.openxmlformats.org/drawingml/2006/main" xmlns:r="http://schemas.openxmlformats.org/officeDocument/2006/relationships" xmlns:p="http://schemas.openxmlformats.org/presentationml/2006/main">
+  <p:cSld>
+    <p:spTree>
+      <p:nvGrpSpPr>
+        <p:cNvPr id="1" name="">
+          <a:extLst>
+            <a:ext uri="{FF2B5EF4-FFF2-40B4-BE49-F238E27FC236}">
+              <a16:creationId xmlns:a16="http://schemas.microsoft.com/office/drawing/2014/main" id="{AA6D822B-55BD-DF19-AB2B-EEA52EBE7464}"/>
+            </a:ext>
+          </a:extLst>
+        </p:cNvPr>
+        <p:cNvGrpSpPr/>
+        <p:nvPr/>
+      </p:nvGrpSpPr>
+      <p:grpSpPr>
+        <a:xfrm>
+          <a:off x="0" y="0"/>
+          <a:ext cx="0" cy="0"/>
+          <a:chOff x="0" y="0"/>
+          <a:chExt cx="0" cy="0"/>
+        </a:xfrm>
+      </p:grpSpPr>
+      <p:sp>
+        <p:nvSpPr>
           <p:cNvPr id="16" name="TextBox 15">
             <a:extLst>
               <a:ext uri="{FF2B5EF4-FFF2-40B4-BE49-F238E27FC236}">
-                <a16:creationId xmlns:a16="http://schemas.microsoft.com/office/drawing/2014/main" xmlns="" id="{95053837-C409-685D-8937-84A5297E2310}"/>
+                <a16:creationId xmlns:a16="http://schemas.microsoft.com/office/drawing/2014/main" id="{95053837-C409-685D-8937-84A5297E2310}"/>
               </a:ext>
             </a:extLst>
           </p:cNvPr>
@@ -11153,7 +12302,7 @@
           <p:cNvPr id="7" name="TextBox 6">
             <a:extLst>
               <a:ext uri="{FF2B5EF4-FFF2-40B4-BE49-F238E27FC236}">
-                <a16:creationId xmlns:a16="http://schemas.microsoft.com/office/drawing/2014/main" xmlns="" id="{95053837-C409-685D-8937-84A5297E2310}"/>
+                <a16:creationId xmlns:a16="http://schemas.microsoft.com/office/drawing/2014/main" id="{95053837-C409-685D-8937-84A5297E2310}"/>
               </a:ext>
             </a:extLst>
           </p:cNvPr>
@@ -11162,8 +12311,8 @@
         </p:nvSpPr>
         <p:spPr>
           <a:xfrm>
-            <a:off x="4425581" y="5630074"/>
-            <a:ext cx="3130985" cy="461665"/>
+            <a:off x="5243112" y="5630074"/>
+            <a:ext cx="1495922" cy="461665"/>
           </a:xfrm>
           <a:prstGeom prst="rect">
             <a:avLst/>
@@ -11185,7 +12334,7 @@
                 <a:latin typeface="AKbalthom Moul 2" panose="02000500000000000000" pitchFamily="2" charset="0"/>
                 <a:cs typeface="AKbalthom Moul 2" panose="02000500000000000000" pitchFamily="2" charset="0"/>
               </a:rPr>
-              <a:t>លោកគ្រូ៖ គួន ចាន់ធូ</a:t>
+              <a:t>លោកគ្រូ៖</a:t>
             </a:r>
             <a:endParaRPr lang="en-GB" sz="2400" dirty="0">
               <a:solidFill>
@@ -11276,7 +12425,7 @@
           <a:p>
             <a:pPr algn="ctr"/>
             <a:r>
-              <a:rPr lang="km-KH" sz="2800" dirty="0" smtClean="0">
+              <a:rPr lang="km-KH" sz="2800" dirty="0">
                 <a:solidFill>
                   <a:schemeClr val="bg1"/>
                 </a:solidFill>
@@ -11286,7 +12435,7 @@
               <a:t>សុភាសិត ១២</a:t>
             </a:r>
             <a:r>
-              <a:rPr lang="en-US" sz="2800" dirty="0" smtClean="0">
+              <a:rPr lang="en-US" sz="2800" dirty="0">
                 <a:solidFill>
                   <a:schemeClr val="bg1"/>
                 </a:solidFill>
@@ -11296,7 +12445,7 @@
               <a:t>:</a:t>
             </a:r>
             <a:r>
-              <a:rPr lang="km-KH" sz="2800" dirty="0" smtClean="0">
+              <a:rPr lang="km-KH" sz="2800" dirty="0">
                 <a:solidFill>
                   <a:schemeClr val="bg1"/>
                 </a:solidFill>
@@ -11325,29 +12474,22 @@
   <p:clrMapOvr>
     <a:masterClrMapping/>
   </p:clrMapOvr>
-  <mc:AlternateContent xmlns:mc="http://schemas.openxmlformats.org/markup-compatibility/2006">
-    <mc:Choice xmlns:p159="http://schemas.microsoft.com/office/powerpoint/2015/09/main" xmlns="" Requires="p159">
+  <mc:AlternateContent xmlns:mc="http://schemas.openxmlformats.org/markup-compatibility/2006" xmlns:p159="http://schemas.microsoft.com/office/powerpoint/2015/09/main">
+    <mc:Choice Requires="p159">
       <p:transition xmlns:p14="http://schemas.microsoft.com/office/powerpoint/2010/main" spd="slow" p14:dur="2000">
         <p159:morph option="byObject"/>
       </p:transition>
     </mc:Choice>
-    <mc:Fallback>
+    <mc:Fallback xmlns="">
       <p:transition spd="slow">
         <p:fade/>
       </p:transition>
     </mc:Fallback>
   </mc:AlternateContent>
-  <p:timing>
-    <p:tnLst>
-      <p:par>
-        <p:cTn id="1" dur="indefinite" restart="never" nodeType="tmRoot"/>
-      </p:par>
-    </p:tnLst>
-  </p:timing>
 </p:sld>
 </file>
 
-<file path=ppt/slides/slide12.xml><?xml version="1.0" encoding="utf-8"?>
+<file path=ppt/slides/slide19.xml><?xml version="1.0" encoding="utf-8"?>
 <p:sld xmlns:a="http://schemas.openxmlformats.org/drawingml/2006/main" xmlns:r="http://schemas.openxmlformats.org/officeDocument/2006/relationships" xmlns:p="http://schemas.openxmlformats.org/presentationml/2006/main">
   <p:cSld>
     <p:spTree>
@@ -11434,17 +12576,10 @@
   <p:clrMapOvr>
     <a:masterClrMapping/>
   </p:clrMapOvr>
-  <p:timing>
-    <p:tnLst>
-      <p:par>
-        <p:cTn id="1" dur="indefinite" restart="never" nodeType="tmRoot"/>
-      </p:par>
-    </p:tnLst>
-  </p:timing>
 </p:sld>
 </file>
 
-<file path=ppt/slides/slide13.xml><?xml version="1.0" encoding="utf-8"?>
+<file path=ppt/slides/slide2.xml><?xml version="1.0" encoding="utf-8"?>
 <p:sld xmlns:a="http://schemas.openxmlformats.org/drawingml/2006/main" xmlns:r="http://schemas.openxmlformats.org/officeDocument/2006/relationships" xmlns:p="http://schemas.openxmlformats.org/presentationml/2006/main">
   <p:cSld>
     <p:spTree>
@@ -11452,7 +12587,7 @@
         <p:cNvPr id="1" name="">
           <a:extLst>
             <a:ext uri="{FF2B5EF4-FFF2-40B4-BE49-F238E27FC236}">
-              <a16:creationId xmlns:a16="http://schemas.microsoft.com/office/drawing/2014/main" xmlns="" id="{FBAB04B5-5527-DB2C-77F6-E1C129D60E31}"/>
+              <a16:creationId xmlns:a16="http://schemas.microsoft.com/office/drawing/2014/main" id="{0956FFFF-645C-1DA0-57C3-93D2EBD6E840}"/>
             </a:ext>
           </a:extLst>
         </p:cNvPr>
@@ -11472,7 +12607,218 @@
           <p:cNvPr id="12" name="TextBox 11">
             <a:extLst>
               <a:ext uri="{FF2B5EF4-FFF2-40B4-BE49-F238E27FC236}">
-                <a16:creationId xmlns:a16="http://schemas.microsoft.com/office/drawing/2014/main" xmlns="" id="{3984628B-A675-5FF7-EACC-64F2704BA813}"/>
+                <a16:creationId xmlns:a16="http://schemas.microsoft.com/office/drawing/2014/main" id="{81991DCA-E5BD-33FC-6845-617E15551D91}"/>
+              </a:ext>
+            </a:extLst>
+          </p:cNvPr>
+          <p:cNvSpPr txBox="1"/>
+          <p:nvPr/>
+        </p:nvSpPr>
+        <p:spPr>
+          <a:xfrm>
+            <a:off x="2792050" y="2972274"/>
+            <a:ext cx="6607899" cy="1200329"/>
+          </a:xfrm>
+          <a:prstGeom prst="rect">
+            <a:avLst/>
+          </a:prstGeom>
+          <a:noFill/>
+        </p:spPr>
+        <p:txBody>
+          <a:bodyPr wrap="none" rtlCol="0">
+            <a:spAutoFit/>
+          </a:bodyPr>
+          <a:lstStyle/>
+          <a:p>
+            <a:pPr algn="ctr"/>
+            <a:r>
+              <a:rPr lang="km-KH" sz="7200" dirty="0">
+                <a:solidFill>
+                  <a:srgbClr val="FFC000"/>
+                </a:solidFill>
+                <a:effectLst>
+                  <a:innerShdw blurRad="63500" dist="50800">
+                    <a:prstClr val="black">
+                      <a:alpha val="50000"/>
+                    </a:prstClr>
+                  </a:innerShdw>
+                </a:effectLst>
+                <a:latin typeface="Khmer OS Niroth" panose="02000506000000020004" pitchFamily="2" charset="0"/>
+                <a:ea typeface="Khmer-Pen​​Chantrea" panose="020B0706030804020204" pitchFamily="34" charset="0"/>
+                <a:cs typeface="Khmer OS Niroth" panose="02000506000000020004" pitchFamily="2" charset="0"/>
+              </a:rPr>
+              <a:t>អធិស្ថានបើកកម្មវិធី</a:t>
+            </a:r>
+            <a:endParaRPr lang="en-GB" sz="7200" dirty="0">
+              <a:solidFill>
+                <a:srgbClr val="FFC000"/>
+              </a:solidFill>
+              <a:effectLst>
+                <a:innerShdw blurRad="63500" dist="50800">
+                  <a:prstClr val="black">
+                    <a:alpha val="50000"/>
+                  </a:prstClr>
+                </a:innerShdw>
+              </a:effectLst>
+              <a:latin typeface="Khmer OS Niroth" panose="02000506000000020004" pitchFamily="2" charset="0"/>
+              <a:ea typeface="Khmer-Pen​​Chantrea" panose="020B0706030804020204" pitchFamily="34" charset="0"/>
+              <a:cs typeface="Khmer OS Niroth" panose="02000506000000020004" pitchFamily="2" charset="0"/>
+            </a:endParaRPr>
+          </a:p>
+        </p:txBody>
+      </p:sp>
+      <p:sp>
+        <p:nvSpPr>
+          <p:cNvPr id="14" name="TextBox 13">
+            <a:extLst>
+              <a:ext uri="{FF2B5EF4-FFF2-40B4-BE49-F238E27FC236}">
+                <a16:creationId xmlns:a16="http://schemas.microsoft.com/office/drawing/2014/main" id="{3A83A1F4-0B43-3661-0AB3-6D7FB15CC382}"/>
+              </a:ext>
+            </a:extLst>
+          </p:cNvPr>
+          <p:cNvSpPr txBox="1"/>
+          <p:nvPr/>
+        </p:nvSpPr>
+        <p:spPr>
+          <a:xfrm>
+            <a:off x="10452503" y="143435"/>
+            <a:ext cx="1571263" cy="276999"/>
+          </a:xfrm>
+          <a:prstGeom prst="rect">
+            <a:avLst/>
+          </a:prstGeom>
+          <a:noFill/>
+        </p:spPr>
+        <p:txBody>
+          <a:bodyPr wrap="none" rtlCol="0">
+            <a:spAutoFit/>
+          </a:bodyPr>
+          <a:lstStyle/>
+          <a:p>
+            <a:pPr algn="r"/>
+            <a:fld id="{BF0D9E41-A79D-439E-B48A-1399D5B145B1}" type="datetime2">
+              <a:rPr lang="km-KH" sz="1200" smtClean="0">
+                <a:solidFill>
+                  <a:schemeClr val="bg1"/>
+                </a:solidFill>
+                <a:latin typeface="Krasar" panose="00000500000000000000" pitchFamily="2" charset="0"/>
+                <a:cs typeface="Krasar" panose="00000500000000000000" pitchFamily="2" charset="0"/>
+              </a:rPr>
+              <a:pPr algn="r"/>
+              <a:t>ថ្ងៃសៅរ៍ 22 មិនា 2025</a:t>
+            </a:fld>
+            <a:endParaRPr lang="en-GB" dirty="0">
+              <a:solidFill>
+                <a:schemeClr val="bg1"/>
+              </a:solidFill>
+              <a:latin typeface="Krasar" panose="00000500000000000000" pitchFamily="2" charset="0"/>
+              <a:cs typeface="Krasar" panose="00000500000000000000" pitchFamily="2" charset="0"/>
+            </a:endParaRPr>
+          </a:p>
+        </p:txBody>
+      </p:sp>
+      <p:sp>
+        <p:nvSpPr>
+          <p:cNvPr id="16" name="TextBox 15">
+            <a:extLst>
+              <a:ext uri="{FF2B5EF4-FFF2-40B4-BE49-F238E27FC236}">
+                <a16:creationId xmlns:a16="http://schemas.microsoft.com/office/drawing/2014/main" id="{C5E36C52-ED19-65C4-5B66-242DF92DFE5A}"/>
+              </a:ext>
+            </a:extLst>
+          </p:cNvPr>
+          <p:cNvSpPr txBox="1"/>
+          <p:nvPr/>
+        </p:nvSpPr>
+        <p:spPr>
+          <a:xfrm>
+            <a:off x="5000187" y="6468633"/>
+            <a:ext cx="2191626" cy="369332"/>
+          </a:xfrm>
+          <a:prstGeom prst="rect">
+            <a:avLst/>
+          </a:prstGeom>
+          <a:noFill/>
+        </p:spPr>
+        <p:txBody>
+          <a:bodyPr wrap="none" rtlCol="0">
+            <a:spAutoFit/>
+          </a:bodyPr>
+          <a:lstStyle/>
+          <a:p>
+            <a:r>
+              <a:rPr lang="km-KH" dirty="0">
+                <a:solidFill>
+                  <a:schemeClr val="bg1"/>
+                </a:solidFill>
+                <a:latin typeface="AKbalthom Moul 2" panose="02000500000000000000" pitchFamily="2" charset="0"/>
+                <a:cs typeface="AKbalthom Moul 2" panose="02000500000000000000" pitchFamily="2" charset="0"/>
+              </a:rPr>
+              <a:t>ព្រះវិហារ ស្មៀរណា</a:t>
+            </a:r>
+            <a:endParaRPr lang="en-GB" dirty="0">
+              <a:solidFill>
+                <a:schemeClr val="bg1"/>
+              </a:solidFill>
+              <a:latin typeface="AKbalthom Moul 2" panose="02000500000000000000" pitchFamily="2" charset="0"/>
+              <a:cs typeface="AKbalthom Moul 2" panose="02000500000000000000" pitchFamily="2" charset="0"/>
+            </a:endParaRPr>
+          </a:p>
+        </p:txBody>
+      </p:sp>
+    </p:spTree>
+    <p:extLst>
+      <p:ext uri="{BB962C8B-B14F-4D97-AF65-F5344CB8AC3E}">
+        <p14:creationId xmlns:p14="http://schemas.microsoft.com/office/powerpoint/2010/main" val="347314089"/>
+      </p:ext>
+    </p:extLst>
+  </p:cSld>
+  <p:clrMapOvr>
+    <a:masterClrMapping/>
+  </p:clrMapOvr>
+  <mc:AlternateContent xmlns:mc="http://schemas.openxmlformats.org/markup-compatibility/2006" xmlns:p14="http://schemas.microsoft.com/office/powerpoint/2010/main">
+    <mc:Choice Requires="p14">
+      <p:transition spd="med" p14:dur="700">
+        <p:fade/>
+      </p:transition>
+    </mc:Choice>
+    <mc:Fallback xmlns="">
+      <p:transition spd="med">
+        <p:fade/>
+      </p:transition>
+    </mc:Fallback>
+  </mc:AlternateContent>
+</p:sld>
+</file>
+
+<file path=ppt/slides/slide20.xml><?xml version="1.0" encoding="utf-8"?>
+<p:sld xmlns:a="http://schemas.openxmlformats.org/drawingml/2006/main" xmlns:r="http://schemas.openxmlformats.org/officeDocument/2006/relationships" xmlns:p="http://schemas.openxmlformats.org/presentationml/2006/main">
+  <p:cSld>
+    <p:spTree>
+      <p:nvGrpSpPr>
+        <p:cNvPr id="1" name="">
+          <a:extLst>
+            <a:ext uri="{FF2B5EF4-FFF2-40B4-BE49-F238E27FC236}">
+              <a16:creationId xmlns:a16="http://schemas.microsoft.com/office/drawing/2014/main" id="{FBAB04B5-5527-DB2C-77F6-E1C129D60E31}"/>
+            </a:ext>
+          </a:extLst>
+        </p:cNvPr>
+        <p:cNvGrpSpPr/>
+        <p:nvPr/>
+      </p:nvGrpSpPr>
+      <p:grpSpPr>
+        <a:xfrm>
+          <a:off x="0" y="0"/>
+          <a:ext cx="0" cy="0"/>
+          <a:chOff x="0" y="0"/>
+          <a:chExt cx="0" cy="0"/>
+        </a:xfrm>
+      </p:grpSpPr>
+      <p:sp>
+        <p:nvSpPr>
+          <p:cNvPr id="12" name="TextBox 11">
+            <a:extLst>
+              <a:ext uri="{FF2B5EF4-FFF2-40B4-BE49-F238E27FC236}">
+                <a16:creationId xmlns:a16="http://schemas.microsoft.com/office/drawing/2014/main" id="{3984628B-A675-5FF7-EACC-64F2704BA813}"/>
               </a:ext>
             </a:extLst>
           </p:cNvPr>
@@ -11537,7 +12883,7 @@
           <p:cNvPr id="14" name="TextBox 13">
             <a:extLst>
               <a:ext uri="{FF2B5EF4-FFF2-40B4-BE49-F238E27FC236}">
-                <a16:creationId xmlns:a16="http://schemas.microsoft.com/office/drawing/2014/main" xmlns="" id="{94616973-A226-D0B1-AE8A-A316A1F0D3FF}"/>
+                <a16:creationId xmlns:a16="http://schemas.microsoft.com/office/drawing/2014/main" id="{94616973-A226-D0B1-AE8A-A316A1F0D3FF}"/>
               </a:ext>
             </a:extLst>
           </p:cNvPr>
@@ -11570,7 +12916,7 @@
                 <a:cs typeface="Krasar" panose="00000500000000000000" pitchFamily="2" charset="0"/>
               </a:rPr>
               <a:pPr algn="r"/>
-              <a:t>ថ្ងៃអាទិត្យ 16 មិនា 2025</a:t>
+              <a:t>ថ្ងៃសៅរ៍ 22 មិនា 2025</a:t>
             </a:fld>
             <a:endParaRPr lang="en-GB" dirty="0">
               <a:solidFill>
@@ -11587,7 +12933,7 @@
           <p:cNvPr id="16" name="TextBox 15">
             <a:extLst>
               <a:ext uri="{FF2B5EF4-FFF2-40B4-BE49-F238E27FC236}">
-                <a16:creationId xmlns:a16="http://schemas.microsoft.com/office/drawing/2014/main" xmlns="" id="{05CAAE1F-8F93-48C4-0932-1BEAE9EB6B1B}"/>
+                <a16:creationId xmlns:a16="http://schemas.microsoft.com/office/drawing/2014/main" id="{05CAAE1F-8F93-48C4-0932-1BEAE9EB6B1B}"/>
               </a:ext>
             </a:extLst>
           </p:cNvPr>
@@ -11641,29 +12987,22 @@
   <p:clrMapOvr>
     <a:masterClrMapping/>
   </p:clrMapOvr>
-  <mc:AlternateContent xmlns:mc="http://schemas.openxmlformats.org/markup-compatibility/2006">
-    <mc:Choice xmlns:p159="http://schemas.microsoft.com/office/powerpoint/2015/09/main" xmlns="" Requires="p159">
+  <mc:AlternateContent xmlns:mc="http://schemas.openxmlformats.org/markup-compatibility/2006" xmlns:p159="http://schemas.microsoft.com/office/powerpoint/2015/09/main">
+    <mc:Choice Requires="p159">
       <p:transition xmlns:p14="http://schemas.microsoft.com/office/powerpoint/2010/main" spd="slow" p14:dur="2000">
         <p159:morph option="byObject"/>
       </p:transition>
     </mc:Choice>
-    <mc:Fallback>
+    <mc:Fallback xmlns="">
       <p:transition spd="slow">
         <p:fade/>
       </p:transition>
     </mc:Fallback>
   </mc:AlternateContent>
-  <p:timing>
-    <p:tnLst>
-      <p:par>
-        <p:cTn id="1" dur="indefinite" restart="never" nodeType="tmRoot"/>
-      </p:par>
-    </p:tnLst>
-  </p:timing>
 </p:sld>
 </file>
 
-<file path=ppt/slides/slide14.xml><?xml version="1.0" encoding="utf-8"?>
+<file path=ppt/slides/slide21.xml><?xml version="1.0" encoding="utf-8"?>
 <p:sld xmlns:a="http://schemas.openxmlformats.org/drawingml/2006/main" xmlns:r="http://schemas.openxmlformats.org/officeDocument/2006/relationships" xmlns:p="http://schemas.openxmlformats.org/presentationml/2006/main">
   <p:cSld>
     <p:spTree>
@@ -11685,7 +13024,7 @@
           <p:cNvPr id="3" name="Title 1">
             <a:extLst>
               <a:ext uri="{FF2B5EF4-FFF2-40B4-BE49-F238E27FC236}">
-                <a16:creationId xmlns:a16="http://schemas.microsoft.com/office/drawing/2014/main" xmlns="" id="{D4F8DD3D-967E-4BA9-CE61-43DE371ACF10}"/>
+                <a16:creationId xmlns:a16="http://schemas.microsoft.com/office/drawing/2014/main" id="{D4F8DD3D-967E-4BA9-CE61-43DE371ACF10}"/>
               </a:ext>
             </a:extLst>
           </p:cNvPr>
@@ -11880,7 +13219,7 @@
 </p:sld>
 </file>
 
-<file path=ppt/slides/slide15.xml><?xml version="1.0" encoding="utf-8"?>
+<file path=ppt/slides/slide22.xml><?xml version="1.0" encoding="utf-8"?>
 <p:sld xmlns:a="http://schemas.openxmlformats.org/drawingml/2006/main" xmlns:r="http://schemas.openxmlformats.org/officeDocument/2006/relationships" xmlns:p="http://schemas.openxmlformats.org/presentationml/2006/main">
   <p:cSld>
     <p:spTree>
@@ -11902,7 +13241,7 @@
           <p:cNvPr id="3" name="Title 1">
             <a:extLst>
               <a:ext uri="{FF2B5EF4-FFF2-40B4-BE49-F238E27FC236}">
-                <a16:creationId xmlns:a16="http://schemas.microsoft.com/office/drawing/2014/main" xmlns="" id="{6D24287B-237B-3DC7-1DC9-4C930F11588A}"/>
+                <a16:creationId xmlns:a16="http://schemas.microsoft.com/office/drawing/2014/main" id="{6D24287B-237B-3DC7-1DC9-4C930F11588A}"/>
               </a:ext>
             </a:extLst>
           </p:cNvPr>
@@ -12018,7 +13357,7 @@
           <p:cNvPr id="5" name="Date Placeholder 6">
             <a:extLst>
               <a:ext uri="{FF2B5EF4-FFF2-40B4-BE49-F238E27FC236}">
-                <a16:creationId xmlns:a16="http://schemas.microsoft.com/office/drawing/2014/main" xmlns="" id="{968F81BA-D120-487F-86D3-F8C7B941BFF3}"/>
+                <a16:creationId xmlns:a16="http://schemas.microsoft.com/office/drawing/2014/main" id="{968F81BA-D120-487F-86D3-F8C7B941BFF3}"/>
               </a:ext>
             </a:extLst>
           </p:cNvPr>
@@ -12051,7 +13390,7 @@
                 <a:cs typeface="Krasar" panose="00000500000000000000" pitchFamily="2" charset="0"/>
               </a:rPr>
               <a:pPr algn="ctr"/>
-              <a:t>ថ្ងៃអាទិត្យ 16 មិនា 2025</a:t>
+              <a:t>ថ្ងៃសៅរ៍ 22 មិនា 2025</a:t>
             </a:fld>
             <a:endParaRPr lang="en-US" dirty="0">
               <a:solidFill>
@@ -12070,7 +13409,7 @@
           <p:cNvPr id="6" name="Footer Placeholder 7">
             <a:extLst>
               <a:ext uri="{FF2B5EF4-FFF2-40B4-BE49-F238E27FC236}">
-                <a16:creationId xmlns:a16="http://schemas.microsoft.com/office/drawing/2014/main" xmlns="" id="{597A226A-BFCD-46DB-B224-45E1E4AE94DB}"/>
+                <a16:creationId xmlns:a16="http://schemas.microsoft.com/office/drawing/2014/main" id="{597A226A-BFCD-46DB-B224-45E1E4AE94DB}"/>
               </a:ext>
             </a:extLst>
           </p:cNvPr>
@@ -12124,7 +13463,7 @@
 </p:sld>
 </file>
 
-<file path=ppt/slides/slide16.xml><?xml version="1.0" encoding="utf-8"?>
+<file path=ppt/slides/slide23.xml><?xml version="1.0" encoding="utf-8"?>
 <p:sld xmlns:a="http://schemas.openxmlformats.org/drawingml/2006/main" xmlns:r="http://schemas.openxmlformats.org/officeDocument/2006/relationships" xmlns:p="http://schemas.openxmlformats.org/presentationml/2006/main">
   <p:cSld>
     <p:spTree>
@@ -12146,7 +13485,7 @@
           <p:cNvPr id="3" name="Title 1">
             <a:extLst>
               <a:ext uri="{FF2B5EF4-FFF2-40B4-BE49-F238E27FC236}">
-                <a16:creationId xmlns:a16="http://schemas.microsoft.com/office/drawing/2014/main" xmlns="" id="{6D24287B-237B-3DC7-1DC9-4C930F11588A}"/>
+                <a16:creationId xmlns:a16="http://schemas.microsoft.com/office/drawing/2014/main" id="{6D24287B-237B-3DC7-1DC9-4C930F11588A}"/>
               </a:ext>
             </a:extLst>
           </p:cNvPr>
@@ -12262,7 +13601,7 @@
           <p:cNvPr id="5" name="Date Placeholder 6">
             <a:extLst>
               <a:ext uri="{FF2B5EF4-FFF2-40B4-BE49-F238E27FC236}">
-                <a16:creationId xmlns:a16="http://schemas.microsoft.com/office/drawing/2014/main" xmlns="" id="{968F81BA-D120-487F-86D3-F8C7B941BFF3}"/>
+                <a16:creationId xmlns:a16="http://schemas.microsoft.com/office/drawing/2014/main" id="{968F81BA-D120-487F-86D3-F8C7B941BFF3}"/>
               </a:ext>
             </a:extLst>
           </p:cNvPr>
@@ -12295,7 +13634,7 @@
                 <a:cs typeface="Krasar" panose="00000500000000000000" pitchFamily="2" charset="0"/>
               </a:rPr>
               <a:pPr algn="ctr"/>
-              <a:t>ថ្ងៃអាទិត្យ 16 មិនា 2025</a:t>
+              <a:t>ថ្ងៃសៅរ៍ 22 មិនា 2025</a:t>
             </a:fld>
             <a:endParaRPr lang="en-US" dirty="0">
               <a:solidFill>
@@ -12314,7 +13653,7 @@
           <p:cNvPr id="6" name="Footer Placeholder 7">
             <a:extLst>
               <a:ext uri="{FF2B5EF4-FFF2-40B4-BE49-F238E27FC236}">
-                <a16:creationId xmlns:a16="http://schemas.microsoft.com/office/drawing/2014/main" xmlns="" id="{597A226A-BFCD-46DB-B224-45E1E4AE94DB}"/>
+                <a16:creationId xmlns:a16="http://schemas.microsoft.com/office/drawing/2014/main" id="{597A226A-BFCD-46DB-B224-45E1E4AE94DB}"/>
               </a:ext>
             </a:extLst>
           </p:cNvPr>
@@ -12368,7 +13707,7 @@
 </p:sld>
 </file>
 
-<file path=ppt/slides/slide17.xml><?xml version="1.0" encoding="utf-8"?>
+<file path=ppt/slides/slide24.xml><?xml version="1.0" encoding="utf-8"?>
 <p:sld xmlns:a="http://schemas.openxmlformats.org/drawingml/2006/main" xmlns:r="http://schemas.openxmlformats.org/officeDocument/2006/relationships" xmlns:p="http://schemas.openxmlformats.org/presentationml/2006/main">
   <p:cSld>
     <p:spTree>
@@ -12390,7 +13729,7 @@
           <p:cNvPr id="3" name="Title 1">
             <a:extLst>
               <a:ext uri="{FF2B5EF4-FFF2-40B4-BE49-F238E27FC236}">
-                <a16:creationId xmlns:a16="http://schemas.microsoft.com/office/drawing/2014/main" xmlns="" id="{6D24287B-237B-3DC7-1DC9-4C930F11588A}"/>
+                <a16:creationId xmlns:a16="http://schemas.microsoft.com/office/drawing/2014/main" id="{6D24287B-237B-3DC7-1DC9-4C930F11588A}"/>
               </a:ext>
             </a:extLst>
           </p:cNvPr>
@@ -12506,7 +13845,7 @@
           <p:cNvPr id="5" name="Date Placeholder 6">
             <a:extLst>
               <a:ext uri="{FF2B5EF4-FFF2-40B4-BE49-F238E27FC236}">
-                <a16:creationId xmlns:a16="http://schemas.microsoft.com/office/drawing/2014/main" xmlns="" id="{968F81BA-D120-487F-86D3-F8C7B941BFF3}"/>
+                <a16:creationId xmlns:a16="http://schemas.microsoft.com/office/drawing/2014/main" id="{968F81BA-D120-487F-86D3-F8C7B941BFF3}"/>
               </a:ext>
             </a:extLst>
           </p:cNvPr>
@@ -12539,7 +13878,7 @@
                 <a:cs typeface="Krasar" panose="00000500000000000000" pitchFamily="2" charset="0"/>
               </a:rPr>
               <a:pPr algn="ctr"/>
-              <a:t>ថ្ងៃអាទិត្យ 16 មិនា 2025</a:t>
+              <a:t>ថ្ងៃសៅរ៍ 22 មិនា 2025</a:t>
             </a:fld>
             <a:endParaRPr lang="en-US" dirty="0">
               <a:solidFill>
@@ -12558,7 +13897,7 @@
           <p:cNvPr id="6" name="Footer Placeholder 7">
             <a:extLst>
               <a:ext uri="{FF2B5EF4-FFF2-40B4-BE49-F238E27FC236}">
-                <a16:creationId xmlns:a16="http://schemas.microsoft.com/office/drawing/2014/main" xmlns="" id="{597A226A-BFCD-46DB-B224-45E1E4AE94DB}"/>
+                <a16:creationId xmlns:a16="http://schemas.microsoft.com/office/drawing/2014/main" id="{597A226A-BFCD-46DB-B224-45E1E4AE94DB}"/>
               </a:ext>
             </a:extLst>
           </p:cNvPr>
@@ -12612,7 +13951,7 @@
 </p:sld>
 </file>
 
-<file path=ppt/slides/slide18.xml><?xml version="1.0" encoding="utf-8"?>
+<file path=ppt/slides/slide25.xml><?xml version="1.0" encoding="utf-8"?>
 <p:sld xmlns:a="http://schemas.openxmlformats.org/drawingml/2006/main" xmlns:r="http://schemas.openxmlformats.org/officeDocument/2006/relationships" xmlns:p="http://schemas.openxmlformats.org/presentationml/2006/main">
   <p:cSld>
     <p:spTree>
@@ -12634,7 +13973,7 @@
           <p:cNvPr id="3" name="Title 1">
             <a:extLst>
               <a:ext uri="{FF2B5EF4-FFF2-40B4-BE49-F238E27FC236}">
-                <a16:creationId xmlns:a16="http://schemas.microsoft.com/office/drawing/2014/main" xmlns="" id="{6D24287B-237B-3DC7-1DC9-4C930F11588A}"/>
+                <a16:creationId xmlns:a16="http://schemas.microsoft.com/office/drawing/2014/main" id="{6D24287B-237B-3DC7-1DC9-4C930F11588A}"/>
               </a:ext>
             </a:extLst>
           </p:cNvPr>
@@ -12750,7 +14089,7 @@
           <p:cNvPr id="5" name="Date Placeholder 6">
             <a:extLst>
               <a:ext uri="{FF2B5EF4-FFF2-40B4-BE49-F238E27FC236}">
-                <a16:creationId xmlns:a16="http://schemas.microsoft.com/office/drawing/2014/main" xmlns="" id="{968F81BA-D120-487F-86D3-F8C7B941BFF3}"/>
+                <a16:creationId xmlns:a16="http://schemas.microsoft.com/office/drawing/2014/main" id="{968F81BA-D120-487F-86D3-F8C7B941BFF3}"/>
               </a:ext>
             </a:extLst>
           </p:cNvPr>
@@ -12783,7 +14122,7 @@
                 <a:cs typeface="Krasar" panose="00000500000000000000" pitchFamily="2" charset="0"/>
               </a:rPr>
               <a:pPr algn="ctr"/>
-              <a:t>ថ្ងៃអាទិត្យ 16 មិនា 2025</a:t>
+              <a:t>ថ្ងៃសៅរ៍ 22 មិនា 2025</a:t>
             </a:fld>
             <a:endParaRPr lang="en-US" dirty="0">
               <a:solidFill>
@@ -12802,7 +14141,7 @@
           <p:cNvPr id="6" name="Footer Placeholder 7">
             <a:extLst>
               <a:ext uri="{FF2B5EF4-FFF2-40B4-BE49-F238E27FC236}">
-                <a16:creationId xmlns:a16="http://schemas.microsoft.com/office/drawing/2014/main" xmlns="" id="{597A226A-BFCD-46DB-B224-45E1E4AE94DB}"/>
+                <a16:creationId xmlns:a16="http://schemas.microsoft.com/office/drawing/2014/main" id="{597A226A-BFCD-46DB-B224-45E1E4AE94DB}"/>
               </a:ext>
             </a:extLst>
           </p:cNvPr>
@@ -12856,7 +14195,7 @@
 </p:sld>
 </file>
 
-<file path=ppt/slides/slide19.xml><?xml version="1.0" encoding="utf-8"?>
+<file path=ppt/slides/slide26.xml><?xml version="1.0" encoding="utf-8"?>
 <p:sld xmlns:a="http://schemas.openxmlformats.org/drawingml/2006/main" xmlns:r="http://schemas.openxmlformats.org/officeDocument/2006/relationships" xmlns:p="http://schemas.openxmlformats.org/presentationml/2006/main">
   <p:cSld>
     <p:spTree>
@@ -12864,7 +14203,7 @@
         <p:cNvPr id="1" name="">
           <a:extLst>
             <a:ext uri="{FF2B5EF4-FFF2-40B4-BE49-F238E27FC236}">
-              <a16:creationId xmlns:a16="http://schemas.microsoft.com/office/drawing/2014/main" xmlns="" id="{C19052DB-6987-24DD-635B-208BBD292C16}"/>
+              <a16:creationId xmlns:a16="http://schemas.microsoft.com/office/drawing/2014/main" id="{C19052DB-6987-24DD-635B-208BBD292C16}"/>
             </a:ext>
           </a:extLst>
         </p:cNvPr>
@@ -12884,7 +14223,7 @@
           <p:cNvPr id="12" name="TextBox 11">
             <a:extLst>
               <a:ext uri="{FF2B5EF4-FFF2-40B4-BE49-F238E27FC236}">
-                <a16:creationId xmlns:a16="http://schemas.microsoft.com/office/drawing/2014/main" xmlns="" id="{06544040-D79D-827A-2E4F-B3807872CF6E}"/>
+                <a16:creationId xmlns:a16="http://schemas.microsoft.com/office/drawing/2014/main" id="{06544040-D79D-827A-2E4F-B3807872CF6E}"/>
               </a:ext>
             </a:extLst>
           </p:cNvPr>
@@ -12949,7 +14288,7 @@
           <p:cNvPr id="14" name="TextBox 13">
             <a:extLst>
               <a:ext uri="{FF2B5EF4-FFF2-40B4-BE49-F238E27FC236}">
-                <a16:creationId xmlns:a16="http://schemas.microsoft.com/office/drawing/2014/main" xmlns="" id="{738667B1-BDEE-7793-B11C-97F16F70AA29}"/>
+                <a16:creationId xmlns:a16="http://schemas.microsoft.com/office/drawing/2014/main" id="{738667B1-BDEE-7793-B11C-97F16F70AA29}"/>
               </a:ext>
             </a:extLst>
           </p:cNvPr>
@@ -12982,7 +14321,7 @@
                 <a:cs typeface="Krasar" panose="00000500000000000000" pitchFamily="2" charset="0"/>
               </a:rPr>
               <a:pPr algn="r"/>
-              <a:t>ថ្ងៃអាទិត្យ 16 មិនា 2025</a:t>
+              <a:t>ថ្ងៃសៅរ៍ 22 មិនា 2025</a:t>
             </a:fld>
             <a:endParaRPr lang="en-GB" dirty="0">
               <a:solidFill>
@@ -12999,7 +14338,7 @@
           <p:cNvPr id="16" name="TextBox 15">
             <a:extLst>
               <a:ext uri="{FF2B5EF4-FFF2-40B4-BE49-F238E27FC236}">
-                <a16:creationId xmlns:a16="http://schemas.microsoft.com/office/drawing/2014/main" xmlns="" id="{D977C863-ABF1-D611-A5A7-33328BAE485B}"/>
+                <a16:creationId xmlns:a16="http://schemas.microsoft.com/office/drawing/2014/main" id="{D977C863-ABF1-D611-A5A7-33328BAE485B}"/>
               </a:ext>
             </a:extLst>
           </p:cNvPr>
@@ -13053,13 +14392,13 @@
   <p:clrMapOvr>
     <a:masterClrMapping/>
   </p:clrMapOvr>
-  <mc:AlternateContent xmlns:mc="http://schemas.openxmlformats.org/markup-compatibility/2006">
-    <mc:Choice xmlns:p159="http://schemas.microsoft.com/office/powerpoint/2015/09/main" xmlns="" Requires="p159">
+  <mc:AlternateContent xmlns:mc="http://schemas.openxmlformats.org/markup-compatibility/2006" xmlns:p159="http://schemas.microsoft.com/office/powerpoint/2015/09/main">
+    <mc:Choice Requires="p159">
       <p:transition xmlns:p14="http://schemas.microsoft.com/office/powerpoint/2010/main" spd="slow" p14:dur="2000">
         <p159:morph option="byObject"/>
       </p:transition>
     </mc:Choice>
-    <mc:Fallback>
+    <mc:Fallback xmlns="">
       <p:transition spd="slow">
         <p:fade/>
       </p:transition>
@@ -13068,7 +14407,7 @@
 </p:sld>
 </file>
 
-<file path=ppt/slides/slide2.xml><?xml version="1.0" encoding="utf-8"?>
+<file path=ppt/slides/slide27.xml><?xml version="1.0" encoding="utf-8"?>
 <p:sld xmlns:a="http://schemas.openxmlformats.org/drawingml/2006/main" xmlns:r="http://schemas.openxmlformats.org/officeDocument/2006/relationships" xmlns:p="http://schemas.openxmlformats.org/presentationml/2006/main">
   <p:cSld>
     <p:spTree>
@@ -13076,7 +14415,7 @@
         <p:cNvPr id="1" name="">
           <a:extLst>
             <a:ext uri="{FF2B5EF4-FFF2-40B4-BE49-F238E27FC236}">
-              <a16:creationId xmlns:a16="http://schemas.microsoft.com/office/drawing/2014/main" xmlns="" id="{0956FFFF-645C-1DA0-57C3-93D2EBD6E840}"/>
+              <a16:creationId xmlns:a16="http://schemas.microsoft.com/office/drawing/2014/main" id="{E609DE4C-3844-D386-BD0E-0B726E7F7E79}"/>
             </a:ext>
           </a:extLst>
         </p:cNvPr>
@@ -13093,228 +14432,10 @@
       </p:grpSpPr>
       <p:sp>
         <p:nvSpPr>
-          <p:cNvPr id="12" name="TextBox 11">
-            <a:extLst>
-              <a:ext uri="{FF2B5EF4-FFF2-40B4-BE49-F238E27FC236}">
-                <a16:creationId xmlns:a16="http://schemas.microsoft.com/office/drawing/2014/main" xmlns="" id="{81991DCA-E5BD-33FC-6845-617E15551D91}"/>
-              </a:ext>
-            </a:extLst>
-          </p:cNvPr>
-          <p:cNvSpPr txBox="1"/>
-          <p:nvPr/>
-        </p:nvSpPr>
-        <p:spPr>
-          <a:xfrm>
-            <a:off x="2792050" y="2972274"/>
-            <a:ext cx="6607899" cy="1200329"/>
-          </a:xfrm>
-          <a:prstGeom prst="rect">
-            <a:avLst/>
-          </a:prstGeom>
-          <a:noFill/>
-        </p:spPr>
-        <p:txBody>
-          <a:bodyPr wrap="none" rtlCol="0">
-            <a:spAutoFit/>
-          </a:bodyPr>
-          <a:lstStyle/>
-          <a:p>
-            <a:pPr algn="ctr"/>
-            <a:r>
-              <a:rPr lang="km-KH" sz="7200" dirty="0">
-                <a:solidFill>
-                  <a:srgbClr val="FFC000"/>
-                </a:solidFill>
-                <a:effectLst>
-                  <a:innerShdw blurRad="63500" dist="50800">
-                    <a:prstClr val="black">
-                      <a:alpha val="50000"/>
-                    </a:prstClr>
-                  </a:innerShdw>
-                </a:effectLst>
-                <a:latin typeface="Khmer OS Niroth" panose="02000506000000020004" pitchFamily="2" charset="0"/>
-                <a:ea typeface="Khmer-Pen​​Chantrea" panose="020B0706030804020204" pitchFamily="34" charset="0"/>
-                <a:cs typeface="Khmer OS Niroth" panose="02000506000000020004" pitchFamily="2" charset="0"/>
-              </a:rPr>
-              <a:t>អធិស្ថានបើកកម្មវិធី</a:t>
-            </a:r>
-            <a:endParaRPr lang="en-GB" sz="7200" dirty="0">
-              <a:solidFill>
-                <a:srgbClr val="FFC000"/>
-              </a:solidFill>
-              <a:effectLst>
-                <a:innerShdw blurRad="63500" dist="50800">
-                  <a:prstClr val="black">
-                    <a:alpha val="50000"/>
-                  </a:prstClr>
-                </a:innerShdw>
-              </a:effectLst>
-              <a:latin typeface="Khmer OS Niroth" panose="02000506000000020004" pitchFamily="2" charset="0"/>
-              <a:ea typeface="Khmer-Pen​​Chantrea" panose="020B0706030804020204" pitchFamily="34" charset="0"/>
-              <a:cs typeface="Khmer OS Niroth" panose="02000506000000020004" pitchFamily="2" charset="0"/>
-            </a:endParaRPr>
-          </a:p>
-        </p:txBody>
-      </p:sp>
-      <p:sp>
-        <p:nvSpPr>
           <p:cNvPr id="14" name="TextBox 13">
             <a:extLst>
               <a:ext uri="{FF2B5EF4-FFF2-40B4-BE49-F238E27FC236}">
-                <a16:creationId xmlns:a16="http://schemas.microsoft.com/office/drawing/2014/main" xmlns="" id="{3A83A1F4-0B43-3661-0AB3-6D7FB15CC382}"/>
-              </a:ext>
-            </a:extLst>
-          </p:cNvPr>
-          <p:cNvSpPr txBox="1"/>
-          <p:nvPr/>
-        </p:nvSpPr>
-        <p:spPr>
-          <a:xfrm>
-            <a:off x="10452503" y="143435"/>
-            <a:ext cx="1571263" cy="276999"/>
-          </a:xfrm>
-          <a:prstGeom prst="rect">
-            <a:avLst/>
-          </a:prstGeom>
-          <a:noFill/>
-        </p:spPr>
-        <p:txBody>
-          <a:bodyPr wrap="none" rtlCol="0">
-            <a:spAutoFit/>
-          </a:bodyPr>
-          <a:lstStyle/>
-          <a:p>
-            <a:pPr algn="r"/>
-            <a:fld id="{BF0D9E41-A79D-439E-B48A-1399D5B145B1}" type="datetime2">
-              <a:rPr lang="km-KH" sz="1200" smtClean="0">
-                <a:solidFill>
-                  <a:schemeClr val="bg1"/>
-                </a:solidFill>
-                <a:latin typeface="Krasar" panose="00000500000000000000" pitchFamily="2" charset="0"/>
-                <a:cs typeface="Krasar" panose="00000500000000000000" pitchFamily="2" charset="0"/>
-              </a:rPr>
-              <a:pPr algn="r"/>
-              <a:t>ថ្ងៃអាទិត្យ 16 មិនា 2025</a:t>
-            </a:fld>
-            <a:endParaRPr lang="en-GB" dirty="0">
-              <a:solidFill>
-                <a:schemeClr val="bg1"/>
-              </a:solidFill>
-              <a:latin typeface="Krasar" panose="00000500000000000000" pitchFamily="2" charset="0"/>
-              <a:cs typeface="Krasar" panose="00000500000000000000" pitchFamily="2" charset="0"/>
-            </a:endParaRPr>
-          </a:p>
-        </p:txBody>
-      </p:sp>
-      <p:sp>
-        <p:nvSpPr>
-          <p:cNvPr id="16" name="TextBox 15">
-            <a:extLst>
-              <a:ext uri="{FF2B5EF4-FFF2-40B4-BE49-F238E27FC236}">
-                <a16:creationId xmlns:a16="http://schemas.microsoft.com/office/drawing/2014/main" xmlns="" id="{C5E36C52-ED19-65C4-5B66-242DF92DFE5A}"/>
-              </a:ext>
-            </a:extLst>
-          </p:cNvPr>
-          <p:cNvSpPr txBox="1"/>
-          <p:nvPr/>
-        </p:nvSpPr>
-        <p:spPr>
-          <a:xfrm>
-            <a:off x="5000187" y="6468633"/>
-            <a:ext cx="2191626" cy="369332"/>
-          </a:xfrm>
-          <a:prstGeom prst="rect">
-            <a:avLst/>
-          </a:prstGeom>
-          <a:noFill/>
-        </p:spPr>
-        <p:txBody>
-          <a:bodyPr wrap="none" rtlCol="0">
-            <a:spAutoFit/>
-          </a:bodyPr>
-          <a:lstStyle/>
-          <a:p>
-            <a:r>
-              <a:rPr lang="km-KH" dirty="0">
-                <a:solidFill>
-                  <a:schemeClr val="bg1"/>
-                </a:solidFill>
-                <a:latin typeface="AKbalthom Moul 2" panose="02000500000000000000" pitchFamily="2" charset="0"/>
-                <a:cs typeface="AKbalthom Moul 2" panose="02000500000000000000" pitchFamily="2" charset="0"/>
-              </a:rPr>
-              <a:t>ព្រះវិហារ ស្មៀរណា</a:t>
-            </a:r>
-            <a:endParaRPr lang="en-GB" dirty="0">
-              <a:solidFill>
-                <a:schemeClr val="bg1"/>
-              </a:solidFill>
-              <a:latin typeface="AKbalthom Moul 2" panose="02000500000000000000" pitchFamily="2" charset="0"/>
-              <a:cs typeface="AKbalthom Moul 2" panose="02000500000000000000" pitchFamily="2" charset="0"/>
-            </a:endParaRPr>
-          </a:p>
-        </p:txBody>
-      </p:sp>
-    </p:spTree>
-    <p:extLst>
-      <p:ext uri="{BB962C8B-B14F-4D97-AF65-F5344CB8AC3E}">
-        <p14:creationId xmlns:p14="http://schemas.microsoft.com/office/powerpoint/2010/main" val="347314089"/>
-      </p:ext>
-    </p:extLst>
-  </p:cSld>
-  <p:clrMapOvr>
-    <a:masterClrMapping/>
-  </p:clrMapOvr>
-  <mc:AlternateContent xmlns:mc="http://schemas.openxmlformats.org/markup-compatibility/2006" xmlns:p14="http://schemas.microsoft.com/office/powerpoint/2010/main">
-    <mc:Choice Requires="p14">
-      <p:transition spd="med" p14:dur="700">
-        <p:fade/>
-      </p:transition>
-    </mc:Choice>
-    <mc:Fallback xmlns="">
-      <p:transition spd="med">
-        <p:fade/>
-      </p:transition>
-    </mc:Fallback>
-  </mc:AlternateContent>
-  <p:timing>
-    <p:tnLst>
-      <p:par>
-        <p:cTn id="1" dur="indefinite" restart="never" nodeType="tmRoot"/>
-      </p:par>
-    </p:tnLst>
-  </p:timing>
-</p:sld>
-</file>
-
-<file path=ppt/slides/slide20.xml><?xml version="1.0" encoding="utf-8"?>
-<p:sld xmlns:a="http://schemas.openxmlformats.org/drawingml/2006/main" xmlns:r="http://schemas.openxmlformats.org/officeDocument/2006/relationships" xmlns:p="http://schemas.openxmlformats.org/presentationml/2006/main">
-  <p:cSld>
-    <p:spTree>
-      <p:nvGrpSpPr>
-        <p:cNvPr id="1" name="">
-          <a:extLst>
-            <a:ext uri="{FF2B5EF4-FFF2-40B4-BE49-F238E27FC236}">
-              <a16:creationId xmlns:a16="http://schemas.microsoft.com/office/drawing/2014/main" xmlns="" id="{E609DE4C-3844-D386-BD0E-0B726E7F7E79}"/>
-            </a:ext>
-          </a:extLst>
-        </p:cNvPr>
-        <p:cNvGrpSpPr/>
-        <p:nvPr/>
-      </p:nvGrpSpPr>
-      <p:grpSpPr>
-        <a:xfrm>
-          <a:off x="0" y="0"/>
-          <a:ext cx="0" cy="0"/>
-          <a:chOff x="0" y="0"/>
-          <a:chExt cx="0" cy="0"/>
-        </a:xfrm>
-      </p:grpSpPr>
-      <p:sp>
-        <p:nvSpPr>
-          <p:cNvPr id="14" name="TextBox 13">
-            <a:extLst>
-              <a:ext uri="{FF2B5EF4-FFF2-40B4-BE49-F238E27FC236}">
-                <a16:creationId xmlns:a16="http://schemas.microsoft.com/office/drawing/2014/main" xmlns="" id="{62FBEFA9-D245-EE66-F753-FACCC88DFDD0}"/>
+                <a16:creationId xmlns:a16="http://schemas.microsoft.com/office/drawing/2014/main" id="{62FBEFA9-D245-EE66-F753-FACCC88DFDD0}"/>
               </a:ext>
             </a:extLst>
           </p:cNvPr>
@@ -13386,7 +14507,7 @@
                 <a:tabLst/>
                 <a:defRPr/>
               </a:pPr>
-              <a:t>ថ្ងៃអាទិត្យ 16 មិនា 2025</a:t>
+              <a:t>ថ្ងៃសៅរ៍ 22 មិនា 2025</a:t>
             </a:fld>
             <a:endParaRPr kumimoji="0" lang="en-GB" sz="1800" b="0" i="0" u="none" strike="noStrike" kern="1200" cap="none" spc="0" normalizeH="0" baseline="0" noProof="0" dirty="0">
               <a:ln>
@@ -13410,7 +14531,7 @@
           <p:cNvPr id="16" name="TextBox 15">
             <a:extLst>
               <a:ext uri="{FF2B5EF4-FFF2-40B4-BE49-F238E27FC236}">
-                <a16:creationId xmlns:a16="http://schemas.microsoft.com/office/drawing/2014/main" xmlns="" id="{0F9AF767-8268-9C21-8D01-157FBFC6AFDA}"/>
+                <a16:creationId xmlns:a16="http://schemas.microsoft.com/office/drawing/2014/main" id="{0F9AF767-8268-9C21-8D01-157FBFC6AFDA}"/>
               </a:ext>
             </a:extLst>
           </p:cNvPr>
@@ -13489,7 +14610,7 @@
           <p:cNvPr id="4" name="TextBox 3">
             <a:extLst>
               <a:ext uri="{FF2B5EF4-FFF2-40B4-BE49-F238E27FC236}">
-                <a16:creationId xmlns:a16="http://schemas.microsoft.com/office/drawing/2014/main" xmlns="" id="{D504BFF7-F068-624D-151A-8D482447BE70}"/>
+                <a16:creationId xmlns:a16="http://schemas.microsoft.com/office/drawing/2014/main" id="{D504BFF7-F068-624D-151A-8D482447BE70}"/>
               </a:ext>
             </a:extLst>
           </p:cNvPr>
@@ -13761,7 +14882,7 @@
           <p:cNvPr id="2" name="TextBox 1">
             <a:extLst>
               <a:ext uri="{FF2B5EF4-FFF2-40B4-BE49-F238E27FC236}">
-                <a16:creationId xmlns:a16="http://schemas.microsoft.com/office/drawing/2014/main" xmlns="" id="{C26812A1-177D-A3EF-8155-5C00B2FCCFFD}"/>
+                <a16:creationId xmlns:a16="http://schemas.microsoft.com/office/drawing/2014/main" id="{C26812A1-177D-A3EF-8155-5C00B2FCCFFD}"/>
               </a:ext>
             </a:extLst>
           </p:cNvPr>
@@ -13860,7 +14981,7 @@
 </p:sld>
 </file>
 
-<file path=ppt/slides/slide21.xml><?xml version="1.0" encoding="utf-8"?>
+<file path=ppt/slides/slide28.xml><?xml version="1.0" encoding="utf-8"?>
 <p:sld xmlns:a="http://schemas.openxmlformats.org/drawingml/2006/main" xmlns:r="http://schemas.openxmlformats.org/officeDocument/2006/relationships" xmlns:p="http://schemas.openxmlformats.org/presentationml/2006/main">
   <p:cSld>
     <p:spTree>
@@ -13868,7 +14989,7 @@
         <p:cNvPr id="1" name="">
           <a:extLst>
             <a:ext uri="{FF2B5EF4-FFF2-40B4-BE49-F238E27FC236}">
-              <a16:creationId xmlns:a16="http://schemas.microsoft.com/office/drawing/2014/main" xmlns="" id="{45920CA6-FC24-292B-6F14-C58AFD3A1EE4}"/>
+              <a16:creationId xmlns:a16="http://schemas.microsoft.com/office/drawing/2014/main" id="{45920CA6-FC24-292B-6F14-C58AFD3A1EE4}"/>
             </a:ext>
           </a:extLst>
         </p:cNvPr>
@@ -13888,7 +15009,7 @@
           <p:cNvPr id="14" name="TextBox 13">
             <a:extLst>
               <a:ext uri="{FF2B5EF4-FFF2-40B4-BE49-F238E27FC236}">
-                <a16:creationId xmlns:a16="http://schemas.microsoft.com/office/drawing/2014/main" xmlns="" id="{965E58FA-12C7-EA2B-30BD-73BC466D36B1}"/>
+                <a16:creationId xmlns:a16="http://schemas.microsoft.com/office/drawing/2014/main" id="{965E58FA-12C7-EA2B-30BD-73BC466D36B1}"/>
               </a:ext>
             </a:extLst>
           </p:cNvPr>
@@ -13960,7 +15081,7 @@
                 <a:tabLst/>
                 <a:defRPr/>
               </a:pPr>
-              <a:t>ថ្ងៃអាទិត្យ 16 មិនា 2025</a:t>
+              <a:t>ថ្ងៃសៅរ៍ 22 មិនា 2025</a:t>
             </a:fld>
             <a:endParaRPr kumimoji="0" lang="en-GB" sz="1800" b="0" i="0" u="none" strike="noStrike" kern="1200" cap="none" spc="0" normalizeH="0" baseline="0" noProof="0" dirty="0">
               <a:ln>
@@ -13984,7 +15105,7 @@
           <p:cNvPr id="16" name="TextBox 15">
             <a:extLst>
               <a:ext uri="{FF2B5EF4-FFF2-40B4-BE49-F238E27FC236}">
-                <a16:creationId xmlns:a16="http://schemas.microsoft.com/office/drawing/2014/main" xmlns="" id="{6D7F0BA1-03C1-F2DE-C42F-0DC1E78DCA0F}"/>
+                <a16:creationId xmlns:a16="http://schemas.microsoft.com/office/drawing/2014/main" id="{6D7F0BA1-03C1-F2DE-C42F-0DC1E78DCA0F}"/>
               </a:ext>
             </a:extLst>
           </p:cNvPr>
@@ -14063,7 +15184,7 @@
           <p:cNvPr id="4" name="TextBox 3">
             <a:extLst>
               <a:ext uri="{FF2B5EF4-FFF2-40B4-BE49-F238E27FC236}">
-                <a16:creationId xmlns:a16="http://schemas.microsoft.com/office/drawing/2014/main" xmlns="" id="{B344BAB2-4D93-EFFF-C048-360CF92828B8}"/>
+                <a16:creationId xmlns:a16="http://schemas.microsoft.com/office/drawing/2014/main" id="{B344BAB2-4D93-EFFF-C048-360CF92828B8}"/>
               </a:ext>
             </a:extLst>
           </p:cNvPr>
@@ -14285,7 +15406,7 @@
           <p:cNvPr id="2" name="TextBox 1">
             <a:extLst>
               <a:ext uri="{FF2B5EF4-FFF2-40B4-BE49-F238E27FC236}">
-                <a16:creationId xmlns:a16="http://schemas.microsoft.com/office/drawing/2014/main" xmlns="" id="{C51D9C2F-485A-20E0-030E-AC9EAADCD2C2}"/>
+                <a16:creationId xmlns:a16="http://schemas.microsoft.com/office/drawing/2014/main" id="{C51D9C2F-485A-20E0-030E-AC9EAADCD2C2}"/>
               </a:ext>
             </a:extLst>
           </p:cNvPr>
@@ -14384,7 +15505,7 @@
 </p:sld>
 </file>
 
-<file path=ppt/slides/slide22.xml><?xml version="1.0" encoding="utf-8"?>
+<file path=ppt/slides/slide29.xml><?xml version="1.0" encoding="utf-8"?>
 <p:sld xmlns:a="http://schemas.openxmlformats.org/drawingml/2006/main" xmlns:r="http://schemas.openxmlformats.org/officeDocument/2006/relationships" xmlns:p="http://schemas.openxmlformats.org/presentationml/2006/main">
   <p:cSld>
     <p:spTree>
@@ -14392,7 +15513,7 @@
         <p:cNvPr id="1" name="">
           <a:extLst>
             <a:ext uri="{FF2B5EF4-FFF2-40B4-BE49-F238E27FC236}">
-              <a16:creationId xmlns:a16="http://schemas.microsoft.com/office/drawing/2014/main" xmlns="" id="{48B01499-A729-0032-1FD9-218251E53F79}"/>
+              <a16:creationId xmlns:a16="http://schemas.microsoft.com/office/drawing/2014/main" id="{48B01499-A729-0032-1FD9-218251E53F79}"/>
             </a:ext>
           </a:extLst>
         </p:cNvPr>
@@ -14412,7 +15533,7 @@
           <p:cNvPr id="14" name="TextBox 13">
             <a:extLst>
               <a:ext uri="{FF2B5EF4-FFF2-40B4-BE49-F238E27FC236}">
-                <a16:creationId xmlns:a16="http://schemas.microsoft.com/office/drawing/2014/main" xmlns="" id="{CEC4DDC5-A619-705C-C9E1-DB04F7A916E0}"/>
+                <a16:creationId xmlns:a16="http://schemas.microsoft.com/office/drawing/2014/main" id="{CEC4DDC5-A619-705C-C9E1-DB04F7A916E0}"/>
               </a:ext>
             </a:extLst>
           </p:cNvPr>
@@ -14484,7 +15605,7 @@
                 <a:tabLst/>
                 <a:defRPr/>
               </a:pPr>
-              <a:t>ថ្ងៃអាទិត្យ 16 មិនា 2025</a:t>
+              <a:t>ថ្ងៃសៅរ៍ 22 មិនា 2025</a:t>
             </a:fld>
             <a:endParaRPr kumimoji="0" lang="en-GB" sz="1800" b="0" i="0" u="none" strike="noStrike" kern="1200" cap="none" spc="0" normalizeH="0" baseline="0" noProof="0" dirty="0">
               <a:ln>
@@ -14508,7 +15629,7 @@
           <p:cNvPr id="16" name="TextBox 15">
             <a:extLst>
               <a:ext uri="{FF2B5EF4-FFF2-40B4-BE49-F238E27FC236}">
-                <a16:creationId xmlns:a16="http://schemas.microsoft.com/office/drawing/2014/main" xmlns="" id="{759AC5AB-B26D-C550-04F7-BC8987708449}"/>
+                <a16:creationId xmlns:a16="http://schemas.microsoft.com/office/drawing/2014/main" id="{759AC5AB-B26D-C550-04F7-BC8987708449}"/>
               </a:ext>
             </a:extLst>
           </p:cNvPr>
@@ -14587,7 +15708,7 @@
           <p:cNvPr id="4" name="TextBox 3">
             <a:extLst>
               <a:ext uri="{FF2B5EF4-FFF2-40B4-BE49-F238E27FC236}">
-                <a16:creationId xmlns:a16="http://schemas.microsoft.com/office/drawing/2014/main" xmlns="" id="{E575E212-B94D-B12E-3851-75F531C78109}"/>
+                <a16:creationId xmlns:a16="http://schemas.microsoft.com/office/drawing/2014/main" id="{E575E212-B94D-B12E-3851-75F531C78109}"/>
               </a:ext>
             </a:extLst>
           </p:cNvPr>
@@ -14837,7 +15958,7 @@
           <p:cNvPr id="2" name="TextBox 1">
             <a:extLst>
               <a:ext uri="{FF2B5EF4-FFF2-40B4-BE49-F238E27FC236}">
-                <a16:creationId xmlns:a16="http://schemas.microsoft.com/office/drawing/2014/main" xmlns="" id="{6589D540-722E-901D-3B9F-E7FA761F88A9}"/>
+                <a16:creationId xmlns:a16="http://schemas.microsoft.com/office/drawing/2014/main" id="{6589D540-722E-901D-3B9F-E7FA761F88A9}"/>
               </a:ext>
             </a:extLst>
           </p:cNvPr>
@@ -14936,7 +16057,7 @@
 </p:sld>
 </file>
 
-<file path=ppt/slides/slide23.xml><?xml version="1.0" encoding="utf-8"?>
+<file path=ppt/slides/slide3.xml><?xml version="1.0" encoding="utf-8"?>
 <p:sld xmlns:a="http://schemas.openxmlformats.org/drawingml/2006/main" xmlns:r="http://schemas.openxmlformats.org/officeDocument/2006/relationships" xmlns:p="http://schemas.openxmlformats.org/presentationml/2006/main">
   <p:cSld>
     <p:spTree>
@@ -14944,7 +16065,7 @@
         <p:cNvPr id="1" name="">
           <a:extLst>
             <a:ext uri="{FF2B5EF4-FFF2-40B4-BE49-F238E27FC236}">
-              <a16:creationId xmlns:a16="http://schemas.microsoft.com/office/drawing/2014/main" xmlns="" id="{D1AF2A94-7525-FA65-61C3-715C8CEF7D2E}"/>
+              <a16:creationId xmlns:a16="http://schemas.microsoft.com/office/drawing/2014/main" id="{D6717FE9-965C-44D6-9954-43467583EBB2}"/>
             </a:ext>
           </a:extLst>
         </p:cNvPr>
@@ -14964,7 +16085,218 @@
           <p:cNvPr id="12" name="TextBox 11">
             <a:extLst>
               <a:ext uri="{FF2B5EF4-FFF2-40B4-BE49-F238E27FC236}">
-                <a16:creationId xmlns:a16="http://schemas.microsoft.com/office/drawing/2014/main" xmlns="" id="{C61B1ADE-AA2A-10DB-87B8-391D33A29191}"/>
+                <a16:creationId xmlns:a16="http://schemas.microsoft.com/office/drawing/2014/main" id="{4B6A811F-9990-0021-21D7-17D7C9789DA0}"/>
+              </a:ext>
+            </a:extLst>
+          </p:cNvPr>
+          <p:cNvSpPr txBox="1"/>
+          <p:nvPr/>
+        </p:nvSpPr>
+        <p:spPr>
+          <a:xfrm>
+            <a:off x="3332262" y="2972274"/>
+            <a:ext cx="5527475" cy="1200329"/>
+          </a:xfrm>
+          <a:prstGeom prst="rect">
+            <a:avLst/>
+          </a:prstGeom>
+          <a:noFill/>
+        </p:spPr>
+        <p:txBody>
+          <a:bodyPr wrap="none" rtlCol="0">
+            <a:spAutoFit/>
+          </a:bodyPr>
+          <a:lstStyle/>
+          <a:p>
+            <a:pPr algn="ctr"/>
+            <a:r>
+              <a:rPr lang="km-KH" sz="7200" dirty="0">
+                <a:solidFill>
+                  <a:srgbClr val="FFC000"/>
+                </a:solidFill>
+                <a:effectLst>
+                  <a:innerShdw blurRad="63500" dist="50800">
+                    <a:prstClr val="black">
+                      <a:alpha val="50000"/>
+                    </a:prstClr>
+                  </a:innerShdw>
+                </a:effectLst>
+                <a:latin typeface="Khmer OS Niroth" panose="02000506000000020004" pitchFamily="2" charset="0"/>
+                <a:ea typeface="Khmer-Pen​​Chantrea" panose="020B0706030804020204" pitchFamily="34" charset="0"/>
+                <a:cs typeface="Khmer OS Niroth" panose="02000506000000020004" pitchFamily="2" charset="0"/>
+              </a:rPr>
+              <a:t>ចម្រៀងសរសើរ</a:t>
+            </a:r>
+            <a:endParaRPr lang="en-GB" sz="7200" dirty="0">
+              <a:solidFill>
+                <a:srgbClr val="FFC000"/>
+              </a:solidFill>
+              <a:effectLst>
+                <a:innerShdw blurRad="63500" dist="50800">
+                  <a:prstClr val="black">
+                    <a:alpha val="50000"/>
+                  </a:prstClr>
+                </a:innerShdw>
+              </a:effectLst>
+              <a:latin typeface="Khmer OS Niroth" panose="02000506000000020004" pitchFamily="2" charset="0"/>
+              <a:ea typeface="Khmer-Pen​​Chantrea" panose="020B0706030804020204" pitchFamily="34" charset="0"/>
+              <a:cs typeface="Khmer OS Niroth" panose="02000506000000020004" pitchFamily="2" charset="0"/>
+            </a:endParaRPr>
+          </a:p>
+        </p:txBody>
+      </p:sp>
+      <p:sp>
+        <p:nvSpPr>
+          <p:cNvPr id="14" name="TextBox 13">
+            <a:extLst>
+              <a:ext uri="{FF2B5EF4-FFF2-40B4-BE49-F238E27FC236}">
+                <a16:creationId xmlns:a16="http://schemas.microsoft.com/office/drawing/2014/main" id="{8A83A433-2228-5685-249F-1BC00138A52A}"/>
+              </a:ext>
+            </a:extLst>
+          </p:cNvPr>
+          <p:cNvSpPr txBox="1"/>
+          <p:nvPr/>
+        </p:nvSpPr>
+        <p:spPr>
+          <a:xfrm>
+            <a:off x="10452503" y="143435"/>
+            <a:ext cx="1571263" cy="276999"/>
+          </a:xfrm>
+          <a:prstGeom prst="rect">
+            <a:avLst/>
+          </a:prstGeom>
+          <a:noFill/>
+        </p:spPr>
+        <p:txBody>
+          <a:bodyPr wrap="none" rtlCol="0">
+            <a:spAutoFit/>
+          </a:bodyPr>
+          <a:lstStyle/>
+          <a:p>
+            <a:pPr algn="r"/>
+            <a:fld id="{BF0D9E41-A79D-439E-B48A-1399D5B145B1}" type="datetime2">
+              <a:rPr lang="km-KH" sz="1200" smtClean="0">
+                <a:solidFill>
+                  <a:schemeClr val="bg1"/>
+                </a:solidFill>
+                <a:latin typeface="Krasar" panose="00000500000000000000" pitchFamily="2" charset="0"/>
+                <a:cs typeface="Krasar" panose="00000500000000000000" pitchFamily="2" charset="0"/>
+              </a:rPr>
+              <a:pPr algn="r"/>
+              <a:t>ថ្ងៃសៅរ៍ 22 មិនា 2025</a:t>
+            </a:fld>
+            <a:endParaRPr lang="en-GB" dirty="0">
+              <a:solidFill>
+                <a:schemeClr val="bg1"/>
+              </a:solidFill>
+              <a:latin typeface="Krasar" panose="00000500000000000000" pitchFamily="2" charset="0"/>
+              <a:cs typeface="Krasar" panose="00000500000000000000" pitchFamily="2" charset="0"/>
+            </a:endParaRPr>
+          </a:p>
+        </p:txBody>
+      </p:sp>
+      <p:sp>
+        <p:nvSpPr>
+          <p:cNvPr id="16" name="TextBox 15">
+            <a:extLst>
+              <a:ext uri="{FF2B5EF4-FFF2-40B4-BE49-F238E27FC236}">
+                <a16:creationId xmlns:a16="http://schemas.microsoft.com/office/drawing/2014/main" id="{0F9E51EF-54B2-31F5-241A-577DF82FE443}"/>
+              </a:ext>
+            </a:extLst>
+          </p:cNvPr>
+          <p:cNvSpPr txBox="1"/>
+          <p:nvPr/>
+        </p:nvSpPr>
+        <p:spPr>
+          <a:xfrm>
+            <a:off x="5000187" y="6468633"/>
+            <a:ext cx="2191626" cy="369332"/>
+          </a:xfrm>
+          <a:prstGeom prst="rect">
+            <a:avLst/>
+          </a:prstGeom>
+          <a:noFill/>
+        </p:spPr>
+        <p:txBody>
+          <a:bodyPr wrap="none" rtlCol="0">
+            <a:spAutoFit/>
+          </a:bodyPr>
+          <a:lstStyle/>
+          <a:p>
+            <a:r>
+              <a:rPr lang="km-KH" dirty="0">
+                <a:solidFill>
+                  <a:schemeClr val="bg1"/>
+                </a:solidFill>
+                <a:latin typeface="AKbalthom Moul 2" panose="02000500000000000000" pitchFamily="2" charset="0"/>
+                <a:cs typeface="AKbalthom Moul 2" panose="02000500000000000000" pitchFamily="2" charset="0"/>
+              </a:rPr>
+              <a:t>ព្រះវិហារ ស្មៀរណា</a:t>
+            </a:r>
+            <a:endParaRPr lang="en-GB" dirty="0">
+              <a:solidFill>
+                <a:schemeClr val="bg1"/>
+              </a:solidFill>
+              <a:latin typeface="AKbalthom Moul 2" panose="02000500000000000000" pitchFamily="2" charset="0"/>
+              <a:cs typeface="AKbalthom Moul 2" panose="02000500000000000000" pitchFamily="2" charset="0"/>
+            </a:endParaRPr>
+          </a:p>
+        </p:txBody>
+      </p:sp>
+    </p:spTree>
+    <p:extLst>
+      <p:ext uri="{BB962C8B-B14F-4D97-AF65-F5344CB8AC3E}">
+        <p14:creationId xmlns:p14="http://schemas.microsoft.com/office/powerpoint/2010/main" val="2173905409"/>
+      </p:ext>
+    </p:extLst>
+  </p:cSld>
+  <p:clrMapOvr>
+    <a:masterClrMapping/>
+  </p:clrMapOvr>
+  <mc:AlternateContent xmlns:mc="http://schemas.openxmlformats.org/markup-compatibility/2006" xmlns:p14="http://schemas.microsoft.com/office/powerpoint/2010/main">
+    <mc:Choice Requires="p14">
+      <p:transition spd="med" p14:dur="700">
+        <p:fade/>
+      </p:transition>
+    </mc:Choice>
+    <mc:Fallback xmlns="">
+      <p:transition spd="med">
+        <p:fade/>
+      </p:transition>
+    </mc:Fallback>
+  </mc:AlternateContent>
+</p:sld>
+</file>
+
+<file path=ppt/slides/slide30.xml><?xml version="1.0" encoding="utf-8"?>
+<p:sld xmlns:a="http://schemas.openxmlformats.org/drawingml/2006/main" xmlns:r="http://schemas.openxmlformats.org/officeDocument/2006/relationships" xmlns:p="http://schemas.openxmlformats.org/presentationml/2006/main">
+  <p:cSld>
+    <p:spTree>
+      <p:nvGrpSpPr>
+        <p:cNvPr id="1" name="">
+          <a:extLst>
+            <a:ext uri="{FF2B5EF4-FFF2-40B4-BE49-F238E27FC236}">
+              <a16:creationId xmlns:a16="http://schemas.microsoft.com/office/drawing/2014/main" id="{D1AF2A94-7525-FA65-61C3-715C8CEF7D2E}"/>
+            </a:ext>
+          </a:extLst>
+        </p:cNvPr>
+        <p:cNvGrpSpPr/>
+        <p:nvPr/>
+      </p:nvGrpSpPr>
+      <p:grpSpPr>
+        <a:xfrm>
+          <a:off x="0" y="0"/>
+          <a:ext cx="0" cy="0"/>
+          <a:chOff x="0" y="0"/>
+          <a:chExt cx="0" cy="0"/>
+        </a:xfrm>
+      </p:grpSpPr>
+      <p:sp>
+        <p:nvSpPr>
+          <p:cNvPr id="12" name="TextBox 11">
+            <a:extLst>
+              <a:ext uri="{FF2B5EF4-FFF2-40B4-BE49-F238E27FC236}">
+                <a16:creationId xmlns:a16="http://schemas.microsoft.com/office/drawing/2014/main" id="{C61B1ADE-AA2A-10DB-87B8-391D33A29191}"/>
               </a:ext>
             </a:extLst>
           </p:cNvPr>
@@ -15055,7 +16387,7 @@
           <p:cNvPr id="14" name="TextBox 13">
             <a:extLst>
               <a:ext uri="{FF2B5EF4-FFF2-40B4-BE49-F238E27FC236}">
-                <a16:creationId xmlns:a16="http://schemas.microsoft.com/office/drawing/2014/main" xmlns="" id="{229DA3CD-0038-6DA8-B1E0-8F3E0ADD74D1}"/>
+                <a16:creationId xmlns:a16="http://schemas.microsoft.com/office/drawing/2014/main" id="{229DA3CD-0038-6DA8-B1E0-8F3E0ADD74D1}"/>
               </a:ext>
             </a:extLst>
           </p:cNvPr>
@@ -15127,7 +16459,7 @@
                 <a:tabLst/>
                 <a:defRPr/>
               </a:pPr>
-              <a:t>ថ្ងៃអាទិត្យ 16 មិនា 2025</a:t>
+              <a:t>ថ្ងៃសៅរ៍ 22 មិនា 2025</a:t>
             </a:fld>
             <a:endParaRPr kumimoji="0" lang="en-GB" sz="1800" b="0" i="0" u="none" strike="noStrike" kern="1200" cap="none" spc="0" normalizeH="0" baseline="0" noProof="0" dirty="0">
               <a:ln>
@@ -15151,7 +16483,7 @@
           <p:cNvPr id="16" name="TextBox 15">
             <a:extLst>
               <a:ext uri="{FF2B5EF4-FFF2-40B4-BE49-F238E27FC236}">
-                <a16:creationId xmlns:a16="http://schemas.microsoft.com/office/drawing/2014/main" xmlns="" id="{467D278C-6746-DC1E-147B-9C7BD5D55172}"/>
+                <a16:creationId xmlns:a16="http://schemas.microsoft.com/office/drawing/2014/main" id="{467D278C-6746-DC1E-147B-9C7BD5D55172}"/>
               </a:ext>
             </a:extLst>
           </p:cNvPr>
@@ -15235,13 +16567,13 @@
   <p:clrMapOvr>
     <a:masterClrMapping/>
   </p:clrMapOvr>
-  <mc:AlternateContent xmlns:mc="http://schemas.openxmlformats.org/markup-compatibility/2006">
-    <mc:Choice xmlns:p159="http://schemas.microsoft.com/office/powerpoint/2015/09/main" xmlns="" Requires="p159">
+  <mc:AlternateContent xmlns:mc="http://schemas.openxmlformats.org/markup-compatibility/2006" xmlns:p159="http://schemas.microsoft.com/office/powerpoint/2015/09/main">
+    <mc:Choice Requires="p159">
       <p:transition xmlns:p14="http://schemas.microsoft.com/office/powerpoint/2010/main" spd="slow" p14:dur="2000">
         <p159:morph option="byObject"/>
       </p:transition>
     </mc:Choice>
-    <mc:Fallback>
+    <mc:Fallback xmlns="">
       <p:transition spd="slow">
         <p:fade/>
       </p:transition>
@@ -15250,7 +16582,7 @@
 </p:sld>
 </file>
 
-<file path=ppt/slides/slide24.xml><?xml version="1.0" encoding="utf-8"?>
+<file path=ppt/slides/slide31.xml><?xml version="1.0" encoding="utf-8"?>
 <p:sld xmlns:a="http://schemas.openxmlformats.org/drawingml/2006/main" xmlns:r="http://schemas.openxmlformats.org/officeDocument/2006/relationships" xmlns:p="http://schemas.openxmlformats.org/presentationml/2006/main">
   <p:cSld>
     <p:spTree>
@@ -15258,7 +16590,7 @@
         <p:cNvPr id="1" name="">
           <a:extLst>
             <a:ext uri="{FF2B5EF4-FFF2-40B4-BE49-F238E27FC236}">
-              <a16:creationId xmlns:a16="http://schemas.microsoft.com/office/drawing/2014/main" xmlns="" id="{514023B5-1B82-0BF1-885E-828D645D2E7A}"/>
+              <a16:creationId xmlns:a16="http://schemas.microsoft.com/office/drawing/2014/main" id="{514023B5-1B82-0BF1-885E-828D645D2E7A}"/>
             </a:ext>
           </a:extLst>
         </p:cNvPr>
@@ -15278,7 +16610,7 @@
           <p:cNvPr id="12" name="TextBox 11">
             <a:extLst>
               <a:ext uri="{FF2B5EF4-FFF2-40B4-BE49-F238E27FC236}">
-                <a16:creationId xmlns:a16="http://schemas.microsoft.com/office/drawing/2014/main" xmlns="" id="{F2DAA663-F69F-C716-178E-B634C8E019E5}"/>
+                <a16:creationId xmlns:a16="http://schemas.microsoft.com/office/drawing/2014/main" id="{F2DAA663-F69F-C716-178E-B634C8E019E5}"/>
               </a:ext>
             </a:extLst>
           </p:cNvPr>
@@ -15369,7 +16701,7 @@
           <p:cNvPr id="14" name="TextBox 13">
             <a:extLst>
               <a:ext uri="{FF2B5EF4-FFF2-40B4-BE49-F238E27FC236}">
-                <a16:creationId xmlns:a16="http://schemas.microsoft.com/office/drawing/2014/main" xmlns="" id="{A8814282-4759-B26B-09D8-A3DC12D32825}"/>
+                <a16:creationId xmlns:a16="http://schemas.microsoft.com/office/drawing/2014/main" id="{A8814282-4759-B26B-09D8-A3DC12D32825}"/>
               </a:ext>
             </a:extLst>
           </p:cNvPr>
@@ -15441,7 +16773,7 @@
                 <a:tabLst/>
                 <a:defRPr/>
               </a:pPr>
-              <a:t>ថ្ងៃអាទិត្យ 16 មិនា 2025</a:t>
+              <a:t>ថ្ងៃសៅរ៍ 22 មិនា 2025</a:t>
             </a:fld>
             <a:endParaRPr kumimoji="0" lang="en-GB" sz="1800" b="0" i="0" u="none" strike="noStrike" kern="1200" cap="none" spc="0" normalizeH="0" baseline="0" noProof="0" dirty="0">
               <a:ln>
@@ -15465,7 +16797,7 @@
           <p:cNvPr id="16" name="TextBox 15">
             <a:extLst>
               <a:ext uri="{FF2B5EF4-FFF2-40B4-BE49-F238E27FC236}">
-                <a16:creationId xmlns:a16="http://schemas.microsoft.com/office/drawing/2014/main" xmlns="" id="{FFEAEBAB-DA2D-AD31-20FB-F23B388BB9AF}"/>
+                <a16:creationId xmlns:a16="http://schemas.microsoft.com/office/drawing/2014/main" id="{FFEAEBAB-DA2D-AD31-20FB-F23B388BB9AF}"/>
               </a:ext>
             </a:extLst>
           </p:cNvPr>
@@ -15544,7 +16876,7 @@
           <p:cNvPr id="17" name="Rectangle 16">
             <a:extLst>
               <a:ext uri="{FF2B5EF4-FFF2-40B4-BE49-F238E27FC236}">
-                <a16:creationId xmlns:a16="http://schemas.microsoft.com/office/drawing/2014/main" xmlns="" id="{EF175E1B-BE99-0920-C24E-A21658AFC3E7}"/>
+                <a16:creationId xmlns:a16="http://schemas.microsoft.com/office/drawing/2014/main" id="{EF175E1B-BE99-0920-C24E-A21658AFC3E7}"/>
               </a:ext>
             </a:extLst>
           </p:cNvPr>
@@ -15925,7 +17257,7 @@
             </a:solidFill>
             <a:extLst>
               <a:ext uri="{C807C97D-BFC1-408E-A445-0C87EB9F89A2}">
-                <ask:lineSketchStyleProps xmlns:ask="http://schemas.microsoft.com/office/drawing/2018/sketchyshapes" xmlns="" sd="2796838573">
+                <ask:lineSketchStyleProps xmlns:ask="http://schemas.microsoft.com/office/drawing/2018/sketchyshapes" sd="2796838573">
                   <a:prstGeom prst="rect">
                     <a:avLst/>
                   </a:prstGeom>
@@ -15996,7 +17328,7 @@
           <p:cNvPr id="2" name="TextBox 1">
             <a:extLst>
               <a:ext uri="{FF2B5EF4-FFF2-40B4-BE49-F238E27FC236}">
-                <a16:creationId xmlns:a16="http://schemas.microsoft.com/office/drawing/2014/main" xmlns="" id="{5394C43C-B499-6670-F488-381027E92D55}"/>
+                <a16:creationId xmlns:a16="http://schemas.microsoft.com/office/drawing/2014/main" id="{5394C43C-B499-6670-F488-381027E92D55}"/>
               </a:ext>
             </a:extLst>
           </p:cNvPr>
@@ -16092,13 +17424,13 @@
   <p:clrMapOvr>
     <a:masterClrMapping/>
   </p:clrMapOvr>
-  <mc:AlternateContent xmlns:mc="http://schemas.openxmlformats.org/markup-compatibility/2006">
-    <mc:Choice xmlns:p159="http://schemas.microsoft.com/office/powerpoint/2015/09/main" xmlns="" Requires="p159">
+  <mc:AlternateContent xmlns:mc="http://schemas.openxmlformats.org/markup-compatibility/2006" xmlns:p159="http://schemas.microsoft.com/office/powerpoint/2015/09/main">
+    <mc:Choice Requires="p159">
       <p:transition xmlns:p14="http://schemas.microsoft.com/office/powerpoint/2010/main" spd="slow" p14:dur="2000">
         <p159:morph option="byObject"/>
       </p:transition>
     </mc:Choice>
-    <mc:Fallback>
+    <mc:Fallback xmlns="">
       <p:transition spd="slow">
         <p:fade/>
       </p:transition>
@@ -16107,7 +17439,7 @@
 </p:sld>
 </file>
 
-<file path=ppt/slides/slide25.xml><?xml version="1.0" encoding="utf-8"?>
+<file path=ppt/slides/slide32.xml><?xml version="1.0" encoding="utf-8"?>
 <p:sld xmlns:a="http://schemas.openxmlformats.org/drawingml/2006/main" xmlns:r="http://schemas.openxmlformats.org/officeDocument/2006/relationships" xmlns:p="http://schemas.openxmlformats.org/presentationml/2006/main">
   <p:cSld>
     <p:spTree>
@@ -16115,7 +17447,7 @@
         <p:cNvPr id="1" name="">
           <a:extLst>
             <a:ext uri="{FF2B5EF4-FFF2-40B4-BE49-F238E27FC236}">
-              <a16:creationId xmlns:a16="http://schemas.microsoft.com/office/drawing/2014/main" xmlns="" id="{9CF57AD6-DDEE-B571-AB05-353AFE07F3A7}"/>
+              <a16:creationId xmlns:a16="http://schemas.microsoft.com/office/drawing/2014/main" id="{9CF57AD6-DDEE-B571-AB05-353AFE07F3A7}"/>
             </a:ext>
           </a:extLst>
         </p:cNvPr>
@@ -16135,7 +17467,7 @@
           <p:cNvPr id="14" name="TextBox 13">
             <a:extLst>
               <a:ext uri="{FF2B5EF4-FFF2-40B4-BE49-F238E27FC236}">
-                <a16:creationId xmlns:a16="http://schemas.microsoft.com/office/drawing/2014/main" xmlns="" id="{3DA90E63-D488-44DC-52B3-3792D736DB92}"/>
+                <a16:creationId xmlns:a16="http://schemas.microsoft.com/office/drawing/2014/main" id="{3DA90E63-D488-44DC-52B3-3792D736DB92}"/>
               </a:ext>
             </a:extLst>
           </p:cNvPr>
@@ -16207,7 +17539,7 @@
                 <a:tabLst/>
                 <a:defRPr/>
               </a:pPr>
-              <a:t>ថ្ងៃអាទិត្យ 16 មិនា 2025</a:t>
+              <a:t>ថ្ងៃសៅរ៍ 22 មិនា 2025</a:t>
             </a:fld>
             <a:endParaRPr kumimoji="0" lang="en-GB" sz="1800" b="0" i="0" u="none" strike="noStrike" kern="1200" cap="none" spc="0" normalizeH="0" baseline="0" noProof="0" dirty="0">
               <a:ln>
@@ -16231,7 +17563,7 @@
           <p:cNvPr id="16" name="TextBox 15">
             <a:extLst>
               <a:ext uri="{FF2B5EF4-FFF2-40B4-BE49-F238E27FC236}">
-                <a16:creationId xmlns:a16="http://schemas.microsoft.com/office/drawing/2014/main" xmlns="" id="{10ED80E6-2676-D323-1A34-6AD80D18B637}"/>
+                <a16:creationId xmlns:a16="http://schemas.microsoft.com/office/drawing/2014/main" id="{10ED80E6-2676-D323-1A34-6AD80D18B637}"/>
               </a:ext>
             </a:extLst>
           </p:cNvPr>
@@ -16310,7 +17642,7 @@
           <p:cNvPr id="4" name="TextBox 3">
             <a:extLst>
               <a:ext uri="{FF2B5EF4-FFF2-40B4-BE49-F238E27FC236}">
-                <a16:creationId xmlns:a16="http://schemas.microsoft.com/office/drawing/2014/main" xmlns="" id="{C88E1DDF-B5D0-7349-C163-E574DE911522}"/>
+                <a16:creationId xmlns:a16="http://schemas.microsoft.com/office/drawing/2014/main" id="{C88E1DDF-B5D0-7349-C163-E574DE911522}"/>
               </a:ext>
             </a:extLst>
           </p:cNvPr>
@@ -16536,7 +17868,7 @@
           <p:cNvPr id="2" name="TextBox 1">
             <a:extLst>
               <a:ext uri="{FF2B5EF4-FFF2-40B4-BE49-F238E27FC236}">
-                <a16:creationId xmlns:a16="http://schemas.microsoft.com/office/drawing/2014/main" xmlns="" id="{9C91C158-2262-AA5F-15D8-3A6581C00319}"/>
+                <a16:creationId xmlns:a16="http://schemas.microsoft.com/office/drawing/2014/main" id="{9C91C158-2262-AA5F-15D8-3A6581C00319}"/>
               </a:ext>
             </a:extLst>
           </p:cNvPr>
@@ -16596,7 +17928,7 @@
 </p:sld>
 </file>
 
-<file path=ppt/slides/slide26.xml><?xml version="1.0" encoding="utf-8"?>
+<file path=ppt/slides/slide33.xml><?xml version="1.0" encoding="utf-8"?>
 <p:sld xmlns:a="http://schemas.openxmlformats.org/drawingml/2006/main" xmlns:r="http://schemas.openxmlformats.org/officeDocument/2006/relationships" xmlns:p="http://schemas.openxmlformats.org/presentationml/2006/main">
   <p:cSld>
     <p:spTree>
@@ -16604,7 +17936,7 @@
         <p:cNvPr id="1" name="">
           <a:extLst>
             <a:ext uri="{FF2B5EF4-FFF2-40B4-BE49-F238E27FC236}">
-              <a16:creationId xmlns:a16="http://schemas.microsoft.com/office/drawing/2014/main" xmlns="" id="{DEFE8C85-947D-D44E-0678-9CD97DA4FFF7}"/>
+              <a16:creationId xmlns:a16="http://schemas.microsoft.com/office/drawing/2014/main" id="{DEFE8C85-947D-D44E-0678-9CD97DA4FFF7}"/>
             </a:ext>
           </a:extLst>
         </p:cNvPr>
@@ -16624,7 +17956,7 @@
           <p:cNvPr id="12" name="TextBox 11">
             <a:extLst>
               <a:ext uri="{FF2B5EF4-FFF2-40B4-BE49-F238E27FC236}">
-                <a16:creationId xmlns:a16="http://schemas.microsoft.com/office/drawing/2014/main" xmlns="" id="{68402507-6BE9-3A88-BF63-FBA6D20A7F6A}"/>
+                <a16:creationId xmlns:a16="http://schemas.microsoft.com/office/drawing/2014/main" id="{68402507-6BE9-3A88-BF63-FBA6D20A7F6A}"/>
               </a:ext>
             </a:extLst>
           </p:cNvPr>
@@ -16715,7 +18047,7 @@
           <p:cNvPr id="14" name="TextBox 13">
             <a:extLst>
               <a:ext uri="{FF2B5EF4-FFF2-40B4-BE49-F238E27FC236}">
-                <a16:creationId xmlns:a16="http://schemas.microsoft.com/office/drawing/2014/main" xmlns="" id="{DB483A81-9939-FB30-DFCA-9C44B84835FE}"/>
+                <a16:creationId xmlns:a16="http://schemas.microsoft.com/office/drawing/2014/main" id="{DB483A81-9939-FB30-DFCA-9C44B84835FE}"/>
               </a:ext>
             </a:extLst>
           </p:cNvPr>
@@ -16787,7 +18119,7 @@
                 <a:tabLst/>
                 <a:defRPr/>
               </a:pPr>
-              <a:t>ថ្ងៃអាទិត្យ 16 មិនា 2025</a:t>
+              <a:t>ថ្ងៃសៅរ៍ 22 មិនា 2025</a:t>
             </a:fld>
             <a:endParaRPr kumimoji="0" lang="en-GB" sz="1800" b="0" i="0" u="none" strike="noStrike" kern="1200" cap="none" spc="0" normalizeH="0" baseline="0" noProof="0" dirty="0">
               <a:ln>
@@ -16811,7 +18143,7 @@
           <p:cNvPr id="16" name="TextBox 15">
             <a:extLst>
               <a:ext uri="{FF2B5EF4-FFF2-40B4-BE49-F238E27FC236}">
-                <a16:creationId xmlns:a16="http://schemas.microsoft.com/office/drawing/2014/main" xmlns="" id="{433D0831-685E-9465-B655-CA42B189C8E2}"/>
+                <a16:creationId xmlns:a16="http://schemas.microsoft.com/office/drawing/2014/main" id="{433D0831-685E-9465-B655-CA42B189C8E2}"/>
               </a:ext>
             </a:extLst>
           </p:cNvPr>
@@ -16890,7 +18222,7 @@
           <p:cNvPr id="17" name="Rectangle 16">
             <a:extLst>
               <a:ext uri="{FF2B5EF4-FFF2-40B4-BE49-F238E27FC236}">
-                <a16:creationId xmlns:a16="http://schemas.microsoft.com/office/drawing/2014/main" xmlns="" id="{AA37180E-A463-958F-0CCA-F70FE2131018}"/>
+                <a16:creationId xmlns:a16="http://schemas.microsoft.com/office/drawing/2014/main" id="{AA37180E-A463-958F-0CCA-F70FE2131018}"/>
               </a:ext>
             </a:extLst>
           </p:cNvPr>
@@ -17271,7 +18603,7 @@
             </a:solidFill>
             <a:extLst>
               <a:ext uri="{C807C97D-BFC1-408E-A445-0C87EB9F89A2}">
-                <ask:lineSketchStyleProps xmlns:ask="http://schemas.microsoft.com/office/drawing/2018/sketchyshapes" xmlns="" sd="2796838573">
+                <ask:lineSketchStyleProps xmlns:ask="http://schemas.microsoft.com/office/drawing/2018/sketchyshapes" sd="2796838573">
                   <a:prstGeom prst="rect">
                     <a:avLst/>
                   </a:prstGeom>
@@ -17347,13 +18679,13 @@
   <p:clrMapOvr>
     <a:masterClrMapping/>
   </p:clrMapOvr>
-  <mc:AlternateContent xmlns:mc="http://schemas.openxmlformats.org/markup-compatibility/2006">
-    <mc:Choice xmlns:p159="http://schemas.microsoft.com/office/powerpoint/2015/09/main" xmlns="" Requires="p159">
+  <mc:AlternateContent xmlns:mc="http://schemas.openxmlformats.org/markup-compatibility/2006" xmlns:p159="http://schemas.microsoft.com/office/powerpoint/2015/09/main">
+    <mc:Choice Requires="p159">
       <p:transition xmlns:p14="http://schemas.microsoft.com/office/powerpoint/2010/main" spd="slow" p14:dur="2000">
         <p159:morph option="byObject"/>
       </p:transition>
     </mc:Choice>
-    <mc:Fallback>
+    <mc:Fallback xmlns="">
       <p:transition spd="slow">
         <p:fade/>
       </p:transition>
@@ -17362,7 +18694,7 @@
 </p:sld>
 </file>
 
-<file path=ppt/slides/slide27.xml><?xml version="1.0" encoding="utf-8"?>
+<file path=ppt/slides/slide34.xml><?xml version="1.0" encoding="utf-8"?>
 <p:sld xmlns:a="http://schemas.openxmlformats.org/drawingml/2006/main" xmlns:r="http://schemas.openxmlformats.org/officeDocument/2006/relationships" xmlns:p="http://schemas.openxmlformats.org/presentationml/2006/main">
   <p:cSld>
     <p:spTree>
@@ -17370,7 +18702,7 @@
         <p:cNvPr id="1" name="">
           <a:extLst>
             <a:ext uri="{FF2B5EF4-FFF2-40B4-BE49-F238E27FC236}">
-              <a16:creationId xmlns:a16="http://schemas.microsoft.com/office/drawing/2014/main" xmlns="" id="{EA4FDFDE-2198-F475-4E37-57966033BAB7}"/>
+              <a16:creationId xmlns:a16="http://schemas.microsoft.com/office/drawing/2014/main" id="{EA4FDFDE-2198-F475-4E37-57966033BAB7}"/>
             </a:ext>
           </a:extLst>
         </p:cNvPr>
@@ -17390,7 +18722,7 @@
           <p:cNvPr id="12" name="TextBox 11">
             <a:extLst>
               <a:ext uri="{FF2B5EF4-FFF2-40B4-BE49-F238E27FC236}">
-                <a16:creationId xmlns:a16="http://schemas.microsoft.com/office/drawing/2014/main" xmlns="" id="{647535FE-2D53-982C-DD2A-558C5A33CE88}"/>
+                <a16:creationId xmlns:a16="http://schemas.microsoft.com/office/drawing/2014/main" id="{647535FE-2D53-982C-DD2A-558C5A33CE88}"/>
               </a:ext>
             </a:extLst>
           </p:cNvPr>
@@ -17481,7 +18813,7 @@
           <p:cNvPr id="14" name="TextBox 13">
             <a:extLst>
               <a:ext uri="{FF2B5EF4-FFF2-40B4-BE49-F238E27FC236}">
-                <a16:creationId xmlns:a16="http://schemas.microsoft.com/office/drawing/2014/main" xmlns="" id="{04B68A89-1883-5851-D21D-C512176C8F81}"/>
+                <a16:creationId xmlns:a16="http://schemas.microsoft.com/office/drawing/2014/main" id="{04B68A89-1883-5851-D21D-C512176C8F81}"/>
               </a:ext>
             </a:extLst>
           </p:cNvPr>
@@ -17553,7 +18885,7 @@
                 <a:tabLst/>
                 <a:defRPr/>
               </a:pPr>
-              <a:t>ថ្ងៃអាទិត្យ 16 មិនា 2025</a:t>
+              <a:t>ថ្ងៃសៅរ៍ 22 មិនា 2025</a:t>
             </a:fld>
             <a:endParaRPr kumimoji="0" lang="en-GB" sz="1800" b="0" i="0" u="none" strike="noStrike" kern="1200" cap="none" spc="0" normalizeH="0" baseline="0" noProof="0" dirty="0">
               <a:ln>
@@ -17577,7 +18909,7 @@
           <p:cNvPr id="16" name="TextBox 15">
             <a:extLst>
               <a:ext uri="{FF2B5EF4-FFF2-40B4-BE49-F238E27FC236}">
-                <a16:creationId xmlns:a16="http://schemas.microsoft.com/office/drawing/2014/main" xmlns="" id="{B1423AF5-C8AF-11A4-0D94-181BC73B4838}"/>
+                <a16:creationId xmlns:a16="http://schemas.microsoft.com/office/drawing/2014/main" id="{B1423AF5-C8AF-11A4-0D94-181BC73B4838}"/>
               </a:ext>
             </a:extLst>
           </p:cNvPr>
@@ -17656,7 +18988,7 @@
           <p:cNvPr id="4" name="TextBox 3">
             <a:extLst>
               <a:ext uri="{FF2B5EF4-FFF2-40B4-BE49-F238E27FC236}">
-                <a16:creationId xmlns:a16="http://schemas.microsoft.com/office/drawing/2014/main" xmlns="" id="{560A9002-E79F-49EF-E7F1-83272214FA1F}"/>
+                <a16:creationId xmlns:a16="http://schemas.microsoft.com/office/drawing/2014/main" id="{560A9002-E79F-49EF-E7F1-83272214FA1F}"/>
               </a:ext>
             </a:extLst>
           </p:cNvPr>
@@ -17791,7 +19123,7 @@
 </p:sld>
 </file>
 
-<file path=ppt/slides/slide28.xml><?xml version="1.0" encoding="utf-8"?>
+<file path=ppt/slides/slide35.xml><?xml version="1.0" encoding="utf-8"?>
 <p:sld xmlns:a="http://schemas.openxmlformats.org/drawingml/2006/main" xmlns:r="http://schemas.openxmlformats.org/officeDocument/2006/relationships" xmlns:p="http://schemas.openxmlformats.org/presentationml/2006/main">
   <p:cSld>
     <p:spTree>
@@ -17799,7 +19131,7 @@
         <p:cNvPr id="1" name="">
           <a:extLst>
             <a:ext uri="{FF2B5EF4-FFF2-40B4-BE49-F238E27FC236}">
-              <a16:creationId xmlns:a16="http://schemas.microsoft.com/office/drawing/2014/main" xmlns="" id="{71528695-128C-AC95-93B5-5FEE6802159F}"/>
+              <a16:creationId xmlns:a16="http://schemas.microsoft.com/office/drawing/2014/main" id="{71528695-128C-AC95-93B5-5FEE6802159F}"/>
             </a:ext>
           </a:extLst>
         </p:cNvPr>
@@ -17819,7 +19151,7 @@
           <p:cNvPr id="12" name="TextBox 11">
             <a:extLst>
               <a:ext uri="{FF2B5EF4-FFF2-40B4-BE49-F238E27FC236}">
-                <a16:creationId xmlns:a16="http://schemas.microsoft.com/office/drawing/2014/main" xmlns="" id="{96407DB4-7276-FE19-96EF-0A6DF4515826}"/>
+                <a16:creationId xmlns:a16="http://schemas.microsoft.com/office/drawing/2014/main" id="{96407DB4-7276-FE19-96EF-0A6DF4515826}"/>
               </a:ext>
             </a:extLst>
           </p:cNvPr>
@@ -17910,7 +19242,7 @@
           <p:cNvPr id="14" name="TextBox 13">
             <a:extLst>
               <a:ext uri="{FF2B5EF4-FFF2-40B4-BE49-F238E27FC236}">
-                <a16:creationId xmlns:a16="http://schemas.microsoft.com/office/drawing/2014/main" xmlns="" id="{72EE170F-72BB-037F-659B-1BF198E453B0}"/>
+                <a16:creationId xmlns:a16="http://schemas.microsoft.com/office/drawing/2014/main" id="{72EE170F-72BB-037F-659B-1BF198E453B0}"/>
               </a:ext>
             </a:extLst>
           </p:cNvPr>
@@ -17982,7 +19314,7 @@
                 <a:tabLst/>
                 <a:defRPr/>
               </a:pPr>
-              <a:t>ថ្ងៃអាទិត្យ 16 មិនា 2025</a:t>
+              <a:t>ថ្ងៃសៅរ៍ 22 មិនា 2025</a:t>
             </a:fld>
             <a:endParaRPr kumimoji="0" lang="en-GB" sz="1800" b="0" i="0" u="none" strike="noStrike" kern="1200" cap="none" spc="0" normalizeH="0" baseline="0" noProof="0" dirty="0">
               <a:ln>
@@ -18006,7 +19338,7 @@
           <p:cNvPr id="16" name="TextBox 15">
             <a:extLst>
               <a:ext uri="{FF2B5EF4-FFF2-40B4-BE49-F238E27FC236}">
-                <a16:creationId xmlns:a16="http://schemas.microsoft.com/office/drawing/2014/main" xmlns="" id="{7EC70F32-7953-974A-4F24-010B65528158}"/>
+                <a16:creationId xmlns:a16="http://schemas.microsoft.com/office/drawing/2014/main" id="{7EC70F32-7953-974A-4F24-010B65528158}"/>
               </a:ext>
             </a:extLst>
           </p:cNvPr>
@@ -18085,7 +19417,7 @@
           <p:cNvPr id="4" name="TextBox 3">
             <a:extLst>
               <a:ext uri="{FF2B5EF4-FFF2-40B4-BE49-F238E27FC236}">
-                <a16:creationId xmlns:a16="http://schemas.microsoft.com/office/drawing/2014/main" xmlns="" id="{DBC3C20E-BFB6-31A1-4E0F-6760A66EF8DB}"/>
+                <a16:creationId xmlns:a16="http://schemas.microsoft.com/office/drawing/2014/main" id="{DBC3C20E-BFB6-31A1-4E0F-6760A66EF8DB}"/>
               </a:ext>
             </a:extLst>
           </p:cNvPr>
@@ -18292,7 +19624,7 @@
 </p:sld>
 </file>
 
-<file path=ppt/slides/slide29.xml><?xml version="1.0" encoding="utf-8"?>
+<file path=ppt/slides/slide36.xml><?xml version="1.0" encoding="utf-8"?>
 <p:sld xmlns:a="http://schemas.openxmlformats.org/drawingml/2006/main" xmlns:r="http://schemas.openxmlformats.org/officeDocument/2006/relationships" xmlns:p="http://schemas.openxmlformats.org/presentationml/2006/main">
   <p:cSld>
     <p:spTree>
@@ -18300,7 +19632,7 @@
         <p:cNvPr id="1" name="">
           <a:extLst>
             <a:ext uri="{FF2B5EF4-FFF2-40B4-BE49-F238E27FC236}">
-              <a16:creationId xmlns:a16="http://schemas.microsoft.com/office/drawing/2014/main" xmlns="" id="{FB541488-AF1C-B6B6-BCB7-D98DD9ACB45A}"/>
+              <a16:creationId xmlns:a16="http://schemas.microsoft.com/office/drawing/2014/main" id="{FB541488-AF1C-B6B6-BCB7-D98DD9ACB45A}"/>
             </a:ext>
           </a:extLst>
         </p:cNvPr>
@@ -18320,7 +19652,7 @@
           <p:cNvPr id="12" name="TextBox 11">
             <a:extLst>
               <a:ext uri="{FF2B5EF4-FFF2-40B4-BE49-F238E27FC236}">
-                <a16:creationId xmlns:a16="http://schemas.microsoft.com/office/drawing/2014/main" xmlns="" id="{57055CEC-BF61-9FDA-D2D4-9980824C8C33}"/>
+                <a16:creationId xmlns:a16="http://schemas.microsoft.com/office/drawing/2014/main" id="{57055CEC-BF61-9FDA-D2D4-9980824C8C33}"/>
               </a:ext>
             </a:extLst>
           </p:cNvPr>
@@ -18411,7 +19743,7 @@
           <p:cNvPr id="14" name="TextBox 13">
             <a:extLst>
               <a:ext uri="{FF2B5EF4-FFF2-40B4-BE49-F238E27FC236}">
-                <a16:creationId xmlns:a16="http://schemas.microsoft.com/office/drawing/2014/main" xmlns="" id="{F0728D87-807F-92C8-1834-D6EA5339C827}"/>
+                <a16:creationId xmlns:a16="http://schemas.microsoft.com/office/drawing/2014/main" id="{F0728D87-807F-92C8-1834-D6EA5339C827}"/>
               </a:ext>
             </a:extLst>
           </p:cNvPr>
@@ -18483,7 +19815,7 @@
                 <a:tabLst/>
                 <a:defRPr/>
               </a:pPr>
-              <a:t>ថ្ងៃអាទិត្យ 16 មិនា 2025</a:t>
+              <a:t>ថ្ងៃសៅរ៍ 22 មិនា 2025</a:t>
             </a:fld>
             <a:endParaRPr kumimoji="0" lang="en-GB" sz="1800" b="0" i="0" u="none" strike="noStrike" kern="1200" cap="none" spc="0" normalizeH="0" baseline="0" noProof="0" dirty="0">
               <a:ln>
@@ -18507,7 +19839,7 @@
           <p:cNvPr id="16" name="TextBox 15">
             <a:extLst>
               <a:ext uri="{FF2B5EF4-FFF2-40B4-BE49-F238E27FC236}">
-                <a16:creationId xmlns:a16="http://schemas.microsoft.com/office/drawing/2014/main" xmlns="" id="{0583930F-8C82-0430-3F49-B41A6824ADBA}"/>
+                <a16:creationId xmlns:a16="http://schemas.microsoft.com/office/drawing/2014/main" id="{0583930F-8C82-0430-3F49-B41A6824ADBA}"/>
               </a:ext>
             </a:extLst>
           </p:cNvPr>
@@ -18586,7 +19918,7 @@
           <p:cNvPr id="4" name="TextBox 3">
             <a:extLst>
               <a:ext uri="{FF2B5EF4-FFF2-40B4-BE49-F238E27FC236}">
-                <a16:creationId xmlns:a16="http://schemas.microsoft.com/office/drawing/2014/main" xmlns="" id="{0AB2C0AB-850E-61F6-73BA-C78F71EA7766}"/>
+                <a16:creationId xmlns:a16="http://schemas.microsoft.com/office/drawing/2014/main" id="{0AB2C0AB-850E-61F6-73BA-C78F71EA7766}"/>
               </a:ext>
             </a:extLst>
           </p:cNvPr>
@@ -18759,7 +20091,7 @@
 </p:sld>
 </file>
 
-<file path=ppt/slides/slide3.xml><?xml version="1.0" encoding="utf-8"?>
+<file path=ppt/slides/slide37.xml><?xml version="1.0" encoding="utf-8"?>
 <p:sld xmlns:a="http://schemas.openxmlformats.org/drawingml/2006/main" xmlns:r="http://schemas.openxmlformats.org/officeDocument/2006/relationships" xmlns:p="http://schemas.openxmlformats.org/presentationml/2006/main">
   <p:cSld>
     <p:spTree>
@@ -18767,7 +20099,7 @@
         <p:cNvPr id="1" name="">
           <a:extLst>
             <a:ext uri="{FF2B5EF4-FFF2-40B4-BE49-F238E27FC236}">
-              <a16:creationId xmlns:a16="http://schemas.microsoft.com/office/drawing/2014/main" xmlns="" id="{D6717FE9-965C-44D6-9954-43467583EBB2}"/>
+              <a16:creationId xmlns:a16="http://schemas.microsoft.com/office/drawing/2014/main" id="{548C8B54-56D6-A200-5B53-522E85096B38}"/>
             </a:ext>
           </a:extLst>
         </p:cNvPr>
@@ -18787,218 +20119,7 @@
           <p:cNvPr id="12" name="TextBox 11">
             <a:extLst>
               <a:ext uri="{FF2B5EF4-FFF2-40B4-BE49-F238E27FC236}">
-                <a16:creationId xmlns:a16="http://schemas.microsoft.com/office/drawing/2014/main" xmlns="" id="{4B6A811F-9990-0021-21D7-17D7C9789DA0}"/>
-              </a:ext>
-            </a:extLst>
-          </p:cNvPr>
-          <p:cNvSpPr txBox="1"/>
-          <p:nvPr/>
-        </p:nvSpPr>
-        <p:spPr>
-          <a:xfrm>
-            <a:off x="3332262" y="2972274"/>
-            <a:ext cx="5527475" cy="1200329"/>
-          </a:xfrm>
-          <a:prstGeom prst="rect">
-            <a:avLst/>
-          </a:prstGeom>
-          <a:noFill/>
-        </p:spPr>
-        <p:txBody>
-          <a:bodyPr wrap="none" rtlCol="0">
-            <a:spAutoFit/>
-          </a:bodyPr>
-          <a:lstStyle/>
-          <a:p>
-            <a:pPr algn="ctr"/>
-            <a:r>
-              <a:rPr lang="km-KH" sz="7200" dirty="0">
-                <a:solidFill>
-                  <a:srgbClr val="FFC000"/>
-                </a:solidFill>
-                <a:effectLst>
-                  <a:innerShdw blurRad="63500" dist="50800">
-                    <a:prstClr val="black">
-                      <a:alpha val="50000"/>
-                    </a:prstClr>
-                  </a:innerShdw>
-                </a:effectLst>
-                <a:latin typeface="Khmer OS Niroth" panose="02000506000000020004" pitchFamily="2" charset="0"/>
-                <a:ea typeface="Khmer-Pen​​Chantrea" panose="020B0706030804020204" pitchFamily="34" charset="0"/>
-                <a:cs typeface="Khmer OS Niroth" panose="02000506000000020004" pitchFamily="2" charset="0"/>
-              </a:rPr>
-              <a:t>ចម្រៀងសរសើរ</a:t>
-            </a:r>
-            <a:endParaRPr lang="en-GB" sz="7200" dirty="0">
-              <a:solidFill>
-                <a:srgbClr val="FFC000"/>
-              </a:solidFill>
-              <a:effectLst>
-                <a:innerShdw blurRad="63500" dist="50800">
-                  <a:prstClr val="black">
-                    <a:alpha val="50000"/>
-                  </a:prstClr>
-                </a:innerShdw>
-              </a:effectLst>
-              <a:latin typeface="Khmer OS Niroth" panose="02000506000000020004" pitchFamily="2" charset="0"/>
-              <a:ea typeface="Khmer-Pen​​Chantrea" panose="020B0706030804020204" pitchFamily="34" charset="0"/>
-              <a:cs typeface="Khmer OS Niroth" panose="02000506000000020004" pitchFamily="2" charset="0"/>
-            </a:endParaRPr>
-          </a:p>
-        </p:txBody>
-      </p:sp>
-      <p:sp>
-        <p:nvSpPr>
-          <p:cNvPr id="14" name="TextBox 13">
-            <a:extLst>
-              <a:ext uri="{FF2B5EF4-FFF2-40B4-BE49-F238E27FC236}">
-                <a16:creationId xmlns:a16="http://schemas.microsoft.com/office/drawing/2014/main" xmlns="" id="{8A83A433-2228-5685-249F-1BC00138A52A}"/>
-              </a:ext>
-            </a:extLst>
-          </p:cNvPr>
-          <p:cNvSpPr txBox="1"/>
-          <p:nvPr/>
-        </p:nvSpPr>
-        <p:spPr>
-          <a:xfrm>
-            <a:off x="10452503" y="143435"/>
-            <a:ext cx="1571263" cy="276999"/>
-          </a:xfrm>
-          <a:prstGeom prst="rect">
-            <a:avLst/>
-          </a:prstGeom>
-          <a:noFill/>
-        </p:spPr>
-        <p:txBody>
-          <a:bodyPr wrap="none" rtlCol="0">
-            <a:spAutoFit/>
-          </a:bodyPr>
-          <a:lstStyle/>
-          <a:p>
-            <a:pPr algn="r"/>
-            <a:fld id="{BF0D9E41-A79D-439E-B48A-1399D5B145B1}" type="datetime2">
-              <a:rPr lang="km-KH" sz="1200" smtClean="0">
-                <a:solidFill>
-                  <a:schemeClr val="bg1"/>
-                </a:solidFill>
-                <a:latin typeface="Krasar" panose="00000500000000000000" pitchFamily="2" charset="0"/>
-                <a:cs typeface="Krasar" panose="00000500000000000000" pitchFamily="2" charset="0"/>
-              </a:rPr>
-              <a:pPr algn="r"/>
-              <a:t>ថ្ងៃអាទិត្យ 16 មិនា 2025</a:t>
-            </a:fld>
-            <a:endParaRPr lang="en-GB" dirty="0">
-              <a:solidFill>
-                <a:schemeClr val="bg1"/>
-              </a:solidFill>
-              <a:latin typeface="Krasar" panose="00000500000000000000" pitchFamily="2" charset="0"/>
-              <a:cs typeface="Krasar" panose="00000500000000000000" pitchFamily="2" charset="0"/>
-            </a:endParaRPr>
-          </a:p>
-        </p:txBody>
-      </p:sp>
-      <p:sp>
-        <p:nvSpPr>
-          <p:cNvPr id="16" name="TextBox 15">
-            <a:extLst>
-              <a:ext uri="{FF2B5EF4-FFF2-40B4-BE49-F238E27FC236}">
-                <a16:creationId xmlns:a16="http://schemas.microsoft.com/office/drawing/2014/main" xmlns="" id="{0F9E51EF-54B2-31F5-241A-577DF82FE443}"/>
-              </a:ext>
-            </a:extLst>
-          </p:cNvPr>
-          <p:cNvSpPr txBox="1"/>
-          <p:nvPr/>
-        </p:nvSpPr>
-        <p:spPr>
-          <a:xfrm>
-            <a:off x="5000187" y="6468633"/>
-            <a:ext cx="2191626" cy="369332"/>
-          </a:xfrm>
-          <a:prstGeom prst="rect">
-            <a:avLst/>
-          </a:prstGeom>
-          <a:noFill/>
-        </p:spPr>
-        <p:txBody>
-          <a:bodyPr wrap="none" rtlCol="0">
-            <a:spAutoFit/>
-          </a:bodyPr>
-          <a:lstStyle/>
-          <a:p>
-            <a:r>
-              <a:rPr lang="km-KH" dirty="0">
-                <a:solidFill>
-                  <a:schemeClr val="bg1"/>
-                </a:solidFill>
-                <a:latin typeface="AKbalthom Moul 2" panose="02000500000000000000" pitchFamily="2" charset="0"/>
-                <a:cs typeface="AKbalthom Moul 2" panose="02000500000000000000" pitchFamily="2" charset="0"/>
-              </a:rPr>
-              <a:t>ព្រះវិហារ ស្មៀរណា</a:t>
-            </a:r>
-            <a:endParaRPr lang="en-GB" dirty="0">
-              <a:solidFill>
-                <a:schemeClr val="bg1"/>
-              </a:solidFill>
-              <a:latin typeface="AKbalthom Moul 2" panose="02000500000000000000" pitchFamily="2" charset="0"/>
-              <a:cs typeface="AKbalthom Moul 2" panose="02000500000000000000" pitchFamily="2" charset="0"/>
-            </a:endParaRPr>
-          </a:p>
-        </p:txBody>
-      </p:sp>
-    </p:spTree>
-    <p:extLst>
-      <p:ext uri="{BB962C8B-B14F-4D97-AF65-F5344CB8AC3E}">
-        <p14:creationId xmlns:p14="http://schemas.microsoft.com/office/powerpoint/2010/main" val="2173905409"/>
-      </p:ext>
-    </p:extLst>
-  </p:cSld>
-  <p:clrMapOvr>
-    <a:masterClrMapping/>
-  </p:clrMapOvr>
-  <mc:AlternateContent xmlns:mc="http://schemas.openxmlformats.org/markup-compatibility/2006" xmlns:p14="http://schemas.microsoft.com/office/powerpoint/2010/main">
-    <mc:Choice Requires="p14">
-      <p:transition spd="med" p14:dur="700">
-        <p:fade/>
-      </p:transition>
-    </mc:Choice>
-    <mc:Fallback xmlns="">
-      <p:transition spd="med">
-        <p:fade/>
-      </p:transition>
-    </mc:Fallback>
-  </mc:AlternateContent>
-</p:sld>
-</file>
-
-<file path=ppt/slides/slide30.xml><?xml version="1.0" encoding="utf-8"?>
-<p:sld xmlns:a="http://schemas.openxmlformats.org/drawingml/2006/main" xmlns:r="http://schemas.openxmlformats.org/officeDocument/2006/relationships" xmlns:p="http://schemas.openxmlformats.org/presentationml/2006/main">
-  <p:cSld>
-    <p:spTree>
-      <p:nvGrpSpPr>
-        <p:cNvPr id="1" name="">
-          <a:extLst>
-            <a:ext uri="{FF2B5EF4-FFF2-40B4-BE49-F238E27FC236}">
-              <a16:creationId xmlns:a16="http://schemas.microsoft.com/office/drawing/2014/main" xmlns="" id="{548C8B54-56D6-A200-5B53-522E85096B38}"/>
-            </a:ext>
-          </a:extLst>
-        </p:cNvPr>
-        <p:cNvGrpSpPr/>
-        <p:nvPr/>
-      </p:nvGrpSpPr>
-      <p:grpSpPr>
-        <a:xfrm>
-          <a:off x="0" y="0"/>
-          <a:ext cx="0" cy="0"/>
-          <a:chOff x="0" y="0"/>
-          <a:chExt cx="0" cy="0"/>
-        </a:xfrm>
-      </p:grpSpPr>
-      <p:sp>
-        <p:nvSpPr>
-          <p:cNvPr id="12" name="TextBox 11">
-            <a:extLst>
-              <a:ext uri="{FF2B5EF4-FFF2-40B4-BE49-F238E27FC236}">
-                <a16:creationId xmlns:a16="http://schemas.microsoft.com/office/drawing/2014/main" xmlns="" id="{E822BE47-A7A8-0ECC-9A6A-F628804A2C9E}"/>
+                <a16:creationId xmlns:a16="http://schemas.microsoft.com/office/drawing/2014/main" id="{E822BE47-A7A8-0ECC-9A6A-F628804A2C9E}"/>
               </a:ext>
             </a:extLst>
           </p:cNvPr>
@@ -19089,7 +20210,7 @@
           <p:cNvPr id="14" name="TextBox 13">
             <a:extLst>
               <a:ext uri="{FF2B5EF4-FFF2-40B4-BE49-F238E27FC236}">
-                <a16:creationId xmlns:a16="http://schemas.microsoft.com/office/drawing/2014/main" xmlns="" id="{22B147D6-DEAF-6FB0-8153-FDA91432EE08}"/>
+                <a16:creationId xmlns:a16="http://schemas.microsoft.com/office/drawing/2014/main" id="{22B147D6-DEAF-6FB0-8153-FDA91432EE08}"/>
               </a:ext>
             </a:extLst>
           </p:cNvPr>
@@ -19161,7 +20282,7 @@
                 <a:tabLst/>
                 <a:defRPr/>
               </a:pPr>
-              <a:t>ថ្ងៃអាទិត្យ 16 មិនា 2025</a:t>
+              <a:t>ថ្ងៃសៅរ៍ 22 មិនា 2025</a:t>
             </a:fld>
             <a:endParaRPr kumimoji="0" lang="en-GB" sz="1800" b="0" i="0" u="none" strike="noStrike" kern="1200" cap="none" spc="0" normalizeH="0" baseline="0" noProof="0" dirty="0">
               <a:ln>
@@ -19185,7 +20306,7 @@
           <p:cNvPr id="16" name="TextBox 15">
             <a:extLst>
               <a:ext uri="{FF2B5EF4-FFF2-40B4-BE49-F238E27FC236}">
-                <a16:creationId xmlns:a16="http://schemas.microsoft.com/office/drawing/2014/main" xmlns="" id="{4468F3BD-9739-8842-1567-985215F408C9}"/>
+                <a16:creationId xmlns:a16="http://schemas.microsoft.com/office/drawing/2014/main" id="{4468F3BD-9739-8842-1567-985215F408C9}"/>
               </a:ext>
             </a:extLst>
           </p:cNvPr>
@@ -19264,7 +20385,7 @@
           <p:cNvPr id="4" name="TextBox 3">
             <a:extLst>
               <a:ext uri="{FF2B5EF4-FFF2-40B4-BE49-F238E27FC236}">
-                <a16:creationId xmlns:a16="http://schemas.microsoft.com/office/drawing/2014/main" xmlns="" id="{B5A43C64-A58C-B430-3ACD-BBD8D37700DE}"/>
+                <a16:creationId xmlns:a16="http://schemas.microsoft.com/office/drawing/2014/main" id="{B5A43C64-A58C-B430-3ACD-BBD8D37700DE}"/>
               </a:ext>
             </a:extLst>
           </p:cNvPr>
@@ -19437,7 +20558,7 @@
 </p:sld>
 </file>
 
-<file path=ppt/slides/slide31.xml><?xml version="1.0" encoding="utf-8"?>
+<file path=ppt/slides/slide38.xml><?xml version="1.0" encoding="utf-8"?>
 <p:sld xmlns:a="http://schemas.openxmlformats.org/drawingml/2006/main" xmlns:r="http://schemas.openxmlformats.org/officeDocument/2006/relationships" xmlns:p="http://schemas.openxmlformats.org/presentationml/2006/main">
   <p:cSld>
     <p:spTree>
@@ -19445,7 +20566,7 @@
         <p:cNvPr id="1" name="">
           <a:extLst>
             <a:ext uri="{FF2B5EF4-FFF2-40B4-BE49-F238E27FC236}">
-              <a16:creationId xmlns:a16="http://schemas.microsoft.com/office/drawing/2014/main" xmlns="" id="{AAB85DF0-36CF-1901-9497-554C280CAD02}"/>
+              <a16:creationId xmlns:a16="http://schemas.microsoft.com/office/drawing/2014/main" id="{AAB85DF0-36CF-1901-9497-554C280CAD02}"/>
             </a:ext>
           </a:extLst>
         </p:cNvPr>
@@ -19465,7 +20586,7 @@
           <p:cNvPr id="12" name="TextBox 11">
             <a:extLst>
               <a:ext uri="{FF2B5EF4-FFF2-40B4-BE49-F238E27FC236}">
-                <a16:creationId xmlns:a16="http://schemas.microsoft.com/office/drawing/2014/main" xmlns="" id="{3E51FF15-48BA-3CFE-21FF-046D50407580}"/>
+                <a16:creationId xmlns:a16="http://schemas.microsoft.com/office/drawing/2014/main" id="{3E51FF15-48BA-3CFE-21FF-046D50407580}"/>
               </a:ext>
             </a:extLst>
           </p:cNvPr>
@@ -19556,7 +20677,7 @@
           <p:cNvPr id="14" name="TextBox 13">
             <a:extLst>
               <a:ext uri="{FF2B5EF4-FFF2-40B4-BE49-F238E27FC236}">
-                <a16:creationId xmlns:a16="http://schemas.microsoft.com/office/drawing/2014/main" xmlns="" id="{A73EBC51-8024-0F20-3E5F-97FBB4611FD7}"/>
+                <a16:creationId xmlns:a16="http://schemas.microsoft.com/office/drawing/2014/main" id="{A73EBC51-8024-0F20-3E5F-97FBB4611FD7}"/>
               </a:ext>
             </a:extLst>
           </p:cNvPr>
@@ -19628,7 +20749,7 @@
                 <a:tabLst/>
                 <a:defRPr/>
               </a:pPr>
-              <a:t>ថ្ងៃអាទិត្យ 16 មិនា 2025</a:t>
+              <a:t>ថ្ងៃសៅរ៍ 22 មិនា 2025</a:t>
             </a:fld>
             <a:endParaRPr kumimoji="0" lang="en-GB" sz="1800" b="0" i="0" u="none" strike="noStrike" kern="1200" cap="none" spc="0" normalizeH="0" baseline="0" noProof="0" dirty="0">
               <a:ln>
@@ -19652,7 +20773,7 @@
           <p:cNvPr id="16" name="TextBox 15">
             <a:extLst>
               <a:ext uri="{FF2B5EF4-FFF2-40B4-BE49-F238E27FC236}">
-                <a16:creationId xmlns:a16="http://schemas.microsoft.com/office/drawing/2014/main" xmlns="" id="{AEE5528B-7EC4-9BCE-6682-50369CCC191A}"/>
+                <a16:creationId xmlns:a16="http://schemas.microsoft.com/office/drawing/2014/main" id="{AEE5528B-7EC4-9BCE-6682-50369CCC191A}"/>
               </a:ext>
             </a:extLst>
           </p:cNvPr>
@@ -19731,7 +20852,7 @@
           <p:cNvPr id="4" name="TextBox 3">
             <a:extLst>
               <a:ext uri="{FF2B5EF4-FFF2-40B4-BE49-F238E27FC236}">
-                <a16:creationId xmlns:a16="http://schemas.microsoft.com/office/drawing/2014/main" xmlns="" id="{E9FDAB9F-4F0F-F8AF-50AB-A6F9017252FE}"/>
+                <a16:creationId xmlns:a16="http://schemas.microsoft.com/office/drawing/2014/main" id="{E9FDAB9F-4F0F-F8AF-50AB-A6F9017252FE}"/>
               </a:ext>
             </a:extLst>
           </p:cNvPr>
@@ -19904,7 +21025,7 @@
 </p:sld>
 </file>
 
-<file path=ppt/slides/slide32.xml><?xml version="1.0" encoding="utf-8"?>
+<file path=ppt/slides/slide39.xml><?xml version="1.0" encoding="utf-8"?>
 <p:sld xmlns:a="http://schemas.openxmlformats.org/drawingml/2006/main" xmlns:r="http://schemas.openxmlformats.org/officeDocument/2006/relationships" xmlns:p="http://schemas.openxmlformats.org/presentationml/2006/main">
   <p:cSld>
     <p:spTree>
@@ -19912,7 +21033,7 @@
         <p:cNvPr id="1" name="">
           <a:extLst>
             <a:ext uri="{FF2B5EF4-FFF2-40B4-BE49-F238E27FC236}">
-              <a16:creationId xmlns:a16="http://schemas.microsoft.com/office/drawing/2014/main" xmlns="" id="{8BC4697F-67E5-99E8-DAB9-3DFE2DAC43E0}"/>
+              <a16:creationId xmlns:a16="http://schemas.microsoft.com/office/drawing/2014/main" id="{8BC4697F-67E5-99E8-DAB9-3DFE2DAC43E0}"/>
             </a:ext>
           </a:extLst>
         </p:cNvPr>
@@ -19932,7 +21053,7 @@
           <p:cNvPr id="12" name="TextBox 11">
             <a:extLst>
               <a:ext uri="{FF2B5EF4-FFF2-40B4-BE49-F238E27FC236}">
-                <a16:creationId xmlns:a16="http://schemas.microsoft.com/office/drawing/2014/main" xmlns="" id="{2DF1AAE8-D86A-4723-232C-ED1E029AB1FE}"/>
+                <a16:creationId xmlns:a16="http://schemas.microsoft.com/office/drawing/2014/main" id="{2DF1AAE8-D86A-4723-232C-ED1E029AB1FE}"/>
               </a:ext>
             </a:extLst>
           </p:cNvPr>
@@ -20023,7 +21144,7 @@
           <p:cNvPr id="14" name="TextBox 13">
             <a:extLst>
               <a:ext uri="{FF2B5EF4-FFF2-40B4-BE49-F238E27FC236}">
-                <a16:creationId xmlns:a16="http://schemas.microsoft.com/office/drawing/2014/main" xmlns="" id="{992DF648-3D55-5C9F-F28F-DDCA2F7DD6A3}"/>
+                <a16:creationId xmlns:a16="http://schemas.microsoft.com/office/drawing/2014/main" id="{992DF648-3D55-5C9F-F28F-DDCA2F7DD6A3}"/>
               </a:ext>
             </a:extLst>
           </p:cNvPr>
@@ -20095,7 +21216,7 @@
                 <a:tabLst/>
                 <a:defRPr/>
               </a:pPr>
-              <a:t>ថ្ងៃអាទិត្យ 16 មិនា 2025</a:t>
+              <a:t>ថ្ងៃសៅរ៍ 22 មិនា 2025</a:t>
             </a:fld>
             <a:endParaRPr kumimoji="0" lang="en-GB" sz="1800" b="0" i="0" u="none" strike="noStrike" kern="1200" cap="none" spc="0" normalizeH="0" baseline="0" noProof="0" dirty="0">
               <a:ln>
@@ -20119,7 +21240,7 @@
           <p:cNvPr id="16" name="TextBox 15">
             <a:extLst>
               <a:ext uri="{FF2B5EF4-FFF2-40B4-BE49-F238E27FC236}">
-                <a16:creationId xmlns:a16="http://schemas.microsoft.com/office/drawing/2014/main" xmlns="" id="{BDC4EBCF-3013-3057-DA70-6F43556E01CA}"/>
+                <a16:creationId xmlns:a16="http://schemas.microsoft.com/office/drawing/2014/main" id="{BDC4EBCF-3013-3057-DA70-6F43556E01CA}"/>
               </a:ext>
             </a:extLst>
           </p:cNvPr>
@@ -20198,7 +21319,7 @@
           <p:cNvPr id="4" name="TextBox 3">
             <a:extLst>
               <a:ext uri="{FF2B5EF4-FFF2-40B4-BE49-F238E27FC236}">
-                <a16:creationId xmlns:a16="http://schemas.microsoft.com/office/drawing/2014/main" xmlns="" id="{7963BF87-0FEC-0DDC-D5AC-84A79444BA01}"/>
+                <a16:creationId xmlns:a16="http://schemas.microsoft.com/office/drawing/2014/main" id="{7963BF87-0FEC-0DDC-D5AC-84A79444BA01}"/>
               </a:ext>
             </a:extLst>
           </p:cNvPr>
@@ -20390,25 +21511,50 @@
       </p:grpSpPr>
       <p:sp>
         <p:nvSpPr>
-          <p:cNvPr id="2" name="Title 1"/>
-          <p:cNvSpPr>
-            <a:spLocks noGrp="1"/>
-          </p:cNvSpPr>
-          <p:nvPr>
-            <p:ph type="ctrTitle"/>
-          </p:nvPr>
+          <p:cNvPr id="3" name="Title 1">
+            <a:extLst>
+              <a:ext uri="{FF2B5EF4-FFF2-40B4-BE49-F238E27FC236}">
+                <a16:creationId xmlns:a16="http://schemas.microsoft.com/office/drawing/2014/main" id="{DC169B7B-9A12-B0D0-4C1C-5D8EB99B3464}"/>
+              </a:ext>
+            </a:extLst>
+          </p:cNvPr>
+          <p:cNvSpPr txBox="1">
+            <a:spLocks/>
+          </p:cNvSpPr>
+          <p:nvPr/>
         </p:nvSpPr>
         <p:spPr>
           <a:xfrm>
-            <a:off x="0" y="2692796"/>
+            <a:off x="152400" y="2845196"/>
             <a:ext cx="12192000" cy="1472408"/>
           </a:xfrm>
+          <a:prstGeom prst="rect">
+            <a:avLst/>
+          </a:prstGeom>
         </p:spPr>
         <p:txBody>
-          <a:bodyPr>
+          <a:bodyPr vert="horz" lIns="91440" tIns="45720" rIns="91440" bIns="45720" rtlCol="0" anchor="b">
             <a:normAutofit/>
           </a:bodyPr>
-          <a:lstStyle/>
+          <a:lstStyle>
+            <a:lvl1pPr algn="ctr" defTabSz="914400" rtl="0" eaLnBrk="1" latinLnBrk="0" hangingPunct="1">
+              <a:lnSpc>
+                <a:spcPct val="90000"/>
+              </a:lnSpc>
+              <a:spcBef>
+                <a:spcPct val="0"/>
+              </a:spcBef>
+              <a:buNone/>
+              <a:defRPr sz="6000" kern="1200">
+                <a:solidFill>
+                  <a:schemeClr val="tx1"/>
+                </a:solidFill>
+                <a:latin typeface="+mj-lt"/>
+                <a:ea typeface="+mj-ea"/>
+                <a:cs typeface="+mj-cs"/>
+              </a:defRPr>
+            </a:lvl1pPr>
+          </a:lstStyle>
           <a:p>
             <a:r>
               <a:rPr lang="km-KH" sz="7200" dirty="0">
@@ -20418,7 +21564,7 @@
                 <a:latin typeface="Khmer OS Niroth" panose="02000506000000020004" pitchFamily="2" charset="0"/>
                 <a:cs typeface="Khmer OS Niroth" panose="02000506000000020004" pitchFamily="2" charset="0"/>
               </a:rPr>
-              <a:t>មានតែជាប់នៅក្នុងក្តីស្រឡាញ់ព្រះ</a:t>
+              <a:t>ព្រះអម្ចាស់ទ្រង់ធ្វើការ</a:t>
             </a:r>
             <a:endParaRPr lang="en-US" sz="7200" dirty="0">
               <a:solidFill>
@@ -20433,25 +21579,13 @@
     </p:spTree>
     <p:extLst>
       <p:ext uri="{BB962C8B-B14F-4D97-AF65-F5344CB8AC3E}">
-        <p14:creationId xmlns:p14="http://schemas.microsoft.com/office/powerpoint/2010/main" val="3217924817"/>
+        <p14:creationId xmlns:p14="http://schemas.microsoft.com/office/powerpoint/2010/main" val="3662644410"/>
       </p:ext>
     </p:extLst>
   </p:cSld>
   <p:clrMapOvr>
     <a:masterClrMapping/>
   </p:clrMapOvr>
-  <mc:AlternateContent xmlns:mc="http://schemas.openxmlformats.org/markup-compatibility/2006" xmlns:p14="http://schemas.microsoft.com/office/powerpoint/2010/main">
-    <mc:Choice Requires="p14">
-      <p:transition spd="med" p14:dur="700">
-        <p:fade/>
-      </p:transition>
-    </mc:Choice>
-    <mc:Fallback xmlns="">
-      <p:transition spd="med">
-        <p:fade/>
-      </p:transition>
-    </mc:Fallback>
-  </mc:AlternateContent>
 </p:sld>
 </file>
 
@@ -20477,7 +21611,7 @@
           <p:cNvPr id="2" name="Title 1">
             <a:extLst>
               <a:ext uri="{FF2B5EF4-FFF2-40B4-BE49-F238E27FC236}">
-                <a16:creationId xmlns:a16="http://schemas.microsoft.com/office/drawing/2014/main" xmlns="" id="{B6EB6E9D-54A3-587B-C66C-BDED30DD4458}"/>
+                <a16:creationId xmlns:a16="http://schemas.microsoft.com/office/drawing/2014/main" id="{AAD4C3C8-F3FD-ECEF-E5AC-0FA049DA2516}"/>
               </a:ext>
             </a:extLst>
           </p:cNvPr>
@@ -20533,7 +21667,7 @@
                 <a:latin typeface="Krasar" panose="00000500000000000000" pitchFamily="2" charset="0"/>
                 <a:cs typeface="Krasar" panose="00000500000000000000" pitchFamily="2" charset="0"/>
               </a:rPr>
-              <a:t>មានតែជាប់ នៅ ក្នុងក្ដីស្រឡាញ់ព្រះ</a:t>
+              <a:t>ពេលព្រះអាទិត្យរះហើយលិច</a:t>
             </a:r>
           </a:p>
           <a:p>
@@ -20551,7 +21685,7 @@
                 <a:latin typeface="Krasar" panose="00000500000000000000" pitchFamily="2" charset="0"/>
                 <a:cs typeface="Krasar" panose="00000500000000000000" pitchFamily="2" charset="0"/>
               </a:rPr>
-              <a:t>វិញ្ញាណផងខ្ញុំ ច្រៀងឡើងដោយអំណរ</a:t>
+              <a:t>ពេលដែលខ្ញុំដើរក្នុងទីស្ងាត់</a:t>
             </a:r>
           </a:p>
           <a:p>
@@ -20569,25 +21703,7 @@
                 <a:latin typeface="Krasar" panose="00000500000000000000" pitchFamily="2" charset="0"/>
                 <a:cs typeface="Krasar" panose="00000500000000000000" pitchFamily="2" charset="0"/>
               </a:rPr>
-              <a:t>នៅលើភ្នំក្ដីសង្ឃឹម លើទឹកដីក្ដីអំណរ </a:t>
-            </a:r>
-          </a:p>
-          <a:p>
-            <a:pPr lvl="0" algn="ctr">
-              <a:lnSpc>
-                <a:spcPct val="150000"/>
-              </a:lnSpc>
-              <a:defRPr/>
-            </a:pPr>
-            <a:r>
-              <a:rPr lang="km-KH" dirty="0">
-                <a:solidFill>
-                  <a:prstClr val="white"/>
-                </a:solidFill>
-                <a:latin typeface="Krasar" panose="00000500000000000000" pitchFamily="2" charset="0"/>
-                <a:cs typeface="Krasar" panose="00000500000000000000" pitchFamily="2" charset="0"/>
-              </a:rPr>
-              <a:t>ខ្ញុំថ្វាយ ក្ដីស្រឡាញ់ទៅ ដល់ព្រះ</a:t>
+              <a:t>ពេលនោះហើយ ជាវេលា នៃព្រះ</a:t>
             </a:r>
           </a:p>
         </p:txBody>
@@ -20597,7 +21713,7 @@
           <p:cNvPr id="5" name="Date Placeholder 6">
             <a:extLst>
               <a:ext uri="{FF2B5EF4-FFF2-40B4-BE49-F238E27FC236}">
-                <a16:creationId xmlns:a16="http://schemas.microsoft.com/office/drawing/2014/main" xmlns="" id="{968F81BA-D120-487F-86D3-F8C7B941BFF3}"/>
+                <a16:creationId xmlns:a16="http://schemas.microsoft.com/office/drawing/2014/main" id="{968F81BA-D120-487F-86D3-F8C7B941BFF3}"/>
               </a:ext>
             </a:extLst>
           </p:cNvPr>
@@ -20618,73 +21734,17 @@
           <a:bodyPr/>
           <a:lstStyle/>
           <a:p>
-            <a:pPr marL="0" marR="0" lvl="0" indent="0" algn="ctr" defTabSz="457200" rtl="0" eaLnBrk="1" fontAlgn="auto" latinLnBrk="0" hangingPunct="1">
-              <a:lnSpc>
-                <a:spcPct val="100000"/>
-              </a:lnSpc>
-              <a:spcBef>
-                <a:spcPts val="0"/>
-              </a:spcBef>
-              <a:spcAft>
-                <a:spcPts val="0"/>
-              </a:spcAft>
-              <a:buClrTx/>
-              <a:buSzTx/>
-              <a:buFontTx/>
-              <a:buNone/>
-              <a:tabLst/>
-              <a:defRPr/>
-            </a:pPr>
+            <a:pPr algn="ctr"/>
             <a:fld id="{EA2BFC65-DA16-48C2-8A07-8A08C95D7600}" type="datetime2">
-              <a:rPr kumimoji="0" lang="km-KH" sz="1400" b="0" i="0" u="none" strike="noStrike" kern="1200" cap="none" spc="0" normalizeH="0" baseline="0" noProof="0" smtClean="0">
-                <a:ln>
-                  <a:noFill/>
-                </a:ln>
-                <a:solidFill>
-                  <a:prstClr val="white">
-                    <a:tint val="75000"/>
-                  </a:prstClr>
-                </a:solidFill>
-                <a:effectLst/>
-                <a:uLnTx/>
-                <a:uFillTx/>
+              <a:rPr lang="km-KH" sz="1400" smtClean="0">
                 <a:latin typeface="Krasar" panose="00000500000000000000" pitchFamily="2" charset="0"/>
-                <a:ea typeface="+mn-ea"/>
                 <a:cs typeface="Krasar" panose="00000500000000000000" pitchFamily="2" charset="0"/>
               </a:rPr>
-              <a:pPr marL="0" marR="0" lvl="0" indent="0" algn="ctr" defTabSz="457200" rtl="0" eaLnBrk="1" fontAlgn="auto" latinLnBrk="0" hangingPunct="1">
-                <a:lnSpc>
-                  <a:spcPct val="100000"/>
-                </a:lnSpc>
-                <a:spcBef>
-                  <a:spcPts val="0"/>
-                </a:spcBef>
-                <a:spcAft>
-                  <a:spcPts val="0"/>
-                </a:spcAft>
-                <a:buClrTx/>
-                <a:buSzTx/>
-                <a:buFontTx/>
-                <a:buNone/>
-                <a:tabLst/>
-                <a:defRPr/>
-              </a:pPr>
-              <a:t>ថ្ងៃអាទិត្យ 16 មិនា 2025</a:t>
+              <a:pPr algn="ctr"/>
+              <a:t>ថ្ងៃសៅរ៍ 22 មិនា 2025</a:t>
             </a:fld>
-            <a:endParaRPr kumimoji="0" lang="en-US" sz="1200" b="0" i="0" u="none" strike="noStrike" kern="1200" cap="none" spc="0" normalizeH="0" baseline="0" noProof="0" dirty="0">
-              <a:ln>
-                <a:noFill/>
-              </a:ln>
-              <a:solidFill>
-                <a:prstClr val="white">
-                  <a:tint val="75000"/>
-                </a:prstClr>
-              </a:solidFill>
-              <a:effectLst/>
-              <a:uLnTx/>
-              <a:uFillTx/>
+            <a:endParaRPr lang="en-US" dirty="0">
               <a:latin typeface="Krasar" panose="00000500000000000000" pitchFamily="2" charset="0"/>
-              <a:ea typeface="+mn-ea"/>
               <a:cs typeface="Krasar" panose="00000500000000000000" pitchFamily="2" charset="0"/>
             </a:endParaRPr>
           </a:p>
@@ -20695,7 +21755,7 @@
           <p:cNvPr id="6" name="Footer Placeholder 7">
             <a:extLst>
               <a:ext uri="{FF2B5EF4-FFF2-40B4-BE49-F238E27FC236}">
-                <a16:creationId xmlns:a16="http://schemas.microsoft.com/office/drawing/2014/main" xmlns="" id="{597A226A-BFCD-46DB-B224-45E1E4AE94DB}"/>
+                <a16:creationId xmlns:a16="http://schemas.microsoft.com/office/drawing/2014/main" id="{597A226A-BFCD-46DB-B224-45E1E4AE94DB}"/>
               </a:ext>
             </a:extLst>
           </p:cNvPr>
@@ -20716,52 +21776,21 @@
           <a:bodyPr/>
           <a:lstStyle/>
           <a:p>
-            <a:pPr marL="0" marR="0" lvl="0" indent="0" algn="ctr" defTabSz="457200" rtl="0" eaLnBrk="1" fontAlgn="auto" latinLnBrk="0" hangingPunct="1">
-              <a:lnSpc>
-                <a:spcPct val="100000"/>
-              </a:lnSpc>
-              <a:spcBef>
-                <a:spcPts val="0"/>
-              </a:spcBef>
-              <a:spcAft>
-                <a:spcPts val="0"/>
-              </a:spcAft>
-              <a:buClrTx/>
-              <a:buSzTx/>
-              <a:buFontTx/>
-              <a:buNone/>
-              <a:tabLst/>
-              <a:defRPr/>
-            </a:pPr>
-            <a:r>
-              <a:rPr kumimoji="0" lang="km-KH" sz="1600" b="0" i="0" u="none" strike="noStrike" kern="1200" cap="none" spc="0" normalizeH="0" baseline="0" noProof="0" dirty="0">
-                <a:ln>
-                  <a:noFill/>
-                </a:ln>
+            <a:r>
+              <a:rPr lang="km-KH" sz="1600" dirty="0">
                 <a:solidFill>
                   <a:srgbClr val="FFC000"/>
                 </a:solidFill>
-                <a:effectLst/>
-                <a:uLnTx/>
-                <a:uFillTx/>
                 <a:latin typeface="AKbalthom Moul 2" panose="02000500000000000000" pitchFamily="2" charset="0"/>
-                <a:ea typeface="+mn-ea"/>
                 <a:cs typeface="AKbalthom Moul 2" panose="02000500000000000000" pitchFamily="2" charset="0"/>
               </a:rPr>
               <a:t>សូមថ្វាយសិរីល្អដល់ព្រះ</a:t>
             </a:r>
-            <a:endParaRPr kumimoji="0" lang="en-US" sz="1600" b="0" i="0" u="none" strike="noStrike" kern="1200" cap="none" spc="0" normalizeH="0" baseline="0" noProof="0" dirty="0">
-              <a:ln>
-                <a:noFill/>
-              </a:ln>
+            <a:endParaRPr lang="en-US" sz="1600" dirty="0">
               <a:solidFill>
                 <a:srgbClr val="FFC000"/>
               </a:solidFill>
-              <a:effectLst/>
-              <a:uLnTx/>
-              <a:uFillTx/>
               <a:latin typeface="AKbalthom Moul 2" panose="02000500000000000000" pitchFamily="2" charset="0"/>
-              <a:ea typeface="+mn-ea"/>
               <a:cs typeface="AKbalthom Moul 2" panose="02000500000000000000" pitchFamily="2" charset="0"/>
             </a:endParaRPr>
           </a:p>
@@ -20770,20 +21799,20 @@
     </p:spTree>
     <p:extLst>
       <p:ext uri="{BB962C8B-B14F-4D97-AF65-F5344CB8AC3E}">
-        <p14:creationId xmlns:p14="http://schemas.microsoft.com/office/powerpoint/2010/main" val="4007523974"/>
+        <p14:creationId xmlns:p14="http://schemas.microsoft.com/office/powerpoint/2010/main" val="1903550882"/>
       </p:ext>
     </p:extLst>
   </p:cSld>
   <p:clrMapOvr>
     <a:masterClrMapping/>
   </p:clrMapOvr>
-  <mc:AlternateContent xmlns:mc="http://schemas.openxmlformats.org/markup-compatibility/2006" xmlns:p14="http://schemas.microsoft.com/office/powerpoint/2010/main">
-    <mc:Choice Requires="p14">
+  <mc:AlternateContent xmlns:mc="http://schemas.openxmlformats.org/markup-compatibility/2006">
+    <mc:Choice xmlns:p14="http://schemas.microsoft.com/office/powerpoint/2010/main" Requires="p14">
       <p:transition spd="med" p14:dur="700">
         <p:fade/>
       </p:transition>
     </mc:Choice>
-    <mc:Fallback xmlns="">
+    <mc:Fallback>
       <p:transition spd="med">
         <p:fade/>
       </p:transition>
@@ -20797,13 +21826,7 @@
   <p:cSld>
     <p:spTree>
       <p:nvGrpSpPr>
-        <p:cNvPr id="1" name="">
-          <a:extLst>
-            <a:ext uri="{FF2B5EF4-FFF2-40B4-BE49-F238E27FC236}">
-              <a16:creationId xmlns:a16="http://schemas.microsoft.com/office/drawing/2014/main" xmlns="" id="{47F7486A-6F82-83FC-68E4-BA4BE2403E0F}"/>
-            </a:ext>
-          </a:extLst>
-        </p:cNvPr>
+        <p:cNvPr id="1" name=""/>
         <p:cNvGrpSpPr/>
         <p:nvPr/>
       </p:nvGrpSpPr>
@@ -20817,10 +21840,98 @@
       </p:grpSpPr>
       <p:sp>
         <p:nvSpPr>
+          <p:cNvPr id="5" name="Date Placeholder 6">
+            <a:extLst>
+              <a:ext uri="{FF2B5EF4-FFF2-40B4-BE49-F238E27FC236}">
+                <a16:creationId xmlns:a16="http://schemas.microsoft.com/office/drawing/2014/main" id="{968F81BA-D120-487F-86D3-F8C7B941BFF3}"/>
+              </a:ext>
+            </a:extLst>
+          </p:cNvPr>
+          <p:cNvSpPr>
+            <a:spLocks noGrp="1"/>
+          </p:cNvSpPr>
+          <p:nvPr>
+            <p:ph type="dt" sz="half" idx="10"/>
+          </p:nvPr>
+        </p:nvSpPr>
+        <p:spPr>
+          <a:xfrm>
+            <a:off x="4724400" y="6499371"/>
+            <a:ext cx="2743200" cy="365125"/>
+          </a:xfrm>
+        </p:spPr>
+        <p:txBody>
+          <a:bodyPr/>
+          <a:lstStyle/>
+          <a:p>
+            <a:pPr algn="ctr"/>
+            <a:fld id="{EA2BFC65-DA16-48C2-8A07-8A08C95D7600}" type="datetime2">
+              <a:rPr lang="km-KH" sz="1400" smtClean="0">
+                <a:latin typeface="Krasar" panose="00000500000000000000" pitchFamily="2" charset="0"/>
+                <a:cs typeface="Krasar" panose="00000500000000000000" pitchFamily="2" charset="0"/>
+              </a:rPr>
+              <a:pPr algn="ctr"/>
+              <a:t>ថ្ងៃសៅរ៍ 22 មិនា 2025</a:t>
+            </a:fld>
+            <a:endParaRPr lang="en-US" dirty="0">
+              <a:latin typeface="Krasar" panose="00000500000000000000" pitchFamily="2" charset="0"/>
+              <a:cs typeface="Krasar" panose="00000500000000000000" pitchFamily="2" charset="0"/>
+            </a:endParaRPr>
+          </a:p>
+        </p:txBody>
+      </p:sp>
+      <p:sp>
+        <p:nvSpPr>
+          <p:cNvPr id="6" name="Footer Placeholder 7">
+            <a:extLst>
+              <a:ext uri="{FF2B5EF4-FFF2-40B4-BE49-F238E27FC236}">
+                <a16:creationId xmlns:a16="http://schemas.microsoft.com/office/drawing/2014/main" id="{597A226A-BFCD-46DB-B224-45E1E4AE94DB}"/>
+              </a:ext>
+            </a:extLst>
+          </p:cNvPr>
+          <p:cNvSpPr>
+            <a:spLocks noGrp="1"/>
+          </p:cNvSpPr>
+          <p:nvPr>
+            <p:ph type="ftr" sz="quarter" idx="11"/>
+          </p:nvPr>
+        </p:nvSpPr>
+        <p:spPr>
+          <a:xfrm>
+            <a:off x="4038600" y="0"/>
+            <a:ext cx="4114800" cy="365125"/>
+          </a:xfrm>
+        </p:spPr>
+        <p:txBody>
+          <a:bodyPr/>
+          <a:lstStyle/>
+          <a:p>
+            <a:r>
+              <a:rPr lang="km-KH" sz="1600" dirty="0">
+                <a:solidFill>
+                  <a:srgbClr val="FFC000"/>
+                </a:solidFill>
+                <a:latin typeface="AKbalthom Moul 2" panose="02000500000000000000" pitchFamily="2" charset="0"/>
+                <a:cs typeface="AKbalthom Moul 2" panose="02000500000000000000" pitchFamily="2" charset="0"/>
+              </a:rPr>
+              <a:t>សូមថ្វាយសិរីល្អដល់ព្រះ</a:t>
+            </a:r>
+            <a:endParaRPr lang="en-US" sz="1600" dirty="0">
+              <a:solidFill>
+                <a:srgbClr val="FFC000"/>
+              </a:solidFill>
+              <a:latin typeface="AKbalthom Moul 2" panose="02000500000000000000" pitchFamily="2" charset="0"/>
+              <a:cs typeface="AKbalthom Moul 2" panose="02000500000000000000" pitchFamily="2" charset="0"/>
+            </a:endParaRPr>
+          </a:p>
+        </p:txBody>
+      </p:sp>
+      <p:sp>
+        <p:nvSpPr>
           <p:cNvPr id="2" name="Title 1">
             <a:extLst>
               <a:ext uri="{FF2B5EF4-FFF2-40B4-BE49-F238E27FC236}">
-                <a16:creationId xmlns:a16="http://schemas.microsoft.com/office/drawing/2014/main" xmlns="" id="{D5C5A7BF-05EC-72A9-1E72-09F6BE786177}"/>
+                <a16:creationId xmlns:a16="http://schemas.microsoft.com/office/drawing/2014/main" id="{C68F6950-D178-AFA9-69EC-99C61C142FDE}"/>
               </a:ext>
             </a:extLst>
           </p:cNvPr>
@@ -20872,7 +21983,7 @@
                 <a:latin typeface="Krasar" panose="00000500000000000000" pitchFamily="2" charset="0"/>
                 <a:cs typeface="Krasar" panose="00000500000000000000" pitchFamily="2" charset="0"/>
               </a:rPr>
-              <a:t>មានតែជាប់ នៅ ក្នុងវត្តមានរបស់ព្រះ​</a:t>
+              <a:t>នៅពេលដែលខ្ញុំគ្មានកម្លាំង</a:t>
             </a:r>
           </a:p>
           <a:p>
@@ -20886,7 +21997,7 @@
                 <a:latin typeface="Krasar" panose="00000500000000000000" pitchFamily="2" charset="0"/>
                 <a:cs typeface="Krasar" panose="00000500000000000000" pitchFamily="2" charset="0"/>
               </a:rPr>
-              <a:t>វិញ្ញាណផងខ្ញុំ សរសើរដោយអំណរ </a:t>
+              <a:t>ពេលដែលខ្ញុំមិនមានអ្វីសោះ</a:t>
             </a:r>
           </a:p>
           <a:p>
@@ -20900,217 +22011,28 @@
                 <a:latin typeface="Krasar" panose="00000500000000000000" pitchFamily="2" charset="0"/>
                 <a:cs typeface="Krasar" panose="00000500000000000000" pitchFamily="2" charset="0"/>
               </a:rPr>
-              <a:t>នៅលើភ្នំនៃការហៅ លើទឹកដីដ៏បរិសុទ្ធ </a:t>
-            </a:r>
-          </a:p>
-          <a:p>
-            <a:pPr algn="ctr">
-              <a:lnSpc>
-                <a:spcPct val="150000"/>
-              </a:lnSpc>
-            </a:pPr>
-            <a:r>
-              <a:rPr lang="km-KH" sz="4400" dirty="0">
-                <a:latin typeface="Krasar" panose="00000500000000000000" pitchFamily="2" charset="0"/>
-                <a:cs typeface="Krasar" panose="00000500000000000000" pitchFamily="2" charset="0"/>
-              </a:rPr>
-              <a:t>ខ្ញុំថ្វាយបង្គំតែទៅដល់ព្រះ</a:t>
-            </a:r>
-          </a:p>
-        </p:txBody>
-      </p:sp>
-      <p:sp>
-        <p:nvSpPr>
-          <p:cNvPr id="5" name="Date Placeholder 6">
-            <a:extLst>
-              <a:ext uri="{FF2B5EF4-FFF2-40B4-BE49-F238E27FC236}">
-                <a16:creationId xmlns:a16="http://schemas.microsoft.com/office/drawing/2014/main" xmlns="" id="{095DEF21-E6CC-87EF-749F-6D01B49BCC46}"/>
-              </a:ext>
-            </a:extLst>
-          </p:cNvPr>
-          <p:cNvSpPr>
-            <a:spLocks noGrp="1"/>
-          </p:cNvSpPr>
-          <p:nvPr>
-            <p:ph type="dt" sz="half" idx="10"/>
-          </p:nvPr>
-        </p:nvSpPr>
-        <p:spPr>
-          <a:xfrm>
-            <a:off x="4724400" y="6499371"/>
-            <a:ext cx="2743200" cy="365125"/>
-          </a:xfrm>
-        </p:spPr>
-        <p:txBody>
-          <a:bodyPr/>
-          <a:lstStyle/>
-          <a:p>
-            <a:pPr marL="0" marR="0" lvl="0" indent="0" algn="ctr" defTabSz="457200" rtl="0" eaLnBrk="1" fontAlgn="auto" latinLnBrk="0" hangingPunct="1">
-              <a:lnSpc>
-                <a:spcPct val="100000"/>
-              </a:lnSpc>
-              <a:spcBef>
-                <a:spcPts val="0"/>
-              </a:spcBef>
-              <a:spcAft>
-                <a:spcPts val="0"/>
-              </a:spcAft>
-              <a:buClrTx/>
-              <a:buSzTx/>
-              <a:buFontTx/>
-              <a:buNone/>
-              <a:tabLst/>
-              <a:defRPr/>
-            </a:pPr>
-            <a:fld id="{EA2BFC65-DA16-48C2-8A07-8A08C95D7600}" type="datetime2">
-              <a:rPr kumimoji="0" lang="km-KH" sz="1400" b="0" i="0" u="none" strike="noStrike" kern="1200" cap="none" spc="0" normalizeH="0" baseline="0" noProof="0" smtClean="0">
-                <a:ln>
-                  <a:noFill/>
-                </a:ln>
-                <a:solidFill>
-                  <a:prstClr val="white">
-                    <a:tint val="75000"/>
-                  </a:prstClr>
-                </a:solidFill>
-                <a:effectLst/>
-                <a:uLnTx/>
-                <a:uFillTx/>
-                <a:latin typeface="Krasar" panose="00000500000000000000" pitchFamily="2" charset="0"/>
-                <a:ea typeface="+mn-ea"/>
-                <a:cs typeface="Krasar" panose="00000500000000000000" pitchFamily="2" charset="0"/>
-              </a:rPr>
-              <a:pPr marL="0" marR="0" lvl="0" indent="0" algn="ctr" defTabSz="457200" rtl="0" eaLnBrk="1" fontAlgn="auto" latinLnBrk="0" hangingPunct="1">
-                <a:lnSpc>
-                  <a:spcPct val="100000"/>
-                </a:lnSpc>
-                <a:spcBef>
-                  <a:spcPts val="0"/>
-                </a:spcBef>
-                <a:spcAft>
-                  <a:spcPts val="0"/>
-                </a:spcAft>
-                <a:buClrTx/>
-                <a:buSzTx/>
-                <a:buFontTx/>
-                <a:buNone/>
-                <a:tabLst/>
-                <a:defRPr/>
-              </a:pPr>
-              <a:t>ថ្ងៃអាទិត្យ 16 មិនា 2025</a:t>
-            </a:fld>
-            <a:endParaRPr kumimoji="0" lang="en-US" sz="1200" b="0" i="0" u="none" strike="noStrike" kern="1200" cap="none" spc="0" normalizeH="0" baseline="0" noProof="0" dirty="0">
-              <a:ln>
-                <a:noFill/>
-              </a:ln>
-              <a:solidFill>
-                <a:prstClr val="white">
-                  <a:tint val="75000"/>
-                </a:prstClr>
-              </a:solidFill>
-              <a:effectLst/>
-              <a:uLnTx/>
-              <a:uFillTx/>
-              <a:latin typeface="Krasar" panose="00000500000000000000" pitchFamily="2" charset="0"/>
-              <a:ea typeface="+mn-ea"/>
-              <a:cs typeface="Krasar" panose="00000500000000000000" pitchFamily="2" charset="0"/>
-            </a:endParaRPr>
-          </a:p>
-        </p:txBody>
-      </p:sp>
-      <p:sp>
-        <p:nvSpPr>
-          <p:cNvPr id="6" name="Footer Placeholder 7">
-            <a:extLst>
-              <a:ext uri="{FF2B5EF4-FFF2-40B4-BE49-F238E27FC236}">
-                <a16:creationId xmlns:a16="http://schemas.microsoft.com/office/drawing/2014/main" xmlns="" id="{1812454B-F214-88F2-0B26-68D5EE628326}"/>
-              </a:ext>
-            </a:extLst>
-          </p:cNvPr>
-          <p:cNvSpPr>
-            <a:spLocks noGrp="1"/>
-          </p:cNvSpPr>
-          <p:nvPr>
-            <p:ph type="ftr" sz="quarter" idx="11"/>
-          </p:nvPr>
-        </p:nvSpPr>
-        <p:spPr>
-          <a:xfrm>
-            <a:off x="4038600" y="0"/>
-            <a:ext cx="4114800" cy="365125"/>
-          </a:xfrm>
-        </p:spPr>
-        <p:txBody>
-          <a:bodyPr/>
-          <a:lstStyle/>
-          <a:p>
-            <a:pPr marL="0" marR="0" lvl="0" indent="0" algn="ctr" defTabSz="457200" rtl="0" eaLnBrk="1" fontAlgn="auto" latinLnBrk="0" hangingPunct="1">
-              <a:lnSpc>
-                <a:spcPct val="100000"/>
-              </a:lnSpc>
-              <a:spcBef>
-                <a:spcPts val="0"/>
-              </a:spcBef>
-              <a:spcAft>
-                <a:spcPts val="0"/>
-              </a:spcAft>
-              <a:buClrTx/>
-              <a:buSzTx/>
-              <a:buFontTx/>
-              <a:buNone/>
-              <a:tabLst/>
-              <a:defRPr/>
-            </a:pPr>
-            <a:r>
-              <a:rPr kumimoji="0" lang="km-KH" sz="1600" b="0" i="0" u="none" strike="noStrike" kern="1200" cap="none" spc="0" normalizeH="0" baseline="0" noProof="0" dirty="0">
-                <a:ln>
-                  <a:noFill/>
-                </a:ln>
-                <a:solidFill>
-                  <a:srgbClr val="FFC000"/>
-                </a:solidFill>
-                <a:effectLst/>
-                <a:uLnTx/>
-                <a:uFillTx/>
-                <a:latin typeface="AKbalthom Moul 2" panose="02000500000000000000" pitchFamily="2" charset="0"/>
-                <a:ea typeface="+mn-ea"/>
-                <a:cs typeface="AKbalthom Moul 2" panose="02000500000000000000" pitchFamily="2" charset="0"/>
-              </a:rPr>
-              <a:t>សូមថ្វាយសិរីល្អដល់ព្រះ</a:t>
-            </a:r>
-            <a:endParaRPr kumimoji="0" lang="en-US" sz="1600" b="0" i="0" u="none" strike="noStrike" kern="1200" cap="none" spc="0" normalizeH="0" baseline="0" noProof="0" dirty="0">
-              <a:ln>
-                <a:noFill/>
-              </a:ln>
-              <a:solidFill>
-                <a:srgbClr val="FFC000"/>
-              </a:solidFill>
-              <a:effectLst/>
-              <a:uLnTx/>
-              <a:uFillTx/>
-              <a:latin typeface="AKbalthom Moul 2" panose="02000500000000000000" pitchFamily="2" charset="0"/>
-              <a:ea typeface="+mn-ea"/>
-              <a:cs typeface="AKbalthom Moul 2" panose="02000500000000000000" pitchFamily="2" charset="0"/>
-            </a:endParaRPr>
+              <a:t>នោះខ្ញុំសារភាពថា យេហូវ៉ា យីរេ</a:t>
+            </a:r>
           </a:p>
         </p:txBody>
       </p:sp>
     </p:spTree>
     <p:extLst>
       <p:ext uri="{BB962C8B-B14F-4D97-AF65-F5344CB8AC3E}">
-        <p14:creationId xmlns:p14="http://schemas.microsoft.com/office/powerpoint/2010/main" val="927618031"/>
+        <p14:creationId xmlns:p14="http://schemas.microsoft.com/office/powerpoint/2010/main" val="3596388188"/>
       </p:ext>
     </p:extLst>
   </p:cSld>
   <p:clrMapOvr>
     <a:masterClrMapping/>
   </p:clrMapOvr>
-  <mc:AlternateContent xmlns:mc="http://schemas.openxmlformats.org/markup-compatibility/2006" xmlns:p14="http://schemas.microsoft.com/office/powerpoint/2010/main">
-    <mc:Choice Requires="p14">
+  <mc:AlternateContent xmlns:mc="http://schemas.openxmlformats.org/markup-compatibility/2006">
+    <mc:Choice xmlns:p14="http://schemas.microsoft.com/office/powerpoint/2010/main" Requires="p14">
       <p:transition spd="med" p14:dur="700">
         <p:fade/>
       </p:transition>
     </mc:Choice>
-    <mc:Fallback xmlns="">
+    <mc:Fallback>
       <p:transition spd="med">
         <p:fade/>
       </p:transition>
@@ -21124,13 +22046,7 @@
   <p:cSld>
     <p:spTree>
       <p:nvGrpSpPr>
-        <p:cNvPr id="1" name="">
-          <a:extLst>
-            <a:ext uri="{FF2B5EF4-FFF2-40B4-BE49-F238E27FC236}">
-              <a16:creationId xmlns:a16="http://schemas.microsoft.com/office/drawing/2014/main" xmlns="" id="{DAD52AAE-DA44-C89B-2605-53C725A00678}"/>
-            </a:ext>
-          </a:extLst>
-        </p:cNvPr>
+        <p:cNvPr id="1" name=""/>
         <p:cNvGrpSpPr/>
         <p:nvPr/>
       </p:nvGrpSpPr>
@@ -21144,10 +22060,98 @@
       </p:grpSpPr>
       <p:sp>
         <p:nvSpPr>
+          <p:cNvPr id="5" name="Date Placeholder 6">
+            <a:extLst>
+              <a:ext uri="{FF2B5EF4-FFF2-40B4-BE49-F238E27FC236}">
+                <a16:creationId xmlns:a16="http://schemas.microsoft.com/office/drawing/2014/main" id="{968F81BA-D120-487F-86D3-F8C7B941BFF3}"/>
+              </a:ext>
+            </a:extLst>
+          </p:cNvPr>
+          <p:cNvSpPr>
+            <a:spLocks noGrp="1"/>
+          </p:cNvSpPr>
+          <p:nvPr>
+            <p:ph type="dt" sz="half" idx="10"/>
+          </p:nvPr>
+        </p:nvSpPr>
+        <p:spPr>
+          <a:xfrm>
+            <a:off x="4724400" y="6499371"/>
+            <a:ext cx="2743200" cy="365125"/>
+          </a:xfrm>
+        </p:spPr>
+        <p:txBody>
+          <a:bodyPr/>
+          <a:lstStyle/>
+          <a:p>
+            <a:pPr algn="ctr"/>
+            <a:fld id="{EA2BFC65-DA16-48C2-8A07-8A08C95D7600}" type="datetime2">
+              <a:rPr lang="km-KH" sz="1400" smtClean="0">
+                <a:latin typeface="Krasar" panose="00000500000000000000" pitchFamily="2" charset="0"/>
+                <a:cs typeface="Krasar" panose="00000500000000000000" pitchFamily="2" charset="0"/>
+              </a:rPr>
+              <a:pPr algn="ctr"/>
+              <a:t>ថ្ងៃសៅរ៍ 22 មិនា 2025</a:t>
+            </a:fld>
+            <a:endParaRPr lang="en-US" dirty="0">
+              <a:latin typeface="Krasar" panose="00000500000000000000" pitchFamily="2" charset="0"/>
+              <a:cs typeface="Krasar" panose="00000500000000000000" pitchFamily="2" charset="0"/>
+            </a:endParaRPr>
+          </a:p>
+        </p:txBody>
+      </p:sp>
+      <p:sp>
+        <p:nvSpPr>
+          <p:cNvPr id="6" name="Footer Placeholder 7">
+            <a:extLst>
+              <a:ext uri="{FF2B5EF4-FFF2-40B4-BE49-F238E27FC236}">
+                <a16:creationId xmlns:a16="http://schemas.microsoft.com/office/drawing/2014/main" id="{597A226A-BFCD-46DB-B224-45E1E4AE94DB}"/>
+              </a:ext>
+            </a:extLst>
+          </p:cNvPr>
+          <p:cNvSpPr>
+            <a:spLocks noGrp="1"/>
+          </p:cNvSpPr>
+          <p:nvPr>
+            <p:ph type="ftr" sz="quarter" idx="11"/>
+          </p:nvPr>
+        </p:nvSpPr>
+        <p:spPr>
+          <a:xfrm>
+            <a:off x="4038600" y="0"/>
+            <a:ext cx="4114800" cy="365125"/>
+          </a:xfrm>
+        </p:spPr>
+        <p:txBody>
+          <a:bodyPr/>
+          <a:lstStyle/>
+          <a:p>
+            <a:r>
+              <a:rPr lang="km-KH" sz="1600" dirty="0">
+                <a:solidFill>
+                  <a:srgbClr val="FFC000"/>
+                </a:solidFill>
+                <a:latin typeface="AKbalthom Moul 2" panose="02000500000000000000" pitchFamily="2" charset="0"/>
+                <a:cs typeface="AKbalthom Moul 2" panose="02000500000000000000" pitchFamily="2" charset="0"/>
+              </a:rPr>
+              <a:t>សូមថ្វាយសិរីល្អដល់ព្រះ</a:t>
+            </a:r>
+            <a:endParaRPr lang="en-US" sz="1600" dirty="0">
+              <a:solidFill>
+                <a:srgbClr val="FFC000"/>
+              </a:solidFill>
+              <a:latin typeface="AKbalthom Moul 2" panose="02000500000000000000" pitchFamily="2" charset="0"/>
+              <a:cs typeface="AKbalthom Moul 2" panose="02000500000000000000" pitchFamily="2" charset="0"/>
+            </a:endParaRPr>
+          </a:p>
+        </p:txBody>
+      </p:sp>
+      <p:sp>
+        <p:nvSpPr>
           <p:cNvPr id="2" name="Title 1">
             <a:extLst>
               <a:ext uri="{FF2B5EF4-FFF2-40B4-BE49-F238E27FC236}">
-                <a16:creationId xmlns:a16="http://schemas.microsoft.com/office/drawing/2014/main" xmlns="" id="{2DA532BC-3718-5CB6-6F80-E840C5E305C2}"/>
+                <a16:creationId xmlns:a16="http://schemas.microsoft.com/office/drawing/2014/main" id="{734A4430-D0A5-496F-435D-7C95985B450C}"/>
               </a:ext>
             </a:extLst>
           </p:cNvPr>
@@ -21199,7 +22203,7 @@
                 <a:latin typeface="Krasar" panose="00000500000000000000" pitchFamily="2" charset="0"/>
                 <a:cs typeface="Krasar" panose="00000500000000000000" pitchFamily="2" charset="0"/>
               </a:rPr>
-              <a:t>គ្រប់ទាំងព្រះ គុណដែលទ្រង់បានប្រទាន</a:t>
+              <a:t>ព្រះអម្ចាស់ ទ្រង់ធ្វើការ ព្រះអម្ចាស់ ទ្រង់ធ្វើការ</a:t>
             </a:r>
           </a:p>
           <a:p>
@@ -21213,231 +22217,28 @@
                 <a:latin typeface="Krasar" panose="00000500000000000000" pitchFamily="2" charset="0"/>
                 <a:cs typeface="Krasar" panose="00000500000000000000" pitchFamily="2" charset="0"/>
               </a:rPr>
-              <a:t>ខ្ញុំមិន អាចថ្លែងឱ្យអស់បាន</a:t>
-            </a:r>
-          </a:p>
-          <a:p>
-            <a:pPr algn="ctr">
-              <a:lnSpc>
-                <a:spcPct val="150000"/>
-              </a:lnSpc>
-            </a:pPr>
-            <a:r>
-              <a:rPr lang="km-KH" sz="4400" dirty="0">
-                <a:latin typeface="Krasar" panose="00000500000000000000" pitchFamily="2" charset="0"/>
-                <a:cs typeface="Krasar" panose="00000500000000000000" pitchFamily="2" charset="0"/>
-              </a:rPr>
-              <a:t>វិញ្ញាណខ្ញុំ ចង់ដើរតាម ព្រះអម្ចាស់ដោយអំណរ</a:t>
-            </a:r>
-          </a:p>
-          <a:p>
-            <a:pPr algn="ctr">
-              <a:lnSpc>
-                <a:spcPct val="150000"/>
-              </a:lnSpc>
-            </a:pPr>
-            <a:r>
-              <a:rPr lang="km-KH" sz="4400" dirty="0">
-                <a:latin typeface="Krasar" panose="00000500000000000000" pitchFamily="2" charset="0"/>
-                <a:cs typeface="Krasar" panose="00000500000000000000" pitchFamily="2" charset="0"/>
-              </a:rPr>
-              <a:t>ខ្ញុំថ្វាយជីវិតខ្ញុំទៅដល់ព្រះ</a:t>
-            </a:r>
-          </a:p>
-        </p:txBody>
-      </p:sp>
-      <p:sp>
-        <p:nvSpPr>
-          <p:cNvPr id="5" name="Date Placeholder 6">
-            <a:extLst>
-              <a:ext uri="{FF2B5EF4-FFF2-40B4-BE49-F238E27FC236}">
-                <a16:creationId xmlns:a16="http://schemas.microsoft.com/office/drawing/2014/main" xmlns="" id="{7E4442EA-9542-546C-E4AA-9D64D1CD8A55}"/>
-              </a:ext>
-            </a:extLst>
-          </p:cNvPr>
-          <p:cNvSpPr>
-            <a:spLocks noGrp="1"/>
-          </p:cNvSpPr>
-          <p:nvPr>
-            <p:ph type="dt" sz="half" idx="10"/>
-          </p:nvPr>
-        </p:nvSpPr>
-        <p:spPr>
-          <a:xfrm>
-            <a:off x="4724400" y="6499371"/>
-            <a:ext cx="2743200" cy="365125"/>
-          </a:xfrm>
-        </p:spPr>
-        <p:txBody>
-          <a:bodyPr/>
-          <a:lstStyle/>
-          <a:p>
-            <a:pPr marL="0" marR="0" lvl="0" indent="0" algn="ctr" defTabSz="457200" rtl="0" eaLnBrk="1" fontAlgn="auto" latinLnBrk="0" hangingPunct="1">
-              <a:lnSpc>
-                <a:spcPct val="100000"/>
-              </a:lnSpc>
-              <a:spcBef>
-                <a:spcPts val="0"/>
-              </a:spcBef>
-              <a:spcAft>
-                <a:spcPts val="0"/>
-              </a:spcAft>
-              <a:buClrTx/>
-              <a:buSzTx/>
-              <a:buFontTx/>
-              <a:buNone/>
-              <a:tabLst/>
-              <a:defRPr/>
-            </a:pPr>
-            <a:fld id="{EA2BFC65-DA16-48C2-8A07-8A08C95D7600}" type="datetime2">
-              <a:rPr kumimoji="0" lang="km-KH" sz="1400" b="0" i="0" u="none" strike="noStrike" kern="1200" cap="none" spc="0" normalizeH="0" baseline="0" noProof="0" smtClean="0">
-                <a:ln>
-                  <a:noFill/>
-                </a:ln>
-                <a:solidFill>
-                  <a:prstClr val="white">
-                    <a:tint val="75000"/>
-                  </a:prstClr>
-                </a:solidFill>
-                <a:effectLst/>
-                <a:uLnTx/>
-                <a:uFillTx/>
-                <a:latin typeface="Krasar" panose="00000500000000000000" pitchFamily="2" charset="0"/>
-                <a:ea typeface="+mn-ea"/>
-                <a:cs typeface="Krasar" panose="00000500000000000000" pitchFamily="2" charset="0"/>
-              </a:rPr>
-              <a:pPr marL="0" marR="0" lvl="0" indent="0" algn="ctr" defTabSz="457200" rtl="0" eaLnBrk="1" fontAlgn="auto" latinLnBrk="0" hangingPunct="1">
-                <a:lnSpc>
-                  <a:spcPct val="100000"/>
-                </a:lnSpc>
-                <a:spcBef>
-                  <a:spcPts val="0"/>
-                </a:spcBef>
-                <a:spcAft>
-                  <a:spcPts val="0"/>
-                </a:spcAft>
-                <a:buClrTx/>
-                <a:buSzTx/>
-                <a:buFontTx/>
-                <a:buNone/>
-                <a:tabLst/>
-                <a:defRPr/>
-              </a:pPr>
-              <a:t>ថ្ងៃអាទិត្យ 16 មិនា 2025</a:t>
-            </a:fld>
-            <a:endParaRPr kumimoji="0" lang="en-US" sz="1200" b="0" i="0" u="none" strike="noStrike" kern="1200" cap="none" spc="0" normalizeH="0" baseline="0" noProof="0" dirty="0">
-              <a:ln>
-                <a:noFill/>
-              </a:ln>
-              <a:solidFill>
-                <a:prstClr val="white">
-                  <a:tint val="75000"/>
-                </a:prstClr>
-              </a:solidFill>
-              <a:effectLst/>
-              <a:uLnTx/>
-              <a:uFillTx/>
-              <a:latin typeface="Krasar" panose="00000500000000000000" pitchFamily="2" charset="0"/>
-              <a:ea typeface="+mn-ea"/>
-              <a:cs typeface="Krasar" panose="00000500000000000000" pitchFamily="2" charset="0"/>
-            </a:endParaRPr>
-          </a:p>
-        </p:txBody>
-      </p:sp>
-      <p:sp>
-        <p:nvSpPr>
-          <p:cNvPr id="6" name="Footer Placeholder 7">
-            <a:extLst>
-              <a:ext uri="{FF2B5EF4-FFF2-40B4-BE49-F238E27FC236}">
-                <a16:creationId xmlns:a16="http://schemas.microsoft.com/office/drawing/2014/main" xmlns="" id="{569E6F53-A743-4482-A545-BE95872F1D9C}"/>
-              </a:ext>
-            </a:extLst>
-          </p:cNvPr>
-          <p:cNvSpPr>
-            <a:spLocks noGrp="1"/>
-          </p:cNvSpPr>
-          <p:nvPr>
-            <p:ph type="ftr" sz="quarter" idx="11"/>
-          </p:nvPr>
-        </p:nvSpPr>
-        <p:spPr>
-          <a:xfrm>
-            <a:off x="4038600" y="0"/>
-            <a:ext cx="4114800" cy="365125"/>
-          </a:xfrm>
-        </p:spPr>
-        <p:txBody>
-          <a:bodyPr/>
-          <a:lstStyle/>
-          <a:p>
-            <a:pPr marL="0" marR="0" lvl="0" indent="0" algn="ctr" defTabSz="457200" rtl="0" eaLnBrk="1" fontAlgn="auto" latinLnBrk="0" hangingPunct="1">
-              <a:lnSpc>
-                <a:spcPct val="100000"/>
-              </a:lnSpc>
-              <a:spcBef>
-                <a:spcPts val="0"/>
-              </a:spcBef>
-              <a:spcAft>
-                <a:spcPts val="0"/>
-              </a:spcAft>
-              <a:buClrTx/>
-              <a:buSzTx/>
-              <a:buFontTx/>
-              <a:buNone/>
-              <a:tabLst/>
-              <a:defRPr/>
-            </a:pPr>
-            <a:r>
-              <a:rPr kumimoji="0" lang="km-KH" sz="1600" b="0" i="0" u="none" strike="noStrike" kern="1200" cap="none" spc="0" normalizeH="0" baseline="0" noProof="0" dirty="0">
-                <a:ln>
-                  <a:noFill/>
-                </a:ln>
-                <a:solidFill>
-                  <a:srgbClr val="FFC000"/>
-                </a:solidFill>
-                <a:effectLst/>
-                <a:uLnTx/>
-                <a:uFillTx/>
-                <a:latin typeface="AKbalthom Moul 2" panose="02000500000000000000" pitchFamily="2" charset="0"/>
-                <a:ea typeface="+mn-ea"/>
-                <a:cs typeface="AKbalthom Moul 2" panose="02000500000000000000" pitchFamily="2" charset="0"/>
-              </a:rPr>
-              <a:t>សូមថ្វាយសិរីល្អដល់ព្រះ</a:t>
-            </a:r>
-            <a:endParaRPr kumimoji="0" lang="en-US" sz="1600" b="0" i="0" u="none" strike="noStrike" kern="1200" cap="none" spc="0" normalizeH="0" baseline="0" noProof="0" dirty="0">
-              <a:ln>
-                <a:noFill/>
-              </a:ln>
-              <a:solidFill>
-                <a:srgbClr val="FFC000"/>
-              </a:solidFill>
-              <a:effectLst/>
-              <a:uLnTx/>
-              <a:uFillTx/>
-              <a:latin typeface="AKbalthom Moul 2" panose="02000500000000000000" pitchFamily="2" charset="0"/>
-              <a:ea typeface="+mn-ea"/>
-              <a:cs typeface="AKbalthom Moul 2" panose="02000500000000000000" pitchFamily="2" charset="0"/>
-            </a:endParaRPr>
+              <a:t>ដល់អ្នកដែលថ្វាយគ្រប់ទាំងអស់ដល់ព្រះអង្គ</a:t>
+            </a:r>
           </a:p>
         </p:txBody>
       </p:sp>
     </p:spTree>
     <p:extLst>
       <p:ext uri="{BB962C8B-B14F-4D97-AF65-F5344CB8AC3E}">
-        <p14:creationId xmlns:p14="http://schemas.microsoft.com/office/powerpoint/2010/main" val="3663002606"/>
+        <p14:creationId xmlns:p14="http://schemas.microsoft.com/office/powerpoint/2010/main" val="339480239"/>
       </p:ext>
     </p:extLst>
   </p:cSld>
   <p:clrMapOvr>
     <a:masterClrMapping/>
   </p:clrMapOvr>
-  <mc:AlternateContent xmlns:mc="http://schemas.openxmlformats.org/markup-compatibility/2006" xmlns:p14="http://schemas.microsoft.com/office/powerpoint/2010/main">
-    <mc:Choice Requires="p14">
+  <mc:AlternateContent xmlns:mc="http://schemas.openxmlformats.org/markup-compatibility/2006">
+    <mc:Choice xmlns:p14="http://schemas.microsoft.com/office/powerpoint/2010/main" Requires="p14">
       <p:transition spd="med" p14:dur="700">
         <p:fade/>
       </p:transition>
     </mc:Choice>
-    <mc:Fallback xmlns="">
+    <mc:Fallback>
       <p:transition spd="med">
         <p:fade/>
       </p:transition>
@@ -21465,56 +22266,204 @@
       </p:grpSpPr>
       <p:sp>
         <p:nvSpPr>
-          <p:cNvPr id="2" name="Title 1"/>
+          <p:cNvPr id="5" name="Date Placeholder 6">
+            <a:extLst>
+              <a:ext uri="{FF2B5EF4-FFF2-40B4-BE49-F238E27FC236}">
+                <a16:creationId xmlns:a16="http://schemas.microsoft.com/office/drawing/2014/main" id="{968F81BA-D120-487F-86D3-F8C7B941BFF3}"/>
+              </a:ext>
+            </a:extLst>
+          </p:cNvPr>
           <p:cNvSpPr>
             <a:spLocks noGrp="1"/>
           </p:cNvSpPr>
           <p:nvPr>
-            <p:ph type="ctrTitle"/>
+            <p:ph type="dt" sz="half" idx="10"/>
           </p:nvPr>
         </p:nvSpPr>
         <p:spPr>
           <a:xfrm>
-            <a:off x="0" y="2692796"/>
-            <a:ext cx="12192000" cy="1472408"/>
+            <a:off x="4724400" y="6499371"/>
+            <a:ext cx="2743200" cy="365125"/>
           </a:xfrm>
         </p:spPr>
         <p:txBody>
-          <a:bodyPr>
-            <a:normAutofit/>
-          </a:bodyPr>
-          <a:lstStyle/>
-          <a:p>
-            <a:r>
-              <a:rPr lang="km-KH" sz="7200" dirty="0">
+          <a:bodyPr/>
+          <a:lstStyle/>
+          <a:p>
+            <a:pPr algn="ctr"/>
+            <a:fld id="{EA2BFC65-DA16-48C2-8A07-8A08C95D7600}" type="datetime2">
+              <a:rPr lang="km-KH" sz="1400" smtClean="0">
+                <a:latin typeface="Krasar" panose="00000500000000000000" pitchFamily="2" charset="0"/>
+                <a:cs typeface="Krasar" panose="00000500000000000000" pitchFamily="2" charset="0"/>
+              </a:rPr>
+              <a:pPr algn="ctr"/>
+              <a:t>ថ្ងៃសៅរ៍ 22 មិនា 2025</a:t>
+            </a:fld>
+            <a:endParaRPr lang="en-US" dirty="0">
+              <a:latin typeface="Krasar" panose="00000500000000000000" pitchFamily="2" charset="0"/>
+              <a:cs typeface="Krasar" panose="00000500000000000000" pitchFamily="2" charset="0"/>
+            </a:endParaRPr>
+          </a:p>
+        </p:txBody>
+      </p:sp>
+      <p:sp>
+        <p:nvSpPr>
+          <p:cNvPr id="6" name="Footer Placeholder 7">
+            <a:extLst>
+              <a:ext uri="{FF2B5EF4-FFF2-40B4-BE49-F238E27FC236}">
+                <a16:creationId xmlns:a16="http://schemas.microsoft.com/office/drawing/2014/main" id="{597A226A-BFCD-46DB-B224-45E1E4AE94DB}"/>
+              </a:ext>
+            </a:extLst>
+          </p:cNvPr>
+          <p:cNvSpPr>
+            <a:spLocks noGrp="1"/>
+          </p:cNvSpPr>
+          <p:nvPr>
+            <p:ph type="ftr" sz="quarter" idx="11"/>
+          </p:nvPr>
+        </p:nvSpPr>
+        <p:spPr>
+          <a:xfrm>
+            <a:off x="4038600" y="0"/>
+            <a:ext cx="4114800" cy="365125"/>
+          </a:xfrm>
+        </p:spPr>
+        <p:txBody>
+          <a:bodyPr/>
+          <a:lstStyle/>
+          <a:p>
+            <a:r>
+              <a:rPr lang="km-KH" sz="1600" dirty="0">
                 <a:solidFill>
                   <a:srgbClr val="FFC000"/>
                 </a:solidFill>
-                <a:latin typeface="Khmer OS Niroth" panose="02000506000000020004" pitchFamily="2" charset="0"/>
-                <a:cs typeface="Khmer OS Niroth" panose="02000506000000020004" pitchFamily="2" charset="0"/>
+                <a:latin typeface="AKbalthom Moul 2" panose="02000500000000000000" pitchFamily="2" charset="0"/>
+                <a:cs typeface="AKbalthom Moul 2" panose="02000500000000000000" pitchFamily="2" charset="0"/>
               </a:rPr>
-              <a:t>ទ្រង់គិតដល់ខ្ញុំ</a:t>
-            </a:r>
-            <a:endParaRPr lang="en-US" sz="7200" dirty="0">
+              <a:t>សូមថ្វាយសិរីល្អដល់ព្រះ</a:t>
+            </a:r>
+            <a:endParaRPr lang="en-US" sz="1600" dirty="0">
               <a:solidFill>
                 <a:srgbClr val="FFC000"/>
               </a:solidFill>
-              <a:latin typeface="Khmer OS Niroth" panose="02000506000000020004" pitchFamily="2" charset="0"/>
-              <a:cs typeface="Khmer OS Niroth" panose="02000506000000020004" pitchFamily="2" charset="0"/>
+              <a:latin typeface="AKbalthom Moul 2" panose="02000500000000000000" pitchFamily="2" charset="0"/>
+              <a:cs typeface="AKbalthom Moul 2" panose="02000500000000000000" pitchFamily="2" charset="0"/>
             </a:endParaRPr>
+          </a:p>
+        </p:txBody>
+      </p:sp>
+      <p:sp>
+        <p:nvSpPr>
+          <p:cNvPr id="2" name="Title 1">
+            <a:extLst>
+              <a:ext uri="{FF2B5EF4-FFF2-40B4-BE49-F238E27FC236}">
+                <a16:creationId xmlns:a16="http://schemas.microsoft.com/office/drawing/2014/main" id="{24E08688-4E33-2EFF-23D8-6E566D554191}"/>
+              </a:ext>
+            </a:extLst>
+          </p:cNvPr>
+          <p:cNvSpPr txBox="1">
+            <a:spLocks/>
+          </p:cNvSpPr>
+          <p:nvPr/>
+        </p:nvSpPr>
+        <p:spPr>
+          <a:xfrm>
+            <a:off x="0" y="324465"/>
+            <a:ext cx="12192000" cy="6209070"/>
+          </a:xfrm>
+          <a:prstGeom prst="rect">
+            <a:avLst/>
+          </a:prstGeom>
+        </p:spPr>
+        <p:txBody>
+          <a:bodyPr vert="horz" lIns="91440" tIns="45720" rIns="91440" bIns="45720" rtlCol="0" anchor="ctr">
+            <a:noAutofit/>
+          </a:bodyPr>
+          <a:lstStyle>
+            <a:lvl1pPr algn="l" defTabSz="914400" rtl="0" eaLnBrk="1" latinLnBrk="0" hangingPunct="1">
+              <a:lnSpc>
+                <a:spcPct val="90000"/>
+              </a:lnSpc>
+              <a:spcBef>
+                <a:spcPct val="0"/>
+              </a:spcBef>
+              <a:buNone/>
+              <a:defRPr sz="4400" kern="1200">
+                <a:solidFill>
+                  <a:schemeClr val="tx1"/>
+                </a:solidFill>
+                <a:latin typeface="+mj-lt"/>
+                <a:ea typeface="+mj-ea"/>
+                <a:cs typeface="+mj-cs"/>
+              </a:defRPr>
+            </a:lvl1pPr>
+          </a:lstStyle>
+          <a:p>
+            <a:pPr algn="ctr">
+              <a:lnSpc>
+                <a:spcPct val="150000"/>
+              </a:lnSpc>
+            </a:pPr>
+            <a:r>
+              <a:rPr lang="km-KH" sz="4400" dirty="0">
+                <a:latin typeface="Krasar" panose="00000500000000000000" pitchFamily="2" charset="0"/>
+                <a:cs typeface="Krasar" panose="00000500000000000000" pitchFamily="2" charset="0"/>
+              </a:rPr>
+              <a:t>ព្រះអម្ចាស់ ទ្រង់ធ្វើការ ព្រះអម្ចាស់ ទ្រង់ធ្វើការ</a:t>
+            </a:r>
+          </a:p>
+          <a:p>
+            <a:pPr algn="ctr">
+              <a:lnSpc>
+                <a:spcPct val="150000"/>
+              </a:lnSpc>
+            </a:pPr>
+            <a:r>
+              <a:rPr lang="km-KH" sz="4400" dirty="0">
+                <a:latin typeface="Krasar" panose="00000500000000000000" pitchFamily="2" charset="0"/>
+                <a:cs typeface="Krasar" panose="00000500000000000000" pitchFamily="2" charset="0"/>
+              </a:rPr>
+              <a:t>ដល់អ្នកណាដែលដើរដោយក្តី</a:t>
+            </a:r>
+            <a:r>
+              <a:rPr lang="en-US" sz="4400" dirty="0">
+                <a:latin typeface="Krasar" panose="00000500000000000000" pitchFamily="2" charset="0"/>
+                <a:cs typeface="Krasar" panose="00000500000000000000" pitchFamily="2" charset="0"/>
+              </a:rPr>
+              <a:t> </a:t>
+            </a:r>
+            <a:r>
+              <a:rPr lang="km-KH" sz="4400" dirty="0">
+                <a:latin typeface="Krasar" panose="00000500000000000000" pitchFamily="2" charset="0"/>
+                <a:cs typeface="Krasar" panose="00000500000000000000" pitchFamily="2" charset="0"/>
+              </a:rPr>
+              <a:t>ជំនឿ</a:t>
+            </a:r>
           </a:p>
         </p:txBody>
       </p:sp>
     </p:spTree>
     <p:extLst>
       <p:ext uri="{BB962C8B-B14F-4D97-AF65-F5344CB8AC3E}">
-        <p14:creationId xmlns:p14="http://schemas.microsoft.com/office/powerpoint/2010/main" val="3662644410"/>
+        <p14:creationId xmlns:p14="http://schemas.microsoft.com/office/powerpoint/2010/main" val="338334752"/>
       </p:ext>
     </p:extLst>
   </p:cSld>
   <p:clrMapOvr>
     <a:masterClrMapping/>
   </p:clrMapOvr>
+  <mc:AlternateContent xmlns:mc="http://schemas.openxmlformats.org/markup-compatibility/2006">
+    <mc:Choice xmlns:p14="http://schemas.microsoft.com/office/powerpoint/2010/main" Requires="p14">
+      <p:transition spd="med" p14:dur="700">
+        <p:fade/>
+      </p:transition>
+    </mc:Choice>
+    <mc:Fallback>
+      <p:transition spd="med">
+        <p:fade/>
+      </p:transition>
+    </mc:Fallback>
+  </mc:AlternateContent>
 </p:sld>
 </file>
 
@@ -21537,88 +22486,10 @@
       </p:grpSpPr>
       <p:sp>
         <p:nvSpPr>
-          <p:cNvPr id="4" name="Rectangle 3"/>
-          <p:cNvSpPr/>
-          <p:nvPr/>
-        </p:nvSpPr>
-        <p:spPr>
-          <a:xfrm>
-            <a:off x="0" y="1393827"/>
-            <a:ext cx="12192000" cy="4070345"/>
-          </a:xfrm>
-          <a:prstGeom prst="rect">
-            <a:avLst/>
-          </a:prstGeom>
-        </p:spPr>
-        <p:txBody>
-          <a:bodyPr wrap="square">
-            <a:spAutoFit/>
-          </a:bodyPr>
-          <a:lstStyle/>
-          <a:p>
-            <a:pPr algn="ctr">
-              <a:lnSpc>
-                <a:spcPct val="150000"/>
-              </a:lnSpc>
-            </a:pPr>
-            <a:r>
-              <a:rPr lang="km-KH" sz="4400" dirty="0">
-                <a:latin typeface="Krasar" panose="00000500000000000000" pitchFamily="2" charset="0"/>
-                <a:cs typeface="Krasar" panose="00000500000000000000" pitchFamily="2" charset="0"/>
-              </a:rPr>
-              <a:t>ទោះបីខ្ញុំធ្លាក់ចុះ ខ្ញុំនឹងក្រោកឡើងម្តងទៀត</a:t>
-            </a:r>
-          </a:p>
-          <a:p>
-            <a:pPr algn="ctr">
-              <a:lnSpc>
-                <a:spcPct val="150000"/>
-              </a:lnSpc>
-            </a:pPr>
-            <a:r>
-              <a:rPr lang="km-KH" sz="4400" dirty="0">
-                <a:latin typeface="Krasar" panose="00000500000000000000" pitchFamily="2" charset="0"/>
-                <a:cs typeface="Krasar" panose="00000500000000000000" pitchFamily="2" charset="0"/>
-              </a:rPr>
-              <a:t>ទោះកាលៈទេសៈអ្វី ខ្ញុំនឹងឈរមាំ</a:t>
-            </a:r>
-          </a:p>
-          <a:p>
-            <a:pPr algn="ctr">
-              <a:lnSpc>
-                <a:spcPct val="150000"/>
-              </a:lnSpc>
-            </a:pPr>
-            <a:r>
-              <a:rPr lang="km-KH" sz="4400" dirty="0">
-                <a:latin typeface="Krasar" panose="00000500000000000000" pitchFamily="2" charset="0"/>
-                <a:cs typeface="Krasar" panose="00000500000000000000" pitchFamily="2" charset="0"/>
-              </a:rPr>
-              <a:t>ទោះបីខ្ញុំធ្លាក់ខ្សោយ ទ្រង់ឱ្យកម្លាំងដល់ខ្ញុំ</a:t>
-            </a:r>
-          </a:p>
-          <a:p>
-            <a:pPr algn="ctr">
-              <a:lnSpc>
-                <a:spcPct val="150000"/>
-              </a:lnSpc>
-            </a:pPr>
-            <a:r>
-              <a:rPr lang="km-KH" sz="4400" dirty="0">
-                <a:latin typeface="Krasar" panose="00000500000000000000" pitchFamily="2" charset="0"/>
-                <a:cs typeface="Krasar" panose="00000500000000000000" pitchFamily="2" charset="0"/>
-              </a:rPr>
-              <a:t>ព្រោះព្រះអង្គ ទ្រង់ស្រឡាញ់ខ្ញុំណាស់</a:t>
-            </a:r>
-          </a:p>
-        </p:txBody>
-      </p:sp>
-      <p:sp>
-        <p:nvSpPr>
           <p:cNvPr id="5" name="Date Placeholder 6">
             <a:extLst>
               <a:ext uri="{FF2B5EF4-FFF2-40B4-BE49-F238E27FC236}">
-                <a16:creationId xmlns:a16="http://schemas.microsoft.com/office/drawing/2014/main" xmlns="" id="{968F81BA-D120-487F-86D3-F8C7B941BFF3}"/>
+                <a16:creationId xmlns:a16="http://schemas.microsoft.com/office/drawing/2014/main" id="{968F81BA-D120-487F-86D3-F8C7B941BFF3}"/>
               </a:ext>
             </a:extLst>
           </p:cNvPr>
@@ -21646,7 +22517,7 @@
                 <a:cs typeface="Krasar" panose="00000500000000000000" pitchFamily="2" charset="0"/>
               </a:rPr>
               <a:pPr algn="ctr"/>
-              <a:t>ថ្ងៃអាទិត្យ 16 មិនា 2025</a:t>
+              <a:t>ថ្ងៃសៅរ៍ 22 មិនា 2025</a:t>
             </a:fld>
             <a:endParaRPr lang="en-US" dirty="0">
               <a:latin typeface="Krasar" panose="00000500000000000000" pitchFamily="2" charset="0"/>
@@ -21660,7 +22531,7 @@
           <p:cNvPr id="6" name="Footer Placeholder 7">
             <a:extLst>
               <a:ext uri="{FF2B5EF4-FFF2-40B4-BE49-F238E27FC236}">
-                <a16:creationId xmlns:a16="http://schemas.microsoft.com/office/drawing/2014/main" xmlns="" id="{597A226A-BFCD-46DB-B224-45E1E4AE94DB}"/>
+                <a16:creationId xmlns:a16="http://schemas.microsoft.com/office/drawing/2014/main" id="{597A226A-BFCD-46DB-B224-45E1E4AE94DB}"/>
               </a:ext>
             </a:extLst>
           </p:cNvPr>
@@ -21701,16 +22572,118 @@
           </a:p>
         </p:txBody>
       </p:sp>
+      <p:sp>
+        <p:nvSpPr>
+          <p:cNvPr id="2" name="Title 1">
+            <a:extLst>
+              <a:ext uri="{FF2B5EF4-FFF2-40B4-BE49-F238E27FC236}">
+                <a16:creationId xmlns:a16="http://schemas.microsoft.com/office/drawing/2014/main" id="{9B590333-BF16-3975-28FF-14F0272F52B8}"/>
+              </a:ext>
+            </a:extLst>
+          </p:cNvPr>
+          <p:cNvSpPr txBox="1">
+            <a:spLocks/>
+          </p:cNvSpPr>
+          <p:nvPr/>
+        </p:nvSpPr>
+        <p:spPr>
+          <a:xfrm>
+            <a:off x="0" y="324465"/>
+            <a:ext cx="12192000" cy="6209070"/>
+          </a:xfrm>
+          <a:prstGeom prst="rect">
+            <a:avLst/>
+          </a:prstGeom>
+        </p:spPr>
+        <p:txBody>
+          <a:bodyPr vert="horz" lIns="91440" tIns="45720" rIns="91440" bIns="45720" rtlCol="0" anchor="ctr">
+            <a:noAutofit/>
+          </a:bodyPr>
+          <a:lstStyle>
+            <a:lvl1pPr algn="l" defTabSz="914400" rtl="0" eaLnBrk="1" latinLnBrk="0" hangingPunct="1">
+              <a:lnSpc>
+                <a:spcPct val="90000"/>
+              </a:lnSpc>
+              <a:spcBef>
+                <a:spcPct val="0"/>
+              </a:spcBef>
+              <a:buNone/>
+              <a:defRPr sz="4400" kern="1200">
+                <a:solidFill>
+                  <a:schemeClr val="tx1"/>
+                </a:solidFill>
+                <a:latin typeface="+mj-lt"/>
+                <a:ea typeface="+mj-ea"/>
+                <a:cs typeface="+mj-cs"/>
+              </a:defRPr>
+            </a:lvl1pPr>
+          </a:lstStyle>
+          <a:p>
+            <a:pPr algn="ctr">
+              <a:lnSpc>
+                <a:spcPct val="150000"/>
+              </a:lnSpc>
+            </a:pPr>
+            <a:r>
+              <a:rPr lang="km-KH" sz="4400" dirty="0">
+                <a:latin typeface="Krasar" panose="00000500000000000000" pitchFamily="2" charset="0"/>
+                <a:cs typeface="Krasar" panose="00000500000000000000" pitchFamily="2" charset="0"/>
+              </a:rPr>
+              <a:t>ពេលដែលយើងក្រាបថ្វាយបង្គំ</a:t>
+            </a:r>
+          </a:p>
+          <a:p>
+            <a:pPr algn="ctr">
+              <a:lnSpc>
+                <a:spcPct val="150000"/>
+              </a:lnSpc>
+            </a:pPr>
+            <a:r>
+              <a:rPr lang="km-KH" sz="4400" dirty="0">
+                <a:latin typeface="Krasar" panose="00000500000000000000" pitchFamily="2" charset="0"/>
+                <a:cs typeface="Krasar" panose="00000500000000000000" pitchFamily="2" charset="0"/>
+              </a:rPr>
+              <a:t>គឺជាពេលព្រះអង្គគង់នៅ</a:t>
+            </a:r>
+          </a:p>
+          <a:p>
+            <a:pPr algn="ctr">
+              <a:lnSpc>
+                <a:spcPct val="150000"/>
+              </a:lnSpc>
+            </a:pPr>
+            <a:r>
+              <a:rPr lang="km-KH" sz="4400" dirty="0">
+                <a:latin typeface="Krasar" panose="00000500000000000000" pitchFamily="2" charset="0"/>
+                <a:cs typeface="Krasar" panose="00000500000000000000" pitchFamily="2" charset="0"/>
+              </a:rPr>
+              <a:t>ពោរពេញដោយព្រះគុណនៃព្រះអង្គ</a:t>
+            </a:r>
+          </a:p>
+        </p:txBody>
+      </p:sp>
     </p:spTree>
     <p:extLst>
       <p:ext uri="{BB962C8B-B14F-4D97-AF65-F5344CB8AC3E}">
-        <p14:creationId xmlns:p14="http://schemas.microsoft.com/office/powerpoint/2010/main" val="1903550882"/>
+        <p14:creationId xmlns:p14="http://schemas.microsoft.com/office/powerpoint/2010/main" val="3951124005"/>
       </p:ext>
     </p:extLst>
   </p:cSld>
   <p:clrMapOvr>
     <a:masterClrMapping/>
   </p:clrMapOvr>
+  <mc:AlternateContent xmlns:mc="http://schemas.openxmlformats.org/markup-compatibility/2006">
+    <mc:Choice xmlns:p14="http://schemas.microsoft.com/office/powerpoint/2010/main" Requires="p14">
+      <p:transition spd="med" p14:dur="700">
+        <p:fade/>
+      </p:transition>
+    </mc:Choice>
+    <mc:Fallback>
+      <p:transition spd="med">
+        <p:fade/>
+      </p:transition>
+    </mc:Fallback>
+  </mc:AlternateContent>
 </p:sld>
 </file>
 

--- a/Youth Worship.pptx
+++ b/Youth Worship.pptx
@@ -3,54 +3,49 @@
 <p:presentation xmlns:a="http://schemas.openxmlformats.org/drawingml/2006/main" xmlns:r="http://schemas.openxmlformats.org/officeDocument/2006/relationships" xmlns:p="http://schemas.openxmlformats.org/presentationml/2006/main" saveSubsetFonts="1" autoCompressPictures="0">
   <p:sldMasterIdLst>
     <p:sldMasterId id="2147483648" r:id="rId1"/>
-    <p:sldMasterId id="2147483670" r:id="rId2"/>
+    <p:sldMasterId id="2147483658" r:id="rId2"/>
   </p:sldMasterIdLst>
   <p:notesMasterIdLst>
-    <p:notesMasterId r:id="rId42"/>
+    <p:notesMasterId r:id="rId37"/>
   </p:notesMasterIdLst>
   <p:handoutMasterIdLst>
-    <p:handoutMasterId r:id="rId43"/>
+    <p:handoutMasterId r:id="rId38"/>
   </p:handoutMasterIdLst>
   <p:sldIdLst>
     <p:sldId id="257" r:id="rId3"/>
     <p:sldId id="648" r:id="rId4"/>
     <p:sldId id="545" r:id="rId5"/>
     <p:sldId id="256" r:id="rId6"/>
-    <p:sldId id="696" r:id="rId7"/>
-    <p:sldId id="697" r:id="rId8"/>
-    <p:sldId id="265" r:id="rId9"/>
-    <p:sldId id="266" r:id="rId10"/>
-    <p:sldId id="267" r:id="rId11"/>
-    <p:sldId id="268" r:id="rId12"/>
-    <p:sldId id="271" r:id="rId13"/>
-    <p:sldId id="272" r:id="rId14"/>
-    <p:sldId id="698" r:id="rId15"/>
-    <p:sldId id="699" r:id="rId16"/>
-    <p:sldId id="700" r:id="rId17"/>
-    <p:sldId id="701" r:id="rId18"/>
-    <p:sldId id="702" r:id="rId19"/>
-    <p:sldId id="273" r:id="rId20"/>
-    <p:sldId id="631" r:id="rId21"/>
-    <p:sldId id="275" r:id="rId22"/>
-    <p:sldId id="685" r:id="rId23"/>
-    <p:sldId id="686" r:id="rId24"/>
-    <p:sldId id="687" r:id="rId25"/>
-    <p:sldId id="688" r:id="rId26"/>
-    <p:sldId id="689" r:id="rId27"/>
-    <p:sldId id="278" r:id="rId28"/>
-    <p:sldId id="283" r:id="rId29"/>
-    <p:sldId id="314" r:id="rId30"/>
-    <p:sldId id="315" r:id="rId31"/>
-    <p:sldId id="285" r:id="rId32"/>
-    <p:sldId id="284" r:id="rId33"/>
-    <p:sldId id="276" r:id="rId34"/>
-    <p:sldId id="258" r:id="rId35"/>
-    <p:sldId id="259" r:id="rId36"/>
-    <p:sldId id="260" r:id="rId37"/>
-    <p:sldId id="261" r:id="rId38"/>
-    <p:sldId id="262" r:id="rId39"/>
-    <p:sldId id="263" r:id="rId40"/>
-    <p:sldId id="264" r:id="rId41"/>
+    <p:sldId id="649" r:id="rId7"/>
+    <p:sldId id="650" r:id="rId8"/>
+    <p:sldId id="690" r:id="rId9"/>
+    <p:sldId id="691" r:id="rId10"/>
+    <p:sldId id="692" r:id="rId11"/>
+    <p:sldId id="693" r:id="rId12"/>
+    <p:sldId id="694" r:id="rId13"/>
+    <p:sldId id="695" r:id="rId14"/>
+    <p:sldId id="273" r:id="rId15"/>
+    <p:sldId id="631" r:id="rId16"/>
+    <p:sldId id="275" r:id="rId17"/>
+    <p:sldId id="685" r:id="rId18"/>
+    <p:sldId id="686" r:id="rId19"/>
+    <p:sldId id="687" r:id="rId20"/>
+    <p:sldId id="688" r:id="rId21"/>
+    <p:sldId id="689" r:id="rId22"/>
+    <p:sldId id="278" r:id="rId23"/>
+    <p:sldId id="283" r:id="rId24"/>
+    <p:sldId id="314" r:id="rId25"/>
+    <p:sldId id="315" r:id="rId26"/>
+    <p:sldId id="285" r:id="rId27"/>
+    <p:sldId id="284" r:id="rId28"/>
+    <p:sldId id="276" r:id="rId29"/>
+    <p:sldId id="258" r:id="rId30"/>
+    <p:sldId id="259" r:id="rId31"/>
+    <p:sldId id="260" r:id="rId32"/>
+    <p:sldId id="261" r:id="rId33"/>
+    <p:sldId id="262" r:id="rId34"/>
+    <p:sldId id="263" r:id="rId35"/>
+    <p:sldId id="264" r:id="rId36"/>
   </p:sldIdLst>
   <p:sldSz cx="12192000" cy="6858000"/>
   <p:notesSz cx="6858000" cy="9144000"/>
@@ -256,7 +251,7 @@
             <a:pPr rtl="0"/>
             <a:fld id="{02BF9A1E-D4FA-4D99-9C56-E1586EBD836E}" type="datetime1">
               <a:rPr lang="en-GB" smtClean="0"/>
-              <a:t>22/03/2025</a:t>
+              <a:t>28/03/2025</a:t>
             </a:fld>
             <a:endParaRPr lang="en-GB"/>
           </a:p>
@@ -438,7 +433,7 @@
             <a:pPr rtl="0"/>
             <a:fld id="{9811EB5D-B7E7-453B-8D6E-6B5653024C96}" type="datetime1">
               <a:rPr lang="en-GB" noProof="0" smtClean="0"/>
-              <a:t>22/03/2025</a:t>
+              <a:t>28/03/2025</a:t>
             </a:fld>
             <a:endParaRPr lang="en-GB" noProof="0"/>
           </a:p>
@@ -882,18 +877,78 @@
           <a:bodyPr/>
           <a:lstStyle/>
           <a:p>
+            <a:pPr marL="0" marR="0" lvl="0" indent="0" algn="r" defTabSz="914400" rtl="0" eaLnBrk="1" fontAlgn="auto" latinLnBrk="0" hangingPunct="1">
+              <a:lnSpc>
+                <a:spcPct val="100000"/>
+              </a:lnSpc>
+              <a:spcBef>
+                <a:spcPts val="0"/>
+              </a:spcBef>
+              <a:spcAft>
+                <a:spcPts val="0"/>
+              </a:spcAft>
+              <a:buClrTx/>
+              <a:buSzTx/>
+              <a:buFontTx/>
+              <a:buNone/>
+              <a:tabLst/>
+              <a:defRPr/>
+            </a:pPr>
             <a:fld id="{29FD0DB3-546B-4F1D-861A-BFC44BF53FF8}" type="slidenum">
-              <a:rPr lang="en-US" smtClean="0"/>
+              <a:rPr kumimoji="0" lang="en-US" sz="1200" b="0" i="0" u="none" strike="noStrike" kern="1200" cap="none" spc="0" normalizeH="0" baseline="0" noProof="0" smtClean="0">
+                <a:ln>
+                  <a:noFill/>
+                </a:ln>
+                <a:solidFill>
+                  <a:prstClr val="black"/>
+                </a:solidFill>
+                <a:effectLst/>
+                <a:uLnTx/>
+                <a:uFillTx/>
+                <a:latin typeface="Calibri" panose="020F0502020204030204"/>
+                <a:ea typeface="+mn-ea"/>
+                <a:cs typeface="+mn-cs"/>
+              </a:rPr>
+              <a:pPr marL="0" marR="0" lvl="0" indent="0" algn="r" defTabSz="914400" rtl="0" eaLnBrk="1" fontAlgn="auto" latinLnBrk="0" hangingPunct="1">
+                <a:lnSpc>
+                  <a:spcPct val="100000"/>
+                </a:lnSpc>
+                <a:spcBef>
+                  <a:spcPts val="0"/>
+                </a:spcBef>
+                <a:spcAft>
+                  <a:spcPts val="0"/>
+                </a:spcAft>
+                <a:buClrTx/>
+                <a:buSzTx/>
+                <a:buFontTx/>
+                <a:buNone/>
+                <a:tabLst/>
+                <a:defRPr/>
+              </a:pPr>
               <a:t>10</a:t>
             </a:fld>
-            <a:endParaRPr lang="en-US"/>
+            <a:endParaRPr kumimoji="0" lang="en-US" sz="1200" b="0" i="0" u="none" strike="noStrike" kern="1200" cap="none" spc="0" normalizeH="0" baseline="0" noProof="0">
+              <a:ln>
+                <a:noFill/>
+              </a:ln>
+              <a:solidFill>
+                <a:prstClr val="black"/>
+              </a:solidFill>
+              <a:effectLst/>
+              <a:uLnTx/>
+              <a:uFillTx/>
+              <a:latin typeface="Calibri" panose="020F0502020204030204"/>
+              <a:ea typeface="+mn-ea"/>
+              <a:cs typeface="+mn-cs"/>
+            </a:endParaRPr>
           </a:p>
         </p:txBody>
       </p:sp>
     </p:spTree>
     <p:extLst>
       <p:ext uri="{BB962C8B-B14F-4D97-AF65-F5344CB8AC3E}">
-        <p14:creationId xmlns:p14="http://schemas.microsoft.com/office/powerpoint/2010/main" val="449901940"/>
+        <p14:creationId xmlns:p14="http://schemas.microsoft.com/office/powerpoint/2010/main" val="3914211736"/>
       </p:ext>
     </p:extLst>
   </p:cSld>
@@ -911,7 +966,7 @@
         <p:cNvPr id="1" name="">
           <a:extLst>
             <a:ext uri="{FF2B5EF4-FFF2-40B4-BE49-F238E27FC236}">
-              <a16:creationId xmlns:a16="http://schemas.microsoft.com/office/drawing/2014/main" id="{769F87B7-CA45-4FBF-2672-6ED9F35A9215}"/>
+              <a16:creationId xmlns:a16="http://schemas.microsoft.com/office/drawing/2014/main" id="{6B7B32FB-9398-180D-A45B-7C5AFC7609AD}"/>
             </a:ext>
           </a:extLst>
         </p:cNvPr>
@@ -931,7 +986,7 @@
           <p:cNvPr id="2" name="Slide Image Placeholder 1">
             <a:extLst>
               <a:ext uri="{FF2B5EF4-FFF2-40B4-BE49-F238E27FC236}">
-                <a16:creationId xmlns:a16="http://schemas.microsoft.com/office/drawing/2014/main" id="{EACD101B-9DC6-9510-9A3C-47A9FB856B56}"/>
+                <a16:creationId xmlns:a16="http://schemas.microsoft.com/office/drawing/2014/main" id="{6BC2B6DC-5467-59EC-5187-5A1BA5A7FD9B}"/>
               </a:ext>
             </a:extLst>
           </p:cNvPr>
@@ -949,7 +1004,7 @@
           <p:cNvPr id="3" name="Notes Placeholder 2">
             <a:extLst>
               <a:ext uri="{FF2B5EF4-FFF2-40B4-BE49-F238E27FC236}">
-                <a16:creationId xmlns:a16="http://schemas.microsoft.com/office/drawing/2014/main" id="{DE93122B-3346-C4DC-0CF2-178CAA254206}"/>
+                <a16:creationId xmlns:a16="http://schemas.microsoft.com/office/drawing/2014/main" id="{BE40483A-CB7D-9549-71CB-4F2A821BD13E}"/>
               </a:ext>
             </a:extLst>
           </p:cNvPr>
@@ -974,7 +1029,7 @@
           <p:cNvPr id="4" name="Slide Number Placeholder 3">
             <a:extLst>
               <a:ext uri="{FF2B5EF4-FFF2-40B4-BE49-F238E27FC236}">
-                <a16:creationId xmlns:a16="http://schemas.microsoft.com/office/drawing/2014/main" id="{87A264A7-6446-3DBF-CBC8-DDC399ED5CA6}"/>
+                <a16:creationId xmlns:a16="http://schemas.microsoft.com/office/drawing/2014/main" id="{13247C74-AC22-C01E-1FE7-DF4858058338}"/>
               </a:ext>
             </a:extLst>
           </p:cNvPr>
@@ -990,18 +1045,78 @@
           <a:bodyPr/>
           <a:lstStyle/>
           <a:p>
+            <a:pPr marL="0" marR="0" lvl="0" indent="0" algn="r" defTabSz="914400" rtl="0" eaLnBrk="1" fontAlgn="auto" latinLnBrk="0" hangingPunct="1">
+              <a:lnSpc>
+                <a:spcPct val="100000"/>
+              </a:lnSpc>
+              <a:spcBef>
+                <a:spcPts val="0"/>
+              </a:spcBef>
+              <a:spcAft>
+                <a:spcPts val="0"/>
+              </a:spcAft>
+              <a:buClrTx/>
+              <a:buSzTx/>
+              <a:buFontTx/>
+              <a:buNone/>
+              <a:tabLst/>
+              <a:defRPr/>
+            </a:pPr>
             <a:fld id="{29FD0DB3-546B-4F1D-861A-BFC44BF53FF8}" type="slidenum">
-              <a:rPr lang="en-US" smtClean="0"/>
+              <a:rPr kumimoji="0" lang="en-US" sz="1200" b="0" i="0" u="none" strike="noStrike" kern="1200" cap="none" spc="0" normalizeH="0" baseline="0" noProof="0" smtClean="0">
+                <a:ln>
+                  <a:noFill/>
+                </a:ln>
+                <a:solidFill>
+                  <a:prstClr val="black"/>
+                </a:solidFill>
+                <a:effectLst/>
+                <a:uLnTx/>
+                <a:uFillTx/>
+                <a:latin typeface="Calibri" panose="020F0502020204030204"/>
+                <a:ea typeface="+mn-ea"/>
+                <a:cs typeface="+mn-cs"/>
+              </a:rPr>
+              <a:pPr marL="0" marR="0" lvl="0" indent="0" algn="r" defTabSz="914400" rtl="0" eaLnBrk="1" fontAlgn="auto" latinLnBrk="0" hangingPunct="1">
+                <a:lnSpc>
+                  <a:spcPct val="100000"/>
+                </a:lnSpc>
+                <a:spcBef>
+                  <a:spcPts val="0"/>
+                </a:spcBef>
+                <a:spcAft>
+                  <a:spcPts val="0"/>
+                </a:spcAft>
+                <a:buClrTx/>
+                <a:buSzTx/>
+                <a:buFontTx/>
+                <a:buNone/>
+                <a:tabLst/>
+                <a:defRPr/>
+              </a:pPr>
               <a:t>11</a:t>
             </a:fld>
-            <a:endParaRPr lang="en-US"/>
+            <a:endParaRPr kumimoji="0" lang="en-US" sz="1200" b="0" i="0" u="none" strike="noStrike" kern="1200" cap="none" spc="0" normalizeH="0" baseline="0" noProof="0">
+              <a:ln>
+                <a:noFill/>
+              </a:ln>
+              <a:solidFill>
+                <a:prstClr val="black"/>
+              </a:solidFill>
+              <a:effectLst/>
+              <a:uLnTx/>
+              <a:uFillTx/>
+              <a:latin typeface="Calibri" panose="020F0502020204030204"/>
+              <a:ea typeface="+mn-ea"/>
+              <a:cs typeface="+mn-cs"/>
+            </a:endParaRPr>
           </a:p>
         </p:txBody>
       </p:sp>
     </p:spTree>
     <p:extLst>
       <p:ext uri="{BB962C8B-B14F-4D97-AF65-F5344CB8AC3E}">
-        <p14:creationId xmlns:p14="http://schemas.microsoft.com/office/powerpoint/2010/main" val="3776761285"/>
+        <p14:creationId xmlns:p14="http://schemas.microsoft.com/office/powerpoint/2010/main" val="3789013197"/>
       </p:ext>
     </p:extLst>
   </p:cSld>
@@ -1019,7 +1134,7 @@
         <p:cNvPr id="1" name="">
           <a:extLst>
             <a:ext uri="{FF2B5EF4-FFF2-40B4-BE49-F238E27FC236}">
-              <a16:creationId xmlns:a16="http://schemas.microsoft.com/office/drawing/2014/main" id="{83668368-3EE8-40A8-4929-D499E3763A36}"/>
+              <a16:creationId xmlns:a16="http://schemas.microsoft.com/office/drawing/2014/main" id="{F81A87E6-E9D9-305B-0AC7-668D18AAD1C9}"/>
             </a:ext>
           </a:extLst>
         </p:cNvPr>
@@ -1039,7 +1154,7 @@
           <p:cNvPr id="2" name="Slide Image Placeholder 1">
             <a:extLst>
               <a:ext uri="{FF2B5EF4-FFF2-40B4-BE49-F238E27FC236}">
-                <a16:creationId xmlns:a16="http://schemas.microsoft.com/office/drawing/2014/main" id="{9EB5EED1-064B-3116-2078-C14366804BB2}"/>
+                <a16:creationId xmlns:a16="http://schemas.microsoft.com/office/drawing/2014/main" id="{0539F0F2-6DE8-0BA6-8DF8-79935ABB7863}"/>
               </a:ext>
             </a:extLst>
           </p:cNvPr>
@@ -1057,7 +1172,7 @@
           <p:cNvPr id="3" name="Notes Placeholder 2">
             <a:extLst>
               <a:ext uri="{FF2B5EF4-FFF2-40B4-BE49-F238E27FC236}">
-                <a16:creationId xmlns:a16="http://schemas.microsoft.com/office/drawing/2014/main" id="{26F6235D-F3C1-815E-BAB7-6B4C888EDF15}"/>
+                <a16:creationId xmlns:a16="http://schemas.microsoft.com/office/drawing/2014/main" id="{7EC03B5F-7A5B-2F3B-97F4-238C7811FF06}"/>
               </a:ext>
             </a:extLst>
           </p:cNvPr>
@@ -1082,7 +1197,7 @@
           <p:cNvPr id="4" name="Slide Number Placeholder 3">
             <a:extLst>
               <a:ext uri="{FF2B5EF4-FFF2-40B4-BE49-F238E27FC236}">
-                <a16:creationId xmlns:a16="http://schemas.microsoft.com/office/drawing/2014/main" id="{118F0F34-EA4B-F53B-A6B5-A5F82504FC47}"/>
+                <a16:creationId xmlns:a16="http://schemas.microsoft.com/office/drawing/2014/main" id="{C27C235D-688C-3780-5817-E0BA500D0908}"/>
               </a:ext>
             </a:extLst>
           </p:cNvPr>
@@ -1098,18 +1213,78 @@
           <a:bodyPr/>
           <a:lstStyle/>
           <a:p>
+            <a:pPr marL="0" marR="0" lvl="0" indent="0" algn="r" defTabSz="914400" rtl="0" eaLnBrk="1" fontAlgn="auto" latinLnBrk="0" hangingPunct="1">
+              <a:lnSpc>
+                <a:spcPct val="100000"/>
+              </a:lnSpc>
+              <a:spcBef>
+                <a:spcPts val="0"/>
+              </a:spcBef>
+              <a:spcAft>
+                <a:spcPts val="0"/>
+              </a:spcAft>
+              <a:buClrTx/>
+              <a:buSzTx/>
+              <a:buFontTx/>
+              <a:buNone/>
+              <a:tabLst/>
+              <a:defRPr/>
+            </a:pPr>
             <a:fld id="{29FD0DB3-546B-4F1D-861A-BFC44BF53FF8}" type="slidenum">
-              <a:rPr lang="en-US" smtClean="0"/>
+              <a:rPr kumimoji="0" lang="en-US" sz="1200" b="0" i="0" u="none" strike="noStrike" kern="1200" cap="none" spc="0" normalizeH="0" baseline="0" noProof="0" smtClean="0">
+                <a:ln>
+                  <a:noFill/>
+                </a:ln>
+                <a:solidFill>
+                  <a:prstClr val="black"/>
+                </a:solidFill>
+                <a:effectLst/>
+                <a:uLnTx/>
+                <a:uFillTx/>
+                <a:latin typeface="Calibri" panose="020F0502020204030204"/>
+                <a:ea typeface="+mn-ea"/>
+                <a:cs typeface="+mn-cs"/>
+              </a:rPr>
+              <a:pPr marL="0" marR="0" lvl="0" indent="0" algn="r" defTabSz="914400" rtl="0" eaLnBrk="1" fontAlgn="auto" latinLnBrk="0" hangingPunct="1">
+                <a:lnSpc>
+                  <a:spcPct val="100000"/>
+                </a:lnSpc>
+                <a:spcBef>
+                  <a:spcPts val="0"/>
+                </a:spcBef>
+                <a:spcAft>
+                  <a:spcPts val="0"/>
+                </a:spcAft>
+                <a:buClrTx/>
+                <a:buSzTx/>
+                <a:buFontTx/>
+                <a:buNone/>
+                <a:tabLst/>
+                <a:defRPr/>
+              </a:pPr>
               <a:t>12</a:t>
             </a:fld>
-            <a:endParaRPr lang="en-US"/>
+            <a:endParaRPr kumimoji="0" lang="en-US" sz="1200" b="0" i="0" u="none" strike="noStrike" kern="1200" cap="none" spc="0" normalizeH="0" baseline="0" noProof="0">
+              <a:ln>
+                <a:noFill/>
+              </a:ln>
+              <a:solidFill>
+                <a:prstClr val="black"/>
+              </a:solidFill>
+              <a:effectLst/>
+              <a:uLnTx/>
+              <a:uFillTx/>
+              <a:latin typeface="Calibri" panose="020F0502020204030204"/>
+              <a:ea typeface="+mn-ea"/>
+              <a:cs typeface="+mn-cs"/>
+            </a:endParaRPr>
           </a:p>
         </p:txBody>
       </p:sp>
     </p:spTree>
     <p:extLst>
       <p:ext uri="{BB962C8B-B14F-4D97-AF65-F5344CB8AC3E}">
-        <p14:creationId xmlns:p14="http://schemas.microsoft.com/office/powerpoint/2010/main" val="3451630707"/>
+        <p14:creationId xmlns:p14="http://schemas.microsoft.com/office/powerpoint/2010/main" val="3841012965"/>
       </p:ext>
     </p:extLst>
   </p:cSld>
@@ -1120,90 +1295,6 @@
 </file>
 
 <file path=ppt/notesSlides/notesSlide13.xml><?xml version="1.0" encoding="utf-8"?>
-<p:notes xmlns:a="http://schemas.openxmlformats.org/drawingml/2006/main" xmlns:r="http://schemas.openxmlformats.org/officeDocument/2006/relationships" xmlns:p="http://schemas.openxmlformats.org/presentationml/2006/main">
-  <p:cSld>
-    <p:spTree>
-      <p:nvGrpSpPr>
-        <p:cNvPr id="1" name=""/>
-        <p:cNvGrpSpPr/>
-        <p:nvPr/>
-      </p:nvGrpSpPr>
-      <p:grpSpPr>
-        <a:xfrm>
-          <a:off x="0" y="0"/>
-          <a:ext cx="0" cy="0"/>
-          <a:chOff x="0" y="0"/>
-          <a:chExt cx="0" cy="0"/>
-        </a:xfrm>
-      </p:grpSpPr>
-      <p:sp>
-        <p:nvSpPr>
-          <p:cNvPr id="2" name="Slide Image Placeholder 1"/>
-          <p:cNvSpPr>
-            <a:spLocks noGrp="1" noRot="1" noChangeAspect="1"/>
-          </p:cNvSpPr>
-          <p:nvPr>
-            <p:ph type="sldImg"/>
-          </p:nvPr>
-        </p:nvSpPr>
-        <p:spPr/>
-      </p:sp>
-      <p:sp>
-        <p:nvSpPr>
-          <p:cNvPr id="3" name="Notes Placeholder 2"/>
-          <p:cNvSpPr>
-            <a:spLocks noGrp="1"/>
-          </p:cNvSpPr>
-          <p:nvPr>
-            <p:ph type="body" idx="1"/>
-          </p:nvPr>
-        </p:nvSpPr>
-        <p:spPr/>
-        <p:txBody>
-          <a:bodyPr/>
-          <a:lstStyle/>
-          <a:p>
-            <a:endParaRPr lang="en-US"/>
-          </a:p>
-        </p:txBody>
-      </p:sp>
-      <p:sp>
-        <p:nvSpPr>
-          <p:cNvPr id="4" name="Slide Number Placeholder 3"/>
-          <p:cNvSpPr>
-            <a:spLocks noGrp="1"/>
-          </p:cNvSpPr>
-          <p:nvPr>
-            <p:ph type="sldNum" sz="quarter" idx="10"/>
-          </p:nvPr>
-        </p:nvSpPr>
-        <p:spPr/>
-        <p:txBody>
-          <a:bodyPr/>
-          <a:lstStyle/>
-          <a:p>
-            <a:fld id="{0B83F4F8-AD2B-4BE5-8C76-6688C5B0A6F8}" type="slidenum">
-              <a:rPr lang="en-US" smtClean="0"/>
-              <a:t>13</a:t>
-            </a:fld>
-            <a:endParaRPr lang="en-US"/>
-          </a:p>
-        </p:txBody>
-      </p:sp>
-    </p:spTree>
-    <p:extLst>
-      <p:ext uri="{BB962C8B-B14F-4D97-AF65-F5344CB8AC3E}">
-        <p14:creationId xmlns:p14="http://schemas.microsoft.com/office/powerpoint/2010/main" val="1242445863"/>
-      </p:ext>
-    </p:extLst>
-  </p:cSld>
-  <p:clrMapOvr>
-    <a:masterClrMapping/>
-  </p:clrMapOvr>
-</p:notes>
-</file>
-
-<file path=ppt/notesSlides/notesSlide14.xml><?xml version="1.0" encoding="utf-8"?>
 <p:notes xmlns:a="http://schemas.openxmlformats.org/drawingml/2006/main" xmlns:r="http://schemas.openxmlformats.org/officeDocument/2006/relationships" xmlns:p="http://schemas.openxmlformats.org/presentationml/2006/main">
   <p:cSld>
     <p:spTree>
@@ -1294,7 +1385,7 @@
             <a:pPr rtl="0"/>
             <a:fld id="{C853816F-A1CF-4485-B308-1B9F14B36EAD}" type="slidenum">
               <a:rPr lang="en-GB" smtClean="0"/>
-              <a:t>18</a:t>
+              <a:t>13</a:t>
             </a:fld>
             <a:endParaRPr lang="en-GB"/>
           </a:p>
@@ -1313,7 +1404,7 @@
 </p:notes>
 </file>
 
-<file path=ppt/notesSlides/notesSlide15.xml><?xml version="1.0" encoding="utf-8"?>
+<file path=ppt/notesSlides/notesSlide14.xml><?xml version="1.0" encoding="utf-8"?>
 <p:notes xmlns:a="http://schemas.openxmlformats.org/drawingml/2006/main" xmlns:r="http://schemas.openxmlformats.org/officeDocument/2006/relationships" xmlns:p="http://schemas.openxmlformats.org/presentationml/2006/main">
   <p:cSld>
     <p:spTree>
@@ -1404,7 +1495,7 @@
             <a:pPr rtl="0"/>
             <a:fld id="{C853816F-A1CF-4485-B308-1B9F14B36EAD}" type="slidenum">
               <a:rPr lang="en-GB" smtClean="0"/>
-              <a:t>20</a:t>
+              <a:t>15</a:t>
             </a:fld>
             <a:endParaRPr lang="en-GB"/>
           </a:p>
@@ -1414,6 +1505,99 @@
     <p:extLst>
       <p:ext uri="{BB962C8B-B14F-4D97-AF65-F5344CB8AC3E}">
         <p14:creationId xmlns:p14="http://schemas.microsoft.com/office/powerpoint/2010/main" val="553485495"/>
+      </p:ext>
+    </p:extLst>
+  </p:cSld>
+  <p:clrMapOvr>
+    <a:masterClrMapping/>
+  </p:clrMapOvr>
+</p:notes>
+</file>
+
+<file path=ppt/notesSlides/notesSlide15.xml><?xml version="1.0" encoding="utf-8"?>
+<p:notes xmlns:a="http://schemas.openxmlformats.org/drawingml/2006/main" xmlns:r="http://schemas.openxmlformats.org/officeDocument/2006/relationships" xmlns:p="http://schemas.openxmlformats.org/presentationml/2006/main">
+  <p:cSld>
+    <p:spTree>
+      <p:nvGrpSpPr>
+        <p:cNvPr id="1" name=""/>
+        <p:cNvGrpSpPr/>
+        <p:nvPr/>
+      </p:nvGrpSpPr>
+      <p:grpSpPr>
+        <a:xfrm>
+          <a:off x="0" y="0"/>
+          <a:ext cx="0" cy="0"/>
+          <a:chOff x="0" y="0"/>
+          <a:chExt cx="0" cy="0"/>
+        </a:xfrm>
+      </p:grpSpPr>
+      <p:sp>
+        <p:nvSpPr>
+          <p:cNvPr id="2" name="Slide Image Placeholder 1"/>
+          <p:cNvSpPr>
+            <a:spLocks noGrp="1" noRot="1" noChangeAspect="1"/>
+          </p:cNvSpPr>
+          <p:nvPr>
+            <p:ph type="sldImg"/>
+          </p:nvPr>
+        </p:nvSpPr>
+        <p:spPr/>
+      </p:sp>
+      <p:sp>
+        <p:nvSpPr>
+          <p:cNvPr id="3" name="Notes Placeholder 2"/>
+          <p:cNvSpPr>
+            <a:spLocks noGrp="1"/>
+          </p:cNvSpPr>
+          <p:nvPr>
+            <p:ph type="body" idx="1"/>
+          </p:nvPr>
+        </p:nvSpPr>
+        <p:spPr/>
+        <p:txBody>
+          <a:bodyPr/>
+          <a:lstStyle/>
+          <a:p>
+            <a:endParaRPr lang="en-US"/>
+          </a:p>
+        </p:txBody>
+      </p:sp>
+      <p:sp>
+        <p:nvSpPr>
+          <p:cNvPr id="4" name="Slide Number Placeholder 3"/>
+          <p:cNvSpPr>
+            <a:spLocks noGrp="1"/>
+          </p:cNvSpPr>
+          <p:nvPr>
+            <p:ph type="sldNum" sz="quarter" idx="10"/>
+          </p:nvPr>
+        </p:nvSpPr>
+        <p:spPr/>
+        <p:txBody>
+          <a:bodyPr/>
+          <a:lstStyle/>
+          <a:p>
+            <a:fld id="{29FD0DB3-546B-4F1D-861A-BFC44BF53FF8}" type="slidenum">
+              <a:rPr lang="en-US" smtClean="0">
+                <a:solidFill>
+                  <a:prstClr val="black"/>
+                </a:solidFill>
+              </a:rPr>
+              <a:pPr/>
+              <a:t>16</a:t>
+            </a:fld>
+            <a:endParaRPr lang="en-US">
+              <a:solidFill>
+                <a:prstClr val="black"/>
+              </a:solidFill>
+            </a:endParaRPr>
+          </a:p>
+        </p:txBody>
+      </p:sp>
+    </p:spTree>
+    <p:extLst>
+      <p:ext uri="{BB962C8B-B14F-4D97-AF65-F5344CB8AC3E}">
+        <p14:creationId xmlns:p14="http://schemas.microsoft.com/office/powerpoint/2010/main" val="3112637729"/>
       </p:ext>
     </p:extLst>
   </p:cSld>
@@ -1467,7 +1651,7 @@
           <a:bodyPr/>
           <a:lstStyle/>
           <a:p>
-            <a:endParaRPr lang="en-US"/>
+            <a:endParaRPr lang="en-US" dirty="0"/>
           </a:p>
         </p:txBody>
       </p:sp>
@@ -1493,7 +1677,7 @@
                 </a:solidFill>
               </a:rPr>
               <a:pPr/>
-              <a:t>21</a:t>
+              <a:t>17</a:t>
             </a:fld>
             <a:endParaRPr lang="en-US">
               <a:solidFill>
@@ -1506,7 +1690,7 @@
     </p:spTree>
     <p:extLst>
       <p:ext uri="{BB962C8B-B14F-4D97-AF65-F5344CB8AC3E}">
-        <p14:creationId xmlns:p14="http://schemas.microsoft.com/office/powerpoint/2010/main" val="3112637729"/>
+        <p14:creationId xmlns:p14="http://schemas.microsoft.com/office/powerpoint/2010/main" val="3450125461"/>
       </p:ext>
     </p:extLst>
   </p:cSld>
@@ -1586,7 +1770,7 @@
                 </a:solidFill>
               </a:rPr>
               <a:pPr/>
-              <a:t>22</a:t>
+              <a:t>18</a:t>
             </a:fld>
             <a:endParaRPr lang="en-US">
               <a:solidFill>
@@ -1599,7 +1783,7 @@
     </p:spTree>
     <p:extLst>
       <p:ext uri="{BB962C8B-B14F-4D97-AF65-F5344CB8AC3E}">
-        <p14:creationId xmlns:p14="http://schemas.microsoft.com/office/powerpoint/2010/main" val="3450125461"/>
+        <p14:creationId xmlns:p14="http://schemas.microsoft.com/office/powerpoint/2010/main" val="3537014985"/>
       </p:ext>
     </p:extLst>
   </p:cSld>
@@ -1679,7 +1863,7 @@
                 </a:solidFill>
               </a:rPr>
               <a:pPr/>
-              <a:t>23</a:t>
+              <a:t>19</a:t>
             </a:fld>
             <a:endParaRPr lang="en-US">
               <a:solidFill>
@@ -1692,7 +1876,7 @@
     </p:spTree>
     <p:extLst>
       <p:ext uri="{BB962C8B-B14F-4D97-AF65-F5344CB8AC3E}">
-        <p14:creationId xmlns:p14="http://schemas.microsoft.com/office/powerpoint/2010/main" val="3537014985"/>
+        <p14:creationId xmlns:p14="http://schemas.microsoft.com/office/powerpoint/2010/main" val="1264524970"/>
       </p:ext>
     </p:extLst>
   </p:cSld>
@@ -1772,7 +1956,7 @@
                 </a:solidFill>
               </a:rPr>
               <a:pPr/>
-              <a:t>24</a:t>
+              <a:t>20</a:t>
             </a:fld>
             <a:endParaRPr lang="en-US">
               <a:solidFill>
@@ -1785,7 +1969,7 @@
     </p:spTree>
     <p:extLst>
       <p:ext uri="{BB962C8B-B14F-4D97-AF65-F5344CB8AC3E}">
-        <p14:creationId xmlns:p14="http://schemas.microsoft.com/office/powerpoint/2010/main" val="1264524970"/>
+        <p14:creationId xmlns:p14="http://schemas.microsoft.com/office/powerpoint/2010/main" val="1810105272"/>
       </p:ext>
     </p:extLst>
   </p:cSld>
@@ -1910,99 +2094,6 @@
   <p:cSld>
     <p:spTree>
       <p:nvGrpSpPr>
-        <p:cNvPr id="1" name=""/>
-        <p:cNvGrpSpPr/>
-        <p:nvPr/>
-      </p:nvGrpSpPr>
-      <p:grpSpPr>
-        <a:xfrm>
-          <a:off x="0" y="0"/>
-          <a:ext cx="0" cy="0"/>
-          <a:chOff x="0" y="0"/>
-          <a:chExt cx="0" cy="0"/>
-        </a:xfrm>
-      </p:grpSpPr>
-      <p:sp>
-        <p:nvSpPr>
-          <p:cNvPr id="2" name="Slide Image Placeholder 1"/>
-          <p:cNvSpPr>
-            <a:spLocks noGrp="1" noRot="1" noChangeAspect="1"/>
-          </p:cNvSpPr>
-          <p:nvPr>
-            <p:ph type="sldImg"/>
-          </p:nvPr>
-        </p:nvSpPr>
-        <p:spPr/>
-      </p:sp>
-      <p:sp>
-        <p:nvSpPr>
-          <p:cNvPr id="3" name="Notes Placeholder 2"/>
-          <p:cNvSpPr>
-            <a:spLocks noGrp="1"/>
-          </p:cNvSpPr>
-          <p:nvPr>
-            <p:ph type="body" idx="1"/>
-          </p:nvPr>
-        </p:nvSpPr>
-        <p:spPr/>
-        <p:txBody>
-          <a:bodyPr/>
-          <a:lstStyle/>
-          <a:p>
-            <a:endParaRPr lang="en-US" dirty="0"/>
-          </a:p>
-        </p:txBody>
-      </p:sp>
-      <p:sp>
-        <p:nvSpPr>
-          <p:cNvPr id="4" name="Slide Number Placeholder 3"/>
-          <p:cNvSpPr>
-            <a:spLocks noGrp="1"/>
-          </p:cNvSpPr>
-          <p:nvPr>
-            <p:ph type="sldNum" sz="quarter" idx="10"/>
-          </p:nvPr>
-        </p:nvSpPr>
-        <p:spPr/>
-        <p:txBody>
-          <a:bodyPr/>
-          <a:lstStyle/>
-          <a:p>
-            <a:fld id="{29FD0DB3-546B-4F1D-861A-BFC44BF53FF8}" type="slidenum">
-              <a:rPr lang="en-US" smtClean="0">
-                <a:solidFill>
-                  <a:prstClr val="black"/>
-                </a:solidFill>
-              </a:rPr>
-              <a:pPr/>
-              <a:t>25</a:t>
-            </a:fld>
-            <a:endParaRPr lang="en-US">
-              <a:solidFill>
-                <a:prstClr val="black"/>
-              </a:solidFill>
-            </a:endParaRPr>
-          </a:p>
-        </p:txBody>
-      </p:sp>
-    </p:spTree>
-    <p:extLst>
-      <p:ext uri="{BB962C8B-B14F-4D97-AF65-F5344CB8AC3E}">
-        <p14:creationId xmlns:p14="http://schemas.microsoft.com/office/powerpoint/2010/main" val="1810105272"/>
-      </p:ext>
-    </p:extLst>
-  </p:cSld>
-  <p:clrMapOvr>
-    <a:masterClrMapping/>
-  </p:clrMapOvr>
-</p:notes>
-</file>
-
-<file path=ppt/notesSlides/notesSlide21.xml><?xml version="1.0" encoding="utf-8"?>
-<p:notes xmlns:a="http://schemas.openxmlformats.org/drawingml/2006/main" xmlns:r="http://schemas.openxmlformats.org/officeDocument/2006/relationships" xmlns:p="http://schemas.openxmlformats.org/presentationml/2006/main">
-  <p:cSld>
-    <p:spTree>
-      <p:nvGrpSpPr>
         <p:cNvPr id="1" name="">
           <a:extLst>
             <a:ext uri="{FF2B5EF4-FFF2-40B4-BE49-F238E27FC236}">
@@ -2089,7 +2180,7 @@
             <a:pPr rtl="0"/>
             <a:fld id="{C853816F-A1CF-4485-B308-1B9F14B36EAD}" type="slidenum">
               <a:rPr lang="en-GB" smtClean="0"/>
-              <a:t>26</a:t>
+              <a:t>21</a:t>
             </a:fld>
             <a:endParaRPr lang="en-GB"/>
           </a:p>
@@ -2108,7 +2199,7 @@
 </p:notes>
 </file>
 
-<file path=ppt/notesSlides/notesSlide22.xml><?xml version="1.0" encoding="utf-8"?>
+<file path=ppt/notesSlides/notesSlide21.xml><?xml version="1.0" encoding="utf-8"?>
 <p:notes xmlns:a="http://schemas.openxmlformats.org/drawingml/2006/main" xmlns:r="http://schemas.openxmlformats.org/officeDocument/2006/relationships" xmlns:p="http://schemas.openxmlformats.org/presentationml/2006/main">
   <p:cSld>
     <p:spTree>
@@ -2181,6 +2272,851 @@
             <a:extLst>
               <a:ext uri="{FF2B5EF4-FFF2-40B4-BE49-F238E27FC236}">
                 <a16:creationId xmlns:a16="http://schemas.microsoft.com/office/drawing/2014/main" id="{835C8EC1-0ED2-5D22-C6EC-6A1DE4B654DF}"/>
+              </a:ext>
+            </a:extLst>
+          </p:cNvPr>
+          <p:cNvSpPr>
+            <a:spLocks noGrp="1"/>
+          </p:cNvSpPr>
+          <p:nvPr>
+            <p:ph type="sldNum" sz="quarter" idx="5"/>
+          </p:nvPr>
+        </p:nvSpPr>
+        <p:spPr/>
+        <p:txBody>
+          <a:bodyPr rtlCol="0"/>
+          <a:lstStyle/>
+          <a:p>
+            <a:pPr marL="0" marR="0" lvl="0" indent="0" algn="r" defTabSz="914400" rtl="0" eaLnBrk="1" fontAlgn="auto" latinLnBrk="0" hangingPunct="1">
+              <a:lnSpc>
+                <a:spcPct val="100000"/>
+              </a:lnSpc>
+              <a:spcBef>
+                <a:spcPts val="0"/>
+              </a:spcBef>
+              <a:spcAft>
+                <a:spcPts val="0"/>
+              </a:spcAft>
+              <a:buClrTx/>
+              <a:buSzTx/>
+              <a:buFontTx/>
+              <a:buNone/>
+              <a:tabLst/>
+              <a:defRPr/>
+            </a:pPr>
+            <a:fld id="{C853816F-A1CF-4485-B308-1B9F14B36EAD}" type="slidenum">
+              <a:rPr kumimoji="0" lang="en-GB" sz="1200" b="0" i="0" u="none" strike="noStrike" kern="1200" cap="none" spc="0" normalizeH="0" baseline="0" noProof="0" smtClean="0">
+                <a:ln>
+                  <a:noFill/>
+                </a:ln>
+                <a:solidFill>
+                  <a:prstClr val="black"/>
+                </a:solidFill>
+                <a:effectLst/>
+                <a:uLnTx/>
+                <a:uFillTx/>
+                <a:latin typeface="Calibri" panose="020F0502020204030204"/>
+                <a:ea typeface="+mn-ea"/>
+                <a:cs typeface="+mn-cs"/>
+              </a:rPr>
+              <a:pPr marL="0" marR="0" lvl="0" indent="0" algn="r" defTabSz="914400" rtl="0" eaLnBrk="1" fontAlgn="auto" latinLnBrk="0" hangingPunct="1">
+                <a:lnSpc>
+                  <a:spcPct val="100000"/>
+                </a:lnSpc>
+                <a:spcBef>
+                  <a:spcPts val="0"/>
+                </a:spcBef>
+                <a:spcAft>
+                  <a:spcPts val="0"/>
+                </a:spcAft>
+                <a:buClrTx/>
+                <a:buSzTx/>
+                <a:buFontTx/>
+                <a:buNone/>
+                <a:tabLst/>
+                <a:defRPr/>
+              </a:pPr>
+              <a:t>22</a:t>
+            </a:fld>
+            <a:endParaRPr kumimoji="0" lang="en-GB" sz="1200" b="0" i="0" u="none" strike="noStrike" kern="1200" cap="none" spc="0" normalizeH="0" baseline="0" noProof="0">
+              <a:ln>
+                <a:noFill/>
+              </a:ln>
+              <a:solidFill>
+                <a:prstClr val="black"/>
+              </a:solidFill>
+              <a:effectLst/>
+              <a:uLnTx/>
+              <a:uFillTx/>
+              <a:latin typeface="Calibri" panose="020F0502020204030204"/>
+              <a:ea typeface="+mn-ea"/>
+              <a:cs typeface="+mn-cs"/>
+            </a:endParaRPr>
+          </a:p>
+        </p:txBody>
+      </p:sp>
+    </p:spTree>
+    <p:extLst>
+      <p:ext uri="{BB962C8B-B14F-4D97-AF65-F5344CB8AC3E}">
+        <p14:creationId xmlns:p14="http://schemas.microsoft.com/office/powerpoint/2010/main" val="617772710"/>
+      </p:ext>
+    </p:extLst>
+  </p:cSld>
+  <p:clrMapOvr>
+    <a:masterClrMapping/>
+  </p:clrMapOvr>
+</p:notes>
+</file>
+
+<file path=ppt/notesSlides/notesSlide22.xml><?xml version="1.0" encoding="utf-8"?>
+<p:notes xmlns:a="http://schemas.openxmlformats.org/drawingml/2006/main" xmlns:r="http://schemas.openxmlformats.org/officeDocument/2006/relationships" xmlns:p="http://schemas.openxmlformats.org/presentationml/2006/main">
+  <p:cSld>
+    <p:spTree>
+      <p:nvGrpSpPr>
+        <p:cNvPr id="1" name="">
+          <a:extLst>
+            <a:ext uri="{FF2B5EF4-FFF2-40B4-BE49-F238E27FC236}">
+              <a16:creationId xmlns:a16="http://schemas.microsoft.com/office/drawing/2014/main" id="{37D2D7A4-F055-5A97-4DBD-96148EB2E2EB}"/>
+            </a:ext>
+          </a:extLst>
+        </p:cNvPr>
+        <p:cNvGrpSpPr/>
+        <p:nvPr/>
+      </p:nvGrpSpPr>
+      <p:grpSpPr>
+        <a:xfrm>
+          <a:off x="0" y="0"/>
+          <a:ext cx="0" cy="0"/>
+          <a:chOff x="0" y="0"/>
+          <a:chExt cx="0" cy="0"/>
+        </a:xfrm>
+      </p:grpSpPr>
+      <p:sp>
+        <p:nvSpPr>
+          <p:cNvPr id="2" name="Slide Image Placeholder 1">
+            <a:extLst>
+              <a:ext uri="{FF2B5EF4-FFF2-40B4-BE49-F238E27FC236}">
+                <a16:creationId xmlns:a16="http://schemas.microsoft.com/office/drawing/2014/main" id="{9138A976-08A5-2516-DB4C-E50AA95B9B4D}"/>
+              </a:ext>
+            </a:extLst>
+          </p:cNvPr>
+          <p:cNvSpPr>
+            <a:spLocks noGrp="1" noRot="1" noChangeAspect="1"/>
+          </p:cNvSpPr>
+          <p:nvPr>
+            <p:ph type="sldImg"/>
+          </p:nvPr>
+        </p:nvSpPr>
+        <p:spPr/>
+      </p:sp>
+      <p:sp>
+        <p:nvSpPr>
+          <p:cNvPr id="3" name="Notes Placeholder 2">
+            <a:extLst>
+              <a:ext uri="{FF2B5EF4-FFF2-40B4-BE49-F238E27FC236}">
+                <a16:creationId xmlns:a16="http://schemas.microsoft.com/office/drawing/2014/main" id="{9FE1565C-EDE7-B382-4D7B-6F67E76B81B1}"/>
+              </a:ext>
+            </a:extLst>
+          </p:cNvPr>
+          <p:cNvSpPr>
+            <a:spLocks noGrp="1"/>
+          </p:cNvSpPr>
+          <p:nvPr>
+            <p:ph type="body" idx="1"/>
+          </p:nvPr>
+        </p:nvSpPr>
+        <p:spPr/>
+        <p:txBody>
+          <a:bodyPr rtlCol="0"/>
+          <a:lstStyle/>
+          <a:p>
+            <a:pPr rtl="0"/>
+            <a:endParaRPr lang="en-GB"/>
+          </a:p>
+        </p:txBody>
+      </p:sp>
+      <p:sp>
+        <p:nvSpPr>
+          <p:cNvPr id="4" name="Slide Number Placeholder 3">
+            <a:extLst>
+              <a:ext uri="{FF2B5EF4-FFF2-40B4-BE49-F238E27FC236}">
+                <a16:creationId xmlns:a16="http://schemas.microsoft.com/office/drawing/2014/main" id="{04FF26C2-6926-1CF2-92AE-531F49E3D004}"/>
+              </a:ext>
+            </a:extLst>
+          </p:cNvPr>
+          <p:cNvSpPr>
+            <a:spLocks noGrp="1"/>
+          </p:cNvSpPr>
+          <p:nvPr>
+            <p:ph type="sldNum" sz="quarter" idx="5"/>
+          </p:nvPr>
+        </p:nvSpPr>
+        <p:spPr/>
+        <p:txBody>
+          <a:bodyPr rtlCol="0"/>
+          <a:lstStyle/>
+          <a:p>
+            <a:pPr marL="0" marR="0" lvl="0" indent="0" algn="r" defTabSz="914400" rtl="0" eaLnBrk="1" fontAlgn="auto" latinLnBrk="0" hangingPunct="1">
+              <a:lnSpc>
+                <a:spcPct val="100000"/>
+              </a:lnSpc>
+              <a:spcBef>
+                <a:spcPts val="0"/>
+              </a:spcBef>
+              <a:spcAft>
+                <a:spcPts val="0"/>
+              </a:spcAft>
+              <a:buClrTx/>
+              <a:buSzTx/>
+              <a:buFontTx/>
+              <a:buNone/>
+              <a:tabLst/>
+              <a:defRPr/>
+            </a:pPr>
+            <a:fld id="{C853816F-A1CF-4485-B308-1B9F14B36EAD}" type="slidenum">
+              <a:rPr kumimoji="0" lang="en-GB" sz="1200" b="0" i="0" u="none" strike="noStrike" kern="1200" cap="none" spc="0" normalizeH="0" baseline="0" noProof="0" smtClean="0">
+                <a:ln>
+                  <a:noFill/>
+                </a:ln>
+                <a:solidFill>
+                  <a:prstClr val="black"/>
+                </a:solidFill>
+                <a:effectLst/>
+                <a:uLnTx/>
+                <a:uFillTx/>
+                <a:latin typeface="Calibri" panose="020F0502020204030204"/>
+                <a:ea typeface="+mn-ea"/>
+                <a:cs typeface="+mn-cs"/>
+              </a:rPr>
+              <a:pPr marL="0" marR="0" lvl="0" indent="0" algn="r" defTabSz="914400" rtl="0" eaLnBrk="1" fontAlgn="auto" latinLnBrk="0" hangingPunct="1">
+                <a:lnSpc>
+                  <a:spcPct val="100000"/>
+                </a:lnSpc>
+                <a:spcBef>
+                  <a:spcPts val="0"/>
+                </a:spcBef>
+                <a:spcAft>
+                  <a:spcPts val="0"/>
+                </a:spcAft>
+                <a:buClrTx/>
+                <a:buSzTx/>
+                <a:buFontTx/>
+                <a:buNone/>
+                <a:tabLst/>
+                <a:defRPr/>
+              </a:pPr>
+              <a:t>23</a:t>
+            </a:fld>
+            <a:endParaRPr kumimoji="0" lang="en-GB" sz="1200" b="0" i="0" u="none" strike="noStrike" kern="1200" cap="none" spc="0" normalizeH="0" baseline="0" noProof="0">
+              <a:ln>
+                <a:noFill/>
+              </a:ln>
+              <a:solidFill>
+                <a:prstClr val="black"/>
+              </a:solidFill>
+              <a:effectLst/>
+              <a:uLnTx/>
+              <a:uFillTx/>
+              <a:latin typeface="Calibri" panose="020F0502020204030204"/>
+              <a:ea typeface="+mn-ea"/>
+              <a:cs typeface="+mn-cs"/>
+            </a:endParaRPr>
+          </a:p>
+        </p:txBody>
+      </p:sp>
+    </p:spTree>
+    <p:extLst>
+      <p:ext uri="{BB962C8B-B14F-4D97-AF65-F5344CB8AC3E}">
+        <p14:creationId xmlns:p14="http://schemas.microsoft.com/office/powerpoint/2010/main" val="4142257378"/>
+      </p:ext>
+    </p:extLst>
+  </p:cSld>
+  <p:clrMapOvr>
+    <a:masterClrMapping/>
+  </p:clrMapOvr>
+</p:notes>
+</file>
+
+<file path=ppt/notesSlides/notesSlide23.xml><?xml version="1.0" encoding="utf-8"?>
+<p:notes xmlns:a="http://schemas.openxmlformats.org/drawingml/2006/main" xmlns:r="http://schemas.openxmlformats.org/officeDocument/2006/relationships" xmlns:p="http://schemas.openxmlformats.org/presentationml/2006/main">
+  <p:cSld>
+    <p:spTree>
+      <p:nvGrpSpPr>
+        <p:cNvPr id="1" name="">
+          <a:extLst>
+            <a:ext uri="{FF2B5EF4-FFF2-40B4-BE49-F238E27FC236}">
+              <a16:creationId xmlns:a16="http://schemas.microsoft.com/office/drawing/2014/main" id="{C841FAC6-26A0-26A6-84E6-72154B0D95A2}"/>
+            </a:ext>
+          </a:extLst>
+        </p:cNvPr>
+        <p:cNvGrpSpPr/>
+        <p:nvPr/>
+      </p:nvGrpSpPr>
+      <p:grpSpPr>
+        <a:xfrm>
+          <a:off x="0" y="0"/>
+          <a:ext cx="0" cy="0"/>
+          <a:chOff x="0" y="0"/>
+          <a:chExt cx="0" cy="0"/>
+        </a:xfrm>
+      </p:grpSpPr>
+      <p:sp>
+        <p:nvSpPr>
+          <p:cNvPr id="2" name="Slide Image Placeholder 1">
+            <a:extLst>
+              <a:ext uri="{FF2B5EF4-FFF2-40B4-BE49-F238E27FC236}">
+                <a16:creationId xmlns:a16="http://schemas.microsoft.com/office/drawing/2014/main" id="{D537320D-AF27-8D93-4621-A4451FACCEC1}"/>
+              </a:ext>
+            </a:extLst>
+          </p:cNvPr>
+          <p:cNvSpPr>
+            <a:spLocks noGrp="1" noRot="1" noChangeAspect="1"/>
+          </p:cNvSpPr>
+          <p:nvPr>
+            <p:ph type="sldImg"/>
+          </p:nvPr>
+        </p:nvSpPr>
+        <p:spPr/>
+      </p:sp>
+      <p:sp>
+        <p:nvSpPr>
+          <p:cNvPr id="3" name="Notes Placeholder 2">
+            <a:extLst>
+              <a:ext uri="{FF2B5EF4-FFF2-40B4-BE49-F238E27FC236}">
+                <a16:creationId xmlns:a16="http://schemas.microsoft.com/office/drawing/2014/main" id="{29531299-43EC-4003-D70B-3BFF743666DE}"/>
+              </a:ext>
+            </a:extLst>
+          </p:cNvPr>
+          <p:cNvSpPr>
+            <a:spLocks noGrp="1"/>
+          </p:cNvSpPr>
+          <p:nvPr>
+            <p:ph type="body" idx="1"/>
+          </p:nvPr>
+        </p:nvSpPr>
+        <p:spPr/>
+        <p:txBody>
+          <a:bodyPr rtlCol="0"/>
+          <a:lstStyle/>
+          <a:p>
+            <a:pPr rtl="0"/>
+            <a:endParaRPr lang="en-GB"/>
+          </a:p>
+        </p:txBody>
+      </p:sp>
+      <p:sp>
+        <p:nvSpPr>
+          <p:cNvPr id="4" name="Slide Number Placeholder 3">
+            <a:extLst>
+              <a:ext uri="{FF2B5EF4-FFF2-40B4-BE49-F238E27FC236}">
+                <a16:creationId xmlns:a16="http://schemas.microsoft.com/office/drawing/2014/main" id="{669D48CA-FB16-ADFD-90AE-737234A4C101}"/>
+              </a:ext>
+            </a:extLst>
+          </p:cNvPr>
+          <p:cNvSpPr>
+            <a:spLocks noGrp="1"/>
+          </p:cNvSpPr>
+          <p:nvPr>
+            <p:ph type="sldNum" sz="quarter" idx="5"/>
+          </p:nvPr>
+        </p:nvSpPr>
+        <p:spPr/>
+        <p:txBody>
+          <a:bodyPr rtlCol="0"/>
+          <a:lstStyle/>
+          <a:p>
+            <a:pPr marL="0" marR="0" lvl="0" indent="0" algn="r" defTabSz="914400" rtl="0" eaLnBrk="1" fontAlgn="auto" latinLnBrk="0" hangingPunct="1">
+              <a:lnSpc>
+                <a:spcPct val="100000"/>
+              </a:lnSpc>
+              <a:spcBef>
+                <a:spcPts val="0"/>
+              </a:spcBef>
+              <a:spcAft>
+                <a:spcPts val="0"/>
+              </a:spcAft>
+              <a:buClrTx/>
+              <a:buSzTx/>
+              <a:buFontTx/>
+              <a:buNone/>
+              <a:tabLst/>
+              <a:defRPr/>
+            </a:pPr>
+            <a:fld id="{C853816F-A1CF-4485-B308-1B9F14B36EAD}" type="slidenum">
+              <a:rPr kumimoji="0" lang="en-GB" sz="1200" b="0" i="0" u="none" strike="noStrike" kern="1200" cap="none" spc="0" normalizeH="0" baseline="0" noProof="0" smtClean="0">
+                <a:ln>
+                  <a:noFill/>
+                </a:ln>
+                <a:solidFill>
+                  <a:prstClr val="black"/>
+                </a:solidFill>
+                <a:effectLst/>
+                <a:uLnTx/>
+                <a:uFillTx/>
+                <a:latin typeface="Calibri" panose="020F0502020204030204"/>
+                <a:ea typeface="+mn-ea"/>
+                <a:cs typeface="+mn-cs"/>
+              </a:rPr>
+              <a:pPr marL="0" marR="0" lvl="0" indent="0" algn="r" defTabSz="914400" rtl="0" eaLnBrk="1" fontAlgn="auto" latinLnBrk="0" hangingPunct="1">
+                <a:lnSpc>
+                  <a:spcPct val="100000"/>
+                </a:lnSpc>
+                <a:spcBef>
+                  <a:spcPts val="0"/>
+                </a:spcBef>
+                <a:spcAft>
+                  <a:spcPts val="0"/>
+                </a:spcAft>
+                <a:buClrTx/>
+                <a:buSzTx/>
+                <a:buFontTx/>
+                <a:buNone/>
+                <a:tabLst/>
+                <a:defRPr/>
+              </a:pPr>
+              <a:t>24</a:t>
+            </a:fld>
+            <a:endParaRPr kumimoji="0" lang="en-GB" sz="1200" b="0" i="0" u="none" strike="noStrike" kern="1200" cap="none" spc="0" normalizeH="0" baseline="0" noProof="0">
+              <a:ln>
+                <a:noFill/>
+              </a:ln>
+              <a:solidFill>
+                <a:prstClr val="black"/>
+              </a:solidFill>
+              <a:effectLst/>
+              <a:uLnTx/>
+              <a:uFillTx/>
+              <a:latin typeface="Calibri" panose="020F0502020204030204"/>
+              <a:ea typeface="+mn-ea"/>
+              <a:cs typeface="+mn-cs"/>
+            </a:endParaRPr>
+          </a:p>
+        </p:txBody>
+      </p:sp>
+    </p:spTree>
+    <p:extLst>
+      <p:ext uri="{BB962C8B-B14F-4D97-AF65-F5344CB8AC3E}">
+        <p14:creationId xmlns:p14="http://schemas.microsoft.com/office/powerpoint/2010/main" val="19052226"/>
+      </p:ext>
+    </p:extLst>
+  </p:cSld>
+  <p:clrMapOvr>
+    <a:masterClrMapping/>
+  </p:clrMapOvr>
+</p:notes>
+</file>
+
+<file path=ppt/notesSlides/notesSlide24.xml><?xml version="1.0" encoding="utf-8"?>
+<p:notes xmlns:a="http://schemas.openxmlformats.org/drawingml/2006/main" xmlns:r="http://schemas.openxmlformats.org/officeDocument/2006/relationships" xmlns:p="http://schemas.openxmlformats.org/presentationml/2006/main">
+  <p:cSld>
+    <p:spTree>
+      <p:nvGrpSpPr>
+        <p:cNvPr id="1" name="">
+          <a:extLst>
+            <a:ext uri="{FF2B5EF4-FFF2-40B4-BE49-F238E27FC236}">
+              <a16:creationId xmlns:a16="http://schemas.microsoft.com/office/drawing/2014/main" id="{B341EE8D-039A-28B3-33B1-4B67688615D2}"/>
+            </a:ext>
+          </a:extLst>
+        </p:cNvPr>
+        <p:cNvGrpSpPr/>
+        <p:nvPr/>
+      </p:nvGrpSpPr>
+      <p:grpSpPr>
+        <a:xfrm>
+          <a:off x="0" y="0"/>
+          <a:ext cx="0" cy="0"/>
+          <a:chOff x="0" y="0"/>
+          <a:chExt cx="0" cy="0"/>
+        </a:xfrm>
+      </p:grpSpPr>
+      <p:sp>
+        <p:nvSpPr>
+          <p:cNvPr id="2" name="Slide Image Placeholder 1">
+            <a:extLst>
+              <a:ext uri="{FF2B5EF4-FFF2-40B4-BE49-F238E27FC236}">
+                <a16:creationId xmlns:a16="http://schemas.microsoft.com/office/drawing/2014/main" id="{7B553295-B5F7-ABA2-E587-DEEA211CB226}"/>
+              </a:ext>
+            </a:extLst>
+          </p:cNvPr>
+          <p:cNvSpPr>
+            <a:spLocks noGrp="1" noRot="1" noChangeAspect="1"/>
+          </p:cNvSpPr>
+          <p:nvPr>
+            <p:ph type="sldImg"/>
+          </p:nvPr>
+        </p:nvSpPr>
+        <p:spPr/>
+      </p:sp>
+      <p:sp>
+        <p:nvSpPr>
+          <p:cNvPr id="3" name="Notes Placeholder 2">
+            <a:extLst>
+              <a:ext uri="{FF2B5EF4-FFF2-40B4-BE49-F238E27FC236}">
+                <a16:creationId xmlns:a16="http://schemas.microsoft.com/office/drawing/2014/main" id="{FA3293B6-7794-57AE-82CF-B9B57038BBE7}"/>
+              </a:ext>
+            </a:extLst>
+          </p:cNvPr>
+          <p:cNvSpPr>
+            <a:spLocks noGrp="1"/>
+          </p:cNvSpPr>
+          <p:nvPr>
+            <p:ph type="body" idx="1"/>
+          </p:nvPr>
+        </p:nvSpPr>
+        <p:spPr/>
+        <p:txBody>
+          <a:bodyPr rtlCol="0"/>
+          <a:lstStyle/>
+          <a:p>
+            <a:pPr rtl="0"/>
+            <a:endParaRPr lang="en-GB"/>
+          </a:p>
+        </p:txBody>
+      </p:sp>
+      <p:sp>
+        <p:nvSpPr>
+          <p:cNvPr id="4" name="Slide Number Placeholder 3">
+            <a:extLst>
+              <a:ext uri="{FF2B5EF4-FFF2-40B4-BE49-F238E27FC236}">
+                <a16:creationId xmlns:a16="http://schemas.microsoft.com/office/drawing/2014/main" id="{14532B64-2F3D-C66C-CC97-D56CF2B24693}"/>
+              </a:ext>
+            </a:extLst>
+          </p:cNvPr>
+          <p:cNvSpPr>
+            <a:spLocks noGrp="1"/>
+          </p:cNvSpPr>
+          <p:nvPr>
+            <p:ph type="sldNum" sz="quarter" idx="5"/>
+          </p:nvPr>
+        </p:nvSpPr>
+        <p:spPr/>
+        <p:txBody>
+          <a:bodyPr rtlCol="0"/>
+          <a:lstStyle/>
+          <a:p>
+            <a:pPr marL="0" marR="0" lvl="0" indent="0" algn="r" defTabSz="914400" rtl="0" eaLnBrk="1" fontAlgn="auto" latinLnBrk="0" hangingPunct="1">
+              <a:lnSpc>
+                <a:spcPct val="100000"/>
+              </a:lnSpc>
+              <a:spcBef>
+                <a:spcPts val="0"/>
+              </a:spcBef>
+              <a:spcAft>
+                <a:spcPts val="0"/>
+              </a:spcAft>
+              <a:buClrTx/>
+              <a:buSzTx/>
+              <a:buFontTx/>
+              <a:buNone/>
+              <a:tabLst/>
+              <a:defRPr/>
+            </a:pPr>
+            <a:fld id="{C853816F-A1CF-4485-B308-1B9F14B36EAD}" type="slidenum">
+              <a:rPr kumimoji="0" lang="en-GB" sz="1200" b="0" i="0" u="none" strike="noStrike" kern="1200" cap="none" spc="0" normalizeH="0" baseline="0" noProof="0" smtClean="0">
+                <a:ln>
+                  <a:noFill/>
+                </a:ln>
+                <a:solidFill>
+                  <a:prstClr val="black"/>
+                </a:solidFill>
+                <a:effectLst/>
+                <a:uLnTx/>
+                <a:uFillTx/>
+                <a:latin typeface="Calibri" panose="020F0502020204030204"/>
+                <a:ea typeface="+mn-ea"/>
+                <a:cs typeface="+mn-cs"/>
+              </a:rPr>
+              <a:pPr marL="0" marR="0" lvl="0" indent="0" algn="r" defTabSz="914400" rtl="0" eaLnBrk="1" fontAlgn="auto" latinLnBrk="0" hangingPunct="1">
+                <a:lnSpc>
+                  <a:spcPct val="100000"/>
+                </a:lnSpc>
+                <a:spcBef>
+                  <a:spcPts val="0"/>
+                </a:spcBef>
+                <a:spcAft>
+                  <a:spcPts val="0"/>
+                </a:spcAft>
+                <a:buClrTx/>
+                <a:buSzTx/>
+                <a:buFontTx/>
+                <a:buNone/>
+                <a:tabLst/>
+                <a:defRPr/>
+              </a:pPr>
+              <a:t>25</a:t>
+            </a:fld>
+            <a:endParaRPr kumimoji="0" lang="en-GB" sz="1200" b="0" i="0" u="none" strike="noStrike" kern="1200" cap="none" spc="0" normalizeH="0" baseline="0" noProof="0">
+              <a:ln>
+                <a:noFill/>
+              </a:ln>
+              <a:solidFill>
+                <a:prstClr val="black"/>
+              </a:solidFill>
+              <a:effectLst/>
+              <a:uLnTx/>
+              <a:uFillTx/>
+              <a:latin typeface="Calibri" panose="020F0502020204030204"/>
+              <a:ea typeface="+mn-ea"/>
+              <a:cs typeface="+mn-cs"/>
+            </a:endParaRPr>
+          </a:p>
+        </p:txBody>
+      </p:sp>
+    </p:spTree>
+    <p:extLst>
+      <p:ext uri="{BB962C8B-B14F-4D97-AF65-F5344CB8AC3E}">
+        <p14:creationId xmlns:p14="http://schemas.microsoft.com/office/powerpoint/2010/main" val="1023949169"/>
+      </p:ext>
+    </p:extLst>
+  </p:cSld>
+  <p:clrMapOvr>
+    <a:masterClrMapping/>
+  </p:clrMapOvr>
+</p:notes>
+</file>
+
+<file path=ppt/notesSlides/notesSlide25.xml><?xml version="1.0" encoding="utf-8"?>
+<p:notes xmlns:a="http://schemas.openxmlformats.org/drawingml/2006/main" xmlns:r="http://schemas.openxmlformats.org/officeDocument/2006/relationships" xmlns:p="http://schemas.openxmlformats.org/presentationml/2006/main">
+  <p:cSld>
+    <p:spTree>
+      <p:nvGrpSpPr>
+        <p:cNvPr id="1" name="">
+          <a:extLst>
+            <a:ext uri="{FF2B5EF4-FFF2-40B4-BE49-F238E27FC236}">
+              <a16:creationId xmlns:a16="http://schemas.microsoft.com/office/drawing/2014/main" id="{BA1095EE-A5D1-0D56-D4E8-E10CA3E81861}"/>
+            </a:ext>
+          </a:extLst>
+        </p:cNvPr>
+        <p:cNvGrpSpPr/>
+        <p:nvPr/>
+      </p:nvGrpSpPr>
+      <p:grpSpPr>
+        <a:xfrm>
+          <a:off x="0" y="0"/>
+          <a:ext cx="0" cy="0"/>
+          <a:chOff x="0" y="0"/>
+          <a:chExt cx="0" cy="0"/>
+        </a:xfrm>
+      </p:grpSpPr>
+      <p:sp>
+        <p:nvSpPr>
+          <p:cNvPr id="2" name="Slide Image Placeholder 1">
+            <a:extLst>
+              <a:ext uri="{FF2B5EF4-FFF2-40B4-BE49-F238E27FC236}">
+                <a16:creationId xmlns:a16="http://schemas.microsoft.com/office/drawing/2014/main" id="{22DD21C5-9C2C-3517-7E7A-C7BC7FCF2A7E}"/>
+              </a:ext>
+            </a:extLst>
+          </p:cNvPr>
+          <p:cNvSpPr>
+            <a:spLocks noGrp="1" noRot="1" noChangeAspect="1"/>
+          </p:cNvSpPr>
+          <p:nvPr>
+            <p:ph type="sldImg"/>
+          </p:nvPr>
+        </p:nvSpPr>
+        <p:spPr/>
+      </p:sp>
+      <p:sp>
+        <p:nvSpPr>
+          <p:cNvPr id="3" name="Notes Placeholder 2">
+            <a:extLst>
+              <a:ext uri="{FF2B5EF4-FFF2-40B4-BE49-F238E27FC236}">
+                <a16:creationId xmlns:a16="http://schemas.microsoft.com/office/drawing/2014/main" id="{A8A69BE1-33FB-917C-00B9-9E2E3A4C1C28}"/>
+              </a:ext>
+            </a:extLst>
+          </p:cNvPr>
+          <p:cNvSpPr>
+            <a:spLocks noGrp="1"/>
+          </p:cNvSpPr>
+          <p:nvPr>
+            <p:ph type="body" idx="1"/>
+          </p:nvPr>
+        </p:nvSpPr>
+        <p:spPr/>
+        <p:txBody>
+          <a:bodyPr rtlCol="0"/>
+          <a:lstStyle/>
+          <a:p>
+            <a:pPr rtl="0"/>
+            <a:endParaRPr lang="en-GB"/>
+          </a:p>
+        </p:txBody>
+      </p:sp>
+      <p:sp>
+        <p:nvSpPr>
+          <p:cNvPr id="4" name="Slide Number Placeholder 3">
+            <a:extLst>
+              <a:ext uri="{FF2B5EF4-FFF2-40B4-BE49-F238E27FC236}">
+                <a16:creationId xmlns:a16="http://schemas.microsoft.com/office/drawing/2014/main" id="{1B2DDD41-299D-AD31-DDEF-85BAA4343DC7}"/>
+              </a:ext>
+            </a:extLst>
+          </p:cNvPr>
+          <p:cNvSpPr>
+            <a:spLocks noGrp="1"/>
+          </p:cNvSpPr>
+          <p:nvPr>
+            <p:ph type="sldNum" sz="quarter" idx="5"/>
+          </p:nvPr>
+        </p:nvSpPr>
+        <p:spPr/>
+        <p:txBody>
+          <a:bodyPr rtlCol="0"/>
+          <a:lstStyle/>
+          <a:p>
+            <a:pPr marL="0" marR="0" lvl="0" indent="0" algn="r" defTabSz="914400" rtl="0" eaLnBrk="1" fontAlgn="auto" latinLnBrk="0" hangingPunct="1">
+              <a:lnSpc>
+                <a:spcPct val="100000"/>
+              </a:lnSpc>
+              <a:spcBef>
+                <a:spcPts val="0"/>
+              </a:spcBef>
+              <a:spcAft>
+                <a:spcPts val="0"/>
+              </a:spcAft>
+              <a:buClrTx/>
+              <a:buSzTx/>
+              <a:buFontTx/>
+              <a:buNone/>
+              <a:tabLst/>
+              <a:defRPr/>
+            </a:pPr>
+            <a:fld id="{C853816F-A1CF-4485-B308-1B9F14B36EAD}" type="slidenum">
+              <a:rPr kumimoji="0" lang="en-GB" sz="1200" b="0" i="0" u="none" strike="noStrike" kern="1200" cap="none" spc="0" normalizeH="0" baseline="0" noProof="0" smtClean="0">
+                <a:ln>
+                  <a:noFill/>
+                </a:ln>
+                <a:solidFill>
+                  <a:prstClr val="black"/>
+                </a:solidFill>
+                <a:effectLst/>
+                <a:uLnTx/>
+                <a:uFillTx/>
+                <a:latin typeface="Calibri" panose="020F0502020204030204"/>
+                <a:ea typeface="+mn-ea"/>
+                <a:cs typeface="+mn-cs"/>
+              </a:rPr>
+              <a:pPr marL="0" marR="0" lvl="0" indent="0" algn="r" defTabSz="914400" rtl="0" eaLnBrk="1" fontAlgn="auto" latinLnBrk="0" hangingPunct="1">
+                <a:lnSpc>
+                  <a:spcPct val="100000"/>
+                </a:lnSpc>
+                <a:spcBef>
+                  <a:spcPts val="0"/>
+                </a:spcBef>
+                <a:spcAft>
+                  <a:spcPts val="0"/>
+                </a:spcAft>
+                <a:buClrTx/>
+                <a:buSzTx/>
+                <a:buFontTx/>
+                <a:buNone/>
+                <a:tabLst/>
+                <a:defRPr/>
+              </a:pPr>
+              <a:t>26</a:t>
+            </a:fld>
+            <a:endParaRPr kumimoji="0" lang="en-GB" sz="1200" b="0" i="0" u="none" strike="noStrike" kern="1200" cap="none" spc="0" normalizeH="0" baseline="0" noProof="0">
+              <a:ln>
+                <a:noFill/>
+              </a:ln>
+              <a:solidFill>
+                <a:prstClr val="black"/>
+              </a:solidFill>
+              <a:effectLst/>
+              <a:uLnTx/>
+              <a:uFillTx/>
+              <a:latin typeface="Calibri" panose="020F0502020204030204"/>
+              <a:ea typeface="+mn-ea"/>
+              <a:cs typeface="+mn-cs"/>
+            </a:endParaRPr>
+          </a:p>
+        </p:txBody>
+      </p:sp>
+    </p:spTree>
+    <p:extLst>
+      <p:ext uri="{BB962C8B-B14F-4D97-AF65-F5344CB8AC3E}">
+        <p14:creationId xmlns:p14="http://schemas.microsoft.com/office/powerpoint/2010/main" val="2195399933"/>
+      </p:ext>
+    </p:extLst>
+  </p:cSld>
+  <p:clrMapOvr>
+    <a:masterClrMapping/>
+  </p:clrMapOvr>
+</p:notes>
+</file>
+
+<file path=ppt/notesSlides/notesSlide26.xml><?xml version="1.0" encoding="utf-8"?>
+<p:notes xmlns:a="http://schemas.openxmlformats.org/drawingml/2006/main" xmlns:r="http://schemas.openxmlformats.org/officeDocument/2006/relationships" xmlns:p="http://schemas.openxmlformats.org/presentationml/2006/main">
+  <p:cSld>
+    <p:spTree>
+      <p:nvGrpSpPr>
+        <p:cNvPr id="1" name="">
+          <a:extLst>
+            <a:ext uri="{FF2B5EF4-FFF2-40B4-BE49-F238E27FC236}">
+              <a16:creationId xmlns:a16="http://schemas.microsoft.com/office/drawing/2014/main" id="{F1AF6BE7-1A30-E41D-D9DB-78A3D5FB1558}"/>
+            </a:ext>
+          </a:extLst>
+        </p:cNvPr>
+        <p:cNvGrpSpPr/>
+        <p:nvPr/>
+      </p:nvGrpSpPr>
+      <p:grpSpPr>
+        <a:xfrm>
+          <a:off x="0" y="0"/>
+          <a:ext cx="0" cy="0"/>
+          <a:chOff x="0" y="0"/>
+          <a:chExt cx="0" cy="0"/>
+        </a:xfrm>
+      </p:grpSpPr>
+      <p:sp>
+        <p:nvSpPr>
+          <p:cNvPr id="2" name="Slide Image Placeholder 1">
+            <a:extLst>
+              <a:ext uri="{FF2B5EF4-FFF2-40B4-BE49-F238E27FC236}">
+                <a16:creationId xmlns:a16="http://schemas.microsoft.com/office/drawing/2014/main" id="{602F37D6-B9FD-2BB8-56F0-D0C5D3F408DF}"/>
+              </a:ext>
+            </a:extLst>
+          </p:cNvPr>
+          <p:cNvSpPr>
+            <a:spLocks noGrp="1" noRot="1" noChangeAspect="1"/>
+          </p:cNvSpPr>
+          <p:nvPr>
+            <p:ph type="sldImg"/>
+          </p:nvPr>
+        </p:nvSpPr>
+        <p:spPr/>
+      </p:sp>
+      <p:sp>
+        <p:nvSpPr>
+          <p:cNvPr id="3" name="Notes Placeholder 2">
+            <a:extLst>
+              <a:ext uri="{FF2B5EF4-FFF2-40B4-BE49-F238E27FC236}">
+                <a16:creationId xmlns:a16="http://schemas.microsoft.com/office/drawing/2014/main" id="{BD660033-1DF9-044A-E3E8-E811731E5012}"/>
+              </a:ext>
+            </a:extLst>
+          </p:cNvPr>
+          <p:cNvSpPr>
+            <a:spLocks noGrp="1"/>
+          </p:cNvSpPr>
+          <p:nvPr>
+            <p:ph type="body" idx="1"/>
+          </p:nvPr>
+        </p:nvSpPr>
+        <p:spPr/>
+        <p:txBody>
+          <a:bodyPr rtlCol="0"/>
+          <a:lstStyle/>
+          <a:p>
+            <a:pPr rtl="0"/>
+            <a:endParaRPr lang="en-GB"/>
+          </a:p>
+        </p:txBody>
+      </p:sp>
+      <p:sp>
+        <p:nvSpPr>
+          <p:cNvPr id="4" name="Slide Number Placeholder 3">
+            <a:extLst>
+              <a:ext uri="{FF2B5EF4-FFF2-40B4-BE49-F238E27FC236}">
+                <a16:creationId xmlns:a16="http://schemas.microsoft.com/office/drawing/2014/main" id="{5B0A9EE4-6B2F-BBF8-DF5D-16CA959C56FF}"/>
               </a:ext>
             </a:extLst>
           </p:cNvPr>
@@ -2267,7 +3203,7 @@
     </p:spTree>
     <p:extLst>
       <p:ext uri="{BB962C8B-B14F-4D97-AF65-F5344CB8AC3E}">
-        <p14:creationId xmlns:p14="http://schemas.microsoft.com/office/powerpoint/2010/main" val="617772710"/>
+        <p14:creationId xmlns:p14="http://schemas.microsoft.com/office/powerpoint/2010/main" val="3677103183"/>
       </p:ext>
     </p:extLst>
   </p:cSld>
@@ -2277,7 +3213,7 @@
 </p:notes>
 </file>
 
-<file path=ppt/notesSlides/notesSlide23.xml><?xml version="1.0" encoding="utf-8"?>
+<file path=ppt/notesSlides/notesSlide27.xml><?xml version="1.0" encoding="utf-8"?>
 <p:notes xmlns:a="http://schemas.openxmlformats.org/drawingml/2006/main" xmlns:r="http://schemas.openxmlformats.org/officeDocument/2006/relationships" xmlns:p="http://schemas.openxmlformats.org/presentationml/2006/main">
   <p:cSld>
     <p:spTree>
@@ -2285,7 +3221,7 @@
         <p:cNvPr id="1" name="">
           <a:extLst>
             <a:ext uri="{FF2B5EF4-FFF2-40B4-BE49-F238E27FC236}">
-              <a16:creationId xmlns:a16="http://schemas.microsoft.com/office/drawing/2014/main" id="{37D2D7A4-F055-5A97-4DBD-96148EB2E2EB}"/>
+              <a16:creationId xmlns:a16="http://schemas.microsoft.com/office/drawing/2014/main" id="{3AE43C97-FFDA-14CD-E203-676DAB023245}"/>
             </a:ext>
           </a:extLst>
         </p:cNvPr>
@@ -2305,7 +3241,7 @@
           <p:cNvPr id="2" name="Slide Image Placeholder 1">
             <a:extLst>
               <a:ext uri="{FF2B5EF4-FFF2-40B4-BE49-F238E27FC236}">
-                <a16:creationId xmlns:a16="http://schemas.microsoft.com/office/drawing/2014/main" id="{9138A976-08A5-2516-DB4C-E50AA95B9B4D}"/>
+                <a16:creationId xmlns:a16="http://schemas.microsoft.com/office/drawing/2014/main" id="{C2DC729F-83C6-58A1-A2E9-F10B9B08C381}"/>
               </a:ext>
             </a:extLst>
           </p:cNvPr>
@@ -2323,7 +3259,7 @@
           <p:cNvPr id="3" name="Notes Placeholder 2">
             <a:extLst>
               <a:ext uri="{FF2B5EF4-FFF2-40B4-BE49-F238E27FC236}">
-                <a16:creationId xmlns:a16="http://schemas.microsoft.com/office/drawing/2014/main" id="{9FE1565C-EDE7-B382-4D7B-6F67E76B81B1}"/>
+                <a16:creationId xmlns:a16="http://schemas.microsoft.com/office/drawing/2014/main" id="{369B6248-477C-F24C-3B20-63D12AEE744A}"/>
               </a:ext>
             </a:extLst>
           </p:cNvPr>
@@ -2349,7 +3285,7 @@
           <p:cNvPr id="4" name="Slide Number Placeholder 3">
             <a:extLst>
               <a:ext uri="{FF2B5EF4-FFF2-40B4-BE49-F238E27FC236}">
-                <a16:creationId xmlns:a16="http://schemas.microsoft.com/office/drawing/2014/main" id="{04FF26C2-6926-1CF2-92AE-531F49E3D004}"/>
+                <a16:creationId xmlns:a16="http://schemas.microsoft.com/office/drawing/2014/main" id="{8E3F9C0B-FDA8-BB18-67A2-0B7006D82597}"/>
               </a:ext>
             </a:extLst>
           </p:cNvPr>
@@ -2436,7 +3372,7 @@
     </p:spTree>
     <p:extLst>
       <p:ext uri="{BB962C8B-B14F-4D97-AF65-F5344CB8AC3E}">
-        <p14:creationId xmlns:p14="http://schemas.microsoft.com/office/powerpoint/2010/main" val="4142257378"/>
+        <p14:creationId xmlns:p14="http://schemas.microsoft.com/office/powerpoint/2010/main" val="1989065021"/>
       </p:ext>
     </p:extLst>
   </p:cSld>
@@ -2446,7 +3382,7 @@
 </p:notes>
 </file>
 
-<file path=ppt/notesSlides/notesSlide24.xml><?xml version="1.0" encoding="utf-8"?>
+<file path=ppt/notesSlides/notesSlide28.xml><?xml version="1.0" encoding="utf-8"?>
 <p:notes xmlns:a="http://schemas.openxmlformats.org/drawingml/2006/main" xmlns:r="http://schemas.openxmlformats.org/officeDocument/2006/relationships" xmlns:p="http://schemas.openxmlformats.org/presentationml/2006/main">
   <p:cSld>
     <p:spTree>
@@ -2454,7 +3390,7 @@
         <p:cNvPr id="1" name="">
           <a:extLst>
             <a:ext uri="{FF2B5EF4-FFF2-40B4-BE49-F238E27FC236}">
-              <a16:creationId xmlns:a16="http://schemas.microsoft.com/office/drawing/2014/main" id="{C841FAC6-26A0-26A6-84E6-72154B0D95A2}"/>
+              <a16:creationId xmlns:a16="http://schemas.microsoft.com/office/drawing/2014/main" id="{A091866E-F455-B719-2312-BA6754A3E0D2}"/>
             </a:ext>
           </a:extLst>
         </p:cNvPr>
@@ -2474,7 +3410,7 @@
           <p:cNvPr id="2" name="Slide Image Placeholder 1">
             <a:extLst>
               <a:ext uri="{FF2B5EF4-FFF2-40B4-BE49-F238E27FC236}">
-                <a16:creationId xmlns:a16="http://schemas.microsoft.com/office/drawing/2014/main" id="{D537320D-AF27-8D93-4621-A4451FACCEC1}"/>
+                <a16:creationId xmlns:a16="http://schemas.microsoft.com/office/drawing/2014/main" id="{7AFA6E3C-0EF5-738D-AF97-CDD9E107369E}"/>
               </a:ext>
             </a:extLst>
           </p:cNvPr>
@@ -2492,7 +3428,7 @@
           <p:cNvPr id="3" name="Notes Placeholder 2">
             <a:extLst>
               <a:ext uri="{FF2B5EF4-FFF2-40B4-BE49-F238E27FC236}">
-                <a16:creationId xmlns:a16="http://schemas.microsoft.com/office/drawing/2014/main" id="{29531299-43EC-4003-D70B-3BFF743666DE}"/>
+                <a16:creationId xmlns:a16="http://schemas.microsoft.com/office/drawing/2014/main" id="{2872DAA5-5E7D-B3A7-AD2A-D06F9C807B81}"/>
               </a:ext>
             </a:extLst>
           </p:cNvPr>
@@ -2518,7 +3454,7 @@
           <p:cNvPr id="4" name="Slide Number Placeholder 3">
             <a:extLst>
               <a:ext uri="{FF2B5EF4-FFF2-40B4-BE49-F238E27FC236}">
-                <a16:creationId xmlns:a16="http://schemas.microsoft.com/office/drawing/2014/main" id="{669D48CA-FB16-ADFD-90AE-737234A4C101}"/>
+                <a16:creationId xmlns:a16="http://schemas.microsoft.com/office/drawing/2014/main" id="{754E1D83-9F92-EA0C-5F69-25E924D23593}"/>
               </a:ext>
             </a:extLst>
           </p:cNvPr>
@@ -2605,7 +3541,7 @@
     </p:spTree>
     <p:extLst>
       <p:ext uri="{BB962C8B-B14F-4D97-AF65-F5344CB8AC3E}">
-        <p14:creationId xmlns:p14="http://schemas.microsoft.com/office/powerpoint/2010/main" val="19052226"/>
+        <p14:creationId xmlns:p14="http://schemas.microsoft.com/office/powerpoint/2010/main" val="689761635"/>
       </p:ext>
     </p:extLst>
   </p:cSld>
@@ -2615,7 +3551,7 @@
 </p:notes>
 </file>
 
-<file path=ppt/notesSlides/notesSlide25.xml><?xml version="1.0" encoding="utf-8"?>
+<file path=ppt/notesSlides/notesSlide29.xml><?xml version="1.0" encoding="utf-8"?>
 <p:notes xmlns:a="http://schemas.openxmlformats.org/drawingml/2006/main" xmlns:r="http://schemas.openxmlformats.org/officeDocument/2006/relationships" xmlns:p="http://schemas.openxmlformats.org/presentationml/2006/main">
   <p:cSld>
     <p:spTree>
@@ -2623,7 +3559,7 @@
         <p:cNvPr id="1" name="">
           <a:extLst>
             <a:ext uri="{FF2B5EF4-FFF2-40B4-BE49-F238E27FC236}">
-              <a16:creationId xmlns:a16="http://schemas.microsoft.com/office/drawing/2014/main" id="{B341EE8D-039A-28B3-33B1-4B67688615D2}"/>
+              <a16:creationId xmlns:a16="http://schemas.microsoft.com/office/drawing/2014/main" id="{43EC455D-0298-AE63-598D-A071AAD32707}"/>
             </a:ext>
           </a:extLst>
         </p:cNvPr>
@@ -2643,7 +3579,7 @@
           <p:cNvPr id="2" name="Slide Image Placeholder 1">
             <a:extLst>
               <a:ext uri="{FF2B5EF4-FFF2-40B4-BE49-F238E27FC236}">
-                <a16:creationId xmlns:a16="http://schemas.microsoft.com/office/drawing/2014/main" id="{7B553295-B5F7-ABA2-E587-DEEA211CB226}"/>
+                <a16:creationId xmlns:a16="http://schemas.microsoft.com/office/drawing/2014/main" id="{6CC48CA2-F15B-7C4E-E65A-84E79C2AE4E7}"/>
               </a:ext>
             </a:extLst>
           </p:cNvPr>
@@ -2661,7 +3597,7 @@
           <p:cNvPr id="3" name="Notes Placeholder 2">
             <a:extLst>
               <a:ext uri="{FF2B5EF4-FFF2-40B4-BE49-F238E27FC236}">
-                <a16:creationId xmlns:a16="http://schemas.microsoft.com/office/drawing/2014/main" id="{FA3293B6-7794-57AE-82CF-B9B57038BBE7}"/>
+                <a16:creationId xmlns:a16="http://schemas.microsoft.com/office/drawing/2014/main" id="{2AFAB4F3-F2D8-0454-A6CC-E5DEDC263BC6}"/>
               </a:ext>
             </a:extLst>
           </p:cNvPr>
@@ -2687,7 +3623,7 @@
           <p:cNvPr id="4" name="Slide Number Placeholder 3">
             <a:extLst>
               <a:ext uri="{FF2B5EF4-FFF2-40B4-BE49-F238E27FC236}">
-                <a16:creationId xmlns:a16="http://schemas.microsoft.com/office/drawing/2014/main" id="{14532B64-2F3D-C66C-CC97-D56CF2B24693}"/>
+                <a16:creationId xmlns:a16="http://schemas.microsoft.com/office/drawing/2014/main" id="{A543EAF3-E629-EE0F-BB9D-6796869A9D8E}"/>
               </a:ext>
             </a:extLst>
           </p:cNvPr>
@@ -2774,7 +3710,7 @@
     </p:spTree>
     <p:extLst>
       <p:ext uri="{BB962C8B-B14F-4D97-AF65-F5344CB8AC3E}">
-        <p14:creationId xmlns:p14="http://schemas.microsoft.com/office/powerpoint/2010/main" val="1023949169"/>
+        <p14:creationId xmlns:p14="http://schemas.microsoft.com/office/powerpoint/2010/main" val="1398290229"/>
       </p:ext>
     </p:extLst>
   </p:cSld>
@@ -2784,7 +3720,7 @@
 </p:notes>
 </file>
 
-<file path=ppt/notesSlides/notesSlide26.xml><?xml version="1.0" encoding="utf-8"?>
+<file path=ppt/notesSlides/notesSlide3.xml><?xml version="1.0" encoding="utf-8"?>
 <p:notes xmlns:a="http://schemas.openxmlformats.org/drawingml/2006/main" xmlns:r="http://schemas.openxmlformats.org/officeDocument/2006/relationships" xmlns:p="http://schemas.openxmlformats.org/presentationml/2006/main">
   <p:cSld>
     <p:spTree>
@@ -2792,7 +3728,7 @@
         <p:cNvPr id="1" name="">
           <a:extLst>
             <a:ext uri="{FF2B5EF4-FFF2-40B4-BE49-F238E27FC236}">
-              <a16:creationId xmlns:a16="http://schemas.microsoft.com/office/drawing/2014/main" id="{BA1095EE-A5D1-0D56-D4E8-E10CA3E81861}"/>
+              <a16:creationId xmlns:a16="http://schemas.microsoft.com/office/drawing/2014/main" id="{BA6CCBE5-6145-B756-75F9-4AF2F8C4A749}"/>
             </a:ext>
           </a:extLst>
         </p:cNvPr>
@@ -2812,7 +3748,7 @@
           <p:cNvPr id="2" name="Slide Image Placeholder 1">
             <a:extLst>
               <a:ext uri="{FF2B5EF4-FFF2-40B4-BE49-F238E27FC236}">
-                <a16:creationId xmlns:a16="http://schemas.microsoft.com/office/drawing/2014/main" id="{22DD21C5-9C2C-3517-7E7A-C7BC7FCF2A7E}"/>
+                <a16:creationId xmlns:a16="http://schemas.microsoft.com/office/drawing/2014/main" id="{1B4670AC-AD41-9802-6A11-3392FA894428}"/>
               </a:ext>
             </a:extLst>
           </p:cNvPr>
@@ -2830,7 +3766,7 @@
           <p:cNvPr id="3" name="Notes Placeholder 2">
             <a:extLst>
               <a:ext uri="{FF2B5EF4-FFF2-40B4-BE49-F238E27FC236}">
-                <a16:creationId xmlns:a16="http://schemas.microsoft.com/office/drawing/2014/main" id="{A8A69BE1-33FB-917C-00B9-9E2E3A4C1C28}"/>
+                <a16:creationId xmlns:a16="http://schemas.microsoft.com/office/drawing/2014/main" id="{DF512682-8FD3-E1EE-86C9-EF582179E065}"/>
               </a:ext>
             </a:extLst>
           </p:cNvPr>
@@ -2856,7 +3792,117 @@
           <p:cNvPr id="4" name="Slide Number Placeholder 3">
             <a:extLst>
               <a:ext uri="{FF2B5EF4-FFF2-40B4-BE49-F238E27FC236}">
-                <a16:creationId xmlns:a16="http://schemas.microsoft.com/office/drawing/2014/main" id="{1B2DDD41-299D-AD31-DDEF-85BAA4343DC7}"/>
+                <a16:creationId xmlns:a16="http://schemas.microsoft.com/office/drawing/2014/main" id="{4BF37B64-8A0F-BA89-A7CB-A7A9635CE940}"/>
+              </a:ext>
+            </a:extLst>
+          </p:cNvPr>
+          <p:cNvSpPr>
+            <a:spLocks noGrp="1"/>
+          </p:cNvSpPr>
+          <p:nvPr>
+            <p:ph type="sldNum" sz="quarter" idx="5"/>
+          </p:nvPr>
+        </p:nvSpPr>
+        <p:spPr/>
+        <p:txBody>
+          <a:bodyPr rtlCol="0"/>
+          <a:lstStyle/>
+          <a:p>
+            <a:pPr rtl="0"/>
+            <a:fld id="{C853816F-A1CF-4485-B308-1B9F14B36EAD}" type="slidenum">
+              <a:rPr lang="en-GB" smtClean="0"/>
+              <a:t>3</a:t>
+            </a:fld>
+            <a:endParaRPr lang="en-GB"/>
+          </a:p>
+        </p:txBody>
+      </p:sp>
+    </p:spTree>
+    <p:extLst>
+      <p:ext uri="{BB962C8B-B14F-4D97-AF65-F5344CB8AC3E}">
+        <p14:creationId xmlns:p14="http://schemas.microsoft.com/office/powerpoint/2010/main" val="1844777118"/>
+      </p:ext>
+    </p:extLst>
+  </p:cSld>
+  <p:clrMapOvr>
+    <a:masterClrMapping/>
+  </p:clrMapOvr>
+</p:notes>
+</file>
+
+<file path=ppt/notesSlides/notesSlide30.xml><?xml version="1.0" encoding="utf-8"?>
+<p:notes xmlns:a="http://schemas.openxmlformats.org/drawingml/2006/main" xmlns:r="http://schemas.openxmlformats.org/officeDocument/2006/relationships" xmlns:p="http://schemas.openxmlformats.org/presentationml/2006/main">
+  <p:cSld>
+    <p:spTree>
+      <p:nvGrpSpPr>
+        <p:cNvPr id="1" name="">
+          <a:extLst>
+            <a:ext uri="{FF2B5EF4-FFF2-40B4-BE49-F238E27FC236}">
+              <a16:creationId xmlns:a16="http://schemas.microsoft.com/office/drawing/2014/main" id="{E97C7C03-B484-8AA0-F89C-87BC555E60FE}"/>
+            </a:ext>
+          </a:extLst>
+        </p:cNvPr>
+        <p:cNvGrpSpPr/>
+        <p:nvPr/>
+      </p:nvGrpSpPr>
+      <p:grpSpPr>
+        <a:xfrm>
+          <a:off x="0" y="0"/>
+          <a:ext cx="0" cy="0"/>
+          <a:chOff x="0" y="0"/>
+          <a:chExt cx="0" cy="0"/>
+        </a:xfrm>
+      </p:grpSpPr>
+      <p:sp>
+        <p:nvSpPr>
+          <p:cNvPr id="2" name="Slide Image Placeholder 1">
+            <a:extLst>
+              <a:ext uri="{FF2B5EF4-FFF2-40B4-BE49-F238E27FC236}">
+                <a16:creationId xmlns:a16="http://schemas.microsoft.com/office/drawing/2014/main" id="{63F96518-4977-89CA-AEBB-1E821EB8DCA1}"/>
+              </a:ext>
+            </a:extLst>
+          </p:cNvPr>
+          <p:cNvSpPr>
+            <a:spLocks noGrp="1" noRot="1" noChangeAspect="1"/>
+          </p:cNvSpPr>
+          <p:nvPr>
+            <p:ph type="sldImg"/>
+          </p:nvPr>
+        </p:nvSpPr>
+        <p:spPr/>
+      </p:sp>
+      <p:sp>
+        <p:nvSpPr>
+          <p:cNvPr id="3" name="Notes Placeholder 2">
+            <a:extLst>
+              <a:ext uri="{FF2B5EF4-FFF2-40B4-BE49-F238E27FC236}">
+                <a16:creationId xmlns:a16="http://schemas.microsoft.com/office/drawing/2014/main" id="{676F02D6-B89A-80B9-EB84-B50CF380008A}"/>
+              </a:ext>
+            </a:extLst>
+          </p:cNvPr>
+          <p:cNvSpPr>
+            <a:spLocks noGrp="1"/>
+          </p:cNvSpPr>
+          <p:nvPr>
+            <p:ph type="body" idx="1"/>
+          </p:nvPr>
+        </p:nvSpPr>
+        <p:spPr/>
+        <p:txBody>
+          <a:bodyPr rtlCol="0"/>
+          <a:lstStyle/>
+          <a:p>
+            <a:pPr rtl="0"/>
+            <a:endParaRPr lang="en-GB"/>
+          </a:p>
+        </p:txBody>
+      </p:sp>
+      <p:sp>
+        <p:nvSpPr>
+          <p:cNvPr id="4" name="Slide Number Placeholder 3">
+            <a:extLst>
+              <a:ext uri="{FF2B5EF4-FFF2-40B4-BE49-F238E27FC236}">
+                <a16:creationId xmlns:a16="http://schemas.microsoft.com/office/drawing/2014/main" id="{4A1F9B01-6F2E-7FAE-D140-26FCDCFB19BB}"/>
               </a:ext>
             </a:extLst>
           </p:cNvPr>
@@ -2943,7 +3989,7 @@
     </p:spTree>
     <p:extLst>
       <p:ext uri="{BB962C8B-B14F-4D97-AF65-F5344CB8AC3E}">
-        <p14:creationId xmlns:p14="http://schemas.microsoft.com/office/powerpoint/2010/main" val="2195399933"/>
+        <p14:creationId xmlns:p14="http://schemas.microsoft.com/office/powerpoint/2010/main" val="3374709498"/>
       </p:ext>
     </p:extLst>
   </p:cSld>
@@ -2953,7 +3999,7 @@
 </p:notes>
 </file>
 
-<file path=ppt/notesSlides/notesSlide27.xml><?xml version="1.0" encoding="utf-8"?>
+<file path=ppt/notesSlides/notesSlide31.xml><?xml version="1.0" encoding="utf-8"?>
 <p:notes xmlns:a="http://schemas.openxmlformats.org/drawingml/2006/main" xmlns:r="http://schemas.openxmlformats.org/officeDocument/2006/relationships" xmlns:p="http://schemas.openxmlformats.org/presentationml/2006/main">
   <p:cSld>
     <p:spTree>
@@ -2961,7 +4007,7 @@
         <p:cNvPr id="1" name="">
           <a:extLst>
             <a:ext uri="{FF2B5EF4-FFF2-40B4-BE49-F238E27FC236}">
-              <a16:creationId xmlns:a16="http://schemas.microsoft.com/office/drawing/2014/main" id="{F1AF6BE7-1A30-E41D-D9DB-78A3D5FB1558}"/>
+              <a16:creationId xmlns:a16="http://schemas.microsoft.com/office/drawing/2014/main" id="{1445C856-7734-A816-3318-7671234E31AC}"/>
             </a:ext>
           </a:extLst>
         </p:cNvPr>
@@ -2981,7 +4027,7 @@
           <p:cNvPr id="2" name="Slide Image Placeholder 1">
             <a:extLst>
               <a:ext uri="{FF2B5EF4-FFF2-40B4-BE49-F238E27FC236}">
-                <a16:creationId xmlns:a16="http://schemas.microsoft.com/office/drawing/2014/main" id="{602F37D6-B9FD-2BB8-56F0-D0C5D3F408DF}"/>
+                <a16:creationId xmlns:a16="http://schemas.microsoft.com/office/drawing/2014/main" id="{C41E3648-EDE1-FCC1-DD8F-2FDEA89F8816}"/>
               </a:ext>
             </a:extLst>
           </p:cNvPr>
@@ -2999,7 +4045,7 @@
           <p:cNvPr id="3" name="Notes Placeholder 2">
             <a:extLst>
               <a:ext uri="{FF2B5EF4-FFF2-40B4-BE49-F238E27FC236}">
-                <a16:creationId xmlns:a16="http://schemas.microsoft.com/office/drawing/2014/main" id="{BD660033-1DF9-044A-E3E8-E811731E5012}"/>
+                <a16:creationId xmlns:a16="http://schemas.microsoft.com/office/drawing/2014/main" id="{A01F8E4E-677C-8CC2-5AFA-6244797EE5DB}"/>
               </a:ext>
             </a:extLst>
           </p:cNvPr>
@@ -3025,7 +4071,7 @@
           <p:cNvPr id="4" name="Slide Number Placeholder 3">
             <a:extLst>
               <a:ext uri="{FF2B5EF4-FFF2-40B4-BE49-F238E27FC236}">
-                <a16:creationId xmlns:a16="http://schemas.microsoft.com/office/drawing/2014/main" id="{5B0A9EE4-6B2F-BBF8-DF5D-16CA959C56FF}"/>
+                <a16:creationId xmlns:a16="http://schemas.microsoft.com/office/drawing/2014/main" id="{E563EB4F-C5EF-A6D0-31A0-605F9DB7A587}"/>
               </a:ext>
             </a:extLst>
           </p:cNvPr>
@@ -3112,7 +4158,7 @@
     </p:spTree>
     <p:extLst>
       <p:ext uri="{BB962C8B-B14F-4D97-AF65-F5344CB8AC3E}">
-        <p14:creationId xmlns:p14="http://schemas.microsoft.com/office/powerpoint/2010/main" val="3677103183"/>
+        <p14:creationId xmlns:p14="http://schemas.microsoft.com/office/powerpoint/2010/main" val="1632540104"/>
       </p:ext>
     </p:extLst>
   </p:cSld>
@@ -3122,7 +4168,7 @@
 </p:notes>
 </file>
 
-<file path=ppt/notesSlides/notesSlide28.xml><?xml version="1.0" encoding="utf-8"?>
+<file path=ppt/notesSlides/notesSlide32.xml><?xml version="1.0" encoding="utf-8"?>
 <p:notes xmlns:a="http://schemas.openxmlformats.org/drawingml/2006/main" xmlns:r="http://schemas.openxmlformats.org/officeDocument/2006/relationships" xmlns:p="http://schemas.openxmlformats.org/presentationml/2006/main">
   <p:cSld>
     <p:spTree>
@@ -3130,7 +4176,7 @@
         <p:cNvPr id="1" name="">
           <a:extLst>
             <a:ext uri="{FF2B5EF4-FFF2-40B4-BE49-F238E27FC236}">
-              <a16:creationId xmlns:a16="http://schemas.microsoft.com/office/drawing/2014/main" id="{3AE43C97-FFDA-14CD-E203-676DAB023245}"/>
+              <a16:creationId xmlns:a16="http://schemas.microsoft.com/office/drawing/2014/main" id="{BBD142CE-E40B-78D2-E1CB-F529EFCA6A81}"/>
             </a:ext>
           </a:extLst>
         </p:cNvPr>
@@ -3150,7 +4196,7 @@
           <p:cNvPr id="2" name="Slide Image Placeholder 1">
             <a:extLst>
               <a:ext uri="{FF2B5EF4-FFF2-40B4-BE49-F238E27FC236}">
-                <a16:creationId xmlns:a16="http://schemas.microsoft.com/office/drawing/2014/main" id="{C2DC729F-83C6-58A1-A2E9-F10B9B08C381}"/>
+                <a16:creationId xmlns:a16="http://schemas.microsoft.com/office/drawing/2014/main" id="{1243F738-C8C3-C168-72FE-8F310A811805}"/>
               </a:ext>
             </a:extLst>
           </p:cNvPr>
@@ -3168,7 +4214,7 @@
           <p:cNvPr id="3" name="Notes Placeholder 2">
             <a:extLst>
               <a:ext uri="{FF2B5EF4-FFF2-40B4-BE49-F238E27FC236}">
-                <a16:creationId xmlns:a16="http://schemas.microsoft.com/office/drawing/2014/main" id="{369B6248-477C-F24C-3B20-63D12AEE744A}"/>
+                <a16:creationId xmlns:a16="http://schemas.microsoft.com/office/drawing/2014/main" id="{4DCED629-4FA6-2C51-D5DA-D0D3CDE6671E}"/>
               </a:ext>
             </a:extLst>
           </p:cNvPr>
@@ -3194,7 +4240,7 @@
           <p:cNvPr id="4" name="Slide Number Placeholder 3">
             <a:extLst>
               <a:ext uri="{FF2B5EF4-FFF2-40B4-BE49-F238E27FC236}">
-                <a16:creationId xmlns:a16="http://schemas.microsoft.com/office/drawing/2014/main" id="{8E3F9C0B-FDA8-BB18-67A2-0B7006D82597}"/>
+                <a16:creationId xmlns:a16="http://schemas.microsoft.com/office/drawing/2014/main" id="{FEACDA60-CD6C-F4AA-C325-A2C0A10427EE}"/>
               </a:ext>
             </a:extLst>
           </p:cNvPr>
@@ -3281,7 +4327,7 @@
     </p:spTree>
     <p:extLst>
       <p:ext uri="{BB962C8B-B14F-4D97-AF65-F5344CB8AC3E}">
-        <p14:creationId xmlns:p14="http://schemas.microsoft.com/office/powerpoint/2010/main" val="1989065021"/>
+        <p14:creationId xmlns:p14="http://schemas.microsoft.com/office/powerpoint/2010/main" val="1951737796"/>
       </p:ext>
     </p:extLst>
   </p:cSld>
@@ -3291,7 +4337,7 @@
 </p:notes>
 </file>
 
-<file path=ppt/notesSlides/notesSlide29.xml><?xml version="1.0" encoding="utf-8"?>
+<file path=ppt/notesSlides/notesSlide33.xml><?xml version="1.0" encoding="utf-8"?>
 <p:notes xmlns:a="http://schemas.openxmlformats.org/drawingml/2006/main" xmlns:r="http://schemas.openxmlformats.org/officeDocument/2006/relationships" xmlns:p="http://schemas.openxmlformats.org/presentationml/2006/main">
   <p:cSld>
     <p:spTree>
@@ -3299,7 +4345,7 @@
         <p:cNvPr id="1" name="">
           <a:extLst>
             <a:ext uri="{FF2B5EF4-FFF2-40B4-BE49-F238E27FC236}">
-              <a16:creationId xmlns:a16="http://schemas.microsoft.com/office/drawing/2014/main" id="{A091866E-F455-B719-2312-BA6754A3E0D2}"/>
+              <a16:creationId xmlns:a16="http://schemas.microsoft.com/office/drawing/2014/main" id="{52DF4885-F4B9-2BB6-E14C-21514E40FDE3}"/>
             </a:ext>
           </a:extLst>
         </p:cNvPr>
@@ -3319,7 +4365,7 @@
           <p:cNvPr id="2" name="Slide Image Placeholder 1">
             <a:extLst>
               <a:ext uri="{FF2B5EF4-FFF2-40B4-BE49-F238E27FC236}">
-                <a16:creationId xmlns:a16="http://schemas.microsoft.com/office/drawing/2014/main" id="{7AFA6E3C-0EF5-738D-AF97-CDD9E107369E}"/>
+                <a16:creationId xmlns:a16="http://schemas.microsoft.com/office/drawing/2014/main" id="{69E93B22-BE13-7899-3A96-E368AA783B4A}"/>
               </a:ext>
             </a:extLst>
           </p:cNvPr>
@@ -3337,7 +4383,7 @@
           <p:cNvPr id="3" name="Notes Placeholder 2">
             <a:extLst>
               <a:ext uri="{FF2B5EF4-FFF2-40B4-BE49-F238E27FC236}">
-                <a16:creationId xmlns:a16="http://schemas.microsoft.com/office/drawing/2014/main" id="{2872DAA5-5E7D-B3A7-AD2A-D06F9C807B81}"/>
+                <a16:creationId xmlns:a16="http://schemas.microsoft.com/office/drawing/2014/main" id="{79828085-6792-3DE2-75A5-E7E4EB955C72}"/>
               </a:ext>
             </a:extLst>
           </p:cNvPr>
@@ -3363,7 +4409,7 @@
           <p:cNvPr id="4" name="Slide Number Placeholder 3">
             <a:extLst>
               <a:ext uri="{FF2B5EF4-FFF2-40B4-BE49-F238E27FC236}">
-                <a16:creationId xmlns:a16="http://schemas.microsoft.com/office/drawing/2014/main" id="{754E1D83-9F92-EA0C-5F69-25E924D23593}"/>
+                <a16:creationId xmlns:a16="http://schemas.microsoft.com/office/drawing/2014/main" id="{F62C85EF-C20A-B995-5E46-4A9FBF746A01}"/>
               </a:ext>
             </a:extLst>
           </p:cNvPr>
@@ -3450,7 +4496,7 @@
     </p:spTree>
     <p:extLst>
       <p:ext uri="{BB962C8B-B14F-4D97-AF65-F5344CB8AC3E}">
-        <p14:creationId xmlns:p14="http://schemas.microsoft.com/office/powerpoint/2010/main" val="689761635"/>
+        <p14:creationId xmlns:p14="http://schemas.microsoft.com/office/powerpoint/2010/main" val="3881250367"/>
       </p:ext>
     </p:extLst>
   </p:cSld>
@@ -3460,7 +4506,295 @@
 </p:notes>
 </file>
 
-<file path=ppt/notesSlides/notesSlide3.xml><?xml version="1.0" encoding="utf-8"?>
+<file path=ppt/notesSlides/notesSlide4.xml><?xml version="1.0" encoding="utf-8"?>
+<p:notes xmlns:a="http://schemas.openxmlformats.org/drawingml/2006/main" xmlns:r="http://schemas.openxmlformats.org/officeDocument/2006/relationships" xmlns:p="http://schemas.openxmlformats.org/presentationml/2006/main">
+  <p:cSld>
+    <p:spTree>
+      <p:nvGrpSpPr>
+        <p:cNvPr id="1" name=""/>
+        <p:cNvGrpSpPr/>
+        <p:nvPr/>
+      </p:nvGrpSpPr>
+      <p:grpSpPr>
+        <a:xfrm>
+          <a:off x="0" y="0"/>
+          <a:ext cx="0" cy="0"/>
+          <a:chOff x="0" y="0"/>
+          <a:chExt cx="0" cy="0"/>
+        </a:xfrm>
+      </p:grpSpPr>
+      <p:sp>
+        <p:nvSpPr>
+          <p:cNvPr id="2" name="Slide Image Placeholder 1"/>
+          <p:cNvSpPr>
+            <a:spLocks noGrp="1" noRot="1" noChangeAspect="1"/>
+          </p:cNvSpPr>
+          <p:nvPr>
+            <p:ph type="sldImg"/>
+          </p:nvPr>
+        </p:nvSpPr>
+        <p:spPr/>
+      </p:sp>
+      <p:sp>
+        <p:nvSpPr>
+          <p:cNvPr id="3" name="Notes Placeholder 2"/>
+          <p:cNvSpPr>
+            <a:spLocks noGrp="1"/>
+          </p:cNvSpPr>
+          <p:nvPr>
+            <p:ph type="body" idx="1"/>
+          </p:nvPr>
+        </p:nvSpPr>
+        <p:spPr/>
+        <p:txBody>
+          <a:bodyPr/>
+          <a:lstStyle/>
+          <a:p>
+            <a:endParaRPr lang="en-US"/>
+          </a:p>
+        </p:txBody>
+      </p:sp>
+      <p:sp>
+        <p:nvSpPr>
+          <p:cNvPr id="4" name="Slide Number Placeholder 3"/>
+          <p:cNvSpPr>
+            <a:spLocks noGrp="1"/>
+          </p:cNvSpPr>
+          <p:nvPr>
+            <p:ph type="sldNum" sz="quarter" idx="10"/>
+          </p:nvPr>
+        </p:nvSpPr>
+        <p:spPr/>
+        <p:txBody>
+          <a:bodyPr/>
+          <a:lstStyle/>
+          <a:p>
+            <a:pPr marL="0" marR="0" lvl="0" indent="0" algn="r" defTabSz="457200" rtl="0" eaLnBrk="1" fontAlgn="auto" latinLnBrk="0" hangingPunct="1">
+              <a:lnSpc>
+                <a:spcPct val="100000"/>
+              </a:lnSpc>
+              <a:spcBef>
+                <a:spcPts val="0"/>
+              </a:spcBef>
+              <a:spcAft>
+                <a:spcPts val="0"/>
+              </a:spcAft>
+              <a:buClrTx/>
+              <a:buSzTx/>
+              <a:buFontTx/>
+              <a:buNone/>
+              <a:tabLst/>
+              <a:defRPr/>
+            </a:pPr>
+            <a:fld id="{29FD0DB3-546B-4F1D-861A-BFC44BF53FF8}" type="slidenum">
+              <a:rPr kumimoji="0" lang="en-US" sz="1200" b="0" i="0" u="none" strike="noStrike" kern="1200" cap="none" spc="0" normalizeH="0" baseline="0" noProof="0" smtClean="0">
+                <a:ln>
+                  <a:noFill/>
+                </a:ln>
+                <a:solidFill>
+                  <a:prstClr val="black"/>
+                </a:solidFill>
+                <a:effectLst/>
+                <a:uLnTx/>
+                <a:uFillTx/>
+                <a:latin typeface="Calibri" panose="020F0502020204030204"/>
+                <a:ea typeface="+mn-ea"/>
+                <a:cs typeface="+mn-cs"/>
+              </a:rPr>
+              <a:pPr marL="0" marR="0" lvl="0" indent="0" algn="r" defTabSz="457200" rtl="0" eaLnBrk="1" fontAlgn="auto" latinLnBrk="0" hangingPunct="1">
+                <a:lnSpc>
+                  <a:spcPct val="100000"/>
+                </a:lnSpc>
+                <a:spcBef>
+                  <a:spcPts val="0"/>
+                </a:spcBef>
+                <a:spcAft>
+                  <a:spcPts val="0"/>
+                </a:spcAft>
+                <a:buClrTx/>
+                <a:buSzTx/>
+                <a:buFontTx/>
+                <a:buNone/>
+                <a:tabLst/>
+                <a:defRPr/>
+              </a:pPr>
+              <a:t>4</a:t>
+            </a:fld>
+            <a:endParaRPr kumimoji="0" lang="en-US" sz="1200" b="0" i="0" u="none" strike="noStrike" kern="1200" cap="none" spc="0" normalizeH="0" baseline="0" noProof="0">
+              <a:ln>
+                <a:noFill/>
+              </a:ln>
+              <a:solidFill>
+                <a:prstClr val="black"/>
+              </a:solidFill>
+              <a:effectLst/>
+              <a:uLnTx/>
+              <a:uFillTx/>
+              <a:latin typeface="Calibri" panose="020F0502020204030204"/>
+              <a:ea typeface="+mn-ea"/>
+              <a:cs typeface="+mn-cs"/>
+            </a:endParaRPr>
+          </a:p>
+        </p:txBody>
+      </p:sp>
+    </p:spTree>
+    <p:extLst>
+      <p:ext uri="{BB962C8B-B14F-4D97-AF65-F5344CB8AC3E}">
+        <p14:creationId xmlns:p14="http://schemas.microsoft.com/office/powerpoint/2010/main" val="1802114405"/>
+      </p:ext>
+    </p:extLst>
+  </p:cSld>
+  <p:clrMapOvr>
+    <a:masterClrMapping/>
+  </p:clrMapOvr>
+</p:notes>
+</file>
+
+<file path=ppt/notesSlides/notesSlide5.xml><?xml version="1.0" encoding="utf-8"?>
+<p:notes xmlns:a="http://schemas.openxmlformats.org/drawingml/2006/main" xmlns:r="http://schemas.openxmlformats.org/officeDocument/2006/relationships" xmlns:p="http://schemas.openxmlformats.org/presentationml/2006/main">
+  <p:cSld>
+    <p:spTree>
+      <p:nvGrpSpPr>
+        <p:cNvPr id="1" name=""/>
+        <p:cNvGrpSpPr/>
+        <p:nvPr/>
+      </p:nvGrpSpPr>
+      <p:grpSpPr>
+        <a:xfrm>
+          <a:off x="0" y="0"/>
+          <a:ext cx="0" cy="0"/>
+          <a:chOff x="0" y="0"/>
+          <a:chExt cx="0" cy="0"/>
+        </a:xfrm>
+      </p:grpSpPr>
+      <p:sp>
+        <p:nvSpPr>
+          <p:cNvPr id="2" name="Slide Image Placeholder 1"/>
+          <p:cNvSpPr>
+            <a:spLocks noGrp="1" noRot="1" noChangeAspect="1"/>
+          </p:cNvSpPr>
+          <p:nvPr>
+            <p:ph type="sldImg"/>
+          </p:nvPr>
+        </p:nvSpPr>
+        <p:spPr/>
+      </p:sp>
+      <p:sp>
+        <p:nvSpPr>
+          <p:cNvPr id="3" name="Notes Placeholder 2"/>
+          <p:cNvSpPr>
+            <a:spLocks noGrp="1"/>
+          </p:cNvSpPr>
+          <p:nvPr>
+            <p:ph type="body" idx="1"/>
+          </p:nvPr>
+        </p:nvSpPr>
+        <p:spPr/>
+        <p:txBody>
+          <a:bodyPr/>
+          <a:lstStyle/>
+          <a:p>
+            <a:endParaRPr lang="en-US" dirty="0"/>
+          </a:p>
+        </p:txBody>
+      </p:sp>
+      <p:sp>
+        <p:nvSpPr>
+          <p:cNvPr id="4" name="Slide Number Placeholder 3"/>
+          <p:cNvSpPr>
+            <a:spLocks noGrp="1"/>
+          </p:cNvSpPr>
+          <p:nvPr>
+            <p:ph type="sldNum" sz="quarter" idx="10"/>
+          </p:nvPr>
+        </p:nvSpPr>
+        <p:spPr/>
+        <p:txBody>
+          <a:bodyPr/>
+          <a:lstStyle/>
+          <a:p>
+            <a:pPr marL="0" marR="0" lvl="0" indent="0" algn="r" defTabSz="457200" rtl="0" eaLnBrk="1" fontAlgn="auto" latinLnBrk="0" hangingPunct="1">
+              <a:lnSpc>
+                <a:spcPct val="100000"/>
+              </a:lnSpc>
+              <a:spcBef>
+                <a:spcPts val="0"/>
+              </a:spcBef>
+              <a:spcAft>
+                <a:spcPts val="0"/>
+              </a:spcAft>
+              <a:buClrTx/>
+              <a:buSzTx/>
+              <a:buFontTx/>
+              <a:buNone/>
+              <a:tabLst/>
+              <a:defRPr/>
+            </a:pPr>
+            <a:fld id="{29FD0DB3-546B-4F1D-861A-BFC44BF53FF8}" type="slidenum">
+              <a:rPr kumimoji="0" lang="en-US" sz="1200" b="0" i="0" u="none" strike="noStrike" kern="1200" cap="none" spc="0" normalizeH="0" baseline="0" noProof="0" smtClean="0">
+                <a:ln>
+                  <a:noFill/>
+                </a:ln>
+                <a:solidFill>
+                  <a:prstClr val="black"/>
+                </a:solidFill>
+                <a:effectLst/>
+                <a:uLnTx/>
+                <a:uFillTx/>
+                <a:latin typeface="Calibri" panose="020F0502020204030204"/>
+                <a:ea typeface="+mn-ea"/>
+                <a:cs typeface="+mn-cs"/>
+              </a:rPr>
+              <a:pPr marL="0" marR="0" lvl="0" indent="0" algn="r" defTabSz="457200" rtl="0" eaLnBrk="1" fontAlgn="auto" latinLnBrk="0" hangingPunct="1">
+                <a:lnSpc>
+                  <a:spcPct val="100000"/>
+                </a:lnSpc>
+                <a:spcBef>
+                  <a:spcPts val="0"/>
+                </a:spcBef>
+                <a:spcAft>
+                  <a:spcPts val="0"/>
+                </a:spcAft>
+                <a:buClrTx/>
+                <a:buSzTx/>
+                <a:buFontTx/>
+                <a:buNone/>
+                <a:tabLst/>
+                <a:defRPr/>
+              </a:pPr>
+              <a:t>5</a:t>
+            </a:fld>
+            <a:endParaRPr kumimoji="0" lang="en-US" sz="1200" b="0" i="0" u="none" strike="noStrike" kern="1200" cap="none" spc="0" normalizeH="0" baseline="0" noProof="0">
+              <a:ln>
+                <a:noFill/>
+              </a:ln>
+              <a:solidFill>
+                <a:prstClr val="black"/>
+              </a:solidFill>
+              <a:effectLst/>
+              <a:uLnTx/>
+              <a:uFillTx/>
+              <a:latin typeface="Calibri" panose="020F0502020204030204"/>
+              <a:ea typeface="+mn-ea"/>
+              <a:cs typeface="+mn-cs"/>
+            </a:endParaRPr>
+          </a:p>
+        </p:txBody>
+      </p:sp>
+    </p:spTree>
+    <p:extLst>
+      <p:ext uri="{BB962C8B-B14F-4D97-AF65-F5344CB8AC3E}">
+        <p14:creationId xmlns:p14="http://schemas.microsoft.com/office/powerpoint/2010/main" val="207206028"/>
+      </p:ext>
+    </p:extLst>
+  </p:cSld>
+  <p:clrMapOvr>
+    <a:masterClrMapping/>
+  </p:clrMapOvr>
+</p:notes>
+</file>
+
+<file path=ppt/notesSlides/notesSlide6.xml><?xml version="1.0" encoding="utf-8"?>
 <p:notes xmlns:a="http://schemas.openxmlformats.org/drawingml/2006/main" xmlns:r="http://schemas.openxmlformats.org/officeDocument/2006/relationships" xmlns:p="http://schemas.openxmlformats.org/presentationml/2006/main">
   <p:cSld>
     <p:spTree>
@@ -3468,7 +4802,7 @@
         <p:cNvPr id="1" name="">
           <a:extLst>
             <a:ext uri="{FF2B5EF4-FFF2-40B4-BE49-F238E27FC236}">
-              <a16:creationId xmlns:a16="http://schemas.microsoft.com/office/drawing/2014/main" id="{BA6CCBE5-6145-B756-75F9-4AF2F8C4A749}"/>
+              <a16:creationId xmlns:a16="http://schemas.microsoft.com/office/drawing/2014/main" id="{0D47BF54-434B-7B3E-5F8A-2742CA20661A}"/>
             </a:ext>
           </a:extLst>
         </p:cNvPr>
@@ -3488,7 +4822,7 @@
           <p:cNvPr id="2" name="Slide Image Placeholder 1">
             <a:extLst>
               <a:ext uri="{FF2B5EF4-FFF2-40B4-BE49-F238E27FC236}">
-                <a16:creationId xmlns:a16="http://schemas.microsoft.com/office/drawing/2014/main" id="{1B4670AC-AD41-9802-6A11-3392FA894428}"/>
+                <a16:creationId xmlns:a16="http://schemas.microsoft.com/office/drawing/2014/main" id="{E42FD0C5-7BFD-C53D-4DE5-494BD498D3A8}"/>
               </a:ext>
             </a:extLst>
           </p:cNvPr>
@@ -3506,7 +4840,7 @@
           <p:cNvPr id="3" name="Notes Placeholder 2">
             <a:extLst>
               <a:ext uri="{FF2B5EF4-FFF2-40B4-BE49-F238E27FC236}">
-                <a16:creationId xmlns:a16="http://schemas.microsoft.com/office/drawing/2014/main" id="{DF512682-8FD3-E1EE-86C9-EF582179E065}"/>
+                <a16:creationId xmlns:a16="http://schemas.microsoft.com/office/drawing/2014/main" id="{697CD58B-E578-99F4-E866-B356F0898EA1}"/>
               </a:ext>
             </a:extLst>
           </p:cNvPr>
@@ -3519,11 +4853,10 @@
         </p:nvSpPr>
         <p:spPr/>
         <p:txBody>
-          <a:bodyPr rtlCol="0"/>
+          <a:bodyPr/>
           <a:lstStyle/>
           <a:p>
-            <a:pPr rtl="0"/>
-            <a:endParaRPr lang="en-GB"/>
+            <a:endParaRPr lang="en-US" dirty="0"/>
           </a:p>
         </p:txBody>
       </p:sp>
@@ -3532,7 +4865,7 @@
           <p:cNvPr id="4" name="Slide Number Placeholder 3">
             <a:extLst>
               <a:ext uri="{FF2B5EF4-FFF2-40B4-BE49-F238E27FC236}">
-                <a16:creationId xmlns:a16="http://schemas.microsoft.com/office/drawing/2014/main" id="{4BF37B64-8A0F-BA89-A7CB-A7A9635CE940}"/>
+                <a16:creationId xmlns:a16="http://schemas.microsoft.com/office/drawing/2014/main" id="{0CE4D537-ECBF-4169-28C2-C537B209ABF6}"/>
               </a:ext>
             </a:extLst>
           </p:cNvPr>
@@ -3540,27 +4873,86 @@
             <a:spLocks noGrp="1"/>
           </p:cNvSpPr>
           <p:nvPr>
-            <p:ph type="sldNum" sz="quarter" idx="5"/>
+            <p:ph type="sldNum" sz="quarter" idx="10"/>
           </p:nvPr>
         </p:nvSpPr>
         <p:spPr/>
         <p:txBody>
-          <a:bodyPr rtlCol="0"/>
+          <a:bodyPr/>
           <a:lstStyle/>
           <a:p>
-            <a:pPr rtl="0"/>
-            <a:fld id="{C853816F-A1CF-4485-B308-1B9F14B36EAD}" type="slidenum">
-              <a:rPr lang="en-GB" smtClean="0"/>
-              <a:t>3</a:t>
+            <a:pPr marL="0" marR="0" lvl="0" indent="0" algn="r" defTabSz="457200" rtl="0" eaLnBrk="1" fontAlgn="auto" latinLnBrk="0" hangingPunct="1">
+              <a:lnSpc>
+                <a:spcPct val="100000"/>
+              </a:lnSpc>
+              <a:spcBef>
+                <a:spcPts val="0"/>
+              </a:spcBef>
+              <a:spcAft>
+                <a:spcPts val="0"/>
+              </a:spcAft>
+              <a:buClrTx/>
+              <a:buSzTx/>
+              <a:buFontTx/>
+              <a:buNone/>
+              <a:tabLst/>
+              <a:defRPr/>
+            </a:pPr>
+            <a:fld id="{29FD0DB3-546B-4F1D-861A-BFC44BF53FF8}" type="slidenum">
+              <a:rPr kumimoji="0" lang="en-US" sz="1200" b="0" i="0" u="none" strike="noStrike" kern="1200" cap="none" spc="0" normalizeH="0" baseline="0" noProof="0" smtClean="0">
+                <a:ln>
+                  <a:noFill/>
+                </a:ln>
+                <a:solidFill>
+                  <a:prstClr val="black"/>
+                </a:solidFill>
+                <a:effectLst/>
+                <a:uLnTx/>
+                <a:uFillTx/>
+                <a:latin typeface="Calibri" panose="020F0502020204030204"/>
+                <a:ea typeface="+mn-ea"/>
+                <a:cs typeface="+mn-cs"/>
+              </a:rPr>
+              <a:pPr marL="0" marR="0" lvl="0" indent="0" algn="r" defTabSz="457200" rtl="0" eaLnBrk="1" fontAlgn="auto" latinLnBrk="0" hangingPunct="1">
+                <a:lnSpc>
+                  <a:spcPct val="100000"/>
+                </a:lnSpc>
+                <a:spcBef>
+                  <a:spcPts val="0"/>
+                </a:spcBef>
+                <a:spcAft>
+                  <a:spcPts val="0"/>
+                </a:spcAft>
+                <a:buClrTx/>
+                <a:buSzTx/>
+                <a:buFontTx/>
+                <a:buNone/>
+                <a:tabLst/>
+                <a:defRPr/>
+              </a:pPr>
+              <a:t>6</a:t>
             </a:fld>
-            <a:endParaRPr lang="en-GB"/>
+            <a:endParaRPr kumimoji="0" lang="en-US" sz="1200" b="0" i="0" u="none" strike="noStrike" kern="1200" cap="none" spc="0" normalizeH="0" baseline="0" noProof="0">
+              <a:ln>
+                <a:noFill/>
+              </a:ln>
+              <a:solidFill>
+                <a:prstClr val="black"/>
+              </a:solidFill>
+              <a:effectLst/>
+              <a:uLnTx/>
+              <a:uFillTx/>
+              <a:latin typeface="Calibri" panose="020F0502020204030204"/>
+              <a:ea typeface="+mn-ea"/>
+              <a:cs typeface="+mn-cs"/>
+            </a:endParaRPr>
           </a:p>
         </p:txBody>
       </p:sp>
     </p:spTree>
     <p:extLst>
       <p:ext uri="{BB962C8B-B14F-4D97-AF65-F5344CB8AC3E}">
-        <p14:creationId xmlns:p14="http://schemas.microsoft.com/office/powerpoint/2010/main" val="1844777118"/>
+        <p14:creationId xmlns:p14="http://schemas.microsoft.com/office/powerpoint/2010/main" val="2612783760"/>
       </p:ext>
     </p:extLst>
   </p:cSld>
@@ -3570,18 +4962,12 @@
 </p:notes>
 </file>
 
-<file path=ppt/notesSlides/notesSlide30.xml><?xml version="1.0" encoding="utf-8"?>
+<file path=ppt/notesSlides/notesSlide7.xml><?xml version="1.0" encoding="utf-8"?>
 <p:notes xmlns:a="http://schemas.openxmlformats.org/drawingml/2006/main" xmlns:r="http://schemas.openxmlformats.org/officeDocument/2006/relationships" xmlns:p="http://schemas.openxmlformats.org/presentationml/2006/main">
   <p:cSld>
     <p:spTree>
       <p:nvGrpSpPr>
-        <p:cNvPr id="1" name="">
-          <a:extLst>
-            <a:ext uri="{FF2B5EF4-FFF2-40B4-BE49-F238E27FC236}">
-              <a16:creationId xmlns:a16="http://schemas.microsoft.com/office/drawing/2014/main" id="{43EC455D-0298-AE63-598D-A071AAD32707}"/>
-            </a:ext>
-          </a:extLst>
-        </p:cNvPr>
+        <p:cNvPr id="1" name=""/>
         <p:cNvGrpSpPr/>
         <p:nvPr/>
       </p:nvGrpSpPr>
@@ -3595,13 +4981,7 @@
       </p:grpSpPr>
       <p:sp>
         <p:nvSpPr>
-          <p:cNvPr id="2" name="Slide Image Placeholder 1">
-            <a:extLst>
-              <a:ext uri="{FF2B5EF4-FFF2-40B4-BE49-F238E27FC236}">
-                <a16:creationId xmlns:a16="http://schemas.microsoft.com/office/drawing/2014/main" id="{6CC48CA2-F15B-7C4E-E65A-84E79C2AE4E7}"/>
-              </a:ext>
-            </a:extLst>
-          </p:cNvPr>
+          <p:cNvPr id="2" name="Slide Image Placeholder 1"/>
           <p:cNvSpPr>
             <a:spLocks noGrp="1" noRot="1" noChangeAspect="1"/>
           </p:cNvSpPr>
@@ -3613,13 +4993,7 @@
       </p:sp>
       <p:sp>
         <p:nvSpPr>
-          <p:cNvPr id="3" name="Notes Placeholder 2">
-            <a:extLst>
-              <a:ext uri="{FF2B5EF4-FFF2-40B4-BE49-F238E27FC236}">
-                <a16:creationId xmlns:a16="http://schemas.microsoft.com/office/drawing/2014/main" id="{2AFAB4F3-F2D8-0454-A6CC-E5DEDC263BC6}"/>
-              </a:ext>
-            </a:extLst>
-          </p:cNvPr>
+          <p:cNvPr id="3" name="Notes Placeholder 2"/>
           <p:cNvSpPr>
             <a:spLocks noGrp="1"/>
           </p:cNvSpPr>
@@ -3629,33 +5003,26 @@
         </p:nvSpPr>
         <p:spPr/>
         <p:txBody>
-          <a:bodyPr rtlCol="0"/>
+          <a:bodyPr/>
           <a:lstStyle/>
           <a:p>
-            <a:pPr rtl="0"/>
-            <a:endParaRPr lang="en-GB"/>
-          </a:p>
-        </p:txBody>
-      </p:sp>
-      <p:sp>
-        <p:nvSpPr>
-          <p:cNvPr id="4" name="Slide Number Placeholder 3">
-            <a:extLst>
-              <a:ext uri="{FF2B5EF4-FFF2-40B4-BE49-F238E27FC236}">
-                <a16:creationId xmlns:a16="http://schemas.microsoft.com/office/drawing/2014/main" id="{A543EAF3-E629-EE0F-BB9D-6796869A9D8E}"/>
-              </a:ext>
-            </a:extLst>
-          </p:cNvPr>
+            <a:endParaRPr lang="en-US"/>
+          </a:p>
+        </p:txBody>
+      </p:sp>
+      <p:sp>
+        <p:nvSpPr>
+          <p:cNvPr id="4" name="Slide Number Placeholder 3"/>
           <p:cNvSpPr>
             <a:spLocks noGrp="1"/>
           </p:cNvSpPr>
           <p:nvPr>
-            <p:ph type="sldNum" sz="quarter" idx="5"/>
+            <p:ph type="sldNum" sz="quarter" idx="10"/>
           </p:nvPr>
         </p:nvSpPr>
         <p:spPr/>
         <p:txBody>
-          <a:bodyPr rtlCol="0"/>
+          <a:bodyPr/>
           <a:lstStyle/>
           <a:p>
             <a:pPr marL="0" marR="0" lvl="0" indent="0" algn="r" defTabSz="914400" rtl="0" eaLnBrk="1" fontAlgn="auto" latinLnBrk="0" hangingPunct="1">
@@ -3675,8 +5042,8 @@
               <a:tabLst/>
               <a:defRPr/>
             </a:pPr>
-            <a:fld id="{C853816F-A1CF-4485-B308-1B9F14B36EAD}" type="slidenum">
-              <a:rPr kumimoji="0" lang="en-GB" sz="1200" b="0" i="0" u="none" strike="noStrike" kern="1200" cap="none" spc="0" normalizeH="0" baseline="0" noProof="0" smtClean="0">
+            <a:fld id="{29FD0DB3-546B-4F1D-861A-BFC44BF53FF8}" type="slidenum">
+              <a:rPr kumimoji="0" lang="en-US" sz="1200" b="0" i="0" u="none" strike="noStrike" kern="1200" cap="none" spc="0" normalizeH="0" baseline="0" noProof="0" smtClean="0">
                 <a:ln>
                   <a:noFill/>
                 </a:ln>
@@ -3707,9 +5074,9 @@
                 <a:tabLst/>
                 <a:defRPr/>
               </a:pPr>
-              <a:t>35</a:t>
+              <a:t>7</a:t>
             </a:fld>
-            <a:endParaRPr kumimoji="0" lang="en-GB" sz="1200" b="0" i="0" u="none" strike="noStrike" kern="1200" cap="none" spc="0" normalizeH="0" baseline="0" noProof="0">
+            <a:endParaRPr kumimoji="0" lang="en-US" sz="1200" b="0" i="0" u="none" strike="noStrike" kern="1200" cap="none" spc="0" normalizeH="0" baseline="0" noProof="0">
               <a:ln>
                 <a:noFill/>
               </a:ln>
@@ -3729,7 +5096,7 @@
     </p:spTree>
     <p:extLst>
       <p:ext uri="{BB962C8B-B14F-4D97-AF65-F5344CB8AC3E}">
-        <p14:creationId xmlns:p14="http://schemas.microsoft.com/office/powerpoint/2010/main" val="1398290229"/>
+        <p14:creationId xmlns:p14="http://schemas.microsoft.com/office/powerpoint/2010/main" val="1802114405"/>
       </p:ext>
     </p:extLst>
   </p:cSld>
@@ -3739,18 +5106,12 @@
 </p:notes>
 </file>
 
-<file path=ppt/notesSlides/notesSlide31.xml><?xml version="1.0" encoding="utf-8"?>
+<file path=ppt/notesSlides/notesSlide8.xml><?xml version="1.0" encoding="utf-8"?>
 <p:notes xmlns:a="http://schemas.openxmlformats.org/drawingml/2006/main" xmlns:r="http://schemas.openxmlformats.org/officeDocument/2006/relationships" xmlns:p="http://schemas.openxmlformats.org/presentationml/2006/main">
   <p:cSld>
     <p:spTree>
       <p:nvGrpSpPr>
-        <p:cNvPr id="1" name="">
-          <a:extLst>
-            <a:ext uri="{FF2B5EF4-FFF2-40B4-BE49-F238E27FC236}">
-              <a16:creationId xmlns:a16="http://schemas.microsoft.com/office/drawing/2014/main" id="{E97C7C03-B484-8AA0-F89C-87BC555E60FE}"/>
-            </a:ext>
-          </a:extLst>
-        </p:cNvPr>
+        <p:cNvPr id="1" name=""/>
         <p:cNvGrpSpPr/>
         <p:nvPr/>
       </p:nvGrpSpPr>
@@ -3764,13 +5125,7 @@
       </p:grpSpPr>
       <p:sp>
         <p:nvSpPr>
-          <p:cNvPr id="2" name="Slide Image Placeholder 1">
-            <a:extLst>
-              <a:ext uri="{FF2B5EF4-FFF2-40B4-BE49-F238E27FC236}">
-                <a16:creationId xmlns:a16="http://schemas.microsoft.com/office/drawing/2014/main" id="{63F96518-4977-89CA-AEBB-1E821EB8DCA1}"/>
-              </a:ext>
-            </a:extLst>
-          </p:cNvPr>
+          <p:cNvPr id="2" name="Slide Image Placeholder 1"/>
           <p:cNvSpPr>
             <a:spLocks noGrp="1" noRot="1" noChangeAspect="1"/>
           </p:cNvSpPr>
@@ -3782,13 +5137,7 @@
       </p:sp>
       <p:sp>
         <p:nvSpPr>
-          <p:cNvPr id="3" name="Notes Placeholder 2">
-            <a:extLst>
-              <a:ext uri="{FF2B5EF4-FFF2-40B4-BE49-F238E27FC236}">
-                <a16:creationId xmlns:a16="http://schemas.microsoft.com/office/drawing/2014/main" id="{676F02D6-B89A-80B9-EB84-B50CF380008A}"/>
-              </a:ext>
-            </a:extLst>
-          </p:cNvPr>
+          <p:cNvPr id="3" name="Notes Placeholder 2"/>
           <p:cNvSpPr>
             <a:spLocks noGrp="1"/>
           </p:cNvSpPr>
@@ -3798,33 +5147,26 @@
         </p:nvSpPr>
         <p:spPr/>
         <p:txBody>
-          <a:bodyPr rtlCol="0"/>
+          <a:bodyPr/>
           <a:lstStyle/>
           <a:p>
-            <a:pPr rtl="0"/>
-            <a:endParaRPr lang="en-GB"/>
-          </a:p>
-        </p:txBody>
-      </p:sp>
-      <p:sp>
-        <p:nvSpPr>
-          <p:cNvPr id="4" name="Slide Number Placeholder 3">
-            <a:extLst>
-              <a:ext uri="{FF2B5EF4-FFF2-40B4-BE49-F238E27FC236}">
-                <a16:creationId xmlns:a16="http://schemas.microsoft.com/office/drawing/2014/main" id="{4A1F9B01-6F2E-7FAE-D140-26FCDCFB19BB}"/>
-              </a:ext>
-            </a:extLst>
-          </p:cNvPr>
+            <a:endParaRPr lang="en-US" dirty="0"/>
+          </a:p>
+        </p:txBody>
+      </p:sp>
+      <p:sp>
+        <p:nvSpPr>
+          <p:cNvPr id="4" name="Slide Number Placeholder 3"/>
           <p:cNvSpPr>
             <a:spLocks noGrp="1"/>
           </p:cNvSpPr>
           <p:nvPr>
-            <p:ph type="sldNum" sz="quarter" idx="5"/>
+            <p:ph type="sldNum" sz="quarter" idx="10"/>
           </p:nvPr>
         </p:nvSpPr>
         <p:spPr/>
         <p:txBody>
-          <a:bodyPr rtlCol="0"/>
+          <a:bodyPr/>
           <a:lstStyle/>
           <a:p>
             <a:pPr marL="0" marR="0" lvl="0" indent="0" algn="r" defTabSz="914400" rtl="0" eaLnBrk="1" fontAlgn="auto" latinLnBrk="0" hangingPunct="1">
@@ -3844,8 +5186,8 @@
               <a:tabLst/>
               <a:defRPr/>
             </a:pPr>
-            <a:fld id="{C853816F-A1CF-4485-B308-1B9F14B36EAD}" type="slidenum">
-              <a:rPr kumimoji="0" lang="en-GB" sz="1200" b="0" i="0" u="none" strike="noStrike" kern="1200" cap="none" spc="0" normalizeH="0" baseline="0" noProof="0" smtClean="0">
+            <a:fld id="{29FD0DB3-546B-4F1D-861A-BFC44BF53FF8}" type="slidenum">
+              <a:rPr kumimoji="0" lang="en-US" sz="1200" b="0" i="0" u="none" strike="noStrike" kern="1200" cap="none" spc="0" normalizeH="0" baseline="0" noProof="0" smtClean="0">
                 <a:ln>
                   <a:noFill/>
                 </a:ln>
@@ -3876,9 +5218,9 @@
                 <a:tabLst/>
                 <a:defRPr/>
               </a:pPr>
-              <a:t>36</a:t>
+              <a:t>8</a:t>
             </a:fld>
-            <a:endParaRPr kumimoji="0" lang="en-GB" sz="1200" b="0" i="0" u="none" strike="noStrike" kern="1200" cap="none" spc="0" normalizeH="0" baseline="0" noProof="0">
+            <a:endParaRPr kumimoji="0" lang="en-US" sz="1200" b="0" i="0" u="none" strike="noStrike" kern="1200" cap="none" spc="0" normalizeH="0" baseline="0" noProof="0">
               <a:ln>
                 <a:noFill/>
               </a:ln>
@@ -3898,7 +5240,7 @@
     </p:spTree>
     <p:extLst>
       <p:ext uri="{BB962C8B-B14F-4D97-AF65-F5344CB8AC3E}">
-        <p14:creationId xmlns:p14="http://schemas.microsoft.com/office/powerpoint/2010/main" val="3374709498"/>
+        <p14:creationId xmlns:p14="http://schemas.microsoft.com/office/powerpoint/2010/main" val="3914211736"/>
       </p:ext>
     </p:extLst>
   </p:cSld>
@@ -3908,18 +5250,12 @@
 </p:notes>
 </file>
 
-<file path=ppt/notesSlides/notesSlide32.xml><?xml version="1.0" encoding="utf-8"?>
+<file path=ppt/notesSlides/notesSlide9.xml><?xml version="1.0" encoding="utf-8"?>
 <p:notes xmlns:a="http://schemas.openxmlformats.org/drawingml/2006/main" xmlns:r="http://schemas.openxmlformats.org/officeDocument/2006/relationships" xmlns:p="http://schemas.openxmlformats.org/presentationml/2006/main">
   <p:cSld>
     <p:spTree>
       <p:nvGrpSpPr>
-        <p:cNvPr id="1" name="">
-          <a:extLst>
-            <a:ext uri="{FF2B5EF4-FFF2-40B4-BE49-F238E27FC236}">
-              <a16:creationId xmlns:a16="http://schemas.microsoft.com/office/drawing/2014/main" id="{1445C856-7734-A816-3318-7671234E31AC}"/>
-            </a:ext>
-          </a:extLst>
-        </p:cNvPr>
+        <p:cNvPr id="1" name=""/>
         <p:cNvGrpSpPr/>
         <p:nvPr/>
       </p:nvGrpSpPr>
@@ -3933,13 +5269,7 @@
       </p:grpSpPr>
       <p:sp>
         <p:nvSpPr>
-          <p:cNvPr id="2" name="Slide Image Placeholder 1">
-            <a:extLst>
-              <a:ext uri="{FF2B5EF4-FFF2-40B4-BE49-F238E27FC236}">
-                <a16:creationId xmlns:a16="http://schemas.microsoft.com/office/drawing/2014/main" id="{C41E3648-EDE1-FCC1-DD8F-2FDEA89F8816}"/>
-              </a:ext>
-            </a:extLst>
-          </p:cNvPr>
+          <p:cNvPr id="2" name="Slide Image Placeholder 1"/>
           <p:cNvSpPr>
             <a:spLocks noGrp="1" noRot="1" noChangeAspect="1"/>
           </p:cNvSpPr>
@@ -3951,13 +5281,7 @@
       </p:sp>
       <p:sp>
         <p:nvSpPr>
-          <p:cNvPr id="3" name="Notes Placeholder 2">
-            <a:extLst>
-              <a:ext uri="{FF2B5EF4-FFF2-40B4-BE49-F238E27FC236}">
-                <a16:creationId xmlns:a16="http://schemas.microsoft.com/office/drawing/2014/main" id="{A01F8E4E-677C-8CC2-5AFA-6244797EE5DB}"/>
-              </a:ext>
-            </a:extLst>
-          </p:cNvPr>
+          <p:cNvPr id="3" name="Notes Placeholder 2"/>
           <p:cNvSpPr>
             <a:spLocks noGrp="1"/>
           </p:cNvSpPr>
@@ -3967,33 +5291,26 @@
         </p:nvSpPr>
         <p:spPr/>
         <p:txBody>
-          <a:bodyPr rtlCol="0"/>
+          <a:bodyPr/>
           <a:lstStyle/>
           <a:p>
-            <a:pPr rtl="0"/>
-            <a:endParaRPr lang="en-GB"/>
-          </a:p>
-        </p:txBody>
-      </p:sp>
-      <p:sp>
-        <p:nvSpPr>
-          <p:cNvPr id="4" name="Slide Number Placeholder 3">
-            <a:extLst>
-              <a:ext uri="{FF2B5EF4-FFF2-40B4-BE49-F238E27FC236}">
-                <a16:creationId xmlns:a16="http://schemas.microsoft.com/office/drawing/2014/main" id="{E563EB4F-C5EF-A6D0-31A0-605F9DB7A587}"/>
-              </a:ext>
-            </a:extLst>
-          </p:cNvPr>
+            <a:endParaRPr lang="en-US"/>
+          </a:p>
+        </p:txBody>
+      </p:sp>
+      <p:sp>
+        <p:nvSpPr>
+          <p:cNvPr id="4" name="Slide Number Placeholder 3"/>
           <p:cNvSpPr>
             <a:spLocks noGrp="1"/>
           </p:cNvSpPr>
           <p:nvPr>
-            <p:ph type="sldNum" sz="quarter" idx="5"/>
+            <p:ph type="sldNum" sz="quarter" idx="10"/>
           </p:nvPr>
         </p:nvSpPr>
         <p:spPr/>
         <p:txBody>
-          <a:bodyPr rtlCol="0"/>
+          <a:bodyPr/>
           <a:lstStyle/>
           <a:p>
             <a:pPr marL="0" marR="0" lvl="0" indent="0" algn="r" defTabSz="914400" rtl="0" eaLnBrk="1" fontAlgn="auto" latinLnBrk="0" hangingPunct="1">
@@ -4013,8 +5330,8 @@
               <a:tabLst/>
               <a:defRPr/>
             </a:pPr>
-            <a:fld id="{C853816F-A1CF-4485-B308-1B9F14B36EAD}" type="slidenum">
-              <a:rPr kumimoji="0" lang="en-GB" sz="1200" b="0" i="0" u="none" strike="noStrike" kern="1200" cap="none" spc="0" normalizeH="0" baseline="0" noProof="0" smtClean="0">
+            <a:fld id="{29FD0DB3-546B-4F1D-861A-BFC44BF53FF8}" type="slidenum">
+              <a:rPr kumimoji="0" lang="en-US" sz="1200" b="0" i="0" u="none" strike="noStrike" kern="1200" cap="none" spc="0" normalizeH="0" baseline="0" noProof="0" smtClean="0">
                 <a:ln>
                   <a:noFill/>
                 </a:ln>
@@ -4045,9 +5362,9 @@
                 <a:tabLst/>
                 <a:defRPr/>
               </a:pPr>
-              <a:t>37</a:t>
+              <a:t>9</a:t>
             </a:fld>
-            <a:endParaRPr kumimoji="0" lang="en-GB" sz="1200" b="0" i="0" u="none" strike="noStrike" kern="1200" cap="none" spc="0" normalizeH="0" baseline="0" noProof="0">
+            <a:endParaRPr kumimoji="0" lang="en-US" sz="1200" b="0" i="0" u="none" strike="noStrike" kern="1200" cap="none" spc="0" normalizeH="0" baseline="0" noProof="0">
               <a:ln>
                 <a:noFill/>
               </a:ln>
@@ -4067,849 +5384,7 @@
     </p:spTree>
     <p:extLst>
       <p:ext uri="{BB962C8B-B14F-4D97-AF65-F5344CB8AC3E}">
-        <p14:creationId xmlns:p14="http://schemas.microsoft.com/office/powerpoint/2010/main" val="1632540104"/>
-      </p:ext>
-    </p:extLst>
-  </p:cSld>
-  <p:clrMapOvr>
-    <a:masterClrMapping/>
-  </p:clrMapOvr>
-</p:notes>
-</file>
-
-<file path=ppt/notesSlides/notesSlide33.xml><?xml version="1.0" encoding="utf-8"?>
-<p:notes xmlns:a="http://schemas.openxmlformats.org/drawingml/2006/main" xmlns:r="http://schemas.openxmlformats.org/officeDocument/2006/relationships" xmlns:p="http://schemas.openxmlformats.org/presentationml/2006/main">
-  <p:cSld>
-    <p:spTree>
-      <p:nvGrpSpPr>
-        <p:cNvPr id="1" name="">
-          <a:extLst>
-            <a:ext uri="{FF2B5EF4-FFF2-40B4-BE49-F238E27FC236}">
-              <a16:creationId xmlns:a16="http://schemas.microsoft.com/office/drawing/2014/main" id="{BBD142CE-E40B-78D2-E1CB-F529EFCA6A81}"/>
-            </a:ext>
-          </a:extLst>
-        </p:cNvPr>
-        <p:cNvGrpSpPr/>
-        <p:nvPr/>
-      </p:nvGrpSpPr>
-      <p:grpSpPr>
-        <a:xfrm>
-          <a:off x="0" y="0"/>
-          <a:ext cx="0" cy="0"/>
-          <a:chOff x="0" y="0"/>
-          <a:chExt cx="0" cy="0"/>
-        </a:xfrm>
-      </p:grpSpPr>
-      <p:sp>
-        <p:nvSpPr>
-          <p:cNvPr id="2" name="Slide Image Placeholder 1">
-            <a:extLst>
-              <a:ext uri="{FF2B5EF4-FFF2-40B4-BE49-F238E27FC236}">
-                <a16:creationId xmlns:a16="http://schemas.microsoft.com/office/drawing/2014/main" id="{1243F738-C8C3-C168-72FE-8F310A811805}"/>
-              </a:ext>
-            </a:extLst>
-          </p:cNvPr>
-          <p:cNvSpPr>
-            <a:spLocks noGrp="1" noRot="1" noChangeAspect="1"/>
-          </p:cNvSpPr>
-          <p:nvPr>
-            <p:ph type="sldImg"/>
-          </p:nvPr>
-        </p:nvSpPr>
-        <p:spPr/>
-      </p:sp>
-      <p:sp>
-        <p:nvSpPr>
-          <p:cNvPr id="3" name="Notes Placeholder 2">
-            <a:extLst>
-              <a:ext uri="{FF2B5EF4-FFF2-40B4-BE49-F238E27FC236}">
-                <a16:creationId xmlns:a16="http://schemas.microsoft.com/office/drawing/2014/main" id="{4DCED629-4FA6-2C51-D5DA-D0D3CDE6671E}"/>
-              </a:ext>
-            </a:extLst>
-          </p:cNvPr>
-          <p:cNvSpPr>
-            <a:spLocks noGrp="1"/>
-          </p:cNvSpPr>
-          <p:nvPr>
-            <p:ph type="body" idx="1"/>
-          </p:nvPr>
-        </p:nvSpPr>
-        <p:spPr/>
-        <p:txBody>
-          <a:bodyPr rtlCol="0"/>
-          <a:lstStyle/>
-          <a:p>
-            <a:pPr rtl="0"/>
-            <a:endParaRPr lang="en-GB"/>
-          </a:p>
-        </p:txBody>
-      </p:sp>
-      <p:sp>
-        <p:nvSpPr>
-          <p:cNvPr id="4" name="Slide Number Placeholder 3">
-            <a:extLst>
-              <a:ext uri="{FF2B5EF4-FFF2-40B4-BE49-F238E27FC236}">
-                <a16:creationId xmlns:a16="http://schemas.microsoft.com/office/drawing/2014/main" id="{FEACDA60-CD6C-F4AA-C325-A2C0A10427EE}"/>
-              </a:ext>
-            </a:extLst>
-          </p:cNvPr>
-          <p:cNvSpPr>
-            <a:spLocks noGrp="1"/>
-          </p:cNvSpPr>
-          <p:nvPr>
-            <p:ph type="sldNum" sz="quarter" idx="5"/>
-          </p:nvPr>
-        </p:nvSpPr>
-        <p:spPr/>
-        <p:txBody>
-          <a:bodyPr rtlCol="0"/>
-          <a:lstStyle/>
-          <a:p>
-            <a:pPr marL="0" marR="0" lvl="0" indent="0" algn="r" defTabSz="914400" rtl="0" eaLnBrk="1" fontAlgn="auto" latinLnBrk="0" hangingPunct="1">
-              <a:lnSpc>
-                <a:spcPct val="100000"/>
-              </a:lnSpc>
-              <a:spcBef>
-                <a:spcPts val="0"/>
-              </a:spcBef>
-              <a:spcAft>
-                <a:spcPts val="0"/>
-              </a:spcAft>
-              <a:buClrTx/>
-              <a:buSzTx/>
-              <a:buFontTx/>
-              <a:buNone/>
-              <a:tabLst/>
-              <a:defRPr/>
-            </a:pPr>
-            <a:fld id="{C853816F-A1CF-4485-B308-1B9F14B36EAD}" type="slidenum">
-              <a:rPr kumimoji="0" lang="en-GB" sz="1200" b="0" i="0" u="none" strike="noStrike" kern="1200" cap="none" spc="0" normalizeH="0" baseline="0" noProof="0" smtClean="0">
-                <a:ln>
-                  <a:noFill/>
-                </a:ln>
-                <a:solidFill>
-                  <a:prstClr val="black"/>
-                </a:solidFill>
-                <a:effectLst/>
-                <a:uLnTx/>
-                <a:uFillTx/>
-                <a:latin typeface="Calibri" panose="020F0502020204030204"/>
-                <a:ea typeface="+mn-ea"/>
-                <a:cs typeface="+mn-cs"/>
-              </a:rPr>
-              <a:pPr marL="0" marR="0" lvl="0" indent="0" algn="r" defTabSz="914400" rtl="0" eaLnBrk="1" fontAlgn="auto" latinLnBrk="0" hangingPunct="1">
-                <a:lnSpc>
-                  <a:spcPct val="100000"/>
-                </a:lnSpc>
-                <a:spcBef>
-                  <a:spcPts val="0"/>
-                </a:spcBef>
-                <a:spcAft>
-                  <a:spcPts val="0"/>
-                </a:spcAft>
-                <a:buClrTx/>
-                <a:buSzTx/>
-                <a:buFontTx/>
-                <a:buNone/>
-                <a:tabLst/>
-                <a:defRPr/>
-              </a:pPr>
-              <a:t>38</a:t>
-            </a:fld>
-            <a:endParaRPr kumimoji="0" lang="en-GB" sz="1200" b="0" i="0" u="none" strike="noStrike" kern="1200" cap="none" spc="0" normalizeH="0" baseline="0" noProof="0">
-              <a:ln>
-                <a:noFill/>
-              </a:ln>
-              <a:solidFill>
-                <a:prstClr val="black"/>
-              </a:solidFill>
-              <a:effectLst/>
-              <a:uLnTx/>
-              <a:uFillTx/>
-              <a:latin typeface="Calibri" panose="020F0502020204030204"/>
-              <a:ea typeface="+mn-ea"/>
-              <a:cs typeface="+mn-cs"/>
-            </a:endParaRPr>
-          </a:p>
-        </p:txBody>
-      </p:sp>
-    </p:spTree>
-    <p:extLst>
-      <p:ext uri="{BB962C8B-B14F-4D97-AF65-F5344CB8AC3E}">
-        <p14:creationId xmlns:p14="http://schemas.microsoft.com/office/powerpoint/2010/main" val="1951737796"/>
-      </p:ext>
-    </p:extLst>
-  </p:cSld>
-  <p:clrMapOvr>
-    <a:masterClrMapping/>
-  </p:clrMapOvr>
-</p:notes>
-</file>
-
-<file path=ppt/notesSlides/notesSlide34.xml><?xml version="1.0" encoding="utf-8"?>
-<p:notes xmlns:a="http://schemas.openxmlformats.org/drawingml/2006/main" xmlns:r="http://schemas.openxmlformats.org/officeDocument/2006/relationships" xmlns:p="http://schemas.openxmlformats.org/presentationml/2006/main">
-  <p:cSld>
-    <p:spTree>
-      <p:nvGrpSpPr>
-        <p:cNvPr id="1" name="">
-          <a:extLst>
-            <a:ext uri="{FF2B5EF4-FFF2-40B4-BE49-F238E27FC236}">
-              <a16:creationId xmlns:a16="http://schemas.microsoft.com/office/drawing/2014/main" id="{52DF4885-F4B9-2BB6-E14C-21514E40FDE3}"/>
-            </a:ext>
-          </a:extLst>
-        </p:cNvPr>
-        <p:cNvGrpSpPr/>
-        <p:nvPr/>
-      </p:nvGrpSpPr>
-      <p:grpSpPr>
-        <a:xfrm>
-          <a:off x="0" y="0"/>
-          <a:ext cx="0" cy="0"/>
-          <a:chOff x="0" y="0"/>
-          <a:chExt cx="0" cy="0"/>
-        </a:xfrm>
-      </p:grpSpPr>
-      <p:sp>
-        <p:nvSpPr>
-          <p:cNvPr id="2" name="Slide Image Placeholder 1">
-            <a:extLst>
-              <a:ext uri="{FF2B5EF4-FFF2-40B4-BE49-F238E27FC236}">
-                <a16:creationId xmlns:a16="http://schemas.microsoft.com/office/drawing/2014/main" id="{69E93B22-BE13-7899-3A96-E368AA783B4A}"/>
-              </a:ext>
-            </a:extLst>
-          </p:cNvPr>
-          <p:cNvSpPr>
-            <a:spLocks noGrp="1" noRot="1" noChangeAspect="1"/>
-          </p:cNvSpPr>
-          <p:nvPr>
-            <p:ph type="sldImg"/>
-          </p:nvPr>
-        </p:nvSpPr>
-        <p:spPr/>
-      </p:sp>
-      <p:sp>
-        <p:nvSpPr>
-          <p:cNvPr id="3" name="Notes Placeholder 2">
-            <a:extLst>
-              <a:ext uri="{FF2B5EF4-FFF2-40B4-BE49-F238E27FC236}">
-                <a16:creationId xmlns:a16="http://schemas.microsoft.com/office/drawing/2014/main" id="{79828085-6792-3DE2-75A5-E7E4EB955C72}"/>
-              </a:ext>
-            </a:extLst>
-          </p:cNvPr>
-          <p:cNvSpPr>
-            <a:spLocks noGrp="1"/>
-          </p:cNvSpPr>
-          <p:nvPr>
-            <p:ph type="body" idx="1"/>
-          </p:nvPr>
-        </p:nvSpPr>
-        <p:spPr/>
-        <p:txBody>
-          <a:bodyPr rtlCol="0"/>
-          <a:lstStyle/>
-          <a:p>
-            <a:pPr rtl="0"/>
-            <a:endParaRPr lang="en-GB"/>
-          </a:p>
-        </p:txBody>
-      </p:sp>
-      <p:sp>
-        <p:nvSpPr>
-          <p:cNvPr id="4" name="Slide Number Placeholder 3">
-            <a:extLst>
-              <a:ext uri="{FF2B5EF4-FFF2-40B4-BE49-F238E27FC236}">
-                <a16:creationId xmlns:a16="http://schemas.microsoft.com/office/drawing/2014/main" id="{F62C85EF-C20A-B995-5E46-4A9FBF746A01}"/>
-              </a:ext>
-            </a:extLst>
-          </p:cNvPr>
-          <p:cNvSpPr>
-            <a:spLocks noGrp="1"/>
-          </p:cNvSpPr>
-          <p:nvPr>
-            <p:ph type="sldNum" sz="quarter" idx="5"/>
-          </p:nvPr>
-        </p:nvSpPr>
-        <p:spPr/>
-        <p:txBody>
-          <a:bodyPr rtlCol="0"/>
-          <a:lstStyle/>
-          <a:p>
-            <a:pPr marL="0" marR="0" lvl="0" indent="0" algn="r" defTabSz="914400" rtl="0" eaLnBrk="1" fontAlgn="auto" latinLnBrk="0" hangingPunct="1">
-              <a:lnSpc>
-                <a:spcPct val="100000"/>
-              </a:lnSpc>
-              <a:spcBef>
-                <a:spcPts val="0"/>
-              </a:spcBef>
-              <a:spcAft>
-                <a:spcPts val="0"/>
-              </a:spcAft>
-              <a:buClrTx/>
-              <a:buSzTx/>
-              <a:buFontTx/>
-              <a:buNone/>
-              <a:tabLst/>
-              <a:defRPr/>
-            </a:pPr>
-            <a:fld id="{C853816F-A1CF-4485-B308-1B9F14B36EAD}" type="slidenum">
-              <a:rPr kumimoji="0" lang="en-GB" sz="1200" b="0" i="0" u="none" strike="noStrike" kern="1200" cap="none" spc="0" normalizeH="0" baseline="0" noProof="0" smtClean="0">
-                <a:ln>
-                  <a:noFill/>
-                </a:ln>
-                <a:solidFill>
-                  <a:prstClr val="black"/>
-                </a:solidFill>
-                <a:effectLst/>
-                <a:uLnTx/>
-                <a:uFillTx/>
-                <a:latin typeface="Calibri" panose="020F0502020204030204"/>
-                <a:ea typeface="+mn-ea"/>
-                <a:cs typeface="+mn-cs"/>
-              </a:rPr>
-              <a:pPr marL="0" marR="0" lvl="0" indent="0" algn="r" defTabSz="914400" rtl="0" eaLnBrk="1" fontAlgn="auto" latinLnBrk="0" hangingPunct="1">
-                <a:lnSpc>
-                  <a:spcPct val="100000"/>
-                </a:lnSpc>
-                <a:spcBef>
-                  <a:spcPts val="0"/>
-                </a:spcBef>
-                <a:spcAft>
-                  <a:spcPts val="0"/>
-                </a:spcAft>
-                <a:buClrTx/>
-                <a:buSzTx/>
-                <a:buFontTx/>
-                <a:buNone/>
-                <a:tabLst/>
-                <a:defRPr/>
-              </a:pPr>
-              <a:t>39</a:t>
-            </a:fld>
-            <a:endParaRPr kumimoji="0" lang="en-GB" sz="1200" b="0" i="0" u="none" strike="noStrike" kern="1200" cap="none" spc="0" normalizeH="0" baseline="0" noProof="0">
-              <a:ln>
-                <a:noFill/>
-              </a:ln>
-              <a:solidFill>
-                <a:prstClr val="black"/>
-              </a:solidFill>
-              <a:effectLst/>
-              <a:uLnTx/>
-              <a:uFillTx/>
-              <a:latin typeface="Calibri" panose="020F0502020204030204"/>
-              <a:ea typeface="+mn-ea"/>
-              <a:cs typeface="+mn-cs"/>
-            </a:endParaRPr>
-          </a:p>
-        </p:txBody>
-      </p:sp>
-    </p:spTree>
-    <p:extLst>
-      <p:ext uri="{BB962C8B-B14F-4D97-AF65-F5344CB8AC3E}">
-        <p14:creationId xmlns:p14="http://schemas.microsoft.com/office/powerpoint/2010/main" val="3881250367"/>
-      </p:ext>
-    </p:extLst>
-  </p:cSld>
-  <p:clrMapOvr>
-    <a:masterClrMapping/>
-  </p:clrMapOvr>
-</p:notes>
-</file>
-
-<file path=ppt/notesSlides/notesSlide4.xml><?xml version="1.0" encoding="utf-8"?>
-<p:notes xmlns:a="http://schemas.openxmlformats.org/drawingml/2006/main" xmlns:r="http://schemas.openxmlformats.org/officeDocument/2006/relationships" xmlns:p="http://schemas.openxmlformats.org/presentationml/2006/main">
-  <p:cSld>
-    <p:spTree>
-      <p:nvGrpSpPr>
-        <p:cNvPr id="1" name=""/>
-        <p:cNvGrpSpPr/>
-        <p:nvPr/>
-      </p:nvGrpSpPr>
-      <p:grpSpPr>
-        <a:xfrm>
-          <a:off x="0" y="0"/>
-          <a:ext cx="0" cy="0"/>
-          <a:chOff x="0" y="0"/>
-          <a:chExt cx="0" cy="0"/>
-        </a:xfrm>
-      </p:grpSpPr>
-      <p:sp>
-        <p:nvSpPr>
-          <p:cNvPr id="2" name="Slide Image Placeholder 1"/>
-          <p:cNvSpPr>
-            <a:spLocks noGrp="1" noRot="1" noChangeAspect="1"/>
-          </p:cNvSpPr>
-          <p:nvPr>
-            <p:ph type="sldImg"/>
-          </p:nvPr>
-        </p:nvSpPr>
-        <p:spPr/>
-      </p:sp>
-      <p:sp>
-        <p:nvSpPr>
-          <p:cNvPr id="3" name="Notes Placeholder 2"/>
-          <p:cNvSpPr>
-            <a:spLocks noGrp="1"/>
-          </p:cNvSpPr>
-          <p:nvPr>
-            <p:ph type="body" idx="1"/>
-          </p:nvPr>
-        </p:nvSpPr>
-        <p:spPr/>
-        <p:txBody>
-          <a:bodyPr/>
-          <a:lstStyle/>
-          <a:p>
-            <a:endParaRPr lang="en-US"/>
-          </a:p>
-        </p:txBody>
-      </p:sp>
-      <p:sp>
-        <p:nvSpPr>
-          <p:cNvPr id="4" name="Slide Number Placeholder 3"/>
-          <p:cNvSpPr>
-            <a:spLocks noGrp="1"/>
-          </p:cNvSpPr>
-          <p:nvPr>
-            <p:ph type="sldNum" sz="quarter" idx="10"/>
-          </p:nvPr>
-        </p:nvSpPr>
-        <p:spPr/>
-        <p:txBody>
-          <a:bodyPr/>
-          <a:lstStyle/>
-          <a:p>
-            <a:fld id="{29FD0DB3-546B-4F1D-861A-BFC44BF53FF8}" type="slidenum">
-              <a:rPr lang="en-US" smtClean="0"/>
-              <a:t>4</a:t>
-            </a:fld>
-            <a:endParaRPr lang="en-US"/>
-          </a:p>
-        </p:txBody>
-      </p:sp>
-    </p:spTree>
-    <p:extLst>
-      <p:ext uri="{BB962C8B-B14F-4D97-AF65-F5344CB8AC3E}">
         <p14:creationId xmlns:p14="http://schemas.microsoft.com/office/powerpoint/2010/main" val="1802114405"/>
-      </p:ext>
-    </p:extLst>
-  </p:cSld>
-  <p:clrMapOvr>
-    <a:masterClrMapping/>
-  </p:clrMapOvr>
-</p:notes>
-</file>
-
-<file path=ppt/notesSlides/notesSlide5.xml><?xml version="1.0" encoding="utf-8"?>
-<p:notes xmlns:a="http://schemas.openxmlformats.org/drawingml/2006/main" xmlns:r="http://schemas.openxmlformats.org/officeDocument/2006/relationships" xmlns:p="http://schemas.openxmlformats.org/presentationml/2006/main">
-  <p:cSld>
-    <p:spTree>
-      <p:nvGrpSpPr>
-        <p:cNvPr id="1" name=""/>
-        <p:cNvGrpSpPr/>
-        <p:nvPr/>
-      </p:nvGrpSpPr>
-      <p:grpSpPr>
-        <a:xfrm>
-          <a:off x="0" y="0"/>
-          <a:ext cx="0" cy="0"/>
-          <a:chOff x="0" y="0"/>
-          <a:chExt cx="0" cy="0"/>
-        </a:xfrm>
-      </p:grpSpPr>
-      <p:sp>
-        <p:nvSpPr>
-          <p:cNvPr id="2" name="Slide Image Placeholder 1"/>
-          <p:cNvSpPr>
-            <a:spLocks noGrp="1" noRot="1" noChangeAspect="1"/>
-          </p:cNvSpPr>
-          <p:nvPr>
-            <p:ph type="sldImg"/>
-          </p:nvPr>
-        </p:nvSpPr>
-        <p:spPr/>
-      </p:sp>
-      <p:sp>
-        <p:nvSpPr>
-          <p:cNvPr id="3" name="Notes Placeholder 2"/>
-          <p:cNvSpPr>
-            <a:spLocks noGrp="1"/>
-          </p:cNvSpPr>
-          <p:nvPr>
-            <p:ph type="body" idx="1"/>
-          </p:nvPr>
-        </p:nvSpPr>
-        <p:spPr/>
-        <p:txBody>
-          <a:bodyPr/>
-          <a:lstStyle/>
-          <a:p>
-            <a:endParaRPr lang="en-US" dirty="0"/>
-          </a:p>
-        </p:txBody>
-      </p:sp>
-      <p:sp>
-        <p:nvSpPr>
-          <p:cNvPr id="4" name="Slide Number Placeholder 3"/>
-          <p:cNvSpPr>
-            <a:spLocks noGrp="1"/>
-          </p:cNvSpPr>
-          <p:nvPr>
-            <p:ph type="sldNum" sz="quarter" idx="10"/>
-          </p:nvPr>
-        </p:nvSpPr>
-        <p:spPr/>
-        <p:txBody>
-          <a:bodyPr/>
-          <a:lstStyle/>
-          <a:p>
-            <a:fld id="{29FD0DB3-546B-4F1D-861A-BFC44BF53FF8}" type="slidenum">
-              <a:rPr lang="en-US" smtClean="0"/>
-              <a:t>5</a:t>
-            </a:fld>
-            <a:endParaRPr lang="en-US"/>
-          </a:p>
-        </p:txBody>
-      </p:sp>
-    </p:spTree>
-    <p:extLst>
-      <p:ext uri="{BB962C8B-B14F-4D97-AF65-F5344CB8AC3E}">
-        <p14:creationId xmlns:p14="http://schemas.microsoft.com/office/powerpoint/2010/main" val="207206028"/>
-      </p:ext>
-    </p:extLst>
-  </p:cSld>
-  <p:clrMapOvr>
-    <a:masterClrMapping/>
-  </p:clrMapOvr>
-</p:notes>
-</file>
-
-<file path=ppt/notesSlides/notesSlide6.xml><?xml version="1.0" encoding="utf-8"?>
-<p:notes xmlns:a="http://schemas.openxmlformats.org/drawingml/2006/main" xmlns:r="http://schemas.openxmlformats.org/officeDocument/2006/relationships" xmlns:p="http://schemas.openxmlformats.org/presentationml/2006/main">
-  <p:cSld>
-    <p:spTree>
-      <p:nvGrpSpPr>
-        <p:cNvPr id="1" name=""/>
-        <p:cNvGrpSpPr/>
-        <p:nvPr/>
-      </p:nvGrpSpPr>
-      <p:grpSpPr>
-        <a:xfrm>
-          <a:off x="0" y="0"/>
-          <a:ext cx="0" cy="0"/>
-          <a:chOff x="0" y="0"/>
-          <a:chExt cx="0" cy="0"/>
-        </a:xfrm>
-      </p:grpSpPr>
-      <p:sp>
-        <p:nvSpPr>
-          <p:cNvPr id="2" name="Slide Image Placeholder 1"/>
-          <p:cNvSpPr>
-            <a:spLocks noGrp="1" noRot="1" noChangeAspect="1"/>
-          </p:cNvSpPr>
-          <p:nvPr>
-            <p:ph type="sldImg"/>
-          </p:nvPr>
-        </p:nvSpPr>
-        <p:spPr/>
-      </p:sp>
-      <p:sp>
-        <p:nvSpPr>
-          <p:cNvPr id="3" name="Notes Placeholder 2"/>
-          <p:cNvSpPr>
-            <a:spLocks noGrp="1"/>
-          </p:cNvSpPr>
-          <p:nvPr>
-            <p:ph type="body" idx="1"/>
-          </p:nvPr>
-        </p:nvSpPr>
-        <p:spPr/>
-        <p:txBody>
-          <a:bodyPr/>
-          <a:lstStyle/>
-          <a:p>
-            <a:endParaRPr lang="en-US" dirty="0"/>
-          </a:p>
-        </p:txBody>
-      </p:sp>
-      <p:sp>
-        <p:nvSpPr>
-          <p:cNvPr id="4" name="Slide Number Placeholder 3"/>
-          <p:cNvSpPr>
-            <a:spLocks noGrp="1"/>
-          </p:cNvSpPr>
-          <p:nvPr>
-            <p:ph type="sldNum" sz="quarter" idx="10"/>
-          </p:nvPr>
-        </p:nvSpPr>
-        <p:spPr/>
-        <p:txBody>
-          <a:bodyPr/>
-          <a:lstStyle/>
-          <a:p>
-            <a:fld id="{29FD0DB3-546B-4F1D-861A-BFC44BF53FF8}" type="slidenum">
-              <a:rPr lang="en-US" smtClean="0"/>
-              <a:t>6</a:t>
-            </a:fld>
-            <a:endParaRPr lang="en-US"/>
-          </a:p>
-        </p:txBody>
-      </p:sp>
-    </p:spTree>
-    <p:extLst>
-      <p:ext uri="{BB962C8B-B14F-4D97-AF65-F5344CB8AC3E}">
-        <p14:creationId xmlns:p14="http://schemas.microsoft.com/office/powerpoint/2010/main" val="2470235449"/>
-      </p:ext>
-    </p:extLst>
-  </p:cSld>
-  <p:clrMapOvr>
-    <a:masterClrMapping/>
-  </p:clrMapOvr>
-</p:notes>
-</file>
-
-<file path=ppt/notesSlides/notesSlide7.xml><?xml version="1.0" encoding="utf-8"?>
-<p:notes xmlns:a="http://schemas.openxmlformats.org/drawingml/2006/main" xmlns:r="http://schemas.openxmlformats.org/officeDocument/2006/relationships" xmlns:p="http://schemas.openxmlformats.org/presentationml/2006/main">
-  <p:cSld>
-    <p:spTree>
-      <p:nvGrpSpPr>
-        <p:cNvPr id="1" name=""/>
-        <p:cNvGrpSpPr/>
-        <p:nvPr/>
-      </p:nvGrpSpPr>
-      <p:grpSpPr>
-        <a:xfrm>
-          <a:off x="0" y="0"/>
-          <a:ext cx="0" cy="0"/>
-          <a:chOff x="0" y="0"/>
-          <a:chExt cx="0" cy="0"/>
-        </a:xfrm>
-      </p:grpSpPr>
-      <p:sp>
-        <p:nvSpPr>
-          <p:cNvPr id="2" name="Slide Image Placeholder 1"/>
-          <p:cNvSpPr>
-            <a:spLocks noGrp="1" noRot="1" noChangeAspect="1"/>
-          </p:cNvSpPr>
-          <p:nvPr>
-            <p:ph type="sldImg"/>
-          </p:nvPr>
-        </p:nvSpPr>
-        <p:spPr/>
-      </p:sp>
-      <p:sp>
-        <p:nvSpPr>
-          <p:cNvPr id="3" name="Notes Placeholder 2"/>
-          <p:cNvSpPr>
-            <a:spLocks noGrp="1"/>
-          </p:cNvSpPr>
-          <p:nvPr>
-            <p:ph type="body" idx="1"/>
-          </p:nvPr>
-        </p:nvSpPr>
-        <p:spPr/>
-        <p:txBody>
-          <a:bodyPr/>
-          <a:lstStyle/>
-          <a:p>
-            <a:endParaRPr lang="en-US" dirty="0"/>
-          </a:p>
-        </p:txBody>
-      </p:sp>
-      <p:sp>
-        <p:nvSpPr>
-          <p:cNvPr id="4" name="Slide Number Placeholder 3"/>
-          <p:cNvSpPr>
-            <a:spLocks noGrp="1"/>
-          </p:cNvSpPr>
-          <p:nvPr>
-            <p:ph type="sldNum" sz="quarter" idx="10"/>
-          </p:nvPr>
-        </p:nvSpPr>
-        <p:spPr/>
-        <p:txBody>
-          <a:bodyPr/>
-          <a:lstStyle/>
-          <a:p>
-            <a:fld id="{29FD0DB3-546B-4F1D-861A-BFC44BF53FF8}" type="slidenum">
-              <a:rPr lang="en-US" smtClean="0"/>
-              <a:t>7</a:t>
-            </a:fld>
-            <a:endParaRPr lang="en-US"/>
-          </a:p>
-        </p:txBody>
-      </p:sp>
-    </p:spTree>
-    <p:extLst>
-      <p:ext uri="{BB962C8B-B14F-4D97-AF65-F5344CB8AC3E}">
-        <p14:creationId xmlns:p14="http://schemas.microsoft.com/office/powerpoint/2010/main" val="1115288837"/>
-      </p:ext>
-    </p:extLst>
-  </p:cSld>
-  <p:clrMapOvr>
-    <a:masterClrMapping/>
-  </p:clrMapOvr>
-</p:notes>
-</file>
-
-<file path=ppt/notesSlides/notesSlide8.xml><?xml version="1.0" encoding="utf-8"?>
-<p:notes xmlns:a="http://schemas.openxmlformats.org/drawingml/2006/main" xmlns:r="http://schemas.openxmlformats.org/officeDocument/2006/relationships" xmlns:p="http://schemas.openxmlformats.org/presentationml/2006/main">
-  <p:cSld>
-    <p:spTree>
-      <p:nvGrpSpPr>
-        <p:cNvPr id="1" name=""/>
-        <p:cNvGrpSpPr/>
-        <p:nvPr/>
-      </p:nvGrpSpPr>
-      <p:grpSpPr>
-        <a:xfrm>
-          <a:off x="0" y="0"/>
-          <a:ext cx="0" cy="0"/>
-          <a:chOff x="0" y="0"/>
-          <a:chExt cx="0" cy="0"/>
-        </a:xfrm>
-      </p:grpSpPr>
-      <p:sp>
-        <p:nvSpPr>
-          <p:cNvPr id="2" name="Slide Image Placeholder 1"/>
-          <p:cNvSpPr>
-            <a:spLocks noGrp="1" noRot="1" noChangeAspect="1"/>
-          </p:cNvSpPr>
-          <p:nvPr>
-            <p:ph type="sldImg"/>
-          </p:nvPr>
-        </p:nvSpPr>
-        <p:spPr/>
-      </p:sp>
-      <p:sp>
-        <p:nvSpPr>
-          <p:cNvPr id="3" name="Notes Placeholder 2"/>
-          <p:cNvSpPr>
-            <a:spLocks noGrp="1"/>
-          </p:cNvSpPr>
-          <p:nvPr>
-            <p:ph type="body" idx="1"/>
-          </p:nvPr>
-        </p:nvSpPr>
-        <p:spPr/>
-        <p:txBody>
-          <a:bodyPr/>
-          <a:lstStyle/>
-          <a:p>
-            <a:endParaRPr lang="en-US" dirty="0"/>
-          </a:p>
-        </p:txBody>
-      </p:sp>
-      <p:sp>
-        <p:nvSpPr>
-          <p:cNvPr id="4" name="Slide Number Placeholder 3"/>
-          <p:cNvSpPr>
-            <a:spLocks noGrp="1"/>
-          </p:cNvSpPr>
-          <p:nvPr>
-            <p:ph type="sldNum" sz="quarter" idx="10"/>
-          </p:nvPr>
-        </p:nvSpPr>
-        <p:spPr/>
-        <p:txBody>
-          <a:bodyPr/>
-          <a:lstStyle/>
-          <a:p>
-            <a:fld id="{29FD0DB3-546B-4F1D-861A-BFC44BF53FF8}" type="slidenum">
-              <a:rPr lang="en-US" smtClean="0"/>
-              <a:t>8</a:t>
-            </a:fld>
-            <a:endParaRPr lang="en-US"/>
-          </a:p>
-        </p:txBody>
-      </p:sp>
-    </p:spTree>
-    <p:extLst>
-      <p:ext uri="{BB962C8B-B14F-4D97-AF65-F5344CB8AC3E}">
-        <p14:creationId xmlns:p14="http://schemas.microsoft.com/office/powerpoint/2010/main" val="4109693147"/>
-      </p:ext>
-    </p:extLst>
-  </p:cSld>
-  <p:clrMapOvr>
-    <a:masterClrMapping/>
-  </p:clrMapOvr>
-</p:notes>
-</file>
-
-<file path=ppt/notesSlides/notesSlide9.xml><?xml version="1.0" encoding="utf-8"?>
-<p:notes xmlns:a="http://schemas.openxmlformats.org/drawingml/2006/main" xmlns:r="http://schemas.openxmlformats.org/officeDocument/2006/relationships" xmlns:p="http://schemas.openxmlformats.org/presentationml/2006/main">
-  <p:cSld>
-    <p:spTree>
-      <p:nvGrpSpPr>
-        <p:cNvPr id="1" name=""/>
-        <p:cNvGrpSpPr/>
-        <p:nvPr/>
-      </p:nvGrpSpPr>
-      <p:grpSpPr>
-        <a:xfrm>
-          <a:off x="0" y="0"/>
-          <a:ext cx="0" cy="0"/>
-          <a:chOff x="0" y="0"/>
-          <a:chExt cx="0" cy="0"/>
-        </a:xfrm>
-      </p:grpSpPr>
-      <p:sp>
-        <p:nvSpPr>
-          <p:cNvPr id="2" name="Slide Image Placeholder 1"/>
-          <p:cNvSpPr>
-            <a:spLocks noGrp="1" noRot="1" noChangeAspect="1"/>
-          </p:cNvSpPr>
-          <p:nvPr>
-            <p:ph type="sldImg"/>
-          </p:nvPr>
-        </p:nvSpPr>
-        <p:spPr/>
-      </p:sp>
-      <p:sp>
-        <p:nvSpPr>
-          <p:cNvPr id="3" name="Notes Placeholder 2"/>
-          <p:cNvSpPr>
-            <a:spLocks noGrp="1"/>
-          </p:cNvSpPr>
-          <p:nvPr>
-            <p:ph type="body" idx="1"/>
-          </p:nvPr>
-        </p:nvSpPr>
-        <p:spPr/>
-        <p:txBody>
-          <a:bodyPr/>
-          <a:lstStyle/>
-          <a:p>
-            <a:endParaRPr lang="en-US" dirty="0"/>
-          </a:p>
-        </p:txBody>
-      </p:sp>
-      <p:sp>
-        <p:nvSpPr>
-          <p:cNvPr id="4" name="Slide Number Placeholder 3"/>
-          <p:cNvSpPr>
-            <a:spLocks noGrp="1"/>
-          </p:cNvSpPr>
-          <p:nvPr>
-            <p:ph type="sldNum" sz="quarter" idx="10"/>
-          </p:nvPr>
-        </p:nvSpPr>
-        <p:spPr/>
-        <p:txBody>
-          <a:bodyPr/>
-          <a:lstStyle/>
-          <a:p>
-            <a:fld id="{29FD0DB3-546B-4F1D-861A-BFC44BF53FF8}" type="slidenum">
-              <a:rPr lang="en-US" smtClean="0"/>
-              <a:t>9</a:t>
-            </a:fld>
-            <a:endParaRPr lang="en-US"/>
-          </a:p>
-        </p:txBody>
-      </p:sp>
-    </p:spTree>
-    <p:extLst>
-      <p:ext uri="{BB962C8B-B14F-4D97-AF65-F5344CB8AC3E}">
-        <p14:creationId xmlns:p14="http://schemas.microsoft.com/office/powerpoint/2010/main" val="3948132089"/>
       </p:ext>
     </p:extLst>
   </p:cSld>
@@ -5071,7 +5546,7 @@
             <a:pPr rtl="0"/>
             <a:fld id="{577270AC-D87E-4C20-BAE0-C01CAC4145D6}" type="datetime1">
               <a:rPr lang="en-GB" noProof="0" smtClean="0"/>
-              <a:t>22/03/2025</a:t>
+              <a:t>28/03/2025</a:t>
             </a:fld>
             <a:endParaRPr lang="en-GB" noProof="0"/>
           </a:p>
@@ -5277,7 +5752,7 @@
           <a:p>
             <a:fld id="{5DF1063C-92B4-4639-B2A4-9B5B377FD0D0}" type="datetime2">
               <a:rPr lang="km-KH" smtClean="0"/>
-              <a:t>ថ្ងៃសៅរ៍ 22 មិនា 2025</a:t>
+              <a:t>ថ្ងៃសុក្រ 28 មិនា 2025</a:t>
             </a:fld>
             <a:endParaRPr lang="en-US"/>
           </a:p>
@@ -5332,7 +5807,7 @@
     </p:spTree>
     <p:extLst>
       <p:ext uri="{BB962C8B-B14F-4D97-AF65-F5344CB8AC3E}">
-        <p14:creationId xmlns:p14="http://schemas.microsoft.com/office/powerpoint/2010/main" val="1859099014"/>
+        <p14:creationId xmlns:p14="http://schemas.microsoft.com/office/powerpoint/2010/main" val="1745480766"/>
       </p:ext>
     </p:extLst>
   </p:cSld>
@@ -5451,7 +5926,7 @@
           <a:p>
             <a:fld id="{60870323-6C7C-43CB-8237-9591F503B365}" type="datetime2">
               <a:rPr lang="km-KH" smtClean="0"/>
-              <a:t>ថ្ងៃសៅរ៍ 22 មិនា 2025</a:t>
+              <a:t>ថ្ងៃសុក្រ 28 មិនា 2025</a:t>
             </a:fld>
             <a:endParaRPr lang="en-US"/>
           </a:p>
@@ -5506,7 +5981,7 @@
     </p:spTree>
     <p:extLst>
       <p:ext uri="{BB962C8B-B14F-4D97-AF65-F5344CB8AC3E}">
-        <p14:creationId xmlns:p14="http://schemas.microsoft.com/office/powerpoint/2010/main" val="1659539716"/>
+        <p14:creationId xmlns:p14="http://schemas.microsoft.com/office/powerpoint/2010/main" val="4128390585"/>
       </p:ext>
     </p:extLst>
   </p:cSld>
@@ -5701,7 +6176,7 @@
           <a:p>
             <a:fld id="{0C14906D-ACD1-4D14-8BAA-09D5741CB142}" type="datetime2">
               <a:rPr lang="km-KH" smtClean="0"/>
-              <a:t>ថ្ងៃសៅរ៍ 22 មិនា 2025</a:t>
+              <a:t>ថ្ងៃសុក្រ 28 មិនា 2025</a:t>
             </a:fld>
             <a:endParaRPr lang="en-US"/>
           </a:p>
@@ -5756,7 +6231,7 @@
     </p:spTree>
     <p:extLst>
       <p:ext uri="{BB962C8B-B14F-4D97-AF65-F5344CB8AC3E}">
-        <p14:creationId xmlns:p14="http://schemas.microsoft.com/office/powerpoint/2010/main" val="2217804966"/>
+        <p14:creationId xmlns:p14="http://schemas.microsoft.com/office/powerpoint/2010/main" val="1856661587"/>
       </p:ext>
     </p:extLst>
   </p:cSld>
@@ -5937,7 +6412,7 @@
           <a:p>
             <a:fld id="{205040C8-119B-4E21-AA8C-AFF679A91D54}" type="datetime2">
               <a:rPr lang="km-KH" smtClean="0"/>
-              <a:t>ថ្ងៃសៅរ៍ 22 មិនា 2025</a:t>
+              <a:t>ថ្ងៃសុក្រ 28 មិនា 2025</a:t>
             </a:fld>
             <a:endParaRPr lang="en-US"/>
           </a:p>
@@ -5992,7 +6467,7 @@
     </p:spTree>
     <p:extLst>
       <p:ext uri="{BB962C8B-B14F-4D97-AF65-F5344CB8AC3E}">
-        <p14:creationId xmlns:p14="http://schemas.microsoft.com/office/powerpoint/2010/main" val="3716645687"/>
+        <p14:creationId xmlns:p14="http://schemas.microsoft.com/office/powerpoint/2010/main" val="3511832378"/>
       </p:ext>
     </p:extLst>
   </p:cSld>
@@ -6308,7 +6783,7 @@
           <a:p>
             <a:fld id="{53D7C5FC-45F3-459C-B7E8-4192AEB6866E}" type="datetime2">
               <a:rPr lang="km-KH" smtClean="0"/>
-              <a:t>ថ្ងៃសៅរ៍ 22 មិនា 2025</a:t>
+              <a:t>ថ្ងៃសុក្រ 28 មិនា 2025</a:t>
             </a:fld>
             <a:endParaRPr lang="en-US"/>
           </a:p>
@@ -6363,7 +6838,7 @@
     </p:spTree>
     <p:extLst>
       <p:ext uri="{BB962C8B-B14F-4D97-AF65-F5344CB8AC3E}">
-        <p14:creationId xmlns:p14="http://schemas.microsoft.com/office/powerpoint/2010/main" val="2147880440"/>
+        <p14:creationId xmlns:p14="http://schemas.microsoft.com/office/powerpoint/2010/main" val="2841353051"/>
       </p:ext>
     </p:extLst>
   </p:cSld>
@@ -6430,7 +6905,7 @@
           <a:p>
             <a:fld id="{4B857738-2A4E-4BB5-9CB1-EDD07A4F37B3}" type="datetime2">
               <a:rPr lang="km-KH" smtClean="0"/>
-              <a:t>ថ្ងៃសៅរ៍ 22 មិនា 2025</a:t>
+              <a:t>ថ្ងៃសុក្រ 28 មិនា 2025</a:t>
             </a:fld>
             <a:endParaRPr lang="en-US"/>
           </a:p>
@@ -6485,7 +6960,7 @@
     </p:spTree>
     <p:extLst>
       <p:ext uri="{BB962C8B-B14F-4D97-AF65-F5344CB8AC3E}">
-        <p14:creationId xmlns:p14="http://schemas.microsoft.com/office/powerpoint/2010/main" val="1688669218"/>
+        <p14:creationId xmlns:p14="http://schemas.microsoft.com/office/powerpoint/2010/main" val="3382157833"/>
       </p:ext>
     </p:extLst>
   </p:cSld>
@@ -6529,7 +7004,7 @@
           <a:p>
             <a:fld id="{C4777F6E-77D9-44CF-A86F-57E9F3835902}" type="datetime2">
               <a:rPr lang="km-KH" smtClean="0"/>
-              <a:t>ថ្ងៃសៅរ៍ 22 មិនា 2025</a:t>
+              <a:t>ថ្ងៃសុក្រ 28 មិនា 2025</a:t>
             </a:fld>
             <a:endParaRPr lang="en-US"/>
           </a:p>
@@ -6584,7 +7059,7 @@
     </p:spTree>
     <p:extLst>
       <p:ext uri="{BB962C8B-B14F-4D97-AF65-F5344CB8AC3E}">
-        <p14:creationId xmlns:p14="http://schemas.microsoft.com/office/powerpoint/2010/main" val="4293878899"/>
+        <p14:creationId xmlns:p14="http://schemas.microsoft.com/office/powerpoint/2010/main" val="261572119"/>
       </p:ext>
     </p:extLst>
   </p:cSld>
@@ -6810,7 +7285,7 @@
           <a:p>
             <a:fld id="{E10B6B7A-E7DE-45FD-A9AD-CA1E02362856}" type="datetime2">
               <a:rPr lang="km-KH" smtClean="0"/>
-              <a:t>ថ្ងៃសៅរ៍ 22 មិនា 2025</a:t>
+              <a:t>ថ្ងៃសុក្រ 28 មិនា 2025</a:t>
             </a:fld>
             <a:endParaRPr lang="en-US"/>
           </a:p>
@@ -6865,7 +7340,7 @@
     </p:spTree>
     <p:extLst>
       <p:ext uri="{BB962C8B-B14F-4D97-AF65-F5344CB8AC3E}">
-        <p14:creationId xmlns:p14="http://schemas.microsoft.com/office/powerpoint/2010/main" val="4022761939"/>
+        <p14:creationId xmlns:p14="http://schemas.microsoft.com/office/powerpoint/2010/main" val="1808978998"/>
       </p:ext>
     </p:extLst>
   </p:cSld>
@@ -7071,7 +7546,7 @@
           <a:p>
             <a:fld id="{6A580026-77E6-45E7-B429-7352C4C96152}" type="datetime2">
               <a:rPr lang="km-KH" smtClean="0"/>
-              <a:t>ថ្ងៃសៅរ៍ 22 មិនា 2025</a:t>
+              <a:t>ថ្ងៃសុក្រ 28 មិនា 2025</a:t>
             </a:fld>
             <a:endParaRPr lang="en-US"/>
           </a:p>
@@ -7126,7 +7601,7 @@
     </p:spTree>
     <p:extLst>
       <p:ext uri="{BB962C8B-B14F-4D97-AF65-F5344CB8AC3E}">
-        <p14:creationId xmlns:p14="http://schemas.microsoft.com/office/powerpoint/2010/main" val="63377271"/>
+        <p14:creationId xmlns:p14="http://schemas.microsoft.com/office/powerpoint/2010/main" val="3851940440"/>
       </p:ext>
     </p:extLst>
   </p:cSld>
@@ -7245,7 +7720,7 @@
           <a:p>
             <a:fld id="{A4AE8454-A0E4-46E5-BD04-852FCCB8C532}" type="datetime2">
               <a:rPr lang="km-KH" smtClean="0"/>
-              <a:t>ថ្ងៃសៅរ៍ 22 មិនា 2025</a:t>
+              <a:t>ថ្ងៃសុក្រ 28 មិនា 2025</a:t>
             </a:fld>
             <a:endParaRPr lang="en-US"/>
           </a:p>
@@ -7300,7 +7775,7 @@
     </p:spTree>
     <p:extLst>
       <p:ext uri="{BB962C8B-B14F-4D97-AF65-F5344CB8AC3E}">
-        <p14:creationId xmlns:p14="http://schemas.microsoft.com/office/powerpoint/2010/main" val="1010959140"/>
+        <p14:creationId xmlns:p14="http://schemas.microsoft.com/office/powerpoint/2010/main" val="2677310883"/>
       </p:ext>
     </p:extLst>
   </p:cSld>
@@ -7439,7 +7914,7 @@
             <a:pPr rtl="0"/>
             <a:fld id="{C584AF80-427F-4B7E-8AFB-9F055C9D1200}" type="datetime1">
               <a:rPr lang="en-GB" noProof="0" smtClean="0"/>
-              <a:t>22/03/2025</a:t>
+              <a:t>28/03/2025</a:t>
             </a:fld>
             <a:endParaRPr lang="en-GB" noProof="0"/>
           </a:p>
@@ -7633,7 +8108,7 @@
           <a:p>
             <a:fld id="{118E3421-6617-4F71-BC95-82B7D967DA33}" type="datetime2">
               <a:rPr lang="km-KH" smtClean="0"/>
-              <a:t>ថ្ងៃសៅរ៍ 22 មិនា 2025</a:t>
+              <a:t>ថ្ងៃសុក្រ 28 មិនា 2025</a:t>
             </a:fld>
             <a:endParaRPr lang="en-US"/>
           </a:p>
@@ -7688,7 +8163,7 @@
     </p:spTree>
     <p:extLst>
       <p:ext uri="{BB962C8B-B14F-4D97-AF65-F5344CB8AC3E}">
-        <p14:creationId xmlns:p14="http://schemas.microsoft.com/office/powerpoint/2010/main" val="3914667329"/>
+        <p14:creationId xmlns:p14="http://schemas.microsoft.com/office/powerpoint/2010/main" val="909230139"/>
       </p:ext>
     </p:extLst>
   </p:cSld>
@@ -7903,7 +8378,7 @@
             <a:pPr rtl="0"/>
             <a:fld id="{485D780E-12C7-4DB2-87AB-65D425DC6965}" type="datetime1">
               <a:rPr lang="en-GB" noProof="0" smtClean="0"/>
-              <a:t>22/03/2025</a:t>
+              <a:t>28/03/2025</a:t>
             </a:fld>
             <a:endParaRPr lang="en-GB" noProof="0"/>
           </a:p>
@@ -8175,7 +8650,7 @@
             <a:pPr rtl="0"/>
             <a:fld id="{782B2D28-1BDE-4A42-9BD6-521F991A381F}" type="datetime1">
               <a:rPr lang="en-GB" noProof="0" smtClean="0"/>
-              <a:t>22/03/2025</a:t>
+              <a:t>28/03/2025</a:t>
             </a:fld>
             <a:endParaRPr lang="en-GB" noProof="0"/>
           </a:p>
@@ -8594,7 +9069,7 @@
             <a:pPr rtl="0"/>
             <a:fld id="{29A21F97-6942-4EA8-BF0F-4226734E2FE8}" type="datetime1">
               <a:rPr lang="en-GB" noProof="0" smtClean="0"/>
-              <a:t>22/03/2025</a:t>
+              <a:t>28/03/2025</a:t>
             </a:fld>
             <a:endParaRPr lang="en-GB" noProof="0"/>
           </a:p>
@@ -8740,7 +9215,7 @@
             <a:pPr rtl="0"/>
             <a:fld id="{3A946C08-804A-46EE-A5DC-2F92DA2A916E}" type="datetime1">
               <a:rPr lang="en-GB" noProof="0" smtClean="0"/>
-              <a:t>22/03/2025</a:t>
+              <a:t>28/03/2025</a:t>
             </a:fld>
             <a:endParaRPr lang="en-GB" noProof="0"/>
           </a:p>
@@ -8856,7 +9331,7 @@
             <a:pPr rtl="0"/>
             <a:fld id="{4BE7FF7F-B954-40E6-838D-6CDF70EE9472}" type="datetime1">
               <a:rPr lang="en-GB" noProof="0" smtClean="0"/>
-              <a:t>22/03/2025</a:t>
+              <a:t>28/03/2025</a:t>
             </a:fld>
             <a:endParaRPr lang="en-GB" noProof="0"/>
           </a:p>
@@ -9173,7 +9648,7 @@
             <a:pPr rtl="0"/>
             <a:fld id="{158FF1B8-9CBE-4ED2-8687-FBE8F3F23425}" type="datetime1">
               <a:rPr lang="en-GB" noProof="0" smtClean="0"/>
-              <a:t>22/03/2025</a:t>
+              <a:t>28/03/2025</a:t>
             </a:fld>
             <a:endParaRPr lang="en-GB" noProof="0"/>
           </a:p>
@@ -9471,7 +9946,7 @@
             <a:pPr rtl="0"/>
             <a:fld id="{B50E7C47-A7DA-4C2E-82F9-ADD6120F140B}" type="datetime1">
               <a:rPr lang="en-GB" noProof="0" smtClean="0"/>
-              <a:t>22/03/2025</a:t>
+              <a:t>28/03/2025</a:t>
             </a:fld>
             <a:endParaRPr lang="en-GB" noProof="0"/>
           </a:p>
@@ -9721,7 +10196,7 @@
             <a:pPr rtl="0"/>
             <a:fld id="{033CFCF1-08A8-4CAD-8798-C4FBD0A63494}" type="datetime1">
               <a:rPr lang="en-GB" noProof="0" smtClean="0"/>
-              <a:t>22/03/2025</a:t>
+              <a:t>28/03/2025</a:t>
             </a:fld>
             <a:endParaRPr lang="en-GB" noProof="0"/>
           </a:p>
@@ -10274,7 +10749,7 @@
           <a:p>
             <a:fld id="{0124983A-5796-423F-9AFB-D1E523340CF3}" type="datetime2">
               <a:rPr lang="km-KH" smtClean="0"/>
-              <a:t>ថ្ងៃសៅរ៍ 22 មិនា 2025</a:t>
+              <a:t>ថ្ងៃសុក្រ 28 មិនា 2025</a:t>
             </a:fld>
             <a:endParaRPr lang="en-US"/>
           </a:p>
@@ -10365,23 +10840,23 @@
     </p:spTree>
     <p:extLst>
       <p:ext uri="{BB962C8B-B14F-4D97-AF65-F5344CB8AC3E}">
-        <p14:creationId xmlns:p14="http://schemas.microsoft.com/office/powerpoint/2010/main" val="2299268680"/>
+        <p14:creationId xmlns:p14="http://schemas.microsoft.com/office/powerpoint/2010/main" val="1588391864"/>
       </p:ext>
     </p:extLst>
   </p:cSld>
   <p:clrMap bg1="dk1" tx1="lt1" bg2="dk2" tx2="lt2" accent1="accent1" accent2="accent2" accent3="accent3" accent4="accent4" accent5="accent5" accent6="accent6" hlink="hlink" folHlink="folHlink"/>
   <p:sldLayoutIdLst>
-    <p:sldLayoutId id="2147483671" r:id="rId1"/>
-    <p:sldLayoutId id="2147483672" r:id="rId2"/>
-    <p:sldLayoutId id="2147483673" r:id="rId3"/>
-    <p:sldLayoutId id="2147483674" r:id="rId4"/>
-    <p:sldLayoutId id="2147483675" r:id="rId5"/>
-    <p:sldLayoutId id="2147483676" r:id="rId6"/>
-    <p:sldLayoutId id="2147483677" r:id="rId7"/>
-    <p:sldLayoutId id="2147483678" r:id="rId8"/>
-    <p:sldLayoutId id="2147483679" r:id="rId9"/>
-    <p:sldLayoutId id="2147483680" r:id="rId10"/>
-    <p:sldLayoutId id="2147483681" r:id="rId11"/>
+    <p:sldLayoutId id="2147483659" r:id="rId1"/>
+    <p:sldLayoutId id="2147483660" r:id="rId2"/>
+    <p:sldLayoutId id="2147483661" r:id="rId3"/>
+    <p:sldLayoutId id="2147483662" r:id="rId4"/>
+    <p:sldLayoutId id="2147483663" r:id="rId5"/>
+    <p:sldLayoutId id="2147483664" r:id="rId6"/>
+    <p:sldLayoutId id="2147483665" r:id="rId7"/>
+    <p:sldLayoutId id="2147483666" r:id="rId8"/>
+    <p:sldLayoutId id="2147483667" r:id="rId9"/>
+    <p:sldLayoutId id="2147483668" r:id="rId10"/>
+    <p:sldLayoutId id="2147483669" r:id="rId11"/>
   </p:sldLayoutIdLst>
   <p:hf sldNum="0" hdr="0"/>
   <p:txStyles>
@@ -10793,7 +11268,7 @@
                 <a:cs typeface="Krasar" panose="00000500000000000000" pitchFamily="2" charset="0"/>
               </a:rPr>
               <a:pPr algn="r"/>
-              <a:t>ថ្ងៃសៅរ៍ 22 មិនា 2025</a:t>
+              <a:t>ថ្ងៃសុក្រ 28 មិនា 2025</a:t>
             </a:fld>
             <a:endParaRPr lang="en-GB" dirty="0">
               <a:solidFill>
@@ -10897,98 +11372,10 @@
       </p:grpSpPr>
       <p:sp>
         <p:nvSpPr>
-          <p:cNvPr id="5" name="Date Placeholder 6">
-            <a:extLst>
-              <a:ext uri="{FF2B5EF4-FFF2-40B4-BE49-F238E27FC236}">
-                <a16:creationId xmlns:a16="http://schemas.microsoft.com/office/drawing/2014/main" id="{968F81BA-D120-487F-86D3-F8C7B941BFF3}"/>
-              </a:ext>
-            </a:extLst>
-          </p:cNvPr>
-          <p:cNvSpPr>
-            <a:spLocks noGrp="1"/>
-          </p:cNvSpPr>
-          <p:nvPr>
-            <p:ph type="dt" sz="half" idx="10"/>
-          </p:nvPr>
-        </p:nvSpPr>
-        <p:spPr>
-          <a:xfrm>
-            <a:off x="4724400" y="6499371"/>
-            <a:ext cx="2743200" cy="365125"/>
-          </a:xfrm>
-        </p:spPr>
-        <p:txBody>
-          <a:bodyPr/>
-          <a:lstStyle/>
-          <a:p>
-            <a:pPr algn="ctr"/>
-            <a:fld id="{EA2BFC65-DA16-48C2-8A07-8A08C95D7600}" type="datetime2">
-              <a:rPr lang="km-KH" sz="1400" smtClean="0">
-                <a:latin typeface="Krasar" panose="00000500000000000000" pitchFamily="2" charset="0"/>
-                <a:cs typeface="Krasar" panose="00000500000000000000" pitchFamily="2" charset="0"/>
-              </a:rPr>
-              <a:pPr algn="ctr"/>
-              <a:t>ថ្ងៃសៅរ៍ 22 មិនា 2025</a:t>
-            </a:fld>
-            <a:endParaRPr lang="en-US" dirty="0">
-              <a:latin typeface="Krasar" panose="00000500000000000000" pitchFamily="2" charset="0"/>
-              <a:cs typeface="Krasar" panose="00000500000000000000" pitchFamily="2" charset="0"/>
-            </a:endParaRPr>
-          </a:p>
-        </p:txBody>
-      </p:sp>
-      <p:sp>
-        <p:nvSpPr>
-          <p:cNvPr id="6" name="Footer Placeholder 7">
-            <a:extLst>
-              <a:ext uri="{FF2B5EF4-FFF2-40B4-BE49-F238E27FC236}">
-                <a16:creationId xmlns:a16="http://schemas.microsoft.com/office/drawing/2014/main" id="{597A226A-BFCD-46DB-B224-45E1E4AE94DB}"/>
-              </a:ext>
-            </a:extLst>
-          </p:cNvPr>
-          <p:cNvSpPr>
-            <a:spLocks noGrp="1"/>
-          </p:cNvSpPr>
-          <p:nvPr>
-            <p:ph type="ftr" sz="quarter" idx="11"/>
-          </p:nvPr>
-        </p:nvSpPr>
-        <p:spPr>
-          <a:xfrm>
-            <a:off x="4038600" y="0"/>
-            <a:ext cx="4114800" cy="365125"/>
-          </a:xfrm>
-        </p:spPr>
-        <p:txBody>
-          <a:bodyPr/>
-          <a:lstStyle/>
-          <a:p>
-            <a:r>
-              <a:rPr lang="km-KH" sz="1600" dirty="0">
-                <a:solidFill>
-                  <a:srgbClr val="FFC000"/>
-                </a:solidFill>
-                <a:latin typeface="AKbalthom Moul 2" panose="02000500000000000000" pitchFamily="2" charset="0"/>
-                <a:cs typeface="AKbalthom Moul 2" panose="02000500000000000000" pitchFamily="2" charset="0"/>
-              </a:rPr>
-              <a:t>សូមថ្វាយសិរីល្អដល់ព្រះ</a:t>
-            </a:r>
-            <a:endParaRPr lang="en-US" sz="1600" dirty="0">
-              <a:solidFill>
-                <a:srgbClr val="FFC000"/>
-              </a:solidFill>
-              <a:latin typeface="AKbalthom Moul 2" panose="02000500000000000000" pitchFamily="2" charset="0"/>
-              <a:cs typeface="AKbalthom Moul 2" panose="02000500000000000000" pitchFamily="2" charset="0"/>
-            </a:endParaRPr>
-          </a:p>
-        </p:txBody>
-      </p:sp>
-      <p:sp>
-        <p:nvSpPr>
           <p:cNvPr id="2" name="Title 1">
             <a:extLst>
               <a:ext uri="{FF2B5EF4-FFF2-40B4-BE49-F238E27FC236}">
-                <a16:creationId xmlns:a16="http://schemas.microsoft.com/office/drawing/2014/main" id="{7CD9F84C-8AE3-AD4F-862A-159E159AA6B2}"/>
+                <a16:creationId xmlns:a16="http://schemas.microsoft.com/office/drawing/2014/main" id="{1BC2D47E-4FBC-5AB6-5902-9B1BDE3F9651}"/>
               </a:ext>
             </a:extLst>
           </p:cNvPr>
@@ -11030,53 +11417,363 @@
             </a:lvl1pPr>
           </a:lstStyle>
           <a:p>
-            <a:pPr algn="ctr">
+            <a:pPr marL="0" marR="0" lvl="0" indent="0" algn="ctr" defTabSz="914400" rtl="0" eaLnBrk="1" fontAlgn="auto" latinLnBrk="0" hangingPunct="1">
               <a:lnSpc>
                 <a:spcPct val="150000"/>
               </a:lnSpc>
+              <a:spcBef>
+                <a:spcPct val="0"/>
+              </a:spcBef>
+              <a:spcAft>
+                <a:spcPts val="0"/>
+              </a:spcAft>
+              <a:buClrTx/>
+              <a:buSzTx/>
+              <a:buFontTx/>
+              <a:buNone/>
+              <a:tabLst/>
+              <a:defRPr/>
             </a:pPr>
             <a:r>
-              <a:rPr lang="km-KH" sz="4400" dirty="0">
+              <a:rPr kumimoji="0" lang="km-KH" sz="4400" b="0" i="0" u="none" strike="noStrike" kern="1200" cap="none" spc="0" normalizeH="0" baseline="0" noProof="0" dirty="0">
+                <a:ln>
+                  <a:noFill/>
+                </a:ln>
+                <a:solidFill>
+                  <a:prstClr val="white"/>
+                </a:solidFill>
+                <a:effectLst/>
+                <a:uLnTx/>
+                <a:uFillTx/>
                 <a:latin typeface="Krasar" panose="00000500000000000000" pitchFamily="2" charset="0"/>
+                <a:ea typeface="+mj-ea"/>
                 <a:cs typeface="Krasar" panose="00000500000000000000" pitchFamily="2" charset="0"/>
               </a:rPr>
-              <a:t>ដូចជានំប៉័ងហើយនិងត្រី </a:t>
-            </a:r>
-          </a:p>
-          <a:p>
-            <a:pPr algn="ctr">
+              <a:t>ក្តីស្នេហ៍ ទ្រង់ហូរពីស្ថានសួគ៌ា	​​  </a:t>
+            </a:r>
+          </a:p>
+          <a:p>
+            <a:pPr marL="0" marR="0" lvl="0" indent="0" algn="ctr" defTabSz="914400" rtl="0" eaLnBrk="1" fontAlgn="auto" latinLnBrk="0" hangingPunct="1">
               <a:lnSpc>
                 <a:spcPct val="150000"/>
               </a:lnSpc>
+              <a:spcBef>
+                <a:spcPct val="0"/>
+              </a:spcBef>
+              <a:spcAft>
+                <a:spcPts val="0"/>
+              </a:spcAft>
+              <a:buClrTx/>
+              <a:buSzTx/>
+              <a:buFontTx/>
+              <a:buNone/>
+              <a:tabLst/>
+              <a:defRPr/>
             </a:pPr>
             <a:r>
-              <a:rPr lang="km-KH" sz="4400" dirty="0">
+              <a:rPr kumimoji="0" lang="km-KH" sz="4400" b="0" i="0" u="none" strike="noStrike" kern="1200" cap="none" spc="0" normalizeH="0" baseline="0" noProof="0" dirty="0">
+                <a:ln>
+                  <a:noFill/>
+                </a:ln>
+                <a:solidFill>
+                  <a:prstClr val="white"/>
+                </a:solidFill>
+                <a:effectLst/>
+                <a:uLnTx/>
+                <a:uFillTx/>
                 <a:latin typeface="Krasar" panose="00000500000000000000" pitchFamily="2" charset="0"/>
+                <a:ea typeface="+mj-ea"/>
                 <a:cs typeface="Krasar" panose="00000500000000000000" pitchFamily="2" charset="0"/>
               </a:rPr>
-              <a:t>គ្រប់អ្វីៗយើងថ្វាយដល់ទ្រង់</a:t>
-            </a:r>
-          </a:p>
-          <a:p>
-            <a:pPr algn="ctr">
+              <a:t>បំពេញចិត្តខ្ញុំ ឱ្យពេញឱ្យបានហូរហៀរ</a:t>
+            </a:r>
+          </a:p>
+          <a:p>
+            <a:pPr marL="0" marR="0" lvl="0" indent="0" algn="ctr" defTabSz="914400" rtl="0" eaLnBrk="1" fontAlgn="auto" latinLnBrk="0" hangingPunct="1">
               <a:lnSpc>
                 <a:spcPct val="150000"/>
               </a:lnSpc>
+              <a:spcBef>
+                <a:spcPct val="0"/>
+              </a:spcBef>
+              <a:spcAft>
+                <a:spcPts val="0"/>
+              </a:spcAft>
+              <a:buClrTx/>
+              <a:buSzTx/>
+              <a:buFontTx/>
+              <a:buNone/>
+              <a:tabLst/>
+              <a:defRPr/>
             </a:pPr>
             <a:r>
-              <a:rPr lang="km-KH" sz="4400" dirty="0">
+              <a:rPr kumimoji="0" lang="km-KH" sz="4400" b="0" i="0" u="none" strike="noStrike" kern="1200" cap="none" spc="0" normalizeH="0" baseline="0" noProof="0" dirty="0">
+                <a:ln>
+                  <a:noFill/>
+                </a:ln>
+                <a:solidFill>
+                  <a:prstClr val="white"/>
+                </a:solidFill>
+                <a:effectLst/>
+                <a:uLnTx/>
+                <a:uFillTx/>
                 <a:latin typeface="Krasar" panose="00000500000000000000" pitchFamily="2" charset="0"/>
+                <a:ea typeface="+mj-ea"/>
                 <a:cs typeface="Krasar" panose="00000500000000000000" pitchFamily="2" charset="0"/>
               </a:rPr>
-              <a:t>គ្រប់គ្នាសារភាពថា យេហូវ៉ា យីរេ</a:t>
-            </a:r>
+              <a:t>ផុតគ្រារាំងស្ងួត ទ្រង់ឆ្លើយពេលកូនស្រែកហៅ  </a:t>
+            </a:r>
+          </a:p>
+          <a:p>
+            <a:pPr marL="0" marR="0" lvl="0" indent="0" algn="ctr" defTabSz="914400" rtl="0" eaLnBrk="1" fontAlgn="auto" latinLnBrk="0" hangingPunct="1">
+              <a:lnSpc>
+                <a:spcPct val="150000"/>
+              </a:lnSpc>
+              <a:spcBef>
+                <a:spcPct val="0"/>
+              </a:spcBef>
+              <a:spcAft>
+                <a:spcPts val="0"/>
+              </a:spcAft>
+              <a:buClrTx/>
+              <a:buSzTx/>
+              <a:buFontTx/>
+              <a:buNone/>
+              <a:tabLst/>
+              <a:defRPr/>
+            </a:pPr>
+            <a:r>
+              <a:rPr kumimoji="0" lang="km-KH" sz="4400" b="0" i="0" u="none" strike="noStrike" kern="1200" cap="none" spc="0" normalizeH="0" baseline="0" noProof="0" dirty="0">
+                <a:ln>
+                  <a:noFill/>
+                </a:ln>
+                <a:solidFill>
+                  <a:prstClr val="white"/>
+                </a:solidFill>
+                <a:effectLst/>
+                <a:uLnTx/>
+                <a:uFillTx/>
+                <a:latin typeface="Krasar" panose="00000500000000000000" pitchFamily="2" charset="0"/>
+                <a:ea typeface="+mj-ea"/>
+                <a:cs typeface="Krasar" panose="00000500000000000000" pitchFamily="2" charset="0"/>
+              </a:rPr>
+              <a:t>ណែនាំឱ្យរកគោលដៅ កូនចង់នៅជាមួយទ្រង់</a:t>
+            </a:r>
+          </a:p>
+          <a:p>
+            <a:pPr marL="0" marR="0" lvl="0" indent="0" algn="ctr" defTabSz="914400" rtl="0" eaLnBrk="1" fontAlgn="auto" latinLnBrk="0" hangingPunct="1">
+              <a:lnSpc>
+                <a:spcPct val="150000"/>
+              </a:lnSpc>
+              <a:spcBef>
+                <a:spcPct val="0"/>
+              </a:spcBef>
+              <a:spcAft>
+                <a:spcPts val="0"/>
+              </a:spcAft>
+              <a:buClrTx/>
+              <a:buSzTx/>
+              <a:buFontTx/>
+              <a:buNone/>
+              <a:tabLst/>
+              <a:defRPr/>
+            </a:pPr>
+            <a:endParaRPr kumimoji="0" lang="km-KH" sz="4400" b="0" i="0" u="none" strike="noStrike" kern="1200" cap="none" spc="0" normalizeH="0" baseline="0" noProof="0" dirty="0">
+              <a:ln>
+                <a:noFill/>
+              </a:ln>
+              <a:solidFill>
+                <a:prstClr val="white"/>
+              </a:solidFill>
+              <a:effectLst/>
+              <a:uLnTx/>
+              <a:uFillTx/>
+              <a:latin typeface="Krasar" panose="00000500000000000000" pitchFamily="2" charset="0"/>
+              <a:ea typeface="+mj-ea"/>
+              <a:cs typeface="Krasar" panose="00000500000000000000" pitchFamily="2" charset="0"/>
+            </a:endParaRPr>
+          </a:p>
+        </p:txBody>
+      </p:sp>
+      <p:sp>
+        <p:nvSpPr>
+          <p:cNvPr id="3" name="Date Placeholder 6">
+            <a:extLst>
+              <a:ext uri="{FF2B5EF4-FFF2-40B4-BE49-F238E27FC236}">
+                <a16:creationId xmlns:a16="http://schemas.microsoft.com/office/drawing/2014/main" id="{B0522A27-09FE-E06F-4B1C-FCDF3A91A204}"/>
+              </a:ext>
+            </a:extLst>
+          </p:cNvPr>
+          <p:cNvSpPr>
+            <a:spLocks noGrp="1"/>
+          </p:cNvSpPr>
+          <p:nvPr>
+            <p:ph type="dt" sz="half" idx="10"/>
+          </p:nvPr>
+        </p:nvSpPr>
+        <p:spPr>
+          <a:xfrm>
+            <a:off x="4724400" y="6499371"/>
+            <a:ext cx="2743200" cy="365125"/>
+          </a:xfrm>
+        </p:spPr>
+        <p:txBody>
+          <a:bodyPr/>
+          <a:lstStyle/>
+          <a:p>
+            <a:pPr marL="0" marR="0" lvl="0" indent="0" algn="ctr" defTabSz="457200" rtl="0" eaLnBrk="1" fontAlgn="auto" latinLnBrk="0" hangingPunct="1">
+              <a:lnSpc>
+                <a:spcPct val="100000"/>
+              </a:lnSpc>
+              <a:spcBef>
+                <a:spcPts val="0"/>
+              </a:spcBef>
+              <a:spcAft>
+                <a:spcPts val="0"/>
+              </a:spcAft>
+              <a:buClrTx/>
+              <a:buSzTx/>
+              <a:buFontTx/>
+              <a:buNone/>
+              <a:tabLst/>
+              <a:defRPr/>
+            </a:pPr>
+            <a:fld id="{EA2BFC65-DA16-48C2-8A07-8A08C95D7600}" type="datetime2">
+              <a:rPr kumimoji="0" lang="km-KH" sz="1400" b="0" i="0" u="none" strike="noStrike" kern="1200" cap="none" spc="0" normalizeH="0" baseline="0" noProof="0" smtClean="0">
+                <a:ln>
+                  <a:noFill/>
+                </a:ln>
+                <a:solidFill>
+                  <a:prstClr val="white">
+                    <a:tint val="75000"/>
+                  </a:prstClr>
+                </a:solidFill>
+                <a:effectLst/>
+                <a:uLnTx/>
+                <a:uFillTx/>
+                <a:latin typeface="Krasar" panose="00000500000000000000" pitchFamily="2" charset="0"/>
+                <a:ea typeface="+mn-ea"/>
+                <a:cs typeface="Krasar" panose="00000500000000000000" pitchFamily="2" charset="0"/>
+              </a:rPr>
+              <a:pPr marL="0" marR="0" lvl="0" indent="0" algn="ctr" defTabSz="457200" rtl="0" eaLnBrk="1" fontAlgn="auto" latinLnBrk="0" hangingPunct="1">
+                <a:lnSpc>
+                  <a:spcPct val="100000"/>
+                </a:lnSpc>
+                <a:spcBef>
+                  <a:spcPts val="0"/>
+                </a:spcBef>
+                <a:spcAft>
+                  <a:spcPts val="0"/>
+                </a:spcAft>
+                <a:buClrTx/>
+                <a:buSzTx/>
+                <a:buFontTx/>
+                <a:buNone/>
+                <a:tabLst/>
+                <a:defRPr/>
+              </a:pPr>
+              <a:t>ថ្ងៃសុក្រ 28 មិនា 2025</a:t>
+            </a:fld>
+            <a:endParaRPr kumimoji="0" lang="en-US" sz="1200" b="0" i="0" u="none" strike="noStrike" kern="1200" cap="none" spc="0" normalizeH="0" baseline="0" noProof="0" dirty="0">
+              <a:ln>
+                <a:noFill/>
+              </a:ln>
+              <a:solidFill>
+                <a:prstClr val="white">
+                  <a:tint val="75000"/>
+                </a:prstClr>
+              </a:solidFill>
+              <a:effectLst/>
+              <a:uLnTx/>
+              <a:uFillTx/>
+              <a:latin typeface="Krasar" panose="00000500000000000000" pitchFamily="2" charset="0"/>
+              <a:ea typeface="+mn-ea"/>
+              <a:cs typeface="Krasar" panose="00000500000000000000" pitchFamily="2" charset="0"/>
+            </a:endParaRPr>
+          </a:p>
+        </p:txBody>
+      </p:sp>
+      <p:sp>
+        <p:nvSpPr>
+          <p:cNvPr id="4" name="Footer Placeholder 7">
+            <a:extLst>
+              <a:ext uri="{FF2B5EF4-FFF2-40B4-BE49-F238E27FC236}">
+                <a16:creationId xmlns:a16="http://schemas.microsoft.com/office/drawing/2014/main" id="{F4D4D0DA-4D2E-139B-8894-96D67AD8E992}"/>
+              </a:ext>
+            </a:extLst>
+          </p:cNvPr>
+          <p:cNvSpPr>
+            <a:spLocks noGrp="1"/>
+          </p:cNvSpPr>
+          <p:nvPr>
+            <p:ph type="ftr" sz="quarter" idx="11"/>
+          </p:nvPr>
+        </p:nvSpPr>
+        <p:spPr>
+          <a:xfrm>
+            <a:off x="4038600" y="0"/>
+            <a:ext cx="4114800" cy="365125"/>
+          </a:xfrm>
+        </p:spPr>
+        <p:txBody>
+          <a:bodyPr/>
+          <a:lstStyle/>
+          <a:p>
+            <a:pPr marL="0" marR="0" lvl="0" indent="0" algn="ctr" defTabSz="457200" rtl="0" eaLnBrk="1" fontAlgn="auto" latinLnBrk="0" hangingPunct="1">
+              <a:lnSpc>
+                <a:spcPct val="100000"/>
+              </a:lnSpc>
+              <a:spcBef>
+                <a:spcPts val="0"/>
+              </a:spcBef>
+              <a:spcAft>
+                <a:spcPts val="0"/>
+              </a:spcAft>
+              <a:buClrTx/>
+              <a:buSzTx/>
+              <a:buFontTx/>
+              <a:buNone/>
+              <a:tabLst/>
+              <a:defRPr/>
+            </a:pPr>
+            <a:r>
+              <a:rPr kumimoji="0" lang="km-KH" sz="1600" b="0" i="0" u="none" strike="noStrike" kern="1200" cap="none" spc="0" normalizeH="0" baseline="0" noProof="0" dirty="0">
+                <a:ln>
+                  <a:noFill/>
+                </a:ln>
+                <a:solidFill>
+                  <a:srgbClr val="FFC000"/>
+                </a:solidFill>
+                <a:effectLst/>
+                <a:uLnTx/>
+                <a:uFillTx/>
+                <a:latin typeface="AKbalthom Moul 2" panose="02000500000000000000" pitchFamily="2" charset="0"/>
+                <a:ea typeface="+mn-ea"/>
+                <a:cs typeface="AKbalthom Moul 2" panose="02000500000000000000" pitchFamily="2" charset="0"/>
+              </a:rPr>
+              <a:t>សូមថ្វាយសិរីល្អដល់ព្រះ</a:t>
+            </a:r>
+            <a:endParaRPr kumimoji="0" lang="en-US" sz="1600" b="0" i="0" u="none" strike="noStrike" kern="1200" cap="none" spc="0" normalizeH="0" baseline="0" noProof="0" dirty="0">
+              <a:ln>
+                <a:noFill/>
+              </a:ln>
+              <a:solidFill>
+                <a:srgbClr val="FFC000"/>
+              </a:solidFill>
+              <a:effectLst/>
+              <a:uLnTx/>
+              <a:uFillTx/>
+              <a:latin typeface="AKbalthom Moul 2" panose="02000500000000000000" pitchFamily="2" charset="0"/>
+              <a:ea typeface="+mn-ea"/>
+              <a:cs typeface="AKbalthom Moul 2" panose="02000500000000000000" pitchFamily="2" charset="0"/>
+            </a:endParaRPr>
           </a:p>
         </p:txBody>
       </p:sp>
     </p:spTree>
     <p:extLst>
       <p:ext uri="{BB962C8B-B14F-4D97-AF65-F5344CB8AC3E}">
-        <p14:creationId xmlns:p14="http://schemas.microsoft.com/office/powerpoint/2010/main" val="3831152093"/>
+        <p14:creationId xmlns:p14="http://schemas.microsoft.com/office/powerpoint/2010/main" val="2426452038"/>
       </p:ext>
     </p:extLst>
   </p:cSld>
@@ -11106,7 +11803,7 @@
         <p:cNvPr id="1" name="">
           <a:extLst>
             <a:ext uri="{FF2B5EF4-FFF2-40B4-BE49-F238E27FC236}">
-              <a16:creationId xmlns:a16="http://schemas.microsoft.com/office/drawing/2014/main" id="{F725814F-9F90-4131-7A24-84B2195F48C0}"/>
+              <a16:creationId xmlns:a16="http://schemas.microsoft.com/office/drawing/2014/main" id="{94563DD6-7467-64FD-9C65-73826D378215}"/>
             </a:ext>
           </a:extLst>
         </p:cNvPr>
@@ -11123,98 +11820,10 @@
       </p:grpSpPr>
       <p:sp>
         <p:nvSpPr>
-          <p:cNvPr id="5" name="Date Placeholder 6">
-            <a:extLst>
-              <a:ext uri="{FF2B5EF4-FFF2-40B4-BE49-F238E27FC236}">
-                <a16:creationId xmlns:a16="http://schemas.microsoft.com/office/drawing/2014/main" id="{A03E1F33-9CB1-172C-1C9B-BC5B57D7E367}"/>
-              </a:ext>
-            </a:extLst>
-          </p:cNvPr>
-          <p:cNvSpPr>
-            <a:spLocks noGrp="1"/>
-          </p:cNvSpPr>
-          <p:nvPr>
-            <p:ph type="dt" sz="half" idx="10"/>
-          </p:nvPr>
-        </p:nvSpPr>
-        <p:spPr>
-          <a:xfrm>
-            <a:off x="4724400" y="6499371"/>
-            <a:ext cx="2743200" cy="365125"/>
-          </a:xfrm>
-        </p:spPr>
-        <p:txBody>
-          <a:bodyPr/>
-          <a:lstStyle/>
-          <a:p>
-            <a:pPr algn="ctr"/>
-            <a:fld id="{EA2BFC65-DA16-48C2-8A07-8A08C95D7600}" type="datetime2">
-              <a:rPr lang="km-KH" sz="1400" smtClean="0">
-                <a:latin typeface="Krasar" panose="00000500000000000000" pitchFamily="2" charset="0"/>
-                <a:cs typeface="Krasar" panose="00000500000000000000" pitchFamily="2" charset="0"/>
-              </a:rPr>
-              <a:pPr algn="ctr"/>
-              <a:t>ថ្ងៃសៅរ៍ 22 មិនា 2025</a:t>
-            </a:fld>
-            <a:endParaRPr lang="en-US" dirty="0">
-              <a:latin typeface="Krasar" panose="00000500000000000000" pitchFamily="2" charset="0"/>
-              <a:cs typeface="Krasar" panose="00000500000000000000" pitchFamily="2" charset="0"/>
-            </a:endParaRPr>
-          </a:p>
-        </p:txBody>
-      </p:sp>
-      <p:sp>
-        <p:nvSpPr>
-          <p:cNvPr id="6" name="Footer Placeholder 7">
-            <a:extLst>
-              <a:ext uri="{FF2B5EF4-FFF2-40B4-BE49-F238E27FC236}">
-                <a16:creationId xmlns:a16="http://schemas.microsoft.com/office/drawing/2014/main" id="{7C8AA381-2E86-EC84-5643-778865239747}"/>
-              </a:ext>
-            </a:extLst>
-          </p:cNvPr>
-          <p:cNvSpPr>
-            <a:spLocks noGrp="1"/>
-          </p:cNvSpPr>
-          <p:nvPr>
-            <p:ph type="ftr" sz="quarter" idx="11"/>
-          </p:nvPr>
-        </p:nvSpPr>
-        <p:spPr>
-          <a:xfrm>
-            <a:off x="4038600" y="0"/>
-            <a:ext cx="4114800" cy="365125"/>
-          </a:xfrm>
-        </p:spPr>
-        <p:txBody>
-          <a:bodyPr/>
-          <a:lstStyle/>
-          <a:p>
-            <a:r>
-              <a:rPr lang="km-KH" sz="1600" dirty="0">
-                <a:solidFill>
-                  <a:srgbClr val="FFC000"/>
-                </a:solidFill>
-                <a:latin typeface="AKbalthom Moul 2" panose="02000500000000000000" pitchFamily="2" charset="0"/>
-                <a:cs typeface="AKbalthom Moul 2" panose="02000500000000000000" pitchFamily="2" charset="0"/>
-              </a:rPr>
-              <a:t>សូមថ្វាយសិរីល្អដល់ព្រះ</a:t>
-            </a:r>
-            <a:endParaRPr lang="en-US" sz="1600" dirty="0">
-              <a:solidFill>
-                <a:srgbClr val="FFC000"/>
-              </a:solidFill>
-              <a:latin typeface="AKbalthom Moul 2" panose="02000500000000000000" pitchFamily="2" charset="0"/>
-              <a:cs typeface="AKbalthom Moul 2" panose="02000500000000000000" pitchFamily="2" charset="0"/>
-            </a:endParaRPr>
-          </a:p>
-        </p:txBody>
-      </p:sp>
-      <p:sp>
-        <p:nvSpPr>
           <p:cNvPr id="2" name="Title 1">
             <a:extLst>
               <a:ext uri="{FF2B5EF4-FFF2-40B4-BE49-F238E27FC236}">
-                <a16:creationId xmlns:a16="http://schemas.microsoft.com/office/drawing/2014/main" id="{CCF56765-08F5-2B7B-BC26-58B1415C8A88}"/>
+                <a16:creationId xmlns:a16="http://schemas.microsoft.com/office/drawing/2014/main" id="{CB80BBDB-E661-3663-0C78-DBA85AEED8AD}"/>
               </a:ext>
             </a:extLst>
           </p:cNvPr>
@@ -11256,39 +11865,330 @@
             </a:lvl1pPr>
           </a:lstStyle>
           <a:p>
-            <a:pPr algn="ctr">
+            <a:pPr marL="0" marR="0" lvl="0" indent="0" algn="ctr" defTabSz="914400" rtl="0" eaLnBrk="1" fontAlgn="auto" latinLnBrk="0" hangingPunct="1">
               <a:lnSpc>
                 <a:spcPct val="150000"/>
               </a:lnSpc>
+              <a:spcBef>
+                <a:spcPct val="0"/>
+              </a:spcBef>
+              <a:spcAft>
+                <a:spcPts val="0"/>
+              </a:spcAft>
+              <a:buClrTx/>
+              <a:buSzTx/>
+              <a:buFontTx/>
+              <a:buNone/>
+              <a:tabLst/>
+              <a:defRPr/>
             </a:pPr>
             <a:r>
-              <a:rPr lang="km-KH" sz="4400" dirty="0">
+              <a:rPr kumimoji="0" lang="km-KH" sz="4400" b="0" i="0" u="none" strike="noStrike" kern="1200" cap="none" spc="0" normalizeH="0" baseline="0" noProof="0" dirty="0">
+                <a:ln>
+                  <a:noFill/>
+                </a:ln>
+                <a:solidFill>
+                  <a:prstClr val="white"/>
+                </a:solidFill>
+                <a:effectLst/>
+                <a:uLnTx/>
+                <a:uFillTx/>
                 <a:latin typeface="Krasar" panose="00000500000000000000" pitchFamily="2" charset="0"/>
+                <a:ea typeface="+mj-ea"/>
                 <a:cs typeface="Krasar" panose="00000500000000000000" pitchFamily="2" charset="0"/>
               </a:rPr>
-              <a:t>ព្រះអម្ចាស់ ទ្រង់ធ្វើការ ព្រះអម្ចាស់ ទ្រង់ធ្វើការ</a:t>
-            </a:r>
-          </a:p>
-          <a:p>
-            <a:pPr algn="ctr">
+              <a:t>ក្តីស្នេហ៍ ទ្រង់ជា ថ្មដាជីវិត      </a:t>
+            </a:r>
+          </a:p>
+          <a:p>
+            <a:pPr marL="0" marR="0" lvl="0" indent="0" algn="ctr" defTabSz="914400" rtl="0" eaLnBrk="1" fontAlgn="auto" latinLnBrk="0" hangingPunct="1">
               <a:lnSpc>
                 <a:spcPct val="150000"/>
               </a:lnSpc>
+              <a:spcBef>
+                <a:spcPct val="0"/>
+              </a:spcBef>
+              <a:spcAft>
+                <a:spcPts val="0"/>
+              </a:spcAft>
+              <a:buClrTx/>
+              <a:buSzTx/>
+              <a:buFontTx/>
+              <a:buNone/>
+              <a:tabLst/>
+              <a:defRPr/>
             </a:pPr>
             <a:r>
-              <a:rPr lang="km-KH" sz="4400" dirty="0">
+              <a:rPr kumimoji="0" lang="km-KH" sz="4400" b="0" i="0" u="none" strike="noStrike" kern="1200" cap="none" spc="0" normalizeH="0" baseline="0" noProof="0" dirty="0">
+                <a:ln>
+                  <a:noFill/>
+                </a:ln>
+                <a:solidFill>
+                  <a:prstClr val="white"/>
+                </a:solidFill>
+                <a:effectLst/>
+                <a:uLnTx/>
+                <a:uFillTx/>
                 <a:latin typeface="Krasar" panose="00000500000000000000" pitchFamily="2" charset="0"/>
+                <a:ea typeface="+mj-ea"/>
                 <a:cs typeface="Krasar" panose="00000500000000000000" pitchFamily="2" charset="0"/>
               </a:rPr>
-              <a:t>ដល់អ្នកដែលថ្វាយគ្រប់ទាំងអស់ដល់ព្រះអង្គ</a:t>
-            </a:r>
+              <a:t>ជាទីពឹងអាង ទោះជាអ្វីៗសូន្យងងឹត</a:t>
+            </a:r>
+          </a:p>
+          <a:p>
+            <a:pPr marL="0" marR="0" lvl="0" indent="0" algn="ctr" defTabSz="914400" rtl="0" eaLnBrk="1" fontAlgn="auto" latinLnBrk="0" hangingPunct="1">
+              <a:lnSpc>
+                <a:spcPct val="150000"/>
+              </a:lnSpc>
+              <a:spcBef>
+                <a:spcPct val="0"/>
+              </a:spcBef>
+              <a:spcAft>
+                <a:spcPts val="0"/>
+              </a:spcAft>
+              <a:buClrTx/>
+              <a:buSzTx/>
+              <a:buFontTx/>
+              <a:buNone/>
+              <a:tabLst/>
+              <a:defRPr/>
+            </a:pPr>
+            <a:r>
+              <a:rPr kumimoji="0" lang="km-KH" sz="4400" b="0" i="0" u="none" strike="noStrike" kern="1200" cap="none" spc="0" normalizeH="0" baseline="0" noProof="0" dirty="0">
+                <a:ln>
+                  <a:noFill/>
+                </a:ln>
+                <a:solidFill>
+                  <a:prstClr val="white"/>
+                </a:solidFill>
+                <a:effectLst/>
+                <a:uLnTx/>
+                <a:uFillTx/>
+                <a:latin typeface="Krasar" panose="00000500000000000000" pitchFamily="2" charset="0"/>
+                <a:ea typeface="+mj-ea"/>
+                <a:cs typeface="Krasar" panose="00000500000000000000" pitchFamily="2" charset="0"/>
+              </a:rPr>
+              <a:t>មិនចេះប្រួលប្រែ លោកិយ៍មិនអាចផ្តល់ទេ	   </a:t>
+            </a:r>
+          </a:p>
+          <a:p>
+            <a:pPr marL="0" marR="0" lvl="0" indent="0" algn="ctr" defTabSz="914400" rtl="0" eaLnBrk="1" fontAlgn="auto" latinLnBrk="0" hangingPunct="1">
+              <a:lnSpc>
+                <a:spcPct val="150000"/>
+              </a:lnSpc>
+              <a:spcBef>
+                <a:spcPct val="0"/>
+              </a:spcBef>
+              <a:spcAft>
+                <a:spcPts val="0"/>
+              </a:spcAft>
+              <a:buClrTx/>
+              <a:buSzTx/>
+              <a:buFontTx/>
+              <a:buNone/>
+              <a:tabLst/>
+              <a:defRPr/>
+            </a:pPr>
+            <a:r>
+              <a:rPr kumimoji="0" lang="km-KH" sz="4400" b="0" i="0" u="none" strike="noStrike" kern="1200" cap="none" spc="0" normalizeH="0" baseline="0" noProof="0" dirty="0">
+                <a:ln>
+                  <a:noFill/>
+                </a:ln>
+                <a:solidFill>
+                  <a:prstClr val="white"/>
+                </a:solidFill>
+                <a:effectLst/>
+                <a:uLnTx/>
+                <a:uFillTx/>
+                <a:latin typeface="Krasar" panose="00000500000000000000" pitchFamily="2" charset="0"/>
+                <a:ea typeface="+mj-ea"/>
+                <a:cs typeface="Krasar" panose="00000500000000000000" pitchFamily="2" charset="0"/>
+              </a:rPr>
+              <a:t>ក្តីស្រឡាញ់ដែលស្ថិតស្ថេរ កូនចង់នៅជាមួយទ្រង់</a:t>
+            </a:r>
+          </a:p>
+        </p:txBody>
+      </p:sp>
+      <p:sp>
+        <p:nvSpPr>
+          <p:cNvPr id="3" name="Date Placeholder 6">
+            <a:extLst>
+              <a:ext uri="{FF2B5EF4-FFF2-40B4-BE49-F238E27FC236}">
+                <a16:creationId xmlns:a16="http://schemas.microsoft.com/office/drawing/2014/main" id="{03CE4A5E-698B-845A-8960-E85CEF106086}"/>
+              </a:ext>
+            </a:extLst>
+          </p:cNvPr>
+          <p:cNvSpPr>
+            <a:spLocks noGrp="1"/>
+          </p:cNvSpPr>
+          <p:nvPr>
+            <p:ph type="dt" sz="half" idx="10"/>
+          </p:nvPr>
+        </p:nvSpPr>
+        <p:spPr>
+          <a:xfrm>
+            <a:off x="4724400" y="6499371"/>
+            <a:ext cx="2743200" cy="365125"/>
+          </a:xfrm>
+        </p:spPr>
+        <p:txBody>
+          <a:bodyPr/>
+          <a:lstStyle/>
+          <a:p>
+            <a:pPr marL="0" marR="0" lvl="0" indent="0" algn="ctr" defTabSz="457200" rtl="0" eaLnBrk="1" fontAlgn="auto" latinLnBrk="0" hangingPunct="1">
+              <a:lnSpc>
+                <a:spcPct val="100000"/>
+              </a:lnSpc>
+              <a:spcBef>
+                <a:spcPts val="0"/>
+              </a:spcBef>
+              <a:spcAft>
+                <a:spcPts val="0"/>
+              </a:spcAft>
+              <a:buClrTx/>
+              <a:buSzTx/>
+              <a:buFontTx/>
+              <a:buNone/>
+              <a:tabLst/>
+              <a:defRPr/>
+            </a:pPr>
+            <a:fld id="{EA2BFC65-DA16-48C2-8A07-8A08C95D7600}" type="datetime2">
+              <a:rPr kumimoji="0" lang="km-KH" sz="1400" b="0" i="0" u="none" strike="noStrike" kern="1200" cap="none" spc="0" normalizeH="0" baseline="0" noProof="0" smtClean="0">
+                <a:ln>
+                  <a:noFill/>
+                </a:ln>
+                <a:solidFill>
+                  <a:prstClr val="white">
+                    <a:tint val="75000"/>
+                  </a:prstClr>
+                </a:solidFill>
+                <a:effectLst/>
+                <a:uLnTx/>
+                <a:uFillTx/>
+                <a:latin typeface="Krasar" panose="00000500000000000000" pitchFamily="2" charset="0"/>
+                <a:ea typeface="+mn-ea"/>
+                <a:cs typeface="Krasar" panose="00000500000000000000" pitchFamily="2" charset="0"/>
+              </a:rPr>
+              <a:pPr marL="0" marR="0" lvl="0" indent="0" algn="ctr" defTabSz="457200" rtl="0" eaLnBrk="1" fontAlgn="auto" latinLnBrk="0" hangingPunct="1">
+                <a:lnSpc>
+                  <a:spcPct val="100000"/>
+                </a:lnSpc>
+                <a:spcBef>
+                  <a:spcPts val="0"/>
+                </a:spcBef>
+                <a:spcAft>
+                  <a:spcPts val="0"/>
+                </a:spcAft>
+                <a:buClrTx/>
+                <a:buSzTx/>
+                <a:buFontTx/>
+                <a:buNone/>
+                <a:tabLst/>
+                <a:defRPr/>
+              </a:pPr>
+              <a:t>ថ្ងៃសុក្រ 28 មិនា 2025</a:t>
+            </a:fld>
+            <a:endParaRPr kumimoji="0" lang="en-US" sz="1200" b="0" i="0" u="none" strike="noStrike" kern="1200" cap="none" spc="0" normalizeH="0" baseline="0" noProof="0" dirty="0">
+              <a:ln>
+                <a:noFill/>
+              </a:ln>
+              <a:solidFill>
+                <a:prstClr val="white">
+                  <a:tint val="75000"/>
+                </a:prstClr>
+              </a:solidFill>
+              <a:effectLst/>
+              <a:uLnTx/>
+              <a:uFillTx/>
+              <a:latin typeface="Krasar" panose="00000500000000000000" pitchFamily="2" charset="0"/>
+              <a:ea typeface="+mn-ea"/>
+              <a:cs typeface="Krasar" panose="00000500000000000000" pitchFamily="2" charset="0"/>
+            </a:endParaRPr>
+          </a:p>
+        </p:txBody>
+      </p:sp>
+      <p:sp>
+        <p:nvSpPr>
+          <p:cNvPr id="4" name="Footer Placeholder 7">
+            <a:extLst>
+              <a:ext uri="{FF2B5EF4-FFF2-40B4-BE49-F238E27FC236}">
+                <a16:creationId xmlns:a16="http://schemas.microsoft.com/office/drawing/2014/main" id="{D921A79F-A4A2-5E60-D1FD-464FAC101360}"/>
+              </a:ext>
+            </a:extLst>
+          </p:cNvPr>
+          <p:cNvSpPr>
+            <a:spLocks noGrp="1"/>
+          </p:cNvSpPr>
+          <p:nvPr>
+            <p:ph type="ftr" sz="quarter" idx="11"/>
+          </p:nvPr>
+        </p:nvSpPr>
+        <p:spPr>
+          <a:xfrm>
+            <a:off x="4038600" y="0"/>
+            <a:ext cx="4114800" cy="365125"/>
+          </a:xfrm>
+        </p:spPr>
+        <p:txBody>
+          <a:bodyPr/>
+          <a:lstStyle/>
+          <a:p>
+            <a:pPr marL="0" marR="0" lvl="0" indent="0" algn="ctr" defTabSz="457200" rtl="0" eaLnBrk="1" fontAlgn="auto" latinLnBrk="0" hangingPunct="1">
+              <a:lnSpc>
+                <a:spcPct val="100000"/>
+              </a:lnSpc>
+              <a:spcBef>
+                <a:spcPts val="0"/>
+              </a:spcBef>
+              <a:spcAft>
+                <a:spcPts val="0"/>
+              </a:spcAft>
+              <a:buClrTx/>
+              <a:buSzTx/>
+              <a:buFontTx/>
+              <a:buNone/>
+              <a:tabLst/>
+              <a:defRPr/>
+            </a:pPr>
+            <a:r>
+              <a:rPr kumimoji="0" lang="km-KH" sz="1600" b="0" i="0" u="none" strike="noStrike" kern="1200" cap="none" spc="0" normalizeH="0" baseline="0" noProof="0" dirty="0">
+                <a:ln>
+                  <a:noFill/>
+                </a:ln>
+                <a:solidFill>
+                  <a:srgbClr val="FFC000"/>
+                </a:solidFill>
+                <a:effectLst/>
+                <a:uLnTx/>
+                <a:uFillTx/>
+                <a:latin typeface="AKbalthom Moul 2" panose="02000500000000000000" pitchFamily="2" charset="0"/>
+                <a:ea typeface="+mn-ea"/>
+                <a:cs typeface="AKbalthom Moul 2" panose="02000500000000000000" pitchFamily="2" charset="0"/>
+              </a:rPr>
+              <a:t>សូមថ្វាយសិរីល្អដល់ព្រះ</a:t>
+            </a:r>
+            <a:endParaRPr kumimoji="0" lang="en-US" sz="1600" b="0" i="0" u="none" strike="noStrike" kern="1200" cap="none" spc="0" normalizeH="0" baseline="0" noProof="0" dirty="0">
+              <a:ln>
+                <a:noFill/>
+              </a:ln>
+              <a:solidFill>
+                <a:srgbClr val="FFC000"/>
+              </a:solidFill>
+              <a:effectLst/>
+              <a:uLnTx/>
+              <a:uFillTx/>
+              <a:latin typeface="AKbalthom Moul 2" panose="02000500000000000000" pitchFamily="2" charset="0"/>
+              <a:ea typeface="+mn-ea"/>
+              <a:cs typeface="AKbalthom Moul 2" panose="02000500000000000000" pitchFamily="2" charset="0"/>
+            </a:endParaRPr>
           </a:p>
         </p:txBody>
       </p:sp>
     </p:spTree>
     <p:extLst>
       <p:ext uri="{BB962C8B-B14F-4D97-AF65-F5344CB8AC3E}">
-        <p14:creationId xmlns:p14="http://schemas.microsoft.com/office/powerpoint/2010/main" val="3616309262"/>
+        <p14:creationId xmlns:p14="http://schemas.microsoft.com/office/powerpoint/2010/main" val="831254953"/>
       </p:ext>
     </p:extLst>
   </p:cSld>
@@ -11318,7 +12218,7 @@
         <p:cNvPr id="1" name="">
           <a:extLst>
             <a:ext uri="{FF2B5EF4-FFF2-40B4-BE49-F238E27FC236}">
-              <a16:creationId xmlns:a16="http://schemas.microsoft.com/office/drawing/2014/main" id="{41EBC6BF-4B50-7D2B-206C-19C47840D354}"/>
+              <a16:creationId xmlns:a16="http://schemas.microsoft.com/office/drawing/2014/main" id="{2278E9AE-096C-8756-BC1F-A1126B64B840}"/>
             </a:ext>
           </a:extLst>
         </p:cNvPr>
@@ -11335,98 +12235,10 @@
       </p:grpSpPr>
       <p:sp>
         <p:nvSpPr>
-          <p:cNvPr id="5" name="Date Placeholder 6">
-            <a:extLst>
-              <a:ext uri="{FF2B5EF4-FFF2-40B4-BE49-F238E27FC236}">
-                <a16:creationId xmlns:a16="http://schemas.microsoft.com/office/drawing/2014/main" id="{549BE652-B7D2-4A85-A10D-F10BAAFD9B4B}"/>
-              </a:ext>
-            </a:extLst>
-          </p:cNvPr>
-          <p:cNvSpPr>
-            <a:spLocks noGrp="1"/>
-          </p:cNvSpPr>
-          <p:nvPr>
-            <p:ph type="dt" sz="half" idx="10"/>
-          </p:nvPr>
-        </p:nvSpPr>
-        <p:spPr>
-          <a:xfrm>
-            <a:off x="4724400" y="6499371"/>
-            <a:ext cx="2743200" cy="365125"/>
-          </a:xfrm>
-        </p:spPr>
-        <p:txBody>
-          <a:bodyPr/>
-          <a:lstStyle/>
-          <a:p>
-            <a:pPr algn="ctr"/>
-            <a:fld id="{EA2BFC65-DA16-48C2-8A07-8A08C95D7600}" type="datetime2">
-              <a:rPr lang="km-KH" sz="1400" smtClean="0">
-                <a:latin typeface="Krasar" panose="00000500000000000000" pitchFamily="2" charset="0"/>
-                <a:cs typeface="Krasar" panose="00000500000000000000" pitchFamily="2" charset="0"/>
-              </a:rPr>
-              <a:pPr algn="ctr"/>
-              <a:t>ថ្ងៃសៅរ៍ 22 មិនា 2025</a:t>
-            </a:fld>
-            <a:endParaRPr lang="en-US" dirty="0">
-              <a:latin typeface="Krasar" panose="00000500000000000000" pitchFamily="2" charset="0"/>
-              <a:cs typeface="Krasar" panose="00000500000000000000" pitchFamily="2" charset="0"/>
-            </a:endParaRPr>
-          </a:p>
-        </p:txBody>
-      </p:sp>
-      <p:sp>
-        <p:nvSpPr>
-          <p:cNvPr id="6" name="Footer Placeholder 7">
-            <a:extLst>
-              <a:ext uri="{FF2B5EF4-FFF2-40B4-BE49-F238E27FC236}">
-                <a16:creationId xmlns:a16="http://schemas.microsoft.com/office/drawing/2014/main" id="{79B2BC02-ED93-3D10-05FB-55A5BFA5C62D}"/>
-              </a:ext>
-            </a:extLst>
-          </p:cNvPr>
-          <p:cNvSpPr>
-            <a:spLocks noGrp="1"/>
-          </p:cNvSpPr>
-          <p:nvPr>
-            <p:ph type="ftr" sz="quarter" idx="11"/>
-          </p:nvPr>
-        </p:nvSpPr>
-        <p:spPr>
-          <a:xfrm>
-            <a:off x="4038600" y="0"/>
-            <a:ext cx="4114800" cy="365125"/>
-          </a:xfrm>
-        </p:spPr>
-        <p:txBody>
-          <a:bodyPr/>
-          <a:lstStyle/>
-          <a:p>
-            <a:r>
-              <a:rPr lang="km-KH" sz="1600" dirty="0">
-                <a:solidFill>
-                  <a:srgbClr val="FFC000"/>
-                </a:solidFill>
-                <a:latin typeface="AKbalthom Moul 2" panose="02000500000000000000" pitchFamily="2" charset="0"/>
-                <a:cs typeface="AKbalthom Moul 2" panose="02000500000000000000" pitchFamily="2" charset="0"/>
-              </a:rPr>
-              <a:t>សូមថ្វាយសិរីល្អដល់ព្រះ</a:t>
-            </a:r>
-            <a:endParaRPr lang="en-US" sz="1600" dirty="0">
-              <a:solidFill>
-                <a:srgbClr val="FFC000"/>
-              </a:solidFill>
-              <a:latin typeface="AKbalthom Moul 2" panose="02000500000000000000" pitchFamily="2" charset="0"/>
-              <a:cs typeface="AKbalthom Moul 2" panose="02000500000000000000" pitchFamily="2" charset="0"/>
-            </a:endParaRPr>
-          </a:p>
-        </p:txBody>
-      </p:sp>
-      <p:sp>
-        <p:nvSpPr>
           <p:cNvPr id="2" name="Title 1">
             <a:extLst>
               <a:ext uri="{FF2B5EF4-FFF2-40B4-BE49-F238E27FC236}">
-                <a16:creationId xmlns:a16="http://schemas.microsoft.com/office/drawing/2014/main" id="{B6B829F5-13A2-9D0F-6AC4-E60A08CA8CBD}"/>
+                <a16:creationId xmlns:a16="http://schemas.microsoft.com/office/drawing/2014/main" id="{78ED70CA-D340-A746-33E8-C4CF66FC24F9}"/>
               </a:ext>
             </a:extLst>
           </p:cNvPr>
@@ -11468,53 +12280,330 @@
             </a:lvl1pPr>
           </a:lstStyle>
           <a:p>
-            <a:pPr algn="ctr">
+            <a:pPr marL="0" marR="0" lvl="0" indent="0" algn="ctr" defTabSz="914400" rtl="0" eaLnBrk="1" fontAlgn="auto" latinLnBrk="0" hangingPunct="1">
               <a:lnSpc>
                 <a:spcPct val="150000"/>
               </a:lnSpc>
+              <a:spcBef>
+                <a:spcPct val="0"/>
+              </a:spcBef>
+              <a:spcAft>
+                <a:spcPts val="0"/>
+              </a:spcAft>
+              <a:buClrTx/>
+              <a:buSzTx/>
+              <a:buFontTx/>
+              <a:buNone/>
+              <a:tabLst/>
+              <a:defRPr/>
             </a:pPr>
             <a:r>
-              <a:rPr lang="km-KH" sz="4400" dirty="0">
+              <a:rPr kumimoji="0" lang="km-KH" sz="4400" b="0" i="0" u="none" strike="noStrike" kern="1200" cap="none" spc="0" normalizeH="0" baseline="0" noProof="0" dirty="0">
+                <a:ln>
+                  <a:noFill/>
+                </a:ln>
+                <a:solidFill>
+                  <a:prstClr val="white"/>
+                </a:solidFill>
+                <a:effectLst/>
+                <a:uLnTx/>
+                <a:uFillTx/>
                 <a:latin typeface="Krasar" panose="00000500000000000000" pitchFamily="2" charset="0"/>
+                <a:ea typeface="+mj-ea"/>
                 <a:cs typeface="Krasar" panose="00000500000000000000" pitchFamily="2" charset="0"/>
               </a:rPr>
-              <a:t>ព្រះអម្ចាស់ ទ្រង់ធ្វើការ ព្រះអម្ចាស់ ទ្រង់ធ្វើការ</a:t>
-            </a:r>
-          </a:p>
-          <a:p>
-            <a:pPr algn="ctr">
+              <a:t>ក្តីស្នេហ៍អស្ចារ្យ ទ្រង់ជាស្តេច ជាព្រះបុត្រា</a:t>
+            </a:r>
+          </a:p>
+          <a:p>
+            <a:pPr marL="0" marR="0" lvl="0" indent="0" algn="ctr" defTabSz="914400" rtl="0" eaLnBrk="1" fontAlgn="auto" latinLnBrk="0" hangingPunct="1">
               <a:lnSpc>
                 <a:spcPct val="150000"/>
               </a:lnSpc>
+              <a:spcBef>
+                <a:spcPct val="0"/>
+              </a:spcBef>
+              <a:spcAft>
+                <a:spcPts val="0"/>
+              </a:spcAft>
+              <a:buClrTx/>
+              <a:buSzTx/>
+              <a:buFontTx/>
+              <a:buNone/>
+              <a:tabLst/>
+              <a:defRPr/>
             </a:pPr>
             <a:r>
-              <a:rPr lang="km-KH" sz="4400" dirty="0">
+              <a:rPr kumimoji="0" lang="km-KH" sz="4400" b="0" i="0" u="none" strike="noStrike" kern="1200" cap="none" spc="0" normalizeH="0" baseline="0" noProof="0" dirty="0">
+                <a:ln>
+                  <a:noFill/>
+                </a:ln>
+                <a:solidFill>
+                  <a:prstClr val="white"/>
+                </a:solidFill>
+                <a:effectLst/>
+                <a:uLnTx/>
+                <a:uFillTx/>
                 <a:latin typeface="Krasar" panose="00000500000000000000" pitchFamily="2" charset="0"/>
+                <a:ea typeface="+mj-ea"/>
                 <a:cs typeface="Krasar" panose="00000500000000000000" pitchFamily="2" charset="0"/>
               </a:rPr>
-              <a:t>ដល់អ្នកណាដែលដើរដោយក្តី</a:t>
-            </a:r>
-            <a:r>
-              <a:rPr lang="en-US" sz="4400" dirty="0">
+              <a:t>ដោយក្តីស្នេហ៍ទ្រង់ បន្ទាប ខ្លួន មកបម្រើ</a:t>
+            </a:r>
+          </a:p>
+          <a:p>
+            <a:pPr marL="0" marR="0" lvl="0" indent="0" algn="ctr" defTabSz="914400" rtl="0" eaLnBrk="1" fontAlgn="auto" latinLnBrk="0" hangingPunct="1">
+              <a:lnSpc>
+                <a:spcPct val="150000"/>
+              </a:lnSpc>
+              <a:spcBef>
+                <a:spcPct val="0"/>
+              </a:spcBef>
+              <a:spcAft>
+                <a:spcPts val="0"/>
+              </a:spcAft>
+              <a:buClrTx/>
+              <a:buSzTx/>
+              <a:buFontTx/>
+              <a:buNone/>
+              <a:tabLst/>
+              <a:defRPr/>
+            </a:pPr>
+            <a:r>
+              <a:rPr kumimoji="0" lang="km-KH" sz="4400" b="0" i="0" u="none" strike="noStrike" kern="1200" cap="none" spc="0" normalizeH="0" baseline="0" noProof="0" dirty="0">
+                <a:ln>
+                  <a:noFill/>
+                </a:ln>
+                <a:solidFill>
+                  <a:prstClr val="white"/>
+                </a:solidFill>
+                <a:effectLst/>
+                <a:uLnTx/>
+                <a:uFillTx/>
                 <a:latin typeface="Krasar" panose="00000500000000000000" pitchFamily="2" charset="0"/>
+                <a:ea typeface="+mj-ea"/>
                 <a:cs typeface="Krasar" panose="00000500000000000000" pitchFamily="2" charset="0"/>
               </a:rPr>
-              <a:t> </a:t>
-            </a:r>
-            <a:r>
-              <a:rPr lang="km-KH" sz="4400" dirty="0">
+              <a:t>ពីទីខ្ពង់ខ្ពស់ ទៅឈើឆ្កាង លះបង់ ទាំង អស់</a:t>
+            </a:r>
+          </a:p>
+          <a:p>
+            <a:pPr marL="0" marR="0" lvl="0" indent="0" algn="ctr" defTabSz="914400" rtl="0" eaLnBrk="1" fontAlgn="auto" latinLnBrk="0" hangingPunct="1">
+              <a:lnSpc>
+                <a:spcPct val="150000"/>
+              </a:lnSpc>
+              <a:spcBef>
+                <a:spcPct val="0"/>
+              </a:spcBef>
+              <a:spcAft>
+                <a:spcPts val="0"/>
+              </a:spcAft>
+              <a:buClrTx/>
+              <a:buSzTx/>
+              <a:buFontTx/>
+              <a:buNone/>
+              <a:tabLst/>
+              <a:defRPr/>
+            </a:pPr>
+            <a:r>
+              <a:rPr kumimoji="0" lang="km-KH" sz="4400" b="0" i="0" u="none" strike="noStrike" kern="1200" cap="none" spc="0" normalizeH="0" baseline="0" noProof="0" dirty="0">
+                <a:ln>
+                  <a:noFill/>
+                </a:ln>
+                <a:solidFill>
+                  <a:prstClr val="white"/>
+                </a:solidFill>
+                <a:effectLst/>
+                <a:uLnTx/>
+                <a:uFillTx/>
                 <a:latin typeface="Krasar" panose="00000500000000000000" pitchFamily="2" charset="0"/>
+                <a:ea typeface="+mj-ea"/>
                 <a:cs typeface="Krasar" panose="00000500000000000000" pitchFamily="2" charset="0"/>
               </a:rPr>
-              <a:t>ជំនឿ</a:t>
-            </a:r>
+              <a:t>ដោយព្រោះ ក្តីស្នេហ៍ទ្រង់អស្ចារ្យ</a:t>
+            </a:r>
+          </a:p>
+        </p:txBody>
+      </p:sp>
+      <p:sp>
+        <p:nvSpPr>
+          <p:cNvPr id="3" name="Date Placeholder 6">
+            <a:extLst>
+              <a:ext uri="{FF2B5EF4-FFF2-40B4-BE49-F238E27FC236}">
+                <a16:creationId xmlns:a16="http://schemas.microsoft.com/office/drawing/2014/main" id="{960062B3-3CC5-CBC8-14D5-8CADDCEDEC42}"/>
+              </a:ext>
+            </a:extLst>
+          </p:cNvPr>
+          <p:cNvSpPr>
+            <a:spLocks noGrp="1"/>
+          </p:cNvSpPr>
+          <p:nvPr>
+            <p:ph type="dt" sz="half" idx="10"/>
+          </p:nvPr>
+        </p:nvSpPr>
+        <p:spPr>
+          <a:xfrm>
+            <a:off x="4724400" y="6499371"/>
+            <a:ext cx="2743200" cy="365125"/>
+          </a:xfrm>
+        </p:spPr>
+        <p:txBody>
+          <a:bodyPr/>
+          <a:lstStyle/>
+          <a:p>
+            <a:pPr marL="0" marR="0" lvl="0" indent="0" algn="ctr" defTabSz="457200" rtl="0" eaLnBrk="1" fontAlgn="auto" latinLnBrk="0" hangingPunct="1">
+              <a:lnSpc>
+                <a:spcPct val="100000"/>
+              </a:lnSpc>
+              <a:spcBef>
+                <a:spcPts val="0"/>
+              </a:spcBef>
+              <a:spcAft>
+                <a:spcPts val="0"/>
+              </a:spcAft>
+              <a:buClrTx/>
+              <a:buSzTx/>
+              <a:buFontTx/>
+              <a:buNone/>
+              <a:tabLst/>
+              <a:defRPr/>
+            </a:pPr>
+            <a:fld id="{EA2BFC65-DA16-48C2-8A07-8A08C95D7600}" type="datetime2">
+              <a:rPr kumimoji="0" lang="km-KH" sz="1400" b="0" i="0" u="none" strike="noStrike" kern="1200" cap="none" spc="0" normalizeH="0" baseline="0" noProof="0" smtClean="0">
+                <a:ln>
+                  <a:noFill/>
+                </a:ln>
+                <a:solidFill>
+                  <a:prstClr val="white">
+                    <a:tint val="75000"/>
+                  </a:prstClr>
+                </a:solidFill>
+                <a:effectLst/>
+                <a:uLnTx/>
+                <a:uFillTx/>
+                <a:latin typeface="Krasar" panose="00000500000000000000" pitchFamily="2" charset="0"/>
+                <a:ea typeface="+mn-ea"/>
+                <a:cs typeface="Krasar" panose="00000500000000000000" pitchFamily="2" charset="0"/>
+              </a:rPr>
+              <a:pPr marL="0" marR="0" lvl="0" indent="0" algn="ctr" defTabSz="457200" rtl="0" eaLnBrk="1" fontAlgn="auto" latinLnBrk="0" hangingPunct="1">
+                <a:lnSpc>
+                  <a:spcPct val="100000"/>
+                </a:lnSpc>
+                <a:spcBef>
+                  <a:spcPts val="0"/>
+                </a:spcBef>
+                <a:spcAft>
+                  <a:spcPts val="0"/>
+                </a:spcAft>
+                <a:buClrTx/>
+                <a:buSzTx/>
+                <a:buFontTx/>
+                <a:buNone/>
+                <a:tabLst/>
+                <a:defRPr/>
+              </a:pPr>
+              <a:t>ថ្ងៃសុក្រ 28 មិនា 2025</a:t>
+            </a:fld>
+            <a:endParaRPr kumimoji="0" lang="en-US" sz="1200" b="0" i="0" u="none" strike="noStrike" kern="1200" cap="none" spc="0" normalizeH="0" baseline="0" noProof="0" dirty="0">
+              <a:ln>
+                <a:noFill/>
+              </a:ln>
+              <a:solidFill>
+                <a:prstClr val="white">
+                  <a:tint val="75000"/>
+                </a:prstClr>
+              </a:solidFill>
+              <a:effectLst/>
+              <a:uLnTx/>
+              <a:uFillTx/>
+              <a:latin typeface="Krasar" panose="00000500000000000000" pitchFamily="2" charset="0"/>
+              <a:ea typeface="+mn-ea"/>
+              <a:cs typeface="Krasar" panose="00000500000000000000" pitchFamily="2" charset="0"/>
+            </a:endParaRPr>
+          </a:p>
+        </p:txBody>
+      </p:sp>
+      <p:sp>
+        <p:nvSpPr>
+          <p:cNvPr id="4" name="Footer Placeholder 7">
+            <a:extLst>
+              <a:ext uri="{FF2B5EF4-FFF2-40B4-BE49-F238E27FC236}">
+                <a16:creationId xmlns:a16="http://schemas.microsoft.com/office/drawing/2014/main" id="{71820681-D56F-06DD-6C12-091B079BAB5E}"/>
+              </a:ext>
+            </a:extLst>
+          </p:cNvPr>
+          <p:cNvSpPr>
+            <a:spLocks noGrp="1"/>
+          </p:cNvSpPr>
+          <p:nvPr>
+            <p:ph type="ftr" sz="quarter" idx="11"/>
+          </p:nvPr>
+        </p:nvSpPr>
+        <p:spPr>
+          <a:xfrm>
+            <a:off x="4038600" y="0"/>
+            <a:ext cx="4114800" cy="365125"/>
+          </a:xfrm>
+        </p:spPr>
+        <p:txBody>
+          <a:bodyPr/>
+          <a:lstStyle/>
+          <a:p>
+            <a:pPr marL="0" marR="0" lvl="0" indent="0" algn="ctr" defTabSz="457200" rtl="0" eaLnBrk="1" fontAlgn="auto" latinLnBrk="0" hangingPunct="1">
+              <a:lnSpc>
+                <a:spcPct val="100000"/>
+              </a:lnSpc>
+              <a:spcBef>
+                <a:spcPts val="0"/>
+              </a:spcBef>
+              <a:spcAft>
+                <a:spcPts val="0"/>
+              </a:spcAft>
+              <a:buClrTx/>
+              <a:buSzTx/>
+              <a:buFontTx/>
+              <a:buNone/>
+              <a:tabLst/>
+              <a:defRPr/>
+            </a:pPr>
+            <a:r>
+              <a:rPr kumimoji="0" lang="km-KH" sz="1600" b="0" i="0" u="none" strike="noStrike" kern="1200" cap="none" spc="0" normalizeH="0" baseline="0" noProof="0" dirty="0">
+                <a:ln>
+                  <a:noFill/>
+                </a:ln>
+                <a:solidFill>
+                  <a:srgbClr val="FFC000"/>
+                </a:solidFill>
+                <a:effectLst/>
+                <a:uLnTx/>
+                <a:uFillTx/>
+                <a:latin typeface="AKbalthom Moul 2" panose="02000500000000000000" pitchFamily="2" charset="0"/>
+                <a:ea typeface="+mn-ea"/>
+                <a:cs typeface="AKbalthom Moul 2" panose="02000500000000000000" pitchFamily="2" charset="0"/>
+              </a:rPr>
+              <a:t>សូមថ្វាយសិរីល្អដល់ព្រះ</a:t>
+            </a:r>
+            <a:endParaRPr kumimoji="0" lang="en-US" sz="1600" b="0" i="0" u="none" strike="noStrike" kern="1200" cap="none" spc="0" normalizeH="0" baseline="0" noProof="0" dirty="0">
+              <a:ln>
+                <a:noFill/>
+              </a:ln>
+              <a:solidFill>
+                <a:srgbClr val="FFC000"/>
+              </a:solidFill>
+              <a:effectLst/>
+              <a:uLnTx/>
+              <a:uFillTx/>
+              <a:latin typeface="AKbalthom Moul 2" panose="02000500000000000000" pitchFamily="2" charset="0"/>
+              <a:ea typeface="+mn-ea"/>
+              <a:cs typeface="AKbalthom Moul 2" panose="02000500000000000000" pitchFamily="2" charset="0"/>
+            </a:endParaRPr>
           </a:p>
         </p:txBody>
       </p:sp>
     </p:spTree>
     <p:extLst>
       <p:ext uri="{BB962C8B-B14F-4D97-AF65-F5344CB8AC3E}">
-        <p14:creationId xmlns:p14="http://schemas.microsoft.com/office/powerpoint/2010/main" val="16342264"/>
+        <p14:creationId xmlns:p14="http://schemas.microsoft.com/office/powerpoint/2010/main" val="630943732"/>
       </p:ext>
     </p:extLst>
   </p:cSld>
@@ -11541,7 +12630,13 @@
   <p:cSld>
     <p:spTree>
       <p:nvGrpSpPr>
-        <p:cNvPr id="1" name=""/>
+        <p:cNvPr id="1" name="">
+          <a:extLst>
+            <a:ext uri="{FF2B5EF4-FFF2-40B4-BE49-F238E27FC236}">
+              <a16:creationId xmlns:a16="http://schemas.microsoft.com/office/drawing/2014/main" id="{AA6D822B-55BD-DF19-AB2B-EEA52EBE7464}"/>
+            </a:ext>
+          </a:extLst>
+        </p:cNvPr>
         <p:cNvGrpSpPr/>
         <p:nvPr/>
       </p:nvGrpSpPr>
@@ -11555,10 +12650,10 @@
       </p:grpSpPr>
       <p:sp>
         <p:nvSpPr>
-          <p:cNvPr id="3" name="TextBox 2">
+          <p:cNvPr id="16" name="TextBox 15">
             <a:extLst>
               <a:ext uri="{FF2B5EF4-FFF2-40B4-BE49-F238E27FC236}">
-                <a16:creationId xmlns:a16="http://schemas.microsoft.com/office/drawing/2014/main" id="{2B18B96C-6A86-088E-8153-F3D582E8A528}"/>
+                <a16:creationId xmlns:a16="http://schemas.microsoft.com/office/drawing/2014/main" id="{95053837-C409-685D-8937-84A5297E2310}"/>
               </a:ext>
             </a:extLst>
           </p:cNvPr>
@@ -11567,8 +12662,8 @@
         </p:nvSpPr>
         <p:spPr>
           <a:xfrm>
-            <a:off x="339213" y="2770840"/>
-            <a:ext cx="11513574" cy="1015663"/>
+            <a:off x="5000187" y="143435"/>
+            <a:ext cx="2191626" cy="369332"/>
           </a:xfrm>
           <a:prstGeom prst="rect">
             <a:avLst/>
@@ -11576,70 +12671,175 @@
           <a:noFill/>
         </p:spPr>
         <p:txBody>
-          <a:bodyPr wrap="square" rtlCol="0">
+          <a:bodyPr wrap="none" rtlCol="0">
             <a:spAutoFit/>
           </a:bodyPr>
           <a:lstStyle/>
           <a:p>
-            <a:pPr marL="0" marR="0" lvl="0" indent="0" algn="ctr" defTabSz="914400" rtl="0" eaLnBrk="1" fontAlgn="auto" latinLnBrk="0" hangingPunct="1">
+            <a:pPr algn="ctr"/>
+            <a:r>
+              <a:rPr lang="km-KH" dirty="0">
+                <a:solidFill>
+                  <a:schemeClr val="bg1"/>
+                </a:solidFill>
+                <a:latin typeface="AKbalthom Moul 2" panose="02000500000000000000" pitchFamily="2" charset="0"/>
+                <a:cs typeface="AKbalthom Moul 2" panose="02000500000000000000" pitchFamily="2" charset="0"/>
+              </a:rPr>
+              <a:t>ព្រះវិហារ ស្មៀរណា</a:t>
+            </a:r>
+            <a:endParaRPr lang="en-GB" dirty="0">
+              <a:solidFill>
+                <a:schemeClr val="bg1"/>
+              </a:solidFill>
+              <a:latin typeface="AKbalthom Moul 2" panose="02000500000000000000" pitchFamily="2" charset="0"/>
+              <a:cs typeface="AKbalthom Moul 2" panose="02000500000000000000" pitchFamily="2" charset="0"/>
+            </a:endParaRPr>
+          </a:p>
+        </p:txBody>
+      </p:sp>
+      <p:sp>
+        <p:nvSpPr>
+          <p:cNvPr id="7" name="TextBox 6">
+            <a:extLst>
+              <a:ext uri="{FF2B5EF4-FFF2-40B4-BE49-F238E27FC236}">
+                <a16:creationId xmlns:a16="http://schemas.microsoft.com/office/drawing/2014/main" id="{95053837-C409-685D-8937-84A5297E2310}"/>
+              </a:ext>
+            </a:extLst>
+          </p:cNvPr>
+          <p:cNvSpPr txBox="1"/>
+          <p:nvPr/>
+        </p:nvSpPr>
+        <p:spPr>
+          <a:xfrm>
+            <a:off x="5243112" y="5630074"/>
+            <a:ext cx="1495922" cy="461665"/>
+          </a:xfrm>
+          <a:prstGeom prst="rect">
+            <a:avLst/>
+          </a:prstGeom>
+          <a:noFill/>
+        </p:spPr>
+        <p:txBody>
+          <a:bodyPr wrap="none" rtlCol="0">
+            <a:spAutoFit/>
+          </a:bodyPr>
+          <a:lstStyle/>
+          <a:p>
+            <a:pPr algn="ctr"/>
+            <a:r>
+              <a:rPr lang="km-KH" sz="2400" dirty="0">
+                <a:solidFill>
+                  <a:schemeClr val="accent4"/>
+                </a:solidFill>
+                <a:latin typeface="AKbalthom Moul 2" panose="02000500000000000000" pitchFamily="2" charset="0"/>
+                <a:cs typeface="AKbalthom Moul 2" panose="02000500000000000000" pitchFamily="2" charset="0"/>
+              </a:rPr>
+              <a:t>លោកគ្រូ៖</a:t>
+            </a:r>
+            <a:endParaRPr lang="en-GB" sz="2400" dirty="0">
+              <a:solidFill>
+                <a:schemeClr val="accent4"/>
+              </a:solidFill>
+              <a:latin typeface="AKbalthom Moul 2" panose="02000500000000000000" pitchFamily="2" charset="0"/>
+              <a:cs typeface="AKbalthom Moul 2" panose="02000500000000000000" pitchFamily="2" charset="0"/>
+            </a:endParaRPr>
+          </a:p>
+        </p:txBody>
+      </p:sp>
+      <p:sp>
+        <p:nvSpPr>
+          <p:cNvPr id="8" name="Title 1"/>
+          <p:cNvSpPr txBox="1">
+            <a:spLocks/>
+          </p:cNvSpPr>
+          <p:nvPr/>
+        </p:nvSpPr>
+        <p:spPr>
+          <a:xfrm>
+            <a:off x="838200" y="2766219"/>
+            <a:ext cx="10515600" cy="1325563"/>
+          </a:xfrm>
+          <a:prstGeom prst="rect">
+            <a:avLst/>
+          </a:prstGeom>
+        </p:spPr>
+        <p:txBody>
+          <a:bodyPr vert="horz" lIns="91440" tIns="45720" rIns="91440" bIns="45720" rtlCol="0" anchor="b">
+            <a:noAutofit/>
+          </a:bodyPr>
+          <a:lstStyle>
+            <a:lvl1pPr algn="ctr" defTabSz="914400" rtl="0" eaLnBrk="1" latinLnBrk="0" hangingPunct="1">
               <a:lnSpc>
-                <a:spcPct val="100000"/>
+                <a:spcPct val="90000"/>
               </a:lnSpc>
               <a:spcBef>
-                <a:spcPts val="0"/>
+                <a:spcPct val="0"/>
               </a:spcBef>
-              <a:spcAft>
-                <a:spcPts val="0"/>
-              </a:spcAft>
-              <a:buClrTx/>
-              <a:buSzTx/>
-              <a:buFontTx/>
-              <a:buNone/>
-              <a:tabLst/>
-              <a:defRPr/>
-            </a:pPr>
-            <a:r>
-              <a:rPr kumimoji="0" lang="km-KH" sz="6000" b="0" i="0" u="none" strike="noStrike" kern="1200" cap="none" spc="0" normalizeH="0" baseline="0" noProof="0" dirty="0">
-                <a:ln>
-                  <a:noFill/>
-                </a:ln>
+              <a:buNone/>
+              <a:defRPr sz="6000" kern="1200">
+                <a:solidFill>
+                  <a:schemeClr val="tx1"/>
+                </a:solidFill>
+                <a:latin typeface="+mj-lt"/>
+                <a:ea typeface="+mj-ea"/>
+                <a:cs typeface="+mj-cs"/>
+              </a:defRPr>
+            </a:lvl1pPr>
+          </a:lstStyle>
+          <a:p>
+            <a:r>
+              <a:rPr lang="km-KH" sz="6600" dirty="0">
                 <a:solidFill>
                   <a:srgbClr val="FFC000"/>
                 </a:solidFill>
-                <a:effectLst>
-                  <a:innerShdw blurRad="63500" dist="50800">
-                    <a:prstClr val="black">
-                      <a:alpha val="50000"/>
-                    </a:prstClr>
-                  </a:innerShdw>
-                </a:effectLst>
-                <a:uLnTx/>
-                <a:uFillTx/>
                 <a:latin typeface="Khmer OS Niroth" panose="02000506000000020004" pitchFamily="2" charset="0"/>
                 <a:ea typeface="Khmer-Pen​​Chantrea" panose="020B0706030804020204" pitchFamily="34" charset="0"/>
                 <a:cs typeface="Khmer OS Niroth" panose="02000506000000020004" pitchFamily="2" charset="0"/>
               </a:rPr>
-              <a:t>ខ្ញុំចង់ក្លាយជាក្តីអំណរនៃព្រះអង្គ</a:t>
-            </a:r>
-            <a:endParaRPr kumimoji="0" lang="en-GB" sz="6000" b="0" i="0" u="none" strike="noStrike" kern="1200" cap="none" spc="0" normalizeH="0" baseline="0" noProof="0" dirty="0">
-              <a:ln>
-                <a:noFill/>
-              </a:ln>
+              <a:t>អធិប្បាយព្រះបន្ទូល</a:t>
+            </a:r>
+          </a:p>
+        </p:txBody>
+      </p:sp>
+      <p:sp>
+        <p:nvSpPr>
+          <p:cNvPr id="2" name="TextBox 1"/>
+          <p:cNvSpPr txBox="1"/>
+          <p:nvPr/>
+        </p:nvSpPr>
+        <p:spPr>
+          <a:xfrm>
+            <a:off x="5474689" y="4363999"/>
+            <a:ext cx="1242649" cy="523220"/>
+          </a:xfrm>
+          <a:prstGeom prst="rect">
+            <a:avLst/>
+          </a:prstGeom>
+          <a:noFill/>
+        </p:spPr>
+        <p:txBody>
+          <a:bodyPr wrap="none" rtlCol="0">
+            <a:spAutoFit/>
+          </a:bodyPr>
+          <a:lstStyle/>
+          <a:p>
+            <a:pPr algn="ctr"/>
+            <a:r>
+              <a:rPr lang="km-KH" sz="2800">
+                <a:solidFill>
+                  <a:schemeClr val="bg1"/>
+                </a:solidFill>
+                <a:latin typeface="Krasar" panose="00000500000000000000" pitchFamily="2" charset="0"/>
+                <a:cs typeface="Krasar" panose="00000500000000000000" pitchFamily="2" charset="0"/>
+              </a:rPr>
+              <a:t>ព្រះគម្ពីរ</a:t>
+            </a:r>
+            <a:endParaRPr lang="en-US" sz="2800" dirty="0">
               <a:solidFill>
-                <a:srgbClr val="FFC000"/>
+                <a:schemeClr val="bg1"/>
               </a:solidFill>
-              <a:effectLst>
-                <a:innerShdw blurRad="63500" dist="50800">
-                  <a:prstClr val="black">
-                    <a:alpha val="50000"/>
-                  </a:prstClr>
-                </a:innerShdw>
-              </a:effectLst>
-              <a:uLnTx/>
-              <a:uFillTx/>
-              <a:latin typeface="Khmer OS Niroth" panose="02000506000000020004" pitchFamily="2" charset="0"/>
-              <a:ea typeface="Khmer-Pen​​Chantrea" panose="020B0706030804020204" pitchFamily="34" charset="0"/>
-              <a:cs typeface="Khmer OS Niroth" panose="02000506000000020004" pitchFamily="2" charset="0"/>
+              <a:latin typeface="Krasar" panose="00000500000000000000" pitchFamily="2" charset="0"/>
+              <a:cs typeface="Krasar" panose="00000500000000000000" pitchFamily="2" charset="0"/>
             </a:endParaRPr>
           </a:p>
         </p:txBody>
@@ -11647,17 +12847,17 @@
     </p:spTree>
     <p:extLst>
       <p:ext uri="{BB962C8B-B14F-4D97-AF65-F5344CB8AC3E}">
-        <p14:creationId xmlns:p14="http://schemas.microsoft.com/office/powerpoint/2010/main" val="826821938"/>
+        <p14:creationId xmlns:p14="http://schemas.microsoft.com/office/powerpoint/2010/main" val="4280584919"/>
       </p:ext>
     </p:extLst>
   </p:cSld>
   <p:clrMapOvr>
     <a:masterClrMapping/>
   </p:clrMapOvr>
-  <mc:AlternateContent xmlns:mc="http://schemas.openxmlformats.org/markup-compatibility/2006" xmlns:p15="http://schemas.microsoft.com/office/powerpoint/2012/main">
-    <mc:Choice Requires="p15">
-      <p:transition xmlns:p14="http://schemas.microsoft.com/office/powerpoint/2010/main" spd="slow" p14:dur="5000">
-        <p15:prstTrans prst="curtains"/>
+  <mc:AlternateContent xmlns:mc="http://schemas.openxmlformats.org/markup-compatibility/2006" xmlns:p159="http://schemas.microsoft.com/office/powerpoint/2015/09/main">
+    <mc:Choice Requires="p159">
+      <p:transition xmlns:p14="http://schemas.microsoft.com/office/powerpoint/2010/main" spd="slow" p14:dur="2000">
+        <p159:morph option="byObject"/>
       </p:transition>
     </mc:Choice>
     <mc:Fallback xmlns="">
@@ -11688,826 +12888,6 @@
       </p:grpSpPr>
       <p:sp>
         <p:nvSpPr>
-          <p:cNvPr id="2" name="Date Placeholder 1"/>
-          <p:cNvSpPr>
-            <a:spLocks noGrp="1"/>
-          </p:cNvSpPr>
-          <p:nvPr>
-            <p:ph type="dt" sz="half" idx="10"/>
-          </p:nvPr>
-        </p:nvSpPr>
-        <p:spPr>
-          <a:xfrm>
-            <a:off x="4724400" y="6492875"/>
-            <a:ext cx="2743200" cy="365125"/>
-          </a:xfrm>
-        </p:spPr>
-        <p:txBody>
-          <a:bodyPr/>
-          <a:lstStyle/>
-          <a:p>
-            <a:pPr algn="ctr"/>
-            <a:fld id="{1F721352-3B04-4D0E-98DC-4C3DE7AC0F1B}" type="datetime2">
-              <a:rPr lang="km-KH" smtClean="0">
-                <a:latin typeface="Krasar" panose="00000500000000000000" pitchFamily="2" charset="0"/>
-                <a:cs typeface="Krasar" panose="00000500000000000000" pitchFamily="2" charset="0"/>
-              </a:rPr>
-              <a:pPr algn="ctr"/>
-              <a:t>ថ្ងៃសៅរ៍ 22 មិនា 2025</a:t>
-            </a:fld>
-            <a:endParaRPr lang="en-US" dirty="0">
-              <a:latin typeface="Krasar" panose="00000500000000000000" pitchFamily="2" charset="0"/>
-              <a:cs typeface="Krasar" panose="00000500000000000000" pitchFamily="2" charset="0"/>
-            </a:endParaRPr>
-          </a:p>
-        </p:txBody>
-      </p:sp>
-      <p:sp>
-        <p:nvSpPr>
-          <p:cNvPr id="3" name="Footer Placeholder 2"/>
-          <p:cNvSpPr>
-            <a:spLocks noGrp="1"/>
-          </p:cNvSpPr>
-          <p:nvPr>
-            <p:ph type="ftr" sz="quarter" idx="11"/>
-          </p:nvPr>
-        </p:nvSpPr>
-        <p:spPr>
-          <a:xfrm>
-            <a:off x="4038600" y="0"/>
-            <a:ext cx="4114800" cy="365125"/>
-          </a:xfrm>
-        </p:spPr>
-        <p:txBody>
-          <a:bodyPr/>
-          <a:lstStyle/>
-          <a:p>
-            <a:r>
-              <a:rPr lang="km-KH">
-                <a:latin typeface="Krasar" panose="00000500000000000000" pitchFamily="2" charset="0"/>
-                <a:cs typeface="Krasar" panose="00000500000000000000" pitchFamily="2" charset="0"/>
-              </a:rPr>
-              <a:t>សូមថ្វាយសិរីល្អដល់ព្រះ</a:t>
-            </a:r>
-            <a:endParaRPr lang="en-US">
-              <a:latin typeface="Krasar" panose="00000500000000000000" pitchFamily="2" charset="0"/>
-              <a:cs typeface="Krasar" panose="00000500000000000000" pitchFamily="2" charset="0"/>
-            </a:endParaRPr>
-          </a:p>
-        </p:txBody>
-      </p:sp>
-      <p:sp>
-        <p:nvSpPr>
-          <p:cNvPr id="5" name="Title 1">
-            <a:extLst>
-              <a:ext uri="{FF2B5EF4-FFF2-40B4-BE49-F238E27FC236}">
-                <a16:creationId xmlns:a16="http://schemas.microsoft.com/office/drawing/2014/main" id="{9A8324A4-65F8-641A-68C7-E87C0B4708A8}"/>
-              </a:ext>
-            </a:extLst>
-          </p:cNvPr>
-          <p:cNvSpPr txBox="1">
-            <a:spLocks/>
-          </p:cNvSpPr>
-          <p:nvPr/>
-        </p:nvSpPr>
-        <p:spPr>
-          <a:xfrm>
-            <a:off x="0" y="324465"/>
-            <a:ext cx="12192000" cy="6209070"/>
-          </a:xfrm>
-          <a:prstGeom prst="rect">
-            <a:avLst/>
-          </a:prstGeom>
-        </p:spPr>
-        <p:txBody>
-          <a:bodyPr vert="horz" lIns="91440" tIns="45720" rIns="91440" bIns="45720" rtlCol="0" anchor="ctr">
-            <a:noAutofit/>
-          </a:bodyPr>
-          <a:lstStyle>
-            <a:lvl1pPr algn="l" defTabSz="914400" rtl="0" eaLnBrk="1" latinLnBrk="0" hangingPunct="1">
-              <a:lnSpc>
-                <a:spcPct val="90000"/>
-              </a:lnSpc>
-              <a:spcBef>
-                <a:spcPct val="0"/>
-              </a:spcBef>
-              <a:buNone/>
-              <a:defRPr sz="4400" kern="1200">
-                <a:solidFill>
-                  <a:schemeClr val="tx1"/>
-                </a:solidFill>
-                <a:latin typeface="+mj-lt"/>
-                <a:ea typeface="+mj-ea"/>
-                <a:cs typeface="+mj-cs"/>
-              </a:defRPr>
-            </a:lvl1pPr>
-          </a:lstStyle>
-          <a:p>
-            <a:pPr algn="ctr">
-              <a:lnSpc>
-                <a:spcPct val="150000"/>
-              </a:lnSpc>
-            </a:pPr>
-            <a:r>
-              <a:rPr lang="km-KH" sz="4400" dirty="0">
-                <a:latin typeface="Krasar" panose="00000500000000000000" pitchFamily="2" charset="0"/>
-                <a:cs typeface="Krasar" panose="00000500000000000000" pitchFamily="2" charset="0"/>
-              </a:rPr>
-              <a:t>ខ្ញុំ​ ចង់ក្លាយជាក្ដីអំណរនៃព្រះ អង្គ </a:t>
-            </a:r>
-          </a:p>
-          <a:p>
-            <a:pPr algn="ctr">
-              <a:lnSpc>
-                <a:spcPct val="150000"/>
-              </a:lnSpc>
-            </a:pPr>
-            <a:r>
-              <a:rPr lang="km-KH" sz="4400" dirty="0">
-                <a:latin typeface="Krasar" panose="00000500000000000000" pitchFamily="2" charset="0"/>
-                <a:cs typeface="Krasar" panose="00000500000000000000" pitchFamily="2" charset="0"/>
-              </a:rPr>
-              <a:t>សូមទ្រង់ ប្ដូរ ចិត្តខ្ញុំ ជាថ្មី </a:t>
-            </a:r>
-          </a:p>
-        </p:txBody>
-      </p:sp>
-    </p:spTree>
-    <p:extLst>
-      <p:ext uri="{BB962C8B-B14F-4D97-AF65-F5344CB8AC3E}">
-        <p14:creationId xmlns:p14="http://schemas.microsoft.com/office/powerpoint/2010/main" val="2382288802"/>
-      </p:ext>
-    </p:extLst>
-  </p:cSld>
-  <p:clrMapOvr>
-    <a:masterClrMapping/>
-  </p:clrMapOvr>
-  <mc:AlternateContent xmlns:mc="http://schemas.openxmlformats.org/markup-compatibility/2006">
-    <mc:Choice xmlns:p14="http://schemas.microsoft.com/office/powerpoint/2010/main" Requires="p14">
-      <p:transition spd="med" p14:dur="700">
-        <p:fade/>
-      </p:transition>
-    </mc:Choice>
-    <mc:Fallback>
-      <p:transition spd="med">
-        <p:fade/>
-      </p:transition>
-    </mc:Fallback>
-  </mc:AlternateContent>
-</p:sld>
-</file>
-
-<file path=ppt/slides/slide15.xml><?xml version="1.0" encoding="utf-8"?>
-<p:sld xmlns:a="http://schemas.openxmlformats.org/drawingml/2006/main" xmlns:r="http://schemas.openxmlformats.org/officeDocument/2006/relationships" xmlns:p="http://schemas.openxmlformats.org/presentationml/2006/main">
-  <p:cSld>
-    <p:spTree>
-      <p:nvGrpSpPr>
-        <p:cNvPr id="1" name=""/>
-        <p:cNvGrpSpPr/>
-        <p:nvPr/>
-      </p:nvGrpSpPr>
-      <p:grpSpPr>
-        <a:xfrm>
-          <a:off x="0" y="0"/>
-          <a:ext cx="0" cy="0"/>
-          <a:chOff x="0" y="0"/>
-          <a:chExt cx="0" cy="0"/>
-        </a:xfrm>
-      </p:grpSpPr>
-      <p:sp>
-        <p:nvSpPr>
-          <p:cNvPr id="2" name="Title 1">
-            <a:extLst>
-              <a:ext uri="{FF2B5EF4-FFF2-40B4-BE49-F238E27FC236}">
-                <a16:creationId xmlns:a16="http://schemas.microsoft.com/office/drawing/2014/main" id="{AD761B9F-2A4C-4818-69D9-A770A07798CB}"/>
-              </a:ext>
-            </a:extLst>
-          </p:cNvPr>
-          <p:cNvSpPr txBox="1">
-            <a:spLocks/>
-          </p:cNvSpPr>
-          <p:nvPr/>
-        </p:nvSpPr>
-        <p:spPr>
-          <a:xfrm>
-            <a:off x="0" y="324465"/>
-            <a:ext cx="12192000" cy="6209070"/>
-          </a:xfrm>
-          <a:prstGeom prst="rect">
-            <a:avLst/>
-          </a:prstGeom>
-        </p:spPr>
-        <p:txBody>
-          <a:bodyPr vert="horz" lIns="91440" tIns="45720" rIns="91440" bIns="45720" rtlCol="0" anchor="ctr">
-            <a:noAutofit/>
-          </a:bodyPr>
-          <a:lstStyle>
-            <a:lvl1pPr algn="l" defTabSz="914400" rtl="0" eaLnBrk="1" latinLnBrk="0" hangingPunct="1">
-              <a:lnSpc>
-                <a:spcPct val="90000"/>
-              </a:lnSpc>
-              <a:spcBef>
-                <a:spcPct val="0"/>
-              </a:spcBef>
-              <a:buNone/>
-              <a:defRPr sz="4400" kern="1200">
-                <a:solidFill>
-                  <a:schemeClr val="tx1"/>
-                </a:solidFill>
-                <a:latin typeface="+mj-lt"/>
-                <a:ea typeface="+mj-ea"/>
-                <a:cs typeface="+mj-cs"/>
-              </a:defRPr>
-            </a:lvl1pPr>
-          </a:lstStyle>
-          <a:p>
-            <a:pPr algn="ctr">
-              <a:lnSpc>
-                <a:spcPct val="150000"/>
-              </a:lnSpc>
-            </a:pPr>
-            <a:r>
-              <a:rPr lang="km-KH" sz="4400" dirty="0">
-                <a:latin typeface="Krasar" panose="00000500000000000000" pitchFamily="2" charset="0"/>
-                <a:cs typeface="Krasar" panose="00000500000000000000" pitchFamily="2" charset="0"/>
-              </a:rPr>
-              <a:t>សូមប្រែខ្ញុំ</a:t>
-            </a:r>
-            <a:r>
-              <a:rPr lang="en-US" sz="4400" dirty="0">
-                <a:latin typeface="Krasar" panose="00000500000000000000" pitchFamily="2" charset="0"/>
-                <a:cs typeface="Krasar" panose="00000500000000000000" pitchFamily="2" charset="0"/>
-              </a:rPr>
-              <a:t> </a:t>
-            </a:r>
-            <a:r>
-              <a:rPr lang="km-KH" sz="4400" dirty="0">
-                <a:latin typeface="Krasar" panose="00000500000000000000" pitchFamily="2" charset="0"/>
-                <a:cs typeface="Krasar" panose="00000500000000000000" pitchFamily="2" charset="0"/>
-              </a:rPr>
-              <a:t>ឱ្យក្លាយជាបាវថ្មី </a:t>
-            </a:r>
-          </a:p>
-          <a:p>
-            <a:pPr algn="ctr">
-              <a:lnSpc>
-                <a:spcPct val="150000"/>
-              </a:lnSpc>
-            </a:pPr>
-            <a:r>
-              <a:rPr lang="km-KH" sz="4400" dirty="0">
-                <a:latin typeface="Krasar" panose="00000500000000000000" pitchFamily="2" charset="0"/>
-                <a:cs typeface="Krasar" panose="00000500000000000000" pitchFamily="2" charset="0"/>
-              </a:rPr>
-              <a:t>សូមទ្រង់ប្រទាន ពន្លឺដល់រូបខ្ញុំ</a:t>
-            </a:r>
-          </a:p>
-        </p:txBody>
-      </p:sp>
-    </p:spTree>
-    <p:extLst>
-      <p:ext uri="{BB962C8B-B14F-4D97-AF65-F5344CB8AC3E}">
-        <p14:creationId xmlns:p14="http://schemas.microsoft.com/office/powerpoint/2010/main" val="3880491422"/>
-      </p:ext>
-    </p:extLst>
-  </p:cSld>
-  <p:clrMapOvr>
-    <a:masterClrMapping/>
-  </p:clrMapOvr>
-  <mc:AlternateContent xmlns:mc="http://schemas.openxmlformats.org/markup-compatibility/2006">
-    <mc:Choice xmlns:p14="http://schemas.microsoft.com/office/powerpoint/2010/main" Requires="p14">
-      <p:transition spd="med" p14:dur="700">
-        <p:fade/>
-      </p:transition>
-    </mc:Choice>
-    <mc:Fallback>
-      <p:transition spd="med">
-        <p:fade/>
-      </p:transition>
-    </mc:Fallback>
-  </mc:AlternateContent>
-</p:sld>
-</file>
-
-<file path=ppt/slides/slide16.xml><?xml version="1.0" encoding="utf-8"?>
-<p:sld xmlns:a="http://schemas.openxmlformats.org/drawingml/2006/main" xmlns:r="http://schemas.openxmlformats.org/officeDocument/2006/relationships" xmlns:p="http://schemas.openxmlformats.org/presentationml/2006/main">
-  <p:cSld>
-    <p:spTree>
-      <p:nvGrpSpPr>
-        <p:cNvPr id="1" name=""/>
-        <p:cNvGrpSpPr/>
-        <p:nvPr/>
-      </p:nvGrpSpPr>
-      <p:grpSpPr>
-        <a:xfrm>
-          <a:off x="0" y="0"/>
-          <a:ext cx="0" cy="0"/>
-          <a:chOff x="0" y="0"/>
-          <a:chExt cx="0" cy="0"/>
-        </a:xfrm>
-      </p:grpSpPr>
-      <p:sp>
-        <p:nvSpPr>
-          <p:cNvPr id="2" name="Title 1">
-            <a:extLst>
-              <a:ext uri="{FF2B5EF4-FFF2-40B4-BE49-F238E27FC236}">
-                <a16:creationId xmlns:a16="http://schemas.microsoft.com/office/drawing/2014/main" id="{08BFBBEA-EB44-FF51-AA68-C801E67BDEFE}"/>
-              </a:ext>
-            </a:extLst>
-          </p:cNvPr>
-          <p:cNvSpPr txBox="1">
-            <a:spLocks/>
-          </p:cNvSpPr>
-          <p:nvPr/>
-        </p:nvSpPr>
-        <p:spPr>
-          <a:xfrm>
-            <a:off x="0" y="324465"/>
-            <a:ext cx="12192000" cy="6209070"/>
-          </a:xfrm>
-          <a:prstGeom prst="rect">
-            <a:avLst/>
-          </a:prstGeom>
-        </p:spPr>
-        <p:txBody>
-          <a:bodyPr vert="horz" lIns="91440" tIns="45720" rIns="91440" bIns="45720" rtlCol="0" anchor="ctr">
-            <a:noAutofit/>
-          </a:bodyPr>
-          <a:lstStyle>
-            <a:lvl1pPr algn="l" defTabSz="914400" rtl="0" eaLnBrk="1" latinLnBrk="0" hangingPunct="1">
-              <a:lnSpc>
-                <a:spcPct val="90000"/>
-              </a:lnSpc>
-              <a:spcBef>
-                <a:spcPct val="0"/>
-              </a:spcBef>
-              <a:buNone/>
-              <a:defRPr sz="4400" kern="1200">
-                <a:solidFill>
-                  <a:schemeClr val="tx1"/>
-                </a:solidFill>
-                <a:latin typeface="+mj-lt"/>
-                <a:ea typeface="+mj-ea"/>
-                <a:cs typeface="+mj-cs"/>
-              </a:defRPr>
-            </a:lvl1pPr>
-          </a:lstStyle>
-          <a:p>
-            <a:pPr algn="ctr">
-              <a:lnSpc>
-                <a:spcPct val="150000"/>
-              </a:lnSpc>
-            </a:pPr>
-            <a:r>
-              <a:rPr lang="km-KH" sz="4400" dirty="0">
-                <a:latin typeface="Krasar" panose="00000500000000000000" pitchFamily="2" charset="0"/>
-                <a:cs typeface="Krasar" panose="00000500000000000000" pitchFamily="2" charset="0"/>
-              </a:rPr>
-              <a:t>ចិត្តប្រាថ្នា ដែលខ្ញុំមាន  </a:t>
-            </a:r>
-          </a:p>
-          <a:p>
-            <a:pPr algn="ctr">
-              <a:lnSpc>
-                <a:spcPct val="150000"/>
-              </a:lnSpc>
-            </a:pPr>
-            <a:r>
-              <a:rPr lang="km-KH" sz="4400" dirty="0">
-                <a:latin typeface="Krasar" panose="00000500000000000000" pitchFamily="2" charset="0"/>
-                <a:cs typeface="Krasar" panose="00000500000000000000" pitchFamily="2" charset="0"/>
-              </a:rPr>
-              <a:t>គឺ ចង់ក្លាយ ជា ក្ដីអំណរ នៃព្រះអង្គ </a:t>
-            </a:r>
-          </a:p>
-        </p:txBody>
-      </p:sp>
-    </p:spTree>
-    <p:extLst>
-      <p:ext uri="{BB962C8B-B14F-4D97-AF65-F5344CB8AC3E}">
-        <p14:creationId xmlns:p14="http://schemas.microsoft.com/office/powerpoint/2010/main" val="3483838769"/>
-      </p:ext>
-    </p:extLst>
-  </p:cSld>
-  <p:clrMapOvr>
-    <a:masterClrMapping/>
-  </p:clrMapOvr>
-  <mc:AlternateContent xmlns:mc="http://schemas.openxmlformats.org/markup-compatibility/2006">
-    <mc:Choice xmlns:p14="http://schemas.microsoft.com/office/powerpoint/2010/main" Requires="p14">
-      <p:transition spd="med" p14:dur="700">
-        <p:fade/>
-      </p:transition>
-    </mc:Choice>
-    <mc:Fallback>
-      <p:transition spd="med">
-        <p:fade/>
-      </p:transition>
-    </mc:Fallback>
-  </mc:AlternateContent>
-</p:sld>
-</file>
-
-<file path=ppt/slides/slide17.xml><?xml version="1.0" encoding="utf-8"?>
-<p:sld xmlns:a="http://schemas.openxmlformats.org/drawingml/2006/main" xmlns:r="http://schemas.openxmlformats.org/officeDocument/2006/relationships" xmlns:p="http://schemas.openxmlformats.org/presentationml/2006/main">
-  <p:cSld>
-    <p:spTree>
-      <p:nvGrpSpPr>
-        <p:cNvPr id="1" name=""/>
-        <p:cNvGrpSpPr/>
-        <p:nvPr/>
-      </p:nvGrpSpPr>
-      <p:grpSpPr>
-        <a:xfrm>
-          <a:off x="0" y="0"/>
-          <a:ext cx="0" cy="0"/>
-          <a:chOff x="0" y="0"/>
-          <a:chExt cx="0" cy="0"/>
-        </a:xfrm>
-      </p:grpSpPr>
-      <p:sp>
-        <p:nvSpPr>
-          <p:cNvPr id="2" name="Title 1">
-            <a:extLst>
-              <a:ext uri="{FF2B5EF4-FFF2-40B4-BE49-F238E27FC236}">
-                <a16:creationId xmlns:a16="http://schemas.microsoft.com/office/drawing/2014/main" id="{EE2F6D46-B7D6-7CE0-D707-B6B42678B096}"/>
-              </a:ext>
-            </a:extLst>
-          </p:cNvPr>
-          <p:cNvSpPr txBox="1">
-            <a:spLocks/>
-          </p:cNvSpPr>
-          <p:nvPr/>
-        </p:nvSpPr>
-        <p:spPr>
-          <a:xfrm>
-            <a:off x="0" y="324465"/>
-            <a:ext cx="12192000" cy="6209070"/>
-          </a:xfrm>
-          <a:prstGeom prst="rect">
-            <a:avLst/>
-          </a:prstGeom>
-        </p:spPr>
-        <p:txBody>
-          <a:bodyPr vert="horz" lIns="91440" tIns="45720" rIns="91440" bIns="45720" rtlCol="0" anchor="ctr">
-            <a:noAutofit/>
-          </a:bodyPr>
-          <a:lstStyle>
-            <a:lvl1pPr algn="l" defTabSz="914400" rtl="0" eaLnBrk="1" latinLnBrk="0" hangingPunct="1">
-              <a:lnSpc>
-                <a:spcPct val="90000"/>
-              </a:lnSpc>
-              <a:spcBef>
-                <a:spcPct val="0"/>
-              </a:spcBef>
-              <a:buNone/>
-              <a:defRPr sz="4400" kern="1200">
-                <a:solidFill>
-                  <a:schemeClr val="tx1"/>
-                </a:solidFill>
-                <a:latin typeface="+mj-lt"/>
-                <a:ea typeface="+mj-ea"/>
-                <a:cs typeface="+mj-cs"/>
-              </a:defRPr>
-            </a:lvl1pPr>
-          </a:lstStyle>
-          <a:p>
-            <a:pPr algn="ctr">
-              <a:lnSpc>
-                <a:spcPct val="150000"/>
-              </a:lnSpc>
-            </a:pPr>
-            <a:r>
-              <a:rPr lang="km-KH" sz="4400" dirty="0">
-                <a:latin typeface="Krasar" panose="00000500000000000000" pitchFamily="2" charset="0"/>
-                <a:cs typeface="Krasar" panose="00000500000000000000" pitchFamily="2" charset="0"/>
-              </a:rPr>
-              <a:t>ចិត្តប្រាថ្នា ដែលខ្ញុំមាន គឺ ចង់ ក្លាយ ជា</a:t>
-            </a:r>
-          </a:p>
-          <a:p>
-            <a:pPr algn="ctr">
-              <a:lnSpc>
-                <a:spcPct val="150000"/>
-              </a:lnSpc>
-            </a:pPr>
-            <a:r>
-              <a:rPr lang="km-KH" sz="4400" dirty="0">
-                <a:latin typeface="Krasar" panose="00000500000000000000" pitchFamily="2" charset="0"/>
-                <a:cs typeface="Krasar" panose="00000500000000000000" pitchFamily="2" charset="0"/>
-              </a:rPr>
-              <a:t>  ក្ដី អំណរនៃព្រះអម្ចាស់</a:t>
-            </a:r>
-          </a:p>
-        </p:txBody>
-      </p:sp>
-    </p:spTree>
-    <p:extLst>
-      <p:ext uri="{BB962C8B-B14F-4D97-AF65-F5344CB8AC3E}">
-        <p14:creationId xmlns:p14="http://schemas.microsoft.com/office/powerpoint/2010/main" val="688260352"/>
-      </p:ext>
-    </p:extLst>
-  </p:cSld>
-  <p:clrMapOvr>
-    <a:masterClrMapping/>
-  </p:clrMapOvr>
-  <mc:AlternateContent xmlns:mc="http://schemas.openxmlformats.org/markup-compatibility/2006">
-    <mc:Choice xmlns:p14="http://schemas.microsoft.com/office/powerpoint/2010/main" Requires="p14">
-      <p:transition spd="med" p14:dur="700">
-        <p:fade/>
-      </p:transition>
-    </mc:Choice>
-    <mc:Fallback>
-      <p:transition spd="med">
-        <p:fade/>
-      </p:transition>
-    </mc:Fallback>
-  </mc:AlternateContent>
-</p:sld>
-</file>
-
-<file path=ppt/slides/slide18.xml><?xml version="1.0" encoding="utf-8"?>
-<p:sld xmlns:a="http://schemas.openxmlformats.org/drawingml/2006/main" xmlns:r="http://schemas.openxmlformats.org/officeDocument/2006/relationships" xmlns:p="http://schemas.openxmlformats.org/presentationml/2006/main">
-  <p:cSld>
-    <p:spTree>
-      <p:nvGrpSpPr>
-        <p:cNvPr id="1" name="">
-          <a:extLst>
-            <a:ext uri="{FF2B5EF4-FFF2-40B4-BE49-F238E27FC236}">
-              <a16:creationId xmlns:a16="http://schemas.microsoft.com/office/drawing/2014/main" id="{AA6D822B-55BD-DF19-AB2B-EEA52EBE7464}"/>
-            </a:ext>
-          </a:extLst>
-        </p:cNvPr>
-        <p:cNvGrpSpPr/>
-        <p:nvPr/>
-      </p:nvGrpSpPr>
-      <p:grpSpPr>
-        <a:xfrm>
-          <a:off x="0" y="0"/>
-          <a:ext cx="0" cy="0"/>
-          <a:chOff x="0" y="0"/>
-          <a:chExt cx="0" cy="0"/>
-        </a:xfrm>
-      </p:grpSpPr>
-      <p:sp>
-        <p:nvSpPr>
-          <p:cNvPr id="16" name="TextBox 15">
-            <a:extLst>
-              <a:ext uri="{FF2B5EF4-FFF2-40B4-BE49-F238E27FC236}">
-                <a16:creationId xmlns:a16="http://schemas.microsoft.com/office/drawing/2014/main" id="{95053837-C409-685D-8937-84A5297E2310}"/>
-              </a:ext>
-            </a:extLst>
-          </p:cNvPr>
-          <p:cNvSpPr txBox="1"/>
-          <p:nvPr/>
-        </p:nvSpPr>
-        <p:spPr>
-          <a:xfrm>
-            <a:off x="5000187" y="143435"/>
-            <a:ext cx="2191626" cy="369332"/>
-          </a:xfrm>
-          <a:prstGeom prst="rect">
-            <a:avLst/>
-          </a:prstGeom>
-          <a:noFill/>
-        </p:spPr>
-        <p:txBody>
-          <a:bodyPr wrap="none" rtlCol="0">
-            <a:spAutoFit/>
-          </a:bodyPr>
-          <a:lstStyle/>
-          <a:p>
-            <a:pPr algn="ctr"/>
-            <a:r>
-              <a:rPr lang="km-KH" dirty="0">
-                <a:solidFill>
-                  <a:schemeClr val="bg1"/>
-                </a:solidFill>
-                <a:latin typeface="AKbalthom Moul 2" panose="02000500000000000000" pitchFamily="2" charset="0"/>
-                <a:cs typeface="AKbalthom Moul 2" panose="02000500000000000000" pitchFamily="2" charset="0"/>
-              </a:rPr>
-              <a:t>ព្រះវិហារ ស្មៀរណា</a:t>
-            </a:r>
-            <a:endParaRPr lang="en-GB" dirty="0">
-              <a:solidFill>
-                <a:schemeClr val="bg1"/>
-              </a:solidFill>
-              <a:latin typeface="AKbalthom Moul 2" panose="02000500000000000000" pitchFamily="2" charset="0"/>
-              <a:cs typeface="AKbalthom Moul 2" panose="02000500000000000000" pitchFamily="2" charset="0"/>
-            </a:endParaRPr>
-          </a:p>
-        </p:txBody>
-      </p:sp>
-      <p:sp>
-        <p:nvSpPr>
-          <p:cNvPr id="7" name="TextBox 6">
-            <a:extLst>
-              <a:ext uri="{FF2B5EF4-FFF2-40B4-BE49-F238E27FC236}">
-                <a16:creationId xmlns:a16="http://schemas.microsoft.com/office/drawing/2014/main" id="{95053837-C409-685D-8937-84A5297E2310}"/>
-              </a:ext>
-            </a:extLst>
-          </p:cNvPr>
-          <p:cNvSpPr txBox="1"/>
-          <p:nvPr/>
-        </p:nvSpPr>
-        <p:spPr>
-          <a:xfrm>
-            <a:off x="5243112" y="5630074"/>
-            <a:ext cx="1495922" cy="461665"/>
-          </a:xfrm>
-          <a:prstGeom prst="rect">
-            <a:avLst/>
-          </a:prstGeom>
-          <a:noFill/>
-        </p:spPr>
-        <p:txBody>
-          <a:bodyPr wrap="none" rtlCol="0">
-            <a:spAutoFit/>
-          </a:bodyPr>
-          <a:lstStyle/>
-          <a:p>
-            <a:pPr algn="ctr"/>
-            <a:r>
-              <a:rPr lang="km-KH" sz="2400" dirty="0">
-                <a:solidFill>
-                  <a:schemeClr val="accent4"/>
-                </a:solidFill>
-                <a:latin typeface="AKbalthom Moul 2" panose="02000500000000000000" pitchFamily="2" charset="0"/>
-                <a:cs typeface="AKbalthom Moul 2" panose="02000500000000000000" pitchFamily="2" charset="0"/>
-              </a:rPr>
-              <a:t>លោកគ្រូ៖</a:t>
-            </a:r>
-            <a:endParaRPr lang="en-GB" sz="2400" dirty="0">
-              <a:solidFill>
-                <a:schemeClr val="accent4"/>
-              </a:solidFill>
-              <a:latin typeface="AKbalthom Moul 2" panose="02000500000000000000" pitchFamily="2" charset="0"/>
-              <a:cs typeface="AKbalthom Moul 2" panose="02000500000000000000" pitchFamily="2" charset="0"/>
-            </a:endParaRPr>
-          </a:p>
-        </p:txBody>
-      </p:sp>
-      <p:sp>
-        <p:nvSpPr>
-          <p:cNvPr id="8" name="Title 1"/>
-          <p:cNvSpPr txBox="1">
-            <a:spLocks/>
-          </p:cNvSpPr>
-          <p:nvPr/>
-        </p:nvSpPr>
-        <p:spPr>
-          <a:xfrm>
-            <a:off x="838200" y="2766219"/>
-            <a:ext cx="10515600" cy="1325563"/>
-          </a:xfrm>
-          <a:prstGeom prst="rect">
-            <a:avLst/>
-          </a:prstGeom>
-        </p:spPr>
-        <p:txBody>
-          <a:bodyPr vert="horz" lIns="91440" tIns="45720" rIns="91440" bIns="45720" rtlCol="0" anchor="b">
-            <a:noAutofit/>
-          </a:bodyPr>
-          <a:lstStyle>
-            <a:lvl1pPr algn="ctr" defTabSz="914400" rtl="0" eaLnBrk="1" latinLnBrk="0" hangingPunct="1">
-              <a:lnSpc>
-                <a:spcPct val="90000"/>
-              </a:lnSpc>
-              <a:spcBef>
-                <a:spcPct val="0"/>
-              </a:spcBef>
-              <a:buNone/>
-              <a:defRPr sz="6000" kern="1200">
-                <a:solidFill>
-                  <a:schemeClr val="tx1"/>
-                </a:solidFill>
-                <a:latin typeface="+mj-lt"/>
-                <a:ea typeface="+mj-ea"/>
-                <a:cs typeface="+mj-cs"/>
-              </a:defRPr>
-            </a:lvl1pPr>
-          </a:lstStyle>
-          <a:p>
-            <a:r>
-              <a:rPr lang="km-KH" sz="6600" dirty="0">
-                <a:solidFill>
-                  <a:srgbClr val="FFC000"/>
-                </a:solidFill>
-                <a:latin typeface="Khmer OS Niroth" panose="02000506000000020004" pitchFamily="2" charset="0"/>
-                <a:ea typeface="Khmer-Pen​​Chantrea" panose="020B0706030804020204" pitchFamily="34" charset="0"/>
-                <a:cs typeface="Khmer OS Niroth" panose="02000506000000020004" pitchFamily="2" charset="0"/>
-              </a:rPr>
-              <a:t>អធិប្បាយព្រះបន្ទូល</a:t>
-            </a:r>
-          </a:p>
-        </p:txBody>
-      </p:sp>
-      <p:sp>
-        <p:nvSpPr>
-          <p:cNvPr id="2" name="TextBox 1"/>
-          <p:cNvSpPr txBox="1"/>
-          <p:nvPr/>
-        </p:nvSpPr>
-        <p:spPr>
-          <a:xfrm>
-            <a:off x="4879172" y="4363999"/>
-            <a:ext cx="2433680" cy="523220"/>
-          </a:xfrm>
-          <a:prstGeom prst="rect">
-            <a:avLst/>
-          </a:prstGeom>
-          <a:noFill/>
-        </p:spPr>
-        <p:txBody>
-          <a:bodyPr wrap="none" rtlCol="0">
-            <a:spAutoFit/>
-          </a:bodyPr>
-          <a:lstStyle/>
-          <a:p>
-            <a:pPr algn="ctr"/>
-            <a:r>
-              <a:rPr lang="km-KH" sz="2800" dirty="0">
-                <a:solidFill>
-                  <a:schemeClr val="bg1"/>
-                </a:solidFill>
-                <a:latin typeface="Krasar" panose="00000500000000000000" pitchFamily="2" charset="0"/>
-                <a:cs typeface="Krasar" panose="00000500000000000000" pitchFamily="2" charset="0"/>
-              </a:rPr>
-              <a:t>សុភាសិត ១២</a:t>
-            </a:r>
-            <a:r>
-              <a:rPr lang="en-US" sz="2800" dirty="0">
-                <a:solidFill>
-                  <a:schemeClr val="bg1"/>
-                </a:solidFill>
-                <a:latin typeface="Krasar" panose="00000500000000000000" pitchFamily="2" charset="0"/>
-                <a:cs typeface="Krasar" panose="00000500000000000000" pitchFamily="2" charset="0"/>
-              </a:rPr>
-              <a:t>:</a:t>
-            </a:r>
-            <a:r>
-              <a:rPr lang="km-KH" sz="2800" dirty="0">
-                <a:solidFill>
-                  <a:schemeClr val="bg1"/>
-                </a:solidFill>
-                <a:latin typeface="Krasar" panose="00000500000000000000" pitchFamily="2" charset="0"/>
-                <a:cs typeface="Krasar" panose="00000500000000000000" pitchFamily="2" charset="0"/>
-              </a:rPr>
-              <a:t>១</a:t>
-            </a:r>
-            <a:endParaRPr lang="en-US" sz="2800" dirty="0">
-              <a:solidFill>
-                <a:schemeClr val="bg1"/>
-              </a:solidFill>
-              <a:latin typeface="Krasar" panose="00000500000000000000" pitchFamily="2" charset="0"/>
-              <a:cs typeface="Krasar" panose="00000500000000000000" pitchFamily="2" charset="0"/>
-            </a:endParaRPr>
-          </a:p>
-        </p:txBody>
-      </p:sp>
-    </p:spTree>
-    <p:extLst>
-      <p:ext uri="{BB962C8B-B14F-4D97-AF65-F5344CB8AC3E}">
-        <p14:creationId xmlns:p14="http://schemas.microsoft.com/office/powerpoint/2010/main" val="4280584919"/>
-      </p:ext>
-    </p:extLst>
-  </p:cSld>
-  <p:clrMapOvr>
-    <a:masterClrMapping/>
-  </p:clrMapOvr>
-  <mc:AlternateContent xmlns:mc="http://schemas.openxmlformats.org/markup-compatibility/2006" xmlns:p159="http://schemas.microsoft.com/office/powerpoint/2015/09/main">
-    <mc:Choice Requires="p159">
-      <p:transition xmlns:p14="http://schemas.microsoft.com/office/powerpoint/2010/main" spd="slow" p14:dur="2000">
-        <p159:morph option="byObject"/>
-      </p:transition>
-    </mc:Choice>
-    <mc:Fallback xmlns="">
-      <p:transition spd="slow">
-        <p:fade/>
-      </p:transition>
-    </mc:Fallback>
-  </mc:AlternateContent>
-</p:sld>
-</file>
-
-<file path=ppt/slides/slide19.xml><?xml version="1.0" encoding="utf-8"?>
-<p:sld xmlns:a="http://schemas.openxmlformats.org/drawingml/2006/main" xmlns:r="http://schemas.openxmlformats.org/officeDocument/2006/relationships" xmlns:p="http://schemas.openxmlformats.org/presentationml/2006/main">
-  <p:cSld>
-    <p:spTree>
-      <p:nvGrpSpPr>
-        <p:cNvPr id="1" name=""/>
-        <p:cNvGrpSpPr/>
-        <p:nvPr/>
-      </p:nvGrpSpPr>
-      <p:grpSpPr>
-        <a:xfrm>
-          <a:off x="0" y="0"/>
-          <a:ext cx="0" cy="0"/>
-          <a:chOff x="0" y="0"/>
-          <a:chExt cx="0" cy="0"/>
-        </a:xfrm>
-      </p:grpSpPr>
-      <p:sp>
-        <p:nvSpPr>
           <p:cNvPr id="2" name="Title 1"/>
           <p:cNvSpPr>
             <a:spLocks noGrp="1"/>
@@ -12579,218 +12959,7 @@
 </p:sld>
 </file>
 
-<file path=ppt/slides/slide2.xml><?xml version="1.0" encoding="utf-8"?>
-<p:sld xmlns:a="http://schemas.openxmlformats.org/drawingml/2006/main" xmlns:r="http://schemas.openxmlformats.org/officeDocument/2006/relationships" xmlns:p="http://schemas.openxmlformats.org/presentationml/2006/main">
-  <p:cSld>
-    <p:spTree>
-      <p:nvGrpSpPr>
-        <p:cNvPr id="1" name="">
-          <a:extLst>
-            <a:ext uri="{FF2B5EF4-FFF2-40B4-BE49-F238E27FC236}">
-              <a16:creationId xmlns:a16="http://schemas.microsoft.com/office/drawing/2014/main" id="{0956FFFF-645C-1DA0-57C3-93D2EBD6E840}"/>
-            </a:ext>
-          </a:extLst>
-        </p:cNvPr>
-        <p:cNvGrpSpPr/>
-        <p:nvPr/>
-      </p:nvGrpSpPr>
-      <p:grpSpPr>
-        <a:xfrm>
-          <a:off x="0" y="0"/>
-          <a:ext cx="0" cy="0"/>
-          <a:chOff x="0" y="0"/>
-          <a:chExt cx="0" cy="0"/>
-        </a:xfrm>
-      </p:grpSpPr>
-      <p:sp>
-        <p:nvSpPr>
-          <p:cNvPr id="12" name="TextBox 11">
-            <a:extLst>
-              <a:ext uri="{FF2B5EF4-FFF2-40B4-BE49-F238E27FC236}">
-                <a16:creationId xmlns:a16="http://schemas.microsoft.com/office/drawing/2014/main" id="{81991DCA-E5BD-33FC-6845-617E15551D91}"/>
-              </a:ext>
-            </a:extLst>
-          </p:cNvPr>
-          <p:cNvSpPr txBox="1"/>
-          <p:nvPr/>
-        </p:nvSpPr>
-        <p:spPr>
-          <a:xfrm>
-            <a:off x="2792050" y="2972274"/>
-            <a:ext cx="6607899" cy="1200329"/>
-          </a:xfrm>
-          <a:prstGeom prst="rect">
-            <a:avLst/>
-          </a:prstGeom>
-          <a:noFill/>
-        </p:spPr>
-        <p:txBody>
-          <a:bodyPr wrap="none" rtlCol="0">
-            <a:spAutoFit/>
-          </a:bodyPr>
-          <a:lstStyle/>
-          <a:p>
-            <a:pPr algn="ctr"/>
-            <a:r>
-              <a:rPr lang="km-KH" sz="7200" dirty="0">
-                <a:solidFill>
-                  <a:srgbClr val="FFC000"/>
-                </a:solidFill>
-                <a:effectLst>
-                  <a:innerShdw blurRad="63500" dist="50800">
-                    <a:prstClr val="black">
-                      <a:alpha val="50000"/>
-                    </a:prstClr>
-                  </a:innerShdw>
-                </a:effectLst>
-                <a:latin typeface="Khmer OS Niroth" panose="02000506000000020004" pitchFamily="2" charset="0"/>
-                <a:ea typeface="Khmer-Pen​​Chantrea" panose="020B0706030804020204" pitchFamily="34" charset="0"/>
-                <a:cs typeface="Khmer OS Niroth" panose="02000506000000020004" pitchFamily="2" charset="0"/>
-              </a:rPr>
-              <a:t>អធិស្ថានបើកកម្មវិធី</a:t>
-            </a:r>
-            <a:endParaRPr lang="en-GB" sz="7200" dirty="0">
-              <a:solidFill>
-                <a:srgbClr val="FFC000"/>
-              </a:solidFill>
-              <a:effectLst>
-                <a:innerShdw blurRad="63500" dist="50800">
-                  <a:prstClr val="black">
-                    <a:alpha val="50000"/>
-                  </a:prstClr>
-                </a:innerShdw>
-              </a:effectLst>
-              <a:latin typeface="Khmer OS Niroth" panose="02000506000000020004" pitchFamily="2" charset="0"/>
-              <a:ea typeface="Khmer-Pen​​Chantrea" panose="020B0706030804020204" pitchFamily="34" charset="0"/>
-              <a:cs typeface="Khmer OS Niroth" panose="02000506000000020004" pitchFamily="2" charset="0"/>
-            </a:endParaRPr>
-          </a:p>
-        </p:txBody>
-      </p:sp>
-      <p:sp>
-        <p:nvSpPr>
-          <p:cNvPr id="14" name="TextBox 13">
-            <a:extLst>
-              <a:ext uri="{FF2B5EF4-FFF2-40B4-BE49-F238E27FC236}">
-                <a16:creationId xmlns:a16="http://schemas.microsoft.com/office/drawing/2014/main" id="{3A83A1F4-0B43-3661-0AB3-6D7FB15CC382}"/>
-              </a:ext>
-            </a:extLst>
-          </p:cNvPr>
-          <p:cNvSpPr txBox="1"/>
-          <p:nvPr/>
-        </p:nvSpPr>
-        <p:spPr>
-          <a:xfrm>
-            <a:off x="10452503" y="143435"/>
-            <a:ext cx="1571263" cy="276999"/>
-          </a:xfrm>
-          <a:prstGeom prst="rect">
-            <a:avLst/>
-          </a:prstGeom>
-          <a:noFill/>
-        </p:spPr>
-        <p:txBody>
-          <a:bodyPr wrap="none" rtlCol="0">
-            <a:spAutoFit/>
-          </a:bodyPr>
-          <a:lstStyle/>
-          <a:p>
-            <a:pPr algn="r"/>
-            <a:fld id="{BF0D9E41-A79D-439E-B48A-1399D5B145B1}" type="datetime2">
-              <a:rPr lang="km-KH" sz="1200" smtClean="0">
-                <a:solidFill>
-                  <a:schemeClr val="bg1"/>
-                </a:solidFill>
-                <a:latin typeface="Krasar" panose="00000500000000000000" pitchFamily="2" charset="0"/>
-                <a:cs typeface="Krasar" panose="00000500000000000000" pitchFamily="2" charset="0"/>
-              </a:rPr>
-              <a:pPr algn="r"/>
-              <a:t>ថ្ងៃសៅរ៍ 22 មិនា 2025</a:t>
-            </a:fld>
-            <a:endParaRPr lang="en-GB" dirty="0">
-              <a:solidFill>
-                <a:schemeClr val="bg1"/>
-              </a:solidFill>
-              <a:latin typeface="Krasar" panose="00000500000000000000" pitchFamily="2" charset="0"/>
-              <a:cs typeface="Krasar" panose="00000500000000000000" pitchFamily="2" charset="0"/>
-            </a:endParaRPr>
-          </a:p>
-        </p:txBody>
-      </p:sp>
-      <p:sp>
-        <p:nvSpPr>
-          <p:cNvPr id="16" name="TextBox 15">
-            <a:extLst>
-              <a:ext uri="{FF2B5EF4-FFF2-40B4-BE49-F238E27FC236}">
-                <a16:creationId xmlns:a16="http://schemas.microsoft.com/office/drawing/2014/main" id="{C5E36C52-ED19-65C4-5B66-242DF92DFE5A}"/>
-              </a:ext>
-            </a:extLst>
-          </p:cNvPr>
-          <p:cNvSpPr txBox="1"/>
-          <p:nvPr/>
-        </p:nvSpPr>
-        <p:spPr>
-          <a:xfrm>
-            <a:off x="5000187" y="6468633"/>
-            <a:ext cx="2191626" cy="369332"/>
-          </a:xfrm>
-          <a:prstGeom prst="rect">
-            <a:avLst/>
-          </a:prstGeom>
-          <a:noFill/>
-        </p:spPr>
-        <p:txBody>
-          <a:bodyPr wrap="none" rtlCol="0">
-            <a:spAutoFit/>
-          </a:bodyPr>
-          <a:lstStyle/>
-          <a:p>
-            <a:r>
-              <a:rPr lang="km-KH" dirty="0">
-                <a:solidFill>
-                  <a:schemeClr val="bg1"/>
-                </a:solidFill>
-                <a:latin typeface="AKbalthom Moul 2" panose="02000500000000000000" pitchFamily="2" charset="0"/>
-                <a:cs typeface="AKbalthom Moul 2" panose="02000500000000000000" pitchFamily="2" charset="0"/>
-              </a:rPr>
-              <a:t>ព្រះវិហារ ស្មៀរណា</a:t>
-            </a:r>
-            <a:endParaRPr lang="en-GB" dirty="0">
-              <a:solidFill>
-                <a:schemeClr val="bg1"/>
-              </a:solidFill>
-              <a:latin typeface="AKbalthom Moul 2" panose="02000500000000000000" pitchFamily="2" charset="0"/>
-              <a:cs typeface="AKbalthom Moul 2" panose="02000500000000000000" pitchFamily="2" charset="0"/>
-            </a:endParaRPr>
-          </a:p>
-        </p:txBody>
-      </p:sp>
-    </p:spTree>
-    <p:extLst>
-      <p:ext uri="{BB962C8B-B14F-4D97-AF65-F5344CB8AC3E}">
-        <p14:creationId xmlns:p14="http://schemas.microsoft.com/office/powerpoint/2010/main" val="347314089"/>
-      </p:ext>
-    </p:extLst>
-  </p:cSld>
-  <p:clrMapOvr>
-    <a:masterClrMapping/>
-  </p:clrMapOvr>
-  <mc:AlternateContent xmlns:mc="http://schemas.openxmlformats.org/markup-compatibility/2006" xmlns:p14="http://schemas.microsoft.com/office/powerpoint/2010/main">
-    <mc:Choice Requires="p14">
-      <p:transition spd="med" p14:dur="700">
-        <p:fade/>
-      </p:transition>
-    </mc:Choice>
-    <mc:Fallback xmlns="">
-      <p:transition spd="med">
-        <p:fade/>
-      </p:transition>
-    </mc:Fallback>
-  </mc:AlternateContent>
-</p:sld>
-</file>
-
-<file path=ppt/slides/slide20.xml><?xml version="1.0" encoding="utf-8"?>
+<file path=ppt/slides/slide15.xml><?xml version="1.0" encoding="utf-8"?>
 <p:sld xmlns:a="http://schemas.openxmlformats.org/drawingml/2006/main" xmlns:r="http://schemas.openxmlformats.org/officeDocument/2006/relationships" xmlns:p="http://schemas.openxmlformats.org/presentationml/2006/main">
   <p:cSld>
     <p:spTree>
@@ -12916,7 +13085,7 @@
                 <a:cs typeface="Krasar" panose="00000500000000000000" pitchFamily="2" charset="0"/>
               </a:rPr>
               <a:pPr algn="r"/>
-              <a:t>ថ្ងៃសៅរ៍ 22 មិនា 2025</a:t>
+              <a:t>ថ្ងៃសុក្រ 28 មិនា 2025</a:t>
             </a:fld>
             <a:endParaRPr lang="en-GB" dirty="0">
               <a:solidFill>
@@ -13002,7 +13171,7 @@
 </p:sld>
 </file>
 
-<file path=ppt/slides/slide21.xml><?xml version="1.0" encoding="utf-8"?>
+<file path=ppt/slides/slide16.xml><?xml version="1.0" encoding="utf-8"?>
 <p:sld xmlns:a="http://schemas.openxmlformats.org/drawingml/2006/main" xmlns:r="http://schemas.openxmlformats.org/officeDocument/2006/relationships" xmlns:p="http://schemas.openxmlformats.org/presentationml/2006/main">
   <p:cSld>
     <p:spTree>
@@ -13219,7 +13388,7 @@
 </p:sld>
 </file>
 
-<file path=ppt/slides/slide22.xml><?xml version="1.0" encoding="utf-8"?>
+<file path=ppt/slides/slide17.xml><?xml version="1.0" encoding="utf-8"?>
 <p:sld xmlns:a="http://schemas.openxmlformats.org/drawingml/2006/main" xmlns:r="http://schemas.openxmlformats.org/officeDocument/2006/relationships" xmlns:p="http://schemas.openxmlformats.org/presentationml/2006/main">
   <p:cSld>
     <p:spTree>
@@ -13390,7 +13559,7 @@
                 <a:cs typeface="Krasar" panose="00000500000000000000" pitchFamily="2" charset="0"/>
               </a:rPr>
               <a:pPr algn="ctr"/>
-              <a:t>ថ្ងៃសៅរ៍ 22 មិនា 2025</a:t>
+              <a:t>ថ្ងៃសុក្រ 28 មិនា 2025</a:t>
             </a:fld>
             <a:endParaRPr lang="en-US" dirty="0">
               <a:solidFill>
@@ -13463,7 +13632,7 @@
 </p:sld>
 </file>
 
-<file path=ppt/slides/slide23.xml><?xml version="1.0" encoding="utf-8"?>
+<file path=ppt/slides/slide18.xml><?xml version="1.0" encoding="utf-8"?>
 <p:sld xmlns:a="http://schemas.openxmlformats.org/drawingml/2006/main" xmlns:r="http://schemas.openxmlformats.org/officeDocument/2006/relationships" xmlns:p="http://schemas.openxmlformats.org/presentationml/2006/main">
   <p:cSld>
     <p:spTree>
@@ -13634,7 +13803,7 @@
                 <a:cs typeface="Krasar" panose="00000500000000000000" pitchFamily="2" charset="0"/>
               </a:rPr>
               <a:pPr algn="ctr"/>
-              <a:t>ថ្ងៃសៅរ៍ 22 មិនា 2025</a:t>
+              <a:t>ថ្ងៃសុក្រ 28 មិនា 2025</a:t>
             </a:fld>
             <a:endParaRPr lang="en-US" dirty="0">
               <a:solidFill>
@@ -13707,7 +13876,7 @@
 </p:sld>
 </file>
 
-<file path=ppt/slides/slide24.xml><?xml version="1.0" encoding="utf-8"?>
+<file path=ppt/slides/slide19.xml><?xml version="1.0" encoding="utf-8"?>
 <p:sld xmlns:a="http://schemas.openxmlformats.org/drawingml/2006/main" xmlns:r="http://schemas.openxmlformats.org/officeDocument/2006/relationships" xmlns:p="http://schemas.openxmlformats.org/presentationml/2006/main">
   <p:cSld>
     <p:spTree>
@@ -13878,7 +14047,7 @@
                 <a:cs typeface="Krasar" panose="00000500000000000000" pitchFamily="2" charset="0"/>
               </a:rPr>
               <a:pPr algn="ctr"/>
-              <a:t>ថ្ងៃសៅរ៍ 22 មិនា 2025</a:t>
+              <a:t>ថ្ងៃសុក្រ 28 មិនា 2025</a:t>
             </a:fld>
             <a:endParaRPr lang="en-US" dirty="0">
               <a:solidFill>
@@ -13951,7 +14120,218 @@
 </p:sld>
 </file>
 
-<file path=ppt/slides/slide25.xml><?xml version="1.0" encoding="utf-8"?>
+<file path=ppt/slides/slide2.xml><?xml version="1.0" encoding="utf-8"?>
+<p:sld xmlns:a="http://schemas.openxmlformats.org/drawingml/2006/main" xmlns:r="http://schemas.openxmlformats.org/officeDocument/2006/relationships" xmlns:p="http://schemas.openxmlformats.org/presentationml/2006/main">
+  <p:cSld>
+    <p:spTree>
+      <p:nvGrpSpPr>
+        <p:cNvPr id="1" name="">
+          <a:extLst>
+            <a:ext uri="{FF2B5EF4-FFF2-40B4-BE49-F238E27FC236}">
+              <a16:creationId xmlns:a16="http://schemas.microsoft.com/office/drawing/2014/main" id="{0956FFFF-645C-1DA0-57C3-93D2EBD6E840}"/>
+            </a:ext>
+          </a:extLst>
+        </p:cNvPr>
+        <p:cNvGrpSpPr/>
+        <p:nvPr/>
+      </p:nvGrpSpPr>
+      <p:grpSpPr>
+        <a:xfrm>
+          <a:off x="0" y="0"/>
+          <a:ext cx="0" cy="0"/>
+          <a:chOff x="0" y="0"/>
+          <a:chExt cx="0" cy="0"/>
+        </a:xfrm>
+      </p:grpSpPr>
+      <p:sp>
+        <p:nvSpPr>
+          <p:cNvPr id="12" name="TextBox 11">
+            <a:extLst>
+              <a:ext uri="{FF2B5EF4-FFF2-40B4-BE49-F238E27FC236}">
+                <a16:creationId xmlns:a16="http://schemas.microsoft.com/office/drawing/2014/main" id="{81991DCA-E5BD-33FC-6845-617E15551D91}"/>
+              </a:ext>
+            </a:extLst>
+          </p:cNvPr>
+          <p:cNvSpPr txBox="1"/>
+          <p:nvPr/>
+        </p:nvSpPr>
+        <p:spPr>
+          <a:xfrm>
+            <a:off x="2792050" y="2972274"/>
+            <a:ext cx="6607899" cy="1200329"/>
+          </a:xfrm>
+          <a:prstGeom prst="rect">
+            <a:avLst/>
+          </a:prstGeom>
+          <a:noFill/>
+        </p:spPr>
+        <p:txBody>
+          <a:bodyPr wrap="none" rtlCol="0">
+            <a:spAutoFit/>
+          </a:bodyPr>
+          <a:lstStyle/>
+          <a:p>
+            <a:pPr algn="ctr"/>
+            <a:r>
+              <a:rPr lang="km-KH" sz="7200" dirty="0">
+                <a:solidFill>
+                  <a:srgbClr val="FFC000"/>
+                </a:solidFill>
+                <a:effectLst>
+                  <a:innerShdw blurRad="63500" dist="50800">
+                    <a:prstClr val="black">
+                      <a:alpha val="50000"/>
+                    </a:prstClr>
+                  </a:innerShdw>
+                </a:effectLst>
+                <a:latin typeface="Khmer OS Niroth" panose="02000506000000020004" pitchFamily="2" charset="0"/>
+                <a:ea typeface="Khmer-Pen​​Chantrea" panose="020B0706030804020204" pitchFamily="34" charset="0"/>
+                <a:cs typeface="Khmer OS Niroth" panose="02000506000000020004" pitchFamily="2" charset="0"/>
+              </a:rPr>
+              <a:t>អធិស្ថានបើកកម្មវិធី</a:t>
+            </a:r>
+            <a:endParaRPr lang="en-GB" sz="7200" dirty="0">
+              <a:solidFill>
+                <a:srgbClr val="FFC000"/>
+              </a:solidFill>
+              <a:effectLst>
+                <a:innerShdw blurRad="63500" dist="50800">
+                  <a:prstClr val="black">
+                    <a:alpha val="50000"/>
+                  </a:prstClr>
+                </a:innerShdw>
+              </a:effectLst>
+              <a:latin typeface="Khmer OS Niroth" panose="02000506000000020004" pitchFamily="2" charset="0"/>
+              <a:ea typeface="Khmer-Pen​​Chantrea" panose="020B0706030804020204" pitchFamily="34" charset="0"/>
+              <a:cs typeface="Khmer OS Niroth" panose="02000506000000020004" pitchFamily="2" charset="0"/>
+            </a:endParaRPr>
+          </a:p>
+        </p:txBody>
+      </p:sp>
+      <p:sp>
+        <p:nvSpPr>
+          <p:cNvPr id="14" name="TextBox 13">
+            <a:extLst>
+              <a:ext uri="{FF2B5EF4-FFF2-40B4-BE49-F238E27FC236}">
+                <a16:creationId xmlns:a16="http://schemas.microsoft.com/office/drawing/2014/main" id="{3A83A1F4-0B43-3661-0AB3-6D7FB15CC382}"/>
+              </a:ext>
+            </a:extLst>
+          </p:cNvPr>
+          <p:cNvSpPr txBox="1"/>
+          <p:nvPr/>
+        </p:nvSpPr>
+        <p:spPr>
+          <a:xfrm>
+            <a:off x="10452503" y="143435"/>
+            <a:ext cx="1571263" cy="276999"/>
+          </a:xfrm>
+          <a:prstGeom prst="rect">
+            <a:avLst/>
+          </a:prstGeom>
+          <a:noFill/>
+        </p:spPr>
+        <p:txBody>
+          <a:bodyPr wrap="none" rtlCol="0">
+            <a:spAutoFit/>
+          </a:bodyPr>
+          <a:lstStyle/>
+          <a:p>
+            <a:pPr algn="r"/>
+            <a:fld id="{BF0D9E41-A79D-439E-B48A-1399D5B145B1}" type="datetime2">
+              <a:rPr lang="km-KH" sz="1200" smtClean="0">
+                <a:solidFill>
+                  <a:schemeClr val="bg1"/>
+                </a:solidFill>
+                <a:latin typeface="Krasar" panose="00000500000000000000" pitchFamily="2" charset="0"/>
+                <a:cs typeface="Krasar" panose="00000500000000000000" pitchFamily="2" charset="0"/>
+              </a:rPr>
+              <a:pPr algn="r"/>
+              <a:t>ថ្ងៃសុក្រ 28 មិនា 2025</a:t>
+            </a:fld>
+            <a:endParaRPr lang="en-GB" dirty="0">
+              <a:solidFill>
+                <a:schemeClr val="bg1"/>
+              </a:solidFill>
+              <a:latin typeface="Krasar" panose="00000500000000000000" pitchFamily="2" charset="0"/>
+              <a:cs typeface="Krasar" panose="00000500000000000000" pitchFamily="2" charset="0"/>
+            </a:endParaRPr>
+          </a:p>
+        </p:txBody>
+      </p:sp>
+      <p:sp>
+        <p:nvSpPr>
+          <p:cNvPr id="16" name="TextBox 15">
+            <a:extLst>
+              <a:ext uri="{FF2B5EF4-FFF2-40B4-BE49-F238E27FC236}">
+                <a16:creationId xmlns:a16="http://schemas.microsoft.com/office/drawing/2014/main" id="{C5E36C52-ED19-65C4-5B66-242DF92DFE5A}"/>
+              </a:ext>
+            </a:extLst>
+          </p:cNvPr>
+          <p:cNvSpPr txBox="1"/>
+          <p:nvPr/>
+        </p:nvSpPr>
+        <p:spPr>
+          <a:xfrm>
+            <a:off x="5000187" y="6468633"/>
+            <a:ext cx="2191626" cy="369332"/>
+          </a:xfrm>
+          <a:prstGeom prst="rect">
+            <a:avLst/>
+          </a:prstGeom>
+          <a:noFill/>
+        </p:spPr>
+        <p:txBody>
+          <a:bodyPr wrap="none" rtlCol="0">
+            <a:spAutoFit/>
+          </a:bodyPr>
+          <a:lstStyle/>
+          <a:p>
+            <a:r>
+              <a:rPr lang="km-KH" dirty="0">
+                <a:solidFill>
+                  <a:schemeClr val="bg1"/>
+                </a:solidFill>
+                <a:latin typeface="AKbalthom Moul 2" panose="02000500000000000000" pitchFamily="2" charset="0"/>
+                <a:cs typeface="AKbalthom Moul 2" panose="02000500000000000000" pitchFamily="2" charset="0"/>
+              </a:rPr>
+              <a:t>ព្រះវិហារ ស្មៀរណា</a:t>
+            </a:r>
+            <a:endParaRPr lang="en-GB" dirty="0">
+              <a:solidFill>
+                <a:schemeClr val="bg1"/>
+              </a:solidFill>
+              <a:latin typeface="AKbalthom Moul 2" panose="02000500000000000000" pitchFamily="2" charset="0"/>
+              <a:cs typeface="AKbalthom Moul 2" panose="02000500000000000000" pitchFamily="2" charset="0"/>
+            </a:endParaRPr>
+          </a:p>
+        </p:txBody>
+      </p:sp>
+    </p:spTree>
+    <p:extLst>
+      <p:ext uri="{BB962C8B-B14F-4D97-AF65-F5344CB8AC3E}">
+        <p14:creationId xmlns:p14="http://schemas.microsoft.com/office/powerpoint/2010/main" val="347314089"/>
+      </p:ext>
+    </p:extLst>
+  </p:cSld>
+  <p:clrMapOvr>
+    <a:masterClrMapping/>
+  </p:clrMapOvr>
+  <mc:AlternateContent xmlns:mc="http://schemas.openxmlformats.org/markup-compatibility/2006" xmlns:p14="http://schemas.microsoft.com/office/powerpoint/2010/main">
+    <mc:Choice Requires="p14">
+      <p:transition spd="med" p14:dur="700">
+        <p:fade/>
+      </p:transition>
+    </mc:Choice>
+    <mc:Fallback xmlns="">
+      <p:transition spd="med">
+        <p:fade/>
+      </p:transition>
+    </mc:Fallback>
+  </mc:AlternateContent>
+</p:sld>
+</file>
+
+<file path=ppt/slides/slide20.xml><?xml version="1.0" encoding="utf-8"?>
 <p:sld xmlns:a="http://schemas.openxmlformats.org/drawingml/2006/main" xmlns:r="http://schemas.openxmlformats.org/officeDocument/2006/relationships" xmlns:p="http://schemas.openxmlformats.org/presentationml/2006/main">
   <p:cSld>
     <p:spTree>
@@ -14122,7 +14502,7 @@
                 <a:cs typeface="Krasar" panose="00000500000000000000" pitchFamily="2" charset="0"/>
               </a:rPr>
               <a:pPr algn="ctr"/>
-              <a:t>ថ្ងៃសៅរ៍ 22 មិនា 2025</a:t>
+              <a:t>ថ្ងៃសុក្រ 28 មិនា 2025</a:t>
             </a:fld>
             <a:endParaRPr lang="en-US" dirty="0">
               <a:solidFill>
@@ -14195,7 +14575,7 @@
 </p:sld>
 </file>
 
-<file path=ppt/slides/slide26.xml><?xml version="1.0" encoding="utf-8"?>
+<file path=ppt/slides/slide21.xml><?xml version="1.0" encoding="utf-8"?>
 <p:sld xmlns:a="http://schemas.openxmlformats.org/drawingml/2006/main" xmlns:r="http://schemas.openxmlformats.org/officeDocument/2006/relationships" xmlns:p="http://schemas.openxmlformats.org/presentationml/2006/main">
   <p:cSld>
     <p:spTree>
@@ -14321,7 +14701,7 @@
                 <a:cs typeface="Krasar" panose="00000500000000000000" pitchFamily="2" charset="0"/>
               </a:rPr>
               <a:pPr algn="r"/>
-              <a:t>ថ្ងៃសៅរ៍ 22 មិនា 2025</a:t>
+              <a:t>ថ្ងៃសុក្រ 28 មិនា 2025</a:t>
             </a:fld>
             <a:endParaRPr lang="en-GB" dirty="0">
               <a:solidFill>
@@ -14407,7 +14787,7 @@
 </p:sld>
 </file>
 
-<file path=ppt/slides/slide27.xml><?xml version="1.0" encoding="utf-8"?>
+<file path=ppt/slides/slide22.xml><?xml version="1.0" encoding="utf-8"?>
 <p:sld xmlns:a="http://schemas.openxmlformats.org/drawingml/2006/main" xmlns:r="http://schemas.openxmlformats.org/officeDocument/2006/relationships" xmlns:p="http://schemas.openxmlformats.org/presentationml/2006/main">
   <p:cSld>
     <p:spTree>
@@ -14507,7 +14887,7 @@
                 <a:tabLst/>
                 <a:defRPr/>
               </a:pPr>
-              <a:t>ថ្ងៃសៅរ៍ 22 មិនា 2025</a:t>
+              <a:t>ថ្ងៃសុក្រ 28 មិនា 2025</a:t>
             </a:fld>
             <a:endParaRPr kumimoji="0" lang="en-GB" sz="1800" b="0" i="0" u="none" strike="noStrike" kern="1200" cap="none" spc="0" normalizeH="0" baseline="0" noProof="0" dirty="0">
               <a:ln>
@@ -14981,7 +15361,7 @@
 </p:sld>
 </file>
 
-<file path=ppt/slides/slide28.xml><?xml version="1.0" encoding="utf-8"?>
+<file path=ppt/slides/slide23.xml><?xml version="1.0" encoding="utf-8"?>
 <p:sld xmlns:a="http://schemas.openxmlformats.org/drawingml/2006/main" xmlns:r="http://schemas.openxmlformats.org/officeDocument/2006/relationships" xmlns:p="http://schemas.openxmlformats.org/presentationml/2006/main">
   <p:cSld>
     <p:spTree>
@@ -15081,7 +15461,7 @@
                 <a:tabLst/>
                 <a:defRPr/>
               </a:pPr>
-              <a:t>ថ្ងៃសៅរ៍ 22 មិនា 2025</a:t>
+              <a:t>ថ្ងៃសុក្រ 28 មិនា 2025</a:t>
             </a:fld>
             <a:endParaRPr kumimoji="0" lang="en-GB" sz="1800" b="0" i="0" u="none" strike="noStrike" kern="1200" cap="none" spc="0" normalizeH="0" baseline="0" noProof="0" dirty="0">
               <a:ln>
@@ -15505,7 +15885,7 @@
 </p:sld>
 </file>
 
-<file path=ppt/slides/slide29.xml><?xml version="1.0" encoding="utf-8"?>
+<file path=ppt/slides/slide24.xml><?xml version="1.0" encoding="utf-8"?>
 <p:sld xmlns:a="http://schemas.openxmlformats.org/drawingml/2006/main" xmlns:r="http://schemas.openxmlformats.org/officeDocument/2006/relationships" xmlns:p="http://schemas.openxmlformats.org/presentationml/2006/main">
   <p:cSld>
     <p:spTree>
@@ -15605,7 +15985,7 @@
                 <a:tabLst/>
                 <a:defRPr/>
               </a:pPr>
-              <a:t>ថ្ងៃសៅរ៍ 22 មិនា 2025</a:t>
+              <a:t>ថ្ងៃសុក្រ 28 មិនា 2025</a:t>
             </a:fld>
             <a:endParaRPr kumimoji="0" lang="en-GB" sz="1800" b="0" i="0" u="none" strike="noStrike" kern="1200" cap="none" spc="0" normalizeH="0" baseline="0" noProof="0" dirty="0">
               <a:ln>
@@ -16057,218 +16437,7 @@
 </p:sld>
 </file>
 
-<file path=ppt/slides/slide3.xml><?xml version="1.0" encoding="utf-8"?>
-<p:sld xmlns:a="http://schemas.openxmlformats.org/drawingml/2006/main" xmlns:r="http://schemas.openxmlformats.org/officeDocument/2006/relationships" xmlns:p="http://schemas.openxmlformats.org/presentationml/2006/main">
-  <p:cSld>
-    <p:spTree>
-      <p:nvGrpSpPr>
-        <p:cNvPr id="1" name="">
-          <a:extLst>
-            <a:ext uri="{FF2B5EF4-FFF2-40B4-BE49-F238E27FC236}">
-              <a16:creationId xmlns:a16="http://schemas.microsoft.com/office/drawing/2014/main" id="{D6717FE9-965C-44D6-9954-43467583EBB2}"/>
-            </a:ext>
-          </a:extLst>
-        </p:cNvPr>
-        <p:cNvGrpSpPr/>
-        <p:nvPr/>
-      </p:nvGrpSpPr>
-      <p:grpSpPr>
-        <a:xfrm>
-          <a:off x="0" y="0"/>
-          <a:ext cx="0" cy="0"/>
-          <a:chOff x="0" y="0"/>
-          <a:chExt cx="0" cy="0"/>
-        </a:xfrm>
-      </p:grpSpPr>
-      <p:sp>
-        <p:nvSpPr>
-          <p:cNvPr id="12" name="TextBox 11">
-            <a:extLst>
-              <a:ext uri="{FF2B5EF4-FFF2-40B4-BE49-F238E27FC236}">
-                <a16:creationId xmlns:a16="http://schemas.microsoft.com/office/drawing/2014/main" id="{4B6A811F-9990-0021-21D7-17D7C9789DA0}"/>
-              </a:ext>
-            </a:extLst>
-          </p:cNvPr>
-          <p:cNvSpPr txBox="1"/>
-          <p:nvPr/>
-        </p:nvSpPr>
-        <p:spPr>
-          <a:xfrm>
-            <a:off x="3332262" y="2972274"/>
-            <a:ext cx="5527475" cy="1200329"/>
-          </a:xfrm>
-          <a:prstGeom prst="rect">
-            <a:avLst/>
-          </a:prstGeom>
-          <a:noFill/>
-        </p:spPr>
-        <p:txBody>
-          <a:bodyPr wrap="none" rtlCol="0">
-            <a:spAutoFit/>
-          </a:bodyPr>
-          <a:lstStyle/>
-          <a:p>
-            <a:pPr algn="ctr"/>
-            <a:r>
-              <a:rPr lang="km-KH" sz="7200" dirty="0">
-                <a:solidFill>
-                  <a:srgbClr val="FFC000"/>
-                </a:solidFill>
-                <a:effectLst>
-                  <a:innerShdw blurRad="63500" dist="50800">
-                    <a:prstClr val="black">
-                      <a:alpha val="50000"/>
-                    </a:prstClr>
-                  </a:innerShdw>
-                </a:effectLst>
-                <a:latin typeface="Khmer OS Niroth" panose="02000506000000020004" pitchFamily="2" charset="0"/>
-                <a:ea typeface="Khmer-Pen​​Chantrea" panose="020B0706030804020204" pitchFamily="34" charset="0"/>
-                <a:cs typeface="Khmer OS Niroth" panose="02000506000000020004" pitchFamily="2" charset="0"/>
-              </a:rPr>
-              <a:t>ចម្រៀងសរសើរ</a:t>
-            </a:r>
-            <a:endParaRPr lang="en-GB" sz="7200" dirty="0">
-              <a:solidFill>
-                <a:srgbClr val="FFC000"/>
-              </a:solidFill>
-              <a:effectLst>
-                <a:innerShdw blurRad="63500" dist="50800">
-                  <a:prstClr val="black">
-                    <a:alpha val="50000"/>
-                  </a:prstClr>
-                </a:innerShdw>
-              </a:effectLst>
-              <a:latin typeface="Khmer OS Niroth" panose="02000506000000020004" pitchFamily="2" charset="0"/>
-              <a:ea typeface="Khmer-Pen​​Chantrea" panose="020B0706030804020204" pitchFamily="34" charset="0"/>
-              <a:cs typeface="Khmer OS Niroth" panose="02000506000000020004" pitchFamily="2" charset="0"/>
-            </a:endParaRPr>
-          </a:p>
-        </p:txBody>
-      </p:sp>
-      <p:sp>
-        <p:nvSpPr>
-          <p:cNvPr id="14" name="TextBox 13">
-            <a:extLst>
-              <a:ext uri="{FF2B5EF4-FFF2-40B4-BE49-F238E27FC236}">
-                <a16:creationId xmlns:a16="http://schemas.microsoft.com/office/drawing/2014/main" id="{8A83A433-2228-5685-249F-1BC00138A52A}"/>
-              </a:ext>
-            </a:extLst>
-          </p:cNvPr>
-          <p:cNvSpPr txBox="1"/>
-          <p:nvPr/>
-        </p:nvSpPr>
-        <p:spPr>
-          <a:xfrm>
-            <a:off x="10452503" y="143435"/>
-            <a:ext cx="1571263" cy="276999"/>
-          </a:xfrm>
-          <a:prstGeom prst="rect">
-            <a:avLst/>
-          </a:prstGeom>
-          <a:noFill/>
-        </p:spPr>
-        <p:txBody>
-          <a:bodyPr wrap="none" rtlCol="0">
-            <a:spAutoFit/>
-          </a:bodyPr>
-          <a:lstStyle/>
-          <a:p>
-            <a:pPr algn="r"/>
-            <a:fld id="{BF0D9E41-A79D-439E-B48A-1399D5B145B1}" type="datetime2">
-              <a:rPr lang="km-KH" sz="1200" smtClean="0">
-                <a:solidFill>
-                  <a:schemeClr val="bg1"/>
-                </a:solidFill>
-                <a:latin typeface="Krasar" panose="00000500000000000000" pitchFamily="2" charset="0"/>
-                <a:cs typeface="Krasar" panose="00000500000000000000" pitchFamily="2" charset="0"/>
-              </a:rPr>
-              <a:pPr algn="r"/>
-              <a:t>ថ្ងៃសៅរ៍ 22 មិនា 2025</a:t>
-            </a:fld>
-            <a:endParaRPr lang="en-GB" dirty="0">
-              <a:solidFill>
-                <a:schemeClr val="bg1"/>
-              </a:solidFill>
-              <a:latin typeface="Krasar" panose="00000500000000000000" pitchFamily="2" charset="0"/>
-              <a:cs typeface="Krasar" panose="00000500000000000000" pitchFamily="2" charset="0"/>
-            </a:endParaRPr>
-          </a:p>
-        </p:txBody>
-      </p:sp>
-      <p:sp>
-        <p:nvSpPr>
-          <p:cNvPr id="16" name="TextBox 15">
-            <a:extLst>
-              <a:ext uri="{FF2B5EF4-FFF2-40B4-BE49-F238E27FC236}">
-                <a16:creationId xmlns:a16="http://schemas.microsoft.com/office/drawing/2014/main" id="{0F9E51EF-54B2-31F5-241A-577DF82FE443}"/>
-              </a:ext>
-            </a:extLst>
-          </p:cNvPr>
-          <p:cNvSpPr txBox="1"/>
-          <p:nvPr/>
-        </p:nvSpPr>
-        <p:spPr>
-          <a:xfrm>
-            <a:off x="5000187" y="6468633"/>
-            <a:ext cx="2191626" cy="369332"/>
-          </a:xfrm>
-          <a:prstGeom prst="rect">
-            <a:avLst/>
-          </a:prstGeom>
-          <a:noFill/>
-        </p:spPr>
-        <p:txBody>
-          <a:bodyPr wrap="none" rtlCol="0">
-            <a:spAutoFit/>
-          </a:bodyPr>
-          <a:lstStyle/>
-          <a:p>
-            <a:r>
-              <a:rPr lang="km-KH" dirty="0">
-                <a:solidFill>
-                  <a:schemeClr val="bg1"/>
-                </a:solidFill>
-                <a:latin typeface="AKbalthom Moul 2" panose="02000500000000000000" pitchFamily="2" charset="0"/>
-                <a:cs typeface="AKbalthom Moul 2" panose="02000500000000000000" pitchFamily="2" charset="0"/>
-              </a:rPr>
-              <a:t>ព្រះវិហារ ស្មៀរណា</a:t>
-            </a:r>
-            <a:endParaRPr lang="en-GB" dirty="0">
-              <a:solidFill>
-                <a:schemeClr val="bg1"/>
-              </a:solidFill>
-              <a:latin typeface="AKbalthom Moul 2" panose="02000500000000000000" pitchFamily="2" charset="0"/>
-              <a:cs typeface="AKbalthom Moul 2" panose="02000500000000000000" pitchFamily="2" charset="0"/>
-            </a:endParaRPr>
-          </a:p>
-        </p:txBody>
-      </p:sp>
-    </p:spTree>
-    <p:extLst>
-      <p:ext uri="{BB962C8B-B14F-4D97-AF65-F5344CB8AC3E}">
-        <p14:creationId xmlns:p14="http://schemas.microsoft.com/office/powerpoint/2010/main" val="2173905409"/>
-      </p:ext>
-    </p:extLst>
-  </p:cSld>
-  <p:clrMapOvr>
-    <a:masterClrMapping/>
-  </p:clrMapOvr>
-  <mc:AlternateContent xmlns:mc="http://schemas.openxmlformats.org/markup-compatibility/2006" xmlns:p14="http://schemas.microsoft.com/office/powerpoint/2010/main">
-    <mc:Choice Requires="p14">
-      <p:transition spd="med" p14:dur="700">
-        <p:fade/>
-      </p:transition>
-    </mc:Choice>
-    <mc:Fallback xmlns="">
-      <p:transition spd="med">
-        <p:fade/>
-      </p:transition>
-    </mc:Fallback>
-  </mc:AlternateContent>
-</p:sld>
-</file>
-
-<file path=ppt/slides/slide30.xml><?xml version="1.0" encoding="utf-8"?>
+<file path=ppt/slides/slide25.xml><?xml version="1.0" encoding="utf-8"?>
 <p:sld xmlns:a="http://schemas.openxmlformats.org/drawingml/2006/main" xmlns:r="http://schemas.openxmlformats.org/officeDocument/2006/relationships" xmlns:p="http://schemas.openxmlformats.org/presentationml/2006/main">
   <p:cSld>
     <p:spTree>
@@ -16459,7 +16628,7 @@
                 <a:tabLst/>
                 <a:defRPr/>
               </a:pPr>
-              <a:t>ថ្ងៃសៅរ៍ 22 មិនា 2025</a:t>
+              <a:t>ថ្ងៃសុក្រ 28 មិនា 2025</a:t>
             </a:fld>
             <a:endParaRPr kumimoji="0" lang="en-GB" sz="1800" b="0" i="0" u="none" strike="noStrike" kern="1200" cap="none" spc="0" normalizeH="0" baseline="0" noProof="0" dirty="0">
               <a:ln>
@@ -16582,7 +16751,7 @@
 </p:sld>
 </file>
 
-<file path=ppt/slides/slide31.xml><?xml version="1.0" encoding="utf-8"?>
+<file path=ppt/slides/slide26.xml><?xml version="1.0" encoding="utf-8"?>
 <p:sld xmlns:a="http://schemas.openxmlformats.org/drawingml/2006/main" xmlns:r="http://schemas.openxmlformats.org/officeDocument/2006/relationships" xmlns:p="http://schemas.openxmlformats.org/presentationml/2006/main">
   <p:cSld>
     <p:spTree>
@@ -16773,7 +16942,7 @@
                 <a:tabLst/>
                 <a:defRPr/>
               </a:pPr>
-              <a:t>ថ្ងៃសៅរ៍ 22 មិនា 2025</a:t>
+              <a:t>ថ្ងៃសុក្រ 28 មិនា 2025</a:t>
             </a:fld>
             <a:endParaRPr kumimoji="0" lang="en-GB" sz="1800" b="0" i="0" u="none" strike="noStrike" kern="1200" cap="none" spc="0" normalizeH="0" baseline="0" noProof="0" dirty="0">
               <a:ln>
@@ -17439,7 +17608,7 @@
 </p:sld>
 </file>
 
-<file path=ppt/slides/slide32.xml><?xml version="1.0" encoding="utf-8"?>
+<file path=ppt/slides/slide27.xml><?xml version="1.0" encoding="utf-8"?>
 <p:sld xmlns:a="http://schemas.openxmlformats.org/drawingml/2006/main" xmlns:r="http://schemas.openxmlformats.org/officeDocument/2006/relationships" xmlns:p="http://schemas.openxmlformats.org/presentationml/2006/main">
   <p:cSld>
     <p:spTree>
@@ -17539,7 +17708,7 @@
                 <a:tabLst/>
                 <a:defRPr/>
               </a:pPr>
-              <a:t>ថ្ងៃសៅរ៍ 22 មិនា 2025</a:t>
+              <a:t>ថ្ងៃសុក្រ 28 មិនា 2025</a:t>
             </a:fld>
             <a:endParaRPr kumimoji="0" lang="en-GB" sz="1800" b="0" i="0" u="none" strike="noStrike" kern="1200" cap="none" spc="0" normalizeH="0" baseline="0" noProof="0" dirty="0">
               <a:ln>
@@ -17928,7 +18097,7 @@
 </p:sld>
 </file>
 
-<file path=ppt/slides/slide33.xml><?xml version="1.0" encoding="utf-8"?>
+<file path=ppt/slides/slide28.xml><?xml version="1.0" encoding="utf-8"?>
 <p:sld xmlns:a="http://schemas.openxmlformats.org/drawingml/2006/main" xmlns:r="http://schemas.openxmlformats.org/officeDocument/2006/relationships" xmlns:p="http://schemas.openxmlformats.org/presentationml/2006/main">
   <p:cSld>
     <p:spTree>
@@ -18119,7 +18288,7 @@
                 <a:tabLst/>
                 <a:defRPr/>
               </a:pPr>
-              <a:t>ថ្ងៃសៅរ៍ 22 មិនា 2025</a:t>
+              <a:t>ថ្ងៃសុក្រ 28 មិនា 2025</a:t>
             </a:fld>
             <a:endParaRPr kumimoji="0" lang="en-GB" sz="1800" b="0" i="0" u="none" strike="noStrike" kern="1200" cap="none" spc="0" normalizeH="0" baseline="0" noProof="0" dirty="0">
               <a:ln>
@@ -18694,7 +18863,7 @@
 </p:sld>
 </file>
 
-<file path=ppt/slides/slide34.xml><?xml version="1.0" encoding="utf-8"?>
+<file path=ppt/slides/slide29.xml><?xml version="1.0" encoding="utf-8"?>
 <p:sld xmlns:a="http://schemas.openxmlformats.org/drawingml/2006/main" xmlns:r="http://schemas.openxmlformats.org/officeDocument/2006/relationships" xmlns:p="http://schemas.openxmlformats.org/presentationml/2006/main">
   <p:cSld>
     <p:spTree>
@@ -18885,7 +19054,7 @@
                 <a:tabLst/>
                 <a:defRPr/>
               </a:pPr>
-              <a:t>ថ្ងៃសៅរ៍ 22 មិនា 2025</a:t>
+              <a:t>ថ្ងៃសុក្រ 28 មិនា 2025</a:t>
             </a:fld>
             <a:endParaRPr kumimoji="0" lang="en-GB" sz="1800" b="0" i="0" u="none" strike="noStrike" kern="1200" cap="none" spc="0" normalizeH="0" baseline="0" noProof="0" dirty="0">
               <a:ln>
@@ -19123,7 +19292,218 @@
 </p:sld>
 </file>
 
-<file path=ppt/slides/slide35.xml><?xml version="1.0" encoding="utf-8"?>
+<file path=ppt/slides/slide3.xml><?xml version="1.0" encoding="utf-8"?>
+<p:sld xmlns:a="http://schemas.openxmlformats.org/drawingml/2006/main" xmlns:r="http://schemas.openxmlformats.org/officeDocument/2006/relationships" xmlns:p="http://schemas.openxmlformats.org/presentationml/2006/main">
+  <p:cSld>
+    <p:spTree>
+      <p:nvGrpSpPr>
+        <p:cNvPr id="1" name="">
+          <a:extLst>
+            <a:ext uri="{FF2B5EF4-FFF2-40B4-BE49-F238E27FC236}">
+              <a16:creationId xmlns:a16="http://schemas.microsoft.com/office/drawing/2014/main" id="{D6717FE9-965C-44D6-9954-43467583EBB2}"/>
+            </a:ext>
+          </a:extLst>
+        </p:cNvPr>
+        <p:cNvGrpSpPr/>
+        <p:nvPr/>
+      </p:nvGrpSpPr>
+      <p:grpSpPr>
+        <a:xfrm>
+          <a:off x="0" y="0"/>
+          <a:ext cx="0" cy="0"/>
+          <a:chOff x="0" y="0"/>
+          <a:chExt cx="0" cy="0"/>
+        </a:xfrm>
+      </p:grpSpPr>
+      <p:sp>
+        <p:nvSpPr>
+          <p:cNvPr id="12" name="TextBox 11">
+            <a:extLst>
+              <a:ext uri="{FF2B5EF4-FFF2-40B4-BE49-F238E27FC236}">
+                <a16:creationId xmlns:a16="http://schemas.microsoft.com/office/drawing/2014/main" id="{4B6A811F-9990-0021-21D7-17D7C9789DA0}"/>
+              </a:ext>
+            </a:extLst>
+          </p:cNvPr>
+          <p:cNvSpPr txBox="1"/>
+          <p:nvPr/>
+        </p:nvSpPr>
+        <p:spPr>
+          <a:xfrm>
+            <a:off x="3332262" y="2972274"/>
+            <a:ext cx="5527475" cy="1200329"/>
+          </a:xfrm>
+          <a:prstGeom prst="rect">
+            <a:avLst/>
+          </a:prstGeom>
+          <a:noFill/>
+        </p:spPr>
+        <p:txBody>
+          <a:bodyPr wrap="none" rtlCol="0">
+            <a:spAutoFit/>
+          </a:bodyPr>
+          <a:lstStyle/>
+          <a:p>
+            <a:pPr algn="ctr"/>
+            <a:r>
+              <a:rPr lang="km-KH" sz="7200" dirty="0">
+                <a:solidFill>
+                  <a:srgbClr val="FFC000"/>
+                </a:solidFill>
+                <a:effectLst>
+                  <a:innerShdw blurRad="63500" dist="50800">
+                    <a:prstClr val="black">
+                      <a:alpha val="50000"/>
+                    </a:prstClr>
+                  </a:innerShdw>
+                </a:effectLst>
+                <a:latin typeface="Khmer OS Niroth" panose="02000506000000020004" pitchFamily="2" charset="0"/>
+                <a:ea typeface="Khmer-Pen​​Chantrea" panose="020B0706030804020204" pitchFamily="34" charset="0"/>
+                <a:cs typeface="Khmer OS Niroth" panose="02000506000000020004" pitchFamily="2" charset="0"/>
+              </a:rPr>
+              <a:t>ចម្រៀងសរសើរ</a:t>
+            </a:r>
+            <a:endParaRPr lang="en-GB" sz="7200" dirty="0">
+              <a:solidFill>
+                <a:srgbClr val="FFC000"/>
+              </a:solidFill>
+              <a:effectLst>
+                <a:innerShdw blurRad="63500" dist="50800">
+                  <a:prstClr val="black">
+                    <a:alpha val="50000"/>
+                  </a:prstClr>
+                </a:innerShdw>
+              </a:effectLst>
+              <a:latin typeface="Khmer OS Niroth" panose="02000506000000020004" pitchFamily="2" charset="0"/>
+              <a:ea typeface="Khmer-Pen​​Chantrea" panose="020B0706030804020204" pitchFamily="34" charset="0"/>
+              <a:cs typeface="Khmer OS Niroth" panose="02000506000000020004" pitchFamily="2" charset="0"/>
+            </a:endParaRPr>
+          </a:p>
+        </p:txBody>
+      </p:sp>
+      <p:sp>
+        <p:nvSpPr>
+          <p:cNvPr id="14" name="TextBox 13">
+            <a:extLst>
+              <a:ext uri="{FF2B5EF4-FFF2-40B4-BE49-F238E27FC236}">
+                <a16:creationId xmlns:a16="http://schemas.microsoft.com/office/drawing/2014/main" id="{8A83A433-2228-5685-249F-1BC00138A52A}"/>
+              </a:ext>
+            </a:extLst>
+          </p:cNvPr>
+          <p:cNvSpPr txBox="1"/>
+          <p:nvPr/>
+        </p:nvSpPr>
+        <p:spPr>
+          <a:xfrm>
+            <a:off x="10452503" y="143435"/>
+            <a:ext cx="1571263" cy="276999"/>
+          </a:xfrm>
+          <a:prstGeom prst="rect">
+            <a:avLst/>
+          </a:prstGeom>
+          <a:noFill/>
+        </p:spPr>
+        <p:txBody>
+          <a:bodyPr wrap="none" rtlCol="0">
+            <a:spAutoFit/>
+          </a:bodyPr>
+          <a:lstStyle/>
+          <a:p>
+            <a:pPr algn="r"/>
+            <a:fld id="{BF0D9E41-A79D-439E-B48A-1399D5B145B1}" type="datetime2">
+              <a:rPr lang="km-KH" sz="1200" smtClean="0">
+                <a:solidFill>
+                  <a:schemeClr val="bg1"/>
+                </a:solidFill>
+                <a:latin typeface="Krasar" panose="00000500000000000000" pitchFamily="2" charset="0"/>
+                <a:cs typeface="Krasar" panose="00000500000000000000" pitchFamily="2" charset="0"/>
+              </a:rPr>
+              <a:pPr algn="r"/>
+              <a:t>ថ្ងៃសុក្រ 28 មិនា 2025</a:t>
+            </a:fld>
+            <a:endParaRPr lang="en-GB" dirty="0">
+              <a:solidFill>
+                <a:schemeClr val="bg1"/>
+              </a:solidFill>
+              <a:latin typeface="Krasar" panose="00000500000000000000" pitchFamily="2" charset="0"/>
+              <a:cs typeface="Krasar" panose="00000500000000000000" pitchFamily="2" charset="0"/>
+            </a:endParaRPr>
+          </a:p>
+        </p:txBody>
+      </p:sp>
+      <p:sp>
+        <p:nvSpPr>
+          <p:cNvPr id="16" name="TextBox 15">
+            <a:extLst>
+              <a:ext uri="{FF2B5EF4-FFF2-40B4-BE49-F238E27FC236}">
+                <a16:creationId xmlns:a16="http://schemas.microsoft.com/office/drawing/2014/main" id="{0F9E51EF-54B2-31F5-241A-577DF82FE443}"/>
+              </a:ext>
+            </a:extLst>
+          </p:cNvPr>
+          <p:cNvSpPr txBox="1"/>
+          <p:nvPr/>
+        </p:nvSpPr>
+        <p:spPr>
+          <a:xfrm>
+            <a:off x="5000187" y="6468633"/>
+            <a:ext cx="2191626" cy="369332"/>
+          </a:xfrm>
+          <a:prstGeom prst="rect">
+            <a:avLst/>
+          </a:prstGeom>
+          <a:noFill/>
+        </p:spPr>
+        <p:txBody>
+          <a:bodyPr wrap="none" rtlCol="0">
+            <a:spAutoFit/>
+          </a:bodyPr>
+          <a:lstStyle/>
+          <a:p>
+            <a:r>
+              <a:rPr lang="km-KH" dirty="0">
+                <a:solidFill>
+                  <a:schemeClr val="bg1"/>
+                </a:solidFill>
+                <a:latin typeface="AKbalthom Moul 2" panose="02000500000000000000" pitchFamily="2" charset="0"/>
+                <a:cs typeface="AKbalthom Moul 2" panose="02000500000000000000" pitchFamily="2" charset="0"/>
+              </a:rPr>
+              <a:t>ព្រះវិហារ ស្មៀរណា</a:t>
+            </a:r>
+            <a:endParaRPr lang="en-GB" dirty="0">
+              <a:solidFill>
+                <a:schemeClr val="bg1"/>
+              </a:solidFill>
+              <a:latin typeface="AKbalthom Moul 2" panose="02000500000000000000" pitchFamily="2" charset="0"/>
+              <a:cs typeface="AKbalthom Moul 2" panose="02000500000000000000" pitchFamily="2" charset="0"/>
+            </a:endParaRPr>
+          </a:p>
+        </p:txBody>
+      </p:sp>
+    </p:spTree>
+    <p:extLst>
+      <p:ext uri="{BB962C8B-B14F-4D97-AF65-F5344CB8AC3E}">
+        <p14:creationId xmlns:p14="http://schemas.microsoft.com/office/powerpoint/2010/main" val="2173905409"/>
+      </p:ext>
+    </p:extLst>
+  </p:cSld>
+  <p:clrMapOvr>
+    <a:masterClrMapping/>
+  </p:clrMapOvr>
+  <mc:AlternateContent xmlns:mc="http://schemas.openxmlformats.org/markup-compatibility/2006" xmlns:p14="http://schemas.microsoft.com/office/powerpoint/2010/main">
+    <mc:Choice Requires="p14">
+      <p:transition spd="med" p14:dur="700">
+        <p:fade/>
+      </p:transition>
+    </mc:Choice>
+    <mc:Fallback xmlns="">
+      <p:transition spd="med">
+        <p:fade/>
+      </p:transition>
+    </mc:Fallback>
+  </mc:AlternateContent>
+</p:sld>
+</file>
+
+<file path=ppt/slides/slide30.xml><?xml version="1.0" encoding="utf-8"?>
 <p:sld xmlns:a="http://schemas.openxmlformats.org/drawingml/2006/main" xmlns:r="http://schemas.openxmlformats.org/officeDocument/2006/relationships" xmlns:p="http://schemas.openxmlformats.org/presentationml/2006/main">
   <p:cSld>
     <p:spTree>
@@ -19314,7 +19694,7 @@
                 <a:tabLst/>
                 <a:defRPr/>
               </a:pPr>
-              <a:t>ថ្ងៃសៅរ៍ 22 មិនា 2025</a:t>
+              <a:t>ថ្ងៃសុក្រ 28 មិនា 2025</a:t>
             </a:fld>
             <a:endParaRPr kumimoji="0" lang="en-GB" sz="1800" b="0" i="0" u="none" strike="noStrike" kern="1200" cap="none" spc="0" normalizeH="0" baseline="0" noProof="0" dirty="0">
               <a:ln>
@@ -19624,7 +20004,7 @@
 </p:sld>
 </file>
 
-<file path=ppt/slides/slide36.xml><?xml version="1.0" encoding="utf-8"?>
+<file path=ppt/slides/slide31.xml><?xml version="1.0" encoding="utf-8"?>
 <p:sld xmlns:a="http://schemas.openxmlformats.org/drawingml/2006/main" xmlns:r="http://schemas.openxmlformats.org/officeDocument/2006/relationships" xmlns:p="http://schemas.openxmlformats.org/presentationml/2006/main">
   <p:cSld>
     <p:spTree>
@@ -19815,7 +20195,7 @@
                 <a:tabLst/>
                 <a:defRPr/>
               </a:pPr>
-              <a:t>ថ្ងៃសៅរ៍ 22 មិនា 2025</a:t>
+              <a:t>ថ្ងៃសុក្រ 28 មិនា 2025</a:t>
             </a:fld>
             <a:endParaRPr kumimoji="0" lang="en-GB" sz="1800" b="0" i="0" u="none" strike="noStrike" kern="1200" cap="none" spc="0" normalizeH="0" baseline="0" noProof="0" dirty="0">
               <a:ln>
@@ -20091,7 +20471,7 @@
 </p:sld>
 </file>
 
-<file path=ppt/slides/slide37.xml><?xml version="1.0" encoding="utf-8"?>
+<file path=ppt/slides/slide32.xml><?xml version="1.0" encoding="utf-8"?>
 <p:sld xmlns:a="http://schemas.openxmlformats.org/drawingml/2006/main" xmlns:r="http://schemas.openxmlformats.org/officeDocument/2006/relationships" xmlns:p="http://schemas.openxmlformats.org/presentationml/2006/main">
   <p:cSld>
     <p:spTree>
@@ -20282,7 +20662,7 @@
                 <a:tabLst/>
                 <a:defRPr/>
               </a:pPr>
-              <a:t>ថ្ងៃសៅរ៍ 22 មិនា 2025</a:t>
+              <a:t>ថ្ងៃសុក្រ 28 មិនា 2025</a:t>
             </a:fld>
             <a:endParaRPr kumimoji="0" lang="en-GB" sz="1800" b="0" i="0" u="none" strike="noStrike" kern="1200" cap="none" spc="0" normalizeH="0" baseline="0" noProof="0" dirty="0">
               <a:ln>
@@ -20558,7 +20938,7 @@
 </p:sld>
 </file>
 
-<file path=ppt/slides/slide38.xml><?xml version="1.0" encoding="utf-8"?>
+<file path=ppt/slides/slide33.xml><?xml version="1.0" encoding="utf-8"?>
 <p:sld xmlns:a="http://schemas.openxmlformats.org/drawingml/2006/main" xmlns:r="http://schemas.openxmlformats.org/officeDocument/2006/relationships" xmlns:p="http://schemas.openxmlformats.org/presentationml/2006/main">
   <p:cSld>
     <p:spTree>
@@ -20749,7 +21129,7 @@
                 <a:tabLst/>
                 <a:defRPr/>
               </a:pPr>
-              <a:t>ថ្ងៃសៅរ៍ 22 មិនា 2025</a:t>
+              <a:t>ថ្ងៃសុក្រ 28 មិនា 2025</a:t>
             </a:fld>
             <a:endParaRPr kumimoji="0" lang="en-GB" sz="1800" b="0" i="0" u="none" strike="noStrike" kern="1200" cap="none" spc="0" normalizeH="0" baseline="0" noProof="0" dirty="0">
               <a:ln>
@@ -21025,7 +21405,7 @@
 </p:sld>
 </file>
 
-<file path=ppt/slides/slide39.xml><?xml version="1.0" encoding="utf-8"?>
+<file path=ppt/slides/slide34.xml><?xml version="1.0" encoding="utf-8"?>
 <p:sld xmlns:a="http://schemas.openxmlformats.org/drawingml/2006/main" xmlns:r="http://schemas.openxmlformats.org/officeDocument/2006/relationships" xmlns:p="http://schemas.openxmlformats.org/presentationml/2006/main">
   <p:cSld>
     <p:spTree>
@@ -21216,7 +21596,7 @@
                 <a:tabLst/>
                 <a:defRPr/>
               </a:pPr>
-              <a:t>ថ្ងៃសៅរ៍ 22 មិនា 2025</a:t>
+              <a:t>ថ្ងៃសុក្រ 28 មិនា 2025</a:t>
             </a:fld>
             <a:endParaRPr kumimoji="0" lang="en-GB" sz="1800" b="0" i="0" u="none" strike="noStrike" kern="1200" cap="none" spc="0" normalizeH="0" baseline="0" noProof="0" dirty="0">
               <a:ln>
@@ -21514,7 +21894,7 @@
           <p:cNvPr id="3" name="Title 1">
             <a:extLst>
               <a:ext uri="{FF2B5EF4-FFF2-40B4-BE49-F238E27FC236}">
-                <a16:creationId xmlns:a16="http://schemas.microsoft.com/office/drawing/2014/main" id="{DC169B7B-9A12-B0D0-4C1C-5D8EB99B3464}"/>
+                <a16:creationId xmlns:a16="http://schemas.microsoft.com/office/drawing/2014/main" id="{D4F8DD3D-967E-4BA9-CE61-43DE371ACF10}"/>
               </a:ext>
             </a:extLst>
           </p:cNvPr>
@@ -21525,19 +21905,19 @@
         </p:nvSpPr>
         <p:spPr>
           <a:xfrm>
-            <a:off x="152400" y="2845196"/>
-            <a:ext cx="12192000" cy="1472408"/>
+            <a:off x="0" y="324465"/>
+            <a:ext cx="12192000" cy="6209070"/>
           </a:xfrm>
           <a:prstGeom prst="rect">
             <a:avLst/>
           </a:prstGeom>
         </p:spPr>
         <p:txBody>
-          <a:bodyPr vert="horz" lIns="91440" tIns="45720" rIns="91440" bIns="45720" rtlCol="0" anchor="b">
-            <a:normAutofit/>
+          <a:bodyPr vert="horz" lIns="91440" tIns="45720" rIns="91440" bIns="45720" rtlCol="0" anchor="ctr">
+            <a:noAutofit/>
           </a:bodyPr>
           <a:lstStyle>
-            <a:lvl1pPr algn="ctr" defTabSz="914400" rtl="0" eaLnBrk="1" latinLnBrk="0" hangingPunct="1">
+            <a:lvl1pPr algn="l" defTabSz="914400" rtl="0" eaLnBrk="1" latinLnBrk="0" hangingPunct="1">
               <a:lnSpc>
                 <a:spcPct val="90000"/>
               </a:lnSpc>
@@ -21545,7 +21925,7 @@
                 <a:spcPct val="0"/>
               </a:spcBef>
               <a:buNone/>
-              <a:defRPr sz="6000" kern="1200">
+              <a:defRPr sz="4400" kern="1200">
                 <a:solidFill>
                   <a:schemeClr val="tx1"/>
                 </a:solidFill>
@@ -21556,22 +21936,53 @@
             </a:lvl1pPr>
           </a:lstStyle>
           <a:p>
-            <a:r>
-              <a:rPr lang="km-KH" sz="7200" dirty="0">
+            <a:pPr marL="0" marR="0" lvl="0" indent="0" algn="ctr" defTabSz="914400" rtl="0" eaLnBrk="1" fontAlgn="auto" latinLnBrk="0" hangingPunct="1">
+              <a:lnSpc>
+                <a:spcPct val="150000"/>
+              </a:lnSpc>
+              <a:spcBef>
+                <a:spcPct val="0"/>
+              </a:spcBef>
+              <a:spcAft>
+                <a:spcPts val="0"/>
+              </a:spcAft>
+              <a:buClrTx/>
+              <a:buSzTx/>
+              <a:buFontTx/>
+              <a:buNone/>
+              <a:tabLst/>
+              <a:defRPr/>
+            </a:pPr>
+            <a:r>
+              <a:rPr kumimoji="0" lang="km-KH" sz="6000" b="0" i="0" u="none" strike="noStrike" kern="1200" cap="none" spc="0" normalizeH="0" baseline="0" noProof="0" dirty="0">
+                <a:ln>
+                  <a:noFill/>
+                </a:ln>
                 <a:solidFill>
                   <a:srgbClr val="FFC000"/>
                 </a:solidFill>
-                <a:latin typeface="Khmer OS Niroth" panose="02000506000000020004" pitchFamily="2" charset="0"/>
-                <a:cs typeface="Khmer OS Niroth" panose="02000506000000020004" pitchFamily="2" charset="0"/>
+                <a:effectLst/>
+                <a:uLnTx/>
+                <a:uFillTx/>
+                <a:latin typeface="AKbalthom Moul 2" panose="02000500000000000000" pitchFamily="2" charset="0"/>
+                <a:ea typeface="+mj-ea"/>
+                <a:cs typeface="AKbalthom Moul 2" panose="02000500000000000000" pitchFamily="2" charset="0"/>
               </a:rPr>
-              <a:t>ព្រះអម្ចាស់ទ្រង់ធ្វើការ</a:t>
-            </a:r>
-            <a:endParaRPr lang="en-US" sz="7200" dirty="0">
+              <a:t>តើអ្នកណាជាម្ចាស់នៃខ្ញុំ</a:t>
+            </a:r>
+            <a:endParaRPr kumimoji="0" lang="km-KH" sz="6000" b="0" i="0" u="none" strike="noStrike" kern="1200" cap="none" spc="0" normalizeH="0" baseline="0" noProof="0" dirty="0">
+              <a:ln>
+                <a:noFill/>
+              </a:ln>
               <a:solidFill>
-                <a:srgbClr val="FFC000"/>
+                <a:prstClr val="white"/>
               </a:solidFill>
-              <a:latin typeface="Khmer OS Niroth" panose="02000506000000020004" pitchFamily="2" charset="0"/>
-              <a:cs typeface="Khmer OS Niroth" panose="02000506000000020004" pitchFamily="2" charset="0"/>
+              <a:effectLst/>
+              <a:uLnTx/>
+              <a:uFillTx/>
+              <a:latin typeface="Krasar" panose="00000500000000000000" pitchFamily="2" charset="0"/>
+              <a:ea typeface="Khmer-Pen​​Chantrea" panose="020B0706030804020204" pitchFamily="34" charset="0"/>
+              <a:cs typeface="Krasar" panose="00000500000000000000" pitchFamily="2" charset="0"/>
             </a:endParaRPr>
           </a:p>
         </p:txBody>
@@ -21586,6 +21997,18 @@
   <p:clrMapOvr>
     <a:masterClrMapping/>
   </p:clrMapOvr>
+  <mc:AlternateContent xmlns:mc="http://schemas.openxmlformats.org/markup-compatibility/2006">
+    <mc:Choice xmlns:p14="http://schemas.microsoft.com/office/powerpoint/2010/main" Requires="p14">
+      <p:transition spd="med" p14:dur="700">
+        <p:fade/>
+      </p:transition>
+    </mc:Choice>
+    <mc:Fallback>
+      <p:transition spd="med">
+        <p:fade/>
+      </p:transition>
+    </mc:Fallback>
+  </mc:AlternateContent>
 </p:sld>
 </file>
 
@@ -21608,10 +22031,10 @@
       </p:grpSpPr>
       <p:sp>
         <p:nvSpPr>
-          <p:cNvPr id="2" name="Title 1">
+          <p:cNvPr id="3" name="Title 1">
             <a:extLst>
               <a:ext uri="{FF2B5EF4-FFF2-40B4-BE49-F238E27FC236}">
-                <a16:creationId xmlns:a16="http://schemas.microsoft.com/office/drawing/2014/main" id="{AAD4C3C8-F3FD-ECEF-E5AC-0FA049DA2516}"/>
+                <a16:creationId xmlns:a16="http://schemas.microsoft.com/office/drawing/2014/main" id="{6D24287B-237B-3DC7-1DC9-4C930F11588A}"/>
               </a:ext>
             </a:extLst>
           </p:cNvPr>
@@ -21653,57 +22076,147 @@
             </a:lvl1pPr>
           </a:lstStyle>
           <a:p>
-            <a:pPr lvl="0" algn="ctr">
+            <a:pPr marL="0" marR="0" lvl="0" indent="0" algn="ctr" defTabSz="914400" rtl="0" eaLnBrk="1" fontAlgn="auto" latinLnBrk="0" hangingPunct="1">
               <a:lnSpc>
                 <a:spcPct val="150000"/>
               </a:lnSpc>
+              <a:spcBef>
+                <a:spcPct val="0"/>
+              </a:spcBef>
+              <a:spcAft>
+                <a:spcPts val="0"/>
+              </a:spcAft>
+              <a:buClrTx/>
+              <a:buSzTx/>
+              <a:buFontTx/>
+              <a:buNone/>
+              <a:tabLst/>
               <a:defRPr/>
             </a:pPr>
             <a:r>
-              <a:rPr lang="km-KH" dirty="0">
+              <a:rPr kumimoji="0" lang="km-KH" sz="4400" b="0" i="0" u="none" strike="noStrike" kern="1200" cap="none" spc="0" normalizeH="0" baseline="0" noProof="0" dirty="0">
+                <a:ln>
+                  <a:noFill/>
+                </a:ln>
                 <a:solidFill>
                   <a:prstClr val="white"/>
                 </a:solidFill>
+                <a:effectLst/>
+                <a:uLnTx/>
+                <a:uFillTx/>
                 <a:latin typeface="Krasar" panose="00000500000000000000" pitchFamily="2" charset="0"/>
+                <a:ea typeface="+mj-ea"/>
                 <a:cs typeface="Krasar" panose="00000500000000000000" pitchFamily="2" charset="0"/>
               </a:rPr>
-              <a:t>ពេលព្រះអាទិត្យរះហើយលិច</a:t>
-            </a:r>
-          </a:p>
-          <a:p>
-            <a:pPr lvl="0" algn="ctr">
+              <a:t>តើអ្នកណាជាម្ចាស់ទន្លេ? </a:t>
+            </a:r>
+          </a:p>
+          <a:p>
+            <a:pPr marL="0" marR="0" lvl="0" indent="0" algn="ctr" defTabSz="914400" rtl="0" eaLnBrk="1" fontAlgn="auto" latinLnBrk="0" hangingPunct="1">
               <a:lnSpc>
                 <a:spcPct val="150000"/>
               </a:lnSpc>
+              <a:spcBef>
+                <a:spcPct val="0"/>
+              </a:spcBef>
+              <a:spcAft>
+                <a:spcPts val="0"/>
+              </a:spcAft>
+              <a:buClrTx/>
+              <a:buSzTx/>
+              <a:buFontTx/>
+              <a:buNone/>
+              <a:tabLst/>
               <a:defRPr/>
             </a:pPr>
             <a:r>
-              <a:rPr lang="km-KH" dirty="0">
+              <a:rPr kumimoji="0" lang="km-KH" sz="4400" b="0" i="0" u="none" strike="noStrike" kern="1200" cap="none" spc="0" normalizeH="0" baseline="0" noProof="0" dirty="0">
+                <a:ln>
+                  <a:noFill/>
+                </a:ln>
                 <a:solidFill>
                   <a:prstClr val="white"/>
                 </a:solidFill>
+                <a:effectLst/>
+                <a:uLnTx/>
+                <a:uFillTx/>
                 <a:latin typeface="Krasar" panose="00000500000000000000" pitchFamily="2" charset="0"/>
+                <a:ea typeface="+mj-ea"/>
                 <a:cs typeface="Krasar" panose="00000500000000000000" pitchFamily="2" charset="0"/>
               </a:rPr>
-              <a:t>ពេលដែលខ្ញុំដើរក្នុងទីស្ងាត់</a:t>
-            </a:r>
-          </a:p>
-          <a:p>
-            <a:pPr lvl="0" algn="ctr">
+              <a:t>តើអ្នកណាជាម្ចាស់ព្រៃធំ? </a:t>
+            </a:r>
+          </a:p>
+          <a:p>
+            <a:pPr marL="0" marR="0" lvl="0" indent="0" algn="ctr" defTabSz="914400" rtl="0" eaLnBrk="1" fontAlgn="auto" latinLnBrk="0" hangingPunct="1">
               <a:lnSpc>
                 <a:spcPct val="150000"/>
               </a:lnSpc>
+              <a:spcBef>
+                <a:spcPct val="0"/>
+              </a:spcBef>
+              <a:spcAft>
+                <a:spcPts val="0"/>
+              </a:spcAft>
+              <a:buClrTx/>
+              <a:buSzTx/>
+              <a:buFontTx/>
+              <a:buNone/>
+              <a:tabLst/>
               <a:defRPr/>
             </a:pPr>
             <a:r>
-              <a:rPr lang="km-KH" dirty="0">
+              <a:rPr kumimoji="0" lang="km-KH" sz="4400" b="0" i="0" u="none" strike="noStrike" kern="1200" cap="none" spc="0" normalizeH="0" baseline="0" noProof="0" dirty="0">
+                <a:ln>
+                  <a:noFill/>
+                </a:ln>
                 <a:solidFill>
                   <a:prstClr val="white"/>
                 </a:solidFill>
+                <a:effectLst/>
+                <a:uLnTx/>
+                <a:uFillTx/>
                 <a:latin typeface="Krasar" panose="00000500000000000000" pitchFamily="2" charset="0"/>
+                <a:ea typeface="+mj-ea"/>
                 <a:cs typeface="Krasar" panose="00000500000000000000" pitchFamily="2" charset="0"/>
               </a:rPr>
-              <a:t>ពេលនោះហើយ ជាវេលា នៃព្រះ</a:t>
+              <a:t>តើអ្នកណាជាម្ចាស់លោកធាតុទាំងមូល? </a:t>
+            </a:r>
+          </a:p>
+          <a:p>
+            <a:pPr marL="0" marR="0" lvl="0" indent="0" algn="ctr" defTabSz="914400" rtl="0" eaLnBrk="1" fontAlgn="auto" latinLnBrk="0" hangingPunct="1">
+              <a:lnSpc>
+                <a:spcPct val="150000"/>
+              </a:lnSpc>
+              <a:spcBef>
+                <a:spcPct val="0"/>
+              </a:spcBef>
+              <a:spcAft>
+                <a:spcPts val="0"/>
+              </a:spcAft>
+              <a:buClrTx/>
+              <a:buSzTx/>
+              <a:buFontTx/>
+              <a:buNone/>
+              <a:tabLst/>
+              <a:defRPr/>
+            </a:pPr>
+            <a:r>
+              <a:rPr kumimoji="0" lang="km-KH" sz="4400" b="0" i="0" u="none" strike="noStrike" kern="1200" cap="none" spc="0" normalizeH="0" baseline="0" noProof="0" dirty="0">
+                <a:ln>
+                  <a:noFill/>
+                </a:ln>
+                <a:solidFill>
+                  <a:prstClr val="white"/>
+                </a:solidFill>
+                <a:effectLst/>
+                <a:uLnTx/>
+                <a:uFillTx/>
+                <a:latin typeface="Krasar" panose="00000500000000000000" pitchFamily="2" charset="0"/>
+                <a:ea typeface="+mj-ea"/>
+                <a:cs typeface="Krasar" panose="00000500000000000000" pitchFamily="2" charset="0"/>
+              </a:rPr>
+              <a:t>តើអ្នកណាជាម្ចាស់នៃខ្ញុំ?</a:t>
             </a:r>
           </a:p>
         </p:txBody>
@@ -21734,17 +22247,73 @@
           <a:bodyPr/>
           <a:lstStyle/>
           <a:p>
-            <a:pPr algn="ctr"/>
+            <a:pPr marL="0" marR="0" lvl="0" indent="0" algn="ctr" defTabSz="457200" rtl="0" eaLnBrk="1" fontAlgn="auto" latinLnBrk="0" hangingPunct="1">
+              <a:lnSpc>
+                <a:spcPct val="100000"/>
+              </a:lnSpc>
+              <a:spcBef>
+                <a:spcPts val="0"/>
+              </a:spcBef>
+              <a:spcAft>
+                <a:spcPts val="0"/>
+              </a:spcAft>
+              <a:buClrTx/>
+              <a:buSzTx/>
+              <a:buFontTx/>
+              <a:buNone/>
+              <a:tabLst/>
+              <a:defRPr/>
+            </a:pPr>
             <a:fld id="{EA2BFC65-DA16-48C2-8A07-8A08C95D7600}" type="datetime2">
-              <a:rPr lang="km-KH" sz="1400" smtClean="0">
+              <a:rPr kumimoji="0" lang="km-KH" sz="1400" b="0" i="0" u="none" strike="noStrike" kern="1200" cap="none" spc="0" normalizeH="0" baseline="0" noProof="0" smtClean="0">
+                <a:ln>
+                  <a:noFill/>
+                </a:ln>
+                <a:solidFill>
+                  <a:prstClr val="white">
+                    <a:tint val="75000"/>
+                  </a:prstClr>
+                </a:solidFill>
+                <a:effectLst/>
+                <a:uLnTx/>
+                <a:uFillTx/>
                 <a:latin typeface="Krasar" panose="00000500000000000000" pitchFamily="2" charset="0"/>
+                <a:ea typeface="+mn-ea"/>
                 <a:cs typeface="Krasar" panose="00000500000000000000" pitchFamily="2" charset="0"/>
               </a:rPr>
-              <a:pPr algn="ctr"/>
-              <a:t>ថ្ងៃសៅរ៍ 22 មិនា 2025</a:t>
+              <a:pPr marL="0" marR="0" lvl="0" indent="0" algn="ctr" defTabSz="457200" rtl="0" eaLnBrk="1" fontAlgn="auto" latinLnBrk="0" hangingPunct="1">
+                <a:lnSpc>
+                  <a:spcPct val="100000"/>
+                </a:lnSpc>
+                <a:spcBef>
+                  <a:spcPts val="0"/>
+                </a:spcBef>
+                <a:spcAft>
+                  <a:spcPts val="0"/>
+                </a:spcAft>
+                <a:buClrTx/>
+                <a:buSzTx/>
+                <a:buFontTx/>
+                <a:buNone/>
+                <a:tabLst/>
+                <a:defRPr/>
+              </a:pPr>
+              <a:t>ថ្ងៃសុក្រ 28 មិនា 2025</a:t>
             </a:fld>
-            <a:endParaRPr lang="en-US" dirty="0">
+            <a:endParaRPr kumimoji="0" lang="en-US" sz="1200" b="0" i="0" u="none" strike="noStrike" kern="1200" cap="none" spc="0" normalizeH="0" baseline="0" noProof="0" dirty="0">
+              <a:ln>
+                <a:noFill/>
+              </a:ln>
+              <a:solidFill>
+                <a:prstClr val="white">
+                  <a:tint val="75000"/>
+                </a:prstClr>
+              </a:solidFill>
+              <a:effectLst/>
+              <a:uLnTx/>
+              <a:uFillTx/>
               <a:latin typeface="Krasar" panose="00000500000000000000" pitchFamily="2" charset="0"/>
+              <a:ea typeface="+mn-ea"/>
               <a:cs typeface="Krasar" panose="00000500000000000000" pitchFamily="2" charset="0"/>
             </a:endParaRPr>
           </a:p>
@@ -21776,21 +22345,52 @@
           <a:bodyPr/>
           <a:lstStyle/>
           <a:p>
-            <a:r>
-              <a:rPr lang="km-KH" sz="1600" dirty="0">
+            <a:pPr marL="0" marR="0" lvl="0" indent="0" algn="ctr" defTabSz="457200" rtl="0" eaLnBrk="1" fontAlgn="auto" latinLnBrk="0" hangingPunct="1">
+              <a:lnSpc>
+                <a:spcPct val="100000"/>
+              </a:lnSpc>
+              <a:spcBef>
+                <a:spcPts val="0"/>
+              </a:spcBef>
+              <a:spcAft>
+                <a:spcPts val="0"/>
+              </a:spcAft>
+              <a:buClrTx/>
+              <a:buSzTx/>
+              <a:buFontTx/>
+              <a:buNone/>
+              <a:tabLst/>
+              <a:defRPr/>
+            </a:pPr>
+            <a:r>
+              <a:rPr kumimoji="0" lang="km-KH" sz="1600" b="0" i="0" u="none" strike="noStrike" kern="1200" cap="none" spc="0" normalizeH="0" baseline="0" noProof="0" dirty="0">
+                <a:ln>
+                  <a:noFill/>
+                </a:ln>
                 <a:solidFill>
                   <a:srgbClr val="FFC000"/>
                 </a:solidFill>
+                <a:effectLst/>
+                <a:uLnTx/>
+                <a:uFillTx/>
                 <a:latin typeface="AKbalthom Moul 2" panose="02000500000000000000" pitchFamily="2" charset="0"/>
+                <a:ea typeface="+mn-ea"/>
                 <a:cs typeface="AKbalthom Moul 2" panose="02000500000000000000" pitchFamily="2" charset="0"/>
               </a:rPr>
               <a:t>សូមថ្វាយសិរីល្អដល់ព្រះ</a:t>
             </a:r>
-            <a:endParaRPr lang="en-US" sz="1600" dirty="0">
+            <a:endParaRPr kumimoji="0" lang="en-US" sz="1600" b="0" i="0" u="none" strike="noStrike" kern="1200" cap="none" spc="0" normalizeH="0" baseline="0" noProof="0" dirty="0">
+              <a:ln>
+                <a:noFill/>
+              </a:ln>
               <a:solidFill>
                 <a:srgbClr val="FFC000"/>
               </a:solidFill>
+              <a:effectLst/>
+              <a:uLnTx/>
+              <a:uFillTx/>
               <a:latin typeface="AKbalthom Moul 2" panose="02000500000000000000" pitchFamily="2" charset="0"/>
+              <a:ea typeface="+mn-ea"/>
               <a:cs typeface="AKbalthom Moul 2" panose="02000500000000000000" pitchFamily="2" charset="0"/>
             </a:endParaRPr>
           </a:p>
@@ -21826,7 +22426,13 @@
   <p:cSld>
     <p:spTree>
       <p:nvGrpSpPr>
-        <p:cNvPr id="1" name=""/>
+        <p:cNvPr id="1" name="">
+          <a:extLst>
+            <a:ext uri="{FF2B5EF4-FFF2-40B4-BE49-F238E27FC236}">
+              <a16:creationId xmlns:a16="http://schemas.microsoft.com/office/drawing/2014/main" id="{7EAADCFD-54E5-9DA7-CA36-5656EC34CC37}"/>
+            </a:ext>
+          </a:extLst>
+        </p:cNvPr>
         <p:cNvGrpSpPr/>
         <p:nvPr/>
       </p:nvGrpSpPr>
@@ -21840,98 +22446,10 @@
       </p:grpSpPr>
       <p:sp>
         <p:nvSpPr>
-          <p:cNvPr id="5" name="Date Placeholder 6">
+          <p:cNvPr id="3" name="Title 1">
             <a:extLst>
               <a:ext uri="{FF2B5EF4-FFF2-40B4-BE49-F238E27FC236}">
-                <a16:creationId xmlns:a16="http://schemas.microsoft.com/office/drawing/2014/main" id="{968F81BA-D120-487F-86D3-F8C7B941BFF3}"/>
-              </a:ext>
-            </a:extLst>
-          </p:cNvPr>
-          <p:cNvSpPr>
-            <a:spLocks noGrp="1"/>
-          </p:cNvSpPr>
-          <p:nvPr>
-            <p:ph type="dt" sz="half" idx="10"/>
-          </p:nvPr>
-        </p:nvSpPr>
-        <p:spPr>
-          <a:xfrm>
-            <a:off x="4724400" y="6499371"/>
-            <a:ext cx="2743200" cy="365125"/>
-          </a:xfrm>
-        </p:spPr>
-        <p:txBody>
-          <a:bodyPr/>
-          <a:lstStyle/>
-          <a:p>
-            <a:pPr algn="ctr"/>
-            <a:fld id="{EA2BFC65-DA16-48C2-8A07-8A08C95D7600}" type="datetime2">
-              <a:rPr lang="km-KH" sz="1400" smtClean="0">
-                <a:latin typeface="Krasar" panose="00000500000000000000" pitchFamily="2" charset="0"/>
-                <a:cs typeface="Krasar" panose="00000500000000000000" pitchFamily="2" charset="0"/>
-              </a:rPr>
-              <a:pPr algn="ctr"/>
-              <a:t>ថ្ងៃសៅរ៍ 22 មិនា 2025</a:t>
-            </a:fld>
-            <a:endParaRPr lang="en-US" dirty="0">
-              <a:latin typeface="Krasar" panose="00000500000000000000" pitchFamily="2" charset="0"/>
-              <a:cs typeface="Krasar" panose="00000500000000000000" pitchFamily="2" charset="0"/>
-            </a:endParaRPr>
-          </a:p>
-        </p:txBody>
-      </p:sp>
-      <p:sp>
-        <p:nvSpPr>
-          <p:cNvPr id="6" name="Footer Placeholder 7">
-            <a:extLst>
-              <a:ext uri="{FF2B5EF4-FFF2-40B4-BE49-F238E27FC236}">
-                <a16:creationId xmlns:a16="http://schemas.microsoft.com/office/drawing/2014/main" id="{597A226A-BFCD-46DB-B224-45E1E4AE94DB}"/>
-              </a:ext>
-            </a:extLst>
-          </p:cNvPr>
-          <p:cNvSpPr>
-            <a:spLocks noGrp="1"/>
-          </p:cNvSpPr>
-          <p:nvPr>
-            <p:ph type="ftr" sz="quarter" idx="11"/>
-          </p:nvPr>
-        </p:nvSpPr>
-        <p:spPr>
-          <a:xfrm>
-            <a:off x="4038600" y="0"/>
-            <a:ext cx="4114800" cy="365125"/>
-          </a:xfrm>
-        </p:spPr>
-        <p:txBody>
-          <a:bodyPr/>
-          <a:lstStyle/>
-          <a:p>
-            <a:r>
-              <a:rPr lang="km-KH" sz="1600" dirty="0">
-                <a:solidFill>
-                  <a:srgbClr val="FFC000"/>
-                </a:solidFill>
-                <a:latin typeface="AKbalthom Moul 2" panose="02000500000000000000" pitchFamily="2" charset="0"/>
-                <a:cs typeface="AKbalthom Moul 2" panose="02000500000000000000" pitchFamily="2" charset="0"/>
-              </a:rPr>
-              <a:t>សូមថ្វាយសិរីល្អដល់ព្រះ</a:t>
-            </a:r>
-            <a:endParaRPr lang="en-US" sz="1600" dirty="0">
-              <a:solidFill>
-                <a:srgbClr val="FFC000"/>
-              </a:solidFill>
-              <a:latin typeface="AKbalthom Moul 2" panose="02000500000000000000" pitchFamily="2" charset="0"/>
-              <a:cs typeface="AKbalthom Moul 2" panose="02000500000000000000" pitchFamily="2" charset="0"/>
-            </a:endParaRPr>
-          </a:p>
-        </p:txBody>
-      </p:sp>
-      <p:sp>
-        <p:nvSpPr>
-          <p:cNvPr id="2" name="Title 1">
-            <a:extLst>
-              <a:ext uri="{FF2B5EF4-FFF2-40B4-BE49-F238E27FC236}">
-                <a16:creationId xmlns:a16="http://schemas.microsoft.com/office/drawing/2014/main" id="{C68F6950-D178-AFA9-69EC-99C61C142FDE}"/>
+                <a16:creationId xmlns:a16="http://schemas.microsoft.com/office/drawing/2014/main" id="{F078E3EF-C834-A43F-FBBE-4907E76488AE}"/>
               </a:ext>
             </a:extLst>
           </p:cNvPr>
@@ -21973,53 +22491,357 @@
             </a:lvl1pPr>
           </a:lstStyle>
           <a:p>
-            <a:pPr algn="ctr">
+            <a:pPr marL="0" marR="0" lvl="0" indent="0" algn="ctr" defTabSz="914400" rtl="0" eaLnBrk="1" fontAlgn="auto" latinLnBrk="0" hangingPunct="1">
               <a:lnSpc>
                 <a:spcPct val="150000"/>
               </a:lnSpc>
+              <a:spcBef>
+                <a:spcPct val="0"/>
+              </a:spcBef>
+              <a:spcAft>
+                <a:spcPts val="0"/>
+              </a:spcAft>
+              <a:buClrTx/>
+              <a:buSzTx/>
+              <a:buFontTx/>
+              <a:buNone/>
+              <a:tabLst/>
+              <a:defRPr/>
             </a:pPr>
             <a:r>
-              <a:rPr lang="km-KH" sz="4400" dirty="0">
+              <a:rPr kumimoji="0" lang="km-KH" sz="4400" b="0" i="0" u="none" strike="noStrike" kern="1200" cap="none" spc="0" normalizeH="0" baseline="0" noProof="0" dirty="0">
+                <a:ln>
+                  <a:noFill/>
+                </a:ln>
+                <a:solidFill>
+                  <a:prstClr val="white"/>
+                </a:solidFill>
+                <a:effectLst/>
+                <a:uLnTx/>
+                <a:uFillTx/>
+                <a:latin typeface="Krasar" panose="00000500000000000000" pitchFamily="2" charset="0"/>
+                <a:ea typeface="+mj-ea"/>
+                <a:cs typeface="Krasar" panose="00000500000000000000" pitchFamily="2" charset="0"/>
+              </a:rPr>
+              <a:t>ព្រះយេស៊ូ</a:t>
+            </a:r>
+            <a:r>
+              <a:rPr lang="km-KH" dirty="0">
+                <a:solidFill>
+                  <a:prstClr val="white"/>
+                </a:solidFill>
                 <a:latin typeface="Krasar" panose="00000500000000000000" pitchFamily="2" charset="0"/>
                 <a:cs typeface="Krasar" panose="00000500000000000000" pitchFamily="2" charset="0"/>
               </a:rPr>
-              <a:t>នៅពេលដែលខ្ញុំគ្មានកម្លាំង</a:t>
-            </a:r>
-          </a:p>
-          <a:p>
-            <a:pPr algn="ctr">
+              <a:t>វ</a:t>
+            </a:r>
+            <a:r>
+              <a:rPr kumimoji="0" lang="km-KH" sz="4400" b="0" i="0" u="none" strike="noStrike" kern="1200" cap="none" spc="0" normalizeH="0" baseline="0" noProof="0" dirty="0">
+                <a:ln>
+                  <a:noFill/>
+                </a:ln>
+                <a:solidFill>
+                  <a:prstClr val="white"/>
+                </a:solidFill>
+                <a:effectLst/>
+                <a:uLnTx/>
+                <a:uFillTx/>
+                <a:latin typeface="Krasar" panose="00000500000000000000" pitchFamily="2" charset="0"/>
+                <a:ea typeface="+mj-ea"/>
+                <a:cs typeface="Krasar" panose="00000500000000000000" pitchFamily="2" charset="0"/>
+              </a:rPr>
+              <a:t>ជាម្ចាស់ទន្លេ </a:t>
+            </a:r>
+          </a:p>
+          <a:p>
+            <a:pPr marL="0" marR="0" lvl="0" indent="0" algn="ctr" defTabSz="914400" rtl="0" eaLnBrk="1" fontAlgn="auto" latinLnBrk="0" hangingPunct="1">
               <a:lnSpc>
                 <a:spcPct val="150000"/>
               </a:lnSpc>
+              <a:spcBef>
+                <a:spcPct val="0"/>
+              </a:spcBef>
+              <a:spcAft>
+                <a:spcPts val="0"/>
+              </a:spcAft>
+              <a:buClrTx/>
+              <a:buSzTx/>
+              <a:buFontTx/>
+              <a:buNone/>
+              <a:tabLst/>
+              <a:defRPr/>
             </a:pPr>
             <a:r>
-              <a:rPr lang="km-KH" sz="4400" dirty="0">
+              <a:rPr kumimoji="0" lang="km-KH" sz="4400" b="0" i="0" u="none" strike="noStrike" kern="1200" cap="none" spc="0" normalizeH="0" baseline="0" noProof="0" dirty="0">
+                <a:ln>
+                  <a:noFill/>
+                </a:ln>
+                <a:solidFill>
+                  <a:prstClr val="white"/>
+                </a:solidFill>
+                <a:effectLst/>
+                <a:uLnTx/>
+                <a:uFillTx/>
                 <a:latin typeface="Krasar" panose="00000500000000000000" pitchFamily="2" charset="0"/>
+                <a:ea typeface="+mj-ea"/>
                 <a:cs typeface="Krasar" panose="00000500000000000000" pitchFamily="2" charset="0"/>
               </a:rPr>
-              <a:t>ពេលដែលខ្ញុំមិនមានអ្វីសោះ</a:t>
-            </a:r>
-          </a:p>
-          <a:p>
-            <a:pPr algn="ctr">
+              <a:t>ព្រះយេស៊ូវជាម្ចាស់ព្រៃធំ </a:t>
+            </a:r>
+          </a:p>
+          <a:p>
+            <a:pPr marL="0" marR="0" lvl="0" indent="0" algn="ctr" defTabSz="914400" rtl="0" eaLnBrk="1" fontAlgn="auto" latinLnBrk="0" hangingPunct="1">
               <a:lnSpc>
                 <a:spcPct val="150000"/>
               </a:lnSpc>
+              <a:spcBef>
+                <a:spcPct val="0"/>
+              </a:spcBef>
+              <a:spcAft>
+                <a:spcPts val="0"/>
+              </a:spcAft>
+              <a:buClrTx/>
+              <a:buSzTx/>
+              <a:buFontTx/>
+              <a:buNone/>
+              <a:tabLst/>
+              <a:defRPr/>
             </a:pPr>
             <a:r>
-              <a:rPr lang="km-KH" sz="4400" dirty="0">
+              <a:rPr kumimoji="0" lang="km-KH" sz="4400" b="0" i="0" u="none" strike="noStrike" kern="1200" cap="none" spc="0" normalizeH="0" baseline="0" noProof="0" dirty="0">
+                <a:ln>
+                  <a:noFill/>
+                </a:ln>
+                <a:solidFill>
+                  <a:prstClr val="white"/>
+                </a:solidFill>
+                <a:effectLst/>
+                <a:uLnTx/>
+                <a:uFillTx/>
                 <a:latin typeface="Krasar" panose="00000500000000000000" pitchFamily="2" charset="0"/>
+                <a:ea typeface="+mj-ea"/>
                 <a:cs typeface="Krasar" panose="00000500000000000000" pitchFamily="2" charset="0"/>
               </a:rPr>
-              <a:t>នោះខ្ញុំសារភាពថា យេហូវ៉ា យីរេ</a:t>
-            </a:r>
+              <a:t>ព្រះយេស៊ូវជាម្ចាស់លោកធាតុទាំងមូល </a:t>
+            </a:r>
+          </a:p>
+          <a:p>
+            <a:pPr marL="0" marR="0" lvl="0" indent="0" algn="ctr" defTabSz="914400" rtl="0" eaLnBrk="1" fontAlgn="auto" latinLnBrk="0" hangingPunct="1">
+              <a:lnSpc>
+                <a:spcPct val="150000"/>
+              </a:lnSpc>
+              <a:spcBef>
+                <a:spcPct val="0"/>
+              </a:spcBef>
+              <a:spcAft>
+                <a:spcPts val="0"/>
+              </a:spcAft>
+              <a:buClrTx/>
+              <a:buSzTx/>
+              <a:buFontTx/>
+              <a:buNone/>
+              <a:tabLst/>
+              <a:defRPr/>
+            </a:pPr>
+            <a:r>
+              <a:rPr kumimoji="0" lang="km-KH" sz="4400" b="0" i="0" u="none" strike="noStrike" kern="1200" cap="none" spc="0" normalizeH="0" baseline="0" noProof="0" dirty="0">
+                <a:ln>
+                  <a:noFill/>
+                </a:ln>
+                <a:solidFill>
+                  <a:prstClr val="white"/>
+                </a:solidFill>
+                <a:effectLst/>
+                <a:uLnTx/>
+                <a:uFillTx/>
+                <a:latin typeface="Krasar" panose="00000500000000000000" pitchFamily="2" charset="0"/>
+                <a:ea typeface="+mj-ea"/>
+                <a:cs typeface="Krasar" panose="00000500000000000000" pitchFamily="2" charset="0"/>
+              </a:rPr>
+              <a:t>ព្រះយេស៊ូវជាម្ចាស់នៃខ្ញុំ</a:t>
+            </a:r>
+          </a:p>
+        </p:txBody>
+      </p:sp>
+      <p:sp>
+        <p:nvSpPr>
+          <p:cNvPr id="5" name="Date Placeholder 6">
+            <a:extLst>
+              <a:ext uri="{FF2B5EF4-FFF2-40B4-BE49-F238E27FC236}">
+                <a16:creationId xmlns:a16="http://schemas.microsoft.com/office/drawing/2014/main" id="{04D03D56-4123-7783-247C-855414E83612}"/>
+              </a:ext>
+            </a:extLst>
+          </p:cNvPr>
+          <p:cNvSpPr>
+            <a:spLocks noGrp="1"/>
+          </p:cNvSpPr>
+          <p:nvPr>
+            <p:ph type="dt" sz="half" idx="10"/>
+          </p:nvPr>
+        </p:nvSpPr>
+        <p:spPr>
+          <a:xfrm>
+            <a:off x="4724400" y="6499371"/>
+            <a:ext cx="2743200" cy="365125"/>
+          </a:xfrm>
+        </p:spPr>
+        <p:txBody>
+          <a:bodyPr/>
+          <a:lstStyle/>
+          <a:p>
+            <a:pPr marL="0" marR="0" lvl="0" indent="0" algn="ctr" defTabSz="457200" rtl="0" eaLnBrk="1" fontAlgn="auto" latinLnBrk="0" hangingPunct="1">
+              <a:lnSpc>
+                <a:spcPct val="100000"/>
+              </a:lnSpc>
+              <a:spcBef>
+                <a:spcPts val="0"/>
+              </a:spcBef>
+              <a:spcAft>
+                <a:spcPts val="0"/>
+              </a:spcAft>
+              <a:buClrTx/>
+              <a:buSzTx/>
+              <a:buFontTx/>
+              <a:buNone/>
+              <a:tabLst/>
+              <a:defRPr/>
+            </a:pPr>
+            <a:fld id="{EA2BFC65-DA16-48C2-8A07-8A08C95D7600}" type="datetime2">
+              <a:rPr kumimoji="0" lang="km-KH" sz="1400" b="0" i="0" u="none" strike="noStrike" kern="1200" cap="none" spc="0" normalizeH="0" baseline="0" noProof="0" smtClean="0">
+                <a:ln>
+                  <a:noFill/>
+                </a:ln>
+                <a:solidFill>
+                  <a:prstClr val="white">
+                    <a:tint val="75000"/>
+                  </a:prstClr>
+                </a:solidFill>
+                <a:effectLst/>
+                <a:uLnTx/>
+                <a:uFillTx/>
+                <a:latin typeface="Krasar" panose="00000500000000000000" pitchFamily="2" charset="0"/>
+                <a:ea typeface="+mn-ea"/>
+                <a:cs typeface="Krasar" panose="00000500000000000000" pitchFamily="2" charset="0"/>
+              </a:rPr>
+              <a:pPr marL="0" marR="0" lvl="0" indent="0" algn="ctr" defTabSz="457200" rtl="0" eaLnBrk="1" fontAlgn="auto" latinLnBrk="0" hangingPunct="1">
+                <a:lnSpc>
+                  <a:spcPct val="100000"/>
+                </a:lnSpc>
+                <a:spcBef>
+                  <a:spcPts val="0"/>
+                </a:spcBef>
+                <a:spcAft>
+                  <a:spcPts val="0"/>
+                </a:spcAft>
+                <a:buClrTx/>
+                <a:buSzTx/>
+                <a:buFontTx/>
+                <a:buNone/>
+                <a:tabLst/>
+                <a:defRPr/>
+              </a:pPr>
+              <a:t>ថ្ងៃសុក្រ 28 មិនា 2025</a:t>
+            </a:fld>
+            <a:endParaRPr kumimoji="0" lang="en-US" sz="1200" b="0" i="0" u="none" strike="noStrike" kern="1200" cap="none" spc="0" normalizeH="0" baseline="0" noProof="0" dirty="0">
+              <a:ln>
+                <a:noFill/>
+              </a:ln>
+              <a:solidFill>
+                <a:prstClr val="white">
+                  <a:tint val="75000"/>
+                </a:prstClr>
+              </a:solidFill>
+              <a:effectLst/>
+              <a:uLnTx/>
+              <a:uFillTx/>
+              <a:latin typeface="Krasar" panose="00000500000000000000" pitchFamily="2" charset="0"/>
+              <a:ea typeface="+mn-ea"/>
+              <a:cs typeface="Krasar" panose="00000500000000000000" pitchFamily="2" charset="0"/>
+            </a:endParaRPr>
+          </a:p>
+        </p:txBody>
+      </p:sp>
+      <p:sp>
+        <p:nvSpPr>
+          <p:cNvPr id="6" name="Footer Placeholder 7">
+            <a:extLst>
+              <a:ext uri="{FF2B5EF4-FFF2-40B4-BE49-F238E27FC236}">
+                <a16:creationId xmlns:a16="http://schemas.microsoft.com/office/drawing/2014/main" id="{239B336D-A19C-4909-D5F4-EE92EFD44045}"/>
+              </a:ext>
+            </a:extLst>
+          </p:cNvPr>
+          <p:cNvSpPr>
+            <a:spLocks noGrp="1"/>
+          </p:cNvSpPr>
+          <p:nvPr>
+            <p:ph type="ftr" sz="quarter" idx="11"/>
+          </p:nvPr>
+        </p:nvSpPr>
+        <p:spPr>
+          <a:xfrm>
+            <a:off x="4038600" y="0"/>
+            <a:ext cx="4114800" cy="365125"/>
+          </a:xfrm>
+        </p:spPr>
+        <p:txBody>
+          <a:bodyPr/>
+          <a:lstStyle/>
+          <a:p>
+            <a:pPr marL="0" marR="0" lvl="0" indent="0" algn="ctr" defTabSz="457200" rtl="0" eaLnBrk="1" fontAlgn="auto" latinLnBrk="0" hangingPunct="1">
+              <a:lnSpc>
+                <a:spcPct val="100000"/>
+              </a:lnSpc>
+              <a:spcBef>
+                <a:spcPts val="0"/>
+              </a:spcBef>
+              <a:spcAft>
+                <a:spcPts val="0"/>
+              </a:spcAft>
+              <a:buClrTx/>
+              <a:buSzTx/>
+              <a:buFontTx/>
+              <a:buNone/>
+              <a:tabLst/>
+              <a:defRPr/>
+            </a:pPr>
+            <a:r>
+              <a:rPr kumimoji="0" lang="km-KH" sz="1600" b="0" i="0" u="none" strike="noStrike" kern="1200" cap="none" spc="0" normalizeH="0" baseline="0" noProof="0" dirty="0">
+                <a:ln>
+                  <a:noFill/>
+                </a:ln>
+                <a:solidFill>
+                  <a:srgbClr val="FFC000"/>
+                </a:solidFill>
+                <a:effectLst/>
+                <a:uLnTx/>
+                <a:uFillTx/>
+                <a:latin typeface="AKbalthom Moul 2" panose="02000500000000000000" pitchFamily="2" charset="0"/>
+                <a:ea typeface="+mn-ea"/>
+                <a:cs typeface="AKbalthom Moul 2" panose="02000500000000000000" pitchFamily="2" charset="0"/>
+              </a:rPr>
+              <a:t>សូមថ្វាយសិរីល្អដល់ព្រះ</a:t>
+            </a:r>
+            <a:endParaRPr kumimoji="0" lang="en-US" sz="1600" b="0" i="0" u="none" strike="noStrike" kern="1200" cap="none" spc="0" normalizeH="0" baseline="0" noProof="0" dirty="0">
+              <a:ln>
+                <a:noFill/>
+              </a:ln>
+              <a:solidFill>
+                <a:srgbClr val="FFC000"/>
+              </a:solidFill>
+              <a:effectLst/>
+              <a:uLnTx/>
+              <a:uFillTx/>
+              <a:latin typeface="AKbalthom Moul 2" panose="02000500000000000000" pitchFamily="2" charset="0"/>
+              <a:ea typeface="+mn-ea"/>
+              <a:cs typeface="AKbalthom Moul 2" panose="02000500000000000000" pitchFamily="2" charset="0"/>
+            </a:endParaRPr>
           </a:p>
         </p:txBody>
       </p:sp>
     </p:spTree>
     <p:extLst>
       <p:ext uri="{BB962C8B-B14F-4D97-AF65-F5344CB8AC3E}">
-        <p14:creationId xmlns:p14="http://schemas.microsoft.com/office/powerpoint/2010/main" val="3596388188"/>
+        <p14:creationId xmlns:p14="http://schemas.microsoft.com/office/powerpoint/2010/main" val="3249180001"/>
       </p:ext>
     </p:extLst>
   </p:cSld>
@@ -22060,98 +22882,10 @@
       </p:grpSpPr>
       <p:sp>
         <p:nvSpPr>
-          <p:cNvPr id="5" name="Date Placeholder 6">
-            <a:extLst>
-              <a:ext uri="{FF2B5EF4-FFF2-40B4-BE49-F238E27FC236}">
-                <a16:creationId xmlns:a16="http://schemas.microsoft.com/office/drawing/2014/main" id="{968F81BA-D120-487F-86D3-F8C7B941BFF3}"/>
-              </a:ext>
-            </a:extLst>
-          </p:cNvPr>
-          <p:cNvSpPr>
-            <a:spLocks noGrp="1"/>
-          </p:cNvSpPr>
-          <p:nvPr>
-            <p:ph type="dt" sz="half" idx="10"/>
-          </p:nvPr>
-        </p:nvSpPr>
-        <p:spPr>
-          <a:xfrm>
-            <a:off x="4724400" y="6499371"/>
-            <a:ext cx="2743200" cy="365125"/>
-          </a:xfrm>
-        </p:spPr>
-        <p:txBody>
-          <a:bodyPr/>
-          <a:lstStyle/>
-          <a:p>
-            <a:pPr algn="ctr"/>
-            <a:fld id="{EA2BFC65-DA16-48C2-8A07-8A08C95D7600}" type="datetime2">
-              <a:rPr lang="km-KH" sz="1400" smtClean="0">
-                <a:latin typeface="Krasar" panose="00000500000000000000" pitchFamily="2" charset="0"/>
-                <a:cs typeface="Krasar" panose="00000500000000000000" pitchFamily="2" charset="0"/>
-              </a:rPr>
-              <a:pPr algn="ctr"/>
-              <a:t>ថ្ងៃសៅរ៍ 22 មិនា 2025</a:t>
-            </a:fld>
-            <a:endParaRPr lang="en-US" dirty="0">
-              <a:latin typeface="Krasar" panose="00000500000000000000" pitchFamily="2" charset="0"/>
-              <a:cs typeface="Krasar" panose="00000500000000000000" pitchFamily="2" charset="0"/>
-            </a:endParaRPr>
-          </a:p>
-        </p:txBody>
-      </p:sp>
-      <p:sp>
-        <p:nvSpPr>
-          <p:cNvPr id="6" name="Footer Placeholder 7">
-            <a:extLst>
-              <a:ext uri="{FF2B5EF4-FFF2-40B4-BE49-F238E27FC236}">
-                <a16:creationId xmlns:a16="http://schemas.microsoft.com/office/drawing/2014/main" id="{597A226A-BFCD-46DB-B224-45E1E4AE94DB}"/>
-              </a:ext>
-            </a:extLst>
-          </p:cNvPr>
-          <p:cNvSpPr>
-            <a:spLocks noGrp="1"/>
-          </p:cNvSpPr>
-          <p:nvPr>
-            <p:ph type="ftr" sz="quarter" idx="11"/>
-          </p:nvPr>
-        </p:nvSpPr>
-        <p:spPr>
-          <a:xfrm>
-            <a:off x="4038600" y="0"/>
-            <a:ext cx="4114800" cy="365125"/>
-          </a:xfrm>
-        </p:spPr>
-        <p:txBody>
-          <a:bodyPr/>
-          <a:lstStyle/>
-          <a:p>
-            <a:r>
-              <a:rPr lang="km-KH" sz="1600" dirty="0">
-                <a:solidFill>
-                  <a:srgbClr val="FFC000"/>
-                </a:solidFill>
-                <a:latin typeface="AKbalthom Moul 2" panose="02000500000000000000" pitchFamily="2" charset="0"/>
-                <a:cs typeface="AKbalthom Moul 2" panose="02000500000000000000" pitchFamily="2" charset="0"/>
-              </a:rPr>
-              <a:t>សូមថ្វាយសិរីល្អដល់ព្រះ</a:t>
-            </a:r>
-            <a:endParaRPr lang="en-US" sz="1600" dirty="0">
-              <a:solidFill>
-                <a:srgbClr val="FFC000"/>
-              </a:solidFill>
-              <a:latin typeface="AKbalthom Moul 2" panose="02000500000000000000" pitchFamily="2" charset="0"/>
-              <a:cs typeface="AKbalthom Moul 2" panose="02000500000000000000" pitchFamily="2" charset="0"/>
-            </a:endParaRPr>
-          </a:p>
-        </p:txBody>
-      </p:sp>
-      <p:sp>
-        <p:nvSpPr>
           <p:cNvPr id="2" name="Title 1">
             <a:extLst>
               <a:ext uri="{FF2B5EF4-FFF2-40B4-BE49-F238E27FC236}">
-                <a16:creationId xmlns:a16="http://schemas.microsoft.com/office/drawing/2014/main" id="{734A4430-D0A5-496F-435D-7C95985B450C}"/>
+                <a16:creationId xmlns:a16="http://schemas.microsoft.com/office/drawing/2014/main" id="{930D8A43-C011-8721-85D3-10D6BB144620}"/>
               </a:ext>
             </a:extLst>
           </p:cNvPr>
@@ -22193,31 +22927,39 @@
             </a:lvl1pPr>
           </a:lstStyle>
           <a:p>
-            <a:pPr algn="ctr">
+            <a:pPr marL="0" marR="0" lvl="0" indent="0" algn="ctr" defTabSz="914400" rtl="0" eaLnBrk="1" fontAlgn="auto" latinLnBrk="0" hangingPunct="1">
               <a:lnSpc>
                 <a:spcPct val="150000"/>
               </a:lnSpc>
+              <a:spcBef>
+                <a:spcPct val="0"/>
+              </a:spcBef>
+              <a:spcAft>
+                <a:spcPts val="0"/>
+              </a:spcAft>
+              <a:buClrTx/>
+              <a:buSzTx/>
+              <a:buFontTx/>
+              <a:buNone/>
+              <a:tabLst/>
+              <a:defRPr/>
             </a:pPr>
             <a:r>
-              <a:rPr lang="km-KH" sz="4400" dirty="0">
-                <a:latin typeface="Krasar" panose="00000500000000000000" pitchFamily="2" charset="0"/>
-                <a:cs typeface="Krasar" panose="00000500000000000000" pitchFamily="2" charset="0"/>
+              <a:rPr kumimoji="0" lang="km-KH" sz="6000" b="0" i="0" u="none" strike="noStrike" kern="1200" cap="none" spc="0" normalizeH="0" baseline="0" noProof="0" dirty="0">
+                <a:ln>
+                  <a:noFill/>
+                </a:ln>
+                <a:solidFill>
+                  <a:srgbClr val="FFC000"/>
+                </a:solidFill>
+                <a:effectLst/>
+                <a:uLnTx/>
+                <a:uFillTx/>
+                <a:latin typeface="AKbalthom Moul 2" panose="02000500000000000000" pitchFamily="2" charset="0"/>
+                <a:ea typeface="+mj-ea"/>
+                <a:cs typeface="AKbalthom Moul 2" panose="02000500000000000000" pitchFamily="2" charset="0"/>
               </a:rPr>
-              <a:t>ព្រះអម្ចាស់ ទ្រង់ធ្វើការ ព្រះអម្ចាស់ ទ្រង់ធ្វើការ</a:t>
-            </a:r>
-          </a:p>
-          <a:p>
-            <a:pPr algn="ctr">
-              <a:lnSpc>
-                <a:spcPct val="150000"/>
-              </a:lnSpc>
-            </a:pPr>
-            <a:r>
-              <a:rPr lang="km-KH" sz="4400" dirty="0">
-                <a:latin typeface="Krasar" panose="00000500000000000000" pitchFamily="2" charset="0"/>
-                <a:cs typeface="Krasar" panose="00000500000000000000" pitchFamily="2" charset="0"/>
-              </a:rPr>
-              <a:t>ដល់អ្នកដែលថ្វាយគ្រប់ទាំងអស់ដល់ព្រះអង្គ</a:t>
+              <a:t>ព្រះអង្គល្អរាល់វេលា</a:t>
             </a:r>
           </a:p>
         </p:txBody>
@@ -22225,7 +22967,7 @@
     </p:spTree>
     <p:extLst>
       <p:ext uri="{BB962C8B-B14F-4D97-AF65-F5344CB8AC3E}">
-        <p14:creationId xmlns:p14="http://schemas.microsoft.com/office/powerpoint/2010/main" val="339480239"/>
+        <p14:creationId xmlns:p14="http://schemas.microsoft.com/office/powerpoint/2010/main" val="2748217663"/>
       </p:ext>
     </p:extLst>
   </p:cSld>
@@ -22266,98 +23008,10 @@
       </p:grpSpPr>
       <p:sp>
         <p:nvSpPr>
-          <p:cNvPr id="5" name="Date Placeholder 6">
-            <a:extLst>
-              <a:ext uri="{FF2B5EF4-FFF2-40B4-BE49-F238E27FC236}">
-                <a16:creationId xmlns:a16="http://schemas.microsoft.com/office/drawing/2014/main" id="{968F81BA-D120-487F-86D3-F8C7B941BFF3}"/>
-              </a:ext>
-            </a:extLst>
-          </p:cNvPr>
-          <p:cNvSpPr>
-            <a:spLocks noGrp="1"/>
-          </p:cNvSpPr>
-          <p:nvPr>
-            <p:ph type="dt" sz="half" idx="10"/>
-          </p:nvPr>
-        </p:nvSpPr>
-        <p:spPr>
-          <a:xfrm>
-            <a:off x="4724400" y="6499371"/>
-            <a:ext cx="2743200" cy="365125"/>
-          </a:xfrm>
-        </p:spPr>
-        <p:txBody>
-          <a:bodyPr/>
-          <a:lstStyle/>
-          <a:p>
-            <a:pPr algn="ctr"/>
-            <a:fld id="{EA2BFC65-DA16-48C2-8A07-8A08C95D7600}" type="datetime2">
-              <a:rPr lang="km-KH" sz="1400" smtClean="0">
-                <a:latin typeface="Krasar" panose="00000500000000000000" pitchFamily="2" charset="0"/>
-                <a:cs typeface="Krasar" panose="00000500000000000000" pitchFamily="2" charset="0"/>
-              </a:rPr>
-              <a:pPr algn="ctr"/>
-              <a:t>ថ្ងៃសៅរ៍ 22 មិនា 2025</a:t>
-            </a:fld>
-            <a:endParaRPr lang="en-US" dirty="0">
-              <a:latin typeface="Krasar" panose="00000500000000000000" pitchFamily="2" charset="0"/>
-              <a:cs typeface="Krasar" panose="00000500000000000000" pitchFamily="2" charset="0"/>
-            </a:endParaRPr>
-          </a:p>
-        </p:txBody>
-      </p:sp>
-      <p:sp>
-        <p:nvSpPr>
-          <p:cNvPr id="6" name="Footer Placeholder 7">
-            <a:extLst>
-              <a:ext uri="{FF2B5EF4-FFF2-40B4-BE49-F238E27FC236}">
-                <a16:creationId xmlns:a16="http://schemas.microsoft.com/office/drawing/2014/main" id="{597A226A-BFCD-46DB-B224-45E1E4AE94DB}"/>
-              </a:ext>
-            </a:extLst>
-          </p:cNvPr>
-          <p:cNvSpPr>
-            <a:spLocks noGrp="1"/>
-          </p:cNvSpPr>
-          <p:nvPr>
-            <p:ph type="ftr" sz="quarter" idx="11"/>
-          </p:nvPr>
-        </p:nvSpPr>
-        <p:spPr>
-          <a:xfrm>
-            <a:off x="4038600" y="0"/>
-            <a:ext cx="4114800" cy="365125"/>
-          </a:xfrm>
-        </p:spPr>
-        <p:txBody>
-          <a:bodyPr/>
-          <a:lstStyle/>
-          <a:p>
-            <a:r>
-              <a:rPr lang="km-KH" sz="1600" dirty="0">
-                <a:solidFill>
-                  <a:srgbClr val="FFC000"/>
-                </a:solidFill>
-                <a:latin typeface="AKbalthom Moul 2" panose="02000500000000000000" pitchFamily="2" charset="0"/>
-                <a:cs typeface="AKbalthom Moul 2" panose="02000500000000000000" pitchFamily="2" charset="0"/>
-              </a:rPr>
-              <a:t>សូមថ្វាយសិរីល្អដល់ព្រះ</a:t>
-            </a:r>
-            <a:endParaRPr lang="en-US" sz="1600" dirty="0">
-              <a:solidFill>
-                <a:srgbClr val="FFC000"/>
-              </a:solidFill>
-              <a:latin typeface="AKbalthom Moul 2" panose="02000500000000000000" pitchFamily="2" charset="0"/>
-              <a:cs typeface="AKbalthom Moul 2" panose="02000500000000000000" pitchFamily="2" charset="0"/>
-            </a:endParaRPr>
-          </a:p>
-        </p:txBody>
-      </p:sp>
-      <p:sp>
-        <p:nvSpPr>
           <p:cNvPr id="2" name="Title 1">
             <a:extLst>
               <a:ext uri="{FF2B5EF4-FFF2-40B4-BE49-F238E27FC236}">
-                <a16:creationId xmlns:a16="http://schemas.microsoft.com/office/drawing/2014/main" id="{24E08688-4E33-2EFF-23D8-6E566D554191}"/>
+                <a16:creationId xmlns:a16="http://schemas.microsoft.com/office/drawing/2014/main" id="{1BC2D47E-4FBC-5AB6-5902-9B1BDE3F9651}"/>
               </a:ext>
             </a:extLst>
           </p:cNvPr>
@@ -22399,53 +23053,366 @@
             </a:lvl1pPr>
           </a:lstStyle>
           <a:p>
-            <a:pPr algn="ctr">
+            <a:pPr marL="0" marR="0" lvl="0" indent="0" algn="ctr" defTabSz="914400" rtl="0" eaLnBrk="1" fontAlgn="auto" latinLnBrk="0" hangingPunct="1">
               <a:lnSpc>
                 <a:spcPct val="150000"/>
               </a:lnSpc>
+              <a:spcBef>
+                <a:spcPct val="0"/>
+              </a:spcBef>
+              <a:spcAft>
+                <a:spcPts val="0"/>
+              </a:spcAft>
+              <a:buClrTx/>
+              <a:buSzTx/>
+              <a:buFontTx/>
+              <a:buNone/>
+              <a:tabLst/>
+              <a:defRPr/>
             </a:pPr>
             <a:r>
-              <a:rPr lang="km-KH" sz="4400" dirty="0">
+              <a:rPr kumimoji="0" lang="km-KH" sz="4400" b="0" i="0" u="none" strike="noStrike" kern="1200" cap="none" spc="0" normalizeH="0" baseline="0" noProof="0" dirty="0">
+                <a:ln>
+                  <a:noFill/>
+                </a:ln>
+                <a:solidFill>
+                  <a:prstClr val="white"/>
+                </a:solidFill>
+                <a:effectLst/>
+                <a:uLnTx/>
+                <a:uFillTx/>
                 <a:latin typeface="Krasar" panose="00000500000000000000" pitchFamily="2" charset="0"/>
+                <a:ea typeface="+mj-ea"/>
                 <a:cs typeface="Krasar" panose="00000500000000000000" pitchFamily="2" charset="0"/>
               </a:rPr>
-              <a:t>ព្រះអម្ចាស់ ទ្រង់ធ្វើការ ព្រះអម្ចាស់ ទ្រង់ធ្វើការ</a:t>
-            </a:r>
-          </a:p>
-          <a:p>
-            <a:pPr algn="ctr">
+              <a:t>ព្រះអង្គល្អ រាល់វេលា</a:t>
+            </a:r>
+          </a:p>
+          <a:p>
+            <a:pPr marL="0" marR="0" lvl="0" indent="0" algn="ctr" defTabSz="914400" rtl="0" eaLnBrk="1" fontAlgn="auto" latinLnBrk="0" hangingPunct="1">
               <a:lnSpc>
                 <a:spcPct val="150000"/>
               </a:lnSpc>
+              <a:spcBef>
+                <a:spcPct val="0"/>
+              </a:spcBef>
+              <a:spcAft>
+                <a:spcPts val="0"/>
+              </a:spcAft>
+              <a:buClrTx/>
+              <a:buSzTx/>
+              <a:buFontTx/>
+              <a:buNone/>
+              <a:tabLst/>
+              <a:defRPr/>
             </a:pPr>
             <a:r>
-              <a:rPr lang="km-KH" sz="4400" dirty="0">
+              <a:rPr kumimoji="0" lang="km-KH" sz="4400" b="0" i="0" u="none" strike="noStrike" kern="1200" cap="none" spc="0" normalizeH="0" baseline="0" noProof="0" dirty="0">
+                <a:ln>
+                  <a:noFill/>
+                </a:ln>
+                <a:solidFill>
+                  <a:prstClr val="white"/>
+                </a:solidFill>
+                <a:effectLst/>
+                <a:uLnTx/>
+                <a:uFillTx/>
                 <a:latin typeface="Krasar" panose="00000500000000000000" pitchFamily="2" charset="0"/>
+                <a:ea typeface="+mj-ea"/>
                 <a:cs typeface="Krasar" panose="00000500000000000000" pitchFamily="2" charset="0"/>
               </a:rPr>
-              <a:t>ដល់អ្នកណាដែលដើរដោយក្តី</a:t>
-            </a:r>
-            <a:r>
-              <a:rPr lang="en-US" sz="4400" dirty="0">
+              <a:t>ទ្រង់ដាក់ចម្រៀងសរសើរ ក្នុងចិត្តខ្ញុំនេះណា</a:t>
+            </a:r>
+          </a:p>
+          <a:p>
+            <a:pPr marL="0" marR="0" lvl="0" indent="0" algn="ctr" defTabSz="914400" rtl="0" eaLnBrk="1" fontAlgn="auto" latinLnBrk="0" hangingPunct="1">
+              <a:lnSpc>
+                <a:spcPct val="150000"/>
+              </a:lnSpc>
+              <a:spcBef>
+                <a:spcPct val="0"/>
+              </a:spcBef>
+              <a:spcAft>
+                <a:spcPts val="0"/>
+              </a:spcAft>
+              <a:buClrTx/>
+              <a:buSzTx/>
+              <a:buFontTx/>
+              <a:buNone/>
+              <a:tabLst/>
+              <a:defRPr/>
+            </a:pPr>
+            <a:r>
+              <a:rPr kumimoji="0" lang="km-KH" sz="4400" b="0" i="0" u="none" strike="noStrike" kern="1200" cap="none" spc="0" normalizeH="0" baseline="0" noProof="0" dirty="0">
+                <a:ln>
+                  <a:noFill/>
+                </a:ln>
+                <a:solidFill>
+                  <a:prstClr val="white"/>
+                </a:solidFill>
+                <a:effectLst/>
+                <a:uLnTx/>
+                <a:uFillTx/>
                 <a:latin typeface="Krasar" panose="00000500000000000000" pitchFamily="2" charset="0"/>
+                <a:ea typeface="+mj-ea"/>
                 <a:cs typeface="Krasar" panose="00000500000000000000" pitchFamily="2" charset="0"/>
               </a:rPr>
-              <a:t> </a:t>
-            </a:r>
-            <a:r>
-              <a:rPr lang="km-KH" sz="4400" dirty="0">
+              <a:t>ព្រះអង្គល្អ រាល់វេលា</a:t>
+            </a:r>
+          </a:p>
+          <a:p>
+            <a:pPr marL="0" marR="0" lvl="0" indent="0" algn="ctr" defTabSz="914400" rtl="0" eaLnBrk="1" fontAlgn="auto" latinLnBrk="0" hangingPunct="1">
+              <a:lnSpc>
+                <a:spcPct val="150000"/>
+              </a:lnSpc>
+              <a:spcBef>
+                <a:spcPct val="0"/>
+              </a:spcBef>
+              <a:spcAft>
+                <a:spcPts val="0"/>
+              </a:spcAft>
+              <a:buClrTx/>
+              <a:buSzTx/>
+              <a:buFontTx/>
+              <a:buNone/>
+              <a:tabLst/>
+              <a:defRPr/>
+            </a:pPr>
+            <a:r>
+              <a:rPr kumimoji="0" lang="km-KH" sz="4400" b="0" i="0" u="none" strike="noStrike" kern="1200" cap="none" spc="0" normalizeH="0" baseline="0" noProof="0" dirty="0">
+                <a:ln>
+                  <a:noFill/>
+                </a:ln>
+                <a:solidFill>
+                  <a:prstClr val="white"/>
+                </a:solidFill>
+                <a:effectLst/>
+                <a:uLnTx/>
+                <a:uFillTx/>
                 <a:latin typeface="Krasar" panose="00000500000000000000" pitchFamily="2" charset="0"/>
+                <a:ea typeface="+mj-ea"/>
                 <a:cs typeface="Krasar" panose="00000500000000000000" pitchFamily="2" charset="0"/>
               </a:rPr>
-              <a:t>ជំនឿ</a:t>
-            </a:r>
+              <a:t>ក្នុងរាត្រីអន្តកាល ទ្រង់ជះពន្លឺ</a:t>
+            </a:r>
+          </a:p>
+          <a:p>
+            <a:pPr marL="0" marR="0" lvl="0" indent="0" algn="ctr" defTabSz="914400" rtl="0" eaLnBrk="1" fontAlgn="auto" latinLnBrk="0" hangingPunct="1">
+              <a:lnSpc>
+                <a:spcPct val="150000"/>
+              </a:lnSpc>
+              <a:spcBef>
+                <a:spcPct val="0"/>
+              </a:spcBef>
+              <a:spcAft>
+                <a:spcPts val="0"/>
+              </a:spcAft>
+              <a:buClrTx/>
+              <a:buSzTx/>
+              <a:buFontTx/>
+              <a:buNone/>
+              <a:tabLst/>
+              <a:defRPr/>
+            </a:pPr>
+            <a:r>
+              <a:rPr kumimoji="0" lang="km-KH" sz="4400" b="0" i="0" u="none" strike="noStrike" kern="1200" cap="none" spc="0" normalizeH="0" baseline="0" noProof="0" dirty="0">
+                <a:ln>
+                  <a:noFill/>
+                </a:ln>
+                <a:solidFill>
+                  <a:prstClr val="white"/>
+                </a:solidFill>
+                <a:effectLst/>
+                <a:uLnTx/>
+                <a:uFillTx/>
+                <a:latin typeface="Krasar" panose="00000500000000000000" pitchFamily="2" charset="0"/>
+                <a:ea typeface="+mj-ea"/>
+                <a:cs typeface="Krasar" panose="00000500000000000000" pitchFamily="2" charset="0"/>
+              </a:rPr>
+              <a:t>ព្រះអង្គល្អ ព្រះអង្គល្អ រាល់វេលា</a:t>
+            </a:r>
+          </a:p>
+        </p:txBody>
+      </p:sp>
+      <p:sp>
+        <p:nvSpPr>
+          <p:cNvPr id="3" name="Date Placeholder 6">
+            <a:extLst>
+              <a:ext uri="{FF2B5EF4-FFF2-40B4-BE49-F238E27FC236}">
+                <a16:creationId xmlns:a16="http://schemas.microsoft.com/office/drawing/2014/main" id="{B0522A27-09FE-E06F-4B1C-FCDF3A91A204}"/>
+              </a:ext>
+            </a:extLst>
+          </p:cNvPr>
+          <p:cNvSpPr>
+            <a:spLocks noGrp="1"/>
+          </p:cNvSpPr>
+          <p:nvPr>
+            <p:ph type="dt" sz="half" idx="10"/>
+          </p:nvPr>
+        </p:nvSpPr>
+        <p:spPr>
+          <a:xfrm>
+            <a:off x="4724400" y="6499371"/>
+            <a:ext cx="2743200" cy="365125"/>
+          </a:xfrm>
+        </p:spPr>
+        <p:txBody>
+          <a:bodyPr/>
+          <a:lstStyle/>
+          <a:p>
+            <a:pPr marL="0" marR="0" lvl="0" indent="0" algn="ctr" defTabSz="457200" rtl="0" eaLnBrk="1" fontAlgn="auto" latinLnBrk="0" hangingPunct="1">
+              <a:lnSpc>
+                <a:spcPct val="100000"/>
+              </a:lnSpc>
+              <a:spcBef>
+                <a:spcPts val="0"/>
+              </a:spcBef>
+              <a:spcAft>
+                <a:spcPts val="0"/>
+              </a:spcAft>
+              <a:buClrTx/>
+              <a:buSzTx/>
+              <a:buFontTx/>
+              <a:buNone/>
+              <a:tabLst/>
+              <a:defRPr/>
+            </a:pPr>
+            <a:fld id="{EA2BFC65-DA16-48C2-8A07-8A08C95D7600}" type="datetime2">
+              <a:rPr kumimoji="0" lang="km-KH" sz="1400" b="0" i="0" u="none" strike="noStrike" kern="1200" cap="none" spc="0" normalizeH="0" baseline="0" noProof="0" smtClean="0">
+                <a:ln>
+                  <a:noFill/>
+                </a:ln>
+                <a:solidFill>
+                  <a:prstClr val="white">
+                    <a:tint val="75000"/>
+                  </a:prstClr>
+                </a:solidFill>
+                <a:effectLst/>
+                <a:uLnTx/>
+                <a:uFillTx/>
+                <a:latin typeface="Krasar" panose="00000500000000000000" pitchFamily="2" charset="0"/>
+                <a:ea typeface="+mn-ea"/>
+                <a:cs typeface="Krasar" panose="00000500000000000000" pitchFamily="2" charset="0"/>
+              </a:rPr>
+              <a:pPr marL="0" marR="0" lvl="0" indent="0" algn="ctr" defTabSz="457200" rtl="0" eaLnBrk="1" fontAlgn="auto" latinLnBrk="0" hangingPunct="1">
+                <a:lnSpc>
+                  <a:spcPct val="100000"/>
+                </a:lnSpc>
+                <a:spcBef>
+                  <a:spcPts val="0"/>
+                </a:spcBef>
+                <a:spcAft>
+                  <a:spcPts val="0"/>
+                </a:spcAft>
+                <a:buClrTx/>
+                <a:buSzTx/>
+                <a:buFontTx/>
+                <a:buNone/>
+                <a:tabLst/>
+                <a:defRPr/>
+              </a:pPr>
+              <a:t>ថ្ងៃសុក្រ 28 មិនា 2025</a:t>
+            </a:fld>
+            <a:endParaRPr kumimoji="0" lang="en-US" sz="1200" b="0" i="0" u="none" strike="noStrike" kern="1200" cap="none" spc="0" normalizeH="0" baseline="0" noProof="0" dirty="0">
+              <a:ln>
+                <a:noFill/>
+              </a:ln>
+              <a:solidFill>
+                <a:prstClr val="white">
+                  <a:tint val="75000"/>
+                </a:prstClr>
+              </a:solidFill>
+              <a:effectLst/>
+              <a:uLnTx/>
+              <a:uFillTx/>
+              <a:latin typeface="Krasar" panose="00000500000000000000" pitchFamily="2" charset="0"/>
+              <a:ea typeface="+mn-ea"/>
+              <a:cs typeface="Krasar" panose="00000500000000000000" pitchFamily="2" charset="0"/>
+            </a:endParaRPr>
+          </a:p>
+        </p:txBody>
+      </p:sp>
+      <p:sp>
+        <p:nvSpPr>
+          <p:cNvPr id="4" name="Footer Placeholder 7">
+            <a:extLst>
+              <a:ext uri="{FF2B5EF4-FFF2-40B4-BE49-F238E27FC236}">
+                <a16:creationId xmlns:a16="http://schemas.microsoft.com/office/drawing/2014/main" id="{F4D4D0DA-4D2E-139B-8894-96D67AD8E992}"/>
+              </a:ext>
+            </a:extLst>
+          </p:cNvPr>
+          <p:cNvSpPr>
+            <a:spLocks noGrp="1"/>
+          </p:cNvSpPr>
+          <p:nvPr>
+            <p:ph type="ftr" sz="quarter" idx="11"/>
+          </p:nvPr>
+        </p:nvSpPr>
+        <p:spPr>
+          <a:xfrm>
+            <a:off x="4038600" y="0"/>
+            <a:ext cx="4114800" cy="365125"/>
+          </a:xfrm>
+        </p:spPr>
+        <p:txBody>
+          <a:bodyPr/>
+          <a:lstStyle/>
+          <a:p>
+            <a:pPr marL="0" marR="0" lvl="0" indent="0" algn="ctr" defTabSz="457200" rtl="0" eaLnBrk="1" fontAlgn="auto" latinLnBrk="0" hangingPunct="1">
+              <a:lnSpc>
+                <a:spcPct val="100000"/>
+              </a:lnSpc>
+              <a:spcBef>
+                <a:spcPts val="0"/>
+              </a:spcBef>
+              <a:spcAft>
+                <a:spcPts val="0"/>
+              </a:spcAft>
+              <a:buClrTx/>
+              <a:buSzTx/>
+              <a:buFontTx/>
+              <a:buNone/>
+              <a:tabLst/>
+              <a:defRPr/>
+            </a:pPr>
+            <a:r>
+              <a:rPr kumimoji="0" lang="km-KH" sz="1600" b="0" i="0" u="none" strike="noStrike" kern="1200" cap="none" spc="0" normalizeH="0" baseline="0" noProof="0" dirty="0">
+                <a:ln>
+                  <a:noFill/>
+                </a:ln>
+                <a:solidFill>
+                  <a:srgbClr val="FFC000"/>
+                </a:solidFill>
+                <a:effectLst/>
+                <a:uLnTx/>
+                <a:uFillTx/>
+                <a:latin typeface="AKbalthom Moul 2" panose="02000500000000000000" pitchFamily="2" charset="0"/>
+                <a:ea typeface="+mn-ea"/>
+                <a:cs typeface="AKbalthom Moul 2" panose="02000500000000000000" pitchFamily="2" charset="0"/>
+              </a:rPr>
+              <a:t>សូមថ្វាយសិរីល្អដល់ព្រះ</a:t>
+            </a:r>
+            <a:endParaRPr kumimoji="0" lang="en-US" sz="1600" b="0" i="0" u="none" strike="noStrike" kern="1200" cap="none" spc="0" normalizeH="0" baseline="0" noProof="0" dirty="0">
+              <a:ln>
+                <a:noFill/>
+              </a:ln>
+              <a:solidFill>
+                <a:srgbClr val="FFC000"/>
+              </a:solidFill>
+              <a:effectLst/>
+              <a:uLnTx/>
+              <a:uFillTx/>
+              <a:latin typeface="AKbalthom Moul 2" panose="02000500000000000000" pitchFamily="2" charset="0"/>
+              <a:ea typeface="+mn-ea"/>
+              <a:cs typeface="AKbalthom Moul 2" panose="02000500000000000000" pitchFamily="2" charset="0"/>
+            </a:endParaRPr>
           </a:p>
         </p:txBody>
       </p:sp>
     </p:spTree>
     <p:extLst>
       <p:ext uri="{BB962C8B-B14F-4D97-AF65-F5344CB8AC3E}">
-        <p14:creationId xmlns:p14="http://schemas.microsoft.com/office/powerpoint/2010/main" val="338334752"/>
+        <p14:creationId xmlns:p14="http://schemas.microsoft.com/office/powerpoint/2010/main" val="433285362"/>
       </p:ext>
     </p:extLst>
   </p:cSld>
@@ -22486,98 +23453,10 @@
       </p:grpSpPr>
       <p:sp>
         <p:nvSpPr>
-          <p:cNvPr id="5" name="Date Placeholder 6">
-            <a:extLst>
-              <a:ext uri="{FF2B5EF4-FFF2-40B4-BE49-F238E27FC236}">
-                <a16:creationId xmlns:a16="http://schemas.microsoft.com/office/drawing/2014/main" id="{968F81BA-D120-487F-86D3-F8C7B941BFF3}"/>
-              </a:ext>
-            </a:extLst>
-          </p:cNvPr>
-          <p:cNvSpPr>
-            <a:spLocks noGrp="1"/>
-          </p:cNvSpPr>
-          <p:nvPr>
-            <p:ph type="dt" sz="half" idx="10"/>
-          </p:nvPr>
-        </p:nvSpPr>
-        <p:spPr>
-          <a:xfrm>
-            <a:off x="4724400" y="6499371"/>
-            <a:ext cx="2743200" cy="365125"/>
-          </a:xfrm>
-        </p:spPr>
-        <p:txBody>
-          <a:bodyPr/>
-          <a:lstStyle/>
-          <a:p>
-            <a:pPr algn="ctr"/>
-            <a:fld id="{EA2BFC65-DA16-48C2-8A07-8A08C95D7600}" type="datetime2">
-              <a:rPr lang="km-KH" sz="1400" smtClean="0">
-                <a:latin typeface="Krasar" panose="00000500000000000000" pitchFamily="2" charset="0"/>
-                <a:cs typeface="Krasar" panose="00000500000000000000" pitchFamily="2" charset="0"/>
-              </a:rPr>
-              <a:pPr algn="ctr"/>
-              <a:t>ថ្ងៃសៅរ៍ 22 មិនា 2025</a:t>
-            </a:fld>
-            <a:endParaRPr lang="en-US" dirty="0">
-              <a:latin typeface="Krasar" panose="00000500000000000000" pitchFamily="2" charset="0"/>
-              <a:cs typeface="Krasar" panose="00000500000000000000" pitchFamily="2" charset="0"/>
-            </a:endParaRPr>
-          </a:p>
-        </p:txBody>
-      </p:sp>
-      <p:sp>
-        <p:nvSpPr>
-          <p:cNvPr id="6" name="Footer Placeholder 7">
-            <a:extLst>
-              <a:ext uri="{FF2B5EF4-FFF2-40B4-BE49-F238E27FC236}">
-                <a16:creationId xmlns:a16="http://schemas.microsoft.com/office/drawing/2014/main" id="{597A226A-BFCD-46DB-B224-45E1E4AE94DB}"/>
-              </a:ext>
-            </a:extLst>
-          </p:cNvPr>
-          <p:cNvSpPr>
-            <a:spLocks noGrp="1"/>
-          </p:cNvSpPr>
-          <p:nvPr>
-            <p:ph type="ftr" sz="quarter" idx="11"/>
-          </p:nvPr>
-        </p:nvSpPr>
-        <p:spPr>
-          <a:xfrm>
-            <a:off x="4038600" y="0"/>
-            <a:ext cx="4114800" cy="365125"/>
-          </a:xfrm>
-        </p:spPr>
-        <p:txBody>
-          <a:bodyPr/>
-          <a:lstStyle/>
-          <a:p>
-            <a:r>
-              <a:rPr lang="km-KH" sz="1600" dirty="0">
-                <a:solidFill>
-                  <a:srgbClr val="FFC000"/>
-                </a:solidFill>
-                <a:latin typeface="AKbalthom Moul 2" panose="02000500000000000000" pitchFamily="2" charset="0"/>
-                <a:cs typeface="AKbalthom Moul 2" panose="02000500000000000000" pitchFamily="2" charset="0"/>
-              </a:rPr>
-              <a:t>សូមថ្វាយសិរីល្អដល់ព្រះ</a:t>
-            </a:r>
-            <a:endParaRPr lang="en-US" sz="1600" dirty="0">
-              <a:solidFill>
-                <a:srgbClr val="FFC000"/>
-              </a:solidFill>
-              <a:latin typeface="AKbalthom Moul 2" panose="02000500000000000000" pitchFamily="2" charset="0"/>
-              <a:cs typeface="AKbalthom Moul 2" panose="02000500000000000000" pitchFamily="2" charset="0"/>
-            </a:endParaRPr>
-          </a:p>
-        </p:txBody>
-      </p:sp>
-      <p:sp>
-        <p:nvSpPr>
           <p:cNvPr id="2" name="Title 1">
             <a:extLst>
               <a:ext uri="{FF2B5EF4-FFF2-40B4-BE49-F238E27FC236}">
-                <a16:creationId xmlns:a16="http://schemas.microsoft.com/office/drawing/2014/main" id="{9B590333-BF16-3975-28FF-14F0272F52B8}"/>
+                <a16:creationId xmlns:a16="http://schemas.microsoft.com/office/drawing/2014/main" id="{930D8A43-C011-8721-85D3-10D6BB144620}"/>
               </a:ext>
             </a:extLst>
           </p:cNvPr>
@@ -22619,45 +23498,39 @@
             </a:lvl1pPr>
           </a:lstStyle>
           <a:p>
-            <a:pPr algn="ctr">
+            <a:pPr marL="0" marR="0" lvl="0" indent="0" algn="ctr" defTabSz="914400" rtl="0" eaLnBrk="1" fontAlgn="auto" latinLnBrk="0" hangingPunct="1">
               <a:lnSpc>
                 <a:spcPct val="150000"/>
               </a:lnSpc>
+              <a:spcBef>
+                <a:spcPct val="0"/>
+              </a:spcBef>
+              <a:spcAft>
+                <a:spcPts val="0"/>
+              </a:spcAft>
+              <a:buClrTx/>
+              <a:buSzTx/>
+              <a:buFontTx/>
+              <a:buNone/>
+              <a:tabLst/>
+              <a:defRPr/>
             </a:pPr>
             <a:r>
-              <a:rPr lang="km-KH" sz="4400" dirty="0">
-                <a:latin typeface="Krasar" panose="00000500000000000000" pitchFamily="2" charset="0"/>
-                <a:cs typeface="Krasar" panose="00000500000000000000" pitchFamily="2" charset="0"/>
+              <a:rPr kumimoji="0" lang="km-KH" sz="6000" b="0" i="0" u="none" strike="noStrike" kern="1200" cap="none" spc="0" normalizeH="0" baseline="0" noProof="0" dirty="0">
+                <a:ln>
+                  <a:noFill/>
+                </a:ln>
+                <a:solidFill>
+                  <a:srgbClr val="FFC000"/>
+                </a:solidFill>
+                <a:effectLst/>
+                <a:uLnTx/>
+                <a:uFillTx/>
+                <a:latin typeface="AKbalthom Moul 2" panose="02000500000000000000" pitchFamily="2" charset="0"/>
+                <a:ea typeface="+mj-ea"/>
+                <a:cs typeface="AKbalthom Moul 2" panose="02000500000000000000" pitchFamily="2" charset="0"/>
               </a:rPr>
-              <a:t>ពេលដែលយើងក្រាបថ្វាយបង្គំ</a:t>
-            </a:r>
-          </a:p>
-          <a:p>
-            <a:pPr algn="ctr">
-              <a:lnSpc>
-                <a:spcPct val="150000"/>
-              </a:lnSpc>
-            </a:pPr>
-            <a:r>
-              <a:rPr lang="km-KH" sz="4400" dirty="0">
-                <a:latin typeface="Krasar" panose="00000500000000000000" pitchFamily="2" charset="0"/>
-                <a:cs typeface="Krasar" panose="00000500000000000000" pitchFamily="2" charset="0"/>
-              </a:rPr>
-              <a:t>គឺជាពេលព្រះអង្គគង់នៅ</a:t>
-            </a:r>
-          </a:p>
-          <a:p>
-            <a:pPr algn="ctr">
-              <a:lnSpc>
-                <a:spcPct val="150000"/>
-              </a:lnSpc>
-            </a:pPr>
-            <a:r>
-              <a:rPr lang="km-KH" sz="4400" dirty="0">
-                <a:latin typeface="Krasar" panose="00000500000000000000" pitchFamily="2" charset="0"/>
-                <a:cs typeface="Krasar" panose="00000500000000000000" pitchFamily="2" charset="0"/>
-              </a:rPr>
-              <a:t>ពោរពេញដោយព្រះគុណនៃព្រះអង្គ</a:t>
+              <a:t>ក្តីស្នេហ៍អស្ចារ្យ</a:t>
             </a:r>
           </a:p>
         </p:txBody>
@@ -22665,7 +23538,7 @@
     </p:spTree>
     <p:extLst>
       <p:ext uri="{BB962C8B-B14F-4D97-AF65-F5344CB8AC3E}">
-        <p14:creationId xmlns:p14="http://schemas.microsoft.com/office/powerpoint/2010/main" val="3951124005"/>
+        <p14:creationId xmlns:p14="http://schemas.microsoft.com/office/powerpoint/2010/main" val="1069546802"/>
       </p:ext>
     </p:extLst>
   </p:cSld>
@@ -22983,7 +23856,7 @@
 </file>
 
 <file path=ppt/theme/theme2.xml><?xml version="1.0" encoding="utf-8"?>
-<a:theme xmlns:a="http://schemas.openxmlformats.org/drawingml/2006/main" name="2_Office Theme">
+<a:theme xmlns:a="http://schemas.openxmlformats.org/drawingml/2006/main" name="1_Office Theme">
   <a:themeElements>
     <a:clrScheme name="Office Theme">
       <a:dk1>
@@ -22999,22 +23872,22 @@
         <a:srgbClr val="E7E6E6"/>
       </a:lt2>
       <a:accent1>
-        <a:srgbClr val="29AF8C"/>
+        <a:srgbClr val="5B9BD5"/>
       </a:accent1>
       <a:accent2>
-        <a:srgbClr val="97BE49"/>
+        <a:srgbClr val="ED7D31"/>
       </a:accent2>
       <a:accent3>
-        <a:srgbClr val="3D9CCC"/>
+        <a:srgbClr val="A5A5A5"/>
       </a:accent3>
       <a:accent4>
-        <a:srgbClr val="7C60C6"/>
+        <a:srgbClr val="FFC000"/>
       </a:accent4>
       <a:accent5>
-        <a:srgbClr val="C9492C"/>
+        <a:srgbClr val="4472C4"/>
       </a:accent5>
       <a:accent6>
-        <a:srgbClr val="D58C2E"/>
+        <a:srgbClr val="70AD47"/>
       </a:accent6>
       <a:hlink>
         <a:srgbClr val="0563C1"/>
@@ -23028,9 +23901,9 @@
         <a:latin typeface="Calibri Light" panose="020F0302020204030204"/>
         <a:ea typeface=""/>
         <a:cs typeface=""/>
-        <a:font script="Jpan" typeface="游ゴシック Light"/>
+        <a:font script="Jpan" typeface="ＭＳ Ｐゴシック"/>
         <a:font script="Hang" typeface="맑은 고딕"/>
-        <a:font script="Hans" typeface="等线 Light"/>
+        <a:font script="Hans" typeface="宋体"/>
         <a:font script="Hant" typeface="新細明體"/>
         <a:font script="Arab" typeface="Times New Roman"/>
         <a:font script="Hebr" typeface="Times New Roman"/>
@@ -23063,9 +23936,9 @@
         <a:latin typeface="Calibri" panose="020F0502020204030204"/>
         <a:ea typeface=""/>
         <a:cs typeface=""/>
-        <a:font script="Jpan" typeface="游ゴシック"/>
+        <a:font script="Jpan" typeface="ＭＳ Ｐゴシック"/>
         <a:font script="Hang" typeface="맑은 고딕"/>
-        <a:font script="Hans" typeface="等线"/>
+        <a:font script="Hans" typeface="宋体"/>
         <a:font script="Hant" typeface="新細明體"/>
         <a:font script="Arab" typeface="Arial"/>
         <a:font script="Hebr" typeface="Arial"/>
@@ -23237,7 +24110,7 @@
   <a:extraClrSchemeLst/>
   <a:extLst>
     <a:ext uri="{05A4C25C-085E-4340-85A3-A5531E510DB2}">
-      <thm15:themeFamily xmlns:thm15="http://schemas.microsoft.com/office/thememl/2012/main" name="Office 2013 - 2022 Theme" id="{62F939B6-93AF-4DB8-9C6B-D6C7DFDC589F}" vid="{3E4F19A7-A959-40BB-972C-4880BAF8EB09}"/>
+      <thm15:themeFamily xmlns:thm15="http://schemas.microsoft.com/office/thememl/2012/main" name="Office Theme" id="{62F939B6-93AF-4DB8-9C6B-D6C7DFDC589F}" vid="{4F46216B-77A9-411A-B9D3-5023FCB70208}"/>
     </a:ext>
   </a:extLst>
 </a:theme>

--- a/Youth Worship.pptx
+++ b/Youth Worship.pptx
@@ -16,14 +16,14 @@
     <p:sldId id="648" r:id="rId4"/>
     <p:sldId id="545" r:id="rId5"/>
     <p:sldId id="256" r:id="rId6"/>
-    <p:sldId id="649" r:id="rId7"/>
-    <p:sldId id="650" r:id="rId8"/>
-    <p:sldId id="690" r:id="rId9"/>
-    <p:sldId id="691" r:id="rId10"/>
-    <p:sldId id="692" r:id="rId11"/>
-    <p:sldId id="693" r:id="rId12"/>
-    <p:sldId id="694" r:id="rId13"/>
-    <p:sldId id="695" r:id="rId14"/>
+    <p:sldId id="690" r:id="rId7"/>
+    <p:sldId id="691" r:id="rId8"/>
+    <p:sldId id="265" r:id="rId9"/>
+    <p:sldId id="692" r:id="rId10"/>
+    <p:sldId id="693" r:id="rId11"/>
+    <p:sldId id="694" r:id="rId12"/>
+    <p:sldId id="695" r:id="rId13"/>
+    <p:sldId id="266" r:id="rId14"/>
     <p:sldId id="273" r:id="rId15"/>
     <p:sldId id="631" r:id="rId16"/>
     <p:sldId id="275" r:id="rId17"/>
@@ -251,7 +251,7 @@
             <a:pPr rtl="0"/>
             <a:fld id="{02BF9A1E-D4FA-4D99-9C56-E1586EBD836E}" type="datetime1">
               <a:rPr lang="en-GB" smtClean="0"/>
-              <a:t>28/03/2025</a:t>
+              <a:t>05/04/2025</a:t>
             </a:fld>
             <a:endParaRPr lang="en-GB"/>
           </a:p>
@@ -433,7 +433,7 @@
             <a:pPr rtl="0"/>
             <a:fld id="{9811EB5D-B7E7-453B-8D6E-6B5653024C96}" type="datetime1">
               <a:rPr lang="en-GB" noProof="0" smtClean="0"/>
-              <a:t>28/03/2025</a:t>
+              <a:t>05/04/2025</a:t>
             </a:fld>
             <a:endParaRPr lang="en-GB" noProof="0"/>
           </a:p>
@@ -819,7 +819,13 @@
   <p:cSld>
     <p:spTree>
       <p:nvGrpSpPr>
-        <p:cNvPr id="1" name=""/>
+        <p:cNvPr id="1" name="">
+          <a:extLst>
+            <a:ext uri="{FF2B5EF4-FFF2-40B4-BE49-F238E27FC236}">
+              <a16:creationId xmlns:a16="http://schemas.microsoft.com/office/drawing/2014/main" id="{73310DBC-3D67-2760-552C-5C1B36D32727}"/>
+            </a:ext>
+          </a:extLst>
+        </p:cNvPr>
         <p:cNvGrpSpPr/>
         <p:nvPr/>
       </p:nvGrpSpPr>
@@ -833,7 +839,13 @@
       </p:grpSpPr>
       <p:sp>
         <p:nvSpPr>
-          <p:cNvPr id="2" name="Slide Image Placeholder 1"/>
+          <p:cNvPr id="2" name="Slide Image Placeholder 1">
+            <a:extLst>
+              <a:ext uri="{FF2B5EF4-FFF2-40B4-BE49-F238E27FC236}">
+                <a16:creationId xmlns:a16="http://schemas.microsoft.com/office/drawing/2014/main" id="{2F10842B-B1A0-77FB-7C8F-D456A8C60014}"/>
+              </a:ext>
+            </a:extLst>
+          </p:cNvPr>
           <p:cNvSpPr>
             <a:spLocks noGrp="1" noRot="1" noChangeAspect="1"/>
           </p:cNvSpPr>
@@ -845,7 +857,13 @@
       </p:sp>
       <p:sp>
         <p:nvSpPr>
-          <p:cNvPr id="3" name="Notes Placeholder 2"/>
+          <p:cNvPr id="3" name="Notes Placeholder 2">
+            <a:extLst>
+              <a:ext uri="{FF2B5EF4-FFF2-40B4-BE49-F238E27FC236}">
+                <a16:creationId xmlns:a16="http://schemas.microsoft.com/office/drawing/2014/main" id="{C4B209B2-645A-1957-2428-6D96A4097FD2}"/>
+              </a:ext>
+            </a:extLst>
+          </p:cNvPr>
           <p:cNvSpPr>
             <a:spLocks noGrp="1"/>
           </p:cNvSpPr>
@@ -864,7 +882,13 @@
       </p:sp>
       <p:sp>
         <p:nvSpPr>
-          <p:cNvPr id="4" name="Slide Number Placeholder 3"/>
+          <p:cNvPr id="4" name="Slide Number Placeholder 3">
+            <a:extLst>
+              <a:ext uri="{FF2B5EF4-FFF2-40B4-BE49-F238E27FC236}">
+                <a16:creationId xmlns:a16="http://schemas.microsoft.com/office/drawing/2014/main" id="{994E8002-1B1A-734E-9CAB-96567A333E52}"/>
+              </a:ext>
+            </a:extLst>
+          </p:cNvPr>
           <p:cNvSpPr>
             <a:spLocks noGrp="1"/>
           </p:cNvSpPr>
@@ -877,7 +901,7 @@
           <a:bodyPr/>
           <a:lstStyle/>
           <a:p>
-            <a:pPr marL="0" marR="0" lvl="0" indent="0" algn="r" defTabSz="914400" rtl="0" eaLnBrk="1" fontAlgn="auto" latinLnBrk="0" hangingPunct="1">
+            <a:pPr marL="0" marR="0" lvl="0" indent="0" algn="r" defTabSz="457200" rtl="0" eaLnBrk="1" fontAlgn="auto" latinLnBrk="0" hangingPunct="1">
               <a:lnSpc>
                 <a:spcPct val="100000"/>
               </a:lnSpc>
@@ -909,7 +933,7 @@
                 <a:ea typeface="+mn-ea"/>
                 <a:cs typeface="+mn-cs"/>
               </a:rPr>
-              <a:pPr marL="0" marR="0" lvl="0" indent="0" algn="r" defTabSz="914400" rtl="0" eaLnBrk="1" fontAlgn="auto" latinLnBrk="0" hangingPunct="1">
+              <a:pPr marL="0" marR="0" lvl="0" indent="0" algn="r" defTabSz="457200" rtl="0" eaLnBrk="1" fontAlgn="auto" latinLnBrk="0" hangingPunct="1">
                 <a:lnSpc>
                   <a:spcPct val="100000"/>
                 </a:lnSpc>
@@ -948,7 +972,7 @@
     </p:spTree>
     <p:extLst>
       <p:ext uri="{BB962C8B-B14F-4D97-AF65-F5344CB8AC3E}">
-        <p14:creationId xmlns:p14="http://schemas.microsoft.com/office/powerpoint/2010/main" val="3914211736"/>
+        <p14:creationId xmlns:p14="http://schemas.microsoft.com/office/powerpoint/2010/main" val="1131988218"/>
       </p:ext>
     </p:extLst>
   </p:cSld>
@@ -966,7 +990,7 @@
         <p:cNvPr id="1" name="">
           <a:extLst>
             <a:ext uri="{FF2B5EF4-FFF2-40B4-BE49-F238E27FC236}">
-              <a16:creationId xmlns:a16="http://schemas.microsoft.com/office/drawing/2014/main" id="{6B7B32FB-9398-180D-A45B-7C5AFC7609AD}"/>
+              <a16:creationId xmlns:a16="http://schemas.microsoft.com/office/drawing/2014/main" id="{FF3CFB9A-5F99-15B3-C53D-65444AC92EF5}"/>
             </a:ext>
           </a:extLst>
         </p:cNvPr>
@@ -986,7 +1010,7 @@
           <p:cNvPr id="2" name="Slide Image Placeholder 1">
             <a:extLst>
               <a:ext uri="{FF2B5EF4-FFF2-40B4-BE49-F238E27FC236}">
-                <a16:creationId xmlns:a16="http://schemas.microsoft.com/office/drawing/2014/main" id="{6BC2B6DC-5467-59EC-5187-5A1BA5A7FD9B}"/>
+                <a16:creationId xmlns:a16="http://schemas.microsoft.com/office/drawing/2014/main" id="{B329EFEA-8AD8-5055-AF23-EE4EF73A9C06}"/>
               </a:ext>
             </a:extLst>
           </p:cNvPr>
@@ -1004,7 +1028,7 @@
           <p:cNvPr id="3" name="Notes Placeholder 2">
             <a:extLst>
               <a:ext uri="{FF2B5EF4-FFF2-40B4-BE49-F238E27FC236}">
-                <a16:creationId xmlns:a16="http://schemas.microsoft.com/office/drawing/2014/main" id="{BE40483A-CB7D-9549-71CB-4F2A821BD13E}"/>
+                <a16:creationId xmlns:a16="http://schemas.microsoft.com/office/drawing/2014/main" id="{3A07EDE2-2593-E1ED-F0C0-9E97E95E6F09}"/>
               </a:ext>
             </a:extLst>
           </p:cNvPr>
@@ -1029,7 +1053,7 @@
           <p:cNvPr id="4" name="Slide Number Placeholder 3">
             <a:extLst>
               <a:ext uri="{FF2B5EF4-FFF2-40B4-BE49-F238E27FC236}">
-                <a16:creationId xmlns:a16="http://schemas.microsoft.com/office/drawing/2014/main" id="{13247C74-AC22-C01E-1FE7-DF4858058338}"/>
+                <a16:creationId xmlns:a16="http://schemas.microsoft.com/office/drawing/2014/main" id="{927E49C5-2979-5999-3AA6-126DA5CF495F}"/>
               </a:ext>
             </a:extLst>
           </p:cNvPr>
@@ -1045,7 +1069,7 @@
           <a:bodyPr/>
           <a:lstStyle/>
           <a:p>
-            <a:pPr marL="0" marR="0" lvl="0" indent="0" algn="r" defTabSz="914400" rtl="0" eaLnBrk="1" fontAlgn="auto" latinLnBrk="0" hangingPunct="1">
+            <a:pPr marL="0" marR="0" lvl="0" indent="0" algn="r" defTabSz="457200" rtl="0" eaLnBrk="1" fontAlgn="auto" latinLnBrk="0" hangingPunct="1">
               <a:lnSpc>
                 <a:spcPct val="100000"/>
               </a:lnSpc>
@@ -1077,7 +1101,7 @@
                 <a:ea typeface="+mn-ea"/>
                 <a:cs typeface="+mn-cs"/>
               </a:rPr>
-              <a:pPr marL="0" marR="0" lvl="0" indent="0" algn="r" defTabSz="914400" rtl="0" eaLnBrk="1" fontAlgn="auto" latinLnBrk="0" hangingPunct="1">
+              <a:pPr marL="0" marR="0" lvl="0" indent="0" algn="r" defTabSz="457200" rtl="0" eaLnBrk="1" fontAlgn="auto" latinLnBrk="0" hangingPunct="1">
                 <a:lnSpc>
                   <a:spcPct val="100000"/>
                 </a:lnSpc>
@@ -1116,7 +1140,7 @@
     </p:spTree>
     <p:extLst>
       <p:ext uri="{BB962C8B-B14F-4D97-AF65-F5344CB8AC3E}">
-        <p14:creationId xmlns:p14="http://schemas.microsoft.com/office/powerpoint/2010/main" val="3789013197"/>
+        <p14:creationId xmlns:p14="http://schemas.microsoft.com/office/powerpoint/2010/main" val="1250896027"/>
       </p:ext>
     </p:extLst>
   </p:cSld>
@@ -1134,7 +1158,7 @@
         <p:cNvPr id="1" name="">
           <a:extLst>
             <a:ext uri="{FF2B5EF4-FFF2-40B4-BE49-F238E27FC236}">
-              <a16:creationId xmlns:a16="http://schemas.microsoft.com/office/drawing/2014/main" id="{F81A87E6-E9D9-305B-0AC7-668D18AAD1C9}"/>
+              <a16:creationId xmlns:a16="http://schemas.microsoft.com/office/drawing/2014/main" id="{49DCB4EE-1D02-31D1-3863-69DC5002943C}"/>
             </a:ext>
           </a:extLst>
         </p:cNvPr>
@@ -1154,7 +1178,7 @@
           <p:cNvPr id="2" name="Slide Image Placeholder 1">
             <a:extLst>
               <a:ext uri="{FF2B5EF4-FFF2-40B4-BE49-F238E27FC236}">
-                <a16:creationId xmlns:a16="http://schemas.microsoft.com/office/drawing/2014/main" id="{0539F0F2-6DE8-0BA6-8DF8-79935ABB7863}"/>
+                <a16:creationId xmlns:a16="http://schemas.microsoft.com/office/drawing/2014/main" id="{4974B045-83E8-DBB6-DB92-1F815E3F2150}"/>
               </a:ext>
             </a:extLst>
           </p:cNvPr>
@@ -1172,7 +1196,7 @@
           <p:cNvPr id="3" name="Notes Placeholder 2">
             <a:extLst>
               <a:ext uri="{FF2B5EF4-FFF2-40B4-BE49-F238E27FC236}">
-                <a16:creationId xmlns:a16="http://schemas.microsoft.com/office/drawing/2014/main" id="{7EC03B5F-7A5B-2F3B-97F4-238C7811FF06}"/>
+                <a16:creationId xmlns:a16="http://schemas.microsoft.com/office/drawing/2014/main" id="{130C9A4C-658B-95B0-1072-0A842A515424}"/>
               </a:ext>
             </a:extLst>
           </p:cNvPr>
@@ -1197,7 +1221,7 @@
           <p:cNvPr id="4" name="Slide Number Placeholder 3">
             <a:extLst>
               <a:ext uri="{FF2B5EF4-FFF2-40B4-BE49-F238E27FC236}">
-                <a16:creationId xmlns:a16="http://schemas.microsoft.com/office/drawing/2014/main" id="{C27C235D-688C-3780-5817-E0BA500D0908}"/>
+                <a16:creationId xmlns:a16="http://schemas.microsoft.com/office/drawing/2014/main" id="{71A621F1-250D-92C3-A37D-C9D8FEE2940B}"/>
               </a:ext>
             </a:extLst>
           </p:cNvPr>
@@ -1213,7 +1237,7 @@
           <a:bodyPr/>
           <a:lstStyle/>
           <a:p>
-            <a:pPr marL="0" marR="0" lvl="0" indent="0" algn="r" defTabSz="914400" rtl="0" eaLnBrk="1" fontAlgn="auto" latinLnBrk="0" hangingPunct="1">
+            <a:pPr marL="0" marR="0" lvl="0" indent="0" algn="r" defTabSz="457200" rtl="0" eaLnBrk="1" fontAlgn="auto" latinLnBrk="0" hangingPunct="1">
               <a:lnSpc>
                 <a:spcPct val="100000"/>
               </a:lnSpc>
@@ -1245,7 +1269,7 @@
                 <a:ea typeface="+mn-ea"/>
                 <a:cs typeface="+mn-cs"/>
               </a:rPr>
-              <a:pPr marL="0" marR="0" lvl="0" indent="0" algn="r" defTabSz="914400" rtl="0" eaLnBrk="1" fontAlgn="auto" latinLnBrk="0" hangingPunct="1">
+              <a:pPr marL="0" marR="0" lvl="0" indent="0" algn="r" defTabSz="457200" rtl="0" eaLnBrk="1" fontAlgn="auto" latinLnBrk="0" hangingPunct="1">
                 <a:lnSpc>
                   <a:spcPct val="100000"/>
                 </a:lnSpc>
@@ -1284,7 +1308,7 @@
     </p:spTree>
     <p:extLst>
       <p:ext uri="{BB962C8B-B14F-4D97-AF65-F5344CB8AC3E}">
-        <p14:creationId xmlns:p14="http://schemas.microsoft.com/office/powerpoint/2010/main" val="3841012965"/>
+        <p14:creationId xmlns:p14="http://schemas.microsoft.com/office/powerpoint/2010/main" val="3859495286"/>
       </p:ext>
     </p:extLst>
   </p:cSld>
@@ -4802,7 +4826,7 @@
         <p:cNvPr id="1" name="">
           <a:extLst>
             <a:ext uri="{FF2B5EF4-FFF2-40B4-BE49-F238E27FC236}">
-              <a16:creationId xmlns:a16="http://schemas.microsoft.com/office/drawing/2014/main" id="{0D47BF54-434B-7B3E-5F8A-2742CA20661A}"/>
+              <a16:creationId xmlns:a16="http://schemas.microsoft.com/office/drawing/2014/main" id="{E52BBE24-7E81-F770-445E-CFEE00FC6667}"/>
             </a:ext>
           </a:extLst>
         </p:cNvPr>
@@ -4822,7 +4846,7 @@
           <p:cNvPr id="2" name="Slide Image Placeholder 1">
             <a:extLst>
               <a:ext uri="{FF2B5EF4-FFF2-40B4-BE49-F238E27FC236}">
-                <a16:creationId xmlns:a16="http://schemas.microsoft.com/office/drawing/2014/main" id="{E42FD0C5-7BFD-C53D-4DE5-494BD498D3A8}"/>
+                <a16:creationId xmlns:a16="http://schemas.microsoft.com/office/drawing/2014/main" id="{40441018-F035-A354-6947-11DF8E229105}"/>
               </a:ext>
             </a:extLst>
           </p:cNvPr>
@@ -4840,7 +4864,7 @@
           <p:cNvPr id="3" name="Notes Placeholder 2">
             <a:extLst>
               <a:ext uri="{FF2B5EF4-FFF2-40B4-BE49-F238E27FC236}">
-                <a16:creationId xmlns:a16="http://schemas.microsoft.com/office/drawing/2014/main" id="{697CD58B-E578-99F4-E866-B356F0898EA1}"/>
+                <a16:creationId xmlns:a16="http://schemas.microsoft.com/office/drawing/2014/main" id="{3BAFF490-20A1-2F8A-76B9-00D9E4407FC0}"/>
               </a:ext>
             </a:extLst>
           </p:cNvPr>
@@ -4865,7 +4889,7 @@
           <p:cNvPr id="4" name="Slide Number Placeholder 3">
             <a:extLst>
               <a:ext uri="{FF2B5EF4-FFF2-40B4-BE49-F238E27FC236}">
-                <a16:creationId xmlns:a16="http://schemas.microsoft.com/office/drawing/2014/main" id="{0CE4D537-ECBF-4169-28C2-C537B209ABF6}"/>
+                <a16:creationId xmlns:a16="http://schemas.microsoft.com/office/drawing/2014/main" id="{1FC6EDAB-A806-B42D-9AC7-67F43594A13F}"/>
               </a:ext>
             </a:extLst>
           </p:cNvPr>
@@ -4952,7 +4976,7 @@
     </p:spTree>
     <p:extLst>
       <p:ext uri="{BB962C8B-B14F-4D97-AF65-F5344CB8AC3E}">
-        <p14:creationId xmlns:p14="http://schemas.microsoft.com/office/powerpoint/2010/main" val="2612783760"/>
+        <p14:creationId xmlns:p14="http://schemas.microsoft.com/office/powerpoint/2010/main" val="117588148"/>
       </p:ext>
     </p:extLst>
   </p:cSld>
@@ -4967,7 +4991,13 @@
   <p:cSld>
     <p:spTree>
       <p:nvGrpSpPr>
-        <p:cNvPr id="1" name=""/>
+        <p:cNvPr id="1" name="">
+          <a:extLst>
+            <a:ext uri="{FF2B5EF4-FFF2-40B4-BE49-F238E27FC236}">
+              <a16:creationId xmlns:a16="http://schemas.microsoft.com/office/drawing/2014/main" id="{5FCCBA65-4966-AEB1-5184-672F893B463A}"/>
+            </a:ext>
+          </a:extLst>
+        </p:cNvPr>
         <p:cNvGrpSpPr/>
         <p:nvPr/>
       </p:nvGrpSpPr>
@@ -4981,7 +5011,13 @@
       </p:grpSpPr>
       <p:sp>
         <p:nvSpPr>
-          <p:cNvPr id="2" name="Slide Image Placeholder 1"/>
+          <p:cNvPr id="2" name="Slide Image Placeholder 1">
+            <a:extLst>
+              <a:ext uri="{FF2B5EF4-FFF2-40B4-BE49-F238E27FC236}">
+                <a16:creationId xmlns:a16="http://schemas.microsoft.com/office/drawing/2014/main" id="{534B5C98-3712-4087-17E4-AAEDE1FDD0E5}"/>
+              </a:ext>
+            </a:extLst>
+          </p:cNvPr>
           <p:cNvSpPr>
             <a:spLocks noGrp="1" noRot="1" noChangeAspect="1"/>
           </p:cNvSpPr>
@@ -4993,7 +5029,13 @@
       </p:sp>
       <p:sp>
         <p:nvSpPr>
-          <p:cNvPr id="3" name="Notes Placeholder 2"/>
+          <p:cNvPr id="3" name="Notes Placeholder 2">
+            <a:extLst>
+              <a:ext uri="{FF2B5EF4-FFF2-40B4-BE49-F238E27FC236}">
+                <a16:creationId xmlns:a16="http://schemas.microsoft.com/office/drawing/2014/main" id="{BDE221F6-8E46-2E63-D625-305FF0B85E6C}"/>
+              </a:ext>
+            </a:extLst>
+          </p:cNvPr>
           <p:cNvSpPr>
             <a:spLocks noGrp="1"/>
           </p:cNvSpPr>
@@ -5006,13 +5048,19 @@
           <a:bodyPr/>
           <a:lstStyle/>
           <a:p>
-            <a:endParaRPr lang="en-US"/>
-          </a:p>
-        </p:txBody>
-      </p:sp>
-      <p:sp>
-        <p:nvSpPr>
-          <p:cNvPr id="4" name="Slide Number Placeholder 3"/>
+            <a:endParaRPr lang="en-US" dirty="0"/>
+          </a:p>
+        </p:txBody>
+      </p:sp>
+      <p:sp>
+        <p:nvSpPr>
+          <p:cNvPr id="4" name="Slide Number Placeholder 3">
+            <a:extLst>
+              <a:ext uri="{FF2B5EF4-FFF2-40B4-BE49-F238E27FC236}">
+                <a16:creationId xmlns:a16="http://schemas.microsoft.com/office/drawing/2014/main" id="{4696144F-A0F2-4738-53D5-16FED31D63FA}"/>
+              </a:ext>
+            </a:extLst>
+          </p:cNvPr>
           <p:cNvSpPr>
             <a:spLocks noGrp="1"/>
           </p:cNvSpPr>
@@ -5025,7 +5073,7 @@
           <a:bodyPr/>
           <a:lstStyle/>
           <a:p>
-            <a:pPr marL="0" marR="0" lvl="0" indent="0" algn="r" defTabSz="914400" rtl="0" eaLnBrk="1" fontAlgn="auto" latinLnBrk="0" hangingPunct="1">
+            <a:pPr marL="0" marR="0" lvl="0" indent="0" algn="r" defTabSz="457200" rtl="0" eaLnBrk="1" fontAlgn="auto" latinLnBrk="0" hangingPunct="1">
               <a:lnSpc>
                 <a:spcPct val="100000"/>
               </a:lnSpc>
@@ -5057,7 +5105,7 @@
                 <a:ea typeface="+mn-ea"/>
                 <a:cs typeface="+mn-cs"/>
               </a:rPr>
-              <a:pPr marL="0" marR="0" lvl="0" indent="0" algn="r" defTabSz="914400" rtl="0" eaLnBrk="1" fontAlgn="auto" latinLnBrk="0" hangingPunct="1">
+              <a:pPr marL="0" marR="0" lvl="0" indent="0" algn="r" defTabSz="457200" rtl="0" eaLnBrk="1" fontAlgn="auto" latinLnBrk="0" hangingPunct="1">
                 <a:lnSpc>
                   <a:spcPct val="100000"/>
                 </a:lnSpc>
@@ -5096,7 +5144,7 @@
     </p:spTree>
     <p:extLst>
       <p:ext uri="{BB962C8B-B14F-4D97-AF65-F5344CB8AC3E}">
-        <p14:creationId xmlns:p14="http://schemas.microsoft.com/office/powerpoint/2010/main" val="1802114405"/>
+        <p14:creationId xmlns:p14="http://schemas.microsoft.com/office/powerpoint/2010/main" val="830625555"/>
       </p:ext>
     </p:extLst>
   </p:cSld>
@@ -5150,7 +5198,7 @@
           <a:bodyPr/>
           <a:lstStyle/>
           <a:p>
-            <a:endParaRPr lang="en-US" dirty="0"/>
+            <a:endParaRPr lang="en-US"/>
           </a:p>
         </p:txBody>
       </p:sp>
@@ -5169,7 +5217,7 @@
           <a:bodyPr/>
           <a:lstStyle/>
           <a:p>
-            <a:pPr marL="0" marR="0" lvl="0" indent="0" algn="r" defTabSz="914400" rtl="0" eaLnBrk="1" fontAlgn="auto" latinLnBrk="0" hangingPunct="1">
+            <a:pPr marL="0" marR="0" lvl="0" indent="0" algn="r" defTabSz="457200" rtl="0" eaLnBrk="1" fontAlgn="auto" latinLnBrk="0" hangingPunct="1">
               <a:lnSpc>
                 <a:spcPct val="100000"/>
               </a:lnSpc>
@@ -5201,7 +5249,7 @@
                 <a:ea typeface="+mn-ea"/>
                 <a:cs typeface="+mn-cs"/>
               </a:rPr>
-              <a:pPr marL="0" marR="0" lvl="0" indent="0" algn="r" defTabSz="914400" rtl="0" eaLnBrk="1" fontAlgn="auto" latinLnBrk="0" hangingPunct="1">
+              <a:pPr marL="0" marR="0" lvl="0" indent="0" algn="r" defTabSz="457200" rtl="0" eaLnBrk="1" fontAlgn="auto" latinLnBrk="0" hangingPunct="1">
                 <a:lnSpc>
                   <a:spcPct val="100000"/>
                 </a:lnSpc>
@@ -5240,7 +5288,7 @@
     </p:spTree>
     <p:extLst>
       <p:ext uri="{BB962C8B-B14F-4D97-AF65-F5344CB8AC3E}">
-        <p14:creationId xmlns:p14="http://schemas.microsoft.com/office/powerpoint/2010/main" val="3914211736"/>
+        <p14:creationId xmlns:p14="http://schemas.microsoft.com/office/powerpoint/2010/main" val="1802114405"/>
       </p:ext>
     </p:extLst>
   </p:cSld>
@@ -5294,7 +5342,7 @@
           <a:bodyPr/>
           <a:lstStyle/>
           <a:p>
-            <a:endParaRPr lang="en-US"/>
+            <a:endParaRPr lang="en-US" dirty="0"/>
           </a:p>
         </p:txBody>
       </p:sp>
@@ -5313,7 +5361,7 @@
           <a:bodyPr/>
           <a:lstStyle/>
           <a:p>
-            <a:pPr marL="0" marR="0" lvl="0" indent="0" algn="r" defTabSz="914400" rtl="0" eaLnBrk="1" fontAlgn="auto" latinLnBrk="0" hangingPunct="1">
+            <a:pPr marL="0" marR="0" lvl="0" indent="0" algn="r" defTabSz="457200" rtl="0" eaLnBrk="1" fontAlgn="auto" latinLnBrk="0" hangingPunct="1">
               <a:lnSpc>
                 <a:spcPct val="100000"/>
               </a:lnSpc>
@@ -5345,7 +5393,7 @@
                 <a:ea typeface="+mn-ea"/>
                 <a:cs typeface="+mn-cs"/>
               </a:rPr>
-              <a:pPr marL="0" marR="0" lvl="0" indent="0" algn="r" defTabSz="914400" rtl="0" eaLnBrk="1" fontAlgn="auto" latinLnBrk="0" hangingPunct="1">
+              <a:pPr marL="0" marR="0" lvl="0" indent="0" algn="r" defTabSz="457200" rtl="0" eaLnBrk="1" fontAlgn="auto" latinLnBrk="0" hangingPunct="1">
                 <a:lnSpc>
                   <a:spcPct val="100000"/>
                 </a:lnSpc>
@@ -5384,7 +5432,7 @@
     </p:spTree>
     <p:extLst>
       <p:ext uri="{BB962C8B-B14F-4D97-AF65-F5344CB8AC3E}">
-        <p14:creationId xmlns:p14="http://schemas.microsoft.com/office/powerpoint/2010/main" val="1802114405"/>
+        <p14:creationId xmlns:p14="http://schemas.microsoft.com/office/powerpoint/2010/main" val="207206028"/>
       </p:ext>
     </p:extLst>
   </p:cSld>
@@ -5546,7 +5594,7 @@
             <a:pPr rtl="0"/>
             <a:fld id="{577270AC-D87E-4C20-BAE0-C01CAC4145D6}" type="datetime1">
               <a:rPr lang="en-GB" noProof="0" smtClean="0"/>
-              <a:t>28/03/2025</a:t>
+              <a:t>05/04/2025</a:t>
             </a:fld>
             <a:endParaRPr lang="en-GB" noProof="0"/>
           </a:p>
@@ -5752,7 +5800,7 @@
           <a:p>
             <a:fld id="{5DF1063C-92B4-4639-B2A4-9B5B377FD0D0}" type="datetime2">
               <a:rPr lang="km-KH" smtClean="0"/>
-              <a:t>ថ្ងៃសុក្រ 28 មិនា 2025</a:t>
+              <a:t>ថ្ងៃសៅរ៍ 5 មេសា 2025</a:t>
             </a:fld>
             <a:endParaRPr lang="en-US"/>
           </a:p>
@@ -5807,7 +5855,7 @@
     </p:spTree>
     <p:extLst>
       <p:ext uri="{BB962C8B-B14F-4D97-AF65-F5344CB8AC3E}">
-        <p14:creationId xmlns:p14="http://schemas.microsoft.com/office/powerpoint/2010/main" val="1745480766"/>
+        <p14:creationId xmlns:p14="http://schemas.microsoft.com/office/powerpoint/2010/main" val="1316752356"/>
       </p:ext>
     </p:extLst>
   </p:cSld>
@@ -5926,7 +5974,7 @@
           <a:p>
             <a:fld id="{60870323-6C7C-43CB-8237-9591F503B365}" type="datetime2">
               <a:rPr lang="km-KH" smtClean="0"/>
-              <a:t>ថ្ងៃសុក្រ 28 មិនា 2025</a:t>
+              <a:t>ថ្ងៃសៅរ៍ 5 មេសា 2025</a:t>
             </a:fld>
             <a:endParaRPr lang="en-US"/>
           </a:p>
@@ -5981,7 +6029,7 @@
     </p:spTree>
     <p:extLst>
       <p:ext uri="{BB962C8B-B14F-4D97-AF65-F5344CB8AC3E}">
-        <p14:creationId xmlns:p14="http://schemas.microsoft.com/office/powerpoint/2010/main" val="4128390585"/>
+        <p14:creationId xmlns:p14="http://schemas.microsoft.com/office/powerpoint/2010/main" val="3741822863"/>
       </p:ext>
     </p:extLst>
   </p:cSld>
@@ -6176,7 +6224,7 @@
           <a:p>
             <a:fld id="{0C14906D-ACD1-4D14-8BAA-09D5741CB142}" type="datetime2">
               <a:rPr lang="km-KH" smtClean="0"/>
-              <a:t>ថ្ងៃសុក្រ 28 មិនា 2025</a:t>
+              <a:t>ថ្ងៃសៅរ៍ 5 មេសា 2025</a:t>
             </a:fld>
             <a:endParaRPr lang="en-US"/>
           </a:p>
@@ -6231,7 +6279,7 @@
     </p:spTree>
     <p:extLst>
       <p:ext uri="{BB962C8B-B14F-4D97-AF65-F5344CB8AC3E}">
-        <p14:creationId xmlns:p14="http://schemas.microsoft.com/office/powerpoint/2010/main" val="1856661587"/>
+        <p14:creationId xmlns:p14="http://schemas.microsoft.com/office/powerpoint/2010/main" val="1226966003"/>
       </p:ext>
     </p:extLst>
   </p:cSld>
@@ -6412,7 +6460,7 @@
           <a:p>
             <a:fld id="{205040C8-119B-4E21-AA8C-AFF679A91D54}" type="datetime2">
               <a:rPr lang="km-KH" smtClean="0"/>
-              <a:t>ថ្ងៃសុក្រ 28 មិនា 2025</a:t>
+              <a:t>ថ្ងៃសៅរ៍ 5 មេសា 2025</a:t>
             </a:fld>
             <a:endParaRPr lang="en-US"/>
           </a:p>
@@ -6467,7 +6515,7 @@
     </p:spTree>
     <p:extLst>
       <p:ext uri="{BB962C8B-B14F-4D97-AF65-F5344CB8AC3E}">
-        <p14:creationId xmlns:p14="http://schemas.microsoft.com/office/powerpoint/2010/main" val="3511832378"/>
+        <p14:creationId xmlns:p14="http://schemas.microsoft.com/office/powerpoint/2010/main" val="1385727082"/>
       </p:ext>
     </p:extLst>
   </p:cSld>
@@ -6783,7 +6831,7 @@
           <a:p>
             <a:fld id="{53D7C5FC-45F3-459C-B7E8-4192AEB6866E}" type="datetime2">
               <a:rPr lang="km-KH" smtClean="0"/>
-              <a:t>ថ្ងៃសុក្រ 28 មិនា 2025</a:t>
+              <a:t>ថ្ងៃសៅរ៍ 5 មេសា 2025</a:t>
             </a:fld>
             <a:endParaRPr lang="en-US"/>
           </a:p>
@@ -6838,7 +6886,7 @@
     </p:spTree>
     <p:extLst>
       <p:ext uri="{BB962C8B-B14F-4D97-AF65-F5344CB8AC3E}">
-        <p14:creationId xmlns:p14="http://schemas.microsoft.com/office/powerpoint/2010/main" val="2841353051"/>
+        <p14:creationId xmlns:p14="http://schemas.microsoft.com/office/powerpoint/2010/main" val="4259077501"/>
       </p:ext>
     </p:extLst>
   </p:cSld>
@@ -6905,7 +6953,7 @@
           <a:p>
             <a:fld id="{4B857738-2A4E-4BB5-9CB1-EDD07A4F37B3}" type="datetime2">
               <a:rPr lang="km-KH" smtClean="0"/>
-              <a:t>ថ្ងៃសុក្រ 28 មិនា 2025</a:t>
+              <a:t>ថ្ងៃសៅរ៍ 5 មេសា 2025</a:t>
             </a:fld>
             <a:endParaRPr lang="en-US"/>
           </a:p>
@@ -6960,7 +7008,7 @@
     </p:spTree>
     <p:extLst>
       <p:ext uri="{BB962C8B-B14F-4D97-AF65-F5344CB8AC3E}">
-        <p14:creationId xmlns:p14="http://schemas.microsoft.com/office/powerpoint/2010/main" val="3382157833"/>
+        <p14:creationId xmlns:p14="http://schemas.microsoft.com/office/powerpoint/2010/main" val="324371304"/>
       </p:ext>
     </p:extLst>
   </p:cSld>
@@ -7004,7 +7052,7 @@
           <a:p>
             <a:fld id="{C4777F6E-77D9-44CF-A86F-57E9F3835902}" type="datetime2">
               <a:rPr lang="km-KH" smtClean="0"/>
-              <a:t>ថ្ងៃសុក្រ 28 មិនា 2025</a:t>
+              <a:t>ថ្ងៃសៅរ៍ 5 មេសា 2025</a:t>
             </a:fld>
             <a:endParaRPr lang="en-US"/>
           </a:p>
@@ -7059,7 +7107,7 @@
     </p:spTree>
     <p:extLst>
       <p:ext uri="{BB962C8B-B14F-4D97-AF65-F5344CB8AC3E}">
-        <p14:creationId xmlns:p14="http://schemas.microsoft.com/office/powerpoint/2010/main" val="261572119"/>
+        <p14:creationId xmlns:p14="http://schemas.microsoft.com/office/powerpoint/2010/main" val="3447764448"/>
       </p:ext>
     </p:extLst>
   </p:cSld>
@@ -7285,7 +7333,7 @@
           <a:p>
             <a:fld id="{E10B6B7A-E7DE-45FD-A9AD-CA1E02362856}" type="datetime2">
               <a:rPr lang="km-KH" smtClean="0"/>
-              <a:t>ថ្ងៃសុក្រ 28 មិនា 2025</a:t>
+              <a:t>ថ្ងៃសៅរ៍ 5 មេសា 2025</a:t>
             </a:fld>
             <a:endParaRPr lang="en-US"/>
           </a:p>
@@ -7340,7 +7388,7 @@
     </p:spTree>
     <p:extLst>
       <p:ext uri="{BB962C8B-B14F-4D97-AF65-F5344CB8AC3E}">
-        <p14:creationId xmlns:p14="http://schemas.microsoft.com/office/powerpoint/2010/main" val="1808978998"/>
+        <p14:creationId xmlns:p14="http://schemas.microsoft.com/office/powerpoint/2010/main" val="3867808055"/>
       </p:ext>
     </p:extLst>
   </p:cSld>
@@ -7546,7 +7594,7 @@
           <a:p>
             <a:fld id="{6A580026-77E6-45E7-B429-7352C4C96152}" type="datetime2">
               <a:rPr lang="km-KH" smtClean="0"/>
-              <a:t>ថ្ងៃសុក្រ 28 មិនា 2025</a:t>
+              <a:t>ថ្ងៃសៅរ៍ 5 មេសា 2025</a:t>
             </a:fld>
             <a:endParaRPr lang="en-US"/>
           </a:p>
@@ -7601,7 +7649,7 @@
     </p:spTree>
     <p:extLst>
       <p:ext uri="{BB962C8B-B14F-4D97-AF65-F5344CB8AC3E}">
-        <p14:creationId xmlns:p14="http://schemas.microsoft.com/office/powerpoint/2010/main" val="3851940440"/>
+        <p14:creationId xmlns:p14="http://schemas.microsoft.com/office/powerpoint/2010/main" val="1715885972"/>
       </p:ext>
     </p:extLst>
   </p:cSld>
@@ -7720,7 +7768,7 @@
           <a:p>
             <a:fld id="{A4AE8454-A0E4-46E5-BD04-852FCCB8C532}" type="datetime2">
               <a:rPr lang="km-KH" smtClean="0"/>
-              <a:t>ថ្ងៃសុក្រ 28 មិនា 2025</a:t>
+              <a:t>ថ្ងៃសៅរ៍ 5 មេសា 2025</a:t>
             </a:fld>
             <a:endParaRPr lang="en-US"/>
           </a:p>
@@ -7775,7 +7823,7 @@
     </p:spTree>
     <p:extLst>
       <p:ext uri="{BB962C8B-B14F-4D97-AF65-F5344CB8AC3E}">
-        <p14:creationId xmlns:p14="http://schemas.microsoft.com/office/powerpoint/2010/main" val="2677310883"/>
+        <p14:creationId xmlns:p14="http://schemas.microsoft.com/office/powerpoint/2010/main" val="1699930319"/>
       </p:ext>
     </p:extLst>
   </p:cSld>
@@ -7914,7 +7962,7 @@
             <a:pPr rtl="0"/>
             <a:fld id="{C584AF80-427F-4B7E-8AFB-9F055C9D1200}" type="datetime1">
               <a:rPr lang="en-GB" noProof="0" smtClean="0"/>
-              <a:t>28/03/2025</a:t>
+              <a:t>05/04/2025</a:t>
             </a:fld>
             <a:endParaRPr lang="en-GB" noProof="0"/>
           </a:p>
@@ -8108,7 +8156,7 @@
           <a:p>
             <a:fld id="{118E3421-6617-4F71-BC95-82B7D967DA33}" type="datetime2">
               <a:rPr lang="km-KH" smtClean="0"/>
-              <a:t>ថ្ងៃសុក្រ 28 មិនា 2025</a:t>
+              <a:t>ថ្ងៃសៅរ៍ 5 មេសា 2025</a:t>
             </a:fld>
             <a:endParaRPr lang="en-US"/>
           </a:p>
@@ -8163,7 +8211,7 @@
     </p:spTree>
     <p:extLst>
       <p:ext uri="{BB962C8B-B14F-4D97-AF65-F5344CB8AC3E}">
-        <p14:creationId xmlns:p14="http://schemas.microsoft.com/office/powerpoint/2010/main" val="909230139"/>
+        <p14:creationId xmlns:p14="http://schemas.microsoft.com/office/powerpoint/2010/main" val="621624770"/>
       </p:ext>
     </p:extLst>
   </p:cSld>
@@ -8378,7 +8426,7 @@
             <a:pPr rtl="0"/>
             <a:fld id="{485D780E-12C7-4DB2-87AB-65D425DC6965}" type="datetime1">
               <a:rPr lang="en-GB" noProof="0" smtClean="0"/>
-              <a:t>28/03/2025</a:t>
+              <a:t>05/04/2025</a:t>
             </a:fld>
             <a:endParaRPr lang="en-GB" noProof="0"/>
           </a:p>
@@ -8650,7 +8698,7 @@
             <a:pPr rtl="0"/>
             <a:fld id="{782B2D28-1BDE-4A42-9BD6-521F991A381F}" type="datetime1">
               <a:rPr lang="en-GB" noProof="0" smtClean="0"/>
-              <a:t>28/03/2025</a:t>
+              <a:t>05/04/2025</a:t>
             </a:fld>
             <a:endParaRPr lang="en-GB" noProof="0"/>
           </a:p>
@@ -9069,7 +9117,7 @@
             <a:pPr rtl="0"/>
             <a:fld id="{29A21F97-6942-4EA8-BF0F-4226734E2FE8}" type="datetime1">
               <a:rPr lang="en-GB" noProof="0" smtClean="0"/>
-              <a:t>28/03/2025</a:t>
+              <a:t>05/04/2025</a:t>
             </a:fld>
             <a:endParaRPr lang="en-GB" noProof="0"/>
           </a:p>
@@ -9215,7 +9263,7 @@
             <a:pPr rtl="0"/>
             <a:fld id="{3A946C08-804A-46EE-A5DC-2F92DA2A916E}" type="datetime1">
               <a:rPr lang="en-GB" noProof="0" smtClean="0"/>
-              <a:t>28/03/2025</a:t>
+              <a:t>05/04/2025</a:t>
             </a:fld>
             <a:endParaRPr lang="en-GB" noProof="0"/>
           </a:p>
@@ -9331,7 +9379,7 @@
             <a:pPr rtl="0"/>
             <a:fld id="{4BE7FF7F-B954-40E6-838D-6CDF70EE9472}" type="datetime1">
               <a:rPr lang="en-GB" noProof="0" smtClean="0"/>
-              <a:t>28/03/2025</a:t>
+              <a:t>05/04/2025</a:t>
             </a:fld>
             <a:endParaRPr lang="en-GB" noProof="0"/>
           </a:p>
@@ -9648,7 +9696,7 @@
             <a:pPr rtl="0"/>
             <a:fld id="{158FF1B8-9CBE-4ED2-8687-FBE8F3F23425}" type="datetime1">
               <a:rPr lang="en-GB" noProof="0" smtClean="0"/>
-              <a:t>28/03/2025</a:t>
+              <a:t>05/04/2025</a:t>
             </a:fld>
             <a:endParaRPr lang="en-GB" noProof="0"/>
           </a:p>
@@ -9946,7 +9994,7 @@
             <a:pPr rtl="0"/>
             <a:fld id="{B50E7C47-A7DA-4C2E-82F9-ADD6120F140B}" type="datetime1">
               <a:rPr lang="en-GB" noProof="0" smtClean="0"/>
-              <a:t>28/03/2025</a:t>
+              <a:t>05/04/2025</a:t>
             </a:fld>
             <a:endParaRPr lang="en-GB" noProof="0"/>
           </a:p>
@@ -10196,7 +10244,7 @@
             <a:pPr rtl="0"/>
             <a:fld id="{033CFCF1-08A8-4CAD-8798-C4FBD0A63494}" type="datetime1">
               <a:rPr lang="en-GB" noProof="0" smtClean="0"/>
-              <a:t>28/03/2025</a:t>
+              <a:t>05/04/2025</a:t>
             </a:fld>
             <a:endParaRPr lang="en-GB" noProof="0"/>
           </a:p>
@@ -10749,7 +10797,7 @@
           <a:p>
             <a:fld id="{0124983A-5796-423F-9AFB-D1E523340CF3}" type="datetime2">
               <a:rPr lang="km-KH" smtClean="0"/>
-              <a:t>ថ្ងៃសុក្រ 28 មិនា 2025</a:t>
+              <a:t>ថ្ងៃសៅរ៍ 5 មេសា 2025</a:t>
             </a:fld>
             <a:endParaRPr lang="en-US"/>
           </a:p>
@@ -10840,7 +10888,7 @@
     </p:spTree>
     <p:extLst>
       <p:ext uri="{BB962C8B-B14F-4D97-AF65-F5344CB8AC3E}">
-        <p14:creationId xmlns:p14="http://schemas.microsoft.com/office/powerpoint/2010/main" val="1588391864"/>
+        <p14:creationId xmlns:p14="http://schemas.microsoft.com/office/powerpoint/2010/main" val="1834769414"/>
       </p:ext>
     </p:extLst>
   </p:cSld>
@@ -11268,7 +11316,7 @@
                 <a:cs typeface="Krasar" panose="00000500000000000000" pitchFamily="2" charset="0"/>
               </a:rPr>
               <a:pPr algn="r"/>
-              <a:t>ថ្ងៃសុក្រ 28 មិនា 2025</a:t>
+              <a:t>ថ្ងៃសៅរ៍ 5 មេសា 2025</a:t>
             </a:fld>
             <a:endParaRPr lang="en-GB" dirty="0">
               <a:solidFill>
@@ -11358,7 +11406,13 @@
   <p:cSld>
     <p:spTree>
       <p:nvGrpSpPr>
-        <p:cNvPr id="1" name=""/>
+        <p:cNvPr id="1" name="">
+          <a:extLst>
+            <a:ext uri="{FF2B5EF4-FFF2-40B4-BE49-F238E27FC236}">
+              <a16:creationId xmlns:a16="http://schemas.microsoft.com/office/drawing/2014/main" id="{E2C5F917-3FA0-F2D3-559D-1FE29D8BAD66}"/>
+            </a:ext>
+          </a:extLst>
+        </p:cNvPr>
         <p:cNvGrpSpPr/>
         <p:nvPr/>
       </p:nvGrpSpPr>
@@ -11372,235 +11426,10 @@
       </p:grpSpPr>
       <p:sp>
         <p:nvSpPr>
-          <p:cNvPr id="2" name="Title 1">
+          <p:cNvPr id="5" name="Date Placeholder 6">
             <a:extLst>
               <a:ext uri="{FF2B5EF4-FFF2-40B4-BE49-F238E27FC236}">
-                <a16:creationId xmlns:a16="http://schemas.microsoft.com/office/drawing/2014/main" id="{1BC2D47E-4FBC-5AB6-5902-9B1BDE3F9651}"/>
-              </a:ext>
-            </a:extLst>
-          </p:cNvPr>
-          <p:cNvSpPr txBox="1">
-            <a:spLocks/>
-          </p:cNvSpPr>
-          <p:nvPr/>
-        </p:nvSpPr>
-        <p:spPr>
-          <a:xfrm>
-            <a:off x="0" y="324465"/>
-            <a:ext cx="12192000" cy="6209070"/>
-          </a:xfrm>
-          <a:prstGeom prst="rect">
-            <a:avLst/>
-          </a:prstGeom>
-        </p:spPr>
-        <p:txBody>
-          <a:bodyPr vert="horz" lIns="91440" tIns="45720" rIns="91440" bIns="45720" rtlCol="0" anchor="ctr">
-            <a:noAutofit/>
-          </a:bodyPr>
-          <a:lstStyle>
-            <a:lvl1pPr algn="l" defTabSz="914400" rtl="0" eaLnBrk="1" latinLnBrk="0" hangingPunct="1">
-              <a:lnSpc>
-                <a:spcPct val="90000"/>
-              </a:lnSpc>
-              <a:spcBef>
-                <a:spcPct val="0"/>
-              </a:spcBef>
-              <a:buNone/>
-              <a:defRPr sz="4400" kern="1200">
-                <a:solidFill>
-                  <a:schemeClr val="tx1"/>
-                </a:solidFill>
-                <a:latin typeface="+mj-lt"/>
-                <a:ea typeface="+mj-ea"/>
-                <a:cs typeface="+mj-cs"/>
-              </a:defRPr>
-            </a:lvl1pPr>
-          </a:lstStyle>
-          <a:p>
-            <a:pPr marL="0" marR="0" lvl="0" indent="0" algn="ctr" defTabSz="914400" rtl="0" eaLnBrk="1" fontAlgn="auto" latinLnBrk="0" hangingPunct="1">
-              <a:lnSpc>
-                <a:spcPct val="150000"/>
-              </a:lnSpc>
-              <a:spcBef>
-                <a:spcPct val="0"/>
-              </a:spcBef>
-              <a:spcAft>
-                <a:spcPts val="0"/>
-              </a:spcAft>
-              <a:buClrTx/>
-              <a:buSzTx/>
-              <a:buFontTx/>
-              <a:buNone/>
-              <a:tabLst/>
-              <a:defRPr/>
-            </a:pPr>
-            <a:r>
-              <a:rPr kumimoji="0" lang="km-KH" sz="4400" b="0" i="0" u="none" strike="noStrike" kern="1200" cap="none" spc="0" normalizeH="0" baseline="0" noProof="0" dirty="0">
-                <a:ln>
-                  <a:noFill/>
-                </a:ln>
-                <a:solidFill>
-                  <a:prstClr val="white"/>
-                </a:solidFill>
-                <a:effectLst/>
-                <a:uLnTx/>
-                <a:uFillTx/>
-                <a:latin typeface="Krasar" panose="00000500000000000000" pitchFamily="2" charset="0"/>
-                <a:ea typeface="+mj-ea"/>
-                <a:cs typeface="Krasar" panose="00000500000000000000" pitchFamily="2" charset="0"/>
-              </a:rPr>
-              <a:t>ក្តីស្នេហ៍ ទ្រង់ហូរពីស្ថានសួគ៌ា	​​  </a:t>
-            </a:r>
-          </a:p>
-          <a:p>
-            <a:pPr marL="0" marR="0" lvl="0" indent="0" algn="ctr" defTabSz="914400" rtl="0" eaLnBrk="1" fontAlgn="auto" latinLnBrk="0" hangingPunct="1">
-              <a:lnSpc>
-                <a:spcPct val="150000"/>
-              </a:lnSpc>
-              <a:spcBef>
-                <a:spcPct val="0"/>
-              </a:spcBef>
-              <a:spcAft>
-                <a:spcPts val="0"/>
-              </a:spcAft>
-              <a:buClrTx/>
-              <a:buSzTx/>
-              <a:buFontTx/>
-              <a:buNone/>
-              <a:tabLst/>
-              <a:defRPr/>
-            </a:pPr>
-            <a:r>
-              <a:rPr kumimoji="0" lang="km-KH" sz="4400" b="0" i="0" u="none" strike="noStrike" kern="1200" cap="none" spc="0" normalizeH="0" baseline="0" noProof="0" dirty="0">
-                <a:ln>
-                  <a:noFill/>
-                </a:ln>
-                <a:solidFill>
-                  <a:prstClr val="white"/>
-                </a:solidFill>
-                <a:effectLst/>
-                <a:uLnTx/>
-                <a:uFillTx/>
-                <a:latin typeface="Krasar" panose="00000500000000000000" pitchFamily="2" charset="0"/>
-                <a:ea typeface="+mj-ea"/>
-                <a:cs typeface="Krasar" panose="00000500000000000000" pitchFamily="2" charset="0"/>
-              </a:rPr>
-              <a:t>បំពេញចិត្តខ្ញុំ ឱ្យពេញឱ្យបានហូរហៀរ</a:t>
-            </a:r>
-          </a:p>
-          <a:p>
-            <a:pPr marL="0" marR="0" lvl="0" indent="0" algn="ctr" defTabSz="914400" rtl="0" eaLnBrk="1" fontAlgn="auto" latinLnBrk="0" hangingPunct="1">
-              <a:lnSpc>
-                <a:spcPct val="150000"/>
-              </a:lnSpc>
-              <a:spcBef>
-                <a:spcPct val="0"/>
-              </a:spcBef>
-              <a:spcAft>
-                <a:spcPts val="0"/>
-              </a:spcAft>
-              <a:buClrTx/>
-              <a:buSzTx/>
-              <a:buFontTx/>
-              <a:buNone/>
-              <a:tabLst/>
-              <a:defRPr/>
-            </a:pPr>
-            <a:r>
-              <a:rPr kumimoji="0" lang="km-KH" sz="4400" b="0" i="0" u="none" strike="noStrike" kern="1200" cap="none" spc="0" normalizeH="0" baseline="0" noProof="0" dirty="0">
-                <a:ln>
-                  <a:noFill/>
-                </a:ln>
-                <a:solidFill>
-                  <a:prstClr val="white"/>
-                </a:solidFill>
-                <a:effectLst/>
-                <a:uLnTx/>
-                <a:uFillTx/>
-                <a:latin typeface="Krasar" panose="00000500000000000000" pitchFamily="2" charset="0"/>
-                <a:ea typeface="+mj-ea"/>
-                <a:cs typeface="Krasar" panose="00000500000000000000" pitchFamily="2" charset="0"/>
-              </a:rPr>
-              <a:t>ផុតគ្រារាំងស្ងួត ទ្រង់ឆ្លើយពេលកូនស្រែកហៅ  </a:t>
-            </a:r>
-          </a:p>
-          <a:p>
-            <a:pPr marL="0" marR="0" lvl="0" indent="0" algn="ctr" defTabSz="914400" rtl="0" eaLnBrk="1" fontAlgn="auto" latinLnBrk="0" hangingPunct="1">
-              <a:lnSpc>
-                <a:spcPct val="150000"/>
-              </a:lnSpc>
-              <a:spcBef>
-                <a:spcPct val="0"/>
-              </a:spcBef>
-              <a:spcAft>
-                <a:spcPts val="0"/>
-              </a:spcAft>
-              <a:buClrTx/>
-              <a:buSzTx/>
-              <a:buFontTx/>
-              <a:buNone/>
-              <a:tabLst/>
-              <a:defRPr/>
-            </a:pPr>
-            <a:r>
-              <a:rPr kumimoji="0" lang="km-KH" sz="4400" b="0" i="0" u="none" strike="noStrike" kern="1200" cap="none" spc="0" normalizeH="0" baseline="0" noProof="0" dirty="0">
-                <a:ln>
-                  <a:noFill/>
-                </a:ln>
-                <a:solidFill>
-                  <a:prstClr val="white"/>
-                </a:solidFill>
-                <a:effectLst/>
-                <a:uLnTx/>
-                <a:uFillTx/>
-                <a:latin typeface="Krasar" panose="00000500000000000000" pitchFamily="2" charset="0"/>
-                <a:ea typeface="+mj-ea"/>
-                <a:cs typeface="Krasar" panose="00000500000000000000" pitchFamily="2" charset="0"/>
-              </a:rPr>
-              <a:t>ណែនាំឱ្យរកគោលដៅ កូនចង់នៅជាមួយទ្រង់</a:t>
-            </a:r>
-          </a:p>
-          <a:p>
-            <a:pPr marL="0" marR="0" lvl="0" indent="0" algn="ctr" defTabSz="914400" rtl="0" eaLnBrk="1" fontAlgn="auto" latinLnBrk="0" hangingPunct="1">
-              <a:lnSpc>
-                <a:spcPct val="150000"/>
-              </a:lnSpc>
-              <a:spcBef>
-                <a:spcPct val="0"/>
-              </a:spcBef>
-              <a:spcAft>
-                <a:spcPts val="0"/>
-              </a:spcAft>
-              <a:buClrTx/>
-              <a:buSzTx/>
-              <a:buFontTx/>
-              <a:buNone/>
-              <a:tabLst/>
-              <a:defRPr/>
-            </a:pPr>
-            <a:endParaRPr kumimoji="0" lang="km-KH" sz="4400" b="0" i="0" u="none" strike="noStrike" kern="1200" cap="none" spc="0" normalizeH="0" baseline="0" noProof="0" dirty="0">
-              <a:ln>
-                <a:noFill/>
-              </a:ln>
-              <a:solidFill>
-                <a:prstClr val="white"/>
-              </a:solidFill>
-              <a:effectLst/>
-              <a:uLnTx/>
-              <a:uFillTx/>
-              <a:latin typeface="Krasar" panose="00000500000000000000" pitchFamily="2" charset="0"/>
-              <a:ea typeface="+mj-ea"/>
-              <a:cs typeface="Krasar" panose="00000500000000000000" pitchFamily="2" charset="0"/>
-            </a:endParaRPr>
-          </a:p>
-        </p:txBody>
-      </p:sp>
-      <p:sp>
-        <p:nvSpPr>
-          <p:cNvPr id="3" name="Date Placeholder 6">
-            <a:extLst>
-              <a:ext uri="{FF2B5EF4-FFF2-40B4-BE49-F238E27FC236}">
-                <a16:creationId xmlns:a16="http://schemas.microsoft.com/office/drawing/2014/main" id="{B0522A27-09FE-E06F-4B1C-FCDF3A91A204}"/>
+                <a16:creationId xmlns:a16="http://schemas.microsoft.com/office/drawing/2014/main" id="{5260411B-75AE-27F2-D61A-F9A270F88721}"/>
               </a:ext>
             </a:extLst>
           </p:cNvPr>
@@ -11672,7 +11501,7 @@
                 <a:tabLst/>
                 <a:defRPr/>
               </a:pPr>
-              <a:t>ថ្ងៃសុក្រ 28 មិនា 2025</a:t>
+              <a:t>ថ្ងៃសៅរ៍ 5 មេសា 2025</a:t>
             </a:fld>
             <a:endParaRPr kumimoji="0" lang="en-US" sz="1200" b="0" i="0" u="none" strike="noStrike" kern="1200" cap="none" spc="0" normalizeH="0" baseline="0" noProof="0" dirty="0">
               <a:ln>
@@ -11695,10 +11524,10 @@
       </p:sp>
       <p:sp>
         <p:nvSpPr>
-          <p:cNvPr id="4" name="Footer Placeholder 7">
+          <p:cNvPr id="6" name="Footer Placeholder 7">
             <a:extLst>
               <a:ext uri="{FF2B5EF4-FFF2-40B4-BE49-F238E27FC236}">
-                <a16:creationId xmlns:a16="http://schemas.microsoft.com/office/drawing/2014/main" id="{F4D4D0DA-4D2E-139B-8894-96D67AD8E992}"/>
+                <a16:creationId xmlns:a16="http://schemas.microsoft.com/office/drawing/2014/main" id="{E4C25E60-03C9-4EA7-41B6-E06B46A98A73}"/>
               </a:ext>
             </a:extLst>
           </p:cNvPr>
@@ -11770,28 +11599,244 @@
           </a:p>
         </p:txBody>
       </p:sp>
+      <p:sp>
+        <p:nvSpPr>
+          <p:cNvPr id="2" name="Title 1">
+            <a:extLst>
+              <a:ext uri="{FF2B5EF4-FFF2-40B4-BE49-F238E27FC236}">
+                <a16:creationId xmlns:a16="http://schemas.microsoft.com/office/drawing/2014/main" id="{F325C3A7-81D8-D02D-11EF-070DDE9A5D64}"/>
+              </a:ext>
+            </a:extLst>
+          </p:cNvPr>
+          <p:cNvSpPr txBox="1">
+            <a:spLocks/>
+          </p:cNvSpPr>
+          <p:nvPr/>
+        </p:nvSpPr>
+        <p:spPr>
+          <a:xfrm>
+            <a:off x="0" y="324465"/>
+            <a:ext cx="12192000" cy="6209070"/>
+          </a:xfrm>
+          <a:prstGeom prst="rect">
+            <a:avLst/>
+          </a:prstGeom>
+        </p:spPr>
+        <p:txBody>
+          <a:bodyPr vert="horz" lIns="91440" tIns="45720" rIns="91440" bIns="45720" rtlCol="0" anchor="ctr">
+            <a:noAutofit/>
+          </a:bodyPr>
+          <a:lstStyle>
+            <a:lvl1pPr algn="l" defTabSz="914400" rtl="0" eaLnBrk="1" latinLnBrk="0" hangingPunct="1">
+              <a:lnSpc>
+                <a:spcPct val="90000"/>
+              </a:lnSpc>
+              <a:spcBef>
+                <a:spcPct val="0"/>
+              </a:spcBef>
+              <a:buNone/>
+              <a:defRPr sz="4400" kern="1200">
+                <a:solidFill>
+                  <a:schemeClr val="tx1"/>
+                </a:solidFill>
+                <a:latin typeface="+mj-lt"/>
+                <a:ea typeface="+mj-ea"/>
+                <a:cs typeface="+mj-cs"/>
+              </a:defRPr>
+            </a:lvl1pPr>
+          </a:lstStyle>
+          <a:p>
+            <a:pPr marL="0" marR="0" lvl="0" indent="0" algn="ctr" defTabSz="914400" rtl="0" eaLnBrk="1" fontAlgn="auto" latinLnBrk="0" hangingPunct="1">
+              <a:lnSpc>
+                <a:spcPct val="150000"/>
+              </a:lnSpc>
+              <a:spcBef>
+                <a:spcPct val="0"/>
+              </a:spcBef>
+              <a:spcAft>
+                <a:spcPts val="0"/>
+              </a:spcAft>
+              <a:buClrTx/>
+              <a:buSzTx/>
+              <a:buFontTx/>
+              <a:buNone/>
+              <a:tabLst/>
+              <a:defRPr/>
+            </a:pPr>
+            <a:r>
+              <a:rPr kumimoji="0" lang="km-KH" sz="4400" b="0" i="0" u="none" strike="noStrike" kern="1200" cap="none" spc="0" normalizeH="0" baseline="0" noProof="0" dirty="0">
+                <a:ln>
+                  <a:noFill/>
+                </a:ln>
+                <a:solidFill>
+                  <a:prstClr val="white"/>
+                </a:solidFill>
+                <a:effectLst/>
+                <a:uLnTx/>
+                <a:uFillTx/>
+                <a:latin typeface="Krasar" panose="00000500000000000000" pitchFamily="2" charset="0"/>
+                <a:ea typeface="+mj-ea"/>
+                <a:cs typeface="Krasar" panose="00000500000000000000" pitchFamily="2" charset="0"/>
+              </a:rPr>
+              <a:t>បងប្អូនទាំងអស់កូនប្រុសកូនស្រី</a:t>
+            </a:r>
+          </a:p>
+          <a:p>
+            <a:pPr marL="0" marR="0" lvl="0" indent="0" algn="ctr" defTabSz="914400" rtl="0" eaLnBrk="1" fontAlgn="auto" latinLnBrk="0" hangingPunct="1">
+              <a:lnSpc>
+                <a:spcPct val="150000"/>
+              </a:lnSpc>
+              <a:spcBef>
+                <a:spcPct val="0"/>
+              </a:spcBef>
+              <a:spcAft>
+                <a:spcPts val="0"/>
+              </a:spcAft>
+              <a:buClrTx/>
+              <a:buSzTx/>
+              <a:buFontTx/>
+              <a:buNone/>
+              <a:tabLst/>
+              <a:defRPr/>
+            </a:pPr>
+            <a:r>
+              <a:rPr kumimoji="0" lang="km-KH" sz="4400" b="0" i="0" u="none" strike="noStrike" kern="1200" cap="none" spc="0" normalizeH="0" baseline="0" noProof="0" dirty="0">
+                <a:ln>
+                  <a:noFill/>
+                </a:ln>
+                <a:solidFill>
+                  <a:prstClr val="white"/>
+                </a:solidFill>
+                <a:effectLst/>
+                <a:uLnTx/>
+                <a:uFillTx/>
+                <a:latin typeface="Krasar" panose="00000500000000000000" pitchFamily="2" charset="0"/>
+                <a:ea typeface="+mj-ea"/>
+                <a:cs typeface="Krasar" panose="00000500000000000000" pitchFamily="2" charset="0"/>
+              </a:rPr>
+              <a:t>ដែលយំញាំញី លីក្តីលំបាកវេទនា</a:t>
+            </a:r>
+          </a:p>
+          <a:p>
+            <a:pPr marL="0" marR="0" lvl="0" indent="0" algn="ctr" defTabSz="914400" rtl="0" eaLnBrk="1" fontAlgn="auto" latinLnBrk="0" hangingPunct="1">
+              <a:lnSpc>
+                <a:spcPct val="150000"/>
+              </a:lnSpc>
+              <a:spcBef>
+                <a:spcPct val="0"/>
+              </a:spcBef>
+              <a:spcAft>
+                <a:spcPts val="0"/>
+              </a:spcAft>
+              <a:buClrTx/>
+              <a:buSzTx/>
+              <a:buFontTx/>
+              <a:buNone/>
+              <a:tabLst/>
+              <a:defRPr/>
+            </a:pPr>
+            <a:r>
+              <a:rPr kumimoji="0" lang="km-KH" sz="4400" b="0" i="0" u="none" strike="noStrike" kern="1200" cap="none" spc="0" normalizeH="0" baseline="0" noProof="0" dirty="0">
+                <a:ln>
+                  <a:noFill/>
+                </a:ln>
+                <a:solidFill>
+                  <a:prstClr val="white"/>
+                </a:solidFill>
+                <a:effectLst/>
+                <a:uLnTx/>
+                <a:uFillTx/>
+                <a:latin typeface="Krasar" panose="00000500000000000000" pitchFamily="2" charset="0"/>
+                <a:ea typeface="+mj-ea"/>
+                <a:cs typeface="Krasar" panose="00000500000000000000" pitchFamily="2" charset="0"/>
+              </a:rPr>
+              <a:t>ខ្ញុំចង់ក្រោកឡើងជួយពួកគេ</a:t>
+            </a:r>
+          </a:p>
+          <a:p>
+            <a:pPr marL="0" marR="0" lvl="0" indent="0" algn="ctr" defTabSz="914400" rtl="0" eaLnBrk="1" fontAlgn="auto" latinLnBrk="0" hangingPunct="1">
+              <a:lnSpc>
+                <a:spcPct val="150000"/>
+              </a:lnSpc>
+              <a:spcBef>
+                <a:spcPct val="0"/>
+              </a:spcBef>
+              <a:spcAft>
+                <a:spcPts val="0"/>
+              </a:spcAft>
+              <a:buClrTx/>
+              <a:buSzTx/>
+              <a:buFontTx/>
+              <a:buNone/>
+              <a:tabLst/>
+              <a:defRPr/>
+            </a:pPr>
+            <a:r>
+              <a:rPr kumimoji="0" lang="km-KH" sz="4400" b="0" i="0" u="none" strike="noStrike" kern="1200" cap="none" spc="0" normalizeH="0" baseline="0" noProof="0" dirty="0">
+                <a:ln>
+                  <a:noFill/>
+                </a:ln>
+                <a:solidFill>
+                  <a:prstClr val="white"/>
+                </a:solidFill>
+                <a:effectLst/>
+                <a:uLnTx/>
+                <a:uFillTx/>
+                <a:latin typeface="Krasar" panose="00000500000000000000" pitchFamily="2" charset="0"/>
+                <a:ea typeface="+mj-ea"/>
+                <a:cs typeface="Krasar" panose="00000500000000000000" pitchFamily="2" charset="0"/>
+              </a:rPr>
+              <a:t>ជូតទឹកនេត្រា ហូរស្រក់ពីភ្នែក</a:t>
+            </a:r>
+          </a:p>
+          <a:p>
+            <a:pPr marL="0" marR="0" lvl="0" indent="0" algn="ctr" defTabSz="914400" rtl="0" eaLnBrk="1" fontAlgn="auto" latinLnBrk="0" hangingPunct="1">
+              <a:lnSpc>
+                <a:spcPct val="150000"/>
+              </a:lnSpc>
+              <a:spcBef>
+                <a:spcPct val="0"/>
+              </a:spcBef>
+              <a:spcAft>
+                <a:spcPts val="0"/>
+              </a:spcAft>
+              <a:buClrTx/>
+              <a:buSzTx/>
+              <a:buFontTx/>
+              <a:buNone/>
+              <a:tabLst/>
+              <a:defRPr/>
+            </a:pPr>
+            <a:r>
+              <a:rPr kumimoji="0" lang="km-KH" sz="4400" b="0" i="0" u="none" strike="noStrike" kern="1200" cap="none" spc="0" normalizeH="0" baseline="0" noProof="0" dirty="0">
+                <a:ln>
+                  <a:noFill/>
+                </a:ln>
+                <a:solidFill>
+                  <a:prstClr val="white"/>
+                </a:solidFill>
+                <a:effectLst/>
+                <a:uLnTx/>
+                <a:uFillTx/>
+                <a:latin typeface="Krasar" panose="00000500000000000000" pitchFamily="2" charset="0"/>
+                <a:ea typeface="+mj-ea"/>
+                <a:cs typeface="Krasar" panose="00000500000000000000" pitchFamily="2" charset="0"/>
+              </a:rPr>
+              <a:t>ដែលកំពុងយំស្រែកស្ទើរបែកឱរា</a:t>
+            </a:r>
+          </a:p>
+        </p:txBody>
+      </p:sp>
     </p:spTree>
     <p:extLst>
       <p:ext uri="{BB962C8B-B14F-4D97-AF65-F5344CB8AC3E}">
-        <p14:creationId xmlns:p14="http://schemas.microsoft.com/office/powerpoint/2010/main" val="2426452038"/>
+        <p14:creationId xmlns:p14="http://schemas.microsoft.com/office/powerpoint/2010/main" val="2652048595"/>
       </p:ext>
     </p:extLst>
   </p:cSld>
   <p:clrMapOvr>
     <a:masterClrMapping/>
   </p:clrMapOvr>
-  <mc:AlternateContent xmlns:mc="http://schemas.openxmlformats.org/markup-compatibility/2006">
-    <mc:Choice xmlns:p14="http://schemas.microsoft.com/office/powerpoint/2010/main" Requires="p14">
-      <p:transition spd="med" p14:dur="700">
-        <p:fade/>
-      </p:transition>
-    </mc:Choice>
-    <mc:Fallback>
-      <p:transition spd="med">
-        <p:fade/>
-      </p:transition>
-    </mc:Fallback>
-  </mc:AlternateContent>
 </p:sld>
 </file>
 
@@ -11803,7 +11848,7 @@
         <p:cNvPr id="1" name="">
           <a:extLst>
             <a:ext uri="{FF2B5EF4-FFF2-40B4-BE49-F238E27FC236}">
-              <a16:creationId xmlns:a16="http://schemas.microsoft.com/office/drawing/2014/main" id="{94563DD6-7467-64FD-9C65-73826D378215}"/>
+              <a16:creationId xmlns:a16="http://schemas.microsoft.com/office/drawing/2014/main" id="{2CFE81FF-B31A-F2F7-CE8B-6DF0A2B206DC}"/>
             </a:ext>
           </a:extLst>
         </p:cNvPr>
@@ -11820,202 +11865,10 @@
       </p:grpSpPr>
       <p:sp>
         <p:nvSpPr>
-          <p:cNvPr id="2" name="Title 1">
+          <p:cNvPr id="5" name="Date Placeholder 6">
             <a:extLst>
               <a:ext uri="{FF2B5EF4-FFF2-40B4-BE49-F238E27FC236}">
-                <a16:creationId xmlns:a16="http://schemas.microsoft.com/office/drawing/2014/main" id="{CB80BBDB-E661-3663-0C78-DBA85AEED8AD}"/>
-              </a:ext>
-            </a:extLst>
-          </p:cNvPr>
-          <p:cNvSpPr txBox="1">
-            <a:spLocks/>
-          </p:cNvSpPr>
-          <p:nvPr/>
-        </p:nvSpPr>
-        <p:spPr>
-          <a:xfrm>
-            <a:off x="0" y="324465"/>
-            <a:ext cx="12192000" cy="6209070"/>
-          </a:xfrm>
-          <a:prstGeom prst="rect">
-            <a:avLst/>
-          </a:prstGeom>
-        </p:spPr>
-        <p:txBody>
-          <a:bodyPr vert="horz" lIns="91440" tIns="45720" rIns="91440" bIns="45720" rtlCol="0" anchor="ctr">
-            <a:noAutofit/>
-          </a:bodyPr>
-          <a:lstStyle>
-            <a:lvl1pPr algn="l" defTabSz="914400" rtl="0" eaLnBrk="1" latinLnBrk="0" hangingPunct="1">
-              <a:lnSpc>
-                <a:spcPct val="90000"/>
-              </a:lnSpc>
-              <a:spcBef>
-                <a:spcPct val="0"/>
-              </a:spcBef>
-              <a:buNone/>
-              <a:defRPr sz="4400" kern="1200">
-                <a:solidFill>
-                  <a:schemeClr val="tx1"/>
-                </a:solidFill>
-                <a:latin typeface="+mj-lt"/>
-                <a:ea typeface="+mj-ea"/>
-                <a:cs typeface="+mj-cs"/>
-              </a:defRPr>
-            </a:lvl1pPr>
-          </a:lstStyle>
-          <a:p>
-            <a:pPr marL="0" marR="0" lvl="0" indent="0" algn="ctr" defTabSz="914400" rtl="0" eaLnBrk="1" fontAlgn="auto" latinLnBrk="0" hangingPunct="1">
-              <a:lnSpc>
-                <a:spcPct val="150000"/>
-              </a:lnSpc>
-              <a:spcBef>
-                <a:spcPct val="0"/>
-              </a:spcBef>
-              <a:spcAft>
-                <a:spcPts val="0"/>
-              </a:spcAft>
-              <a:buClrTx/>
-              <a:buSzTx/>
-              <a:buFontTx/>
-              <a:buNone/>
-              <a:tabLst/>
-              <a:defRPr/>
-            </a:pPr>
-            <a:r>
-              <a:rPr kumimoji="0" lang="km-KH" sz="4400" b="0" i="0" u="none" strike="noStrike" kern="1200" cap="none" spc="0" normalizeH="0" baseline="0" noProof="0" dirty="0">
-                <a:ln>
-                  <a:noFill/>
-                </a:ln>
-                <a:solidFill>
-                  <a:prstClr val="white"/>
-                </a:solidFill>
-                <a:effectLst/>
-                <a:uLnTx/>
-                <a:uFillTx/>
-                <a:latin typeface="Krasar" panose="00000500000000000000" pitchFamily="2" charset="0"/>
-                <a:ea typeface="+mj-ea"/>
-                <a:cs typeface="Krasar" panose="00000500000000000000" pitchFamily="2" charset="0"/>
-              </a:rPr>
-              <a:t>ក្តីស្នេហ៍ ទ្រង់ជា ថ្មដាជីវិត      </a:t>
-            </a:r>
-          </a:p>
-          <a:p>
-            <a:pPr marL="0" marR="0" lvl="0" indent="0" algn="ctr" defTabSz="914400" rtl="0" eaLnBrk="1" fontAlgn="auto" latinLnBrk="0" hangingPunct="1">
-              <a:lnSpc>
-                <a:spcPct val="150000"/>
-              </a:lnSpc>
-              <a:spcBef>
-                <a:spcPct val="0"/>
-              </a:spcBef>
-              <a:spcAft>
-                <a:spcPts val="0"/>
-              </a:spcAft>
-              <a:buClrTx/>
-              <a:buSzTx/>
-              <a:buFontTx/>
-              <a:buNone/>
-              <a:tabLst/>
-              <a:defRPr/>
-            </a:pPr>
-            <a:r>
-              <a:rPr kumimoji="0" lang="km-KH" sz="4400" b="0" i="0" u="none" strike="noStrike" kern="1200" cap="none" spc="0" normalizeH="0" baseline="0" noProof="0" dirty="0">
-                <a:ln>
-                  <a:noFill/>
-                </a:ln>
-                <a:solidFill>
-                  <a:prstClr val="white"/>
-                </a:solidFill>
-                <a:effectLst/>
-                <a:uLnTx/>
-                <a:uFillTx/>
-                <a:latin typeface="Krasar" panose="00000500000000000000" pitchFamily="2" charset="0"/>
-                <a:ea typeface="+mj-ea"/>
-                <a:cs typeface="Krasar" panose="00000500000000000000" pitchFamily="2" charset="0"/>
-              </a:rPr>
-              <a:t>ជាទីពឹងអាង ទោះជាអ្វីៗសូន្យងងឹត</a:t>
-            </a:r>
-          </a:p>
-          <a:p>
-            <a:pPr marL="0" marR="0" lvl="0" indent="0" algn="ctr" defTabSz="914400" rtl="0" eaLnBrk="1" fontAlgn="auto" latinLnBrk="0" hangingPunct="1">
-              <a:lnSpc>
-                <a:spcPct val="150000"/>
-              </a:lnSpc>
-              <a:spcBef>
-                <a:spcPct val="0"/>
-              </a:spcBef>
-              <a:spcAft>
-                <a:spcPts val="0"/>
-              </a:spcAft>
-              <a:buClrTx/>
-              <a:buSzTx/>
-              <a:buFontTx/>
-              <a:buNone/>
-              <a:tabLst/>
-              <a:defRPr/>
-            </a:pPr>
-            <a:r>
-              <a:rPr kumimoji="0" lang="km-KH" sz="4400" b="0" i="0" u="none" strike="noStrike" kern="1200" cap="none" spc="0" normalizeH="0" baseline="0" noProof="0" dirty="0">
-                <a:ln>
-                  <a:noFill/>
-                </a:ln>
-                <a:solidFill>
-                  <a:prstClr val="white"/>
-                </a:solidFill>
-                <a:effectLst/>
-                <a:uLnTx/>
-                <a:uFillTx/>
-                <a:latin typeface="Krasar" panose="00000500000000000000" pitchFamily="2" charset="0"/>
-                <a:ea typeface="+mj-ea"/>
-                <a:cs typeface="Krasar" panose="00000500000000000000" pitchFamily="2" charset="0"/>
-              </a:rPr>
-              <a:t>មិនចេះប្រួលប្រែ លោកិយ៍មិនអាចផ្តល់ទេ	   </a:t>
-            </a:r>
-          </a:p>
-          <a:p>
-            <a:pPr marL="0" marR="0" lvl="0" indent="0" algn="ctr" defTabSz="914400" rtl="0" eaLnBrk="1" fontAlgn="auto" latinLnBrk="0" hangingPunct="1">
-              <a:lnSpc>
-                <a:spcPct val="150000"/>
-              </a:lnSpc>
-              <a:spcBef>
-                <a:spcPct val="0"/>
-              </a:spcBef>
-              <a:spcAft>
-                <a:spcPts val="0"/>
-              </a:spcAft>
-              <a:buClrTx/>
-              <a:buSzTx/>
-              <a:buFontTx/>
-              <a:buNone/>
-              <a:tabLst/>
-              <a:defRPr/>
-            </a:pPr>
-            <a:r>
-              <a:rPr kumimoji="0" lang="km-KH" sz="4400" b="0" i="0" u="none" strike="noStrike" kern="1200" cap="none" spc="0" normalizeH="0" baseline="0" noProof="0" dirty="0">
-                <a:ln>
-                  <a:noFill/>
-                </a:ln>
-                <a:solidFill>
-                  <a:prstClr val="white"/>
-                </a:solidFill>
-                <a:effectLst/>
-                <a:uLnTx/>
-                <a:uFillTx/>
-                <a:latin typeface="Krasar" panose="00000500000000000000" pitchFamily="2" charset="0"/>
-                <a:ea typeface="+mj-ea"/>
-                <a:cs typeface="Krasar" panose="00000500000000000000" pitchFamily="2" charset="0"/>
-              </a:rPr>
-              <a:t>ក្តីស្រឡាញ់ដែលស្ថិតស្ថេរ កូនចង់នៅជាមួយទ្រង់</a:t>
-            </a:r>
-          </a:p>
-        </p:txBody>
-      </p:sp>
-      <p:sp>
-        <p:nvSpPr>
-          <p:cNvPr id="3" name="Date Placeholder 6">
-            <a:extLst>
-              <a:ext uri="{FF2B5EF4-FFF2-40B4-BE49-F238E27FC236}">
-                <a16:creationId xmlns:a16="http://schemas.microsoft.com/office/drawing/2014/main" id="{03CE4A5E-698B-845A-8960-E85CEF106086}"/>
+                <a16:creationId xmlns:a16="http://schemas.microsoft.com/office/drawing/2014/main" id="{54661D55-933F-6076-369C-B5A5E7F1D06F}"/>
               </a:ext>
             </a:extLst>
           </p:cNvPr>
@@ -12087,7 +11940,7 @@
                 <a:tabLst/>
                 <a:defRPr/>
               </a:pPr>
-              <a:t>ថ្ងៃសុក្រ 28 មិនា 2025</a:t>
+              <a:t>ថ្ងៃសៅរ៍ 5 មេសា 2025</a:t>
             </a:fld>
             <a:endParaRPr kumimoji="0" lang="en-US" sz="1200" b="0" i="0" u="none" strike="noStrike" kern="1200" cap="none" spc="0" normalizeH="0" baseline="0" noProof="0" dirty="0">
               <a:ln>
@@ -12110,10 +11963,10 @@
       </p:sp>
       <p:sp>
         <p:nvSpPr>
-          <p:cNvPr id="4" name="Footer Placeholder 7">
+          <p:cNvPr id="6" name="Footer Placeholder 7">
             <a:extLst>
               <a:ext uri="{FF2B5EF4-FFF2-40B4-BE49-F238E27FC236}">
-                <a16:creationId xmlns:a16="http://schemas.microsoft.com/office/drawing/2014/main" id="{D921A79F-A4A2-5E60-D1FD-464FAC101360}"/>
+                <a16:creationId xmlns:a16="http://schemas.microsoft.com/office/drawing/2014/main" id="{35729792-C4CD-0982-B50A-52C4E5B974A0}"/>
               </a:ext>
             </a:extLst>
           </p:cNvPr>
@@ -12185,28 +12038,208 @@
           </a:p>
         </p:txBody>
       </p:sp>
+      <p:sp>
+        <p:nvSpPr>
+          <p:cNvPr id="2" name="Title 1">
+            <a:extLst>
+              <a:ext uri="{FF2B5EF4-FFF2-40B4-BE49-F238E27FC236}">
+                <a16:creationId xmlns:a16="http://schemas.microsoft.com/office/drawing/2014/main" id="{2A10CDBB-D7C7-01C6-D19F-025187874869}"/>
+              </a:ext>
+            </a:extLst>
+          </p:cNvPr>
+          <p:cNvSpPr txBox="1">
+            <a:spLocks/>
+          </p:cNvSpPr>
+          <p:nvPr/>
+        </p:nvSpPr>
+        <p:spPr>
+          <a:xfrm>
+            <a:off x="0" y="324465"/>
+            <a:ext cx="12192000" cy="6209070"/>
+          </a:xfrm>
+          <a:prstGeom prst="rect">
+            <a:avLst/>
+          </a:prstGeom>
+        </p:spPr>
+        <p:txBody>
+          <a:bodyPr vert="horz" lIns="91440" tIns="45720" rIns="91440" bIns="45720" rtlCol="0" anchor="ctr">
+            <a:noAutofit/>
+          </a:bodyPr>
+          <a:lstStyle>
+            <a:lvl1pPr algn="l" defTabSz="914400" rtl="0" eaLnBrk="1" latinLnBrk="0" hangingPunct="1">
+              <a:lnSpc>
+                <a:spcPct val="90000"/>
+              </a:lnSpc>
+              <a:spcBef>
+                <a:spcPct val="0"/>
+              </a:spcBef>
+              <a:buNone/>
+              <a:defRPr sz="4400" kern="1200">
+                <a:solidFill>
+                  <a:schemeClr val="tx1"/>
+                </a:solidFill>
+                <a:latin typeface="+mj-lt"/>
+                <a:ea typeface="+mj-ea"/>
+                <a:cs typeface="+mj-cs"/>
+              </a:defRPr>
+            </a:lvl1pPr>
+          </a:lstStyle>
+          <a:p>
+            <a:pPr marL="0" marR="0" lvl="0" indent="0" algn="ctr" defTabSz="914400" rtl="0" eaLnBrk="1" fontAlgn="auto" latinLnBrk="0" hangingPunct="1">
+              <a:lnSpc>
+                <a:spcPct val="150000"/>
+              </a:lnSpc>
+              <a:spcBef>
+                <a:spcPct val="0"/>
+              </a:spcBef>
+              <a:spcAft>
+                <a:spcPts val="0"/>
+              </a:spcAft>
+              <a:buClrTx/>
+              <a:buSzTx/>
+              <a:buFontTx/>
+              <a:buNone/>
+              <a:tabLst/>
+              <a:defRPr/>
+            </a:pPr>
+            <a:r>
+              <a:rPr kumimoji="0" lang="km-KH" sz="4400" b="0" i="0" u="none" strike="noStrike" kern="1200" cap="none" spc="0" normalizeH="0" baseline="0" noProof="0" dirty="0">
+                <a:ln>
+                  <a:noFill/>
+                </a:ln>
+                <a:solidFill>
+                  <a:prstClr val="white"/>
+                </a:solidFill>
+                <a:effectLst/>
+                <a:uLnTx/>
+                <a:uFillTx/>
+                <a:latin typeface="Krasar" panose="00000500000000000000" pitchFamily="2" charset="0"/>
+                <a:ea typeface="+mj-ea"/>
+                <a:cs typeface="Krasar" panose="00000500000000000000" pitchFamily="2" charset="0"/>
+              </a:rPr>
+              <a:t>តើអ្នកណាទូលអង្វរជួសខ្ញុំ?</a:t>
+            </a:r>
+          </a:p>
+          <a:p>
+            <a:pPr marL="0" marR="0" lvl="0" indent="0" algn="ctr" defTabSz="914400" rtl="0" eaLnBrk="1" fontAlgn="auto" latinLnBrk="0" hangingPunct="1">
+              <a:lnSpc>
+                <a:spcPct val="150000"/>
+              </a:lnSpc>
+              <a:spcBef>
+                <a:spcPct val="0"/>
+              </a:spcBef>
+              <a:spcAft>
+                <a:spcPts val="0"/>
+              </a:spcAft>
+              <a:buClrTx/>
+              <a:buSzTx/>
+              <a:buFontTx/>
+              <a:buNone/>
+              <a:tabLst/>
+              <a:defRPr/>
+            </a:pPr>
+            <a:r>
+              <a:rPr kumimoji="0" lang="km-KH" sz="4400" b="0" i="0" u="none" strike="noStrike" kern="1200" cap="none" spc="0" normalizeH="0" baseline="0" noProof="0" dirty="0">
+                <a:ln>
+                  <a:noFill/>
+                </a:ln>
+                <a:solidFill>
+                  <a:prstClr val="white"/>
+                </a:solidFill>
+                <a:effectLst/>
+                <a:uLnTx/>
+                <a:uFillTx/>
+                <a:latin typeface="Krasar" panose="00000500000000000000" pitchFamily="2" charset="0"/>
+                <a:ea typeface="+mj-ea"/>
+                <a:cs typeface="Krasar" panose="00000500000000000000" pitchFamily="2" charset="0"/>
+              </a:rPr>
+              <a:t>តើអ្នកណានឹងសង្រ្គោះពួកគេ?</a:t>
+            </a:r>
+          </a:p>
+          <a:p>
+            <a:pPr marL="0" marR="0" lvl="0" indent="0" algn="ctr" defTabSz="914400" rtl="0" eaLnBrk="1" fontAlgn="auto" latinLnBrk="0" hangingPunct="1">
+              <a:lnSpc>
+                <a:spcPct val="150000"/>
+              </a:lnSpc>
+              <a:spcBef>
+                <a:spcPct val="0"/>
+              </a:spcBef>
+              <a:spcAft>
+                <a:spcPts val="0"/>
+              </a:spcAft>
+              <a:buClrTx/>
+              <a:buSzTx/>
+              <a:buFontTx/>
+              <a:buNone/>
+              <a:tabLst/>
+              <a:defRPr/>
+            </a:pPr>
+            <a:r>
+              <a:rPr kumimoji="0" lang="km-KH" sz="4400" b="0" i="0" u="none" strike="noStrike" kern="1200" cap="none" spc="0" normalizeH="0" baseline="0" noProof="0" dirty="0">
+                <a:ln>
+                  <a:noFill/>
+                </a:ln>
+                <a:solidFill>
+                  <a:prstClr val="white"/>
+                </a:solidFill>
+                <a:effectLst/>
+                <a:uLnTx/>
+                <a:uFillTx/>
+                <a:latin typeface="Krasar" panose="00000500000000000000" pitchFamily="2" charset="0"/>
+                <a:ea typeface="+mj-ea"/>
+                <a:cs typeface="Krasar" panose="00000500000000000000" pitchFamily="2" charset="0"/>
+              </a:rPr>
+              <a:t>តើអ្នកណានឹងទៅជំនួសខ្ញុំ?</a:t>
+            </a:r>
+          </a:p>
+          <a:p>
+            <a:pPr marL="0" marR="0" lvl="0" indent="0" algn="ctr" defTabSz="914400" rtl="0" eaLnBrk="1" fontAlgn="auto" latinLnBrk="0" hangingPunct="1">
+              <a:lnSpc>
+                <a:spcPct val="150000"/>
+              </a:lnSpc>
+              <a:spcBef>
+                <a:spcPct val="0"/>
+              </a:spcBef>
+              <a:spcAft>
+                <a:spcPts val="0"/>
+              </a:spcAft>
+              <a:buClrTx/>
+              <a:buSzTx/>
+              <a:buFontTx/>
+              <a:buNone/>
+              <a:tabLst/>
+              <a:defRPr/>
+            </a:pPr>
+            <a:r>
+              <a:rPr kumimoji="0" lang="km-KH" sz="4400" b="0" i="0" u="none" strike="noStrike" kern="1200" cap="none" spc="0" normalizeH="0" baseline="0" noProof="0" dirty="0">
+                <a:ln>
+                  <a:noFill/>
+                </a:ln>
+                <a:solidFill>
+                  <a:prstClr val="white"/>
+                </a:solidFill>
+                <a:effectLst/>
+                <a:uLnTx/>
+                <a:uFillTx/>
+                <a:latin typeface="Krasar" panose="00000500000000000000" pitchFamily="2" charset="0"/>
+                <a:ea typeface="+mj-ea"/>
+                <a:cs typeface="Krasar" panose="00000500000000000000" pitchFamily="2" charset="0"/>
+              </a:rPr>
+              <a:t>ដោយពាំនាំនូវក្តីស្រឡាញ់ផង</a:t>
+            </a:r>
+          </a:p>
+        </p:txBody>
+      </p:sp>
     </p:spTree>
     <p:extLst>
       <p:ext uri="{BB962C8B-B14F-4D97-AF65-F5344CB8AC3E}">
-        <p14:creationId xmlns:p14="http://schemas.microsoft.com/office/powerpoint/2010/main" val="831254953"/>
+        <p14:creationId xmlns:p14="http://schemas.microsoft.com/office/powerpoint/2010/main" val="3788874337"/>
       </p:ext>
     </p:extLst>
   </p:cSld>
   <p:clrMapOvr>
     <a:masterClrMapping/>
   </p:clrMapOvr>
-  <mc:AlternateContent xmlns:mc="http://schemas.openxmlformats.org/markup-compatibility/2006">
-    <mc:Choice xmlns:p14="http://schemas.microsoft.com/office/powerpoint/2010/main" Requires="p14">
-      <p:transition spd="med" p14:dur="700">
-        <p:fade/>
-      </p:transition>
-    </mc:Choice>
-    <mc:Fallback>
-      <p:transition spd="med">
-        <p:fade/>
-      </p:transition>
-    </mc:Fallback>
-  </mc:AlternateContent>
 </p:sld>
 </file>
 
@@ -12218,7 +12251,7 @@
         <p:cNvPr id="1" name="">
           <a:extLst>
             <a:ext uri="{FF2B5EF4-FFF2-40B4-BE49-F238E27FC236}">
-              <a16:creationId xmlns:a16="http://schemas.microsoft.com/office/drawing/2014/main" id="{2278E9AE-096C-8756-BC1F-A1126B64B840}"/>
+              <a16:creationId xmlns:a16="http://schemas.microsoft.com/office/drawing/2014/main" id="{403B730F-321D-0810-7563-49629E1F7379}"/>
             </a:ext>
           </a:extLst>
         </p:cNvPr>
@@ -12235,202 +12268,10 @@
       </p:grpSpPr>
       <p:sp>
         <p:nvSpPr>
-          <p:cNvPr id="2" name="Title 1">
+          <p:cNvPr id="5" name="Date Placeholder 6">
             <a:extLst>
               <a:ext uri="{FF2B5EF4-FFF2-40B4-BE49-F238E27FC236}">
-                <a16:creationId xmlns:a16="http://schemas.microsoft.com/office/drawing/2014/main" id="{78ED70CA-D340-A746-33E8-C4CF66FC24F9}"/>
-              </a:ext>
-            </a:extLst>
-          </p:cNvPr>
-          <p:cNvSpPr txBox="1">
-            <a:spLocks/>
-          </p:cNvSpPr>
-          <p:nvPr/>
-        </p:nvSpPr>
-        <p:spPr>
-          <a:xfrm>
-            <a:off x="0" y="324465"/>
-            <a:ext cx="12192000" cy="6209070"/>
-          </a:xfrm>
-          <a:prstGeom prst="rect">
-            <a:avLst/>
-          </a:prstGeom>
-        </p:spPr>
-        <p:txBody>
-          <a:bodyPr vert="horz" lIns="91440" tIns="45720" rIns="91440" bIns="45720" rtlCol="0" anchor="ctr">
-            <a:noAutofit/>
-          </a:bodyPr>
-          <a:lstStyle>
-            <a:lvl1pPr algn="l" defTabSz="914400" rtl="0" eaLnBrk="1" latinLnBrk="0" hangingPunct="1">
-              <a:lnSpc>
-                <a:spcPct val="90000"/>
-              </a:lnSpc>
-              <a:spcBef>
-                <a:spcPct val="0"/>
-              </a:spcBef>
-              <a:buNone/>
-              <a:defRPr sz="4400" kern="1200">
-                <a:solidFill>
-                  <a:schemeClr val="tx1"/>
-                </a:solidFill>
-                <a:latin typeface="+mj-lt"/>
-                <a:ea typeface="+mj-ea"/>
-                <a:cs typeface="+mj-cs"/>
-              </a:defRPr>
-            </a:lvl1pPr>
-          </a:lstStyle>
-          <a:p>
-            <a:pPr marL="0" marR="0" lvl="0" indent="0" algn="ctr" defTabSz="914400" rtl="0" eaLnBrk="1" fontAlgn="auto" latinLnBrk="0" hangingPunct="1">
-              <a:lnSpc>
-                <a:spcPct val="150000"/>
-              </a:lnSpc>
-              <a:spcBef>
-                <a:spcPct val="0"/>
-              </a:spcBef>
-              <a:spcAft>
-                <a:spcPts val="0"/>
-              </a:spcAft>
-              <a:buClrTx/>
-              <a:buSzTx/>
-              <a:buFontTx/>
-              <a:buNone/>
-              <a:tabLst/>
-              <a:defRPr/>
-            </a:pPr>
-            <a:r>
-              <a:rPr kumimoji="0" lang="km-KH" sz="4400" b="0" i="0" u="none" strike="noStrike" kern="1200" cap="none" spc="0" normalizeH="0" baseline="0" noProof="0" dirty="0">
-                <a:ln>
-                  <a:noFill/>
-                </a:ln>
-                <a:solidFill>
-                  <a:prstClr val="white"/>
-                </a:solidFill>
-                <a:effectLst/>
-                <a:uLnTx/>
-                <a:uFillTx/>
-                <a:latin typeface="Krasar" panose="00000500000000000000" pitchFamily="2" charset="0"/>
-                <a:ea typeface="+mj-ea"/>
-                <a:cs typeface="Krasar" panose="00000500000000000000" pitchFamily="2" charset="0"/>
-              </a:rPr>
-              <a:t>ក្តីស្នេហ៍អស្ចារ្យ ទ្រង់ជាស្តេច ជាព្រះបុត្រា</a:t>
-            </a:r>
-          </a:p>
-          <a:p>
-            <a:pPr marL="0" marR="0" lvl="0" indent="0" algn="ctr" defTabSz="914400" rtl="0" eaLnBrk="1" fontAlgn="auto" latinLnBrk="0" hangingPunct="1">
-              <a:lnSpc>
-                <a:spcPct val="150000"/>
-              </a:lnSpc>
-              <a:spcBef>
-                <a:spcPct val="0"/>
-              </a:spcBef>
-              <a:spcAft>
-                <a:spcPts val="0"/>
-              </a:spcAft>
-              <a:buClrTx/>
-              <a:buSzTx/>
-              <a:buFontTx/>
-              <a:buNone/>
-              <a:tabLst/>
-              <a:defRPr/>
-            </a:pPr>
-            <a:r>
-              <a:rPr kumimoji="0" lang="km-KH" sz="4400" b="0" i="0" u="none" strike="noStrike" kern="1200" cap="none" spc="0" normalizeH="0" baseline="0" noProof="0" dirty="0">
-                <a:ln>
-                  <a:noFill/>
-                </a:ln>
-                <a:solidFill>
-                  <a:prstClr val="white"/>
-                </a:solidFill>
-                <a:effectLst/>
-                <a:uLnTx/>
-                <a:uFillTx/>
-                <a:latin typeface="Krasar" panose="00000500000000000000" pitchFamily="2" charset="0"/>
-                <a:ea typeface="+mj-ea"/>
-                <a:cs typeface="Krasar" panose="00000500000000000000" pitchFamily="2" charset="0"/>
-              </a:rPr>
-              <a:t>ដោយក្តីស្នេហ៍ទ្រង់ បន្ទាប ខ្លួន មកបម្រើ</a:t>
-            </a:r>
-          </a:p>
-          <a:p>
-            <a:pPr marL="0" marR="0" lvl="0" indent="0" algn="ctr" defTabSz="914400" rtl="0" eaLnBrk="1" fontAlgn="auto" latinLnBrk="0" hangingPunct="1">
-              <a:lnSpc>
-                <a:spcPct val="150000"/>
-              </a:lnSpc>
-              <a:spcBef>
-                <a:spcPct val="0"/>
-              </a:spcBef>
-              <a:spcAft>
-                <a:spcPts val="0"/>
-              </a:spcAft>
-              <a:buClrTx/>
-              <a:buSzTx/>
-              <a:buFontTx/>
-              <a:buNone/>
-              <a:tabLst/>
-              <a:defRPr/>
-            </a:pPr>
-            <a:r>
-              <a:rPr kumimoji="0" lang="km-KH" sz="4400" b="0" i="0" u="none" strike="noStrike" kern="1200" cap="none" spc="0" normalizeH="0" baseline="0" noProof="0" dirty="0">
-                <a:ln>
-                  <a:noFill/>
-                </a:ln>
-                <a:solidFill>
-                  <a:prstClr val="white"/>
-                </a:solidFill>
-                <a:effectLst/>
-                <a:uLnTx/>
-                <a:uFillTx/>
-                <a:latin typeface="Krasar" panose="00000500000000000000" pitchFamily="2" charset="0"/>
-                <a:ea typeface="+mj-ea"/>
-                <a:cs typeface="Krasar" panose="00000500000000000000" pitchFamily="2" charset="0"/>
-              </a:rPr>
-              <a:t>ពីទីខ្ពង់ខ្ពស់ ទៅឈើឆ្កាង លះបង់ ទាំង អស់</a:t>
-            </a:r>
-          </a:p>
-          <a:p>
-            <a:pPr marL="0" marR="0" lvl="0" indent="0" algn="ctr" defTabSz="914400" rtl="0" eaLnBrk="1" fontAlgn="auto" latinLnBrk="0" hangingPunct="1">
-              <a:lnSpc>
-                <a:spcPct val="150000"/>
-              </a:lnSpc>
-              <a:spcBef>
-                <a:spcPct val="0"/>
-              </a:spcBef>
-              <a:spcAft>
-                <a:spcPts val="0"/>
-              </a:spcAft>
-              <a:buClrTx/>
-              <a:buSzTx/>
-              <a:buFontTx/>
-              <a:buNone/>
-              <a:tabLst/>
-              <a:defRPr/>
-            </a:pPr>
-            <a:r>
-              <a:rPr kumimoji="0" lang="km-KH" sz="4400" b="0" i="0" u="none" strike="noStrike" kern="1200" cap="none" spc="0" normalizeH="0" baseline="0" noProof="0" dirty="0">
-                <a:ln>
-                  <a:noFill/>
-                </a:ln>
-                <a:solidFill>
-                  <a:prstClr val="white"/>
-                </a:solidFill>
-                <a:effectLst/>
-                <a:uLnTx/>
-                <a:uFillTx/>
-                <a:latin typeface="Krasar" panose="00000500000000000000" pitchFamily="2" charset="0"/>
-                <a:ea typeface="+mj-ea"/>
-                <a:cs typeface="Krasar" panose="00000500000000000000" pitchFamily="2" charset="0"/>
-              </a:rPr>
-              <a:t>ដោយព្រោះ ក្តីស្នេហ៍ទ្រង់អស្ចារ្យ</a:t>
-            </a:r>
-          </a:p>
-        </p:txBody>
-      </p:sp>
-      <p:sp>
-        <p:nvSpPr>
-          <p:cNvPr id="3" name="Date Placeholder 6">
-            <a:extLst>
-              <a:ext uri="{FF2B5EF4-FFF2-40B4-BE49-F238E27FC236}">
-                <a16:creationId xmlns:a16="http://schemas.microsoft.com/office/drawing/2014/main" id="{960062B3-3CC5-CBC8-14D5-8CADDCEDEC42}"/>
+                <a16:creationId xmlns:a16="http://schemas.microsoft.com/office/drawing/2014/main" id="{89813B93-D6C8-8ADB-6214-2B0F65F6A0C1}"/>
               </a:ext>
             </a:extLst>
           </p:cNvPr>
@@ -12502,7 +12343,7 @@
                 <a:tabLst/>
                 <a:defRPr/>
               </a:pPr>
-              <a:t>ថ្ងៃសុក្រ 28 មិនា 2025</a:t>
+              <a:t>ថ្ងៃសៅរ៍ 5 មេសា 2025</a:t>
             </a:fld>
             <a:endParaRPr kumimoji="0" lang="en-US" sz="1200" b="0" i="0" u="none" strike="noStrike" kern="1200" cap="none" spc="0" normalizeH="0" baseline="0" noProof="0" dirty="0">
               <a:ln>
@@ -12525,10 +12366,10 @@
       </p:sp>
       <p:sp>
         <p:nvSpPr>
-          <p:cNvPr id="4" name="Footer Placeholder 7">
+          <p:cNvPr id="6" name="Footer Placeholder 7">
             <a:extLst>
               <a:ext uri="{FF2B5EF4-FFF2-40B4-BE49-F238E27FC236}">
-                <a16:creationId xmlns:a16="http://schemas.microsoft.com/office/drawing/2014/main" id="{71820681-D56F-06DD-6C12-091B079BAB5E}"/>
+                <a16:creationId xmlns:a16="http://schemas.microsoft.com/office/drawing/2014/main" id="{21B60E26-13A0-7863-1717-6C7954A1B1C4}"/>
               </a:ext>
             </a:extLst>
           </p:cNvPr>
@@ -12600,28 +12441,208 @@
           </a:p>
         </p:txBody>
       </p:sp>
+      <p:sp>
+        <p:nvSpPr>
+          <p:cNvPr id="2" name="Title 1">
+            <a:extLst>
+              <a:ext uri="{FF2B5EF4-FFF2-40B4-BE49-F238E27FC236}">
+                <a16:creationId xmlns:a16="http://schemas.microsoft.com/office/drawing/2014/main" id="{3FC368FB-D2B1-DD65-2323-5E9847D08D46}"/>
+              </a:ext>
+            </a:extLst>
+          </p:cNvPr>
+          <p:cNvSpPr txBox="1">
+            <a:spLocks/>
+          </p:cNvSpPr>
+          <p:nvPr/>
+        </p:nvSpPr>
+        <p:spPr>
+          <a:xfrm>
+            <a:off x="0" y="324465"/>
+            <a:ext cx="12192000" cy="6209070"/>
+          </a:xfrm>
+          <a:prstGeom prst="rect">
+            <a:avLst/>
+          </a:prstGeom>
+        </p:spPr>
+        <p:txBody>
+          <a:bodyPr vert="horz" lIns="91440" tIns="45720" rIns="91440" bIns="45720" rtlCol="0" anchor="ctr">
+            <a:noAutofit/>
+          </a:bodyPr>
+          <a:lstStyle>
+            <a:lvl1pPr algn="l" defTabSz="914400" rtl="0" eaLnBrk="1" latinLnBrk="0" hangingPunct="1">
+              <a:lnSpc>
+                <a:spcPct val="90000"/>
+              </a:lnSpc>
+              <a:spcBef>
+                <a:spcPct val="0"/>
+              </a:spcBef>
+              <a:buNone/>
+              <a:defRPr sz="4400" kern="1200">
+                <a:solidFill>
+                  <a:schemeClr val="tx1"/>
+                </a:solidFill>
+                <a:latin typeface="+mj-lt"/>
+                <a:ea typeface="+mj-ea"/>
+                <a:cs typeface="+mj-cs"/>
+              </a:defRPr>
+            </a:lvl1pPr>
+          </a:lstStyle>
+          <a:p>
+            <a:pPr marL="0" marR="0" lvl="0" indent="0" algn="ctr" defTabSz="914400" rtl="0" eaLnBrk="1" fontAlgn="auto" latinLnBrk="0" hangingPunct="1">
+              <a:lnSpc>
+                <a:spcPct val="150000"/>
+              </a:lnSpc>
+              <a:spcBef>
+                <a:spcPct val="0"/>
+              </a:spcBef>
+              <a:spcAft>
+                <a:spcPts val="0"/>
+              </a:spcAft>
+              <a:buClrTx/>
+              <a:buSzTx/>
+              <a:buFontTx/>
+              <a:buNone/>
+              <a:tabLst/>
+              <a:defRPr/>
+            </a:pPr>
+            <a:r>
+              <a:rPr kumimoji="0" lang="km-KH" sz="4400" b="0" i="0" u="none" strike="noStrike" kern="1200" cap="none" spc="0" normalizeH="0" baseline="0" noProof="0" dirty="0">
+                <a:ln>
+                  <a:noFill/>
+                </a:ln>
+                <a:solidFill>
+                  <a:prstClr val="white"/>
+                </a:solidFill>
+                <a:effectLst/>
+                <a:uLnTx/>
+                <a:uFillTx/>
+                <a:latin typeface="Krasar" panose="00000500000000000000" pitchFamily="2" charset="0"/>
+                <a:ea typeface="+mj-ea"/>
+                <a:cs typeface="Krasar" panose="00000500000000000000" pitchFamily="2" charset="0"/>
+              </a:rPr>
+              <a:t>ខ្ញុំអធិស្ឋាន រងចាំដល់ថ្ងៃនោះ</a:t>
+            </a:r>
+          </a:p>
+          <a:p>
+            <a:pPr marL="0" marR="0" lvl="0" indent="0" algn="ctr" defTabSz="914400" rtl="0" eaLnBrk="1" fontAlgn="auto" latinLnBrk="0" hangingPunct="1">
+              <a:lnSpc>
+                <a:spcPct val="150000"/>
+              </a:lnSpc>
+              <a:spcBef>
+                <a:spcPct val="0"/>
+              </a:spcBef>
+              <a:spcAft>
+                <a:spcPts val="0"/>
+              </a:spcAft>
+              <a:buClrTx/>
+              <a:buSzTx/>
+              <a:buFontTx/>
+              <a:buNone/>
+              <a:tabLst/>
+              <a:defRPr/>
+            </a:pPr>
+            <a:r>
+              <a:rPr kumimoji="0" lang="km-KH" sz="4400" b="0" i="0" u="none" strike="noStrike" kern="1200" cap="none" spc="0" normalizeH="0" baseline="0" noProof="0" dirty="0">
+                <a:ln>
+                  <a:noFill/>
+                </a:ln>
+                <a:solidFill>
+                  <a:prstClr val="white"/>
+                </a:solidFill>
+                <a:effectLst/>
+                <a:uLnTx/>
+                <a:uFillTx/>
+                <a:latin typeface="Krasar" panose="00000500000000000000" pitchFamily="2" charset="0"/>
+                <a:ea typeface="+mj-ea"/>
+                <a:cs typeface="Krasar" panose="00000500000000000000" pitchFamily="2" charset="0"/>
+              </a:rPr>
+              <a:t>គ្មានសល់ទីចន្លោះ ថ្ងៃពួកគេរស់ឡើងវិញ</a:t>
+            </a:r>
+          </a:p>
+          <a:p>
+            <a:pPr marL="0" marR="0" lvl="0" indent="0" algn="ctr" defTabSz="914400" rtl="0" eaLnBrk="1" fontAlgn="auto" latinLnBrk="0" hangingPunct="1">
+              <a:lnSpc>
+                <a:spcPct val="150000"/>
+              </a:lnSpc>
+              <a:spcBef>
+                <a:spcPct val="0"/>
+              </a:spcBef>
+              <a:spcAft>
+                <a:spcPts val="0"/>
+              </a:spcAft>
+              <a:buClrTx/>
+              <a:buSzTx/>
+              <a:buFontTx/>
+              <a:buNone/>
+              <a:tabLst/>
+              <a:defRPr/>
+            </a:pPr>
+            <a:r>
+              <a:rPr kumimoji="0" lang="km-KH" sz="4400" b="0" i="0" u="none" strike="noStrike" kern="1200" cap="none" spc="0" normalizeH="0" baseline="0" noProof="0" dirty="0">
+                <a:ln>
+                  <a:noFill/>
+                </a:ln>
+                <a:solidFill>
+                  <a:prstClr val="white"/>
+                </a:solidFill>
+                <a:effectLst/>
+                <a:uLnTx/>
+                <a:uFillTx/>
+                <a:latin typeface="Krasar" panose="00000500000000000000" pitchFamily="2" charset="0"/>
+                <a:ea typeface="+mj-ea"/>
+                <a:cs typeface="Krasar" panose="00000500000000000000" pitchFamily="2" charset="0"/>
+              </a:rPr>
+              <a:t>ថ្ងៃឮសំឡេង ហ៊ោអឺងក្នុងសោតា</a:t>
+            </a:r>
+          </a:p>
+          <a:p>
+            <a:pPr marL="0" marR="0" lvl="0" indent="0" algn="ctr" defTabSz="914400" rtl="0" eaLnBrk="1" fontAlgn="auto" latinLnBrk="0" hangingPunct="1">
+              <a:lnSpc>
+                <a:spcPct val="150000"/>
+              </a:lnSpc>
+              <a:spcBef>
+                <a:spcPct val="0"/>
+              </a:spcBef>
+              <a:spcAft>
+                <a:spcPts val="0"/>
+              </a:spcAft>
+              <a:buClrTx/>
+              <a:buSzTx/>
+              <a:buFontTx/>
+              <a:buNone/>
+              <a:tabLst/>
+              <a:defRPr/>
+            </a:pPr>
+            <a:r>
+              <a:rPr kumimoji="0" lang="km-KH" sz="4400" b="0" i="0" u="none" strike="noStrike" kern="1200" cap="none" spc="0" normalizeH="0" baseline="0" noProof="0" dirty="0">
+                <a:ln>
+                  <a:noFill/>
+                </a:ln>
+                <a:solidFill>
+                  <a:prstClr val="white"/>
+                </a:solidFill>
+                <a:effectLst/>
+                <a:uLnTx/>
+                <a:uFillTx/>
+                <a:latin typeface="Krasar" panose="00000500000000000000" pitchFamily="2" charset="0"/>
+                <a:ea typeface="+mj-ea"/>
+                <a:cs typeface="Krasar" panose="00000500000000000000" pitchFamily="2" charset="0"/>
+              </a:rPr>
+              <a:t>ខ្ទរពេញវេហា លោកិយដោយសេចក្តីអំណរ</a:t>
+            </a:r>
+          </a:p>
+        </p:txBody>
+      </p:sp>
     </p:spTree>
     <p:extLst>
       <p:ext uri="{BB962C8B-B14F-4D97-AF65-F5344CB8AC3E}">
-        <p14:creationId xmlns:p14="http://schemas.microsoft.com/office/powerpoint/2010/main" val="630943732"/>
+        <p14:creationId xmlns:p14="http://schemas.microsoft.com/office/powerpoint/2010/main" val="3881822842"/>
       </p:ext>
     </p:extLst>
   </p:cSld>
   <p:clrMapOvr>
     <a:masterClrMapping/>
   </p:clrMapOvr>
-  <mc:AlternateContent xmlns:mc="http://schemas.openxmlformats.org/markup-compatibility/2006">
-    <mc:Choice xmlns:p14="http://schemas.microsoft.com/office/powerpoint/2010/main" Requires="p14">
-      <p:transition spd="med" p14:dur="700">
-        <p:fade/>
-      </p:transition>
-    </mc:Choice>
-    <mc:Fallback>
-      <p:transition spd="med">
-        <p:fade/>
-      </p:transition>
-    </mc:Fallback>
-  </mc:AlternateContent>
 </p:sld>
 </file>
 
@@ -13085,7 +13106,7 @@
                 <a:cs typeface="Krasar" panose="00000500000000000000" pitchFamily="2" charset="0"/>
               </a:rPr>
               <a:pPr algn="r"/>
-              <a:t>ថ្ងៃសុក្រ 28 មិនា 2025</a:t>
+              <a:t>ថ្ងៃសៅរ៍ 5 មេសា 2025</a:t>
             </a:fld>
             <a:endParaRPr lang="en-GB" dirty="0">
               <a:solidFill>
@@ -13559,7 +13580,7 @@
                 <a:cs typeface="Krasar" panose="00000500000000000000" pitchFamily="2" charset="0"/>
               </a:rPr>
               <a:pPr algn="ctr"/>
-              <a:t>ថ្ងៃសុក្រ 28 មិនា 2025</a:t>
+              <a:t>ថ្ងៃសៅរ៍ 5 មេសា 2025</a:t>
             </a:fld>
             <a:endParaRPr lang="en-US" dirty="0">
               <a:solidFill>
@@ -13803,7 +13824,7 @@
                 <a:cs typeface="Krasar" panose="00000500000000000000" pitchFamily="2" charset="0"/>
               </a:rPr>
               <a:pPr algn="ctr"/>
-              <a:t>ថ្ងៃសុក្រ 28 មិនា 2025</a:t>
+              <a:t>ថ្ងៃសៅរ៍ 5 មេសា 2025</a:t>
             </a:fld>
             <a:endParaRPr lang="en-US" dirty="0">
               <a:solidFill>
@@ -14047,7 +14068,7 @@
                 <a:cs typeface="Krasar" panose="00000500000000000000" pitchFamily="2" charset="0"/>
               </a:rPr>
               <a:pPr algn="ctr"/>
-              <a:t>ថ្ងៃសុក្រ 28 មិនា 2025</a:t>
+              <a:t>ថ្ងៃសៅរ៍ 5 មេសា 2025</a:t>
             </a:fld>
             <a:endParaRPr lang="en-US" dirty="0">
               <a:solidFill>
@@ -14246,7 +14267,7 @@
                 <a:cs typeface="Krasar" panose="00000500000000000000" pitchFamily="2" charset="0"/>
               </a:rPr>
               <a:pPr algn="r"/>
-              <a:t>ថ្ងៃសុក្រ 28 មិនា 2025</a:t>
+              <a:t>ថ្ងៃសៅរ៍ 5 មេសា 2025</a:t>
             </a:fld>
             <a:endParaRPr lang="en-GB" dirty="0">
               <a:solidFill>
@@ -14502,7 +14523,7 @@
                 <a:cs typeface="Krasar" panose="00000500000000000000" pitchFamily="2" charset="0"/>
               </a:rPr>
               <a:pPr algn="ctr"/>
-              <a:t>ថ្ងៃសុក្រ 28 មិនា 2025</a:t>
+              <a:t>ថ្ងៃសៅរ៍ 5 មេសា 2025</a:t>
             </a:fld>
             <a:endParaRPr lang="en-US" dirty="0">
               <a:solidFill>
@@ -14701,7 +14722,7 @@
                 <a:cs typeface="Krasar" panose="00000500000000000000" pitchFamily="2" charset="0"/>
               </a:rPr>
               <a:pPr algn="r"/>
-              <a:t>ថ្ងៃសុក្រ 28 មិនា 2025</a:t>
+              <a:t>ថ្ងៃសៅរ៍ 5 មេសា 2025</a:t>
             </a:fld>
             <a:endParaRPr lang="en-GB" dirty="0">
               <a:solidFill>
@@ -14887,7 +14908,7 @@
                 <a:tabLst/>
                 <a:defRPr/>
               </a:pPr>
-              <a:t>ថ្ងៃសុក្រ 28 មិនា 2025</a:t>
+              <a:t>ថ្ងៃសៅរ៍ 5 មេសា 2025</a:t>
             </a:fld>
             <a:endParaRPr kumimoji="0" lang="en-GB" sz="1800" b="0" i="0" u="none" strike="noStrike" kern="1200" cap="none" spc="0" normalizeH="0" baseline="0" noProof="0" dirty="0">
               <a:ln>
@@ -15461,7 +15482,7 @@
                 <a:tabLst/>
                 <a:defRPr/>
               </a:pPr>
-              <a:t>ថ្ងៃសុក្រ 28 មិនា 2025</a:t>
+              <a:t>ថ្ងៃសៅរ៍ 5 មេសា 2025</a:t>
             </a:fld>
             <a:endParaRPr kumimoji="0" lang="en-GB" sz="1800" b="0" i="0" u="none" strike="noStrike" kern="1200" cap="none" spc="0" normalizeH="0" baseline="0" noProof="0" dirty="0">
               <a:ln>
@@ -15985,7 +16006,7 @@
                 <a:tabLst/>
                 <a:defRPr/>
               </a:pPr>
-              <a:t>ថ្ងៃសុក្រ 28 មិនា 2025</a:t>
+              <a:t>ថ្ងៃសៅរ៍ 5 មេសា 2025</a:t>
             </a:fld>
             <a:endParaRPr kumimoji="0" lang="en-GB" sz="1800" b="0" i="0" u="none" strike="noStrike" kern="1200" cap="none" spc="0" normalizeH="0" baseline="0" noProof="0" dirty="0">
               <a:ln>
@@ -16628,7 +16649,7 @@
                 <a:tabLst/>
                 <a:defRPr/>
               </a:pPr>
-              <a:t>ថ្ងៃសុក្រ 28 មិនា 2025</a:t>
+              <a:t>ថ្ងៃសៅរ៍ 5 មេសា 2025</a:t>
             </a:fld>
             <a:endParaRPr kumimoji="0" lang="en-GB" sz="1800" b="0" i="0" u="none" strike="noStrike" kern="1200" cap="none" spc="0" normalizeH="0" baseline="0" noProof="0" dirty="0">
               <a:ln>
@@ -16942,7 +16963,7 @@
                 <a:tabLst/>
                 <a:defRPr/>
               </a:pPr>
-              <a:t>ថ្ងៃសុក្រ 28 មិនា 2025</a:t>
+              <a:t>ថ្ងៃសៅរ៍ 5 មេសា 2025</a:t>
             </a:fld>
             <a:endParaRPr kumimoji="0" lang="en-GB" sz="1800" b="0" i="0" u="none" strike="noStrike" kern="1200" cap="none" spc="0" normalizeH="0" baseline="0" noProof="0" dirty="0">
               <a:ln>
@@ -17708,7 +17729,7 @@
                 <a:tabLst/>
                 <a:defRPr/>
               </a:pPr>
-              <a:t>ថ្ងៃសុក្រ 28 មិនា 2025</a:t>
+              <a:t>ថ្ងៃសៅរ៍ 5 មេសា 2025</a:t>
             </a:fld>
             <a:endParaRPr kumimoji="0" lang="en-GB" sz="1800" b="0" i="0" u="none" strike="noStrike" kern="1200" cap="none" spc="0" normalizeH="0" baseline="0" noProof="0" dirty="0">
               <a:ln>
@@ -18288,7 +18309,7 @@
                 <a:tabLst/>
                 <a:defRPr/>
               </a:pPr>
-              <a:t>ថ្ងៃសុក្រ 28 មិនា 2025</a:t>
+              <a:t>ថ្ងៃសៅរ៍ 5 មេសា 2025</a:t>
             </a:fld>
             <a:endParaRPr kumimoji="0" lang="en-GB" sz="1800" b="0" i="0" u="none" strike="noStrike" kern="1200" cap="none" spc="0" normalizeH="0" baseline="0" noProof="0" dirty="0">
               <a:ln>
@@ -19054,7 +19075,7 @@
                 <a:tabLst/>
                 <a:defRPr/>
               </a:pPr>
-              <a:t>ថ្ងៃសុក្រ 28 មិនា 2025</a:t>
+              <a:t>ថ្ងៃសៅរ៍ 5 មេសា 2025</a:t>
             </a:fld>
             <a:endParaRPr kumimoji="0" lang="en-GB" sz="1800" b="0" i="0" u="none" strike="noStrike" kern="1200" cap="none" spc="0" normalizeH="0" baseline="0" noProof="0" dirty="0">
               <a:ln>
@@ -19418,7 +19439,7 @@
                 <a:cs typeface="Krasar" panose="00000500000000000000" pitchFamily="2" charset="0"/>
               </a:rPr>
               <a:pPr algn="r"/>
-              <a:t>ថ្ងៃសុក្រ 28 មិនា 2025</a:t>
+              <a:t>ថ្ងៃសៅរ៍ 5 មេសា 2025</a:t>
             </a:fld>
             <a:endParaRPr lang="en-GB" dirty="0">
               <a:solidFill>
@@ -19694,7 +19715,7 @@
                 <a:tabLst/>
                 <a:defRPr/>
               </a:pPr>
-              <a:t>ថ្ងៃសុក្រ 28 មិនា 2025</a:t>
+              <a:t>ថ្ងៃសៅរ៍ 5 មេសា 2025</a:t>
             </a:fld>
             <a:endParaRPr kumimoji="0" lang="en-GB" sz="1800" b="0" i="0" u="none" strike="noStrike" kern="1200" cap="none" spc="0" normalizeH="0" baseline="0" noProof="0" dirty="0">
               <a:ln>
@@ -20195,7 +20216,7 @@
                 <a:tabLst/>
                 <a:defRPr/>
               </a:pPr>
-              <a:t>ថ្ងៃសុក្រ 28 មិនា 2025</a:t>
+              <a:t>ថ្ងៃសៅរ៍ 5 មេសា 2025</a:t>
             </a:fld>
             <a:endParaRPr kumimoji="0" lang="en-GB" sz="1800" b="0" i="0" u="none" strike="noStrike" kern="1200" cap="none" spc="0" normalizeH="0" baseline="0" noProof="0" dirty="0">
               <a:ln>
@@ -20662,7 +20683,7 @@
                 <a:tabLst/>
                 <a:defRPr/>
               </a:pPr>
-              <a:t>ថ្ងៃសុក្រ 28 មិនា 2025</a:t>
+              <a:t>ថ្ងៃសៅរ៍ 5 មេសា 2025</a:t>
             </a:fld>
             <a:endParaRPr kumimoji="0" lang="en-GB" sz="1800" b="0" i="0" u="none" strike="noStrike" kern="1200" cap="none" spc="0" normalizeH="0" baseline="0" noProof="0" dirty="0">
               <a:ln>
@@ -21129,7 +21150,7 @@
                 <a:tabLst/>
                 <a:defRPr/>
               </a:pPr>
-              <a:t>ថ្ងៃសុក្រ 28 មិនា 2025</a:t>
+              <a:t>ថ្ងៃសៅរ៍ 5 មេសា 2025</a:t>
             </a:fld>
             <a:endParaRPr kumimoji="0" lang="en-GB" sz="1800" b="0" i="0" u="none" strike="noStrike" kern="1200" cap="none" spc="0" normalizeH="0" baseline="0" noProof="0" dirty="0">
               <a:ln>
@@ -21596,7 +21617,7 @@
                 <a:tabLst/>
                 <a:defRPr/>
               </a:pPr>
-              <a:t>ថ្ងៃសុក្រ 28 មិនា 2025</a:t>
+              <a:t>ថ្ងៃសៅរ៍ 5 មេសា 2025</a:t>
             </a:fld>
             <a:endParaRPr kumimoji="0" lang="en-GB" sz="1800" b="0" i="0" u="none" strike="noStrike" kern="1200" cap="none" spc="0" normalizeH="0" baseline="0" noProof="0" dirty="0">
               <a:ln>
@@ -21891,98 +21912,42 @@
       </p:grpSpPr>
       <p:sp>
         <p:nvSpPr>
-          <p:cNvPr id="3" name="Title 1">
-            <a:extLst>
-              <a:ext uri="{FF2B5EF4-FFF2-40B4-BE49-F238E27FC236}">
-                <a16:creationId xmlns:a16="http://schemas.microsoft.com/office/drawing/2014/main" id="{D4F8DD3D-967E-4BA9-CE61-43DE371ACF10}"/>
-              </a:ext>
-            </a:extLst>
-          </p:cNvPr>
-          <p:cNvSpPr txBox="1">
-            <a:spLocks/>
-          </p:cNvSpPr>
-          <p:nvPr/>
+          <p:cNvPr id="2" name="Title 1"/>
+          <p:cNvSpPr>
+            <a:spLocks noGrp="1"/>
+          </p:cNvSpPr>
+          <p:nvPr>
+            <p:ph type="ctrTitle"/>
+          </p:nvPr>
         </p:nvSpPr>
         <p:spPr>
           <a:xfrm>
-            <a:off x="0" y="324465"/>
-            <a:ext cx="12192000" cy="6209070"/>
+            <a:off x="0" y="2692796"/>
+            <a:ext cx="12192000" cy="1472408"/>
           </a:xfrm>
-          <a:prstGeom prst="rect">
-            <a:avLst/>
-          </a:prstGeom>
         </p:spPr>
         <p:txBody>
-          <a:bodyPr vert="horz" lIns="91440" tIns="45720" rIns="91440" bIns="45720" rtlCol="0" anchor="ctr">
-            <a:noAutofit/>
+          <a:bodyPr>
+            <a:normAutofit/>
           </a:bodyPr>
-          <a:lstStyle>
-            <a:lvl1pPr algn="l" defTabSz="914400" rtl="0" eaLnBrk="1" latinLnBrk="0" hangingPunct="1">
-              <a:lnSpc>
-                <a:spcPct val="90000"/>
-              </a:lnSpc>
-              <a:spcBef>
-                <a:spcPct val="0"/>
-              </a:spcBef>
-              <a:buNone/>
-              <a:defRPr sz="4400" kern="1200">
-                <a:solidFill>
-                  <a:schemeClr val="tx1"/>
-                </a:solidFill>
-                <a:latin typeface="+mj-lt"/>
-                <a:ea typeface="+mj-ea"/>
-                <a:cs typeface="+mj-cs"/>
-              </a:defRPr>
-            </a:lvl1pPr>
-          </a:lstStyle>
-          <a:p>
-            <a:pPr marL="0" marR="0" lvl="0" indent="0" algn="ctr" defTabSz="914400" rtl="0" eaLnBrk="1" fontAlgn="auto" latinLnBrk="0" hangingPunct="1">
-              <a:lnSpc>
-                <a:spcPct val="150000"/>
-              </a:lnSpc>
-              <a:spcBef>
-                <a:spcPct val="0"/>
-              </a:spcBef>
-              <a:spcAft>
-                <a:spcPts val="0"/>
-              </a:spcAft>
-              <a:buClrTx/>
-              <a:buSzTx/>
-              <a:buFontTx/>
-              <a:buNone/>
-              <a:tabLst/>
-              <a:defRPr/>
-            </a:pPr>
-            <a:r>
-              <a:rPr kumimoji="0" lang="km-KH" sz="6000" b="0" i="0" u="none" strike="noStrike" kern="1200" cap="none" spc="0" normalizeH="0" baseline="0" noProof="0" dirty="0">
-                <a:ln>
-                  <a:noFill/>
-                </a:ln>
+          <a:lstStyle/>
+          <a:p>
+            <a:r>
+              <a:rPr lang="km-KH" dirty="0">
                 <a:solidFill>
                   <a:srgbClr val="FFC000"/>
                 </a:solidFill>
-                <a:effectLst/>
-                <a:uLnTx/>
-                <a:uFillTx/>
                 <a:latin typeface="AKbalthom Moul 2" panose="02000500000000000000" pitchFamily="2" charset="0"/>
-                <a:ea typeface="+mj-ea"/>
                 <a:cs typeface="AKbalthom Moul 2" panose="02000500000000000000" pitchFamily="2" charset="0"/>
               </a:rPr>
-              <a:t>តើអ្នកណាជាម្ចាស់នៃខ្ញុំ</a:t>
-            </a:r>
-            <a:endParaRPr kumimoji="0" lang="km-KH" sz="6000" b="0" i="0" u="none" strike="noStrike" kern="1200" cap="none" spc="0" normalizeH="0" baseline="0" noProof="0" dirty="0">
-              <a:ln>
-                <a:noFill/>
-              </a:ln>
+              <a:t>នៅគ្រាក្រោយបង្អស់</a:t>
+            </a:r>
+            <a:endParaRPr lang="en-US" dirty="0">
               <a:solidFill>
-                <a:prstClr val="white"/>
+                <a:srgbClr val="FFC000"/>
               </a:solidFill>
-              <a:effectLst/>
-              <a:uLnTx/>
-              <a:uFillTx/>
-              <a:latin typeface="Krasar" panose="00000500000000000000" pitchFamily="2" charset="0"/>
-              <a:ea typeface="Khmer-Pen​​Chantrea" panose="020B0706030804020204" pitchFamily="34" charset="0"/>
-              <a:cs typeface="Krasar" panose="00000500000000000000" pitchFamily="2" charset="0"/>
+              <a:latin typeface="AKbalthom Moul 2" panose="02000500000000000000" pitchFamily="2" charset="0"/>
+              <a:cs typeface="AKbalthom Moul 2" panose="02000500000000000000" pitchFamily="2" charset="0"/>
             </a:endParaRPr>
           </a:p>
         </p:txBody>
@@ -21997,18 +21962,6 @@
   <p:clrMapOvr>
     <a:masterClrMapping/>
   </p:clrMapOvr>
-  <mc:AlternateContent xmlns:mc="http://schemas.openxmlformats.org/markup-compatibility/2006">
-    <mc:Choice xmlns:p14="http://schemas.microsoft.com/office/powerpoint/2010/main" Requires="p14">
-      <p:transition spd="med" p14:dur="700">
-        <p:fade/>
-      </p:transition>
-    </mc:Choice>
-    <mc:Fallback>
-      <p:transition spd="med">
-        <p:fade/>
-      </p:transition>
-    </mc:Fallback>
-  </mc:AlternateContent>
 </p:sld>
 </file>
 
@@ -22031,57 +21984,31 @@
       </p:grpSpPr>
       <p:sp>
         <p:nvSpPr>
-          <p:cNvPr id="3" name="Title 1">
-            <a:extLst>
-              <a:ext uri="{FF2B5EF4-FFF2-40B4-BE49-F238E27FC236}">
-                <a16:creationId xmlns:a16="http://schemas.microsoft.com/office/drawing/2014/main" id="{6D24287B-237B-3DC7-1DC9-4C930F11588A}"/>
-              </a:ext>
-            </a:extLst>
-          </p:cNvPr>
-          <p:cNvSpPr txBox="1">
-            <a:spLocks/>
-          </p:cNvSpPr>
+          <p:cNvPr id="4" name="Rectangle 3"/>
+          <p:cNvSpPr/>
           <p:nvPr/>
         </p:nvSpPr>
         <p:spPr>
           <a:xfrm>
-            <a:off x="0" y="324465"/>
-            <a:ext cx="12192000" cy="6209070"/>
+            <a:off x="0" y="2497976"/>
+            <a:ext cx="12192000" cy="1862048"/>
           </a:xfrm>
           <a:prstGeom prst="rect">
             <a:avLst/>
           </a:prstGeom>
         </p:spPr>
         <p:txBody>
-          <a:bodyPr vert="horz" lIns="91440" tIns="45720" rIns="91440" bIns="45720" rtlCol="0" anchor="ctr">
-            <a:noAutofit/>
+          <a:bodyPr wrap="square">
+            <a:spAutoFit/>
           </a:bodyPr>
-          <a:lstStyle>
-            <a:lvl1pPr algn="l" defTabSz="914400" rtl="0" eaLnBrk="1" latinLnBrk="0" hangingPunct="1">
-              <a:lnSpc>
-                <a:spcPct val="90000"/>
-              </a:lnSpc>
-              <a:spcBef>
-                <a:spcPct val="0"/>
-              </a:spcBef>
-              <a:buNone/>
-              <a:defRPr sz="4400" kern="1200">
-                <a:solidFill>
-                  <a:schemeClr val="tx1"/>
-                </a:solidFill>
-                <a:latin typeface="+mj-lt"/>
-                <a:ea typeface="+mj-ea"/>
-                <a:cs typeface="+mj-cs"/>
-              </a:defRPr>
-            </a:lvl1pPr>
-          </a:lstStyle>
-          <a:p>
-            <a:pPr marL="0" marR="0" lvl="0" indent="0" algn="ctr" defTabSz="914400" rtl="0" eaLnBrk="1" fontAlgn="auto" latinLnBrk="0" hangingPunct="1">
+          <a:lstStyle/>
+          <a:p>
+            <a:pPr marL="0" marR="0" lvl="0" indent="0" algn="ctr" defTabSz="457200" rtl="0" eaLnBrk="1" fontAlgn="auto" latinLnBrk="0" hangingPunct="1">
               <a:lnSpc>
                 <a:spcPct val="150000"/>
               </a:lnSpc>
               <a:spcBef>
-                <a:spcPct val="0"/>
+                <a:spcPts val="0"/>
               </a:spcBef>
               <a:spcAft>
                 <a:spcPts val="0"/>
@@ -22094,7 +22021,7 @@
               <a:defRPr/>
             </a:pPr>
             <a:r>
-              <a:rPr kumimoji="0" lang="km-KH" sz="4400" b="0" i="0" u="none" strike="noStrike" kern="1200" cap="none" spc="0" normalizeH="0" baseline="0" noProof="0" dirty="0">
+              <a:rPr kumimoji="0" lang="km-KH" sz="4000" b="0" i="0" u="none" strike="noStrike" kern="1200" cap="none" spc="0" normalizeH="0" baseline="0" noProof="0" dirty="0">
                 <a:ln>
                   <a:noFill/>
                 </a:ln>
@@ -22105,32 +22032,13 @@
                 <a:uLnTx/>
                 <a:uFillTx/>
                 <a:latin typeface="Krasar" panose="00000500000000000000" pitchFamily="2" charset="0"/>
-                <a:ea typeface="+mj-ea"/>
+                <a:ea typeface="+mn-ea"/>
                 <a:cs typeface="Krasar" panose="00000500000000000000" pitchFamily="2" charset="0"/>
               </a:rPr>
-              <a:t>តើអ្នកណាជាម្ចាស់ទន្លេ? </a:t>
-            </a:r>
-          </a:p>
-          <a:p>
-            <a:pPr marL="0" marR="0" lvl="0" indent="0" algn="ctr" defTabSz="914400" rtl="0" eaLnBrk="1" fontAlgn="auto" latinLnBrk="0" hangingPunct="1">
-              <a:lnSpc>
-                <a:spcPct val="150000"/>
-              </a:lnSpc>
-              <a:spcBef>
-                <a:spcPct val="0"/>
-              </a:spcBef>
-              <a:spcAft>
-                <a:spcPts val="0"/>
-              </a:spcAft>
-              <a:buClrTx/>
-              <a:buSzTx/>
-              <a:buFontTx/>
-              <a:buNone/>
-              <a:tabLst/>
-              <a:defRPr/>
-            </a:pPr>
-            <a:r>
-              <a:rPr kumimoji="0" lang="km-KH" sz="4400" b="0" i="0" u="none" strike="noStrike" kern="1200" cap="none" spc="0" normalizeH="0" baseline="0" noProof="0" dirty="0">
+              <a:t>នៅគ្រាក្រោយបង្អស់ យើងនឹងចាក់ប្រទាន </a:t>
+            </a:r>
+            <a:br>
+              <a:rPr kumimoji="0" lang="km-KH" sz="4000" b="0" i="0" u="none" strike="noStrike" kern="1200" cap="none" spc="0" normalizeH="0" baseline="0" noProof="0" dirty="0">
                 <a:ln>
                   <a:noFill/>
                 </a:ln>
@@ -22141,32 +22049,12 @@
                 <a:uLnTx/>
                 <a:uFillTx/>
                 <a:latin typeface="Krasar" panose="00000500000000000000" pitchFamily="2" charset="0"/>
-                <a:ea typeface="+mj-ea"/>
+                <a:ea typeface="+mn-ea"/>
                 <a:cs typeface="Krasar" panose="00000500000000000000" pitchFamily="2" charset="0"/>
               </a:rPr>
-              <a:t>តើអ្នកណាជាម្ចាស់ព្រៃធំ? </a:t>
-            </a:r>
-          </a:p>
-          <a:p>
-            <a:pPr marL="0" marR="0" lvl="0" indent="0" algn="ctr" defTabSz="914400" rtl="0" eaLnBrk="1" fontAlgn="auto" latinLnBrk="0" hangingPunct="1">
-              <a:lnSpc>
-                <a:spcPct val="150000"/>
-              </a:lnSpc>
-              <a:spcBef>
-                <a:spcPct val="0"/>
-              </a:spcBef>
-              <a:spcAft>
-                <a:spcPts val="0"/>
-              </a:spcAft>
-              <a:buClrTx/>
-              <a:buSzTx/>
-              <a:buFontTx/>
-              <a:buNone/>
-              <a:tabLst/>
-              <a:defRPr/>
-            </a:pPr>
-            <a:r>
-              <a:rPr kumimoji="0" lang="km-KH" sz="4400" b="0" i="0" u="none" strike="noStrike" kern="1200" cap="none" spc="0" normalizeH="0" baseline="0" noProof="0" dirty="0">
+            </a:br>
+            <a:r>
+              <a:rPr kumimoji="0" lang="km-KH" sz="4000" b="0" i="0" u="none" strike="noStrike" kern="1200" cap="none" spc="0" normalizeH="0" baseline="0" noProof="0" dirty="0">
                 <a:ln>
                   <a:noFill/>
                 </a:ln>
@@ -22177,46 +22065,10 @@
                 <a:uLnTx/>
                 <a:uFillTx/>
                 <a:latin typeface="Krasar" panose="00000500000000000000" pitchFamily="2" charset="0"/>
-                <a:ea typeface="+mj-ea"/>
+                <a:ea typeface="+mn-ea"/>
                 <a:cs typeface="Krasar" panose="00000500000000000000" pitchFamily="2" charset="0"/>
               </a:rPr>
-              <a:t>តើអ្នកណាជាម្ចាស់លោកធាតុទាំងមូល? </a:t>
-            </a:r>
-          </a:p>
-          <a:p>
-            <a:pPr marL="0" marR="0" lvl="0" indent="0" algn="ctr" defTabSz="914400" rtl="0" eaLnBrk="1" fontAlgn="auto" latinLnBrk="0" hangingPunct="1">
-              <a:lnSpc>
-                <a:spcPct val="150000"/>
-              </a:lnSpc>
-              <a:spcBef>
-                <a:spcPct val="0"/>
-              </a:spcBef>
-              <a:spcAft>
-                <a:spcPts val="0"/>
-              </a:spcAft>
-              <a:buClrTx/>
-              <a:buSzTx/>
-              <a:buFontTx/>
-              <a:buNone/>
-              <a:tabLst/>
-              <a:defRPr/>
-            </a:pPr>
-            <a:r>
-              <a:rPr kumimoji="0" lang="km-KH" sz="4400" b="0" i="0" u="none" strike="noStrike" kern="1200" cap="none" spc="0" normalizeH="0" baseline="0" noProof="0" dirty="0">
-                <a:ln>
-                  <a:noFill/>
-                </a:ln>
-                <a:solidFill>
-                  <a:prstClr val="white"/>
-                </a:solidFill>
-                <a:effectLst/>
-                <a:uLnTx/>
-                <a:uFillTx/>
-                <a:latin typeface="Krasar" panose="00000500000000000000" pitchFamily="2" charset="0"/>
-                <a:ea typeface="+mj-ea"/>
-                <a:cs typeface="Krasar" panose="00000500000000000000" pitchFamily="2" charset="0"/>
-              </a:rPr>
-              <a:t>តើអ្នកណាជាម្ចាស់នៃខ្ញុំ?</a:t>
+              <a:t>នូវព្រះវិញ្ញាណ ដ៏វិសុទ្ធដល់ មនុស្ស គ្រប់ទាំងអស់</a:t>
             </a:r>
           </a:p>
         </p:txBody>
@@ -22298,7 +22150,7 @@
                 <a:tabLst/>
                 <a:defRPr/>
               </a:pPr>
-              <a:t>ថ្ងៃសុក្រ 28 មិនា 2025</a:t>
+              <a:t>ថ្ងៃសៅរ៍ 5 មេសា 2025</a:t>
             </a:fld>
             <a:endParaRPr kumimoji="0" lang="en-US" sz="1200" b="0" i="0" u="none" strike="noStrike" kern="1200" cap="none" spc="0" normalizeH="0" baseline="0" noProof="0" dirty="0">
               <a:ln>
@@ -22406,18 +22258,6 @@
   <p:clrMapOvr>
     <a:masterClrMapping/>
   </p:clrMapOvr>
-  <mc:AlternateContent xmlns:mc="http://schemas.openxmlformats.org/markup-compatibility/2006">
-    <mc:Choice xmlns:p14="http://schemas.microsoft.com/office/powerpoint/2010/main" Requires="p14">
-      <p:transition spd="med" p14:dur="700">
-        <p:fade/>
-      </p:transition>
-    </mc:Choice>
-    <mc:Fallback>
-      <p:transition spd="med">
-        <p:fade/>
-      </p:transition>
-    </mc:Fallback>
-  </mc:AlternateContent>
 </p:sld>
 </file>
 
@@ -22429,7 +22269,7 @@
         <p:cNvPr id="1" name="">
           <a:extLst>
             <a:ext uri="{FF2B5EF4-FFF2-40B4-BE49-F238E27FC236}">
-              <a16:creationId xmlns:a16="http://schemas.microsoft.com/office/drawing/2014/main" id="{7EAADCFD-54E5-9DA7-CA36-5656EC34CC37}"/>
+              <a16:creationId xmlns:a16="http://schemas.microsoft.com/office/drawing/2014/main" id="{6C69C84C-3AFA-426F-A1C6-0C29222FE7B2}"/>
             </a:ext>
           </a:extLst>
         </p:cNvPr>
@@ -22446,57 +22286,37 @@
       </p:grpSpPr>
       <p:sp>
         <p:nvSpPr>
-          <p:cNvPr id="3" name="Title 1">
+          <p:cNvPr id="4" name="Rectangle 3">
             <a:extLst>
               <a:ext uri="{FF2B5EF4-FFF2-40B4-BE49-F238E27FC236}">
-                <a16:creationId xmlns:a16="http://schemas.microsoft.com/office/drawing/2014/main" id="{F078E3EF-C834-A43F-FBBE-4907E76488AE}"/>
+                <a16:creationId xmlns:a16="http://schemas.microsoft.com/office/drawing/2014/main" id="{4576081E-6275-1248-782B-F79CC25B3958}"/>
               </a:ext>
             </a:extLst>
           </p:cNvPr>
-          <p:cNvSpPr txBox="1">
-            <a:spLocks/>
-          </p:cNvSpPr>
+          <p:cNvSpPr/>
           <p:nvPr/>
         </p:nvSpPr>
         <p:spPr>
           <a:xfrm>
-            <a:off x="0" y="324465"/>
-            <a:ext cx="12192000" cy="6209070"/>
+            <a:off x="0" y="1577894"/>
+            <a:ext cx="12192000" cy="3708708"/>
           </a:xfrm>
           <a:prstGeom prst="rect">
             <a:avLst/>
           </a:prstGeom>
         </p:spPr>
         <p:txBody>
-          <a:bodyPr vert="horz" lIns="91440" tIns="45720" rIns="91440" bIns="45720" rtlCol="0" anchor="ctr">
-            <a:noAutofit/>
+          <a:bodyPr wrap="square">
+            <a:spAutoFit/>
           </a:bodyPr>
-          <a:lstStyle>
-            <a:lvl1pPr algn="l" defTabSz="914400" rtl="0" eaLnBrk="1" latinLnBrk="0" hangingPunct="1">
-              <a:lnSpc>
-                <a:spcPct val="90000"/>
-              </a:lnSpc>
-              <a:spcBef>
-                <a:spcPct val="0"/>
-              </a:spcBef>
-              <a:buNone/>
-              <a:defRPr sz="4400" kern="1200">
-                <a:solidFill>
-                  <a:schemeClr val="tx1"/>
-                </a:solidFill>
-                <a:latin typeface="+mj-lt"/>
-                <a:ea typeface="+mj-ea"/>
-                <a:cs typeface="+mj-cs"/>
-              </a:defRPr>
-            </a:lvl1pPr>
-          </a:lstStyle>
-          <a:p>
-            <a:pPr marL="0" marR="0" lvl="0" indent="0" algn="ctr" defTabSz="914400" rtl="0" eaLnBrk="1" fontAlgn="auto" latinLnBrk="0" hangingPunct="1">
+          <a:lstStyle/>
+          <a:p>
+            <a:pPr marL="0" marR="0" lvl="0" indent="0" algn="ctr" defTabSz="457200" rtl="0" eaLnBrk="1" fontAlgn="auto" latinLnBrk="0" hangingPunct="1">
               <a:lnSpc>
                 <a:spcPct val="150000"/>
               </a:lnSpc>
               <a:spcBef>
-                <a:spcPct val="0"/>
+                <a:spcPts val="0"/>
               </a:spcBef>
               <a:spcAft>
                 <a:spcPts val="0"/>
@@ -22509,7 +22329,7 @@
               <a:defRPr/>
             </a:pPr>
             <a:r>
-              <a:rPr kumimoji="0" lang="km-KH" sz="4400" b="0" i="0" u="none" strike="noStrike" kern="1200" cap="none" spc="0" normalizeH="0" baseline="0" noProof="0" dirty="0">
+              <a:rPr kumimoji="0" lang="km-KH" sz="4000" b="0" i="0" u="none" strike="noStrike" kern="1200" cap="none" spc="0" normalizeH="0" baseline="0" noProof="0" dirty="0">
                 <a:ln>
                   <a:noFill/>
                 </a:ln>
@@ -22520,23 +22340,32 @@
                 <a:uLnTx/>
                 <a:uFillTx/>
                 <a:latin typeface="Krasar" panose="00000500000000000000" pitchFamily="2" charset="0"/>
-                <a:ea typeface="+mj-ea"/>
+                <a:ea typeface="+mn-ea"/>
                 <a:cs typeface="Krasar" panose="00000500000000000000" pitchFamily="2" charset="0"/>
               </a:rPr>
-              <a:t>ព្រះយេស៊ូ</a:t>
-            </a:r>
-            <a:r>
-              <a:rPr lang="km-KH" dirty="0">
-                <a:solidFill>
-                  <a:prstClr val="white"/>
-                </a:solidFill>
-                <a:latin typeface="Krasar" panose="00000500000000000000" pitchFamily="2" charset="0"/>
-                <a:cs typeface="Krasar" panose="00000500000000000000" pitchFamily="2" charset="0"/>
-              </a:rPr>
-              <a:t>វ</a:t>
-            </a:r>
-            <a:r>
-              <a:rPr kumimoji="0" lang="km-KH" sz="4400" b="0" i="0" u="none" strike="noStrike" kern="1200" cap="none" spc="0" normalizeH="0" baseline="0" noProof="0" dirty="0">
+              <a:t>ពេលនោះកូនក្មេងតូចៗ នឹង ចេះទាយ</a:t>
+            </a:r>
+          </a:p>
+          <a:p>
+            <a:pPr marL="0" marR="0" lvl="0" indent="0" algn="ctr" defTabSz="457200" rtl="0" eaLnBrk="1" fontAlgn="auto" latinLnBrk="0" hangingPunct="1">
+              <a:lnSpc>
+                <a:spcPct val="150000"/>
+              </a:lnSpc>
+              <a:spcBef>
+                <a:spcPts val="0"/>
+              </a:spcBef>
+              <a:spcAft>
+                <a:spcPts val="0"/>
+              </a:spcAft>
+              <a:buClrTx/>
+              <a:buSzTx/>
+              <a:buFontTx/>
+              <a:buNone/>
+              <a:tabLst/>
+              <a:defRPr/>
+            </a:pPr>
+            <a:r>
+              <a:rPr kumimoji="0" lang="km-KH" sz="4000" b="0" i="0" u="none" strike="noStrike" kern="1200" cap="none" spc="0" normalizeH="0" baseline="0" noProof="0" dirty="0">
                 <a:ln>
                   <a:noFill/>
                 </a:ln>
@@ -22547,32 +22376,13 @@
                 <a:uLnTx/>
                 <a:uFillTx/>
                 <a:latin typeface="Krasar" panose="00000500000000000000" pitchFamily="2" charset="0"/>
-                <a:ea typeface="+mj-ea"/>
+                <a:ea typeface="+mn-ea"/>
                 <a:cs typeface="Krasar" panose="00000500000000000000" pitchFamily="2" charset="0"/>
               </a:rPr>
-              <a:t>ជាម្ចាស់ទន្លេ </a:t>
-            </a:r>
-          </a:p>
-          <a:p>
-            <a:pPr marL="0" marR="0" lvl="0" indent="0" algn="ctr" defTabSz="914400" rtl="0" eaLnBrk="1" fontAlgn="auto" latinLnBrk="0" hangingPunct="1">
-              <a:lnSpc>
-                <a:spcPct val="150000"/>
-              </a:lnSpc>
-              <a:spcBef>
-                <a:spcPct val="0"/>
-              </a:spcBef>
-              <a:spcAft>
-                <a:spcPts val="0"/>
-              </a:spcAft>
-              <a:buClrTx/>
-              <a:buSzTx/>
-              <a:buFontTx/>
-              <a:buNone/>
-              <a:tabLst/>
-              <a:defRPr/>
-            </a:pPr>
-            <a:r>
-              <a:rPr kumimoji="0" lang="km-KH" sz="4400" b="0" i="0" u="none" strike="noStrike" kern="1200" cap="none" spc="0" normalizeH="0" baseline="0" noProof="0" dirty="0">
+              <a:t>មនុស្សពេញវ័យ នឹងឃើញការជាក់ស្តែង</a:t>
+            </a:r>
+            <a:br>
+              <a:rPr kumimoji="0" lang="km-KH" sz="4000" b="0" i="0" u="none" strike="noStrike" kern="1200" cap="none" spc="0" normalizeH="0" baseline="0" noProof="0" dirty="0">
                 <a:ln>
                   <a:noFill/>
                 </a:ln>
@@ -22583,32 +22393,12 @@
                 <a:uLnTx/>
                 <a:uFillTx/>
                 <a:latin typeface="Krasar" panose="00000500000000000000" pitchFamily="2" charset="0"/>
-                <a:ea typeface="+mj-ea"/>
+                <a:ea typeface="+mn-ea"/>
                 <a:cs typeface="Krasar" panose="00000500000000000000" pitchFamily="2" charset="0"/>
               </a:rPr>
-              <a:t>ព្រះយេស៊ូវជាម្ចាស់ព្រៃធំ </a:t>
-            </a:r>
-          </a:p>
-          <a:p>
-            <a:pPr marL="0" marR="0" lvl="0" indent="0" algn="ctr" defTabSz="914400" rtl="0" eaLnBrk="1" fontAlgn="auto" latinLnBrk="0" hangingPunct="1">
-              <a:lnSpc>
-                <a:spcPct val="150000"/>
-              </a:lnSpc>
-              <a:spcBef>
-                <a:spcPct val="0"/>
-              </a:spcBef>
-              <a:spcAft>
-                <a:spcPts val="0"/>
-              </a:spcAft>
-              <a:buClrTx/>
-              <a:buSzTx/>
-              <a:buFontTx/>
-              <a:buNone/>
-              <a:tabLst/>
-              <a:defRPr/>
-            </a:pPr>
-            <a:r>
-              <a:rPr kumimoji="0" lang="km-KH" sz="4400" b="0" i="0" u="none" strike="noStrike" kern="1200" cap="none" spc="0" normalizeH="0" baseline="0" noProof="0" dirty="0">
+            </a:br>
+            <a:r>
+              <a:rPr kumimoji="0" lang="km-KH" sz="4000" b="0" i="0" u="none" strike="noStrike" kern="1200" cap="none" spc="0" normalizeH="0" baseline="0" noProof="0" dirty="0">
                 <a:ln>
                   <a:noFill/>
                 </a:ln>
@@ -22619,32 +22409,13 @@
                 <a:uLnTx/>
                 <a:uFillTx/>
                 <a:latin typeface="Krasar" panose="00000500000000000000" pitchFamily="2" charset="0"/>
-                <a:ea typeface="+mj-ea"/>
+                <a:ea typeface="+mn-ea"/>
                 <a:cs typeface="Krasar" panose="00000500000000000000" pitchFamily="2" charset="0"/>
               </a:rPr>
-              <a:t>ព្រះយេស៊ូវជាម្ចាស់លោកធាតុទាំងមូល </a:t>
-            </a:r>
-          </a:p>
-          <a:p>
-            <a:pPr marL="0" marR="0" lvl="0" indent="0" algn="ctr" defTabSz="914400" rtl="0" eaLnBrk="1" fontAlgn="auto" latinLnBrk="0" hangingPunct="1">
-              <a:lnSpc>
-                <a:spcPct val="150000"/>
-              </a:lnSpc>
-              <a:spcBef>
-                <a:spcPct val="0"/>
-              </a:spcBef>
-              <a:spcAft>
-                <a:spcPts val="0"/>
-              </a:spcAft>
-              <a:buClrTx/>
-              <a:buSzTx/>
-              <a:buFontTx/>
-              <a:buNone/>
-              <a:tabLst/>
-              <a:defRPr/>
-            </a:pPr>
-            <a:r>
-              <a:rPr kumimoji="0" lang="km-KH" sz="4400" b="0" i="0" u="none" strike="noStrike" kern="1200" cap="none" spc="0" normalizeH="0" baseline="0" noProof="0" dirty="0">
+              <a:t>ឯមនុស្សចាស់នឹងយល់សុបិន្ត </a:t>
+            </a:r>
+            <a:br>
+              <a:rPr kumimoji="0" lang="km-KH" sz="4000" b="0" i="0" u="none" strike="noStrike" kern="1200" cap="none" spc="0" normalizeH="0" baseline="0" noProof="0" dirty="0">
                 <a:ln>
                   <a:noFill/>
                 </a:ln>
@@ -22655,10 +22426,43 @@
                 <a:uLnTx/>
                 <a:uFillTx/>
                 <a:latin typeface="Krasar" panose="00000500000000000000" pitchFamily="2" charset="0"/>
-                <a:ea typeface="+mj-ea"/>
+                <a:ea typeface="+mn-ea"/>
                 <a:cs typeface="Krasar" panose="00000500000000000000" pitchFamily="2" charset="0"/>
               </a:rPr>
-              <a:t>ព្រះយេស៊ូវជាម្ចាស់នៃខ្ញុំ</a:t>
+            </a:br>
+            <a:r>
+              <a:rPr kumimoji="0" lang="km-KH" sz="4000" b="0" i="0" u="none" strike="noStrike" kern="1200" cap="none" spc="0" normalizeH="0" baseline="0" noProof="0" dirty="0">
+                <a:ln>
+                  <a:noFill/>
+                </a:ln>
+                <a:solidFill>
+                  <a:prstClr val="white"/>
+                </a:solidFill>
+                <a:effectLst/>
+                <a:uLnTx/>
+                <a:uFillTx/>
+                <a:latin typeface="Krasar" panose="00000500000000000000" pitchFamily="2" charset="0"/>
+                <a:ea typeface="+mn-ea"/>
+                <a:cs typeface="Krasar" panose="00000500000000000000" pitchFamily="2" charset="0"/>
+              </a:rPr>
+              <a:t>ពេលដែលព្រះវិញ្ញាណយាងមក </a:t>
+            </a:r>
+            <a:r>
+              <a:rPr kumimoji="0" lang="km-KH" sz="4000" b="0" i="0" u="none" strike="noStrike" kern="1200" cap="none" spc="0" normalizeH="0" baseline="0" noProof="0" dirty="0">
+                <a:ln>
+                  <a:noFill/>
+                </a:ln>
+                <a:solidFill>
+                  <a:srgbClr val="FF0000"/>
+                </a:solidFill>
+                <a:effectLst/>
+                <a:uLnTx/>
+                <a:uFillTx/>
+                <a:latin typeface="Krasar" panose="00000500000000000000" pitchFamily="2" charset="0"/>
+                <a:ea typeface="+mn-ea"/>
+                <a:cs typeface="Krasar" panose="00000500000000000000" pitchFamily="2" charset="0"/>
+              </a:rPr>
+              <a:t>(២ដង)</a:t>
             </a:r>
           </a:p>
         </p:txBody>
@@ -22668,7 +22472,7 @@
           <p:cNvPr id="5" name="Date Placeholder 6">
             <a:extLst>
               <a:ext uri="{FF2B5EF4-FFF2-40B4-BE49-F238E27FC236}">
-                <a16:creationId xmlns:a16="http://schemas.microsoft.com/office/drawing/2014/main" id="{04D03D56-4123-7783-247C-855414E83612}"/>
+                <a16:creationId xmlns:a16="http://schemas.microsoft.com/office/drawing/2014/main" id="{58B5826B-AB95-6C7B-EE97-AE41BF063520}"/>
               </a:ext>
             </a:extLst>
           </p:cNvPr>
@@ -22740,7 +22544,7 @@
                 <a:tabLst/>
                 <a:defRPr/>
               </a:pPr>
-              <a:t>ថ្ងៃសុក្រ 28 មិនា 2025</a:t>
+              <a:t>ថ្ងៃសៅរ៍ 5 មេសា 2025</a:t>
             </a:fld>
             <a:endParaRPr kumimoji="0" lang="en-US" sz="1200" b="0" i="0" u="none" strike="noStrike" kern="1200" cap="none" spc="0" normalizeH="0" baseline="0" noProof="0" dirty="0">
               <a:ln>
@@ -22766,7 +22570,7 @@
           <p:cNvPr id="6" name="Footer Placeholder 7">
             <a:extLst>
               <a:ext uri="{FF2B5EF4-FFF2-40B4-BE49-F238E27FC236}">
-                <a16:creationId xmlns:a16="http://schemas.microsoft.com/office/drawing/2014/main" id="{239B336D-A19C-4909-D5F4-EE92EFD44045}"/>
+                <a16:creationId xmlns:a16="http://schemas.microsoft.com/office/drawing/2014/main" id="{01136FC3-5466-940C-5B94-CF354EEA8F52}"/>
               </a:ext>
             </a:extLst>
           </p:cNvPr>
@@ -22841,25 +22645,13 @@
     </p:spTree>
     <p:extLst>
       <p:ext uri="{BB962C8B-B14F-4D97-AF65-F5344CB8AC3E}">
-        <p14:creationId xmlns:p14="http://schemas.microsoft.com/office/powerpoint/2010/main" val="3249180001"/>
+        <p14:creationId xmlns:p14="http://schemas.microsoft.com/office/powerpoint/2010/main" val="83522700"/>
       </p:ext>
     </p:extLst>
   </p:cSld>
   <p:clrMapOvr>
     <a:masterClrMapping/>
   </p:clrMapOvr>
-  <mc:AlternateContent xmlns:mc="http://schemas.openxmlformats.org/markup-compatibility/2006">
-    <mc:Choice xmlns:p14="http://schemas.microsoft.com/office/powerpoint/2010/main" Requires="p14">
-      <p:transition spd="med" p14:dur="700">
-        <p:fade/>
-      </p:transition>
-    </mc:Choice>
-    <mc:Fallback>
-      <p:transition spd="med">
-        <p:fade/>
-      </p:transition>
-    </mc:Fallback>
-  </mc:AlternateContent>
 </p:sld>
 </file>
 
@@ -22868,7 +22660,13 @@
   <p:cSld>
     <p:spTree>
       <p:nvGrpSpPr>
-        <p:cNvPr id="1" name=""/>
+        <p:cNvPr id="1" name="">
+          <a:extLst>
+            <a:ext uri="{FF2B5EF4-FFF2-40B4-BE49-F238E27FC236}">
+              <a16:creationId xmlns:a16="http://schemas.microsoft.com/office/drawing/2014/main" id="{89A22C2F-0A4D-D2AF-BAC8-125469BCCCFA}"/>
+            </a:ext>
+          </a:extLst>
+        </p:cNvPr>
         <p:cNvGrpSpPr/>
         <p:nvPr/>
       </p:nvGrpSpPr>
@@ -22882,57 +22680,37 @@
       </p:grpSpPr>
       <p:sp>
         <p:nvSpPr>
-          <p:cNvPr id="2" name="Title 1">
+          <p:cNvPr id="4" name="Rectangle 3">
             <a:extLst>
               <a:ext uri="{FF2B5EF4-FFF2-40B4-BE49-F238E27FC236}">
-                <a16:creationId xmlns:a16="http://schemas.microsoft.com/office/drawing/2014/main" id="{930D8A43-C011-8721-85D3-10D6BB144620}"/>
+                <a16:creationId xmlns:a16="http://schemas.microsoft.com/office/drawing/2014/main" id="{8DFCE1AE-29DE-0A3C-9997-21E4973730A7}"/>
               </a:ext>
             </a:extLst>
           </p:cNvPr>
-          <p:cNvSpPr txBox="1">
-            <a:spLocks/>
-          </p:cNvSpPr>
+          <p:cNvSpPr/>
           <p:nvPr/>
         </p:nvSpPr>
         <p:spPr>
           <a:xfrm>
-            <a:off x="0" y="324465"/>
-            <a:ext cx="12192000" cy="6209070"/>
+            <a:off x="0" y="2036311"/>
+            <a:ext cx="12192000" cy="2785378"/>
           </a:xfrm>
           <a:prstGeom prst="rect">
             <a:avLst/>
           </a:prstGeom>
         </p:spPr>
         <p:txBody>
-          <a:bodyPr vert="horz" lIns="91440" tIns="45720" rIns="91440" bIns="45720" rtlCol="0" anchor="ctr">
-            <a:noAutofit/>
+          <a:bodyPr wrap="square">
+            <a:spAutoFit/>
           </a:bodyPr>
-          <a:lstStyle>
-            <a:lvl1pPr algn="l" defTabSz="914400" rtl="0" eaLnBrk="1" latinLnBrk="0" hangingPunct="1">
-              <a:lnSpc>
-                <a:spcPct val="90000"/>
-              </a:lnSpc>
-              <a:spcBef>
-                <a:spcPct val="0"/>
-              </a:spcBef>
-              <a:buNone/>
-              <a:defRPr sz="4400" kern="1200">
-                <a:solidFill>
-                  <a:schemeClr val="tx1"/>
-                </a:solidFill>
-                <a:latin typeface="+mj-lt"/>
-                <a:ea typeface="+mj-ea"/>
-                <a:cs typeface="+mj-cs"/>
-              </a:defRPr>
-            </a:lvl1pPr>
-          </a:lstStyle>
-          <a:p>
-            <a:pPr marL="0" marR="0" lvl="0" indent="0" algn="ctr" defTabSz="914400" rtl="0" eaLnBrk="1" fontAlgn="auto" latinLnBrk="0" hangingPunct="1">
+          <a:lstStyle/>
+          <a:p>
+            <a:pPr marL="0" marR="0" lvl="0" indent="0" algn="ctr" defTabSz="457200" rtl="0" eaLnBrk="1" fontAlgn="auto" latinLnBrk="0" hangingPunct="1">
               <a:lnSpc>
                 <a:spcPct val="150000"/>
               </a:lnSpc>
               <a:spcBef>
-                <a:spcPct val="0"/>
+                <a:spcPts val="0"/>
               </a:spcBef>
               <a:spcAft>
                 <a:spcPts val="0"/>
@@ -22945,133 +22723,7 @@
               <a:defRPr/>
             </a:pPr>
             <a:r>
-              <a:rPr kumimoji="0" lang="km-KH" sz="6000" b="0" i="0" u="none" strike="noStrike" kern="1200" cap="none" spc="0" normalizeH="0" baseline="0" noProof="0" dirty="0">
-                <a:ln>
-                  <a:noFill/>
-                </a:ln>
-                <a:solidFill>
-                  <a:srgbClr val="FFC000"/>
-                </a:solidFill>
-                <a:effectLst/>
-                <a:uLnTx/>
-                <a:uFillTx/>
-                <a:latin typeface="AKbalthom Moul 2" panose="02000500000000000000" pitchFamily="2" charset="0"/>
-                <a:ea typeface="+mj-ea"/>
-                <a:cs typeface="AKbalthom Moul 2" panose="02000500000000000000" pitchFamily="2" charset="0"/>
-              </a:rPr>
-              <a:t>ព្រះអង្គល្អរាល់វេលា</a:t>
-            </a:r>
-          </a:p>
-        </p:txBody>
-      </p:sp>
-    </p:spTree>
-    <p:extLst>
-      <p:ext uri="{BB962C8B-B14F-4D97-AF65-F5344CB8AC3E}">
-        <p14:creationId xmlns:p14="http://schemas.microsoft.com/office/powerpoint/2010/main" val="2748217663"/>
-      </p:ext>
-    </p:extLst>
-  </p:cSld>
-  <p:clrMapOvr>
-    <a:masterClrMapping/>
-  </p:clrMapOvr>
-  <mc:AlternateContent xmlns:mc="http://schemas.openxmlformats.org/markup-compatibility/2006">
-    <mc:Choice xmlns:p14="http://schemas.microsoft.com/office/powerpoint/2010/main" Requires="p14">
-      <p:transition spd="med" p14:dur="700">
-        <p:fade/>
-      </p:transition>
-    </mc:Choice>
-    <mc:Fallback>
-      <p:transition spd="med">
-        <p:fade/>
-      </p:transition>
-    </mc:Fallback>
-  </mc:AlternateContent>
-</p:sld>
-</file>
-
-<file path=ppt/slides/slide8.xml><?xml version="1.0" encoding="utf-8"?>
-<p:sld xmlns:a="http://schemas.openxmlformats.org/drawingml/2006/main" xmlns:r="http://schemas.openxmlformats.org/officeDocument/2006/relationships" xmlns:p="http://schemas.openxmlformats.org/presentationml/2006/main">
-  <p:cSld>
-    <p:spTree>
-      <p:nvGrpSpPr>
-        <p:cNvPr id="1" name=""/>
-        <p:cNvGrpSpPr/>
-        <p:nvPr/>
-      </p:nvGrpSpPr>
-      <p:grpSpPr>
-        <a:xfrm>
-          <a:off x="0" y="0"/>
-          <a:ext cx="0" cy="0"/>
-          <a:chOff x="0" y="0"/>
-          <a:chExt cx="0" cy="0"/>
-        </a:xfrm>
-      </p:grpSpPr>
-      <p:sp>
-        <p:nvSpPr>
-          <p:cNvPr id="2" name="Title 1">
-            <a:extLst>
-              <a:ext uri="{FF2B5EF4-FFF2-40B4-BE49-F238E27FC236}">
-                <a16:creationId xmlns:a16="http://schemas.microsoft.com/office/drawing/2014/main" id="{1BC2D47E-4FBC-5AB6-5902-9B1BDE3F9651}"/>
-              </a:ext>
-            </a:extLst>
-          </p:cNvPr>
-          <p:cNvSpPr txBox="1">
-            <a:spLocks/>
-          </p:cNvSpPr>
-          <p:nvPr/>
-        </p:nvSpPr>
-        <p:spPr>
-          <a:xfrm>
-            <a:off x="0" y="324465"/>
-            <a:ext cx="12192000" cy="6209070"/>
-          </a:xfrm>
-          <a:prstGeom prst="rect">
-            <a:avLst/>
-          </a:prstGeom>
-        </p:spPr>
-        <p:txBody>
-          <a:bodyPr vert="horz" lIns="91440" tIns="45720" rIns="91440" bIns="45720" rtlCol="0" anchor="ctr">
-            <a:noAutofit/>
-          </a:bodyPr>
-          <a:lstStyle>
-            <a:lvl1pPr algn="l" defTabSz="914400" rtl="0" eaLnBrk="1" latinLnBrk="0" hangingPunct="1">
-              <a:lnSpc>
-                <a:spcPct val="90000"/>
-              </a:lnSpc>
-              <a:spcBef>
-                <a:spcPct val="0"/>
-              </a:spcBef>
-              <a:buNone/>
-              <a:defRPr sz="4400" kern="1200">
-                <a:solidFill>
-                  <a:schemeClr val="tx1"/>
-                </a:solidFill>
-                <a:latin typeface="+mj-lt"/>
-                <a:ea typeface="+mj-ea"/>
-                <a:cs typeface="+mj-cs"/>
-              </a:defRPr>
-            </a:lvl1pPr>
-          </a:lstStyle>
-          <a:p>
-            <a:pPr marL="0" marR="0" lvl="0" indent="0" algn="ctr" defTabSz="914400" rtl="0" eaLnBrk="1" fontAlgn="auto" latinLnBrk="0" hangingPunct="1">
-              <a:lnSpc>
-                <a:spcPct val="150000"/>
-              </a:lnSpc>
-              <a:spcBef>
-                <a:spcPct val="0"/>
-              </a:spcBef>
-              <a:spcAft>
-                <a:spcPts val="0"/>
-              </a:spcAft>
-              <a:buClrTx/>
-              <a:buSzTx/>
-              <a:buFontTx/>
-              <a:buNone/>
-              <a:tabLst/>
-              <a:defRPr/>
-            </a:pPr>
-            <a:r>
-              <a:rPr kumimoji="0" lang="km-KH" sz="4400" b="0" i="0" u="none" strike="noStrike" kern="1200" cap="none" spc="0" normalizeH="0" baseline="0" noProof="0" dirty="0">
+              <a:rPr kumimoji="0" lang="km-KH" sz="4000" b="0" i="0" u="none" strike="noStrike" kern="1200" cap="none" spc="0" normalizeH="0" baseline="0" noProof="0" dirty="0">
                 <a:ln>
                   <a:noFill/>
                 </a:ln>
@@ -23082,32 +22734,13 @@
                 <a:uLnTx/>
                 <a:uFillTx/>
                 <a:latin typeface="Krasar" panose="00000500000000000000" pitchFamily="2" charset="0"/>
-                <a:ea typeface="+mj-ea"/>
+                <a:ea typeface="+mn-ea"/>
                 <a:cs typeface="Krasar" panose="00000500000000000000" pitchFamily="2" charset="0"/>
               </a:rPr>
-              <a:t>ព្រះអង្គល្អ រាល់វេលា</a:t>
-            </a:r>
-          </a:p>
-          <a:p>
-            <a:pPr marL="0" marR="0" lvl="0" indent="0" algn="ctr" defTabSz="914400" rtl="0" eaLnBrk="1" fontAlgn="auto" latinLnBrk="0" hangingPunct="1">
-              <a:lnSpc>
-                <a:spcPct val="150000"/>
-              </a:lnSpc>
-              <a:spcBef>
-                <a:spcPct val="0"/>
-              </a:spcBef>
-              <a:spcAft>
-                <a:spcPts val="0"/>
-              </a:spcAft>
-              <a:buClrTx/>
-              <a:buSzTx/>
-              <a:buFontTx/>
-              <a:buNone/>
-              <a:tabLst/>
-              <a:defRPr/>
-            </a:pPr>
-            <a:r>
-              <a:rPr kumimoji="0" lang="km-KH" sz="4400" b="0" i="0" u="none" strike="noStrike" kern="1200" cap="none" spc="0" normalizeH="0" baseline="0" noProof="0" dirty="0">
+              <a:t>ឱព្រះ វិញ្ញាណ សូម យាងចុះមក</a:t>
+            </a:r>
+            <a:br>
+              <a:rPr kumimoji="0" lang="km-KH" sz="4000" b="0" i="0" u="none" strike="noStrike" kern="1200" cap="none" spc="0" normalizeH="0" baseline="0" noProof="0" dirty="0">
                 <a:ln>
                   <a:noFill/>
                 </a:ln>
@@ -23118,32 +22751,12 @@
                 <a:uLnTx/>
                 <a:uFillTx/>
                 <a:latin typeface="Krasar" panose="00000500000000000000" pitchFamily="2" charset="0"/>
-                <a:ea typeface="+mj-ea"/>
+                <a:ea typeface="+mn-ea"/>
                 <a:cs typeface="Krasar" panose="00000500000000000000" pitchFamily="2" charset="0"/>
               </a:rPr>
-              <a:t>ទ្រង់ដាក់ចម្រៀងសរសើរ ក្នុងចិត្តខ្ញុំនេះណា</a:t>
-            </a:r>
-          </a:p>
-          <a:p>
-            <a:pPr marL="0" marR="0" lvl="0" indent="0" algn="ctr" defTabSz="914400" rtl="0" eaLnBrk="1" fontAlgn="auto" latinLnBrk="0" hangingPunct="1">
-              <a:lnSpc>
-                <a:spcPct val="150000"/>
-              </a:lnSpc>
-              <a:spcBef>
-                <a:spcPct val="0"/>
-              </a:spcBef>
-              <a:spcAft>
-                <a:spcPts val="0"/>
-              </a:spcAft>
-              <a:buClrTx/>
-              <a:buSzTx/>
-              <a:buFontTx/>
-              <a:buNone/>
-              <a:tabLst/>
-              <a:defRPr/>
-            </a:pPr>
-            <a:r>
-              <a:rPr kumimoji="0" lang="km-KH" sz="4400" b="0" i="0" u="none" strike="noStrike" kern="1200" cap="none" spc="0" normalizeH="0" baseline="0" noProof="0" dirty="0">
+            </a:br>
+            <a:r>
+              <a:rPr kumimoji="0" lang="km-KH" sz="4000" b="0" i="0" u="none" strike="noStrike" kern="1200" cap="none" spc="0" normalizeH="0" baseline="0" noProof="0" dirty="0">
                 <a:ln>
                   <a:noFill/>
                 </a:ln>
@@ -23154,32 +22767,13 @@
                 <a:uLnTx/>
                 <a:uFillTx/>
                 <a:latin typeface="Krasar" panose="00000500000000000000" pitchFamily="2" charset="0"/>
-                <a:ea typeface="+mj-ea"/>
+                <a:ea typeface="+mn-ea"/>
                 <a:cs typeface="Krasar" panose="00000500000000000000" pitchFamily="2" charset="0"/>
               </a:rPr>
-              <a:t>ព្រះអង្គល្អ រាល់វេលា</a:t>
-            </a:r>
-          </a:p>
-          <a:p>
-            <a:pPr marL="0" marR="0" lvl="0" indent="0" algn="ctr" defTabSz="914400" rtl="0" eaLnBrk="1" fontAlgn="auto" latinLnBrk="0" hangingPunct="1">
-              <a:lnSpc>
-                <a:spcPct val="150000"/>
-              </a:lnSpc>
-              <a:spcBef>
-                <a:spcPct val="0"/>
-              </a:spcBef>
-              <a:spcAft>
-                <a:spcPts val="0"/>
-              </a:spcAft>
-              <a:buClrTx/>
-              <a:buSzTx/>
-              <a:buFontTx/>
-              <a:buNone/>
-              <a:tabLst/>
-              <a:defRPr/>
-            </a:pPr>
-            <a:r>
-              <a:rPr kumimoji="0" lang="km-KH" sz="4400" b="0" i="0" u="none" strike="noStrike" kern="1200" cap="none" spc="0" normalizeH="0" baseline="0" noProof="0" dirty="0">
+              <a:t>ឱព្រះ វិញ្ញាណ សូមយាងចុះមក</a:t>
+            </a:r>
+            <a:br>
+              <a:rPr kumimoji="0" lang="km-KH" sz="4000" b="0" i="0" u="none" strike="noStrike" kern="1200" cap="none" spc="0" normalizeH="0" baseline="0" noProof="0" dirty="0">
                 <a:ln>
                   <a:noFill/>
                 </a:ln>
@@ -23190,32 +22784,12 @@
                 <a:uLnTx/>
                 <a:uFillTx/>
                 <a:latin typeface="Krasar" panose="00000500000000000000" pitchFamily="2" charset="0"/>
-                <a:ea typeface="+mj-ea"/>
+                <a:ea typeface="+mn-ea"/>
                 <a:cs typeface="Krasar" panose="00000500000000000000" pitchFamily="2" charset="0"/>
               </a:rPr>
-              <a:t>ក្នុងរាត្រីអន្តកាល ទ្រង់ជះពន្លឺ</a:t>
-            </a:r>
-          </a:p>
-          <a:p>
-            <a:pPr marL="0" marR="0" lvl="0" indent="0" algn="ctr" defTabSz="914400" rtl="0" eaLnBrk="1" fontAlgn="auto" latinLnBrk="0" hangingPunct="1">
-              <a:lnSpc>
-                <a:spcPct val="150000"/>
-              </a:lnSpc>
-              <a:spcBef>
-                <a:spcPct val="0"/>
-              </a:spcBef>
-              <a:spcAft>
-                <a:spcPts val="0"/>
-              </a:spcAft>
-              <a:buClrTx/>
-              <a:buSzTx/>
-              <a:buFontTx/>
-              <a:buNone/>
-              <a:tabLst/>
-              <a:defRPr/>
-            </a:pPr>
-            <a:r>
-              <a:rPr kumimoji="0" lang="km-KH" sz="4400" b="0" i="0" u="none" strike="noStrike" kern="1200" cap="none" spc="0" normalizeH="0" baseline="0" noProof="0" dirty="0">
+            </a:br>
+            <a:r>
+              <a:rPr kumimoji="0" lang="km-KH" sz="4000" b="0" i="0" u="none" strike="noStrike" kern="1200" cap="none" spc="0" normalizeH="0" baseline="0" noProof="0" dirty="0">
                 <a:ln>
                   <a:noFill/>
                 </a:ln>
@@ -23226,20 +22800,20 @@
                 <a:uLnTx/>
                 <a:uFillTx/>
                 <a:latin typeface="Krasar" panose="00000500000000000000" pitchFamily="2" charset="0"/>
-                <a:ea typeface="+mj-ea"/>
+                <a:ea typeface="+mn-ea"/>
                 <a:cs typeface="Krasar" panose="00000500000000000000" pitchFamily="2" charset="0"/>
               </a:rPr>
-              <a:t>ព្រះអង្គល្អ ព្រះអង្គល្អ រាល់វេលា</a:t>
-            </a:r>
-          </a:p>
-        </p:txBody>
-      </p:sp>
-      <p:sp>
-        <p:nvSpPr>
-          <p:cNvPr id="3" name="Date Placeholder 6">
+              <a:t>គង់លើ យើងផង</a:t>
+            </a:r>
+          </a:p>
+        </p:txBody>
+      </p:sp>
+      <p:sp>
+        <p:nvSpPr>
+          <p:cNvPr id="5" name="Date Placeholder 6">
             <a:extLst>
               <a:ext uri="{FF2B5EF4-FFF2-40B4-BE49-F238E27FC236}">
-                <a16:creationId xmlns:a16="http://schemas.microsoft.com/office/drawing/2014/main" id="{B0522A27-09FE-E06F-4B1C-FCDF3A91A204}"/>
+                <a16:creationId xmlns:a16="http://schemas.microsoft.com/office/drawing/2014/main" id="{9041DD90-B04D-1841-920C-C5EBF1F6AAFC}"/>
               </a:ext>
             </a:extLst>
           </p:cNvPr>
@@ -23311,7 +22885,7 @@
                 <a:tabLst/>
                 <a:defRPr/>
               </a:pPr>
-              <a:t>ថ្ងៃសុក្រ 28 មិនា 2025</a:t>
+              <a:t>ថ្ងៃសៅរ៍ 5 មេសា 2025</a:t>
             </a:fld>
             <a:endParaRPr kumimoji="0" lang="en-US" sz="1200" b="0" i="0" u="none" strike="noStrike" kern="1200" cap="none" spc="0" normalizeH="0" baseline="0" noProof="0" dirty="0">
               <a:ln>
@@ -23334,10 +22908,10 @@
       </p:sp>
       <p:sp>
         <p:nvSpPr>
-          <p:cNvPr id="4" name="Footer Placeholder 7">
+          <p:cNvPr id="6" name="Footer Placeholder 7">
             <a:extLst>
               <a:ext uri="{FF2B5EF4-FFF2-40B4-BE49-F238E27FC236}">
-                <a16:creationId xmlns:a16="http://schemas.microsoft.com/office/drawing/2014/main" id="{F4D4D0DA-4D2E-139B-8894-96D67AD8E992}"/>
+                <a16:creationId xmlns:a16="http://schemas.microsoft.com/office/drawing/2014/main" id="{D2D31AF1-94D7-9FDB-643B-426FA7BB1AB8}"/>
               </a:ext>
             </a:extLst>
           </p:cNvPr>
@@ -23412,25 +22986,85 @@
     </p:spTree>
     <p:extLst>
       <p:ext uri="{BB962C8B-B14F-4D97-AF65-F5344CB8AC3E}">
-        <p14:creationId xmlns:p14="http://schemas.microsoft.com/office/powerpoint/2010/main" val="433285362"/>
+        <p14:creationId xmlns:p14="http://schemas.microsoft.com/office/powerpoint/2010/main" val="357121512"/>
       </p:ext>
     </p:extLst>
   </p:cSld>
   <p:clrMapOvr>
     <a:masterClrMapping/>
   </p:clrMapOvr>
-  <mc:AlternateContent xmlns:mc="http://schemas.openxmlformats.org/markup-compatibility/2006">
-    <mc:Choice xmlns:p14="http://schemas.microsoft.com/office/powerpoint/2010/main" Requires="p14">
-      <p:transition spd="med" p14:dur="700">
-        <p:fade/>
-      </p:transition>
-    </mc:Choice>
-    <mc:Fallback>
-      <p:transition spd="med">
-        <p:fade/>
-      </p:transition>
-    </mc:Fallback>
-  </mc:AlternateContent>
+</p:sld>
+</file>
+
+<file path=ppt/slides/slide8.xml><?xml version="1.0" encoding="utf-8"?>
+<p:sld xmlns:a="http://schemas.openxmlformats.org/drawingml/2006/main" xmlns:r="http://schemas.openxmlformats.org/officeDocument/2006/relationships" xmlns:p="http://schemas.openxmlformats.org/presentationml/2006/main">
+  <p:cSld>
+    <p:spTree>
+      <p:nvGrpSpPr>
+        <p:cNvPr id="1" name=""/>
+        <p:cNvGrpSpPr/>
+        <p:nvPr/>
+      </p:nvGrpSpPr>
+      <p:grpSpPr>
+        <a:xfrm>
+          <a:off x="0" y="0"/>
+          <a:ext cx="0" cy="0"/>
+          <a:chOff x="0" y="0"/>
+          <a:chExt cx="0" cy="0"/>
+        </a:xfrm>
+      </p:grpSpPr>
+      <p:sp>
+        <p:nvSpPr>
+          <p:cNvPr id="2" name="Title 1"/>
+          <p:cNvSpPr>
+            <a:spLocks noGrp="1"/>
+          </p:cNvSpPr>
+          <p:nvPr>
+            <p:ph type="ctrTitle"/>
+          </p:nvPr>
+        </p:nvSpPr>
+        <p:spPr>
+          <a:xfrm>
+            <a:off x="0" y="2692796"/>
+            <a:ext cx="12192000" cy="1472408"/>
+          </a:xfrm>
+        </p:spPr>
+        <p:txBody>
+          <a:bodyPr>
+            <a:normAutofit/>
+          </a:bodyPr>
+          <a:lstStyle/>
+          <a:p>
+            <a:r>
+              <a:rPr lang="km-KH" dirty="0">
+                <a:solidFill>
+                  <a:srgbClr val="FFC000"/>
+                </a:solidFill>
+                <a:latin typeface="AKbalthom Moul 2" panose="02000500000000000000" pitchFamily="2" charset="0"/>
+                <a:cs typeface="AKbalthom Moul 2" panose="02000500000000000000" pitchFamily="2" charset="0"/>
+              </a:rPr>
+              <a:t>ថ្ងៃនោះ</a:t>
+            </a:r>
+            <a:endParaRPr lang="en-US" dirty="0">
+              <a:solidFill>
+                <a:srgbClr val="FFC000"/>
+              </a:solidFill>
+              <a:latin typeface="AKbalthom Moul 2" panose="02000500000000000000" pitchFamily="2" charset="0"/>
+              <a:cs typeface="AKbalthom Moul 2" panose="02000500000000000000" pitchFamily="2" charset="0"/>
+            </a:endParaRPr>
+          </a:p>
+        </p:txBody>
+      </p:sp>
+    </p:spTree>
+    <p:extLst>
+      <p:ext uri="{BB962C8B-B14F-4D97-AF65-F5344CB8AC3E}">
+        <p14:creationId xmlns:p14="http://schemas.microsoft.com/office/powerpoint/2010/main" val="4267531712"/>
+      </p:ext>
+    </p:extLst>
+  </p:cSld>
+  <p:clrMapOvr>
+    <a:masterClrMapping/>
+  </p:clrMapOvr>
 </p:sld>
 </file>
 
@@ -23453,10 +23087,185 @@
       </p:grpSpPr>
       <p:sp>
         <p:nvSpPr>
+          <p:cNvPr id="5" name="Date Placeholder 6">
+            <a:extLst>
+              <a:ext uri="{FF2B5EF4-FFF2-40B4-BE49-F238E27FC236}">
+                <a16:creationId xmlns:a16="http://schemas.microsoft.com/office/drawing/2014/main" id="{968F81BA-D120-487F-86D3-F8C7B941BFF3}"/>
+              </a:ext>
+            </a:extLst>
+          </p:cNvPr>
+          <p:cNvSpPr>
+            <a:spLocks noGrp="1"/>
+          </p:cNvSpPr>
+          <p:nvPr>
+            <p:ph type="dt" sz="half" idx="10"/>
+          </p:nvPr>
+        </p:nvSpPr>
+        <p:spPr>
+          <a:xfrm>
+            <a:off x="4724400" y="6499371"/>
+            <a:ext cx="2743200" cy="365125"/>
+          </a:xfrm>
+        </p:spPr>
+        <p:txBody>
+          <a:bodyPr/>
+          <a:lstStyle/>
+          <a:p>
+            <a:pPr marL="0" marR="0" lvl="0" indent="0" algn="ctr" defTabSz="457200" rtl="0" eaLnBrk="1" fontAlgn="auto" latinLnBrk="0" hangingPunct="1">
+              <a:lnSpc>
+                <a:spcPct val="100000"/>
+              </a:lnSpc>
+              <a:spcBef>
+                <a:spcPts val="0"/>
+              </a:spcBef>
+              <a:spcAft>
+                <a:spcPts val="0"/>
+              </a:spcAft>
+              <a:buClrTx/>
+              <a:buSzTx/>
+              <a:buFontTx/>
+              <a:buNone/>
+              <a:tabLst/>
+              <a:defRPr/>
+            </a:pPr>
+            <a:fld id="{EA2BFC65-DA16-48C2-8A07-8A08C95D7600}" type="datetime2">
+              <a:rPr kumimoji="0" lang="km-KH" sz="1400" b="0" i="0" u="none" strike="noStrike" kern="1200" cap="none" spc="0" normalizeH="0" baseline="0" noProof="0" smtClean="0">
+                <a:ln>
+                  <a:noFill/>
+                </a:ln>
+                <a:solidFill>
+                  <a:prstClr val="white">
+                    <a:tint val="75000"/>
+                  </a:prstClr>
+                </a:solidFill>
+                <a:effectLst/>
+                <a:uLnTx/>
+                <a:uFillTx/>
+                <a:latin typeface="Krasar" panose="00000500000000000000" pitchFamily="2" charset="0"/>
+                <a:ea typeface="+mn-ea"/>
+                <a:cs typeface="Krasar" panose="00000500000000000000" pitchFamily="2" charset="0"/>
+              </a:rPr>
+              <a:pPr marL="0" marR="0" lvl="0" indent="0" algn="ctr" defTabSz="457200" rtl="0" eaLnBrk="1" fontAlgn="auto" latinLnBrk="0" hangingPunct="1">
+                <a:lnSpc>
+                  <a:spcPct val="100000"/>
+                </a:lnSpc>
+                <a:spcBef>
+                  <a:spcPts val="0"/>
+                </a:spcBef>
+                <a:spcAft>
+                  <a:spcPts val="0"/>
+                </a:spcAft>
+                <a:buClrTx/>
+                <a:buSzTx/>
+                <a:buFontTx/>
+                <a:buNone/>
+                <a:tabLst/>
+                <a:defRPr/>
+              </a:pPr>
+              <a:t>ថ្ងៃសៅរ៍ 5 មេសា 2025</a:t>
+            </a:fld>
+            <a:endParaRPr kumimoji="0" lang="en-US" sz="1200" b="0" i="0" u="none" strike="noStrike" kern="1200" cap="none" spc="0" normalizeH="0" baseline="0" noProof="0" dirty="0">
+              <a:ln>
+                <a:noFill/>
+              </a:ln>
+              <a:solidFill>
+                <a:prstClr val="white">
+                  <a:tint val="75000"/>
+                </a:prstClr>
+              </a:solidFill>
+              <a:effectLst/>
+              <a:uLnTx/>
+              <a:uFillTx/>
+              <a:latin typeface="Krasar" panose="00000500000000000000" pitchFamily="2" charset="0"/>
+              <a:ea typeface="+mn-ea"/>
+              <a:cs typeface="Krasar" panose="00000500000000000000" pitchFamily="2" charset="0"/>
+            </a:endParaRPr>
+          </a:p>
+        </p:txBody>
+      </p:sp>
+      <p:sp>
+        <p:nvSpPr>
+          <p:cNvPr id="6" name="Footer Placeholder 7">
+            <a:extLst>
+              <a:ext uri="{FF2B5EF4-FFF2-40B4-BE49-F238E27FC236}">
+                <a16:creationId xmlns:a16="http://schemas.microsoft.com/office/drawing/2014/main" id="{597A226A-BFCD-46DB-B224-45E1E4AE94DB}"/>
+              </a:ext>
+            </a:extLst>
+          </p:cNvPr>
+          <p:cNvSpPr>
+            <a:spLocks noGrp="1"/>
+          </p:cNvSpPr>
+          <p:nvPr>
+            <p:ph type="ftr" sz="quarter" idx="11"/>
+          </p:nvPr>
+        </p:nvSpPr>
+        <p:spPr>
+          <a:xfrm>
+            <a:off x="4038600" y="0"/>
+            <a:ext cx="4114800" cy="365125"/>
+          </a:xfrm>
+        </p:spPr>
+        <p:txBody>
+          <a:bodyPr/>
+          <a:lstStyle/>
+          <a:p>
+            <a:pPr marL="0" marR="0" lvl="0" indent="0" algn="ctr" defTabSz="457200" rtl="0" eaLnBrk="1" fontAlgn="auto" latinLnBrk="0" hangingPunct="1">
+              <a:lnSpc>
+                <a:spcPct val="100000"/>
+              </a:lnSpc>
+              <a:spcBef>
+                <a:spcPts val="0"/>
+              </a:spcBef>
+              <a:spcAft>
+                <a:spcPts val="0"/>
+              </a:spcAft>
+              <a:buClrTx/>
+              <a:buSzTx/>
+              <a:buFontTx/>
+              <a:buNone/>
+              <a:tabLst/>
+              <a:defRPr/>
+            </a:pPr>
+            <a:r>
+              <a:rPr kumimoji="0" lang="km-KH" sz="1600" b="0" i="0" u="none" strike="noStrike" kern="1200" cap="none" spc="0" normalizeH="0" baseline="0" noProof="0" dirty="0">
+                <a:ln>
+                  <a:noFill/>
+                </a:ln>
+                <a:solidFill>
+                  <a:srgbClr val="FFC000"/>
+                </a:solidFill>
+                <a:effectLst/>
+                <a:uLnTx/>
+                <a:uFillTx/>
+                <a:latin typeface="AKbalthom Moul 2" panose="02000500000000000000" pitchFamily="2" charset="0"/>
+                <a:ea typeface="+mn-ea"/>
+                <a:cs typeface="AKbalthom Moul 2" panose="02000500000000000000" pitchFamily="2" charset="0"/>
+              </a:rPr>
+              <a:t>សូមថ្វាយសិរីល្អដល់ព្រះ</a:t>
+            </a:r>
+            <a:endParaRPr kumimoji="0" lang="en-US" sz="1600" b="0" i="0" u="none" strike="noStrike" kern="1200" cap="none" spc="0" normalizeH="0" baseline="0" noProof="0" dirty="0">
+              <a:ln>
+                <a:noFill/>
+              </a:ln>
+              <a:solidFill>
+                <a:srgbClr val="FFC000"/>
+              </a:solidFill>
+              <a:effectLst/>
+              <a:uLnTx/>
+              <a:uFillTx/>
+              <a:latin typeface="AKbalthom Moul 2" panose="02000500000000000000" pitchFamily="2" charset="0"/>
+              <a:ea typeface="+mn-ea"/>
+              <a:cs typeface="AKbalthom Moul 2" panose="02000500000000000000" pitchFamily="2" charset="0"/>
+            </a:endParaRPr>
+          </a:p>
+        </p:txBody>
+      </p:sp>
+      <p:sp>
+        <p:nvSpPr>
           <p:cNvPr id="2" name="Title 1">
             <a:extLst>
               <a:ext uri="{FF2B5EF4-FFF2-40B4-BE49-F238E27FC236}">
-                <a16:creationId xmlns:a16="http://schemas.microsoft.com/office/drawing/2014/main" id="{930D8A43-C011-8721-85D3-10D6BB144620}"/>
+                <a16:creationId xmlns:a16="http://schemas.microsoft.com/office/drawing/2014/main" id="{7C77F57A-DE0E-5648-D08F-E783E521737B}"/>
               </a:ext>
             </a:extLst>
           </p:cNvPr>
@@ -23516,21 +23325,165 @@
               <a:defRPr/>
             </a:pPr>
             <a:r>
-              <a:rPr kumimoji="0" lang="km-KH" sz="6000" b="0" i="0" u="none" strike="noStrike" kern="1200" cap="none" spc="0" normalizeH="0" baseline="0" noProof="0" dirty="0">
+              <a:rPr kumimoji="0" lang="km-KH" sz="4400" b="0" i="0" u="none" strike="noStrike" kern="1200" cap="none" spc="0" normalizeH="0" baseline="0" noProof="0" dirty="0">
                 <a:ln>
                   <a:noFill/>
                 </a:ln>
                 <a:solidFill>
-                  <a:srgbClr val="FFC000"/>
+                  <a:prstClr val="white"/>
                 </a:solidFill>
                 <a:effectLst/>
                 <a:uLnTx/>
                 <a:uFillTx/>
-                <a:latin typeface="AKbalthom Moul 2" panose="02000500000000000000" pitchFamily="2" charset="0"/>
+                <a:latin typeface="Krasar" panose="00000500000000000000" pitchFamily="2" charset="0"/>
                 <a:ea typeface="+mj-ea"/>
-                <a:cs typeface="AKbalthom Moul 2" panose="02000500000000000000" pitchFamily="2" charset="0"/>
+                <a:cs typeface="Krasar" panose="00000500000000000000" pitchFamily="2" charset="0"/>
               </a:rPr>
-              <a:t>ក្តីស្នេហ៍អស្ចារ្យ</a:t>
+              <a:t>ព្រលឹងប្រជាជាតិរបស់ខ្ញុំ</a:t>
+            </a:r>
+          </a:p>
+          <a:p>
+            <a:pPr marL="0" marR="0" lvl="0" indent="0" algn="ctr" defTabSz="914400" rtl="0" eaLnBrk="1" fontAlgn="auto" latinLnBrk="0" hangingPunct="1">
+              <a:lnSpc>
+                <a:spcPct val="150000"/>
+              </a:lnSpc>
+              <a:spcBef>
+                <a:spcPct val="0"/>
+              </a:spcBef>
+              <a:spcAft>
+                <a:spcPts val="0"/>
+              </a:spcAft>
+              <a:buClrTx/>
+              <a:buSzTx/>
+              <a:buFontTx/>
+              <a:buNone/>
+              <a:tabLst/>
+              <a:defRPr/>
+            </a:pPr>
+            <a:r>
+              <a:rPr kumimoji="0" lang="km-KH" sz="4400" b="0" i="0" u="none" strike="noStrike" kern="1200" cap="none" spc="0" normalizeH="0" baseline="0" noProof="0" dirty="0">
+                <a:ln>
+                  <a:noFill/>
+                </a:ln>
+                <a:solidFill>
+                  <a:prstClr val="white"/>
+                </a:solidFill>
+                <a:effectLst/>
+                <a:uLnTx/>
+                <a:uFillTx/>
+                <a:latin typeface="Krasar" panose="00000500000000000000" pitchFamily="2" charset="0"/>
+                <a:ea typeface="+mj-ea"/>
+                <a:cs typeface="Krasar" panose="00000500000000000000" pitchFamily="2" charset="0"/>
+              </a:rPr>
+              <a:t>ដែលកំពុងឈរ ស្លាប់ក្នុងភាពអន្ធការ</a:t>
+            </a:r>
+          </a:p>
+          <a:p>
+            <a:pPr marL="0" marR="0" lvl="0" indent="0" algn="ctr" defTabSz="914400" rtl="0" eaLnBrk="1" fontAlgn="auto" latinLnBrk="0" hangingPunct="1">
+              <a:lnSpc>
+                <a:spcPct val="150000"/>
+              </a:lnSpc>
+              <a:spcBef>
+                <a:spcPct val="0"/>
+              </a:spcBef>
+              <a:spcAft>
+                <a:spcPts val="0"/>
+              </a:spcAft>
+              <a:buClrTx/>
+              <a:buSzTx/>
+              <a:buFontTx/>
+              <a:buNone/>
+              <a:tabLst/>
+              <a:defRPr/>
+            </a:pPr>
+            <a:r>
+              <a:rPr kumimoji="0" lang="km-KH" sz="4400" b="0" i="0" u="none" strike="noStrike" kern="1200" cap="none" spc="0" normalizeH="0" baseline="0" noProof="0" dirty="0">
+                <a:ln>
+                  <a:noFill/>
+                </a:ln>
+                <a:solidFill>
+                  <a:prstClr val="white"/>
+                </a:solidFill>
+                <a:effectLst/>
+                <a:uLnTx/>
+                <a:uFillTx/>
+                <a:latin typeface="Krasar" panose="00000500000000000000" pitchFamily="2" charset="0"/>
+                <a:ea typeface="+mj-ea"/>
+                <a:cs typeface="Krasar" panose="00000500000000000000" pitchFamily="2" charset="0"/>
+              </a:rPr>
+              <a:t>ស្ថិតក្នុងក្តី អស់សង្ឃឹម</a:t>
+            </a:r>
+          </a:p>
+          <a:p>
+            <a:pPr marL="0" marR="0" lvl="0" indent="0" algn="ctr" defTabSz="914400" rtl="0" eaLnBrk="1" fontAlgn="auto" latinLnBrk="0" hangingPunct="1">
+              <a:lnSpc>
+                <a:spcPct val="150000"/>
+              </a:lnSpc>
+              <a:spcBef>
+                <a:spcPct val="0"/>
+              </a:spcBef>
+              <a:spcAft>
+                <a:spcPts val="0"/>
+              </a:spcAft>
+              <a:buClrTx/>
+              <a:buSzTx/>
+              <a:buFontTx/>
+              <a:buNone/>
+              <a:tabLst/>
+              <a:defRPr/>
+            </a:pPr>
+            <a:r>
+              <a:rPr kumimoji="0" lang="km-KH" sz="4400" b="0" i="0" u="none" strike="noStrike" kern="1200" cap="none" spc="0" normalizeH="0" baseline="0" noProof="0" dirty="0">
+                <a:ln>
+                  <a:noFill/>
+                </a:ln>
+                <a:solidFill>
+                  <a:prstClr val="white"/>
+                </a:solidFill>
+                <a:effectLst/>
+                <a:uLnTx/>
+                <a:uFillTx/>
+                <a:latin typeface="Krasar" panose="00000500000000000000" pitchFamily="2" charset="0"/>
+                <a:ea typeface="+mj-ea"/>
+                <a:cs typeface="Krasar" panose="00000500000000000000" pitchFamily="2" charset="0"/>
+              </a:rPr>
+              <a:t>ស្រែកទ្រហ៊ោយំ ជ្រួលច្រាល</a:t>
+            </a:r>
+          </a:p>
+          <a:p>
+            <a:pPr marL="0" marR="0" lvl="0" indent="0" algn="ctr" defTabSz="914400" rtl="0" eaLnBrk="1" fontAlgn="auto" latinLnBrk="0" hangingPunct="1">
+              <a:lnSpc>
+                <a:spcPct val="150000"/>
+              </a:lnSpc>
+              <a:spcBef>
+                <a:spcPct val="0"/>
+              </a:spcBef>
+              <a:spcAft>
+                <a:spcPts val="0"/>
+              </a:spcAft>
+              <a:buClrTx/>
+              <a:buSzTx/>
+              <a:buFontTx/>
+              <a:buNone/>
+              <a:tabLst/>
+              <a:defRPr/>
+            </a:pPr>
+            <a:r>
+              <a:rPr kumimoji="0" lang="km-KH" sz="4400" b="0" i="0" u="none" strike="noStrike" kern="1200" cap="none" spc="0" normalizeH="0" baseline="0" noProof="0" dirty="0">
+                <a:ln>
+                  <a:noFill/>
+                </a:ln>
+                <a:solidFill>
+                  <a:prstClr val="white"/>
+                </a:solidFill>
+                <a:effectLst/>
+                <a:uLnTx/>
+                <a:uFillTx/>
+                <a:latin typeface="Krasar" panose="00000500000000000000" pitchFamily="2" charset="0"/>
+                <a:ea typeface="+mj-ea"/>
+                <a:cs typeface="Krasar" panose="00000500000000000000" pitchFamily="2" charset="0"/>
+              </a:rPr>
+              <a:t>ចិត្តទាំងអំបាល ក្លាយជាទុក្ខសោក</a:t>
             </a:r>
           </a:p>
         </p:txBody>
@@ -23538,25 +23491,13 @@
     </p:spTree>
     <p:extLst>
       <p:ext uri="{BB962C8B-B14F-4D97-AF65-F5344CB8AC3E}">
-        <p14:creationId xmlns:p14="http://schemas.microsoft.com/office/powerpoint/2010/main" val="1069546802"/>
+        <p14:creationId xmlns:p14="http://schemas.microsoft.com/office/powerpoint/2010/main" val="2322248074"/>
       </p:ext>
     </p:extLst>
   </p:cSld>
   <p:clrMapOvr>
     <a:masterClrMapping/>
   </p:clrMapOvr>
-  <mc:AlternateContent xmlns:mc="http://schemas.openxmlformats.org/markup-compatibility/2006">
-    <mc:Choice xmlns:p14="http://schemas.microsoft.com/office/powerpoint/2010/main" Requires="p14">
-      <p:transition spd="med" p14:dur="700">
-        <p:fade/>
-      </p:transition>
-    </mc:Choice>
-    <mc:Fallback>
-      <p:transition spd="med">
-        <p:fade/>
-      </p:transition>
-    </mc:Fallback>
-  </mc:AlternateContent>
 </p:sld>
 </file>
 
@@ -23872,7 +23813,7 @@
         <a:srgbClr val="E7E6E6"/>
       </a:lt2>
       <a:accent1>
-        <a:srgbClr val="5B9BD5"/>
+        <a:srgbClr val="4472C4"/>
       </a:accent1>
       <a:accent2>
         <a:srgbClr val="ED7D31"/>
@@ -23884,7 +23825,7 @@
         <a:srgbClr val="FFC000"/>
       </a:accent4>
       <a:accent5>
-        <a:srgbClr val="4472C4"/>
+        <a:srgbClr val="5B9BD5"/>
       </a:accent5>
       <a:accent6>
         <a:srgbClr val="70AD47"/>
@@ -23901,9 +23842,9 @@
         <a:latin typeface="Calibri Light" panose="020F0302020204030204"/>
         <a:ea typeface=""/>
         <a:cs typeface=""/>
-        <a:font script="Jpan" typeface="ＭＳ Ｐゴシック"/>
+        <a:font script="Jpan" typeface="游ゴシック Light"/>
         <a:font script="Hang" typeface="맑은 고딕"/>
-        <a:font script="Hans" typeface="宋体"/>
+        <a:font script="Hans" typeface="等线 Light"/>
         <a:font script="Hant" typeface="新細明體"/>
         <a:font script="Arab" typeface="Times New Roman"/>
         <a:font script="Hebr" typeface="Times New Roman"/>
@@ -23936,9 +23877,9 @@
         <a:latin typeface="Calibri" panose="020F0502020204030204"/>
         <a:ea typeface=""/>
         <a:cs typeface=""/>
-        <a:font script="Jpan" typeface="ＭＳ Ｐゴシック"/>
+        <a:font script="Jpan" typeface="游ゴシック"/>
         <a:font script="Hang" typeface="맑은 고딕"/>
-        <a:font script="Hans" typeface="宋体"/>
+        <a:font script="Hans" typeface="等线"/>
         <a:font script="Hant" typeface="新細明體"/>
         <a:font script="Arab" typeface="Arial"/>
         <a:font script="Hebr" typeface="Arial"/>
@@ -24110,7 +24051,7 @@
   <a:extraClrSchemeLst/>
   <a:extLst>
     <a:ext uri="{05A4C25C-085E-4340-85A3-A5531E510DB2}">
-      <thm15:themeFamily xmlns:thm15="http://schemas.microsoft.com/office/thememl/2012/main" name="Office Theme" id="{62F939B6-93AF-4DB8-9C6B-D6C7DFDC589F}" vid="{4F46216B-77A9-411A-B9D3-5023FCB70208}"/>
+      <thm15:themeFamily xmlns:thm15="http://schemas.microsoft.com/office/thememl/2012/main" name="Office 2013 - 2022 Theme" id="{62F939B6-93AF-4DB8-9C6B-D6C7DFDC589F}" vid="{4F46216B-77A9-411A-B9D3-5023FCB70208}"/>
     </a:ext>
   </a:extLst>
 </a:theme>
